--- a/Slides/20090514_iLearn_AgileAcceptanceTesting.pptx
+++ b/Slides/20090514_iLearn_AgileAcceptanceTesting.pptx
@@ -5,22 +5,29 @@
     <p:sldMasterId id="2147483732" r:id="rId1"/>
   </p:sldMasterIdLst>
   <p:notesMasterIdLst>
-    <p:notesMasterId r:id="rId15"/>
+    <p:notesMasterId r:id="rId22"/>
   </p:notesMasterIdLst>
   <p:sldIdLst>
     <p:sldId id="256" r:id="rId2"/>
     <p:sldId id="258" r:id="rId3"/>
-    <p:sldId id="259" r:id="rId4"/>
-    <p:sldId id="260" r:id="rId5"/>
-    <p:sldId id="261" r:id="rId6"/>
-    <p:sldId id="262" r:id="rId7"/>
-    <p:sldId id="265" r:id="rId8"/>
-    <p:sldId id="257" r:id="rId9"/>
-    <p:sldId id="266" r:id="rId10"/>
-    <p:sldId id="267" r:id="rId11"/>
-    <p:sldId id="268" r:id="rId12"/>
-    <p:sldId id="264" r:id="rId13"/>
-    <p:sldId id="263" r:id="rId14"/>
+    <p:sldId id="272" r:id="rId4"/>
+    <p:sldId id="259" r:id="rId5"/>
+    <p:sldId id="260" r:id="rId6"/>
+    <p:sldId id="261" r:id="rId7"/>
+    <p:sldId id="262" r:id="rId8"/>
+    <p:sldId id="265" r:id="rId9"/>
+    <p:sldId id="257" r:id="rId10"/>
+    <p:sldId id="275" r:id="rId11"/>
+    <p:sldId id="279" r:id="rId12"/>
+    <p:sldId id="277" r:id="rId13"/>
+    <p:sldId id="280" r:id="rId14"/>
+    <p:sldId id="269" r:id="rId15"/>
+    <p:sldId id="270" r:id="rId16"/>
+    <p:sldId id="271" r:id="rId17"/>
+    <p:sldId id="278" r:id="rId18"/>
+    <p:sldId id="268" r:id="rId19"/>
+    <p:sldId id="264" r:id="rId20"/>
+    <p:sldId id="263" r:id="rId21"/>
   </p:sldIdLst>
   <p:sldSz cx="9144000" cy="6858000" type="screen4x3"/>
   <p:notesSz cx="6858000" cy="9144000"/>
@@ -204,7 +211,8 @@
           <a:p>
             <a:fld id="{08F0785E-033A-43CD-AF7D-1A09C6890A39}" type="datetimeFigureOut">
               <a:rPr lang="nl-BE" smtClean="0"/>
-              <a:t>28/03/2009</a:t>
+              <a:pPr/>
+              <a:t>07/04/2009</a:t>
             </a:fld>
             <a:endParaRPr lang="nl-BE"/>
           </a:p>
@@ -365,6 +373,7 @@
           <a:p>
             <a:fld id="{A95F721D-B08F-41E9-83C2-423A43044BB2}" type="slidenum">
               <a:rPr lang="nl-BE" smtClean="0"/>
+              <a:pPr/>
               <a:t>‹#›</a:t>
             </a:fld>
             <a:endParaRPr lang="nl-BE"/>
@@ -640,7 +649,254 @@
           <a:p>
             <a:fld id="{A95F721D-B08F-41E9-83C2-423A43044BB2}" type="slidenum">
               <a:rPr lang="nl-BE" smtClean="0"/>
-              <a:t>6</a:t>
+              <a:pPr/>
+              <a:t>7</a:t>
+            </a:fld>
+            <a:endParaRPr lang="nl-BE"/>
+          </a:p>
+        </p:txBody>
+      </p:sp>
+    </p:spTree>
+  </p:cSld>
+  <p:clrMapOvr>
+    <a:masterClrMapping/>
+  </p:clrMapOvr>
+</p:notes>
+</file>
+
+<file path=ppt/notesSlides/notesSlide10.xml><?xml version="1.0" encoding="utf-8"?>
+<p:notes xmlns:a="http://schemas.openxmlformats.org/drawingml/2006/main" xmlns:r="http://schemas.openxmlformats.org/officeDocument/2006/relationships" xmlns:p="http://schemas.openxmlformats.org/presentationml/2006/main">
+  <p:cSld>
+    <p:spTree>
+      <p:nvGrpSpPr>
+        <p:cNvPr id="1" name=""/>
+        <p:cNvGrpSpPr/>
+        <p:nvPr/>
+      </p:nvGrpSpPr>
+      <p:grpSpPr>
+        <a:xfrm>
+          <a:off x="0" y="0"/>
+          <a:ext cx="0" cy="0"/>
+          <a:chOff x="0" y="0"/>
+          <a:chExt cx="0" cy="0"/>
+        </a:xfrm>
+      </p:grpSpPr>
+      <p:sp>
+        <p:nvSpPr>
+          <p:cNvPr id="2" name="Slide Image Placeholder 1"/>
+          <p:cNvSpPr>
+            <a:spLocks noGrp="1" noRot="1" noChangeAspect="1"/>
+          </p:cNvSpPr>
+          <p:nvPr>
+            <p:ph type="sldImg"/>
+          </p:nvPr>
+        </p:nvSpPr>
+        <p:spPr/>
+      </p:sp>
+      <p:sp>
+        <p:nvSpPr>
+          <p:cNvPr id="3" name="Notes Placeholder 2"/>
+          <p:cNvSpPr>
+            <a:spLocks noGrp="1"/>
+          </p:cNvSpPr>
+          <p:nvPr>
+            <p:ph type="body" idx="1"/>
+          </p:nvPr>
+        </p:nvSpPr>
+        <p:spPr/>
+        <p:txBody>
+          <a:bodyPr>
+            <a:normAutofit/>
+          </a:bodyPr>
+          <a:lstStyle/>
+          <a:p>
+            <a:endParaRPr lang="nl-BE" dirty="0"/>
+          </a:p>
+        </p:txBody>
+      </p:sp>
+      <p:sp>
+        <p:nvSpPr>
+          <p:cNvPr id="4" name="Slide Number Placeholder 3"/>
+          <p:cNvSpPr>
+            <a:spLocks noGrp="1"/>
+          </p:cNvSpPr>
+          <p:nvPr>
+            <p:ph type="sldNum" sz="quarter" idx="10"/>
+          </p:nvPr>
+        </p:nvSpPr>
+        <p:spPr/>
+        <p:txBody>
+          <a:bodyPr/>
+          <a:lstStyle/>
+          <a:p>
+            <a:fld id="{A95F721D-B08F-41E9-83C2-423A43044BB2}" type="slidenum">
+              <a:rPr lang="nl-BE" smtClean="0"/>
+              <a:pPr/>
+              <a:t>16</a:t>
+            </a:fld>
+            <a:endParaRPr lang="nl-BE"/>
+          </a:p>
+        </p:txBody>
+      </p:sp>
+    </p:spTree>
+  </p:cSld>
+  <p:clrMapOvr>
+    <a:masterClrMapping/>
+  </p:clrMapOvr>
+</p:notes>
+</file>
+
+<file path=ppt/notesSlides/notesSlide11.xml><?xml version="1.0" encoding="utf-8"?>
+<p:notes xmlns:a="http://schemas.openxmlformats.org/drawingml/2006/main" xmlns:r="http://schemas.openxmlformats.org/officeDocument/2006/relationships" xmlns:p="http://schemas.openxmlformats.org/presentationml/2006/main">
+  <p:cSld>
+    <p:spTree>
+      <p:nvGrpSpPr>
+        <p:cNvPr id="1" name=""/>
+        <p:cNvGrpSpPr/>
+        <p:nvPr/>
+      </p:nvGrpSpPr>
+      <p:grpSpPr>
+        <a:xfrm>
+          <a:off x="0" y="0"/>
+          <a:ext cx="0" cy="0"/>
+          <a:chOff x="0" y="0"/>
+          <a:chExt cx="0" cy="0"/>
+        </a:xfrm>
+      </p:grpSpPr>
+      <p:sp>
+        <p:nvSpPr>
+          <p:cNvPr id="2" name="Slide Image Placeholder 1"/>
+          <p:cNvSpPr>
+            <a:spLocks noGrp="1" noRot="1" noChangeAspect="1"/>
+          </p:cNvSpPr>
+          <p:nvPr>
+            <p:ph type="sldImg"/>
+          </p:nvPr>
+        </p:nvSpPr>
+        <p:spPr/>
+      </p:sp>
+      <p:sp>
+        <p:nvSpPr>
+          <p:cNvPr id="3" name="Notes Placeholder 2"/>
+          <p:cNvSpPr>
+            <a:spLocks noGrp="1"/>
+          </p:cNvSpPr>
+          <p:nvPr>
+            <p:ph type="body" idx="1"/>
+          </p:nvPr>
+        </p:nvSpPr>
+        <p:spPr/>
+        <p:txBody>
+          <a:bodyPr>
+            <a:normAutofit/>
+          </a:bodyPr>
+          <a:lstStyle/>
+          <a:p>
+            <a:endParaRPr lang="nl-BE" dirty="0"/>
+          </a:p>
+        </p:txBody>
+      </p:sp>
+      <p:sp>
+        <p:nvSpPr>
+          <p:cNvPr id="4" name="Slide Number Placeholder 3"/>
+          <p:cNvSpPr>
+            <a:spLocks noGrp="1"/>
+          </p:cNvSpPr>
+          <p:nvPr>
+            <p:ph type="sldNum" sz="quarter" idx="10"/>
+          </p:nvPr>
+        </p:nvSpPr>
+        <p:spPr/>
+        <p:txBody>
+          <a:bodyPr/>
+          <a:lstStyle/>
+          <a:p>
+            <a:fld id="{A95F721D-B08F-41E9-83C2-423A43044BB2}" type="slidenum">
+              <a:rPr lang="nl-BE" smtClean="0"/>
+              <a:pPr/>
+              <a:t>17</a:t>
+            </a:fld>
+            <a:endParaRPr lang="nl-BE"/>
+          </a:p>
+        </p:txBody>
+      </p:sp>
+    </p:spTree>
+  </p:cSld>
+  <p:clrMapOvr>
+    <a:masterClrMapping/>
+  </p:clrMapOvr>
+</p:notes>
+</file>
+
+<file path=ppt/notesSlides/notesSlide12.xml><?xml version="1.0" encoding="utf-8"?>
+<p:notes xmlns:a="http://schemas.openxmlformats.org/drawingml/2006/main" xmlns:r="http://schemas.openxmlformats.org/officeDocument/2006/relationships" xmlns:p="http://schemas.openxmlformats.org/presentationml/2006/main">
+  <p:cSld>
+    <p:spTree>
+      <p:nvGrpSpPr>
+        <p:cNvPr id="1" name=""/>
+        <p:cNvGrpSpPr/>
+        <p:nvPr/>
+      </p:nvGrpSpPr>
+      <p:grpSpPr>
+        <a:xfrm>
+          <a:off x="0" y="0"/>
+          <a:ext cx="0" cy="0"/>
+          <a:chOff x="0" y="0"/>
+          <a:chExt cx="0" cy="0"/>
+        </a:xfrm>
+      </p:grpSpPr>
+      <p:sp>
+        <p:nvSpPr>
+          <p:cNvPr id="2" name="Slide Image Placeholder 1"/>
+          <p:cNvSpPr>
+            <a:spLocks noGrp="1" noRot="1" noChangeAspect="1"/>
+          </p:cNvSpPr>
+          <p:nvPr>
+            <p:ph type="sldImg"/>
+          </p:nvPr>
+        </p:nvSpPr>
+        <p:spPr/>
+      </p:sp>
+      <p:sp>
+        <p:nvSpPr>
+          <p:cNvPr id="3" name="Notes Placeholder 2"/>
+          <p:cNvSpPr>
+            <a:spLocks noGrp="1"/>
+          </p:cNvSpPr>
+          <p:nvPr>
+            <p:ph type="body" idx="1"/>
+          </p:nvPr>
+        </p:nvSpPr>
+        <p:spPr/>
+        <p:txBody>
+          <a:bodyPr>
+            <a:normAutofit/>
+          </a:bodyPr>
+          <a:lstStyle/>
+          <a:p>
+            <a:endParaRPr lang="nl-BE" dirty="0"/>
+          </a:p>
+        </p:txBody>
+      </p:sp>
+      <p:sp>
+        <p:nvSpPr>
+          <p:cNvPr id="4" name="Slide Number Placeholder 3"/>
+          <p:cNvSpPr>
+            <a:spLocks noGrp="1"/>
+          </p:cNvSpPr>
+          <p:nvPr>
+            <p:ph type="sldNum" sz="quarter" idx="10"/>
+          </p:nvPr>
+        </p:nvSpPr>
+        <p:spPr/>
+        <p:txBody>
+          <a:bodyPr/>
+          <a:lstStyle/>
+          <a:p>
+            <a:fld id="{A95F721D-B08F-41E9-83C2-423A43044BB2}" type="slidenum">
+              <a:rPr lang="nl-BE" smtClean="0"/>
+              <a:pPr/>
+              <a:t>18</a:t>
             </a:fld>
             <a:endParaRPr lang="nl-BE"/>
           </a:p>
@@ -725,7 +981,8 @@
           <a:p>
             <a:fld id="{A95F721D-B08F-41E9-83C2-423A43044BB2}" type="slidenum">
               <a:rPr lang="nl-BE" smtClean="0"/>
-              <a:t>7</a:t>
+              <a:pPr/>
+              <a:t>8</a:t>
             </a:fld>
             <a:endParaRPr lang="nl-BE"/>
           </a:p>
@@ -806,7 +1063,8 @@
           <a:p>
             <a:fld id="{A95F721D-B08F-41E9-83C2-423A43044BB2}" type="slidenum">
               <a:rPr lang="nl-BE" smtClean="0"/>
-              <a:t>8</a:t>
+              <a:pPr/>
+              <a:t>9</a:t>
             </a:fld>
             <a:endParaRPr lang="nl-BE"/>
           </a:p>
@@ -866,6 +1124,110 @@
           </a:bodyPr>
           <a:lstStyle/>
           <a:p>
+            <a:r>
+              <a:rPr lang="nl-BE" dirty="0" smtClean="0"/>
+              <a:t>Prerequisites:</a:t>
+            </a:r>
+          </a:p>
+          <a:p>
+            <a:r>
+              <a:rPr lang="nl-BE" dirty="0" smtClean="0"/>
+              <a:t>	- install asp.net mvc</a:t>
+            </a:r>
+          </a:p>
+          <a:p>
+            <a:r>
+              <a:rPr lang="nl-BE" dirty="0" smtClean="0"/>
+              <a:t>	-</a:t>
+            </a:r>
+            <a:r>
+              <a:rPr lang="nl-BE" baseline="0" dirty="0" smtClean="0"/>
+              <a:t> java runtime</a:t>
+            </a:r>
+          </a:p>
+          <a:p>
+            <a:r>
+              <a:rPr lang="nl-BE" baseline="0" dirty="0" smtClean="0"/>
+              <a:t>	- visual studio 2008</a:t>
+            </a:r>
+          </a:p>
+          <a:p>
+            <a:endParaRPr lang="nl-BE" dirty="0" smtClean="0"/>
+          </a:p>
+          <a:p>
+            <a:r>
+              <a:rPr lang="nl-BE" dirty="0" smtClean="0"/>
+              <a:t>Misschien moeten we een hands-on lab voorzien waarbij stap voor stap</a:t>
+            </a:r>
+            <a:r>
+              <a:rPr lang="nl-BE" baseline="0" dirty="0" smtClean="0"/>
+              <a:t> uitgelegd staat wat er dient te gebeuren.</a:t>
+            </a:r>
+          </a:p>
+          <a:p>
+            <a:r>
+              <a:rPr lang="nl-BE" baseline="0" dirty="0" smtClean="0"/>
+              <a:t>Dit kunnen we dan mee uitdelen.</a:t>
+            </a:r>
+          </a:p>
+          <a:p>
+            <a:pPr>
+              <a:buFontTx/>
+              <a:buChar char="-"/>
+            </a:pPr>
+            <a:endParaRPr lang="nl-BE" baseline="0" dirty="0" smtClean="0"/>
+          </a:p>
+          <a:p>
+            <a:pPr>
+              <a:buFontTx/>
+              <a:buNone/>
+            </a:pPr>
+            <a:r>
+              <a:rPr lang="nl-BE" baseline="0" dirty="0" smtClean="0"/>
+              <a:t>Dit biedt tal van voordelen:</a:t>
+            </a:r>
+          </a:p>
+          <a:p>
+            <a:pPr>
+              <a:buFontTx/>
+              <a:buChar char="-"/>
+            </a:pPr>
+            <a:r>
+              <a:rPr lang="nl-BE" baseline="0" dirty="0" smtClean="0"/>
+              <a:t> Voor onszelf hebben we een leidraad.</a:t>
+            </a:r>
+          </a:p>
+          <a:p>
+            <a:pPr>
+              <a:buFontTx/>
+              <a:buChar char="-"/>
+            </a:pPr>
+            <a:r>
+              <a:rPr lang="nl-BE" baseline="0" dirty="0" smtClean="0"/>
+              <a:t> De aanwezigen kunnen dit later nog eens overdoen indien ze dit wensen</a:t>
+            </a:r>
+          </a:p>
+          <a:p>
+            <a:pPr>
+              <a:buFontTx/>
+              <a:buChar char="-"/>
+            </a:pPr>
+            <a:r>
+              <a:rPr lang="nl-BE" baseline="0" dirty="0" smtClean="0"/>
+              <a:t> Mensen die niet mee coderen kunnen toch mee volgen</a:t>
+            </a:r>
+          </a:p>
+          <a:p>
+            <a:pPr>
+              <a:buFontTx/>
+              <a:buChar char="-"/>
+            </a:pPr>
+            <a:r>
+              <a:rPr lang="nl-BE" baseline="0" dirty="0" smtClean="0"/>
+              <a:t> ...</a:t>
+            </a:r>
+          </a:p>
+          <a:p>
             <a:endParaRPr lang="nl-BE" dirty="0"/>
           </a:p>
         </p:txBody>
@@ -887,7 +1249,8 @@
           <a:p>
             <a:fld id="{A95F721D-B08F-41E9-83C2-423A43044BB2}" type="slidenum">
               <a:rPr lang="nl-BE" smtClean="0"/>
-              <a:t>9</a:t>
+              <a:pPr/>
+              <a:t>10</a:t>
             </a:fld>
             <a:endParaRPr lang="nl-BE"/>
           </a:p>
@@ -968,7 +1331,8 @@
           <a:p>
             <a:fld id="{A95F721D-B08F-41E9-83C2-423A43044BB2}" type="slidenum">
               <a:rPr lang="nl-BE" smtClean="0"/>
-              <a:t>10</a:t>
+              <a:pPr/>
+              <a:t>11</a:t>
             </a:fld>
             <a:endParaRPr lang="nl-BE"/>
           </a:p>
@@ -1049,7 +1413,254 @@
           <a:p>
             <a:fld id="{A95F721D-B08F-41E9-83C2-423A43044BB2}" type="slidenum">
               <a:rPr lang="nl-BE" smtClean="0"/>
-              <a:t>11</a:t>
+              <a:pPr/>
+              <a:t>12</a:t>
+            </a:fld>
+            <a:endParaRPr lang="nl-BE"/>
+          </a:p>
+        </p:txBody>
+      </p:sp>
+    </p:spTree>
+  </p:cSld>
+  <p:clrMapOvr>
+    <a:masterClrMapping/>
+  </p:clrMapOvr>
+</p:notes>
+</file>
+
+<file path=ppt/notesSlides/notesSlide7.xml><?xml version="1.0" encoding="utf-8"?>
+<p:notes xmlns:a="http://schemas.openxmlformats.org/drawingml/2006/main" xmlns:r="http://schemas.openxmlformats.org/officeDocument/2006/relationships" xmlns:p="http://schemas.openxmlformats.org/presentationml/2006/main">
+  <p:cSld>
+    <p:spTree>
+      <p:nvGrpSpPr>
+        <p:cNvPr id="1" name=""/>
+        <p:cNvGrpSpPr/>
+        <p:nvPr/>
+      </p:nvGrpSpPr>
+      <p:grpSpPr>
+        <a:xfrm>
+          <a:off x="0" y="0"/>
+          <a:ext cx="0" cy="0"/>
+          <a:chOff x="0" y="0"/>
+          <a:chExt cx="0" cy="0"/>
+        </a:xfrm>
+      </p:grpSpPr>
+      <p:sp>
+        <p:nvSpPr>
+          <p:cNvPr id="2" name="Slide Image Placeholder 1"/>
+          <p:cNvSpPr>
+            <a:spLocks noGrp="1" noRot="1" noChangeAspect="1"/>
+          </p:cNvSpPr>
+          <p:nvPr>
+            <p:ph type="sldImg"/>
+          </p:nvPr>
+        </p:nvSpPr>
+        <p:spPr/>
+      </p:sp>
+      <p:sp>
+        <p:nvSpPr>
+          <p:cNvPr id="3" name="Notes Placeholder 2"/>
+          <p:cNvSpPr>
+            <a:spLocks noGrp="1"/>
+          </p:cNvSpPr>
+          <p:nvPr>
+            <p:ph type="body" idx="1"/>
+          </p:nvPr>
+        </p:nvSpPr>
+        <p:spPr/>
+        <p:txBody>
+          <a:bodyPr>
+            <a:normAutofit/>
+          </a:bodyPr>
+          <a:lstStyle/>
+          <a:p>
+            <a:endParaRPr lang="nl-BE" dirty="0"/>
+          </a:p>
+        </p:txBody>
+      </p:sp>
+      <p:sp>
+        <p:nvSpPr>
+          <p:cNvPr id="4" name="Slide Number Placeholder 3"/>
+          <p:cNvSpPr>
+            <a:spLocks noGrp="1"/>
+          </p:cNvSpPr>
+          <p:nvPr>
+            <p:ph type="sldNum" sz="quarter" idx="10"/>
+          </p:nvPr>
+        </p:nvSpPr>
+        <p:spPr/>
+        <p:txBody>
+          <a:bodyPr/>
+          <a:lstStyle/>
+          <a:p>
+            <a:fld id="{A95F721D-B08F-41E9-83C2-423A43044BB2}" type="slidenum">
+              <a:rPr lang="nl-BE" smtClean="0"/>
+              <a:pPr/>
+              <a:t>13</a:t>
+            </a:fld>
+            <a:endParaRPr lang="nl-BE"/>
+          </a:p>
+        </p:txBody>
+      </p:sp>
+    </p:spTree>
+  </p:cSld>
+  <p:clrMapOvr>
+    <a:masterClrMapping/>
+  </p:clrMapOvr>
+</p:notes>
+</file>
+
+<file path=ppt/notesSlides/notesSlide8.xml><?xml version="1.0" encoding="utf-8"?>
+<p:notes xmlns:a="http://schemas.openxmlformats.org/drawingml/2006/main" xmlns:r="http://schemas.openxmlformats.org/officeDocument/2006/relationships" xmlns:p="http://schemas.openxmlformats.org/presentationml/2006/main">
+  <p:cSld>
+    <p:spTree>
+      <p:nvGrpSpPr>
+        <p:cNvPr id="1" name=""/>
+        <p:cNvGrpSpPr/>
+        <p:nvPr/>
+      </p:nvGrpSpPr>
+      <p:grpSpPr>
+        <a:xfrm>
+          <a:off x="0" y="0"/>
+          <a:ext cx="0" cy="0"/>
+          <a:chOff x="0" y="0"/>
+          <a:chExt cx="0" cy="0"/>
+        </a:xfrm>
+      </p:grpSpPr>
+      <p:sp>
+        <p:nvSpPr>
+          <p:cNvPr id="2" name="Slide Image Placeholder 1"/>
+          <p:cNvSpPr>
+            <a:spLocks noGrp="1" noRot="1" noChangeAspect="1"/>
+          </p:cNvSpPr>
+          <p:nvPr>
+            <p:ph type="sldImg"/>
+          </p:nvPr>
+        </p:nvSpPr>
+        <p:spPr/>
+      </p:sp>
+      <p:sp>
+        <p:nvSpPr>
+          <p:cNvPr id="3" name="Notes Placeholder 2"/>
+          <p:cNvSpPr>
+            <a:spLocks noGrp="1"/>
+          </p:cNvSpPr>
+          <p:nvPr>
+            <p:ph type="body" idx="1"/>
+          </p:nvPr>
+        </p:nvSpPr>
+        <p:spPr/>
+        <p:txBody>
+          <a:bodyPr>
+            <a:normAutofit/>
+          </a:bodyPr>
+          <a:lstStyle/>
+          <a:p>
+            <a:endParaRPr lang="nl-BE" dirty="0"/>
+          </a:p>
+        </p:txBody>
+      </p:sp>
+      <p:sp>
+        <p:nvSpPr>
+          <p:cNvPr id="4" name="Slide Number Placeholder 3"/>
+          <p:cNvSpPr>
+            <a:spLocks noGrp="1"/>
+          </p:cNvSpPr>
+          <p:nvPr>
+            <p:ph type="sldNum" sz="quarter" idx="10"/>
+          </p:nvPr>
+        </p:nvSpPr>
+        <p:spPr/>
+        <p:txBody>
+          <a:bodyPr/>
+          <a:lstStyle/>
+          <a:p>
+            <a:fld id="{A95F721D-B08F-41E9-83C2-423A43044BB2}" type="slidenum">
+              <a:rPr lang="nl-BE" smtClean="0"/>
+              <a:pPr/>
+              <a:t>14</a:t>
+            </a:fld>
+            <a:endParaRPr lang="nl-BE"/>
+          </a:p>
+        </p:txBody>
+      </p:sp>
+    </p:spTree>
+  </p:cSld>
+  <p:clrMapOvr>
+    <a:masterClrMapping/>
+  </p:clrMapOvr>
+</p:notes>
+</file>
+
+<file path=ppt/notesSlides/notesSlide9.xml><?xml version="1.0" encoding="utf-8"?>
+<p:notes xmlns:a="http://schemas.openxmlformats.org/drawingml/2006/main" xmlns:r="http://schemas.openxmlformats.org/officeDocument/2006/relationships" xmlns:p="http://schemas.openxmlformats.org/presentationml/2006/main">
+  <p:cSld>
+    <p:spTree>
+      <p:nvGrpSpPr>
+        <p:cNvPr id="1" name=""/>
+        <p:cNvGrpSpPr/>
+        <p:nvPr/>
+      </p:nvGrpSpPr>
+      <p:grpSpPr>
+        <a:xfrm>
+          <a:off x="0" y="0"/>
+          <a:ext cx="0" cy="0"/>
+          <a:chOff x="0" y="0"/>
+          <a:chExt cx="0" cy="0"/>
+        </a:xfrm>
+      </p:grpSpPr>
+      <p:sp>
+        <p:nvSpPr>
+          <p:cNvPr id="2" name="Slide Image Placeholder 1"/>
+          <p:cNvSpPr>
+            <a:spLocks noGrp="1" noRot="1" noChangeAspect="1"/>
+          </p:cNvSpPr>
+          <p:nvPr>
+            <p:ph type="sldImg"/>
+          </p:nvPr>
+        </p:nvSpPr>
+        <p:spPr/>
+      </p:sp>
+      <p:sp>
+        <p:nvSpPr>
+          <p:cNvPr id="3" name="Notes Placeholder 2"/>
+          <p:cNvSpPr>
+            <a:spLocks noGrp="1"/>
+          </p:cNvSpPr>
+          <p:nvPr>
+            <p:ph type="body" idx="1"/>
+          </p:nvPr>
+        </p:nvSpPr>
+        <p:spPr/>
+        <p:txBody>
+          <a:bodyPr>
+            <a:normAutofit/>
+          </a:bodyPr>
+          <a:lstStyle/>
+          <a:p>
+            <a:endParaRPr lang="nl-BE" dirty="0"/>
+          </a:p>
+        </p:txBody>
+      </p:sp>
+      <p:sp>
+        <p:nvSpPr>
+          <p:cNvPr id="4" name="Slide Number Placeholder 3"/>
+          <p:cNvSpPr>
+            <a:spLocks noGrp="1"/>
+          </p:cNvSpPr>
+          <p:nvPr>
+            <p:ph type="sldNum" sz="quarter" idx="10"/>
+          </p:nvPr>
+        </p:nvSpPr>
+        <p:spPr/>
+        <p:txBody>
+          <a:bodyPr/>
+          <a:lstStyle/>
+          <a:p>
+            <a:fld id="{A95F721D-B08F-41E9-83C2-423A43044BB2}" type="slidenum">
+              <a:rPr lang="nl-BE" smtClean="0"/>
+              <a:pPr/>
+              <a:t>15</a:t>
             </a:fld>
             <a:endParaRPr lang="nl-BE"/>
           </a:p>
@@ -1689,7 +2300,7 @@
             <a:fld id="{FB938823-3E05-40BA-BF51-A1BB5DC0A85F}" type="datetimeFigureOut">
               <a:rPr lang="nl-BE" smtClean="0"/>
               <a:pPr/>
-              <a:t>28/03/2009</a:t>
+              <a:t>07/04/2009</a:t>
             </a:fld>
             <a:endParaRPr lang="nl-BE"/>
           </a:p>
@@ -1887,7 +2498,7 @@
             <a:fld id="{FB938823-3E05-40BA-BF51-A1BB5DC0A85F}" type="datetimeFigureOut">
               <a:rPr lang="nl-BE" smtClean="0"/>
               <a:pPr/>
-              <a:t>28/03/2009</a:t>
+              <a:t>07/04/2009</a:t>
             </a:fld>
             <a:endParaRPr lang="nl-BE"/>
           </a:p>
@@ -2074,7 +2685,7 @@
             <a:fld id="{FB938823-3E05-40BA-BF51-A1BB5DC0A85F}" type="datetimeFigureOut">
               <a:rPr lang="nl-BE" smtClean="0"/>
               <a:pPr/>
-              <a:t>28/03/2009</a:t>
+              <a:t>07/04/2009</a:t>
             </a:fld>
             <a:endParaRPr lang="nl-BE"/>
           </a:p>
@@ -2226,7 +2837,7 @@
             <a:fld id="{FB938823-3E05-40BA-BF51-A1BB5DC0A85F}" type="datetimeFigureOut">
               <a:rPr lang="nl-BE" smtClean="0"/>
               <a:pPr/>
-              <a:t>28/03/2009</a:t>
+              <a:t>07/04/2009</a:t>
             </a:fld>
             <a:endParaRPr lang="nl-BE"/>
           </a:p>
@@ -2483,7 +3094,7 @@
             <a:fld id="{FB938823-3E05-40BA-BF51-A1BB5DC0A85F}" type="datetimeFigureOut">
               <a:rPr lang="nl-BE" smtClean="0"/>
               <a:pPr/>
-              <a:t>28/03/2009</a:t>
+              <a:t>07/04/2009</a:t>
             </a:fld>
             <a:endParaRPr lang="nl-BE"/>
           </a:p>
@@ -2894,7 +3505,7 @@
             <a:fld id="{FB938823-3E05-40BA-BF51-A1BB5DC0A85F}" type="datetimeFigureOut">
               <a:rPr lang="nl-BE" smtClean="0"/>
               <a:pPr/>
-              <a:t>28/03/2009</a:t>
+              <a:t>07/04/2009</a:t>
             </a:fld>
             <a:endParaRPr lang="nl-BE"/>
           </a:p>
@@ -3342,7 +3953,7 @@
             <a:fld id="{FB938823-3E05-40BA-BF51-A1BB5DC0A85F}" type="datetimeFigureOut">
               <a:rPr lang="nl-BE" smtClean="0"/>
               <a:pPr/>
-              <a:t>28/03/2009</a:t>
+              <a:t>07/04/2009</a:t>
             </a:fld>
             <a:endParaRPr lang="nl-BE"/>
           </a:p>
@@ -3445,7 +4056,7 @@
             <a:fld id="{FB938823-3E05-40BA-BF51-A1BB5DC0A85F}" type="datetimeFigureOut">
               <a:rPr lang="nl-BE" smtClean="0"/>
               <a:pPr/>
-              <a:t>28/03/2009</a:t>
+              <a:t>07/04/2009</a:t>
             </a:fld>
             <a:endParaRPr lang="nl-BE"/>
           </a:p>
@@ -3568,7 +4179,7 @@
             <a:fld id="{FB938823-3E05-40BA-BF51-A1BB5DC0A85F}" type="datetimeFigureOut">
               <a:rPr lang="nl-BE" smtClean="0"/>
               <a:pPr/>
-              <a:t>28/03/2009</a:t>
+              <a:t>07/04/2009</a:t>
             </a:fld>
             <a:endParaRPr lang="nl-BE"/>
           </a:p>
@@ -3844,7 +4455,7 @@
             <a:fld id="{FB938823-3E05-40BA-BF51-A1BB5DC0A85F}" type="datetimeFigureOut">
               <a:rPr lang="nl-BE" smtClean="0"/>
               <a:pPr/>
-              <a:t>28/03/2009</a:t>
+              <a:t>07/04/2009</a:t>
             </a:fld>
             <a:endParaRPr lang="nl-BE"/>
           </a:p>
@@ -4051,7 +4662,7 @@
             <a:fld id="{FB938823-3E05-40BA-BF51-A1BB5DC0A85F}" type="datetimeFigureOut">
               <a:rPr lang="nl-BE" smtClean="0"/>
               <a:pPr/>
-              <a:t>28/03/2009</a:t>
+              <a:t>07/04/2009</a:t>
             </a:fld>
             <a:endParaRPr lang="nl-BE"/>
           </a:p>
@@ -5162,7 +5773,7 @@
             <a:fld id="{FB938823-3E05-40BA-BF51-A1BB5DC0A85F}" type="datetimeFigureOut">
               <a:rPr lang="nl-BE" smtClean="0"/>
               <a:pPr/>
-              <a:t>28/03/2009</a:t>
+              <a:t>07/04/2009</a:t>
             </a:fld>
             <a:endParaRPr lang="nl-BE"/>
           </a:p>
@@ -5663,9 +6274,35 @@
           <a:chExt cx="0" cy="0"/>
         </a:xfrm>
       </p:grpSpPr>
-      <p:sp>
-        <p:nvSpPr>
-          <p:cNvPr id="3" name="Content Placeholder 2"/>
+      <p:pic>
+        <p:nvPicPr>
+          <p:cNvPr id="5" name="Picture 2" descr="C:\Users\pascmest\AppData\Local\Microsoft\Windows\Temporary Internet Files\Content.IE5\R67MQFYW\MPj04053960000[1].jpg"/>
+          <p:cNvPicPr>
+            <a:picLocks noChangeAspect="1" noChangeArrowheads="1"/>
+          </p:cNvPicPr>
+          <p:nvPr/>
+        </p:nvPicPr>
+        <p:blipFill>
+          <a:blip r:embed="rId3" cstate="print"/>
+          <a:srcRect/>
+          <a:stretch>
+            <a:fillRect/>
+          </a:stretch>
+        </p:blipFill>
+        <p:spPr bwMode="auto">
+          <a:xfrm>
+            <a:off x="5443545" y="4214818"/>
+            <a:ext cx="3700487" cy="2643206"/>
+          </a:xfrm>
+          <a:prstGeom prst="rect">
+            <a:avLst/>
+          </a:prstGeom>
+          <a:noFill/>
+        </p:spPr>
+      </p:pic>
+      <p:sp>
+        <p:nvSpPr>
+          <p:cNvPr id="2" name="Content Placeholder 1"/>
           <p:cNvSpPr>
             <a:spLocks noGrp="1"/>
           </p:cNvSpPr>
@@ -5680,61 +6317,74 @@
           </a:bodyPr>
           <a:lstStyle/>
           <a:p>
-            <a:r>
-              <a:rPr lang="nl-BE" dirty="0" smtClean="0"/>
-              <a:t>Row Fixture</a:t>
-            </a:r>
-          </a:p>
-          <a:p>
-            <a:r>
-              <a:rPr lang="nl-BE" dirty="0" smtClean="0"/>
-              <a:t>Column Fixture</a:t>
-            </a:r>
-          </a:p>
-          <a:p>
-            <a:r>
-              <a:rPr lang="nl-BE" dirty="0" smtClean="0"/>
-              <a:t>Do Fixture</a:t>
-            </a:r>
-            <a:endParaRPr lang="nl-BE" dirty="0" smtClean="0"/>
-          </a:p>
-          <a:p>
-            <a:r>
-              <a:rPr lang="nl-BE" dirty="0" smtClean="0"/>
-              <a:t>Action Fixture</a:t>
-            </a:r>
-          </a:p>
-          <a:p>
-            <a:endParaRPr lang="nl-BE" dirty="0" smtClean="0"/>
-          </a:p>
-          <a:p>
-            <a:r>
-              <a:rPr lang="nl-BE" i="1" dirty="0" smtClean="0">
-                <a:solidFill>
-                  <a:srgbClr val="FF0000"/>
-                </a:solidFill>
-              </a:rPr>
-              <a:t>P</a:t>
-            </a:r>
-            <a:r>
-              <a:rPr lang="nl-BE" i="1" dirty="0" smtClean="0">
-                <a:solidFill>
-                  <a:srgbClr val="FF0000"/>
-                </a:solidFill>
-              </a:rPr>
-              <a:t>ascal: ik zou voorstellen dat we enkele acceptatie testen voorbereiden in fit welke de 2 stories coveren, en aan de hand van deze de fixtures uitleggen en de gluecode live maken.</a:t>
-            </a:r>
-            <a:endParaRPr lang="nl-BE" i="1" dirty="0" smtClean="0">
-              <a:solidFill>
-                <a:srgbClr val="FF0000"/>
-              </a:solidFill>
-            </a:endParaRPr>
-          </a:p>
-        </p:txBody>
-      </p:sp>
-      <p:sp>
-        <p:nvSpPr>
-          <p:cNvPr id="2" name="Title 1"/>
+            <a:pPr marL="624078" indent="-514350"/>
+            <a:r>
+              <a:rPr lang="nl-BE" i="1" dirty="0" smtClean="0"/>
+              <a:t>Specification Workshop</a:t>
+            </a:r>
+          </a:p>
+          <a:p>
+            <a:pPr marL="624078" indent="-514350"/>
+            <a:endParaRPr lang="nl-BE" i="1" dirty="0" smtClean="0"/>
+          </a:p>
+          <a:p>
+            <a:pPr marL="624078" indent="-514350"/>
+            <a:r>
+              <a:rPr lang="nl-BE" b="1" i="1" dirty="0" smtClean="0"/>
+              <a:t>Setup Fitnesse &amp; demo application</a:t>
+            </a:r>
+          </a:p>
+          <a:p>
+            <a:pPr marL="880110" lvl="1" indent="-514350"/>
+            <a:r>
+              <a:rPr lang="nl-BE" b="1" dirty="0" smtClean="0"/>
+              <a:t>Setup Fitnesse from the zip download</a:t>
+            </a:r>
+          </a:p>
+          <a:p>
+            <a:pPr marL="880110" lvl="1" indent="-514350"/>
+            <a:r>
+              <a:rPr lang="nl-BE" b="1" dirty="0" smtClean="0"/>
+              <a:t>Introduce and compile the demo </a:t>
+            </a:r>
+            <a:r>
+              <a:rPr lang="nl-BE" b="1" dirty="0" smtClean="0"/>
+              <a:t>application</a:t>
+            </a:r>
+            <a:endParaRPr lang="nl-BE" b="1" i="1" dirty="0" smtClean="0"/>
+          </a:p>
+          <a:p>
+            <a:pPr marL="624078" indent="-514350"/>
+            <a:endParaRPr lang="nl-BE" i="1" dirty="0" smtClean="0"/>
+          </a:p>
+          <a:p>
+            <a:pPr marL="624078" indent="-514350"/>
+            <a:r>
+              <a:rPr lang="nl-BE" i="1" dirty="0" smtClean="0"/>
+              <a:t>Implement Acceptance Tests</a:t>
+            </a:r>
+          </a:p>
+          <a:p>
+            <a:pPr marL="624078" indent="-514350"/>
+            <a:endParaRPr lang="nl-BE" i="1" dirty="0" smtClean="0"/>
+          </a:p>
+          <a:p>
+            <a:pPr marL="624078" indent="-514350"/>
+            <a:r>
+              <a:rPr lang="nl-BE" i="1" dirty="0" smtClean="0"/>
+              <a:t>Continuous Integration</a:t>
+            </a:r>
+            <a:endParaRPr lang="nl-BE" i="1" dirty="0" smtClean="0"/>
+          </a:p>
+          <a:p>
+            <a:pPr marL="624078" indent="-514350"/>
+            <a:endParaRPr lang="nl-BE" i="1" dirty="0" smtClean="0"/>
+          </a:p>
+        </p:txBody>
+      </p:sp>
+      <p:sp>
+        <p:nvSpPr>
+          <p:cNvPr id="3" name="Title 2"/>
           <p:cNvSpPr>
             <a:spLocks noGrp="1"/>
           </p:cNvSpPr>
@@ -5744,14 +6394,20 @@
         </p:nvSpPr>
         <p:spPr/>
         <p:txBody>
-          <a:bodyPr/>
+          <a:bodyPr>
+            <a:normAutofit fontScale="90000"/>
+          </a:bodyPr>
           <a:lstStyle/>
           <a:p>
             <a:r>
-              <a:rPr lang="nl-BE" dirty="0" smtClean="0"/>
-              <a:t>Use different Fit fixtures:</a:t>
-            </a:r>
-            <a:endParaRPr lang="nl-BE" dirty="0"/>
+              <a:rPr lang="nl-BE" sz="3600" dirty="0" smtClean="0"/>
+              <a:t>Agile </a:t>
+            </a:r>
+            <a:r>
+              <a:rPr lang="nl-BE" sz="3600" dirty="0" smtClean="0"/>
+              <a:t>Acceptance Testing with Fitnesse</a:t>
+            </a:r>
+            <a:endParaRPr lang="nl-BE" sz="3600" dirty="0"/>
           </a:p>
         </p:txBody>
       </p:sp>
@@ -5787,9 +6443,35 @@
           <a:chExt cx="0" cy="0"/>
         </a:xfrm>
       </p:grpSpPr>
-      <p:sp>
-        <p:nvSpPr>
-          <p:cNvPr id="3" name="Content Placeholder 2"/>
+      <p:pic>
+        <p:nvPicPr>
+          <p:cNvPr id="5" name="Picture 2" descr="C:\Users\pascmest\AppData\Local\Microsoft\Windows\Temporary Internet Files\Content.IE5\R67MQFYW\MPj04053960000[1].jpg"/>
+          <p:cNvPicPr>
+            <a:picLocks noChangeAspect="1" noChangeArrowheads="1"/>
+          </p:cNvPicPr>
+          <p:nvPr/>
+        </p:nvPicPr>
+        <p:blipFill>
+          <a:blip r:embed="rId3" cstate="print"/>
+          <a:srcRect/>
+          <a:stretch>
+            <a:fillRect/>
+          </a:stretch>
+        </p:blipFill>
+        <p:spPr bwMode="auto">
+          <a:xfrm>
+            <a:off x="5443545" y="4214818"/>
+            <a:ext cx="3700487" cy="2643206"/>
+          </a:xfrm>
+          <a:prstGeom prst="rect">
+            <a:avLst/>
+          </a:prstGeom>
+          <a:noFill/>
+        </p:spPr>
+      </p:pic>
+      <p:sp>
+        <p:nvSpPr>
+          <p:cNvPr id="2" name="Content Placeholder 1"/>
           <p:cNvSpPr>
             <a:spLocks noGrp="1"/>
           </p:cNvSpPr>
@@ -5804,66 +6486,55 @@
           </a:bodyPr>
           <a:lstStyle/>
           <a:p>
-            <a:r>
-              <a:rPr lang="nl-BE" dirty="0" smtClean="0"/>
-              <a:t>2 Suites in Fitnesse</a:t>
-            </a:r>
-          </a:p>
-          <a:p>
-            <a:pPr lvl="1"/>
-            <a:r>
-              <a:rPr lang="nl-BE" dirty="0" smtClean="0"/>
-              <a:t>Work In Progress – doesn’t break the build</a:t>
-            </a:r>
-          </a:p>
-          <a:p>
-            <a:pPr lvl="1"/>
-            <a:r>
-              <a:rPr lang="nl-BE" dirty="0" smtClean="0"/>
-              <a:t>Acceptance Suite – breaks the build!</a:t>
-            </a:r>
-          </a:p>
-          <a:p>
-            <a:pPr lvl="1"/>
-            <a:endParaRPr lang="nl-BE" dirty="0" smtClean="0"/>
-          </a:p>
-          <a:p>
-            <a:r>
-              <a:rPr lang="nl-BE" i="1" dirty="0" smtClean="0">
-                <a:solidFill>
-                  <a:srgbClr val="FF0000"/>
-                </a:solidFill>
-              </a:rPr>
-              <a:t>P</a:t>
-            </a:r>
-            <a:r>
-              <a:rPr lang="nl-BE" i="1" dirty="0" smtClean="0">
-                <a:solidFill>
-                  <a:srgbClr val="FF0000"/>
-                </a:solidFill>
-              </a:rPr>
-              <a:t>ascal: slides nog verder uit te werken... Zit nog met een fun idee in m’n hoofd om het wat ludiek te houden </a:t>
-            </a:r>
-            <a:r>
-              <a:rPr lang="nl-BE" i="1" dirty="0" smtClean="0">
-                <a:solidFill>
-                  <a:srgbClr val="FF0000"/>
-                </a:solidFill>
-                <a:sym typeface="Wingdings" pitchFamily="2" charset="2"/>
-              </a:rPr>
-              <a:t></a:t>
-            </a:r>
-            <a:endParaRPr lang="nl-BE" i="1" dirty="0" smtClean="0">
-              <a:solidFill>
-                <a:srgbClr val="FF0000"/>
-              </a:solidFill>
-            </a:endParaRPr>
-          </a:p>
-        </p:txBody>
-      </p:sp>
-      <p:sp>
-        <p:nvSpPr>
-          <p:cNvPr id="2" name="Title 1"/>
+            <a:pPr marL="624078" indent="-514350"/>
+            <a:r>
+              <a:rPr lang="nl-BE" i="1" dirty="0" smtClean="0"/>
+              <a:t>Specification Workshop</a:t>
+            </a:r>
+          </a:p>
+          <a:p>
+            <a:pPr marL="624078" indent="-514350"/>
+            <a:endParaRPr lang="nl-BE" i="1" dirty="0" smtClean="0"/>
+          </a:p>
+          <a:p>
+            <a:pPr marL="624078" indent="-514350"/>
+            <a:r>
+              <a:rPr lang="nl-BE" i="1" dirty="0" smtClean="0"/>
+              <a:t>Setup Fitnesse &amp; demo application</a:t>
+            </a:r>
+          </a:p>
+          <a:p>
+            <a:pPr marL="624078" indent="-514350"/>
+            <a:endParaRPr lang="nl-BE" i="1" dirty="0" smtClean="0"/>
+          </a:p>
+          <a:p>
+            <a:pPr marL="624078" indent="-514350"/>
+            <a:r>
+              <a:rPr lang="nl-BE" b="1" i="1" dirty="0" smtClean="0"/>
+              <a:t>Implement Acceptance Tests</a:t>
+            </a:r>
+          </a:p>
+          <a:p>
+            <a:pPr marL="624078" indent="-514350"/>
+            <a:endParaRPr lang="nl-BE" i="1" dirty="0" smtClean="0"/>
+          </a:p>
+          <a:p>
+            <a:pPr marL="624078" indent="-514350"/>
+            <a:r>
+              <a:rPr lang="nl-BE" i="1" dirty="0" smtClean="0"/>
+              <a:t>Continuous Integration</a:t>
+            </a:r>
+            <a:endParaRPr lang="nl-BE" i="1" dirty="0" smtClean="0"/>
+          </a:p>
+          <a:p>
+            <a:pPr marL="624078" indent="-514350"/>
+            <a:endParaRPr lang="nl-BE" i="1" dirty="0" smtClean="0"/>
+          </a:p>
+        </p:txBody>
+      </p:sp>
+      <p:sp>
+        <p:nvSpPr>
+          <p:cNvPr id="3" name="Title 2"/>
           <p:cNvSpPr>
             <a:spLocks noGrp="1"/>
           </p:cNvSpPr>
@@ -5873,14 +6544,20 @@
         </p:nvSpPr>
         <p:spPr/>
         <p:txBody>
-          <a:bodyPr/>
+          <a:bodyPr>
+            <a:normAutofit fontScale="90000"/>
+          </a:bodyPr>
           <a:lstStyle/>
           <a:p>
             <a:r>
-              <a:rPr lang="nl-BE" dirty="0" smtClean="0"/>
-              <a:t>Continuous Integration:</a:t>
-            </a:r>
-            <a:endParaRPr lang="nl-BE" dirty="0"/>
+              <a:rPr lang="nl-BE" sz="3600" dirty="0" smtClean="0"/>
+              <a:t>Agile </a:t>
+            </a:r>
+            <a:r>
+              <a:rPr lang="nl-BE" sz="3600" dirty="0" smtClean="0"/>
+              <a:t>Acceptance Testing with Fitnesse</a:t>
+            </a:r>
+            <a:endParaRPr lang="nl-BE" sz="3600" dirty="0"/>
           </a:p>
         </p:txBody>
       </p:sp>
@@ -5926,6 +6603,938 @@
             <p:ph idx="1"/>
           </p:nvPr>
         </p:nvSpPr>
+        <p:spPr/>
+        <p:txBody>
+          <a:bodyPr>
+            <a:normAutofit/>
+          </a:bodyPr>
+          <a:lstStyle/>
+          <a:p>
+            <a:r>
+              <a:rPr lang="nl-BE" dirty="0" smtClean="0">
+                <a:solidFill>
+                  <a:srgbClr val="FF0000"/>
+                </a:solidFill>
+              </a:rPr>
+              <a:t>Mike Cohn’s testing piramid</a:t>
+            </a:r>
+            <a:endParaRPr lang="nl-BE" dirty="0" smtClean="0">
+              <a:solidFill>
+                <a:srgbClr val="FF0000"/>
+              </a:solidFill>
+            </a:endParaRPr>
+          </a:p>
+          <a:p>
+            <a:pPr lvl="1"/>
+            <a:endParaRPr lang="nl-BE" dirty="0" smtClean="0"/>
+          </a:p>
+        </p:txBody>
+      </p:sp>
+      <p:sp>
+        <p:nvSpPr>
+          <p:cNvPr id="2" name="Title 1"/>
+          <p:cNvSpPr>
+            <a:spLocks noGrp="1"/>
+          </p:cNvSpPr>
+          <p:nvPr>
+            <p:ph type="title"/>
+          </p:nvPr>
+        </p:nvSpPr>
+        <p:spPr/>
+        <p:txBody>
+          <a:bodyPr/>
+          <a:lstStyle/>
+          <a:p>
+            <a:r>
+              <a:rPr lang="nl-BE" dirty="0" smtClean="0"/>
+              <a:t>Unit Tests vs Acceptance Tests</a:t>
+            </a:r>
+            <a:endParaRPr lang="nl-BE" dirty="0"/>
+          </a:p>
+        </p:txBody>
+      </p:sp>
+    </p:spTree>
+  </p:cSld>
+  <p:clrMapOvr>
+    <a:masterClrMapping/>
+  </p:clrMapOvr>
+  <p:timing>
+    <p:tnLst>
+      <p:par>
+        <p:cTn id="1" dur="indefinite" restart="never" nodeType="tmRoot"/>
+      </p:par>
+    </p:tnLst>
+  </p:timing>
+</p:sld>
+</file>
+
+<file path=ppt/slides/slide13.xml><?xml version="1.0" encoding="utf-8"?>
+<p:sld xmlns:a="http://schemas.openxmlformats.org/drawingml/2006/main" xmlns:r="http://schemas.openxmlformats.org/officeDocument/2006/relationships" xmlns:p="http://schemas.openxmlformats.org/presentationml/2006/main">
+  <p:cSld>
+    <p:spTree>
+      <p:nvGrpSpPr>
+        <p:cNvPr id="1" name=""/>
+        <p:cNvGrpSpPr/>
+        <p:nvPr/>
+      </p:nvGrpSpPr>
+      <p:grpSpPr>
+        <a:xfrm>
+          <a:off x="0" y="0"/>
+          <a:ext cx="0" cy="0"/>
+          <a:chOff x="0" y="0"/>
+          <a:chExt cx="0" cy="0"/>
+        </a:xfrm>
+      </p:grpSpPr>
+      <p:sp>
+        <p:nvSpPr>
+          <p:cNvPr id="3" name="Content Placeholder 2"/>
+          <p:cNvSpPr>
+            <a:spLocks noGrp="1"/>
+          </p:cNvSpPr>
+          <p:nvPr>
+            <p:ph idx="1"/>
+          </p:nvPr>
+        </p:nvSpPr>
+        <p:spPr/>
+        <p:txBody>
+          <a:bodyPr>
+            <a:normAutofit/>
+          </a:bodyPr>
+          <a:lstStyle/>
+          <a:p>
+            <a:r>
+              <a:rPr lang="nl-BE" dirty="0" smtClean="0">
+                <a:solidFill>
+                  <a:srgbClr val="FF0000"/>
+                </a:solidFill>
+              </a:rPr>
+              <a:t>Write gluecode for prepared tests</a:t>
+            </a:r>
+            <a:endParaRPr lang="nl-BE" dirty="0" smtClean="0">
+              <a:solidFill>
+                <a:srgbClr val="FF0000"/>
+              </a:solidFill>
+            </a:endParaRPr>
+          </a:p>
+          <a:p>
+            <a:endParaRPr lang="nl-BE" dirty="0" smtClean="0">
+              <a:solidFill>
+                <a:srgbClr val="FF0000"/>
+              </a:solidFill>
+            </a:endParaRPr>
+          </a:p>
+          <a:p>
+            <a:r>
+              <a:rPr lang="nl-BE" dirty="0" smtClean="0">
+                <a:solidFill>
+                  <a:srgbClr val="FF0000"/>
+                </a:solidFill>
+              </a:rPr>
+              <a:t>Types of fixtures to use:</a:t>
+            </a:r>
+          </a:p>
+          <a:p>
+            <a:pPr lvl="1"/>
+            <a:r>
+              <a:rPr lang="nl-BE" dirty="0" smtClean="0">
+                <a:solidFill>
+                  <a:srgbClr val="FF0000"/>
+                </a:solidFill>
+              </a:rPr>
+              <a:t>RowFixture</a:t>
+            </a:r>
+          </a:p>
+          <a:p>
+            <a:pPr lvl="1"/>
+            <a:r>
+              <a:rPr lang="nl-BE" dirty="0" smtClean="0">
+                <a:solidFill>
+                  <a:srgbClr val="FF0000"/>
+                </a:solidFill>
+              </a:rPr>
+              <a:t>ColumnFixture</a:t>
+            </a:r>
+          </a:p>
+          <a:p>
+            <a:pPr lvl="1"/>
+            <a:r>
+              <a:rPr lang="nl-BE" dirty="0" smtClean="0">
+                <a:solidFill>
+                  <a:srgbClr val="FF0000"/>
+                </a:solidFill>
+              </a:rPr>
+              <a:t>DoFixture</a:t>
+            </a:r>
+          </a:p>
+          <a:p>
+            <a:pPr lvl="1"/>
+            <a:r>
+              <a:rPr lang="nl-BE" dirty="0" smtClean="0">
+                <a:solidFill>
+                  <a:srgbClr val="FF0000"/>
+                </a:solidFill>
+              </a:rPr>
+              <a:t>ActionFixture</a:t>
+            </a:r>
+          </a:p>
+          <a:p>
+            <a:pPr lvl="1"/>
+            <a:endParaRPr lang="nl-BE" dirty="0" smtClean="0"/>
+          </a:p>
+        </p:txBody>
+      </p:sp>
+      <p:sp>
+        <p:nvSpPr>
+          <p:cNvPr id="2" name="Title 1"/>
+          <p:cNvSpPr>
+            <a:spLocks noGrp="1"/>
+          </p:cNvSpPr>
+          <p:nvPr>
+            <p:ph type="title"/>
+          </p:nvPr>
+        </p:nvSpPr>
+        <p:spPr/>
+        <p:txBody>
+          <a:bodyPr/>
+          <a:lstStyle/>
+          <a:p>
+            <a:r>
+              <a:rPr lang="nl-BE" dirty="0" smtClean="0"/>
+              <a:t>Implement Acceptance Tests</a:t>
+            </a:r>
+            <a:endParaRPr lang="nl-BE" dirty="0"/>
+          </a:p>
+        </p:txBody>
+      </p:sp>
+    </p:spTree>
+  </p:cSld>
+  <p:clrMapOvr>
+    <a:masterClrMapping/>
+  </p:clrMapOvr>
+  <p:timing>
+    <p:tnLst>
+      <p:par>
+        <p:cTn id="1" dur="indefinite" restart="never" nodeType="tmRoot"/>
+      </p:par>
+    </p:tnLst>
+  </p:timing>
+</p:sld>
+</file>
+
+<file path=ppt/slides/slide14.xml><?xml version="1.0" encoding="utf-8"?>
+<p:sld xmlns:a="http://schemas.openxmlformats.org/drawingml/2006/main" xmlns:r="http://schemas.openxmlformats.org/officeDocument/2006/relationships" xmlns:p="http://schemas.openxmlformats.org/presentationml/2006/main">
+  <p:cSld>
+    <p:spTree>
+      <p:nvGrpSpPr>
+        <p:cNvPr id="1" name=""/>
+        <p:cNvGrpSpPr/>
+        <p:nvPr/>
+      </p:nvGrpSpPr>
+      <p:grpSpPr>
+        <a:xfrm>
+          <a:off x="0" y="0"/>
+          <a:ext cx="0" cy="0"/>
+          <a:chOff x="0" y="0"/>
+          <a:chExt cx="0" cy="0"/>
+        </a:xfrm>
+      </p:grpSpPr>
+      <p:sp>
+        <p:nvSpPr>
+          <p:cNvPr id="3" name="Content Placeholder 2"/>
+          <p:cNvSpPr>
+            <a:spLocks noGrp="1"/>
+          </p:cNvSpPr>
+          <p:nvPr>
+            <p:ph idx="1"/>
+          </p:nvPr>
+        </p:nvSpPr>
+        <p:spPr/>
+        <p:txBody>
+          <a:bodyPr>
+            <a:normAutofit lnSpcReduction="10000"/>
+          </a:bodyPr>
+          <a:lstStyle/>
+          <a:p>
+            <a:r>
+              <a:rPr lang="en-US" dirty="0" smtClean="0"/>
+              <a:t>Developers will actually read the </a:t>
+            </a:r>
+            <a:r>
+              <a:rPr lang="en-US" dirty="0" smtClean="0"/>
+              <a:t>specifications</a:t>
+            </a:r>
+          </a:p>
+          <a:p>
+            <a:endParaRPr lang="en-US" dirty="0" smtClean="0"/>
+          </a:p>
+          <a:p>
+            <a:r>
+              <a:rPr lang="en-US" dirty="0" smtClean="0"/>
+              <a:t>They </a:t>
+            </a:r>
+            <a:r>
+              <a:rPr lang="en-US" dirty="0" smtClean="0"/>
+              <a:t>will understood the stuff correctly</a:t>
+            </a:r>
+          </a:p>
+          <a:p>
+            <a:endParaRPr lang="en-US" dirty="0" smtClean="0"/>
+          </a:p>
+          <a:p>
+            <a:r>
+              <a:rPr lang="en-US" dirty="0" smtClean="0"/>
+              <a:t>They will not </a:t>
+            </a:r>
+            <a:r>
+              <a:rPr lang="en-US" dirty="0" smtClean="0"/>
+              <a:t>skip parts of the </a:t>
+            </a:r>
+            <a:r>
+              <a:rPr lang="en-US" dirty="0" smtClean="0"/>
+              <a:t>spec</a:t>
+            </a:r>
+          </a:p>
+          <a:p>
+            <a:endParaRPr lang="en-US" dirty="0" smtClean="0"/>
+          </a:p>
+          <a:p>
+            <a:r>
+              <a:rPr lang="en-US" dirty="0" smtClean="0"/>
+              <a:t>You </a:t>
+            </a:r>
+            <a:r>
+              <a:rPr lang="en-US" dirty="0" smtClean="0"/>
+              <a:t>can track the development </a:t>
+            </a:r>
+            <a:r>
+              <a:rPr lang="en-US" dirty="0" smtClean="0"/>
+              <a:t>progress</a:t>
+            </a:r>
+          </a:p>
+          <a:p>
+            <a:endParaRPr lang="en-US" dirty="0" smtClean="0"/>
+          </a:p>
+          <a:p>
+            <a:r>
+              <a:rPr lang="en-US" dirty="0" smtClean="0"/>
+              <a:t>Save </a:t>
+            </a:r>
+            <a:r>
+              <a:rPr lang="en-US" dirty="0" smtClean="0"/>
+              <a:t>time on acceptance/smoke testing</a:t>
+            </a:r>
+          </a:p>
+          <a:p>
+            <a:pPr>
+              <a:buNone/>
+            </a:pPr>
+            <a:endParaRPr lang="en-US" dirty="0" smtClean="0"/>
+          </a:p>
+        </p:txBody>
+      </p:sp>
+      <p:sp>
+        <p:nvSpPr>
+          <p:cNvPr id="2" name="Title 1"/>
+          <p:cNvSpPr>
+            <a:spLocks noGrp="1"/>
+          </p:cNvSpPr>
+          <p:nvPr>
+            <p:ph type="title"/>
+          </p:nvPr>
+        </p:nvSpPr>
+        <p:spPr/>
+        <p:txBody>
+          <a:bodyPr>
+            <a:normAutofit fontScale="90000"/>
+          </a:bodyPr>
+          <a:lstStyle/>
+          <a:p>
+            <a:pPr algn="ctr"/>
+            <a:r>
+              <a:rPr lang="nl-BE" dirty="0" smtClean="0"/>
+              <a:t>What’s in it for you?</a:t>
+            </a:r>
+            <a:br>
+              <a:rPr lang="nl-BE" dirty="0" smtClean="0"/>
+            </a:br>
+            <a:r>
+              <a:rPr lang="nl-BE" sz="3600" dirty="0" smtClean="0">
+                <a:solidFill>
+                  <a:schemeClr val="bg2">
+                    <a:lumMod val="50000"/>
+                  </a:schemeClr>
+                </a:solidFill>
+              </a:rPr>
+              <a:t>ScrumMaster / Product Owner</a:t>
+            </a:r>
+            <a:endParaRPr lang="nl-BE" sz="3600" dirty="0">
+              <a:solidFill>
+                <a:schemeClr val="bg2">
+                  <a:lumMod val="50000"/>
+                </a:schemeClr>
+              </a:solidFill>
+            </a:endParaRPr>
+          </a:p>
+        </p:txBody>
+      </p:sp>
+    </p:spTree>
+  </p:cSld>
+  <p:clrMapOvr>
+    <a:masterClrMapping/>
+  </p:clrMapOvr>
+  <p:timing>
+    <p:tnLst>
+      <p:par>
+        <p:cTn id="1" dur="indefinite" restart="never" nodeType="tmRoot"/>
+      </p:par>
+    </p:tnLst>
+  </p:timing>
+</p:sld>
+</file>
+
+<file path=ppt/slides/slide15.xml><?xml version="1.0" encoding="utf-8"?>
+<p:sld xmlns:a="http://schemas.openxmlformats.org/drawingml/2006/main" xmlns:r="http://schemas.openxmlformats.org/officeDocument/2006/relationships" xmlns:p="http://schemas.openxmlformats.org/presentationml/2006/main">
+  <p:cSld>
+    <p:spTree>
+      <p:nvGrpSpPr>
+        <p:cNvPr id="1" name=""/>
+        <p:cNvGrpSpPr/>
+        <p:nvPr/>
+      </p:nvGrpSpPr>
+      <p:grpSpPr>
+        <a:xfrm>
+          <a:off x="0" y="0"/>
+          <a:ext cx="0" cy="0"/>
+          <a:chOff x="0" y="0"/>
+          <a:chExt cx="0" cy="0"/>
+        </a:xfrm>
+      </p:grpSpPr>
+      <p:sp>
+        <p:nvSpPr>
+          <p:cNvPr id="3" name="Content Placeholder 2"/>
+          <p:cNvSpPr>
+            <a:spLocks noGrp="1"/>
+          </p:cNvSpPr>
+          <p:nvPr>
+            <p:ph idx="1"/>
+          </p:nvPr>
+        </p:nvSpPr>
+        <p:spPr/>
+        <p:txBody>
+          <a:bodyPr>
+            <a:normAutofit lnSpcReduction="10000"/>
+          </a:bodyPr>
+          <a:lstStyle/>
+          <a:p>
+            <a:r>
+              <a:rPr lang="en-GB" dirty="0" smtClean="0"/>
+              <a:t>Requirements will be unambiguous and without functional gaps</a:t>
+            </a:r>
+          </a:p>
+          <a:p>
+            <a:endParaRPr lang="en-US" dirty="0" smtClean="0"/>
+          </a:p>
+          <a:p>
+            <a:r>
+              <a:rPr lang="en-GB" dirty="0" smtClean="0"/>
+              <a:t>Business analysts will really understand those special cases you mentioned</a:t>
+            </a:r>
+          </a:p>
+          <a:p>
+            <a:endParaRPr lang="en-US" dirty="0" smtClean="0"/>
+          </a:p>
+          <a:p>
+            <a:r>
+              <a:rPr lang="en-GB" dirty="0" smtClean="0"/>
+              <a:t>You will have automated tests to guide development</a:t>
+            </a:r>
+          </a:p>
+          <a:p>
+            <a:endParaRPr lang="en-US" dirty="0" smtClean="0"/>
+          </a:p>
+          <a:p>
+            <a:r>
+              <a:rPr lang="en-GB" dirty="0" smtClean="0"/>
+              <a:t>It will be easier to take-over and hand-over </a:t>
+            </a:r>
+            <a:r>
+              <a:rPr lang="en-GB" dirty="0" smtClean="0"/>
+              <a:t>code</a:t>
+            </a:r>
+            <a:endParaRPr lang="en-GB" dirty="0" smtClean="0"/>
+          </a:p>
+        </p:txBody>
+      </p:sp>
+      <p:sp>
+        <p:nvSpPr>
+          <p:cNvPr id="2" name="Title 1"/>
+          <p:cNvSpPr>
+            <a:spLocks noGrp="1"/>
+          </p:cNvSpPr>
+          <p:nvPr>
+            <p:ph type="title"/>
+          </p:nvPr>
+        </p:nvSpPr>
+        <p:spPr/>
+        <p:txBody>
+          <a:bodyPr>
+            <a:normAutofit fontScale="90000"/>
+          </a:bodyPr>
+          <a:lstStyle/>
+          <a:p>
+            <a:pPr algn="ctr"/>
+            <a:r>
+              <a:rPr lang="nl-BE" dirty="0" smtClean="0"/>
+              <a:t>What’s in it for you?</a:t>
+            </a:r>
+            <a:br>
+              <a:rPr lang="nl-BE" dirty="0" smtClean="0"/>
+            </a:br>
+            <a:r>
+              <a:rPr lang="nl-BE" sz="3600" dirty="0" smtClean="0">
+                <a:solidFill>
+                  <a:schemeClr val="bg2">
+                    <a:lumMod val="50000"/>
+                  </a:schemeClr>
+                </a:solidFill>
+              </a:rPr>
+              <a:t>Developer</a:t>
+            </a:r>
+            <a:endParaRPr lang="nl-BE" sz="3600" dirty="0">
+              <a:solidFill>
+                <a:schemeClr val="bg2">
+                  <a:lumMod val="50000"/>
+                </a:schemeClr>
+              </a:solidFill>
+            </a:endParaRPr>
+          </a:p>
+        </p:txBody>
+      </p:sp>
+    </p:spTree>
+  </p:cSld>
+  <p:clrMapOvr>
+    <a:masterClrMapping/>
+  </p:clrMapOvr>
+  <p:timing>
+    <p:tnLst>
+      <p:par>
+        <p:cTn id="1" dur="indefinite" restart="never" nodeType="tmRoot"/>
+      </p:par>
+    </p:tnLst>
+  </p:timing>
+</p:sld>
+</file>
+
+<file path=ppt/slides/slide16.xml><?xml version="1.0" encoding="utf-8"?>
+<p:sld xmlns:a="http://schemas.openxmlformats.org/drawingml/2006/main" xmlns:r="http://schemas.openxmlformats.org/officeDocument/2006/relationships" xmlns:p="http://schemas.openxmlformats.org/presentationml/2006/main">
+  <p:cSld>
+    <p:spTree>
+      <p:nvGrpSpPr>
+        <p:cNvPr id="1" name=""/>
+        <p:cNvGrpSpPr/>
+        <p:nvPr/>
+      </p:nvGrpSpPr>
+      <p:grpSpPr>
+        <a:xfrm>
+          <a:off x="0" y="0"/>
+          <a:ext cx="0" cy="0"/>
+          <a:chOff x="0" y="0"/>
+          <a:chExt cx="0" cy="0"/>
+        </a:xfrm>
+      </p:grpSpPr>
+      <p:sp>
+        <p:nvSpPr>
+          <p:cNvPr id="3" name="Content Placeholder 2"/>
+          <p:cNvSpPr>
+            <a:spLocks noGrp="1"/>
+          </p:cNvSpPr>
+          <p:nvPr>
+            <p:ph idx="1"/>
+          </p:nvPr>
+        </p:nvSpPr>
+        <p:spPr/>
+        <p:txBody>
+          <a:bodyPr>
+            <a:normAutofit/>
+          </a:bodyPr>
+          <a:lstStyle/>
+          <a:p>
+            <a:r>
+              <a:rPr lang="en-GB" dirty="0" smtClean="0"/>
+              <a:t>Finally stop those guys from making the same mistakes over and over</a:t>
+            </a:r>
+          </a:p>
+          <a:p>
+            <a:endParaRPr lang="en-US" dirty="0" smtClean="0"/>
+          </a:p>
+          <a:p>
+            <a:r>
+              <a:rPr lang="en-GB" dirty="0" smtClean="0"/>
+              <a:t>Avoid doing the same stuff all the time</a:t>
+            </a:r>
+          </a:p>
+          <a:p>
+            <a:endParaRPr lang="en-US" dirty="0" smtClean="0"/>
+          </a:p>
+          <a:p>
+            <a:r>
+              <a:rPr lang="en-GB" dirty="0" smtClean="0"/>
+              <a:t>Build quality in from the start</a:t>
+            </a:r>
+          </a:p>
+          <a:p>
+            <a:endParaRPr lang="en-US" dirty="0" smtClean="0"/>
+          </a:p>
+          <a:p>
+            <a:r>
+              <a:rPr lang="en-GB" dirty="0" smtClean="0"/>
+              <a:t>Verify </a:t>
+            </a:r>
+            <a:r>
+              <a:rPr lang="en-GB" dirty="0" smtClean="0"/>
+              <a:t>business rules by a click on a button</a:t>
+            </a:r>
+          </a:p>
+        </p:txBody>
+      </p:sp>
+      <p:sp>
+        <p:nvSpPr>
+          <p:cNvPr id="2" name="Title 1"/>
+          <p:cNvSpPr>
+            <a:spLocks noGrp="1"/>
+          </p:cNvSpPr>
+          <p:nvPr>
+            <p:ph type="title"/>
+          </p:nvPr>
+        </p:nvSpPr>
+        <p:spPr/>
+        <p:txBody>
+          <a:bodyPr>
+            <a:normAutofit fontScale="90000"/>
+          </a:bodyPr>
+          <a:lstStyle/>
+          <a:p>
+            <a:pPr algn="ctr"/>
+            <a:r>
+              <a:rPr lang="nl-BE" dirty="0" smtClean="0"/>
+              <a:t>What’s in it for you?</a:t>
+            </a:r>
+            <a:br>
+              <a:rPr lang="nl-BE" dirty="0" smtClean="0"/>
+            </a:br>
+            <a:r>
+              <a:rPr lang="nl-BE" sz="3600" dirty="0" smtClean="0">
+                <a:solidFill>
+                  <a:schemeClr val="bg2">
+                    <a:lumMod val="50000"/>
+                  </a:schemeClr>
+                </a:solidFill>
+              </a:rPr>
+              <a:t>Tester / Business Analist</a:t>
+            </a:r>
+            <a:endParaRPr lang="nl-BE" sz="3600" dirty="0">
+              <a:solidFill>
+                <a:schemeClr val="bg2">
+                  <a:lumMod val="50000"/>
+                </a:schemeClr>
+              </a:solidFill>
+            </a:endParaRPr>
+          </a:p>
+        </p:txBody>
+      </p:sp>
+    </p:spTree>
+  </p:cSld>
+  <p:clrMapOvr>
+    <a:masterClrMapping/>
+  </p:clrMapOvr>
+  <p:timing>
+    <p:tnLst>
+      <p:par>
+        <p:cTn id="1" dur="indefinite" restart="never" nodeType="tmRoot"/>
+      </p:par>
+    </p:tnLst>
+  </p:timing>
+</p:sld>
+</file>
+
+<file path=ppt/slides/slide17.xml><?xml version="1.0" encoding="utf-8"?>
+<p:sld xmlns:a="http://schemas.openxmlformats.org/drawingml/2006/main" xmlns:r="http://schemas.openxmlformats.org/officeDocument/2006/relationships" xmlns:p="http://schemas.openxmlformats.org/presentationml/2006/main">
+  <p:cSld>
+    <p:spTree>
+      <p:nvGrpSpPr>
+        <p:cNvPr id="1" name=""/>
+        <p:cNvGrpSpPr/>
+        <p:nvPr/>
+      </p:nvGrpSpPr>
+      <p:grpSpPr>
+        <a:xfrm>
+          <a:off x="0" y="0"/>
+          <a:ext cx="0" cy="0"/>
+          <a:chOff x="0" y="0"/>
+          <a:chExt cx="0" cy="0"/>
+        </a:xfrm>
+      </p:grpSpPr>
+      <p:sp>
+        <p:nvSpPr>
+          <p:cNvPr id="2" name="Content Placeholder 1"/>
+          <p:cNvSpPr>
+            <a:spLocks noGrp="1"/>
+          </p:cNvSpPr>
+          <p:nvPr>
+            <p:ph idx="1"/>
+          </p:nvPr>
+        </p:nvSpPr>
+        <p:spPr/>
+        <p:txBody>
+          <a:bodyPr>
+            <a:normAutofit/>
+          </a:bodyPr>
+          <a:lstStyle/>
+          <a:p>
+            <a:pPr marL="624078" indent="-514350"/>
+            <a:r>
+              <a:rPr lang="nl-BE" i="1" dirty="0" smtClean="0"/>
+              <a:t>Specification Workshop</a:t>
+            </a:r>
+          </a:p>
+          <a:p>
+            <a:pPr marL="624078" indent="-514350"/>
+            <a:endParaRPr lang="nl-BE" i="1" dirty="0" smtClean="0"/>
+          </a:p>
+          <a:p>
+            <a:pPr marL="624078" indent="-514350"/>
+            <a:r>
+              <a:rPr lang="nl-BE" i="1" dirty="0" smtClean="0"/>
+              <a:t>Setup Fitnesse &amp; demo application</a:t>
+            </a:r>
+          </a:p>
+          <a:p>
+            <a:pPr marL="624078" indent="-514350"/>
+            <a:endParaRPr lang="nl-BE" i="1" dirty="0" smtClean="0"/>
+          </a:p>
+          <a:p>
+            <a:pPr marL="624078" indent="-514350"/>
+            <a:r>
+              <a:rPr lang="nl-BE" i="1" dirty="0" smtClean="0"/>
+              <a:t>Implement Acceptance Tests</a:t>
+            </a:r>
+          </a:p>
+          <a:p>
+            <a:pPr marL="624078" indent="-514350"/>
+            <a:endParaRPr lang="nl-BE" i="1" dirty="0" smtClean="0"/>
+          </a:p>
+          <a:p>
+            <a:pPr marL="624078" indent="-514350"/>
+            <a:r>
+              <a:rPr lang="nl-BE" b="1" i="1" dirty="0" smtClean="0"/>
+              <a:t>Continuous Integration </a:t>
+            </a:r>
+            <a:endParaRPr lang="nl-BE" b="1" i="1" dirty="0" smtClean="0"/>
+          </a:p>
+          <a:p>
+            <a:pPr marL="624078" indent="-514350"/>
+            <a:endParaRPr lang="nl-BE" i="1" dirty="0" smtClean="0"/>
+          </a:p>
+        </p:txBody>
+      </p:sp>
+      <p:sp>
+        <p:nvSpPr>
+          <p:cNvPr id="3" name="Title 2"/>
+          <p:cNvSpPr>
+            <a:spLocks noGrp="1"/>
+          </p:cNvSpPr>
+          <p:nvPr>
+            <p:ph type="title"/>
+          </p:nvPr>
+        </p:nvSpPr>
+        <p:spPr/>
+        <p:txBody>
+          <a:bodyPr>
+            <a:noAutofit/>
+          </a:bodyPr>
+          <a:lstStyle/>
+          <a:p>
+            <a:r>
+              <a:rPr lang="nl-BE" sz="3200" dirty="0" smtClean="0"/>
+              <a:t>Agile Acceptance Testing with Fitnesse</a:t>
+            </a:r>
+            <a:endParaRPr lang="nl-BE" sz="3200" dirty="0"/>
+          </a:p>
+        </p:txBody>
+      </p:sp>
+      <p:pic>
+        <p:nvPicPr>
+          <p:cNvPr id="4" name="Picture 2" descr="C:\Users\pascmest\AppData\Local\Microsoft\Windows\Temporary Internet Files\Content.IE5\R67MQFYW\MPj04053960000[1].jpg"/>
+          <p:cNvPicPr>
+            <a:picLocks noChangeAspect="1" noChangeArrowheads="1"/>
+          </p:cNvPicPr>
+          <p:nvPr/>
+        </p:nvPicPr>
+        <p:blipFill>
+          <a:blip r:embed="rId3" cstate="print"/>
+          <a:srcRect/>
+          <a:stretch>
+            <a:fillRect/>
+          </a:stretch>
+        </p:blipFill>
+        <p:spPr bwMode="auto">
+          <a:xfrm>
+            <a:off x="5443545" y="4214818"/>
+            <a:ext cx="3700487" cy="2643206"/>
+          </a:xfrm>
+          <a:prstGeom prst="rect">
+            <a:avLst/>
+          </a:prstGeom>
+          <a:noFill/>
+        </p:spPr>
+      </p:pic>
+    </p:spTree>
+  </p:cSld>
+  <p:clrMapOvr>
+    <a:masterClrMapping/>
+  </p:clrMapOvr>
+  <p:timing>
+    <p:tnLst>
+      <p:par>
+        <p:cTn id="1" dur="indefinite" restart="never" nodeType="tmRoot"/>
+      </p:par>
+    </p:tnLst>
+  </p:timing>
+</p:sld>
+</file>
+
+<file path=ppt/slides/slide18.xml><?xml version="1.0" encoding="utf-8"?>
+<p:sld xmlns:a="http://schemas.openxmlformats.org/drawingml/2006/main" xmlns:r="http://schemas.openxmlformats.org/officeDocument/2006/relationships" xmlns:p="http://schemas.openxmlformats.org/presentationml/2006/main">
+  <p:cSld>
+    <p:spTree>
+      <p:nvGrpSpPr>
+        <p:cNvPr id="1" name=""/>
+        <p:cNvGrpSpPr/>
+        <p:nvPr/>
+      </p:nvGrpSpPr>
+      <p:grpSpPr>
+        <a:xfrm>
+          <a:off x="0" y="0"/>
+          <a:ext cx="0" cy="0"/>
+          <a:chOff x="0" y="0"/>
+          <a:chExt cx="0" cy="0"/>
+        </a:xfrm>
+      </p:grpSpPr>
+      <p:sp>
+        <p:nvSpPr>
+          <p:cNvPr id="3" name="Content Placeholder 2"/>
+          <p:cNvSpPr>
+            <a:spLocks noGrp="1"/>
+          </p:cNvSpPr>
+          <p:nvPr>
+            <p:ph idx="1"/>
+          </p:nvPr>
+        </p:nvSpPr>
+        <p:spPr/>
+        <p:txBody>
+          <a:bodyPr>
+            <a:normAutofit/>
+          </a:bodyPr>
+          <a:lstStyle/>
+          <a:p>
+            <a:r>
+              <a:rPr lang="nl-BE" dirty="0" smtClean="0"/>
+              <a:t>2 Suites in </a:t>
+            </a:r>
+            <a:r>
+              <a:rPr lang="nl-BE" dirty="0" smtClean="0"/>
+              <a:t>Fitnesse</a:t>
+            </a:r>
+          </a:p>
+          <a:p>
+            <a:endParaRPr lang="nl-BE" dirty="0" smtClean="0"/>
+          </a:p>
+          <a:p>
+            <a:pPr lvl="1"/>
+            <a:r>
+              <a:rPr lang="nl-BE" dirty="0" smtClean="0"/>
+              <a:t>Work In Progress – doesn’t break the build</a:t>
+            </a:r>
+          </a:p>
+          <a:p>
+            <a:pPr lvl="1"/>
+            <a:r>
+              <a:rPr lang="nl-BE" dirty="0" smtClean="0"/>
+              <a:t>Acceptance Suite – breaks the build</a:t>
+            </a:r>
+            <a:r>
+              <a:rPr lang="nl-BE" dirty="0" smtClean="0"/>
+              <a:t>!</a:t>
+            </a:r>
+            <a:endParaRPr lang="nl-BE" dirty="0" smtClean="0"/>
+          </a:p>
+        </p:txBody>
+      </p:sp>
+      <p:sp>
+        <p:nvSpPr>
+          <p:cNvPr id="2" name="Title 1"/>
+          <p:cNvSpPr>
+            <a:spLocks noGrp="1"/>
+          </p:cNvSpPr>
+          <p:nvPr>
+            <p:ph type="title"/>
+          </p:nvPr>
+        </p:nvSpPr>
+        <p:spPr/>
+        <p:txBody>
+          <a:bodyPr/>
+          <a:lstStyle/>
+          <a:p>
+            <a:r>
+              <a:rPr lang="nl-BE" dirty="0" smtClean="0"/>
+              <a:t>Continuous Integration:</a:t>
+            </a:r>
+            <a:endParaRPr lang="nl-BE" dirty="0"/>
+          </a:p>
+        </p:txBody>
+      </p:sp>
+    </p:spTree>
+  </p:cSld>
+  <p:clrMapOvr>
+    <a:masterClrMapping/>
+  </p:clrMapOvr>
+  <p:timing>
+    <p:tnLst>
+      <p:par>
+        <p:cTn id="1" dur="indefinite" restart="never" nodeType="tmRoot"/>
+      </p:par>
+    </p:tnLst>
+  </p:timing>
+</p:sld>
+</file>
+
+<file path=ppt/slides/slide19.xml><?xml version="1.0" encoding="utf-8"?>
+<p:sld xmlns:a="http://schemas.openxmlformats.org/drawingml/2006/main" xmlns:r="http://schemas.openxmlformats.org/officeDocument/2006/relationships" xmlns:p="http://schemas.openxmlformats.org/presentationml/2006/main">
+  <p:cSld>
+    <p:spTree>
+      <p:nvGrpSpPr>
+        <p:cNvPr id="1" name=""/>
+        <p:cNvGrpSpPr/>
+        <p:nvPr/>
+      </p:nvGrpSpPr>
+      <p:grpSpPr>
+        <a:xfrm>
+          <a:off x="0" y="0"/>
+          <a:ext cx="0" cy="0"/>
+          <a:chOff x="0" y="0"/>
+          <a:chExt cx="0" cy="0"/>
+        </a:xfrm>
+      </p:grpSpPr>
+      <p:sp>
+        <p:nvSpPr>
+          <p:cNvPr id="3" name="Content Placeholder 2"/>
+          <p:cNvSpPr>
+            <a:spLocks noGrp="1"/>
+          </p:cNvSpPr>
+          <p:nvPr>
+            <p:ph idx="1"/>
+          </p:nvPr>
+        </p:nvSpPr>
         <p:spPr>
           <a:xfrm>
             <a:off x="457200" y="1214422"/>
@@ -5934,7 +7543,7 @@
         </p:spPr>
         <p:txBody>
           <a:bodyPr>
-            <a:normAutofit/>
+            <a:normAutofit fontScale="85000" lnSpcReduction="20000"/>
           </a:bodyPr>
           <a:lstStyle/>
           <a:p>
@@ -5952,12 +7561,23 @@
             <a:endParaRPr lang="nl-BE" dirty="0" smtClean="0"/>
           </a:p>
           <a:p>
+            <a:pPr lvl="1"/>
             <a:endParaRPr lang="nl-BE" dirty="0" smtClean="0"/>
           </a:p>
           <a:p>
+            <a:endParaRPr lang="nl-BE" dirty="0" smtClean="0"/>
+          </a:p>
+          <a:p>
+            <a:endParaRPr lang="nl-BE" dirty="0" smtClean="0"/>
+          </a:p>
+          <a:p>
             <a:r>
               <a:rPr lang="nl-BE" dirty="0" smtClean="0"/>
-              <a:t>On the web</a:t>
+              <a:t>On </a:t>
+            </a:r>
+            <a:r>
+              <a:rPr lang="nl-BE" dirty="0" smtClean="0"/>
+              <a:t>the web</a:t>
             </a:r>
           </a:p>
           <a:p>
@@ -5976,17 +7596,89 @@
           </a:p>
           <a:p>
             <a:pPr lvl="1"/>
+            <a:r>
+              <a:rPr lang="en-US" sz="2400" dirty="0" smtClean="0">
+                <a:hlinkClick r:id="rId3"/>
+              </a:rPr>
+              <a:t>http://</a:t>
+            </a:r>
+            <a:r>
+              <a:rPr lang="en-US" sz="2400" dirty="0" smtClean="0">
+                <a:hlinkClick r:id="rId3"/>
+              </a:rPr>
+              <a:t>sourceforge.net/projects/fitlibrary/</a:t>
+            </a:r>
+            <a:r>
+              <a:rPr lang="en-US" sz="2400" dirty="0" smtClean="0"/>
+              <a:t> </a:t>
+            </a:r>
+          </a:p>
+          <a:p>
+            <a:pPr lvl="1"/>
+            <a:r>
+              <a:rPr lang="en-US" sz="2400" dirty="0" smtClean="0">
+                <a:hlinkClick r:id="rId4"/>
+              </a:rPr>
+              <a:t>http://gojko.net/fitnesse</a:t>
+            </a:r>
+            <a:r>
+              <a:rPr lang="en-US" sz="2400" dirty="0" smtClean="0">
+                <a:hlinkClick r:id="rId4"/>
+              </a:rPr>
+              <a:t>/</a:t>
+            </a:r>
+            <a:r>
+              <a:rPr lang="en-US" sz="2400" dirty="0" smtClean="0"/>
+              <a:t>   </a:t>
+            </a:r>
+          </a:p>
+          <a:p>
+            <a:pPr lvl="1"/>
+            <a:r>
+              <a:rPr lang="nl-BE" sz="2400" dirty="0" smtClean="0">
+                <a:hlinkClick r:id="rId5"/>
+              </a:rPr>
+              <a:t>http://</a:t>
+            </a:r>
+            <a:r>
+              <a:rPr lang="nl-BE" sz="2400" dirty="0" smtClean="0">
+                <a:hlinkClick r:id="rId5"/>
+              </a:rPr>
+              <a:t>codebetter.com/blogs/ian_cooper/archive/2008/10/13/fitnesse-and-the-three-way.aspx</a:t>
+            </a:r>
+            <a:r>
+              <a:rPr lang="nl-BE" sz="2400" dirty="0" smtClean="0"/>
+              <a:t> </a:t>
+            </a:r>
+          </a:p>
+          <a:p>
             <a:endParaRPr lang="nl-BE" dirty="0" smtClean="0"/>
           </a:p>
           <a:p>
             <a:r>
-              <a:rPr lang="nl-BE" i="1" dirty="0" smtClean="0">
-                <a:solidFill>
-                  <a:srgbClr val="FF0000"/>
-                </a:solidFill>
+              <a:rPr lang="nl-BE" dirty="0" smtClean="0"/>
+              <a:t>Yahoo Group</a:t>
+            </a:r>
+          </a:p>
+          <a:p>
+            <a:pPr lvl="1"/>
+            <a:r>
+              <a:rPr lang="en-US" sz="2400" dirty="0" smtClean="0">
+                <a:hlinkClick r:id="rId6"/>
               </a:rPr>
-              <a:t>Pascal: Nog verder aan te vullen</a:t>
-            </a:r>
+              <a:t>http://tech.groups.yahoo.com/group/fitnesse</a:t>
+            </a:r>
+            <a:r>
+              <a:rPr lang="en-US" sz="2400" dirty="0" smtClean="0">
+                <a:hlinkClick r:id="rId6"/>
+              </a:rPr>
+              <a:t>/</a:t>
+            </a:r>
+            <a:r>
+              <a:rPr lang="en-US" sz="2400" dirty="0" smtClean="0"/>
+              <a:t> </a:t>
+            </a:r>
+            <a:endParaRPr lang="nl-BE" dirty="0" smtClean="0"/>
           </a:p>
           <a:p>
             <a:endParaRPr lang="nl-BE" dirty="0" smtClean="0"/>
@@ -6025,7 +7717,7 @@
           <p:nvPr/>
         </p:nvPicPr>
         <p:blipFill>
-          <a:blip r:embed="rId3"/>
+          <a:blip r:embed="rId7"/>
           <a:srcRect/>
           <a:stretch>
             <a:fillRect/>
@@ -6033,8 +7725,8 @@
         </p:blipFill>
         <p:spPr bwMode="auto">
           <a:xfrm>
-            <a:off x="2143108" y="1285860"/>
-            <a:ext cx="1081088" cy="1377950"/>
+            <a:off x="5951356" y="1094408"/>
+            <a:ext cx="1357322" cy="1730037"/>
           </a:xfrm>
           <a:prstGeom prst="rect">
             <a:avLst/>
@@ -6057,7 +7749,7 @@
           <p:nvPr/>
         </p:nvPicPr>
         <p:blipFill>
-          <a:blip r:embed="rId4"/>
+          <a:blip r:embed="rId8"/>
           <a:srcRect/>
           <a:stretch>
             <a:fillRect/>
@@ -6065,8 +7757,8 @@
         </p:blipFill>
         <p:spPr bwMode="auto">
           <a:xfrm>
-            <a:off x="3357554" y="1285860"/>
-            <a:ext cx="1046163" cy="1358900"/>
+            <a:off x="7429520" y="1077228"/>
+            <a:ext cx="1374932" cy="1785950"/>
           </a:xfrm>
           <a:prstGeom prst="rect">
             <a:avLst/>
@@ -6089,7 +7781,7 @@
           <p:nvPr/>
         </p:nvPicPr>
         <p:blipFill>
-          <a:blip r:embed="rId5"/>
+          <a:blip r:embed="rId9"/>
           <a:srcRect/>
           <a:stretch>
             <a:fillRect/>
@@ -6097,8 +7789,8 @@
         </p:blipFill>
         <p:spPr bwMode="auto">
           <a:xfrm>
-            <a:off x="4429124" y="1247473"/>
-            <a:ext cx="1087806" cy="1428760"/>
+            <a:off x="3214678" y="1071546"/>
+            <a:ext cx="1357322" cy="1782751"/>
           </a:xfrm>
           <a:prstGeom prst="rect">
             <a:avLst/>
@@ -6122,7 +7814,7 @@
           <p:nvPr/>
         </p:nvPicPr>
         <p:blipFill>
-          <a:blip r:embed="rId6"/>
+          <a:blip r:embed="rId10"/>
           <a:srcRect/>
           <a:stretch>
             <a:fillRect/>
@@ -6130,8 +7822,8 @@
         </p:blipFill>
         <p:spPr bwMode="auto">
           <a:xfrm>
-            <a:off x="5572132" y="1219639"/>
-            <a:ext cx="1019174" cy="1461930"/>
+            <a:off x="4572000" y="1044025"/>
+            <a:ext cx="1285884" cy="1844506"/>
           </a:xfrm>
           <a:prstGeom prst="rect">
             <a:avLst/>
@@ -6155,7 +7847,7 @@
           <p:nvPr/>
         </p:nvPicPr>
         <p:blipFill>
-          <a:blip r:embed="rId7"/>
+          <a:blip r:embed="rId11"/>
           <a:srcRect/>
           <a:stretch>
             <a:fillRect/>
@@ -6163,8 +7855,8 @@
         </p:blipFill>
         <p:spPr bwMode="auto">
           <a:xfrm>
-            <a:off x="6715140" y="1213356"/>
-            <a:ext cx="1143008" cy="1501264"/>
+            <a:off x="1857356" y="1071545"/>
+            <a:ext cx="1357322" cy="1782751"/>
           </a:xfrm>
           <a:prstGeom prst="rect">
             <a:avLst/>
@@ -6194,7 +7886,151 @@
 </p:sld>
 </file>
 
-<file path=ppt/slides/slide13.xml><?xml version="1.0" encoding="utf-8"?>
+<file path=ppt/slides/slide2.xml><?xml version="1.0" encoding="utf-8"?>
+<p:sld xmlns:a="http://schemas.openxmlformats.org/drawingml/2006/main" xmlns:r="http://schemas.openxmlformats.org/officeDocument/2006/relationships" xmlns:p="http://schemas.openxmlformats.org/presentationml/2006/main">
+  <p:cSld>
+    <p:spTree>
+      <p:nvGrpSpPr>
+        <p:cNvPr id="1" name=""/>
+        <p:cNvGrpSpPr/>
+        <p:nvPr/>
+      </p:nvGrpSpPr>
+      <p:grpSpPr>
+        <a:xfrm>
+          <a:off x="0" y="0"/>
+          <a:ext cx="0" cy="0"/>
+          <a:chOff x="0" y="0"/>
+          <a:chExt cx="0" cy="0"/>
+        </a:xfrm>
+      </p:grpSpPr>
+      <p:sp>
+        <p:nvSpPr>
+          <p:cNvPr id="2" name="Content Placeholder 1"/>
+          <p:cNvSpPr>
+            <a:spLocks noGrp="1"/>
+          </p:cNvSpPr>
+          <p:nvPr>
+            <p:ph idx="1"/>
+          </p:nvPr>
+        </p:nvSpPr>
+        <p:spPr/>
+        <p:txBody>
+          <a:bodyPr/>
+          <a:lstStyle/>
+          <a:p>
+            <a:pPr marL="624078" indent="-514350"/>
+            <a:r>
+              <a:rPr lang="nl-BE" b="1" i="1" dirty="0" smtClean="0"/>
+              <a:t>Specification Workshop</a:t>
+            </a:r>
+          </a:p>
+          <a:p>
+            <a:pPr marL="624078" indent="-514350"/>
+            <a:endParaRPr lang="nl-BE" i="1" dirty="0" smtClean="0"/>
+          </a:p>
+          <a:p>
+            <a:pPr marL="624078" indent="-514350"/>
+            <a:r>
+              <a:rPr lang="nl-BE" i="1" dirty="0" smtClean="0"/>
+              <a:t>Setup Fitnesse &amp; demo application</a:t>
+            </a:r>
+          </a:p>
+          <a:p>
+            <a:pPr marL="624078" indent="-514350"/>
+            <a:endParaRPr lang="nl-BE" i="1" dirty="0" smtClean="0"/>
+          </a:p>
+          <a:p>
+            <a:pPr marL="624078" indent="-514350"/>
+            <a:r>
+              <a:rPr lang="nl-BE" i="1" dirty="0" smtClean="0"/>
+              <a:t>Implement Acceptance Tests</a:t>
+            </a:r>
+          </a:p>
+          <a:p>
+            <a:pPr marL="624078" indent="-514350"/>
+            <a:endParaRPr lang="nl-BE" i="1" dirty="0" smtClean="0"/>
+          </a:p>
+          <a:p>
+            <a:pPr marL="624078" indent="-514350"/>
+            <a:r>
+              <a:rPr lang="nl-BE" i="1" dirty="0" smtClean="0"/>
+              <a:t>Continuous Integration</a:t>
+            </a:r>
+            <a:endParaRPr lang="nl-BE" i="1" dirty="0" smtClean="0"/>
+          </a:p>
+          <a:p>
+            <a:pPr marL="624078" indent="-514350"/>
+            <a:endParaRPr lang="nl-BE" i="1" dirty="0" smtClean="0"/>
+          </a:p>
+        </p:txBody>
+      </p:sp>
+      <p:sp>
+        <p:nvSpPr>
+          <p:cNvPr id="3" name="Title 2"/>
+          <p:cNvSpPr>
+            <a:spLocks noGrp="1"/>
+          </p:cNvSpPr>
+          <p:nvPr>
+            <p:ph type="title"/>
+          </p:nvPr>
+        </p:nvSpPr>
+        <p:spPr/>
+        <p:txBody>
+          <a:bodyPr>
+            <a:normAutofit fontScale="90000"/>
+          </a:bodyPr>
+          <a:lstStyle/>
+          <a:p>
+            <a:r>
+              <a:rPr lang="nl-BE" sz="3600" dirty="0" smtClean="0"/>
+              <a:t>Agile Acceptance Testing with Fitnesse</a:t>
+            </a:r>
+            <a:endParaRPr lang="nl-BE" sz="3600" dirty="0"/>
+          </a:p>
+        </p:txBody>
+      </p:sp>
+      <p:pic>
+        <p:nvPicPr>
+          <p:cNvPr id="5" name="Picture 2" descr="C:\Users\pascmest\AppData\Local\Microsoft\Windows\Temporary Internet Files\Content.IE5\R67MQFYW\MPj04053960000[1].jpg"/>
+          <p:cNvPicPr>
+            <a:picLocks noChangeAspect="1" noChangeArrowheads="1"/>
+          </p:cNvPicPr>
+          <p:nvPr/>
+        </p:nvPicPr>
+        <p:blipFill>
+          <a:blip r:embed="rId2" cstate="print"/>
+          <a:srcRect/>
+          <a:stretch>
+            <a:fillRect/>
+          </a:stretch>
+        </p:blipFill>
+        <p:spPr bwMode="auto">
+          <a:xfrm>
+            <a:off x="5443545" y="4214818"/>
+            <a:ext cx="3700487" cy="2643206"/>
+          </a:xfrm>
+          <a:prstGeom prst="rect">
+            <a:avLst/>
+          </a:prstGeom>
+          <a:noFill/>
+        </p:spPr>
+      </p:pic>
+    </p:spTree>
+  </p:cSld>
+  <p:clrMapOvr>
+    <a:masterClrMapping/>
+  </p:clrMapOvr>
+  <p:timing>
+    <p:tnLst>
+      <p:par>
+        <p:cTn id="1" dur="indefinite" restart="never" nodeType="tmRoot"/>
+      </p:par>
+    </p:tnLst>
+  </p:timing>
+</p:sld>
+</file>
+
+<file path=ppt/slides/slide20.xml><?xml version="1.0" encoding="utf-8"?>
 <p:sld xmlns:a="http://schemas.openxmlformats.org/drawingml/2006/main" xmlns:r="http://schemas.openxmlformats.org/officeDocument/2006/relationships" xmlns:p="http://schemas.openxmlformats.org/presentationml/2006/main">
   <p:cSld>
     <p:spTree>
@@ -6490,126 +8326,6 @@
 </p:sld>
 </file>
 
-<file path=ppt/slides/slide2.xml><?xml version="1.0" encoding="utf-8"?>
-<p:sld xmlns:a="http://schemas.openxmlformats.org/drawingml/2006/main" xmlns:r="http://schemas.openxmlformats.org/officeDocument/2006/relationships" xmlns:p="http://schemas.openxmlformats.org/presentationml/2006/main">
-  <p:cSld>
-    <p:spTree>
-      <p:nvGrpSpPr>
-        <p:cNvPr id="1" name=""/>
-        <p:cNvGrpSpPr/>
-        <p:nvPr/>
-      </p:nvGrpSpPr>
-      <p:grpSpPr>
-        <a:xfrm>
-          <a:off x="0" y="0"/>
-          <a:ext cx="0" cy="0"/>
-          <a:chOff x="0" y="0"/>
-          <a:chExt cx="0" cy="0"/>
-        </a:xfrm>
-      </p:grpSpPr>
-      <p:sp>
-        <p:nvSpPr>
-          <p:cNvPr id="2" name="Content Placeholder 1"/>
-          <p:cNvSpPr>
-            <a:spLocks noGrp="1"/>
-          </p:cNvSpPr>
-          <p:nvPr>
-            <p:ph idx="1"/>
-          </p:nvPr>
-        </p:nvSpPr>
-        <p:spPr/>
-        <p:txBody>
-          <a:bodyPr/>
-          <a:lstStyle/>
-          <a:p>
-            <a:pPr>
-              <a:buNone/>
-            </a:pPr>
-            <a:r>
-              <a:rPr lang="nl-BE" dirty="0" smtClean="0"/>
-              <a:t>Mr W. Fall, CEO of BDUF Development:</a:t>
-            </a:r>
-          </a:p>
-          <a:p>
-            <a:pPr>
-              <a:buNone/>
-            </a:pPr>
-            <a:endParaRPr lang="nl-BE" dirty="0" smtClean="0"/>
-          </a:p>
-          <a:p>
-            <a:pPr>
-              <a:buNone/>
-            </a:pPr>
-            <a:r>
-              <a:rPr lang="nl-BE" i="1" dirty="0" smtClean="0"/>
-              <a:t>“Our developers are working 14 hours a day to get our latest project delivered on time.”</a:t>
-            </a:r>
-          </a:p>
-          <a:p>
-            <a:pPr>
-              <a:buNone/>
-            </a:pPr>
-            <a:endParaRPr lang="nl-BE" i="1" dirty="0" smtClean="0"/>
-          </a:p>
-          <a:p>
-            <a:pPr>
-              <a:buNone/>
-            </a:pPr>
-            <a:r>
-              <a:rPr lang="nl-BE" i="1" dirty="0" smtClean="0"/>
-              <a:t>“We need an application where they can order pizza’s, beverages, snacks,... as their evening lunch! So they can </a:t>
-            </a:r>
-            <a:r>
-              <a:rPr lang="nl-BE" i="1" smtClean="0"/>
-              <a:t>work longer</a:t>
-            </a:r>
-            <a:r>
-              <a:rPr lang="nl-BE" i="1" dirty="0" smtClean="0"/>
-              <a:t>!”   </a:t>
-            </a:r>
-          </a:p>
-        </p:txBody>
-      </p:sp>
-      <p:sp>
-        <p:nvSpPr>
-          <p:cNvPr id="3" name="Title 2"/>
-          <p:cNvSpPr>
-            <a:spLocks noGrp="1"/>
-          </p:cNvSpPr>
-          <p:nvPr>
-            <p:ph type="title"/>
-          </p:nvPr>
-        </p:nvSpPr>
-        <p:spPr/>
-        <p:txBody>
-          <a:bodyPr>
-            <a:normAutofit/>
-          </a:bodyPr>
-          <a:lstStyle/>
-          <a:p>
-            <a:r>
-              <a:rPr lang="nl-BE" dirty="0" smtClean="0"/>
-              <a:t>A wonderful opportunity</a:t>
-            </a:r>
-            <a:endParaRPr lang="nl-BE" dirty="0"/>
-          </a:p>
-        </p:txBody>
-      </p:sp>
-    </p:spTree>
-  </p:cSld>
-  <p:clrMapOvr>
-    <a:masterClrMapping/>
-  </p:clrMapOvr>
-  <p:timing>
-    <p:tnLst>
-      <p:par>
-        <p:cTn id="1" dur="indefinite" restart="never" nodeType="tmRoot"/>
-      </p:par>
-    </p:tnLst>
-  </p:timing>
-</p:sld>
-</file>
-
 <file path=ppt/slides/slide3.xml><?xml version="1.0" encoding="utf-8"?>
 <p:sld xmlns:a="http://schemas.openxmlformats.org/drawingml/2006/main" xmlns:r="http://schemas.openxmlformats.org/officeDocument/2006/relationships" xmlns:p="http://schemas.openxmlformats.org/presentationml/2006/main">
   <p:cSld>
@@ -6639,82 +8355,54 @@
         </p:nvSpPr>
         <p:spPr/>
         <p:txBody>
-          <a:bodyPr>
-            <a:normAutofit fontScale="92500" lnSpcReduction="10000"/>
-          </a:bodyPr>
+          <a:bodyPr/>
           <a:lstStyle/>
           <a:p>
+            <a:pPr>
+              <a:buNone/>
+            </a:pPr>
             <a:r>
               <a:rPr lang="nl-BE" dirty="0" smtClean="0"/>
-              <a:t>We agree with Mr W. Fall to make a very basic implementation and put it into production as soon as possible.</a:t>
-            </a:r>
-          </a:p>
-          <a:p>
-            <a:pPr lvl="1">
+              <a:t>Mr W. Fall, CEO of BDUF Development:</a:t>
+            </a:r>
+          </a:p>
+          <a:p>
+            <a:pPr>
               <a:buNone/>
             </a:pPr>
             <a:endParaRPr lang="nl-BE" dirty="0" smtClean="0"/>
           </a:p>
           <a:p>
-            <a:r>
-              <a:rPr lang="nl-BE" dirty="0" smtClean="0"/>
-              <a:t>We define a </a:t>
-            </a:r>
-            <a:r>
-              <a:rPr lang="nl-BE" dirty="0" smtClean="0"/>
-              <a:t>product backlog </a:t>
-            </a:r>
-            <a:r>
-              <a:rPr lang="nl-BE" dirty="0" smtClean="0"/>
-              <a:t>with estimated user stories for planning purposes.</a:t>
-            </a:r>
-          </a:p>
-          <a:p>
-            <a:endParaRPr lang="nl-BE" dirty="0" smtClean="0"/>
-          </a:p>
-          <a:p>
-            <a:r>
-              <a:rPr lang="nl-BE" dirty="0" smtClean="0"/>
-              <a:t>We prioritize the </a:t>
-            </a:r>
-            <a:r>
-              <a:rPr lang="nl-BE" dirty="0" smtClean="0"/>
-              <a:t>product backlog </a:t>
-            </a:r>
-            <a:r>
-              <a:rPr lang="nl-BE" dirty="0" smtClean="0"/>
-              <a:t>together with Mr </a:t>
-            </a:r>
-            <a:r>
-              <a:rPr lang="nl-BE" dirty="0" smtClean="0"/>
-              <a:t>W. Fall</a:t>
-            </a:r>
-            <a:r>
-              <a:rPr lang="nl-BE" dirty="0" smtClean="0"/>
-              <a:t>.</a:t>
-            </a:r>
-          </a:p>
-          <a:p>
-            <a:endParaRPr lang="nl-BE" dirty="0" smtClean="0"/>
-          </a:p>
-          <a:p>
-            <a:r>
-              <a:rPr lang="nl-BE" dirty="0" smtClean="0"/>
-              <a:t>An agreement is made to develop following user stories in the first iteration of 2 weeks:</a:t>
-            </a:r>
-          </a:p>
-          <a:p>
-            <a:endParaRPr lang="nl-BE" dirty="0" smtClean="0"/>
-          </a:p>
-          <a:p>
-            <a:endParaRPr lang="nl-BE" dirty="0" smtClean="0"/>
-          </a:p>
-          <a:p>
-            <a:pPr lvl="1"/>
-            <a:endParaRPr lang="nl-BE" dirty="0" smtClean="0"/>
-          </a:p>
-          <a:p>
-            <a:endParaRPr lang="nl-BE" dirty="0" smtClean="0"/>
+            <a:pPr>
+              <a:buNone/>
+            </a:pPr>
+            <a:r>
+              <a:rPr lang="nl-BE" i="1" dirty="0" smtClean="0"/>
+              <a:t>“Our developers are working 14 hours a day to get our latest project delivered on time.”</a:t>
+            </a:r>
+          </a:p>
+          <a:p>
+            <a:pPr>
+              <a:buNone/>
+            </a:pPr>
+            <a:endParaRPr lang="nl-BE" i="1" dirty="0" smtClean="0"/>
+          </a:p>
+          <a:p>
+            <a:pPr>
+              <a:buNone/>
+            </a:pPr>
+            <a:r>
+              <a:rPr lang="nl-BE" i="1" dirty="0" smtClean="0"/>
+              <a:t>“We need an application where they can order pizza’s, beverages, snacks,... as their evening lunch! So they can </a:t>
+            </a:r>
+            <a:r>
+              <a:rPr lang="nl-BE" i="1" smtClean="0"/>
+              <a:t>work longer</a:t>
+            </a:r>
+            <a:r>
+              <a:rPr lang="nl-BE" i="1" dirty="0" smtClean="0"/>
+              <a:t>!”   </a:t>
+            </a:r>
           </a:p>
         </p:txBody>
       </p:sp>
@@ -6737,7 +8425,7 @@
           <a:p>
             <a:r>
               <a:rPr lang="nl-BE" dirty="0" smtClean="0"/>
-              <a:t>An agile Approach</a:t>
+              <a:t>A wonderful opportunity</a:t>
             </a:r>
             <a:endParaRPr lang="nl-BE" dirty="0"/>
           </a:p>
@@ -6759,6 +8447,130 @@
 </file>
 
 <file path=ppt/slides/slide4.xml><?xml version="1.0" encoding="utf-8"?>
+<p:sld xmlns:a="http://schemas.openxmlformats.org/drawingml/2006/main" xmlns:r="http://schemas.openxmlformats.org/officeDocument/2006/relationships" xmlns:p="http://schemas.openxmlformats.org/presentationml/2006/main">
+  <p:cSld>
+    <p:spTree>
+      <p:nvGrpSpPr>
+        <p:cNvPr id="1" name=""/>
+        <p:cNvGrpSpPr/>
+        <p:nvPr/>
+      </p:nvGrpSpPr>
+      <p:grpSpPr>
+        <a:xfrm>
+          <a:off x="0" y="0"/>
+          <a:ext cx="0" cy="0"/>
+          <a:chOff x="0" y="0"/>
+          <a:chExt cx="0" cy="0"/>
+        </a:xfrm>
+      </p:grpSpPr>
+      <p:sp>
+        <p:nvSpPr>
+          <p:cNvPr id="2" name="Content Placeholder 1"/>
+          <p:cNvSpPr>
+            <a:spLocks noGrp="1"/>
+          </p:cNvSpPr>
+          <p:nvPr>
+            <p:ph idx="1"/>
+          </p:nvPr>
+        </p:nvSpPr>
+        <p:spPr/>
+        <p:txBody>
+          <a:bodyPr>
+            <a:normAutofit fontScale="92500" lnSpcReduction="10000"/>
+          </a:bodyPr>
+          <a:lstStyle/>
+          <a:p>
+            <a:r>
+              <a:rPr lang="nl-BE" dirty="0" smtClean="0"/>
+              <a:t>We agree with Mr W. Fall to make a very basic implementation and put it into production as soon as possible.</a:t>
+            </a:r>
+          </a:p>
+          <a:p>
+            <a:pPr lvl="1">
+              <a:buNone/>
+            </a:pPr>
+            <a:endParaRPr lang="nl-BE" dirty="0" smtClean="0"/>
+          </a:p>
+          <a:p>
+            <a:r>
+              <a:rPr lang="nl-BE" dirty="0" smtClean="0"/>
+              <a:t>We define a product backlog with estimated user stories for planning purposes.</a:t>
+            </a:r>
+          </a:p>
+          <a:p>
+            <a:endParaRPr lang="nl-BE" dirty="0" smtClean="0"/>
+          </a:p>
+          <a:p>
+            <a:r>
+              <a:rPr lang="nl-BE" dirty="0" smtClean="0"/>
+              <a:t>We prioritize the product backlog together with Mr W. Fall.</a:t>
+            </a:r>
+          </a:p>
+          <a:p>
+            <a:endParaRPr lang="nl-BE" dirty="0" smtClean="0"/>
+          </a:p>
+          <a:p>
+            <a:r>
+              <a:rPr lang="nl-BE" dirty="0" smtClean="0"/>
+              <a:t>An agreement is made to develop following user stories in the first iteration of 2 weeks:</a:t>
+            </a:r>
+          </a:p>
+          <a:p>
+            <a:endParaRPr lang="nl-BE" dirty="0" smtClean="0"/>
+          </a:p>
+          <a:p>
+            <a:endParaRPr lang="nl-BE" dirty="0" smtClean="0"/>
+          </a:p>
+          <a:p>
+            <a:pPr lvl="1"/>
+            <a:endParaRPr lang="nl-BE" dirty="0" smtClean="0"/>
+          </a:p>
+          <a:p>
+            <a:endParaRPr lang="nl-BE" dirty="0" smtClean="0"/>
+          </a:p>
+        </p:txBody>
+      </p:sp>
+      <p:sp>
+        <p:nvSpPr>
+          <p:cNvPr id="3" name="Title 2"/>
+          <p:cNvSpPr>
+            <a:spLocks noGrp="1"/>
+          </p:cNvSpPr>
+          <p:nvPr>
+            <p:ph type="title"/>
+          </p:nvPr>
+        </p:nvSpPr>
+        <p:spPr/>
+        <p:txBody>
+          <a:bodyPr>
+            <a:normAutofit/>
+          </a:bodyPr>
+          <a:lstStyle/>
+          <a:p>
+            <a:r>
+              <a:rPr lang="nl-BE" dirty="0" smtClean="0"/>
+              <a:t>An agile Approach</a:t>
+            </a:r>
+            <a:endParaRPr lang="nl-BE" dirty="0"/>
+          </a:p>
+        </p:txBody>
+      </p:sp>
+    </p:spTree>
+  </p:cSld>
+  <p:clrMapOvr>
+    <a:masterClrMapping/>
+  </p:clrMapOvr>
+  <p:timing>
+    <p:tnLst>
+      <p:par>
+        <p:cTn id="1" dur="indefinite" restart="never" nodeType="tmRoot"/>
+      </p:par>
+    </p:tnLst>
+  </p:timing>
+</p:sld>
+</file>
+
+<file path=ppt/slides/slide5.xml><?xml version="1.0" encoding="utf-8"?>
 <p:sld xmlns:a="http://schemas.openxmlformats.org/drawingml/2006/main" xmlns:r="http://schemas.openxmlformats.org/officeDocument/2006/relationships" xmlns:p="http://schemas.openxmlformats.org/presentationml/2006/main">
   <p:cSld>
     <p:spTree>
@@ -6863,7 +8675,7 @@
 </p:sld>
 </file>
 
-<file path=ppt/slides/slide5.xml><?xml version="1.0" encoding="utf-8"?>
+<file path=ppt/slides/slide6.xml><?xml version="1.0" encoding="utf-8"?>
 <p:sld xmlns:a="http://schemas.openxmlformats.org/drawingml/2006/main" xmlns:r="http://schemas.openxmlformats.org/officeDocument/2006/relationships" xmlns:p="http://schemas.openxmlformats.org/presentationml/2006/main">
   <p:cSld>
     <p:spTree>
@@ -6968,178 +8780,6 @@
 </p:sld>
 </file>
 
-<file path=ppt/slides/slide6.xml><?xml version="1.0" encoding="utf-8"?>
-<p:sld xmlns:a="http://schemas.openxmlformats.org/drawingml/2006/main" xmlns:r="http://schemas.openxmlformats.org/officeDocument/2006/relationships" xmlns:p="http://schemas.openxmlformats.org/presentationml/2006/main">
-  <p:cSld>
-    <p:spTree>
-      <p:nvGrpSpPr>
-        <p:cNvPr id="1" name=""/>
-        <p:cNvGrpSpPr/>
-        <p:nvPr/>
-      </p:nvGrpSpPr>
-      <p:grpSpPr>
-        <a:xfrm>
-          <a:off x="0" y="0"/>
-          <a:ext cx="0" cy="0"/>
-          <a:chOff x="0" y="0"/>
-          <a:chExt cx="0" cy="0"/>
-        </a:xfrm>
-      </p:grpSpPr>
-      <p:sp>
-        <p:nvSpPr>
-          <p:cNvPr id="2" name="Content Placeholder 1"/>
-          <p:cNvSpPr>
-            <a:spLocks noGrp="1"/>
-          </p:cNvSpPr>
-          <p:nvPr>
-            <p:ph idx="1"/>
-          </p:nvPr>
-        </p:nvSpPr>
-        <p:spPr/>
-        <p:txBody>
-          <a:bodyPr>
-            <a:normAutofit fontScale="92500" lnSpcReduction="10000"/>
-          </a:bodyPr>
-          <a:lstStyle/>
-          <a:p>
-            <a:r>
-              <a:rPr lang="nl-BE" u="sng" dirty="0" smtClean="0"/>
-              <a:t>Goal:</a:t>
-            </a:r>
-            <a:r>
-              <a:rPr lang="nl-BE" dirty="0" smtClean="0"/>
-              <a:t> Nail down the scope of the user story with real world examples, which we all agree on.</a:t>
-            </a:r>
-          </a:p>
-          <a:p>
-            <a:endParaRPr lang="nl-BE" dirty="0" smtClean="0"/>
-          </a:p>
-          <a:p>
-            <a:r>
-              <a:rPr lang="nl-BE" dirty="0" smtClean="0"/>
-              <a:t>Collaborate in groups of 5 people to:</a:t>
-            </a:r>
-          </a:p>
-          <a:p>
-            <a:pPr lvl="1"/>
-            <a:r>
-              <a:rPr lang="nl-BE" dirty="0" smtClean="0"/>
-              <a:t>Specify real world examples for the first user story</a:t>
-            </a:r>
-          </a:p>
-          <a:p>
-            <a:pPr lvl="1"/>
-            <a:endParaRPr lang="nl-BE" dirty="0" smtClean="0"/>
-          </a:p>
-          <a:p>
-            <a:r>
-              <a:rPr lang="nl-BE" dirty="0" smtClean="0"/>
-              <a:t>Some tips:</a:t>
-            </a:r>
-          </a:p>
-          <a:p>
-            <a:pPr lvl="1"/>
-            <a:r>
-              <a:rPr lang="nl-BE" dirty="0" smtClean="0"/>
-              <a:t>Involve the whole team</a:t>
-            </a:r>
-          </a:p>
-          <a:p>
-            <a:pPr lvl="1"/>
-            <a:r>
-              <a:rPr lang="nl-BE" dirty="0" smtClean="0"/>
-              <a:t>Don’t over complicate things</a:t>
-            </a:r>
-          </a:p>
-          <a:p>
-            <a:pPr lvl="1"/>
-            <a:r>
-              <a:rPr lang="en-US" dirty="0" smtClean="0"/>
-              <a:t>Also </a:t>
-            </a:r>
-            <a:r>
-              <a:rPr lang="en-US" dirty="0" smtClean="0"/>
-              <a:t>identify edge cases and negative </a:t>
-            </a:r>
-            <a:r>
-              <a:rPr lang="en-US" dirty="0" smtClean="0"/>
-              <a:t>paths</a:t>
-            </a:r>
-          </a:p>
-          <a:p>
-            <a:pPr lvl="1"/>
-            <a:r>
-              <a:rPr lang="en-US" dirty="0" smtClean="0"/>
-              <a:t>Stay focused on the user story</a:t>
-            </a:r>
-          </a:p>
-          <a:p>
-            <a:pPr lvl="1"/>
-            <a:r>
-              <a:rPr lang="nl-BE" dirty="0" smtClean="0"/>
-              <a:t>Describe </a:t>
-            </a:r>
-            <a:r>
-              <a:rPr lang="nl-BE" dirty="0" smtClean="0"/>
-              <a:t>what, not how</a:t>
-            </a:r>
-            <a:endParaRPr lang="nl-BE" dirty="0" smtClean="0"/>
-          </a:p>
-          <a:p>
-            <a:pPr>
-              <a:buNone/>
-            </a:pPr>
-            <a:endParaRPr lang="nl-BE" dirty="0" smtClean="0"/>
-          </a:p>
-          <a:p>
-            <a:endParaRPr lang="nl-BE" dirty="0" smtClean="0"/>
-          </a:p>
-        </p:txBody>
-      </p:sp>
-      <p:sp>
-        <p:nvSpPr>
-          <p:cNvPr id="3" name="Title 2"/>
-          <p:cNvSpPr>
-            <a:spLocks noGrp="1"/>
-          </p:cNvSpPr>
-          <p:nvPr>
-            <p:ph type="title"/>
-          </p:nvPr>
-        </p:nvSpPr>
-        <p:spPr/>
-        <p:txBody>
-          <a:bodyPr>
-            <a:normAutofit/>
-          </a:bodyPr>
-          <a:lstStyle/>
-          <a:p>
-            <a:r>
-              <a:rPr lang="nl-BE" dirty="0" smtClean="0"/>
-              <a:t>Specification </a:t>
-            </a:r>
-            <a:r>
-              <a:rPr lang="nl-BE" dirty="0" smtClean="0"/>
-              <a:t>Workshop (10’)</a:t>
-            </a:r>
-            <a:endParaRPr lang="nl-BE" dirty="0"/>
-          </a:p>
-        </p:txBody>
-      </p:sp>
-    </p:spTree>
-  </p:cSld>
-  <p:clrMapOvr>
-    <a:masterClrMapping/>
-  </p:clrMapOvr>
-  <p:timing>
-    <p:tnLst>
-      <p:par>
-        <p:cTn id="1" dur="indefinite" restart="never" nodeType="tmRoot"/>
-      </p:par>
-    </p:tnLst>
-  </p:timing>
-</p:sld>
-</file>
-
 <file path=ppt/slides/slide7.xml><?xml version="1.0" encoding="utf-8"?>
 <p:sld xmlns:a="http://schemas.openxmlformats.org/drawingml/2006/main" xmlns:r="http://schemas.openxmlformats.org/officeDocument/2006/relationships" xmlns:p="http://schemas.openxmlformats.org/presentationml/2006/main">
   <p:cSld>
@@ -7170,41 +8810,34 @@
         <p:spPr/>
         <p:txBody>
           <a:bodyPr>
-            <a:normAutofit lnSpcReduction="10000"/>
+            <a:normAutofit fontScale="92500" lnSpcReduction="10000"/>
           </a:bodyPr>
           <a:lstStyle/>
           <a:p>
             <a:r>
-              <a:rPr lang="en-US" dirty="0" smtClean="0"/>
-              <a:t>Realistic </a:t>
-            </a:r>
-            <a:r>
-              <a:rPr lang="en-US" dirty="0" smtClean="0"/>
-              <a:t>examples make us think </a:t>
-            </a:r>
-            <a:r>
-              <a:rPr lang="en-US" dirty="0" smtClean="0"/>
-              <a:t>harder</a:t>
-            </a:r>
+              <a:rPr lang="nl-BE" u="sng" dirty="0" smtClean="0"/>
+              <a:t>Goal:</a:t>
+            </a:r>
+            <a:r>
+              <a:rPr lang="nl-BE" dirty="0" smtClean="0"/>
+              <a:t> Nail down the scope of the user story with real world examples, which we all agree on.</a:t>
+            </a:r>
+          </a:p>
+          <a:p>
             <a:endParaRPr lang="nl-BE" dirty="0" smtClean="0"/>
           </a:p>
           <a:p>
-            <a:endParaRPr lang="nl-BE" dirty="0" smtClean="0"/>
-          </a:p>
-          <a:p>
-            <a:r>
-              <a:rPr lang="en-US" b="1" dirty="0" smtClean="0"/>
-              <a:t>Customers</a:t>
-            </a:r>
-            <a:r>
-              <a:rPr lang="en-US" dirty="0" smtClean="0"/>
-              <a:t> or functional analysts typically </a:t>
-            </a:r>
-            <a:r>
-              <a:rPr lang="en-US" dirty="0" smtClean="0"/>
-              <a:t>think about the happy path</a:t>
-            </a:r>
-            <a:endParaRPr lang="nl-BE" dirty="0" smtClean="0"/>
+            <a:r>
+              <a:rPr lang="nl-BE" dirty="0" smtClean="0"/>
+              <a:t>Collaborate in groups of 5 people to:</a:t>
+            </a:r>
+          </a:p>
+          <a:p>
+            <a:pPr lvl="1"/>
+            <a:r>
+              <a:rPr lang="nl-BE" dirty="0" smtClean="0"/>
+              <a:t>Specify real world examples for the first user story</a:t>
+            </a:r>
           </a:p>
           <a:p>
             <a:pPr lvl="1"/>
@@ -7212,60 +8845,53 @@
           </a:p>
           <a:p>
             <a:r>
-              <a:rPr lang="en-US" b="1" dirty="0" smtClean="0"/>
-              <a:t>Developers</a:t>
-            </a:r>
+              <a:rPr lang="nl-BE" dirty="0" smtClean="0"/>
+              <a:t>Some tips:</a:t>
+            </a:r>
+          </a:p>
+          <a:p>
+            <a:pPr lvl="1"/>
+            <a:r>
+              <a:rPr lang="nl-BE" dirty="0" smtClean="0"/>
+              <a:t>Involve the whole team</a:t>
+            </a:r>
+          </a:p>
+          <a:p>
+            <a:pPr lvl="1"/>
+            <a:r>
+              <a:rPr lang="nl-BE" dirty="0" smtClean="0"/>
+              <a:t>Don’t over complicate things</a:t>
+            </a:r>
+          </a:p>
+          <a:p>
+            <a:pPr lvl="1"/>
             <a:r>
               <a:rPr lang="en-US" dirty="0" smtClean="0"/>
-              <a:t> </a:t>
-            </a:r>
+              <a:t>Also identify edge cases and negative paths</a:t>
+            </a:r>
+          </a:p>
+          <a:p>
+            <a:pPr lvl="1"/>
             <a:r>
               <a:rPr lang="en-US" dirty="0" smtClean="0"/>
-              <a:t>focus on edge cases and alternative </a:t>
-            </a:r>
-            <a:r>
-              <a:rPr lang="en-US" dirty="0" smtClean="0"/>
-              <a:t>scenarios</a:t>
-            </a:r>
-          </a:p>
-          <a:p>
-            <a:endParaRPr lang="en-US" dirty="0" smtClean="0"/>
-          </a:p>
-          <a:p>
-            <a:r>
-              <a:rPr lang="en-US" b="1" dirty="0" smtClean="0"/>
-              <a:t>Testers</a:t>
-            </a:r>
-            <a:r>
-              <a:rPr lang="en-US" dirty="0" smtClean="0"/>
-              <a:t> </a:t>
-            </a:r>
-            <a:r>
-              <a:rPr lang="en-US" dirty="0" smtClean="0"/>
-              <a:t>want to break / cheat the </a:t>
-            </a:r>
-            <a:r>
-              <a:rPr lang="en-US" dirty="0" smtClean="0"/>
-              <a:t>system</a:t>
-            </a:r>
-          </a:p>
-          <a:p>
-            <a:endParaRPr lang="en-US" dirty="0" smtClean="0"/>
-          </a:p>
-          <a:p>
-            <a:r>
-              <a:rPr lang="nl-BE" i="1" dirty="0" smtClean="0"/>
-              <a:t>So, Involve </a:t>
-            </a:r>
-            <a:r>
-              <a:rPr lang="nl-BE" i="1" dirty="0" smtClean="0"/>
-              <a:t>the whole </a:t>
-            </a:r>
-            <a:r>
-              <a:rPr lang="nl-BE" i="1" dirty="0" smtClean="0"/>
-              <a:t>team!</a:t>
-            </a:r>
-            <a:endParaRPr lang="nl-BE" i="1" dirty="0" smtClean="0"/>
+              <a:t>Stay focused on the user story</a:t>
+            </a:r>
+          </a:p>
+          <a:p>
+            <a:pPr lvl="1"/>
+            <a:r>
+              <a:rPr lang="nl-BE" dirty="0" smtClean="0"/>
+              <a:t>Describe what, not how</a:t>
+            </a:r>
+          </a:p>
+          <a:p>
+            <a:pPr>
+              <a:buNone/>
+            </a:pPr>
+            <a:endParaRPr lang="nl-BE" dirty="0" smtClean="0"/>
+          </a:p>
+          <a:p>
+            <a:endParaRPr lang="nl-BE" dirty="0" smtClean="0"/>
           </a:p>
         </p:txBody>
       </p:sp>
@@ -7288,7 +8914,7 @@
           <a:p>
             <a:r>
               <a:rPr lang="nl-BE" dirty="0" smtClean="0"/>
-              <a:t>Did you notice?</a:t>
+              <a:t>Specification Workshop (10’)</a:t>
             </a:r>
             <a:endParaRPr lang="nl-BE" dirty="0"/>
           </a:p>
@@ -7328,12 +8954,87 @@
       </p:grpSpPr>
       <p:sp>
         <p:nvSpPr>
-          <p:cNvPr id="3" name="Content Placeholder 2"/>
+          <p:cNvPr id="2" name="Content Placeholder 1"/>
           <p:cNvSpPr>
             <a:spLocks noGrp="1"/>
           </p:cNvSpPr>
           <p:nvPr>
             <p:ph idx="1"/>
+          </p:nvPr>
+        </p:nvSpPr>
+        <p:spPr/>
+        <p:txBody>
+          <a:bodyPr>
+            <a:normAutofit lnSpcReduction="10000"/>
+          </a:bodyPr>
+          <a:lstStyle/>
+          <a:p>
+            <a:r>
+              <a:rPr lang="en-US" dirty="0" smtClean="0"/>
+              <a:t>Realistic examples make us think harder</a:t>
+            </a:r>
+            <a:endParaRPr lang="nl-BE" dirty="0" smtClean="0"/>
+          </a:p>
+          <a:p>
+            <a:endParaRPr lang="nl-BE" dirty="0" smtClean="0"/>
+          </a:p>
+          <a:p>
+            <a:r>
+              <a:rPr lang="en-US" b="1" dirty="0" smtClean="0"/>
+              <a:t>Customers</a:t>
+            </a:r>
+            <a:r>
+              <a:rPr lang="en-US" dirty="0" smtClean="0"/>
+              <a:t> or functional analysts typically think about the happy path</a:t>
+            </a:r>
+            <a:endParaRPr lang="nl-BE" dirty="0" smtClean="0"/>
+          </a:p>
+          <a:p>
+            <a:pPr lvl="1"/>
+            <a:endParaRPr lang="nl-BE" dirty="0" smtClean="0"/>
+          </a:p>
+          <a:p>
+            <a:r>
+              <a:rPr lang="en-US" b="1" dirty="0" smtClean="0"/>
+              <a:t>Developers</a:t>
+            </a:r>
+            <a:r>
+              <a:rPr lang="en-US" dirty="0" smtClean="0"/>
+              <a:t> focus on edge cases and alternative scenarios</a:t>
+            </a:r>
+          </a:p>
+          <a:p>
+            <a:endParaRPr lang="en-US" dirty="0" smtClean="0"/>
+          </a:p>
+          <a:p>
+            <a:r>
+              <a:rPr lang="en-US" b="1" dirty="0" smtClean="0"/>
+              <a:t>Testers</a:t>
+            </a:r>
+            <a:r>
+              <a:rPr lang="en-US" dirty="0" smtClean="0"/>
+              <a:t> want to break / cheat the system</a:t>
+            </a:r>
+          </a:p>
+          <a:p>
+            <a:endParaRPr lang="en-US" dirty="0" smtClean="0"/>
+          </a:p>
+          <a:p>
+            <a:r>
+              <a:rPr lang="nl-BE" i="1" dirty="0" smtClean="0"/>
+              <a:t>So, Involve the whole team!</a:t>
+            </a:r>
+          </a:p>
+        </p:txBody>
+      </p:sp>
+      <p:sp>
+        <p:nvSpPr>
+          <p:cNvPr id="3" name="Title 2"/>
+          <p:cNvSpPr>
+            <a:spLocks noGrp="1"/>
+          </p:cNvSpPr>
+          <p:nvPr>
+            <p:ph type="title"/>
           </p:nvPr>
         </p:nvSpPr>
         <p:spPr/>
@@ -7345,57 +9046,7 @@
           <a:p>
             <a:r>
               <a:rPr lang="nl-BE" dirty="0" smtClean="0"/>
-              <a:t>Scope of the user story is nailed down</a:t>
-            </a:r>
-          </a:p>
-          <a:p>
-            <a:endParaRPr lang="nl-BE" dirty="0" smtClean="0"/>
-          </a:p>
-          <a:p>
-            <a:r>
-              <a:rPr lang="nl-BE" dirty="0" smtClean="0"/>
-              <a:t>We have real world examples how the user story should work</a:t>
-            </a:r>
-          </a:p>
-          <a:p>
-            <a:endParaRPr lang="nl-BE" dirty="0" smtClean="0"/>
-          </a:p>
-          <a:p>
-            <a:r>
-              <a:rPr lang="nl-BE" dirty="0" smtClean="0"/>
-              <a:t>Lets turn those examples into executable specifications to verify that be have build the wright code.</a:t>
-            </a:r>
-          </a:p>
-          <a:p>
-            <a:endParaRPr lang="nl-BE" dirty="0" smtClean="0"/>
-          </a:p>
-          <a:p>
-            <a:r>
-              <a:rPr lang="nl-BE" dirty="0" smtClean="0"/>
-              <a:t>Welcome Fitnesse!</a:t>
-            </a:r>
-            <a:endParaRPr lang="nl-BE" dirty="0" smtClean="0"/>
-          </a:p>
-        </p:txBody>
-      </p:sp>
-      <p:sp>
-        <p:nvSpPr>
-          <p:cNvPr id="2" name="Title 1"/>
-          <p:cNvSpPr>
-            <a:spLocks noGrp="1"/>
-          </p:cNvSpPr>
-          <p:nvPr>
-            <p:ph type="title"/>
-          </p:nvPr>
-        </p:nvSpPr>
-        <p:spPr/>
-        <p:txBody>
-          <a:bodyPr/>
-          <a:lstStyle/>
-          <a:p>
-            <a:r>
-              <a:rPr lang="nl-BE" dirty="0" smtClean="0"/>
-              <a:t>Executable specifications</a:t>
+              <a:t>Did you notice?</a:t>
             </a:r>
             <a:endParaRPr lang="nl-BE" dirty="0"/>
           </a:p>
@@ -7452,17 +9103,25 @@
           <a:p>
             <a:r>
               <a:rPr lang="nl-BE" dirty="0" smtClean="0"/>
-              <a:t>Setup Fitnesse from the zip download</a:t>
-            </a:r>
+              <a:t>Scope of the user story is nailed down</a:t>
+            </a:r>
+          </a:p>
+          <a:p>
             <a:endParaRPr lang="nl-BE" dirty="0" smtClean="0"/>
           </a:p>
           <a:p>
+            <a:r>
+              <a:rPr lang="nl-BE" dirty="0" smtClean="0"/>
+              <a:t>We have real world examples how the user story should work</a:t>
+            </a:r>
+          </a:p>
+          <a:p>
             <a:endParaRPr lang="nl-BE" dirty="0" smtClean="0"/>
           </a:p>
           <a:p>
             <a:r>
               <a:rPr lang="nl-BE" dirty="0" smtClean="0"/>
-              <a:t>Introduce and compile the demo application.</a:t>
+              <a:t>Lets turn those examples into executable specifications to verify that be have build the wright code.</a:t>
             </a:r>
           </a:p>
           <a:p>
@@ -7470,26 +9129,9 @@
           </a:p>
           <a:p>
             <a:r>
-              <a:rPr lang="nl-BE" i="1" dirty="0" smtClean="0">
-                <a:solidFill>
-                  <a:srgbClr val="FF0000"/>
-                </a:solidFill>
-              </a:rPr>
-              <a:t>P</a:t>
-            </a:r>
-            <a:r>
-              <a:rPr lang="nl-BE" i="1" dirty="0" smtClean="0">
-                <a:solidFill>
-                  <a:srgbClr val="FF0000"/>
-                </a:solidFill>
-              </a:rPr>
-              <a:t>ascal: nog even nadenken wat we in de slides zetten voor dit onderdeel. </a:t>
-            </a:r>
-            <a:endParaRPr lang="nl-BE" i="1" dirty="0" smtClean="0">
-              <a:solidFill>
-                <a:srgbClr val="FF0000"/>
-              </a:solidFill>
-            </a:endParaRPr>
+              <a:rPr lang="nl-BE" dirty="0" smtClean="0"/>
+              <a:t>Welcome Fitnesse!</a:t>
+            </a:r>
           </a:p>
         </p:txBody>
       </p:sp>
@@ -7510,7 +9152,7 @@
           <a:p>
             <a:r>
               <a:rPr lang="nl-BE" dirty="0" smtClean="0"/>
-              <a:t>Setup Fitnesse &amp; demo app:</a:t>
+              <a:t>Executable specifications</a:t>
             </a:r>
             <a:endParaRPr lang="nl-BE" dirty="0"/>
           </a:p>

--- a/Slides/20090514_iLearn_AgileAcceptanceTesting.pptx
+++ b/Slides/20090514_iLearn_AgileAcceptanceTesting.pptx
@@ -212,7 +212,7 @@
             <a:fld id="{08F0785E-033A-43CD-AF7D-1A09C6890A39}" type="datetimeFigureOut">
               <a:rPr lang="nl-BE" smtClean="0"/>
               <a:pPr/>
-              <a:t>07/04/2009</a:t>
+              <a:t>22/04/2009</a:t>
             </a:fld>
             <a:endParaRPr lang="nl-BE"/>
           </a:p>
@@ -2300,7 +2300,7 @@
             <a:fld id="{FB938823-3E05-40BA-BF51-A1BB5DC0A85F}" type="datetimeFigureOut">
               <a:rPr lang="nl-BE" smtClean="0"/>
               <a:pPr/>
-              <a:t>07/04/2009</a:t>
+              <a:t>22/04/2009</a:t>
             </a:fld>
             <a:endParaRPr lang="nl-BE"/>
           </a:p>
@@ -2498,7 +2498,7 @@
             <a:fld id="{FB938823-3E05-40BA-BF51-A1BB5DC0A85F}" type="datetimeFigureOut">
               <a:rPr lang="nl-BE" smtClean="0"/>
               <a:pPr/>
-              <a:t>07/04/2009</a:t>
+              <a:t>22/04/2009</a:t>
             </a:fld>
             <a:endParaRPr lang="nl-BE"/>
           </a:p>
@@ -2685,7 +2685,7 @@
             <a:fld id="{FB938823-3E05-40BA-BF51-A1BB5DC0A85F}" type="datetimeFigureOut">
               <a:rPr lang="nl-BE" smtClean="0"/>
               <a:pPr/>
-              <a:t>07/04/2009</a:t>
+              <a:t>22/04/2009</a:t>
             </a:fld>
             <a:endParaRPr lang="nl-BE"/>
           </a:p>
@@ -2837,7 +2837,7 @@
             <a:fld id="{FB938823-3E05-40BA-BF51-A1BB5DC0A85F}" type="datetimeFigureOut">
               <a:rPr lang="nl-BE" smtClean="0"/>
               <a:pPr/>
-              <a:t>07/04/2009</a:t>
+              <a:t>22/04/2009</a:t>
             </a:fld>
             <a:endParaRPr lang="nl-BE"/>
           </a:p>
@@ -3094,7 +3094,7 @@
             <a:fld id="{FB938823-3E05-40BA-BF51-A1BB5DC0A85F}" type="datetimeFigureOut">
               <a:rPr lang="nl-BE" smtClean="0"/>
               <a:pPr/>
-              <a:t>07/04/2009</a:t>
+              <a:t>22/04/2009</a:t>
             </a:fld>
             <a:endParaRPr lang="nl-BE"/>
           </a:p>
@@ -3505,7 +3505,7 @@
             <a:fld id="{FB938823-3E05-40BA-BF51-A1BB5DC0A85F}" type="datetimeFigureOut">
               <a:rPr lang="nl-BE" smtClean="0"/>
               <a:pPr/>
-              <a:t>07/04/2009</a:t>
+              <a:t>22/04/2009</a:t>
             </a:fld>
             <a:endParaRPr lang="nl-BE"/>
           </a:p>
@@ -3953,7 +3953,7 @@
             <a:fld id="{FB938823-3E05-40BA-BF51-A1BB5DC0A85F}" type="datetimeFigureOut">
               <a:rPr lang="nl-BE" smtClean="0"/>
               <a:pPr/>
-              <a:t>07/04/2009</a:t>
+              <a:t>22/04/2009</a:t>
             </a:fld>
             <a:endParaRPr lang="nl-BE"/>
           </a:p>
@@ -4056,7 +4056,7 @@
             <a:fld id="{FB938823-3E05-40BA-BF51-A1BB5DC0A85F}" type="datetimeFigureOut">
               <a:rPr lang="nl-BE" smtClean="0"/>
               <a:pPr/>
-              <a:t>07/04/2009</a:t>
+              <a:t>22/04/2009</a:t>
             </a:fld>
             <a:endParaRPr lang="nl-BE"/>
           </a:p>
@@ -4179,7 +4179,7 @@
             <a:fld id="{FB938823-3E05-40BA-BF51-A1BB5DC0A85F}" type="datetimeFigureOut">
               <a:rPr lang="nl-BE" smtClean="0"/>
               <a:pPr/>
-              <a:t>07/04/2009</a:t>
+              <a:t>22/04/2009</a:t>
             </a:fld>
             <a:endParaRPr lang="nl-BE"/>
           </a:p>
@@ -4455,7 +4455,7 @@
             <a:fld id="{FB938823-3E05-40BA-BF51-A1BB5DC0A85F}" type="datetimeFigureOut">
               <a:rPr lang="nl-BE" smtClean="0"/>
               <a:pPr/>
-              <a:t>07/04/2009</a:t>
+              <a:t>22/04/2009</a:t>
             </a:fld>
             <a:endParaRPr lang="nl-BE"/>
           </a:p>
@@ -4662,7 +4662,7 @@
             <a:fld id="{FB938823-3E05-40BA-BF51-A1BB5DC0A85F}" type="datetimeFigureOut">
               <a:rPr lang="nl-BE" smtClean="0"/>
               <a:pPr/>
-              <a:t>07/04/2009</a:t>
+              <a:t>22/04/2009</a:t>
             </a:fld>
             <a:endParaRPr lang="nl-BE"/>
           </a:p>
@@ -5773,7 +5773,7 @@
             <a:fld id="{FB938823-3E05-40BA-BF51-A1BB5DC0A85F}" type="datetimeFigureOut">
               <a:rPr lang="nl-BE" smtClean="0"/>
               <a:pPr/>
-              <a:t>07/04/2009</a:t>
+              <a:t>22/04/2009</a:t>
             </a:fld>
             <a:endParaRPr lang="nl-BE"/>
           </a:p>
@@ -6345,11 +6345,7 @@
             <a:pPr marL="880110" lvl="1" indent="-514350"/>
             <a:r>
               <a:rPr lang="nl-BE" b="1" dirty="0" smtClean="0"/>
-              <a:t>Introduce and compile the demo </a:t>
-            </a:r>
-            <a:r>
-              <a:rPr lang="nl-BE" b="1" dirty="0" smtClean="0"/>
-              <a:t>application</a:t>
+              <a:t>Introduce and compile the demo application</a:t>
             </a:r>
             <a:endParaRPr lang="nl-BE" b="1" i="1" dirty="0" smtClean="0"/>
           </a:p>
@@ -6374,7 +6370,6 @@
               <a:rPr lang="nl-BE" i="1" dirty="0" smtClean="0"/>
               <a:t>Continuous Integration</a:t>
             </a:r>
-            <a:endParaRPr lang="nl-BE" i="1" dirty="0" smtClean="0"/>
           </a:p>
           <a:p>
             <a:pPr marL="624078" indent="-514350"/>
@@ -6401,11 +6396,7 @@
           <a:p>
             <a:r>
               <a:rPr lang="nl-BE" sz="3600" dirty="0" smtClean="0"/>
-              <a:t>Agile </a:t>
-            </a:r>
-            <a:r>
-              <a:rPr lang="nl-BE" sz="3600" dirty="0" smtClean="0"/>
-              <a:t>Acceptance Testing with Fitnesse</a:t>
+              <a:t>Agile Acceptance Testing with Fitnesse</a:t>
             </a:r>
             <a:endParaRPr lang="nl-BE" sz="3600" dirty="0"/>
           </a:p>
@@ -6524,7 +6515,6 @@
               <a:rPr lang="nl-BE" i="1" dirty="0" smtClean="0"/>
               <a:t>Continuous Integration</a:t>
             </a:r>
-            <a:endParaRPr lang="nl-BE" i="1" dirty="0" smtClean="0"/>
           </a:p>
           <a:p>
             <a:pPr marL="624078" indent="-514350"/>
@@ -6551,11 +6541,7 @@
           <a:p>
             <a:r>
               <a:rPr lang="nl-BE" sz="3600" dirty="0" smtClean="0"/>
-              <a:t>Agile </a:t>
-            </a:r>
-            <a:r>
-              <a:rPr lang="nl-BE" sz="3600" dirty="0" smtClean="0"/>
-              <a:t>Acceptance Testing with Fitnesse</a:t>
+              <a:t>Agile Acceptance Testing with Fitnesse</a:t>
             </a:r>
             <a:endParaRPr lang="nl-BE" sz="3600" dirty="0"/>
           </a:p>
@@ -6618,11 +6604,6 @@
               </a:rPr>
               <a:t>Mike Cohn’s testing piramid</a:t>
             </a:r>
-            <a:endParaRPr lang="nl-BE" dirty="0" smtClean="0">
-              <a:solidFill>
-                <a:srgbClr val="FF0000"/>
-              </a:solidFill>
-            </a:endParaRPr>
           </a:p>
           <a:p>
             <a:pPr lvl="1"/>
@@ -6710,11 +6691,6 @@
               </a:rPr>
               <a:t>Write gluecode for prepared tests</a:t>
             </a:r>
-            <a:endParaRPr lang="nl-BE" dirty="0" smtClean="0">
-              <a:solidFill>
-                <a:srgbClr val="FF0000"/>
-              </a:solidFill>
-            </a:endParaRPr>
           </a:p>
           <a:p>
             <a:endParaRPr lang="nl-BE" dirty="0" smtClean="0">
@@ -6857,11 +6833,16 @@
           <a:p>
             <a:r>
               <a:rPr lang="en-US" dirty="0" smtClean="0"/>
-              <a:t>Developers will actually read the </a:t>
-            </a:r>
+              <a:t>Developers will actually read the specifications</a:t>
+            </a:r>
+          </a:p>
+          <a:p>
+            <a:endParaRPr lang="en-US" dirty="0" smtClean="0"/>
+          </a:p>
+          <a:p>
             <a:r>
               <a:rPr lang="en-US" dirty="0" smtClean="0"/>
-              <a:t>specifications</a:t>
+              <a:t>They will understood the stuff correctly</a:t>
             </a:r>
           </a:p>
           <a:p>
@@ -6870,11 +6851,16 @@
           <a:p>
             <a:r>
               <a:rPr lang="en-US" dirty="0" smtClean="0"/>
-              <a:t>They </a:t>
-            </a:r>
+              <a:t>They will not skip parts of the spec</a:t>
+            </a:r>
+          </a:p>
+          <a:p>
+            <a:endParaRPr lang="en-US" dirty="0" smtClean="0"/>
+          </a:p>
+          <a:p>
             <a:r>
               <a:rPr lang="en-US" dirty="0" smtClean="0"/>
-              <a:t>will understood the stuff correctly</a:t>
+              <a:t>You can track the development progress</a:t>
             </a:r>
           </a:p>
           <a:p>
@@ -6883,45 +6869,7 @@
           <a:p>
             <a:r>
               <a:rPr lang="en-US" dirty="0" smtClean="0"/>
-              <a:t>They will not </a:t>
-            </a:r>
-            <a:r>
-              <a:rPr lang="en-US" dirty="0" smtClean="0"/>
-              <a:t>skip parts of the </a:t>
-            </a:r>
-            <a:r>
-              <a:rPr lang="en-US" dirty="0" smtClean="0"/>
-              <a:t>spec</a:t>
-            </a:r>
-          </a:p>
-          <a:p>
-            <a:endParaRPr lang="en-US" dirty="0" smtClean="0"/>
-          </a:p>
-          <a:p>
-            <a:r>
-              <a:rPr lang="en-US" dirty="0" smtClean="0"/>
-              <a:t>You </a:t>
-            </a:r>
-            <a:r>
-              <a:rPr lang="en-US" dirty="0" smtClean="0"/>
-              <a:t>can track the development </a:t>
-            </a:r>
-            <a:r>
-              <a:rPr lang="en-US" dirty="0" smtClean="0"/>
-              <a:t>progress</a:t>
-            </a:r>
-          </a:p>
-          <a:p>
-            <a:endParaRPr lang="en-US" dirty="0" smtClean="0"/>
-          </a:p>
-          <a:p>
-            <a:r>
-              <a:rPr lang="en-US" dirty="0" smtClean="0"/>
-              <a:t>Save </a:t>
-            </a:r>
-            <a:r>
-              <a:rPr lang="en-US" dirty="0" smtClean="0"/>
-              <a:t>time on acceptance/smoke testing</a:t>
+              <a:t>Save time on acceptance/smoke testing</a:t>
             </a:r>
           </a:p>
           <a:p>
@@ -7055,13 +7003,8 @@
           <a:p>
             <a:r>
               <a:rPr lang="en-GB" dirty="0" smtClean="0"/>
-              <a:t>It will be easier to take-over and hand-over </a:t>
-            </a:r>
-            <a:r>
-              <a:rPr lang="en-GB" dirty="0" smtClean="0"/>
-              <a:t>code</a:t>
-            </a:r>
-            <a:endParaRPr lang="en-GB" dirty="0" smtClean="0"/>
+              <a:t>It will be easier to take-over and hand-over code</a:t>
+            </a:r>
           </a:p>
         </p:txBody>
       </p:sp>
@@ -7188,11 +7131,7 @@
           <a:p>
             <a:r>
               <a:rPr lang="en-GB" dirty="0" smtClean="0"/>
-              <a:t>Verify </a:t>
-            </a:r>
-            <a:r>
-              <a:rPr lang="en-GB" dirty="0" smtClean="0"/>
-              <a:t>business rules by a click on a button</a:t>
+              <a:t>Verify business rules by a click on a button</a:t>
             </a:r>
           </a:p>
         </p:txBody>
@@ -7329,7 +7268,6 @@
               <a:rPr lang="nl-BE" b="1" i="1" dirty="0" smtClean="0"/>
               <a:t>Continuous Integration </a:t>
             </a:r>
-            <a:endParaRPr lang="nl-BE" b="1" i="1" dirty="0" smtClean="0"/>
           </a:p>
           <a:p>
             <a:pPr marL="624078" indent="-514350"/>
@@ -7439,11 +7377,7 @@
           <a:p>
             <a:r>
               <a:rPr lang="nl-BE" dirty="0" smtClean="0"/>
-              <a:t>2 Suites in </a:t>
-            </a:r>
-            <a:r>
-              <a:rPr lang="nl-BE" dirty="0" smtClean="0"/>
-              <a:t>Fitnesse</a:t>
+              <a:t>2 Suites in Fitnesse</a:t>
             </a:r>
           </a:p>
           <a:p>
@@ -7460,13 +7394,8 @@
             <a:pPr lvl="1"/>
             <a:r>
               <a:rPr lang="nl-BE" dirty="0" smtClean="0"/>
-              <a:t>Acceptance Suite – breaks the build</a:t>
-            </a:r>
-            <a:r>
-              <a:rPr lang="nl-BE" dirty="0" smtClean="0"/>
-              <a:t>!</a:t>
-            </a:r>
-            <a:endParaRPr lang="nl-BE" dirty="0" smtClean="0"/>
+              <a:t>Acceptance Suite – breaks the build!</a:t>
+            </a:r>
           </a:p>
         </p:txBody>
       </p:sp>
@@ -7573,11 +7502,7 @@
           <a:p>
             <a:r>
               <a:rPr lang="nl-BE" dirty="0" smtClean="0"/>
-              <a:t>On </a:t>
-            </a:r>
-            <a:r>
-              <a:rPr lang="nl-BE" dirty="0" smtClean="0"/>
-              <a:t>the web</a:t>
+              <a:t>On the web</a:t>
             </a:r>
           </a:p>
           <a:p>
@@ -7592,7 +7517,6 @@
               <a:rPr lang="nl-BE" dirty="0" smtClean="0"/>
               <a:t> </a:t>
             </a:r>
-            <a:endParaRPr lang="nl-BE" dirty="0" smtClean="0"/>
           </a:p>
           <a:p>
             <a:pPr lvl="1"/>
@@ -7600,13 +7524,7 @@
               <a:rPr lang="en-US" sz="2400" dirty="0" smtClean="0">
                 <a:hlinkClick r:id="rId3"/>
               </a:rPr>
-              <a:t>http://</a:t>
-            </a:r>
-            <a:r>
-              <a:rPr lang="en-US" sz="2400" dirty="0" smtClean="0">
-                <a:hlinkClick r:id="rId3"/>
-              </a:rPr>
-              <a:t>sourceforge.net/projects/fitlibrary/</a:t>
+              <a:t>http://sourceforge.net/projects/fitlibrary/</a:t>
             </a:r>
             <a:r>
               <a:rPr lang="en-US" sz="2400" dirty="0" smtClean="0"/>
@@ -7619,13 +7537,7 @@
               <a:rPr lang="en-US" sz="2400" dirty="0" smtClean="0">
                 <a:hlinkClick r:id="rId4"/>
               </a:rPr>
-              <a:t>http://gojko.net/fitnesse</a:t>
-            </a:r>
-            <a:r>
-              <a:rPr lang="en-US" sz="2400" dirty="0" smtClean="0">
-                <a:hlinkClick r:id="rId4"/>
-              </a:rPr>
-              <a:t>/</a:t>
+              <a:t>http://gojko.net/fitnesse/</a:t>
             </a:r>
             <a:r>
               <a:rPr lang="en-US" sz="2400" dirty="0" smtClean="0"/>
@@ -7638,13 +7550,7 @@
               <a:rPr lang="nl-BE" sz="2400" dirty="0" smtClean="0">
                 <a:hlinkClick r:id="rId5"/>
               </a:rPr>
-              <a:t>http://</a:t>
-            </a:r>
-            <a:r>
-              <a:rPr lang="nl-BE" sz="2400" dirty="0" smtClean="0">
-                <a:hlinkClick r:id="rId5"/>
-              </a:rPr>
-              <a:t>codebetter.com/blogs/ian_cooper/archive/2008/10/13/fitnesse-and-the-three-way.aspx</a:t>
+              <a:t>http://codebetter.com/blogs/ian_cooper/archive/2008/10/13/fitnesse-and-the-three-way.aspx</a:t>
             </a:r>
             <a:r>
               <a:rPr lang="nl-BE" sz="2400" dirty="0" smtClean="0"/>
@@ -7666,13 +7572,7 @@
               <a:rPr lang="en-US" sz="2400" dirty="0" smtClean="0">
                 <a:hlinkClick r:id="rId6"/>
               </a:rPr>
-              <a:t>http://tech.groups.yahoo.com/group/fitnesse</a:t>
-            </a:r>
-            <a:r>
-              <a:rPr lang="en-US" sz="2400" dirty="0" smtClean="0">
-                <a:hlinkClick r:id="rId6"/>
-              </a:rPr>
-              <a:t>/</a:t>
+              <a:t>http://tech.groups.yahoo.com/group/fitnesse/</a:t>
             </a:r>
             <a:r>
               <a:rPr lang="en-US" sz="2400" dirty="0" smtClean="0"/>
@@ -7956,7 +7856,6 @@
               <a:rPr lang="nl-BE" i="1" dirty="0" smtClean="0"/>
               <a:t>Continuous Integration</a:t>
             </a:r>
-            <a:endParaRPr lang="nl-BE" i="1" dirty="0" smtClean="0"/>
           </a:p>
           <a:p>
             <a:pPr marL="624078" indent="-514350"/>
@@ -9121,7 +9020,19 @@
           <a:p>
             <a:r>
               <a:rPr lang="nl-BE" dirty="0" smtClean="0"/>
-              <a:t>Lets turn those examples into executable specifications to verify that be have build the wright code.</a:t>
+              <a:t>Lets turn those examples into executable specifications to verify </a:t>
+            </a:r>
+            <a:r>
+              <a:rPr lang="nl-BE" smtClean="0"/>
+              <a:t>that </a:t>
+            </a:r>
+            <a:r>
+              <a:rPr lang="nl-BE" smtClean="0"/>
+              <a:t>we </a:t>
+            </a:r>
+            <a:r>
+              <a:rPr lang="nl-BE" dirty="0" smtClean="0"/>
+              <a:t>have build the wright code.</a:t>
             </a:r>
           </a:p>
           <a:p>

--- a/Slides/20090514_iLearn_AgileAcceptanceTesting.pptx
+++ b/Slides/20090514_iLearn_AgileAcceptanceTesting.pptx
@@ -5,29 +5,30 @@
     <p:sldMasterId id="2147483732" r:id="rId1"/>
   </p:sldMasterIdLst>
   <p:notesMasterIdLst>
-    <p:notesMasterId r:id="rId22"/>
+    <p:notesMasterId r:id="rId23"/>
   </p:notesMasterIdLst>
   <p:sldIdLst>
     <p:sldId id="256" r:id="rId2"/>
-    <p:sldId id="258" r:id="rId3"/>
-    <p:sldId id="272" r:id="rId4"/>
-    <p:sldId id="259" r:id="rId5"/>
-    <p:sldId id="260" r:id="rId6"/>
-    <p:sldId id="261" r:id="rId7"/>
-    <p:sldId id="262" r:id="rId8"/>
-    <p:sldId id="265" r:id="rId9"/>
-    <p:sldId id="257" r:id="rId10"/>
-    <p:sldId id="275" r:id="rId11"/>
-    <p:sldId id="279" r:id="rId12"/>
-    <p:sldId id="277" r:id="rId13"/>
-    <p:sldId id="280" r:id="rId14"/>
-    <p:sldId id="269" r:id="rId15"/>
-    <p:sldId id="270" r:id="rId16"/>
-    <p:sldId id="271" r:id="rId17"/>
-    <p:sldId id="278" r:id="rId18"/>
-    <p:sldId id="268" r:id="rId19"/>
-    <p:sldId id="264" r:id="rId20"/>
-    <p:sldId id="263" r:id="rId21"/>
+    <p:sldId id="263" r:id="rId3"/>
+    <p:sldId id="258" r:id="rId4"/>
+    <p:sldId id="272" r:id="rId5"/>
+    <p:sldId id="259" r:id="rId6"/>
+    <p:sldId id="260" r:id="rId7"/>
+    <p:sldId id="261" r:id="rId8"/>
+    <p:sldId id="282" r:id="rId9"/>
+    <p:sldId id="283" r:id="rId10"/>
+    <p:sldId id="262" r:id="rId11"/>
+    <p:sldId id="265" r:id="rId12"/>
+    <p:sldId id="257" r:id="rId13"/>
+    <p:sldId id="275" r:id="rId14"/>
+    <p:sldId id="279" r:id="rId15"/>
+    <p:sldId id="280" r:id="rId16"/>
+    <p:sldId id="278" r:id="rId17"/>
+    <p:sldId id="268" r:id="rId18"/>
+    <p:sldId id="269" r:id="rId19"/>
+    <p:sldId id="270" r:id="rId20"/>
+    <p:sldId id="271" r:id="rId21"/>
+    <p:sldId id="264" r:id="rId22"/>
   </p:sldIdLst>
   <p:sldSz cx="9144000" cy="6858000" type="screen4x3"/>
   <p:notesSz cx="6858000" cy="9144000"/>
@@ -212,7 +213,7 @@
             <a:fld id="{08F0785E-033A-43CD-AF7D-1A09C6890A39}" type="datetimeFigureOut">
               <a:rPr lang="nl-BE" smtClean="0"/>
               <a:pPr/>
-              <a:t>22/04/2009</a:t>
+              <a:t>30/04/2009</a:t>
             </a:fld>
             <a:endParaRPr lang="nl-BE"/>
           </a:p>
@@ -650,7 +651,7 @@
             <a:fld id="{A95F721D-B08F-41E9-83C2-423A43044BB2}" type="slidenum">
               <a:rPr lang="nl-BE" smtClean="0"/>
               <a:pPr/>
-              <a:t>7</a:t>
+              <a:t>8</a:t>
             </a:fld>
             <a:endParaRPr lang="nl-BE"/>
           </a:p>
@@ -732,7 +733,7 @@
             <a:fld id="{A95F721D-B08F-41E9-83C2-423A43044BB2}" type="slidenum">
               <a:rPr lang="nl-BE" smtClean="0"/>
               <a:pPr/>
-              <a:t>16</a:t>
+              <a:t>17</a:t>
             </a:fld>
             <a:endParaRPr lang="nl-BE"/>
           </a:p>
@@ -814,7 +815,7 @@
             <a:fld id="{A95F721D-B08F-41E9-83C2-423A43044BB2}" type="slidenum">
               <a:rPr lang="nl-BE" smtClean="0"/>
               <a:pPr/>
-              <a:t>17</a:t>
+              <a:t>18</a:t>
             </a:fld>
             <a:endParaRPr lang="nl-BE"/>
           </a:p>
@@ -896,7 +897,89 @@
             <a:fld id="{A95F721D-B08F-41E9-83C2-423A43044BB2}" type="slidenum">
               <a:rPr lang="nl-BE" smtClean="0"/>
               <a:pPr/>
-              <a:t>18</a:t>
+              <a:t>19</a:t>
+            </a:fld>
+            <a:endParaRPr lang="nl-BE"/>
+          </a:p>
+        </p:txBody>
+      </p:sp>
+    </p:spTree>
+  </p:cSld>
+  <p:clrMapOvr>
+    <a:masterClrMapping/>
+  </p:clrMapOvr>
+</p:notes>
+</file>
+
+<file path=ppt/notesSlides/notesSlide13.xml><?xml version="1.0" encoding="utf-8"?>
+<p:notes xmlns:a="http://schemas.openxmlformats.org/drawingml/2006/main" xmlns:r="http://schemas.openxmlformats.org/officeDocument/2006/relationships" xmlns:p="http://schemas.openxmlformats.org/presentationml/2006/main">
+  <p:cSld>
+    <p:spTree>
+      <p:nvGrpSpPr>
+        <p:cNvPr id="1" name=""/>
+        <p:cNvGrpSpPr/>
+        <p:nvPr/>
+      </p:nvGrpSpPr>
+      <p:grpSpPr>
+        <a:xfrm>
+          <a:off x="0" y="0"/>
+          <a:ext cx="0" cy="0"/>
+          <a:chOff x="0" y="0"/>
+          <a:chExt cx="0" cy="0"/>
+        </a:xfrm>
+      </p:grpSpPr>
+      <p:sp>
+        <p:nvSpPr>
+          <p:cNvPr id="2" name="Slide Image Placeholder 1"/>
+          <p:cNvSpPr>
+            <a:spLocks noGrp="1" noRot="1" noChangeAspect="1"/>
+          </p:cNvSpPr>
+          <p:nvPr>
+            <p:ph type="sldImg"/>
+          </p:nvPr>
+        </p:nvSpPr>
+        <p:spPr/>
+      </p:sp>
+      <p:sp>
+        <p:nvSpPr>
+          <p:cNvPr id="3" name="Notes Placeholder 2"/>
+          <p:cNvSpPr>
+            <a:spLocks noGrp="1"/>
+          </p:cNvSpPr>
+          <p:nvPr>
+            <p:ph type="body" idx="1"/>
+          </p:nvPr>
+        </p:nvSpPr>
+        <p:spPr/>
+        <p:txBody>
+          <a:bodyPr>
+            <a:normAutofit/>
+          </a:bodyPr>
+          <a:lstStyle/>
+          <a:p>
+            <a:endParaRPr lang="nl-BE" dirty="0"/>
+          </a:p>
+        </p:txBody>
+      </p:sp>
+      <p:sp>
+        <p:nvSpPr>
+          <p:cNvPr id="4" name="Slide Number Placeholder 3"/>
+          <p:cNvSpPr>
+            <a:spLocks noGrp="1"/>
+          </p:cNvSpPr>
+          <p:nvPr>
+            <p:ph type="sldNum" sz="quarter" idx="10"/>
+          </p:nvPr>
+        </p:nvSpPr>
+        <p:spPr/>
+        <p:txBody>
+          <a:bodyPr/>
+          <a:lstStyle/>
+          <a:p>
+            <a:fld id="{A95F721D-B08F-41E9-83C2-423A43044BB2}" type="slidenum">
+              <a:rPr lang="nl-BE" smtClean="0"/>
+              <a:pPr/>
+              <a:t>20</a:t>
             </a:fld>
             <a:endParaRPr lang="nl-BE"/>
           </a:p>
@@ -956,10 +1039,110 @@
           </a:bodyPr>
           <a:lstStyle/>
           <a:p>
+            <a:r>
+              <a:rPr lang="nl-BE" u="sng" dirty="0" smtClean="0"/>
+              <a:t>Praktische zaken: </a:t>
+            </a:r>
+          </a:p>
+          <a:p>
+            <a:r>
+              <a:rPr lang="nl-BE" u="none" dirty="0" smtClean="0"/>
+              <a:t>-</a:t>
+            </a:r>
+            <a:r>
+              <a:rPr lang="nl-BE" u="none" baseline="0" dirty="0" smtClean="0"/>
+              <a:t>Vooraleer we beginnen aan deze korte workshop vragen we wie er straks mee wil coderen op zijn eigen laptop. </a:t>
+            </a:r>
+          </a:p>
+          <a:p>
+            <a:r>
+              <a:rPr lang="nl-BE" u="none" baseline="0" dirty="0" smtClean="0"/>
+              <a:t>	Deze personen vragen we hun laptop nu op te starten. </a:t>
+            </a:r>
+          </a:p>
+          <a:p>
+            <a:r>
+              <a:rPr lang="nl-BE" u="none" baseline="0" dirty="0" smtClean="0"/>
+              <a:t>	Tijdens deze 10 minuten zullen we even rondgaan bij deze personen met een USB-stick met de nodige source files.</a:t>
+            </a:r>
+          </a:p>
+          <a:p>
+            <a:r>
+              <a:rPr lang="nl-BE" u="none" dirty="0" smtClean="0"/>
+              <a:t>	We vermelden erbij dat alle source sowieso</a:t>
+            </a:r>
+            <a:r>
+              <a:rPr lang="nl-BE" u="none" baseline="0" dirty="0" smtClean="0"/>
+              <a:t> nadien zal beschikbaar zijn.</a:t>
+            </a:r>
+          </a:p>
+          <a:p>
+            <a:endParaRPr lang="nl-BE" u="sng" baseline="0" dirty="0" smtClean="0"/>
+          </a:p>
+          <a:p>
+            <a:r>
+              <a:rPr lang="nl-BE" u="sng" baseline="0" dirty="0" smtClean="0"/>
+              <a:t>De workshop zelf:</a:t>
+            </a:r>
+            <a:endParaRPr lang="nl-BE" u="sng" dirty="0" smtClean="0"/>
+          </a:p>
+          <a:p>
             <a:pPr>
               <a:buFontTx/>
-              <a:buNone/>
+              <a:buChar char="-"/>
             </a:pPr>
+            <a:r>
+              <a:rPr lang="nl-BE" dirty="0" smtClean="0"/>
+              <a:t>We delen een index card van de eerste story uit </a:t>
+            </a:r>
+            <a:r>
+              <a:rPr lang="nl-BE" baseline="0" dirty="0" smtClean="0"/>
+              <a:t>aan elk groepje.</a:t>
+            </a:r>
+          </a:p>
+          <a:p>
+            <a:pPr>
+              <a:buFontTx/>
+              <a:buChar char="-"/>
+            </a:pPr>
+            <a:r>
+              <a:rPr lang="nl-BE" baseline="0" dirty="0" smtClean="0"/>
+              <a:t>Misschien moeten we ook een voorbeeldje van een real world example uitdelen, zodanig dat de mensen weten wat van hun verwacht wordt.</a:t>
+            </a:r>
+          </a:p>
+          <a:p>
+            <a:pPr>
+              <a:buFontTx/>
+              <a:buChar char="-"/>
+            </a:pPr>
+            <a:r>
+              <a:rPr lang="nl-BE" baseline="0" dirty="0" smtClean="0"/>
+              <a:t>Op het ene scherm laten we deze slide zien.</a:t>
+            </a:r>
+          </a:p>
+          <a:p>
+            <a:pPr>
+              <a:buFontTx/>
+              <a:buChar char="-"/>
+            </a:pPr>
+            <a:r>
+              <a:rPr lang="nl-BE" baseline="0" dirty="0" smtClean="0"/>
+              <a:t>Op de andere starten we de countdown timer van ZoomIt om 10 minuten wanneer de uitleg gedaan is en de groepjes gemaakt zijn.</a:t>
+            </a:r>
+          </a:p>
+          <a:p>
+            <a:pPr>
+              <a:buFontTx/>
+              <a:buChar char="-"/>
+            </a:pPr>
+            <a:r>
+              <a:rPr lang="nl-BE" dirty="0" smtClean="0"/>
+              <a:t>De</a:t>
+            </a:r>
+            <a:r>
+              <a:rPr lang="nl-BE" baseline="0" dirty="0" smtClean="0"/>
+              <a:t> mensen krijgen A4 papier en stiften ter beschikking om hun real world voorbeelden te noteren.</a:t>
+            </a:r>
             <a:endParaRPr lang="nl-BE" dirty="0"/>
           </a:p>
         </p:txBody>
@@ -982,7 +1165,7 @@
             <a:fld id="{A95F721D-B08F-41E9-83C2-423A43044BB2}" type="slidenum">
               <a:rPr lang="nl-BE" smtClean="0"/>
               <a:pPr/>
-              <a:t>8</a:t>
+              <a:t>9</a:t>
             </a:fld>
             <a:endParaRPr lang="nl-BE"/>
           </a:p>
@@ -1042,6 +1225,110 @@
           </a:bodyPr>
           <a:lstStyle/>
           <a:p>
+            <a:r>
+              <a:rPr lang="nl-BE" u="sng" dirty="0" smtClean="0"/>
+              <a:t>Praktische zaken: </a:t>
+            </a:r>
+          </a:p>
+          <a:p>
+            <a:r>
+              <a:rPr lang="nl-BE" u="none" dirty="0" smtClean="0"/>
+              <a:t>-</a:t>
+            </a:r>
+            <a:r>
+              <a:rPr lang="nl-BE" u="none" baseline="0" dirty="0" smtClean="0"/>
+              <a:t>Vooraleer we beginnen aan deze korte workshop vragen we wie er straks mee wil coderen op zijn eigen laptop. </a:t>
+            </a:r>
+          </a:p>
+          <a:p>
+            <a:r>
+              <a:rPr lang="nl-BE" u="none" baseline="0" dirty="0" smtClean="0"/>
+              <a:t>	Deze personen vragen we hun laptop nu op te starten. </a:t>
+            </a:r>
+          </a:p>
+          <a:p>
+            <a:r>
+              <a:rPr lang="nl-BE" u="none" baseline="0" dirty="0" smtClean="0"/>
+              <a:t>	Tijdens deze 10 minuten zullen we even rondgaan bij deze personen met een USB-stick met de nodige source files.</a:t>
+            </a:r>
+          </a:p>
+          <a:p>
+            <a:r>
+              <a:rPr lang="nl-BE" u="none" dirty="0" smtClean="0"/>
+              <a:t>	We vermelden erbij dat alle source sowieso</a:t>
+            </a:r>
+            <a:r>
+              <a:rPr lang="nl-BE" u="none" baseline="0" dirty="0" smtClean="0"/>
+              <a:t> nadien zal beschikbaar zijn.</a:t>
+            </a:r>
+          </a:p>
+          <a:p>
+            <a:endParaRPr lang="nl-BE" u="sng" baseline="0" dirty="0" smtClean="0"/>
+          </a:p>
+          <a:p>
+            <a:r>
+              <a:rPr lang="nl-BE" u="sng" baseline="0" dirty="0" smtClean="0"/>
+              <a:t>De workshop zelf:</a:t>
+            </a:r>
+            <a:endParaRPr lang="nl-BE" u="sng" dirty="0" smtClean="0"/>
+          </a:p>
+          <a:p>
+            <a:pPr>
+              <a:buFontTx/>
+              <a:buChar char="-"/>
+            </a:pPr>
+            <a:r>
+              <a:rPr lang="nl-BE" dirty="0" smtClean="0"/>
+              <a:t>We delen een index card van de eerste story uit </a:t>
+            </a:r>
+            <a:r>
+              <a:rPr lang="nl-BE" baseline="0" dirty="0" smtClean="0"/>
+              <a:t>aan elk groepje.</a:t>
+            </a:r>
+          </a:p>
+          <a:p>
+            <a:pPr>
+              <a:buFontTx/>
+              <a:buChar char="-"/>
+            </a:pPr>
+            <a:r>
+              <a:rPr lang="nl-BE" baseline="0" dirty="0" smtClean="0"/>
+              <a:t>Misschien moeten we ook een voorbeeldje van een real world example uitdelen, zodanig dat de mensen weten wat van hun verwacht wordt.</a:t>
+            </a:r>
+          </a:p>
+          <a:p>
+            <a:pPr>
+              <a:buFontTx/>
+              <a:buChar char="-"/>
+            </a:pPr>
+            <a:r>
+              <a:rPr lang="nl-BE" baseline="0" dirty="0" smtClean="0"/>
+              <a:t>Op het ene scherm laten we deze slide zien.</a:t>
+            </a:r>
+          </a:p>
+          <a:p>
+            <a:pPr>
+              <a:buFontTx/>
+              <a:buChar char="-"/>
+            </a:pPr>
+            <a:r>
+              <a:rPr lang="nl-BE" baseline="0" dirty="0" smtClean="0"/>
+              <a:t>Op de andere starten we de countdown timer van ZoomIt om 10 minuten wanneer de uitleg gedaan is en de groepjes gemaakt zijn.</a:t>
+            </a:r>
+          </a:p>
+          <a:p>
+            <a:pPr>
+              <a:buFontTx/>
+              <a:buChar char="-"/>
+            </a:pPr>
+            <a:r>
+              <a:rPr lang="nl-BE" dirty="0" smtClean="0"/>
+              <a:t>De</a:t>
+            </a:r>
+            <a:r>
+              <a:rPr lang="nl-BE" baseline="0" dirty="0" smtClean="0"/>
+              <a:t> mensen krijgen A4 papier en stiften ter beschikking om hun real world voorbeelden te noteren.</a:t>
+            </a:r>
             <a:endParaRPr lang="nl-BE" dirty="0"/>
           </a:p>
         </p:txBody>
@@ -1064,7 +1351,7 @@
             <a:fld id="{A95F721D-B08F-41E9-83C2-423A43044BB2}" type="slidenum">
               <a:rPr lang="nl-BE" smtClean="0"/>
               <a:pPr/>
-              <a:t>9</a:t>
+              <a:t>10</a:t>
             </a:fld>
             <a:endParaRPr lang="nl-BE"/>
           </a:p>
@@ -1124,110 +1411,10 @@
           </a:bodyPr>
           <a:lstStyle/>
           <a:p>
-            <a:r>
-              <a:rPr lang="nl-BE" dirty="0" smtClean="0"/>
-              <a:t>Prerequisites:</a:t>
-            </a:r>
-          </a:p>
-          <a:p>
-            <a:r>
-              <a:rPr lang="nl-BE" dirty="0" smtClean="0"/>
-              <a:t>	- install asp.net mvc</a:t>
-            </a:r>
-          </a:p>
-          <a:p>
-            <a:r>
-              <a:rPr lang="nl-BE" dirty="0" smtClean="0"/>
-              <a:t>	-</a:t>
-            </a:r>
-            <a:r>
-              <a:rPr lang="nl-BE" baseline="0" dirty="0" smtClean="0"/>
-              <a:t> java runtime</a:t>
-            </a:r>
-          </a:p>
-          <a:p>
-            <a:r>
-              <a:rPr lang="nl-BE" baseline="0" dirty="0" smtClean="0"/>
-              <a:t>	- visual studio 2008</a:t>
-            </a:r>
-          </a:p>
-          <a:p>
-            <a:endParaRPr lang="nl-BE" dirty="0" smtClean="0"/>
-          </a:p>
-          <a:p>
-            <a:r>
-              <a:rPr lang="nl-BE" dirty="0" smtClean="0"/>
-              <a:t>Misschien moeten we een hands-on lab voorzien waarbij stap voor stap</a:t>
-            </a:r>
-            <a:r>
-              <a:rPr lang="nl-BE" baseline="0" dirty="0" smtClean="0"/>
-              <a:t> uitgelegd staat wat er dient te gebeuren.</a:t>
-            </a:r>
-          </a:p>
-          <a:p>
-            <a:r>
-              <a:rPr lang="nl-BE" baseline="0" dirty="0" smtClean="0"/>
-              <a:t>Dit kunnen we dan mee uitdelen.</a:t>
-            </a:r>
-          </a:p>
-          <a:p>
-            <a:pPr>
-              <a:buFontTx/>
-              <a:buChar char="-"/>
-            </a:pPr>
-            <a:endParaRPr lang="nl-BE" baseline="0" dirty="0" smtClean="0"/>
-          </a:p>
-          <a:p>
             <a:pPr>
               <a:buFontTx/>
               <a:buNone/>
             </a:pPr>
-            <a:r>
-              <a:rPr lang="nl-BE" baseline="0" dirty="0" smtClean="0"/>
-              <a:t>Dit biedt tal van voordelen:</a:t>
-            </a:r>
-          </a:p>
-          <a:p>
-            <a:pPr>
-              <a:buFontTx/>
-              <a:buChar char="-"/>
-            </a:pPr>
-            <a:r>
-              <a:rPr lang="nl-BE" baseline="0" dirty="0" smtClean="0"/>
-              <a:t> Voor onszelf hebben we een leidraad.</a:t>
-            </a:r>
-          </a:p>
-          <a:p>
-            <a:pPr>
-              <a:buFontTx/>
-              <a:buChar char="-"/>
-            </a:pPr>
-            <a:r>
-              <a:rPr lang="nl-BE" baseline="0" dirty="0" smtClean="0"/>
-              <a:t> De aanwezigen kunnen dit later nog eens overdoen indien ze dit wensen</a:t>
-            </a:r>
-          </a:p>
-          <a:p>
-            <a:pPr>
-              <a:buFontTx/>
-              <a:buChar char="-"/>
-            </a:pPr>
-            <a:r>
-              <a:rPr lang="nl-BE" baseline="0" dirty="0" smtClean="0"/>
-              <a:t> Mensen die niet mee coderen kunnen toch mee volgen</a:t>
-            </a:r>
-          </a:p>
-          <a:p>
-            <a:pPr>
-              <a:buFontTx/>
-              <a:buChar char="-"/>
-            </a:pPr>
-            <a:r>
-              <a:rPr lang="nl-BE" baseline="0" dirty="0" smtClean="0"/>
-              <a:t> ...</a:t>
-            </a:r>
-          </a:p>
-          <a:p>
             <a:endParaRPr lang="nl-BE" dirty="0"/>
           </a:p>
         </p:txBody>
@@ -1250,7 +1437,7 @@
             <a:fld id="{A95F721D-B08F-41E9-83C2-423A43044BB2}" type="slidenum">
               <a:rPr lang="nl-BE" smtClean="0"/>
               <a:pPr/>
-              <a:t>10</a:t>
+              <a:t>11</a:t>
             </a:fld>
             <a:endParaRPr lang="nl-BE"/>
           </a:p>
@@ -1332,7 +1519,7 @@
             <a:fld id="{A95F721D-B08F-41E9-83C2-423A43044BB2}" type="slidenum">
               <a:rPr lang="nl-BE" smtClean="0"/>
               <a:pPr/>
-              <a:t>11</a:t>
+              <a:t>12</a:t>
             </a:fld>
             <a:endParaRPr lang="nl-BE"/>
           </a:p>
@@ -1392,7 +1579,100 @@
           </a:bodyPr>
           <a:lstStyle/>
           <a:p>
-            <a:endParaRPr lang="nl-BE" dirty="0"/>
+            <a:r>
+              <a:rPr lang="nl-BE" dirty="0" smtClean="0"/>
+              <a:t>Prerequisites:</a:t>
+            </a:r>
+          </a:p>
+          <a:p>
+            <a:endParaRPr lang="nl-BE" dirty="0" smtClean="0"/>
+          </a:p>
+          <a:p>
+            <a:r>
+              <a:rPr lang="nl-BE" baseline="0" dirty="0" smtClean="0"/>
+              <a:t>	- visual studio 2008</a:t>
+            </a:r>
+          </a:p>
+          <a:p>
+            <a:endParaRPr lang="nl-BE" dirty="0" smtClean="0"/>
+          </a:p>
+          <a:p>
+            <a:r>
+              <a:rPr lang="nl-BE" dirty="0" smtClean="0"/>
+              <a:t>Misschien moeten we een hands-on lab voorzien waarbij stap voor stap</a:t>
+            </a:r>
+            <a:r>
+              <a:rPr lang="nl-BE" baseline="0" dirty="0" smtClean="0"/>
+              <a:t> uitgelegd staat wat er dient te gebeuren.</a:t>
+            </a:r>
+          </a:p>
+          <a:p>
+            <a:r>
+              <a:rPr lang="nl-BE" baseline="0" dirty="0" smtClean="0"/>
+              <a:t>Dit kunnen we dan mee uitdelen.</a:t>
+            </a:r>
+          </a:p>
+          <a:p>
+            <a:pPr>
+              <a:buFontTx/>
+              <a:buChar char="-"/>
+            </a:pPr>
+            <a:endParaRPr lang="nl-BE" baseline="0" dirty="0" smtClean="0"/>
+          </a:p>
+          <a:p>
+            <a:pPr>
+              <a:buFontTx/>
+              <a:buNone/>
+            </a:pPr>
+            <a:r>
+              <a:rPr lang="nl-BE" baseline="0" dirty="0" smtClean="0"/>
+              <a:t>Dit biedt tal van voordelen:</a:t>
+            </a:r>
+          </a:p>
+          <a:p>
+            <a:pPr>
+              <a:buFontTx/>
+              <a:buChar char="-"/>
+            </a:pPr>
+            <a:r>
+              <a:rPr lang="nl-BE" baseline="0" dirty="0" smtClean="0"/>
+              <a:t> Voor onszelf hebben we een leidraad.</a:t>
+            </a:r>
+          </a:p>
+          <a:p>
+            <a:pPr>
+              <a:buFontTx/>
+              <a:buChar char="-"/>
+            </a:pPr>
+            <a:r>
+              <a:rPr lang="nl-BE" baseline="0" dirty="0" smtClean="0"/>
+              <a:t> De aanwezigen kunnen dit later nog eens overdoen indien ze dit wensen</a:t>
+            </a:r>
+          </a:p>
+          <a:p>
+            <a:pPr>
+              <a:buFontTx/>
+              <a:buChar char="-"/>
+            </a:pPr>
+            <a:r>
+              <a:rPr lang="nl-BE" baseline="0" dirty="0" smtClean="0"/>
+              <a:t> Mensen die niet mee coderen kunnen toch mee volgen</a:t>
+            </a:r>
+          </a:p>
+          <a:p>
+            <a:pPr>
+              <a:buFontTx/>
+              <a:buChar char="-"/>
+            </a:pPr>
+            <a:r>
+              <a:rPr lang="nl-BE" baseline="0" dirty="0" smtClean="0"/>
+              <a:t> </a:t>
+            </a:r>
+            <a:r>
+              <a:rPr lang="nl-BE" baseline="0" dirty="0" smtClean="0"/>
+              <a:t>...</a:t>
+            </a:r>
+            <a:endParaRPr lang="nl-BE" baseline="0" dirty="0" smtClean="0"/>
           </a:p>
         </p:txBody>
       </p:sp>
@@ -1414,7 +1694,7 @@
             <a:fld id="{A95F721D-B08F-41E9-83C2-423A43044BB2}" type="slidenum">
               <a:rPr lang="nl-BE" smtClean="0"/>
               <a:pPr/>
-              <a:t>12</a:t>
+              <a:t>13</a:t>
             </a:fld>
             <a:endParaRPr lang="nl-BE"/>
           </a:p>
@@ -1474,6 +1754,119 @@
           </a:bodyPr>
           <a:lstStyle/>
           <a:p>
+            <a:r>
+              <a:rPr lang="nl-BE" dirty="0" smtClean="0"/>
+              <a:t>1</a:t>
+            </a:r>
+            <a:r>
+              <a:rPr lang="nl-BE" baseline="30000" dirty="0" smtClean="0"/>
+              <a:t>e</a:t>
+            </a:r>
+            <a:r>
+              <a:rPr lang="nl-BE" dirty="0" smtClean="0"/>
+              <a:t> test: Snack order</a:t>
+            </a:r>
+            <a:r>
+              <a:rPr lang="nl-BE" baseline="0" dirty="0" smtClean="0"/>
+              <a:t> zonder credit, credit toevoegen, snack orderen (columnFixture)</a:t>
+            </a:r>
+          </a:p>
+          <a:p>
+            <a:r>
+              <a:rPr lang="nl-BE" baseline="0" dirty="0" smtClean="0"/>
+              <a:t>2</a:t>
+            </a:r>
+            <a:r>
+              <a:rPr lang="nl-BE" baseline="30000" dirty="0" smtClean="0"/>
+              <a:t>e</a:t>
+            </a:r>
+            <a:r>
+              <a:rPr lang="nl-BE" baseline="0" dirty="0" smtClean="0"/>
+              <a:t> test: current orders opvragen (blanco) – order plaatsen (hergebruik bovenste fixture) – orders opvragen (rowfixture &amp; setup: orders leegmaken+credits op 0)</a:t>
+            </a:r>
+          </a:p>
+          <a:p>
+            <a:r>
+              <a:rPr lang="nl-BE" baseline="0" dirty="0" smtClean="0"/>
+              <a:t>Acceptatie door PO (iteratie gedaan)</a:t>
+            </a:r>
+          </a:p>
+          <a:p>
+            <a:r>
+              <a:rPr lang="nl-BE" dirty="0" smtClean="0"/>
+              <a:t>3</a:t>
+            </a:r>
+            <a:r>
+              <a:rPr lang="nl-BE" baseline="30000" dirty="0" smtClean="0"/>
+              <a:t>e</a:t>
+            </a:r>
+            <a:r>
+              <a:rPr lang="nl-BE" dirty="0" smtClean="0"/>
+              <a:t> test:</a:t>
+            </a:r>
+            <a:r>
+              <a:rPr lang="nl-BE" baseline="0" dirty="0" smtClean="0"/>
+              <a:t> credits afchecken, user credit geven, snack order, check credit (</a:t>
+            </a:r>
+            <a:r>
+              <a:rPr lang="nl-BE" sz="1200" kern="1200" dirty="0" smtClean="0">
+                <a:solidFill>
+                  <a:schemeClr val="tx1"/>
+                </a:solidFill>
+                <a:latin typeface="+mn-lt"/>
+                <a:ea typeface="+mn-ea"/>
+                <a:cs typeface="+mn-cs"/>
+              </a:rPr>
+              <a:t>DoFixture)</a:t>
+            </a:r>
+            <a:endParaRPr lang="nl-BE" baseline="0" dirty="0" smtClean="0"/>
+          </a:p>
+          <a:p>
+            <a:pPr marL="0" marR="0" indent="0" algn="l" defTabSz="914400" rtl="0" eaLnBrk="1" fontAlgn="auto" latinLnBrk="0" hangingPunct="1">
+              <a:lnSpc>
+                <a:spcPct val="100000"/>
+              </a:lnSpc>
+              <a:spcBef>
+                <a:spcPts val="0"/>
+              </a:spcBef>
+              <a:spcAft>
+                <a:spcPts val="0"/>
+              </a:spcAft>
+              <a:buClrTx/>
+              <a:buSzTx/>
+              <a:buFontTx/>
+              <a:buNone/>
+              <a:tabLst/>
+              <a:defRPr/>
+            </a:pPr>
+            <a:r>
+              <a:rPr lang="nl-BE" baseline="0" dirty="0" smtClean="0"/>
+              <a:t>Structuur in Wiki? Geaccepteerde testen falen? Move naar acceptance suite.</a:t>
+            </a:r>
+          </a:p>
+          <a:p>
+            <a:r>
+              <a:rPr lang="nl-BE" dirty="0" smtClean="0"/>
+              <a:t>Integratie van Agile</a:t>
+            </a:r>
+            <a:r>
+              <a:rPr lang="nl-BE" baseline="0" dirty="0" smtClean="0"/>
+              <a:t> Acceptance Testing in iteratie.</a:t>
+            </a:r>
+          </a:p>
+          <a:p>
+            <a:r>
+              <a:rPr lang="nl-BE" baseline="0" dirty="0" smtClean="0"/>
+              <a:t>4</a:t>
+            </a:r>
+            <a:r>
+              <a:rPr lang="nl-BE" baseline="30000" dirty="0" smtClean="0"/>
+              <a:t>e</a:t>
+            </a:r>
+            <a:r>
+              <a:rPr lang="nl-BE" baseline="0" dirty="0" smtClean="0"/>
+              <a:t> test: inloggen van een user (ActionFixture)</a:t>
+            </a:r>
             <a:endParaRPr lang="nl-BE" dirty="0"/>
           </a:p>
         </p:txBody>
@@ -1496,7 +1889,7 @@
             <a:fld id="{A95F721D-B08F-41E9-83C2-423A43044BB2}" type="slidenum">
               <a:rPr lang="nl-BE" smtClean="0"/>
               <a:pPr/>
-              <a:t>13</a:t>
+              <a:t>14</a:t>
             </a:fld>
             <a:endParaRPr lang="nl-BE"/>
           </a:p>
@@ -1578,7 +1971,7 @@
             <a:fld id="{A95F721D-B08F-41E9-83C2-423A43044BB2}" type="slidenum">
               <a:rPr lang="nl-BE" smtClean="0"/>
               <a:pPr/>
-              <a:t>14</a:t>
+              <a:t>15</a:t>
             </a:fld>
             <a:endParaRPr lang="nl-BE"/>
           </a:p>
@@ -1638,6 +2031,20 @@
           </a:bodyPr>
           <a:lstStyle/>
           <a:p>
+            <a:r>
+              <a:rPr lang="nl-BE" dirty="0" smtClean="0"/>
+              <a:t>Automated</a:t>
+            </a:r>
+            <a:r>
+              <a:rPr lang="nl-BE" baseline="0" dirty="0" smtClean="0"/>
+              <a:t> Build (vroeger-&gt; op einde iteratie)</a:t>
+            </a:r>
+          </a:p>
+          <a:p>
+            <a:r>
+              <a:rPr lang="nl-BE" baseline="0" dirty="0" smtClean="0"/>
+              <a:t>CI Environment (evt te schrappen)</a:t>
+            </a:r>
             <a:endParaRPr lang="nl-BE" dirty="0"/>
           </a:p>
         </p:txBody>
@@ -1660,7 +2067,7 @@
             <a:fld id="{A95F721D-B08F-41E9-83C2-423A43044BB2}" type="slidenum">
               <a:rPr lang="nl-BE" smtClean="0"/>
               <a:pPr/>
-              <a:t>15</a:t>
+              <a:t>16</a:t>
             </a:fld>
             <a:endParaRPr lang="nl-BE"/>
           </a:p>
@@ -2300,7 +2707,7 @@
             <a:fld id="{FB938823-3E05-40BA-BF51-A1BB5DC0A85F}" type="datetimeFigureOut">
               <a:rPr lang="nl-BE" smtClean="0"/>
               <a:pPr/>
-              <a:t>22/04/2009</a:t>
+              <a:t>30/04/2009</a:t>
             </a:fld>
             <a:endParaRPr lang="nl-BE"/>
           </a:p>
@@ -2498,7 +2905,7 @@
             <a:fld id="{FB938823-3E05-40BA-BF51-A1BB5DC0A85F}" type="datetimeFigureOut">
               <a:rPr lang="nl-BE" smtClean="0"/>
               <a:pPr/>
-              <a:t>22/04/2009</a:t>
+              <a:t>30/04/2009</a:t>
             </a:fld>
             <a:endParaRPr lang="nl-BE"/>
           </a:p>
@@ -2685,7 +3092,7 @@
             <a:fld id="{FB938823-3E05-40BA-BF51-A1BB5DC0A85F}" type="datetimeFigureOut">
               <a:rPr lang="nl-BE" smtClean="0"/>
               <a:pPr/>
-              <a:t>22/04/2009</a:t>
+              <a:t>30/04/2009</a:t>
             </a:fld>
             <a:endParaRPr lang="nl-BE"/>
           </a:p>
@@ -2837,7 +3244,7 @@
             <a:fld id="{FB938823-3E05-40BA-BF51-A1BB5DC0A85F}" type="datetimeFigureOut">
               <a:rPr lang="nl-BE" smtClean="0"/>
               <a:pPr/>
-              <a:t>22/04/2009</a:t>
+              <a:t>30/04/2009</a:t>
             </a:fld>
             <a:endParaRPr lang="nl-BE"/>
           </a:p>
@@ -3094,7 +3501,7 @@
             <a:fld id="{FB938823-3E05-40BA-BF51-A1BB5DC0A85F}" type="datetimeFigureOut">
               <a:rPr lang="nl-BE" smtClean="0"/>
               <a:pPr/>
-              <a:t>22/04/2009</a:t>
+              <a:t>30/04/2009</a:t>
             </a:fld>
             <a:endParaRPr lang="nl-BE"/>
           </a:p>
@@ -3505,7 +3912,7 @@
             <a:fld id="{FB938823-3E05-40BA-BF51-A1BB5DC0A85F}" type="datetimeFigureOut">
               <a:rPr lang="nl-BE" smtClean="0"/>
               <a:pPr/>
-              <a:t>22/04/2009</a:t>
+              <a:t>30/04/2009</a:t>
             </a:fld>
             <a:endParaRPr lang="nl-BE"/>
           </a:p>
@@ -3953,7 +4360,7 @@
             <a:fld id="{FB938823-3E05-40BA-BF51-A1BB5DC0A85F}" type="datetimeFigureOut">
               <a:rPr lang="nl-BE" smtClean="0"/>
               <a:pPr/>
-              <a:t>22/04/2009</a:t>
+              <a:t>30/04/2009</a:t>
             </a:fld>
             <a:endParaRPr lang="nl-BE"/>
           </a:p>
@@ -4056,7 +4463,7 @@
             <a:fld id="{FB938823-3E05-40BA-BF51-A1BB5DC0A85F}" type="datetimeFigureOut">
               <a:rPr lang="nl-BE" smtClean="0"/>
               <a:pPr/>
-              <a:t>22/04/2009</a:t>
+              <a:t>30/04/2009</a:t>
             </a:fld>
             <a:endParaRPr lang="nl-BE"/>
           </a:p>
@@ -4179,7 +4586,7 @@
             <a:fld id="{FB938823-3E05-40BA-BF51-A1BB5DC0A85F}" type="datetimeFigureOut">
               <a:rPr lang="nl-BE" smtClean="0"/>
               <a:pPr/>
-              <a:t>22/04/2009</a:t>
+              <a:t>30/04/2009</a:t>
             </a:fld>
             <a:endParaRPr lang="nl-BE"/>
           </a:p>
@@ -4455,7 +4862,7 @@
             <a:fld id="{FB938823-3E05-40BA-BF51-A1BB5DC0A85F}" type="datetimeFigureOut">
               <a:rPr lang="nl-BE" smtClean="0"/>
               <a:pPr/>
-              <a:t>22/04/2009</a:t>
+              <a:t>30/04/2009</a:t>
             </a:fld>
             <a:endParaRPr lang="nl-BE"/>
           </a:p>
@@ -4662,7 +5069,7 @@
             <a:fld id="{FB938823-3E05-40BA-BF51-A1BB5DC0A85F}" type="datetimeFigureOut">
               <a:rPr lang="nl-BE" smtClean="0"/>
               <a:pPr/>
-              <a:t>22/04/2009</a:t>
+              <a:t>30/04/2009</a:t>
             </a:fld>
             <a:endParaRPr lang="nl-BE"/>
           </a:p>
@@ -5773,7 +6180,7 @@
             <a:fld id="{FB938823-3E05-40BA-BF51-A1BB5DC0A85F}" type="datetimeFigureOut">
               <a:rPr lang="nl-BE" smtClean="0"/>
               <a:pPr/>
-              <a:t>22/04/2009</a:t>
+              <a:t>30/04/2009</a:t>
             </a:fld>
             <a:endParaRPr lang="nl-BE"/>
           </a:p>
@@ -6274,32 +6681,6 @@
           <a:chExt cx="0" cy="0"/>
         </a:xfrm>
       </p:grpSpPr>
-      <p:pic>
-        <p:nvPicPr>
-          <p:cNvPr id="5" name="Picture 2" descr="C:\Users\pascmest\AppData\Local\Microsoft\Windows\Temporary Internet Files\Content.IE5\R67MQFYW\MPj04053960000[1].jpg"/>
-          <p:cNvPicPr>
-            <a:picLocks noChangeAspect="1" noChangeArrowheads="1"/>
-          </p:cNvPicPr>
-          <p:nvPr/>
-        </p:nvPicPr>
-        <p:blipFill>
-          <a:blip r:embed="rId3" cstate="print"/>
-          <a:srcRect/>
-          <a:stretch>
-            <a:fillRect/>
-          </a:stretch>
-        </p:blipFill>
-        <p:spPr bwMode="auto">
-          <a:xfrm>
-            <a:off x="5443545" y="4214818"/>
-            <a:ext cx="3700487" cy="2643206"/>
-          </a:xfrm>
-          <a:prstGeom prst="rect">
-            <a:avLst/>
-          </a:prstGeom>
-          <a:noFill/>
-        </p:spPr>
-      </p:pic>
       <p:sp>
         <p:nvSpPr>
           <p:cNvPr id="2" name="Content Placeholder 1"/>
@@ -6308,6 +6689,104 @@
           </p:cNvSpPr>
           <p:nvPr>
             <p:ph idx="1"/>
+          </p:nvPr>
+        </p:nvSpPr>
+        <p:spPr/>
+        <p:txBody>
+          <a:bodyPr>
+            <a:normAutofit fontScale="92500" lnSpcReduction="10000"/>
+          </a:bodyPr>
+          <a:lstStyle/>
+          <a:p>
+            <a:r>
+              <a:rPr lang="nl-BE" u="sng" dirty="0" smtClean="0"/>
+              <a:t>Goal:</a:t>
+            </a:r>
+            <a:r>
+              <a:rPr lang="nl-BE" dirty="0" smtClean="0"/>
+              <a:t> Nail down the scope of the user story with real world examples, which we all agree on.</a:t>
+            </a:r>
+          </a:p>
+          <a:p>
+            <a:endParaRPr lang="nl-BE" dirty="0" smtClean="0"/>
+          </a:p>
+          <a:p>
+            <a:r>
+              <a:rPr lang="nl-BE" dirty="0" smtClean="0"/>
+              <a:t>Collaborate in groups of 5 people to:</a:t>
+            </a:r>
+          </a:p>
+          <a:p>
+            <a:pPr lvl="1"/>
+            <a:r>
+              <a:rPr lang="nl-BE" dirty="0" smtClean="0"/>
+              <a:t>Specify real world examples for the first user story</a:t>
+            </a:r>
+          </a:p>
+          <a:p>
+            <a:pPr lvl="1"/>
+            <a:endParaRPr lang="nl-BE" dirty="0" smtClean="0"/>
+          </a:p>
+          <a:p>
+            <a:r>
+              <a:rPr lang="nl-BE" dirty="0" smtClean="0"/>
+              <a:t>Some tips:</a:t>
+            </a:r>
+          </a:p>
+          <a:p>
+            <a:pPr lvl="1"/>
+            <a:r>
+              <a:rPr lang="nl-BE" dirty="0" smtClean="0"/>
+              <a:t>Involve the whole team</a:t>
+            </a:r>
+          </a:p>
+          <a:p>
+            <a:pPr lvl="1"/>
+            <a:r>
+              <a:rPr lang="nl-BE" dirty="0" smtClean="0"/>
+              <a:t>Don’t over complicate things</a:t>
+            </a:r>
+          </a:p>
+          <a:p>
+            <a:pPr lvl="1"/>
+            <a:r>
+              <a:rPr lang="en-US" dirty="0" smtClean="0"/>
+              <a:t>Also identify edge cases and negative paths</a:t>
+            </a:r>
+          </a:p>
+          <a:p>
+            <a:pPr lvl="1"/>
+            <a:r>
+              <a:rPr lang="en-US" dirty="0" smtClean="0"/>
+              <a:t>Stay focused on the user story</a:t>
+            </a:r>
+          </a:p>
+          <a:p>
+            <a:pPr lvl="1"/>
+            <a:r>
+              <a:rPr lang="nl-BE" dirty="0" smtClean="0"/>
+              <a:t>Describe what, not how</a:t>
+            </a:r>
+          </a:p>
+          <a:p>
+            <a:pPr>
+              <a:buNone/>
+            </a:pPr>
+            <a:endParaRPr lang="nl-BE" dirty="0" smtClean="0"/>
+          </a:p>
+          <a:p>
+            <a:endParaRPr lang="nl-BE" dirty="0" smtClean="0"/>
+          </a:p>
+        </p:txBody>
+      </p:sp>
+      <p:sp>
+        <p:nvSpPr>
+          <p:cNvPr id="3" name="Title 2"/>
+          <p:cNvSpPr>
+            <a:spLocks noGrp="1"/>
+          </p:cNvSpPr>
+          <p:nvPr>
+            <p:ph type="title"/>
           </p:nvPr>
         </p:nvSpPr>
         <p:spPr/>
@@ -6317,88 +6796,11 @@
           </a:bodyPr>
           <a:lstStyle/>
           <a:p>
-            <a:pPr marL="624078" indent="-514350"/>
-            <a:r>
-              <a:rPr lang="nl-BE" i="1" dirty="0" smtClean="0"/>
-              <a:t>Specification Workshop</a:t>
-            </a:r>
-          </a:p>
-          <a:p>
-            <a:pPr marL="624078" indent="-514350"/>
-            <a:endParaRPr lang="nl-BE" i="1" dirty="0" smtClean="0"/>
-          </a:p>
-          <a:p>
-            <a:pPr marL="624078" indent="-514350"/>
-            <a:r>
-              <a:rPr lang="nl-BE" b="1" i="1" dirty="0" smtClean="0"/>
-              <a:t>Setup Fitnesse &amp; demo application</a:t>
-            </a:r>
-          </a:p>
-          <a:p>
-            <a:pPr marL="880110" lvl="1" indent="-514350"/>
-            <a:r>
-              <a:rPr lang="nl-BE" b="1" dirty="0" smtClean="0"/>
-              <a:t>Setup Fitnesse from the zip download</a:t>
-            </a:r>
-          </a:p>
-          <a:p>
-            <a:pPr marL="880110" lvl="1" indent="-514350"/>
-            <a:r>
-              <a:rPr lang="nl-BE" b="1" dirty="0" smtClean="0"/>
-              <a:t>Introduce and compile the demo application</a:t>
-            </a:r>
-            <a:endParaRPr lang="nl-BE" b="1" i="1" dirty="0" smtClean="0"/>
-          </a:p>
-          <a:p>
-            <a:pPr marL="624078" indent="-514350"/>
-            <a:endParaRPr lang="nl-BE" i="1" dirty="0" smtClean="0"/>
-          </a:p>
-          <a:p>
-            <a:pPr marL="624078" indent="-514350"/>
-            <a:r>
-              <a:rPr lang="nl-BE" i="1" dirty="0" smtClean="0"/>
-              <a:t>Implement Acceptance Tests</a:t>
-            </a:r>
-          </a:p>
-          <a:p>
-            <a:pPr marL="624078" indent="-514350"/>
-            <a:endParaRPr lang="nl-BE" i="1" dirty="0" smtClean="0"/>
-          </a:p>
-          <a:p>
-            <a:pPr marL="624078" indent="-514350"/>
-            <a:r>
-              <a:rPr lang="nl-BE" i="1" dirty="0" smtClean="0"/>
-              <a:t>Continuous Integration</a:t>
-            </a:r>
-          </a:p>
-          <a:p>
-            <a:pPr marL="624078" indent="-514350"/>
-            <a:endParaRPr lang="nl-BE" i="1" dirty="0" smtClean="0"/>
-          </a:p>
-        </p:txBody>
-      </p:sp>
-      <p:sp>
-        <p:nvSpPr>
-          <p:cNvPr id="3" name="Title 2"/>
-          <p:cNvSpPr>
-            <a:spLocks noGrp="1"/>
-          </p:cNvSpPr>
-          <p:nvPr>
-            <p:ph type="title"/>
-          </p:nvPr>
-        </p:nvSpPr>
-        <p:spPr/>
-        <p:txBody>
-          <a:bodyPr>
-            <a:normAutofit fontScale="90000"/>
-          </a:bodyPr>
-          <a:lstStyle/>
-          <a:p>
-            <a:r>
-              <a:rPr lang="nl-BE" sz="3600" dirty="0" smtClean="0"/>
-              <a:t>Agile Acceptance Testing with Fitnesse</a:t>
-            </a:r>
-            <a:endParaRPr lang="nl-BE" sz="3600" dirty="0"/>
+            <a:r>
+              <a:rPr lang="nl-BE" dirty="0" smtClean="0"/>
+              <a:t>Specification Workshop (10’)</a:t>
+            </a:r>
+            <a:endParaRPr lang="nl-BE" dirty="0"/>
           </a:p>
         </p:txBody>
       </p:sp>
@@ -6410,14 +6812,1104 @@
   <p:timing>
     <p:tnLst>
       <p:par>
-        <p:cTn id="1" dur="indefinite" restart="never" nodeType="tmRoot"/>
+        <p:cTn id="1" dur="indefinite" restart="never" nodeType="tmRoot">
+          <p:childTnLst>
+            <p:seq concurrent="1" nextAc="seek">
+              <p:cTn id="2" dur="indefinite" nodeType="mainSeq">
+                <p:childTnLst>
+                  <p:par>
+                    <p:cTn id="3" fill="hold">
+                      <p:stCondLst>
+                        <p:cond delay="indefinite"/>
+                      </p:stCondLst>
+                      <p:childTnLst>
+                        <p:par>
+                          <p:cTn id="4" fill="hold">
+                            <p:stCondLst>
+                              <p:cond delay="0"/>
+                            </p:stCondLst>
+                            <p:childTnLst>
+                              <p:par>
+                                <p:cTn id="5" presetID="1" presetClass="entr" presetSubtype="0" fill="hold" grpId="0" nodeType="clickEffect">
+                                  <p:stCondLst>
+                                    <p:cond delay="0"/>
+                                  </p:stCondLst>
+                                  <p:childTnLst>
+                                    <p:set>
+                                      <p:cBhvr>
+                                        <p:cTn id="6" dur="1" fill="hold">
+                                          <p:stCondLst>
+                                            <p:cond delay="0"/>
+                                          </p:stCondLst>
+                                        </p:cTn>
+                                        <p:tgtEl>
+                                          <p:spTgt spid="2">
+                                            <p:txEl>
+                                              <p:pRg st="0" end="0"/>
+                                            </p:txEl>
+                                          </p:spTgt>
+                                        </p:tgtEl>
+                                        <p:attrNameLst>
+                                          <p:attrName>style.visibility</p:attrName>
+                                        </p:attrNameLst>
+                                      </p:cBhvr>
+                                      <p:to>
+                                        <p:strVal val="visible"/>
+                                      </p:to>
+                                    </p:set>
+                                  </p:childTnLst>
+                                </p:cTn>
+                              </p:par>
+                            </p:childTnLst>
+                          </p:cTn>
+                        </p:par>
+                      </p:childTnLst>
+                    </p:cTn>
+                  </p:par>
+                  <p:par>
+                    <p:cTn id="7" fill="hold">
+                      <p:stCondLst>
+                        <p:cond delay="indefinite"/>
+                      </p:stCondLst>
+                      <p:childTnLst>
+                        <p:par>
+                          <p:cTn id="8" fill="hold">
+                            <p:stCondLst>
+                              <p:cond delay="0"/>
+                            </p:stCondLst>
+                            <p:childTnLst>
+                              <p:par>
+                                <p:cTn id="9" presetID="1" presetClass="entr" presetSubtype="0" fill="hold" grpId="0" nodeType="clickEffect">
+                                  <p:stCondLst>
+                                    <p:cond delay="0"/>
+                                  </p:stCondLst>
+                                  <p:childTnLst>
+                                    <p:set>
+                                      <p:cBhvr>
+                                        <p:cTn id="10" dur="1" fill="hold">
+                                          <p:stCondLst>
+                                            <p:cond delay="0"/>
+                                          </p:stCondLst>
+                                        </p:cTn>
+                                        <p:tgtEl>
+                                          <p:spTgt spid="2">
+                                            <p:txEl>
+                                              <p:pRg st="2" end="2"/>
+                                            </p:txEl>
+                                          </p:spTgt>
+                                        </p:tgtEl>
+                                        <p:attrNameLst>
+                                          <p:attrName>style.visibility</p:attrName>
+                                        </p:attrNameLst>
+                                      </p:cBhvr>
+                                      <p:to>
+                                        <p:strVal val="visible"/>
+                                      </p:to>
+                                    </p:set>
+                                  </p:childTnLst>
+                                </p:cTn>
+                              </p:par>
+                              <p:par>
+                                <p:cTn id="11" presetID="1" presetClass="entr" presetSubtype="0" fill="hold" grpId="0" nodeType="withEffect">
+                                  <p:stCondLst>
+                                    <p:cond delay="0"/>
+                                  </p:stCondLst>
+                                  <p:childTnLst>
+                                    <p:set>
+                                      <p:cBhvr>
+                                        <p:cTn id="12" dur="1" fill="hold">
+                                          <p:stCondLst>
+                                            <p:cond delay="0"/>
+                                          </p:stCondLst>
+                                        </p:cTn>
+                                        <p:tgtEl>
+                                          <p:spTgt spid="2">
+                                            <p:txEl>
+                                              <p:pRg st="3" end="3"/>
+                                            </p:txEl>
+                                          </p:spTgt>
+                                        </p:tgtEl>
+                                        <p:attrNameLst>
+                                          <p:attrName>style.visibility</p:attrName>
+                                        </p:attrNameLst>
+                                      </p:cBhvr>
+                                      <p:to>
+                                        <p:strVal val="visible"/>
+                                      </p:to>
+                                    </p:set>
+                                  </p:childTnLst>
+                                </p:cTn>
+                              </p:par>
+                            </p:childTnLst>
+                          </p:cTn>
+                        </p:par>
+                      </p:childTnLst>
+                    </p:cTn>
+                  </p:par>
+                  <p:par>
+                    <p:cTn id="13" fill="hold">
+                      <p:stCondLst>
+                        <p:cond delay="indefinite"/>
+                      </p:stCondLst>
+                      <p:childTnLst>
+                        <p:par>
+                          <p:cTn id="14" fill="hold">
+                            <p:stCondLst>
+                              <p:cond delay="0"/>
+                            </p:stCondLst>
+                            <p:childTnLst>
+                              <p:par>
+                                <p:cTn id="15" presetID="1" presetClass="entr" presetSubtype="0" fill="hold" grpId="0" nodeType="clickEffect">
+                                  <p:stCondLst>
+                                    <p:cond delay="0"/>
+                                  </p:stCondLst>
+                                  <p:childTnLst>
+                                    <p:set>
+                                      <p:cBhvr>
+                                        <p:cTn id="16" dur="1" fill="hold">
+                                          <p:stCondLst>
+                                            <p:cond delay="0"/>
+                                          </p:stCondLst>
+                                        </p:cTn>
+                                        <p:tgtEl>
+                                          <p:spTgt spid="2">
+                                            <p:txEl>
+                                              <p:pRg st="5" end="5"/>
+                                            </p:txEl>
+                                          </p:spTgt>
+                                        </p:tgtEl>
+                                        <p:attrNameLst>
+                                          <p:attrName>style.visibility</p:attrName>
+                                        </p:attrNameLst>
+                                      </p:cBhvr>
+                                      <p:to>
+                                        <p:strVal val="visible"/>
+                                      </p:to>
+                                    </p:set>
+                                  </p:childTnLst>
+                                </p:cTn>
+                              </p:par>
+                              <p:par>
+                                <p:cTn id="17" presetID="1" presetClass="entr" presetSubtype="0" fill="hold" grpId="0" nodeType="withEffect">
+                                  <p:stCondLst>
+                                    <p:cond delay="0"/>
+                                  </p:stCondLst>
+                                  <p:childTnLst>
+                                    <p:set>
+                                      <p:cBhvr>
+                                        <p:cTn id="18" dur="1" fill="hold">
+                                          <p:stCondLst>
+                                            <p:cond delay="0"/>
+                                          </p:stCondLst>
+                                        </p:cTn>
+                                        <p:tgtEl>
+                                          <p:spTgt spid="2">
+                                            <p:txEl>
+                                              <p:pRg st="6" end="6"/>
+                                            </p:txEl>
+                                          </p:spTgt>
+                                        </p:tgtEl>
+                                        <p:attrNameLst>
+                                          <p:attrName>style.visibility</p:attrName>
+                                        </p:attrNameLst>
+                                      </p:cBhvr>
+                                      <p:to>
+                                        <p:strVal val="visible"/>
+                                      </p:to>
+                                    </p:set>
+                                  </p:childTnLst>
+                                </p:cTn>
+                              </p:par>
+                              <p:par>
+                                <p:cTn id="19" presetID="1" presetClass="entr" presetSubtype="0" fill="hold" grpId="0" nodeType="withEffect">
+                                  <p:stCondLst>
+                                    <p:cond delay="0"/>
+                                  </p:stCondLst>
+                                  <p:childTnLst>
+                                    <p:set>
+                                      <p:cBhvr>
+                                        <p:cTn id="20" dur="1" fill="hold">
+                                          <p:stCondLst>
+                                            <p:cond delay="0"/>
+                                          </p:stCondLst>
+                                        </p:cTn>
+                                        <p:tgtEl>
+                                          <p:spTgt spid="2">
+                                            <p:txEl>
+                                              <p:pRg st="7" end="7"/>
+                                            </p:txEl>
+                                          </p:spTgt>
+                                        </p:tgtEl>
+                                        <p:attrNameLst>
+                                          <p:attrName>style.visibility</p:attrName>
+                                        </p:attrNameLst>
+                                      </p:cBhvr>
+                                      <p:to>
+                                        <p:strVal val="visible"/>
+                                      </p:to>
+                                    </p:set>
+                                  </p:childTnLst>
+                                </p:cTn>
+                              </p:par>
+                              <p:par>
+                                <p:cTn id="21" presetID="1" presetClass="entr" presetSubtype="0" fill="hold" grpId="0" nodeType="withEffect">
+                                  <p:stCondLst>
+                                    <p:cond delay="0"/>
+                                  </p:stCondLst>
+                                  <p:childTnLst>
+                                    <p:set>
+                                      <p:cBhvr>
+                                        <p:cTn id="22" dur="1" fill="hold">
+                                          <p:stCondLst>
+                                            <p:cond delay="0"/>
+                                          </p:stCondLst>
+                                        </p:cTn>
+                                        <p:tgtEl>
+                                          <p:spTgt spid="2">
+                                            <p:txEl>
+                                              <p:pRg st="8" end="8"/>
+                                            </p:txEl>
+                                          </p:spTgt>
+                                        </p:tgtEl>
+                                        <p:attrNameLst>
+                                          <p:attrName>style.visibility</p:attrName>
+                                        </p:attrNameLst>
+                                      </p:cBhvr>
+                                      <p:to>
+                                        <p:strVal val="visible"/>
+                                      </p:to>
+                                    </p:set>
+                                  </p:childTnLst>
+                                </p:cTn>
+                              </p:par>
+                              <p:par>
+                                <p:cTn id="23" presetID="1" presetClass="entr" presetSubtype="0" fill="hold" grpId="0" nodeType="withEffect">
+                                  <p:stCondLst>
+                                    <p:cond delay="0"/>
+                                  </p:stCondLst>
+                                  <p:childTnLst>
+                                    <p:set>
+                                      <p:cBhvr>
+                                        <p:cTn id="24" dur="1" fill="hold">
+                                          <p:stCondLst>
+                                            <p:cond delay="0"/>
+                                          </p:stCondLst>
+                                        </p:cTn>
+                                        <p:tgtEl>
+                                          <p:spTgt spid="2">
+                                            <p:txEl>
+                                              <p:pRg st="9" end="9"/>
+                                            </p:txEl>
+                                          </p:spTgt>
+                                        </p:tgtEl>
+                                        <p:attrNameLst>
+                                          <p:attrName>style.visibility</p:attrName>
+                                        </p:attrNameLst>
+                                      </p:cBhvr>
+                                      <p:to>
+                                        <p:strVal val="visible"/>
+                                      </p:to>
+                                    </p:set>
+                                  </p:childTnLst>
+                                </p:cTn>
+                              </p:par>
+                              <p:par>
+                                <p:cTn id="25" presetID="1" presetClass="entr" presetSubtype="0" fill="hold" grpId="0" nodeType="withEffect">
+                                  <p:stCondLst>
+                                    <p:cond delay="0"/>
+                                  </p:stCondLst>
+                                  <p:childTnLst>
+                                    <p:set>
+                                      <p:cBhvr>
+                                        <p:cTn id="26" dur="1" fill="hold">
+                                          <p:stCondLst>
+                                            <p:cond delay="0"/>
+                                          </p:stCondLst>
+                                        </p:cTn>
+                                        <p:tgtEl>
+                                          <p:spTgt spid="2">
+                                            <p:txEl>
+                                              <p:pRg st="10" end="10"/>
+                                            </p:txEl>
+                                          </p:spTgt>
+                                        </p:tgtEl>
+                                        <p:attrNameLst>
+                                          <p:attrName>style.visibility</p:attrName>
+                                        </p:attrNameLst>
+                                      </p:cBhvr>
+                                      <p:to>
+                                        <p:strVal val="visible"/>
+                                      </p:to>
+                                    </p:set>
+                                  </p:childTnLst>
+                                </p:cTn>
+                              </p:par>
+                            </p:childTnLst>
+                          </p:cTn>
+                        </p:par>
+                      </p:childTnLst>
+                    </p:cTn>
+                  </p:par>
+                </p:childTnLst>
+              </p:cTn>
+              <p:prevCondLst>
+                <p:cond evt="onPrev" delay="0">
+                  <p:tgtEl>
+                    <p:sldTgt/>
+                  </p:tgtEl>
+                </p:cond>
+              </p:prevCondLst>
+              <p:nextCondLst>
+                <p:cond evt="onNext" delay="0">
+                  <p:tgtEl>
+                    <p:sldTgt/>
+                  </p:tgtEl>
+                </p:cond>
+              </p:nextCondLst>
+            </p:seq>
+          </p:childTnLst>
+        </p:cTn>
       </p:par>
     </p:tnLst>
+    <p:bldLst>
+      <p:bldP spid="2" grpId="0" build="p"/>
+    </p:bldLst>
   </p:timing>
 </p:sld>
 </file>
 
 <file path=ppt/slides/slide11.xml><?xml version="1.0" encoding="utf-8"?>
+<p:sld xmlns:a="http://schemas.openxmlformats.org/drawingml/2006/main" xmlns:r="http://schemas.openxmlformats.org/officeDocument/2006/relationships" xmlns:p="http://schemas.openxmlformats.org/presentationml/2006/main">
+  <p:cSld>
+    <p:spTree>
+      <p:nvGrpSpPr>
+        <p:cNvPr id="1" name=""/>
+        <p:cNvGrpSpPr/>
+        <p:nvPr/>
+      </p:nvGrpSpPr>
+      <p:grpSpPr>
+        <a:xfrm>
+          <a:off x="0" y="0"/>
+          <a:ext cx="0" cy="0"/>
+          <a:chOff x="0" y="0"/>
+          <a:chExt cx="0" cy="0"/>
+        </a:xfrm>
+      </p:grpSpPr>
+      <p:sp>
+        <p:nvSpPr>
+          <p:cNvPr id="2" name="Content Placeholder 1"/>
+          <p:cNvSpPr>
+            <a:spLocks noGrp="1"/>
+          </p:cNvSpPr>
+          <p:nvPr>
+            <p:ph idx="1"/>
+          </p:nvPr>
+        </p:nvSpPr>
+        <p:spPr/>
+        <p:txBody>
+          <a:bodyPr>
+            <a:normAutofit lnSpcReduction="10000"/>
+          </a:bodyPr>
+          <a:lstStyle/>
+          <a:p>
+            <a:r>
+              <a:rPr lang="en-US" dirty="0" smtClean="0"/>
+              <a:t>Realistic examples make us think harder</a:t>
+            </a:r>
+            <a:endParaRPr lang="nl-BE" dirty="0" smtClean="0"/>
+          </a:p>
+          <a:p>
+            <a:endParaRPr lang="nl-BE" dirty="0" smtClean="0"/>
+          </a:p>
+          <a:p>
+            <a:r>
+              <a:rPr lang="en-US" b="1" dirty="0" smtClean="0"/>
+              <a:t>Customers</a:t>
+            </a:r>
+            <a:r>
+              <a:rPr lang="en-US" dirty="0" smtClean="0"/>
+              <a:t> or functional analysts typically think about the happy path</a:t>
+            </a:r>
+            <a:endParaRPr lang="nl-BE" dirty="0" smtClean="0"/>
+          </a:p>
+          <a:p>
+            <a:pPr lvl="1"/>
+            <a:endParaRPr lang="nl-BE" dirty="0" smtClean="0"/>
+          </a:p>
+          <a:p>
+            <a:r>
+              <a:rPr lang="en-US" b="1" dirty="0" smtClean="0"/>
+              <a:t>Developers</a:t>
+            </a:r>
+            <a:r>
+              <a:rPr lang="en-US" dirty="0" smtClean="0"/>
+              <a:t> focus on edge cases and alternative scenarios</a:t>
+            </a:r>
+          </a:p>
+          <a:p>
+            <a:endParaRPr lang="en-US" dirty="0" smtClean="0"/>
+          </a:p>
+          <a:p>
+            <a:r>
+              <a:rPr lang="en-US" b="1" dirty="0" smtClean="0"/>
+              <a:t>Testers</a:t>
+            </a:r>
+            <a:r>
+              <a:rPr lang="en-US" dirty="0" smtClean="0"/>
+              <a:t> want to break / cheat the system</a:t>
+            </a:r>
+          </a:p>
+          <a:p>
+            <a:endParaRPr lang="en-US" dirty="0" smtClean="0"/>
+          </a:p>
+          <a:p>
+            <a:r>
+              <a:rPr lang="nl-BE" i="1" dirty="0" smtClean="0"/>
+              <a:t>So, Involve the whole team!</a:t>
+            </a:r>
+          </a:p>
+        </p:txBody>
+      </p:sp>
+      <p:sp>
+        <p:nvSpPr>
+          <p:cNvPr id="3" name="Title 2"/>
+          <p:cNvSpPr>
+            <a:spLocks noGrp="1"/>
+          </p:cNvSpPr>
+          <p:nvPr>
+            <p:ph type="title"/>
+          </p:nvPr>
+        </p:nvSpPr>
+        <p:spPr/>
+        <p:txBody>
+          <a:bodyPr>
+            <a:normAutofit/>
+          </a:bodyPr>
+          <a:lstStyle/>
+          <a:p>
+            <a:r>
+              <a:rPr lang="nl-BE" dirty="0" smtClean="0"/>
+              <a:t>Did you notice?</a:t>
+            </a:r>
+            <a:endParaRPr lang="nl-BE" dirty="0"/>
+          </a:p>
+        </p:txBody>
+      </p:sp>
+    </p:spTree>
+  </p:cSld>
+  <p:clrMapOvr>
+    <a:masterClrMapping/>
+  </p:clrMapOvr>
+  <p:timing>
+    <p:tnLst>
+      <p:par>
+        <p:cTn id="1" dur="indefinite" restart="never" nodeType="tmRoot">
+          <p:childTnLst>
+            <p:seq concurrent="1" nextAc="seek">
+              <p:cTn id="2" dur="indefinite" nodeType="mainSeq">
+                <p:childTnLst>
+                  <p:par>
+                    <p:cTn id="3" fill="hold">
+                      <p:stCondLst>
+                        <p:cond delay="indefinite"/>
+                      </p:stCondLst>
+                      <p:childTnLst>
+                        <p:par>
+                          <p:cTn id="4" fill="hold">
+                            <p:stCondLst>
+                              <p:cond delay="0"/>
+                            </p:stCondLst>
+                            <p:childTnLst>
+                              <p:par>
+                                <p:cTn id="5" presetID="1" presetClass="entr" presetSubtype="0" fill="hold" grpId="0" nodeType="clickEffect">
+                                  <p:stCondLst>
+                                    <p:cond delay="0"/>
+                                  </p:stCondLst>
+                                  <p:childTnLst>
+                                    <p:set>
+                                      <p:cBhvr>
+                                        <p:cTn id="6" dur="1" fill="hold">
+                                          <p:stCondLst>
+                                            <p:cond delay="0"/>
+                                          </p:stCondLst>
+                                        </p:cTn>
+                                        <p:tgtEl>
+                                          <p:spTgt spid="2">
+                                            <p:txEl>
+                                              <p:pRg st="0" end="0"/>
+                                            </p:txEl>
+                                          </p:spTgt>
+                                        </p:tgtEl>
+                                        <p:attrNameLst>
+                                          <p:attrName>style.visibility</p:attrName>
+                                        </p:attrNameLst>
+                                      </p:cBhvr>
+                                      <p:to>
+                                        <p:strVal val="visible"/>
+                                      </p:to>
+                                    </p:set>
+                                  </p:childTnLst>
+                                </p:cTn>
+                              </p:par>
+                            </p:childTnLst>
+                          </p:cTn>
+                        </p:par>
+                      </p:childTnLst>
+                    </p:cTn>
+                  </p:par>
+                  <p:par>
+                    <p:cTn id="7" fill="hold">
+                      <p:stCondLst>
+                        <p:cond delay="indefinite"/>
+                      </p:stCondLst>
+                      <p:childTnLst>
+                        <p:par>
+                          <p:cTn id="8" fill="hold">
+                            <p:stCondLst>
+                              <p:cond delay="0"/>
+                            </p:stCondLst>
+                            <p:childTnLst>
+                              <p:par>
+                                <p:cTn id="9" presetID="1" presetClass="entr" presetSubtype="0" fill="hold" grpId="0" nodeType="clickEffect">
+                                  <p:stCondLst>
+                                    <p:cond delay="0"/>
+                                  </p:stCondLst>
+                                  <p:childTnLst>
+                                    <p:set>
+                                      <p:cBhvr>
+                                        <p:cTn id="10" dur="1" fill="hold">
+                                          <p:stCondLst>
+                                            <p:cond delay="0"/>
+                                          </p:stCondLst>
+                                        </p:cTn>
+                                        <p:tgtEl>
+                                          <p:spTgt spid="2">
+                                            <p:txEl>
+                                              <p:pRg st="2" end="2"/>
+                                            </p:txEl>
+                                          </p:spTgt>
+                                        </p:tgtEl>
+                                        <p:attrNameLst>
+                                          <p:attrName>style.visibility</p:attrName>
+                                        </p:attrNameLst>
+                                      </p:cBhvr>
+                                      <p:to>
+                                        <p:strVal val="visible"/>
+                                      </p:to>
+                                    </p:set>
+                                  </p:childTnLst>
+                                </p:cTn>
+                              </p:par>
+                            </p:childTnLst>
+                          </p:cTn>
+                        </p:par>
+                      </p:childTnLst>
+                    </p:cTn>
+                  </p:par>
+                  <p:par>
+                    <p:cTn id="11" fill="hold">
+                      <p:stCondLst>
+                        <p:cond delay="indefinite"/>
+                      </p:stCondLst>
+                      <p:childTnLst>
+                        <p:par>
+                          <p:cTn id="12" fill="hold">
+                            <p:stCondLst>
+                              <p:cond delay="0"/>
+                            </p:stCondLst>
+                            <p:childTnLst>
+                              <p:par>
+                                <p:cTn id="13" presetID="1" presetClass="entr" presetSubtype="0" fill="hold" grpId="0" nodeType="clickEffect">
+                                  <p:stCondLst>
+                                    <p:cond delay="0"/>
+                                  </p:stCondLst>
+                                  <p:childTnLst>
+                                    <p:set>
+                                      <p:cBhvr>
+                                        <p:cTn id="14" dur="1" fill="hold">
+                                          <p:stCondLst>
+                                            <p:cond delay="0"/>
+                                          </p:stCondLst>
+                                        </p:cTn>
+                                        <p:tgtEl>
+                                          <p:spTgt spid="2">
+                                            <p:txEl>
+                                              <p:pRg st="4" end="4"/>
+                                            </p:txEl>
+                                          </p:spTgt>
+                                        </p:tgtEl>
+                                        <p:attrNameLst>
+                                          <p:attrName>style.visibility</p:attrName>
+                                        </p:attrNameLst>
+                                      </p:cBhvr>
+                                      <p:to>
+                                        <p:strVal val="visible"/>
+                                      </p:to>
+                                    </p:set>
+                                  </p:childTnLst>
+                                </p:cTn>
+                              </p:par>
+                            </p:childTnLst>
+                          </p:cTn>
+                        </p:par>
+                      </p:childTnLst>
+                    </p:cTn>
+                  </p:par>
+                  <p:par>
+                    <p:cTn id="15" fill="hold">
+                      <p:stCondLst>
+                        <p:cond delay="indefinite"/>
+                      </p:stCondLst>
+                      <p:childTnLst>
+                        <p:par>
+                          <p:cTn id="16" fill="hold">
+                            <p:stCondLst>
+                              <p:cond delay="0"/>
+                            </p:stCondLst>
+                            <p:childTnLst>
+                              <p:par>
+                                <p:cTn id="17" presetID="1" presetClass="entr" presetSubtype="0" fill="hold" grpId="0" nodeType="clickEffect">
+                                  <p:stCondLst>
+                                    <p:cond delay="0"/>
+                                  </p:stCondLst>
+                                  <p:childTnLst>
+                                    <p:set>
+                                      <p:cBhvr>
+                                        <p:cTn id="18" dur="1" fill="hold">
+                                          <p:stCondLst>
+                                            <p:cond delay="0"/>
+                                          </p:stCondLst>
+                                        </p:cTn>
+                                        <p:tgtEl>
+                                          <p:spTgt spid="2">
+                                            <p:txEl>
+                                              <p:pRg st="6" end="6"/>
+                                            </p:txEl>
+                                          </p:spTgt>
+                                        </p:tgtEl>
+                                        <p:attrNameLst>
+                                          <p:attrName>style.visibility</p:attrName>
+                                        </p:attrNameLst>
+                                      </p:cBhvr>
+                                      <p:to>
+                                        <p:strVal val="visible"/>
+                                      </p:to>
+                                    </p:set>
+                                  </p:childTnLst>
+                                </p:cTn>
+                              </p:par>
+                            </p:childTnLst>
+                          </p:cTn>
+                        </p:par>
+                      </p:childTnLst>
+                    </p:cTn>
+                  </p:par>
+                  <p:par>
+                    <p:cTn id="19" fill="hold">
+                      <p:stCondLst>
+                        <p:cond delay="indefinite"/>
+                      </p:stCondLst>
+                      <p:childTnLst>
+                        <p:par>
+                          <p:cTn id="20" fill="hold">
+                            <p:stCondLst>
+                              <p:cond delay="0"/>
+                            </p:stCondLst>
+                            <p:childTnLst>
+                              <p:par>
+                                <p:cTn id="21" presetID="1" presetClass="entr" presetSubtype="0" fill="hold" grpId="0" nodeType="clickEffect">
+                                  <p:stCondLst>
+                                    <p:cond delay="0"/>
+                                  </p:stCondLst>
+                                  <p:childTnLst>
+                                    <p:set>
+                                      <p:cBhvr>
+                                        <p:cTn id="22" dur="1" fill="hold">
+                                          <p:stCondLst>
+                                            <p:cond delay="0"/>
+                                          </p:stCondLst>
+                                        </p:cTn>
+                                        <p:tgtEl>
+                                          <p:spTgt spid="2">
+                                            <p:txEl>
+                                              <p:pRg st="8" end="8"/>
+                                            </p:txEl>
+                                          </p:spTgt>
+                                        </p:tgtEl>
+                                        <p:attrNameLst>
+                                          <p:attrName>style.visibility</p:attrName>
+                                        </p:attrNameLst>
+                                      </p:cBhvr>
+                                      <p:to>
+                                        <p:strVal val="visible"/>
+                                      </p:to>
+                                    </p:set>
+                                  </p:childTnLst>
+                                </p:cTn>
+                              </p:par>
+                            </p:childTnLst>
+                          </p:cTn>
+                        </p:par>
+                      </p:childTnLst>
+                    </p:cTn>
+                  </p:par>
+                </p:childTnLst>
+              </p:cTn>
+              <p:prevCondLst>
+                <p:cond evt="onPrev" delay="0">
+                  <p:tgtEl>
+                    <p:sldTgt/>
+                  </p:tgtEl>
+                </p:cond>
+              </p:prevCondLst>
+              <p:nextCondLst>
+                <p:cond evt="onNext" delay="0">
+                  <p:tgtEl>
+                    <p:sldTgt/>
+                  </p:tgtEl>
+                </p:cond>
+              </p:nextCondLst>
+            </p:seq>
+          </p:childTnLst>
+        </p:cTn>
+      </p:par>
+    </p:tnLst>
+    <p:bldLst>
+      <p:bldP spid="2" grpId="0" build="p"/>
+    </p:bldLst>
+  </p:timing>
+</p:sld>
+</file>
+
+<file path=ppt/slides/slide12.xml><?xml version="1.0" encoding="utf-8"?>
+<p:sld xmlns:a="http://schemas.openxmlformats.org/drawingml/2006/main" xmlns:r="http://schemas.openxmlformats.org/officeDocument/2006/relationships" xmlns:p="http://schemas.openxmlformats.org/presentationml/2006/main">
+  <p:cSld>
+    <p:spTree>
+      <p:nvGrpSpPr>
+        <p:cNvPr id="1" name=""/>
+        <p:cNvGrpSpPr/>
+        <p:nvPr/>
+      </p:nvGrpSpPr>
+      <p:grpSpPr>
+        <a:xfrm>
+          <a:off x="0" y="0"/>
+          <a:ext cx="0" cy="0"/>
+          <a:chOff x="0" y="0"/>
+          <a:chExt cx="0" cy="0"/>
+        </a:xfrm>
+      </p:grpSpPr>
+      <p:sp>
+        <p:nvSpPr>
+          <p:cNvPr id="3" name="Content Placeholder 2"/>
+          <p:cNvSpPr>
+            <a:spLocks noGrp="1"/>
+          </p:cNvSpPr>
+          <p:nvPr>
+            <p:ph idx="1"/>
+          </p:nvPr>
+        </p:nvSpPr>
+        <p:spPr/>
+        <p:txBody>
+          <a:bodyPr>
+            <a:normAutofit/>
+          </a:bodyPr>
+          <a:lstStyle/>
+          <a:p>
+            <a:r>
+              <a:rPr lang="nl-BE" dirty="0" smtClean="0"/>
+              <a:t>Scope of the user story is nailed down</a:t>
+            </a:r>
+          </a:p>
+          <a:p>
+            <a:endParaRPr lang="nl-BE" dirty="0" smtClean="0"/>
+          </a:p>
+          <a:p>
+            <a:r>
+              <a:rPr lang="nl-BE" dirty="0" smtClean="0"/>
+              <a:t>We have real world examples how the user story should work</a:t>
+            </a:r>
+          </a:p>
+          <a:p>
+            <a:endParaRPr lang="nl-BE" dirty="0" smtClean="0"/>
+          </a:p>
+          <a:p>
+            <a:r>
+              <a:rPr lang="nl-BE" dirty="0" smtClean="0"/>
+              <a:t>Lets turn those examples into executable specifications to verify that we have build the right code.</a:t>
+            </a:r>
+          </a:p>
+          <a:p>
+            <a:endParaRPr lang="nl-BE" dirty="0" smtClean="0"/>
+          </a:p>
+          <a:p>
+            <a:r>
+              <a:rPr lang="nl-BE" dirty="0" smtClean="0"/>
+              <a:t>Welcome FitNesse!</a:t>
+            </a:r>
+          </a:p>
+        </p:txBody>
+      </p:sp>
+      <p:sp>
+        <p:nvSpPr>
+          <p:cNvPr id="2" name="Title 1"/>
+          <p:cNvSpPr>
+            <a:spLocks noGrp="1"/>
+          </p:cNvSpPr>
+          <p:nvPr>
+            <p:ph type="title"/>
+          </p:nvPr>
+        </p:nvSpPr>
+        <p:spPr/>
+        <p:txBody>
+          <a:bodyPr/>
+          <a:lstStyle/>
+          <a:p>
+            <a:r>
+              <a:rPr lang="nl-BE" dirty="0" smtClean="0"/>
+              <a:t>Executable specifications</a:t>
+            </a:r>
+            <a:endParaRPr lang="nl-BE" dirty="0"/>
+          </a:p>
+        </p:txBody>
+      </p:sp>
+    </p:spTree>
+  </p:cSld>
+  <p:clrMapOvr>
+    <a:masterClrMapping/>
+  </p:clrMapOvr>
+  <p:timing>
+    <p:tnLst>
+      <p:par>
+        <p:cTn id="1" dur="indefinite" restart="never" nodeType="tmRoot">
+          <p:childTnLst>
+            <p:seq concurrent="1" nextAc="seek">
+              <p:cTn id="2" dur="indefinite" nodeType="mainSeq">
+                <p:childTnLst>
+                  <p:par>
+                    <p:cTn id="3" fill="hold">
+                      <p:stCondLst>
+                        <p:cond delay="indefinite"/>
+                      </p:stCondLst>
+                      <p:childTnLst>
+                        <p:par>
+                          <p:cTn id="4" fill="hold">
+                            <p:stCondLst>
+                              <p:cond delay="0"/>
+                            </p:stCondLst>
+                            <p:childTnLst>
+                              <p:par>
+                                <p:cTn id="5" presetID="1" presetClass="entr" presetSubtype="0" fill="hold" grpId="0" nodeType="clickEffect">
+                                  <p:stCondLst>
+                                    <p:cond delay="0"/>
+                                  </p:stCondLst>
+                                  <p:childTnLst>
+                                    <p:set>
+                                      <p:cBhvr>
+                                        <p:cTn id="6" dur="1" fill="hold">
+                                          <p:stCondLst>
+                                            <p:cond delay="0"/>
+                                          </p:stCondLst>
+                                        </p:cTn>
+                                        <p:tgtEl>
+                                          <p:spTgt spid="3">
+                                            <p:txEl>
+                                              <p:pRg st="0" end="0"/>
+                                            </p:txEl>
+                                          </p:spTgt>
+                                        </p:tgtEl>
+                                        <p:attrNameLst>
+                                          <p:attrName>style.visibility</p:attrName>
+                                        </p:attrNameLst>
+                                      </p:cBhvr>
+                                      <p:to>
+                                        <p:strVal val="visible"/>
+                                      </p:to>
+                                    </p:set>
+                                  </p:childTnLst>
+                                </p:cTn>
+                              </p:par>
+                            </p:childTnLst>
+                          </p:cTn>
+                        </p:par>
+                      </p:childTnLst>
+                    </p:cTn>
+                  </p:par>
+                  <p:par>
+                    <p:cTn id="7" fill="hold">
+                      <p:stCondLst>
+                        <p:cond delay="indefinite"/>
+                      </p:stCondLst>
+                      <p:childTnLst>
+                        <p:par>
+                          <p:cTn id="8" fill="hold">
+                            <p:stCondLst>
+                              <p:cond delay="0"/>
+                            </p:stCondLst>
+                            <p:childTnLst>
+                              <p:par>
+                                <p:cTn id="9" presetID="1" presetClass="entr" presetSubtype="0" fill="hold" grpId="0" nodeType="clickEffect">
+                                  <p:stCondLst>
+                                    <p:cond delay="0"/>
+                                  </p:stCondLst>
+                                  <p:childTnLst>
+                                    <p:set>
+                                      <p:cBhvr>
+                                        <p:cTn id="10" dur="1" fill="hold">
+                                          <p:stCondLst>
+                                            <p:cond delay="0"/>
+                                          </p:stCondLst>
+                                        </p:cTn>
+                                        <p:tgtEl>
+                                          <p:spTgt spid="3">
+                                            <p:txEl>
+                                              <p:pRg st="2" end="2"/>
+                                            </p:txEl>
+                                          </p:spTgt>
+                                        </p:tgtEl>
+                                        <p:attrNameLst>
+                                          <p:attrName>style.visibility</p:attrName>
+                                        </p:attrNameLst>
+                                      </p:cBhvr>
+                                      <p:to>
+                                        <p:strVal val="visible"/>
+                                      </p:to>
+                                    </p:set>
+                                  </p:childTnLst>
+                                </p:cTn>
+                              </p:par>
+                            </p:childTnLst>
+                          </p:cTn>
+                        </p:par>
+                      </p:childTnLst>
+                    </p:cTn>
+                  </p:par>
+                  <p:par>
+                    <p:cTn id="11" fill="hold">
+                      <p:stCondLst>
+                        <p:cond delay="indefinite"/>
+                      </p:stCondLst>
+                      <p:childTnLst>
+                        <p:par>
+                          <p:cTn id="12" fill="hold">
+                            <p:stCondLst>
+                              <p:cond delay="0"/>
+                            </p:stCondLst>
+                            <p:childTnLst>
+                              <p:par>
+                                <p:cTn id="13" presetID="1" presetClass="entr" presetSubtype="0" fill="hold" grpId="0" nodeType="clickEffect">
+                                  <p:stCondLst>
+                                    <p:cond delay="0"/>
+                                  </p:stCondLst>
+                                  <p:childTnLst>
+                                    <p:set>
+                                      <p:cBhvr>
+                                        <p:cTn id="14" dur="1" fill="hold">
+                                          <p:stCondLst>
+                                            <p:cond delay="0"/>
+                                          </p:stCondLst>
+                                        </p:cTn>
+                                        <p:tgtEl>
+                                          <p:spTgt spid="3">
+                                            <p:txEl>
+                                              <p:pRg st="4" end="4"/>
+                                            </p:txEl>
+                                          </p:spTgt>
+                                        </p:tgtEl>
+                                        <p:attrNameLst>
+                                          <p:attrName>style.visibility</p:attrName>
+                                        </p:attrNameLst>
+                                      </p:cBhvr>
+                                      <p:to>
+                                        <p:strVal val="visible"/>
+                                      </p:to>
+                                    </p:set>
+                                  </p:childTnLst>
+                                </p:cTn>
+                              </p:par>
+                            </p:childTnLst>
+                          </p:cTn>
+                        </p:par>
+                      </p:childTnLst>
+                    </p:cTn>
+                  </p:par>
+                  <p:par>
+                    <p:cTn id="15" fill="hold">
+                      <p:stCondLst>
+                        <p:cond delay="indefinite"/>
+                      </p:stCondLst>
+                      <p:childTnLst>
+                        <p:par>
+                          <p:cTn id="16" fill="hold">
+                            <p:stCondLst>
+                              <p:cond delay="0"/>
+                            </p:stCondLst>
+                            <p:childTnLst>
+                              <p:par>
+                                <p:cTn id="17" presetID="1" presetClass="entr" presetSubtype="0" fill="hold" grpId="0" nodeType="clickEffect">
+                                  <p:stCondLst>
+                                    <p:cond delay="0"/>
+                                  </p:stCondLst>
+                                  <p:childTnLst>
+                                    <p:set>
+                                      <p:cBhvr>
+                                        <p:cTn id="18" dur="1" fill="hold">
+                                          <p:stCondLst>
+                                            <p:cond delay="0"/>
+                                          </p:stCondLst>
+                                        </p:cTn>
+                                        <p:tgtEl>
+                                          <p:spTgt spid="3">
+                                            <p:txEl>
+                                              <p:pRg st="6" end="6"/>
+                                            </p:txEl>
+                                          </p:spTgt>
+                                        </p:tgtEl>
+                                        <p:attrNameLst>
+                                          <p:attrName>style.visibility</p:attrName>
+                                        </p:attrNameLst>
+                                      </p:cBhvr>
+                                      <p:to>
+                                        <p:strVal val="visible"/>
+                                      </p:to>
+                                    </p:set>
+                                  </p:childTnLst>
+                                </p:cTn>
+                              </p:par>
+                            </p:childTnLst>
+                          </p:cTn>
+                        </p:par>
+                      </p:childTnLst>
+                    </p:cTn>
+                  </p:par>
+                </p:childTnLst>
+              </p:cTn>
+              <p:prevCondLst>
+                <p:cond evt="onPrev" delay="0">
+                  <p:tgtEl>
+                    <p:sldTgt/>
+                  </p:tgtEl>
+                </p:cond>
+              </p:prevCondLst>
+              <p:nextCondLst>
+                <p:cond evt="onNext" delay="0">
+                  <p:tgtEl>
+                    <p:sldTgt/>
+                  </p:tgtEl>
+                </p:cond>
+              </p:nextCondLst>
+            </p:seq>
+          </p:childTnLst>
+        </p:cTn>
+      </p:par>
+    </p:tnLst>
+    <p:bldLst>
+      <p:bldP spid="3" grpId="0" build="p"/>
+    </p:bldLst>
+  </p:timing>
+</p:sld>
+</file>
+
+<file path=ppt/slides/slide13.xml><?xml version="1.0" encoding="utf-8"?>
 <p:sld xmlns:a="http://schemas.openxmlformats.org/drawingml/2006/main" xmlns:r="http://schemas.openxmlformats.org/officeDocument/2006/relationships" xmlns:p="http://schemas.openxmlformats.org/presentationml/2006/main">
   <p:cSld>
     <p:spTree>
@@ -6490,8 +7982,15 @@
           <a:p>
             <a:pPr marL="624078" indent="-514350"/>
             <a:r>
-              <a:rPr lang="nl-BE" i="1" dirty="0" smtClean="0"/>
+              <a:rPr lang="nl-BE" b="1" i="1" dirty="0" smtClean="0"/>
               <a:t>Setup Fitnesse &amp; demo application</a:t>
+            </a:r>
+          </a:p>
+          <a:p>
+            <a:pPr marL="880110" lvl="1" indent="-514350"/>
+            <a:r>
+              <a:rPr lang="nl-BE" b="1" dirty="0" smtClean="0"/>
+              <a:t>Setup Fitnesse from the zip download</a:t>
             </a:r>
           </a:p>
           <a:p>
@@ -6501,7 +8000,7 @@
           <a:p>
             <a:pPr marL="624078" indent="-514350"/>
             <a:r>
-              <a:rPr lang="nl-BE" b="1" i="1" dirty="0" smtClean="0"/>
+              <a:rPr lang="nl-BE" i="1" dirty="0" smtClean="0"/>
               <a:t>Implement Acceptance Tests</a:t>
             </a:r>
           </a:p>
@@ -6544,241 +8043,6 @@
               <a:t>Agile Acceptance Testing with Fitnesse</a:t>
             </a:r>
             <a:endParaRPr lang="nl-BE" sz="3600" dirty="0"/>
-          </a:p>
-        </p:txBody>
-      </p:sp>
-    </p:spTree>
-  </p:cSld>
-  <p:clrMapOvr>
-    <a:masterClrMapping/>
-  </p:clrMapOvr>
-  <p:timing>
-    <p:tnLst>
-      <p:par>
-        <p:cTn id="1" dur="indefinite" restart="never" nodeType="tmRoot"/>
-      </p:par>
-    </p:tnLst>
-  </p:timing>
-</p:sld>
-</file>
-
-<file path=ppt/slides/slide12.xml><?xml version="1.0" encoding="utf-8"?>
-<p:sld xmlns:a="http://schemas.openxmlformats.org/drawingml/2006/main" xmlns:r="http://schemas.openxmlformats.org/officeDocument/2006/relationships" xmlns:p="http://schemas.openxmlformats.org/presentationml/2006/main">
-  <p:cSld>
-    <p:spTree>
-      <p:nvGrpSpPr>
-        <p:cNvPr id="1" name=""/>
-        <p:cNvGrpSpPr/>
-        <p:nvPr/>
-      </p:nvGrpSpPr>
-      <p:grpSpPr>
-        <a:xfrm>
-          <a:off x="0" y="0"/>
-          <a:ext cx="0" cy="0"/>
-          <a:chOff x="0" y="0"/>
-          <a:chExt cx="0" cy="0"/>
-        </a:xfrm>
-      </p:grpSpPr>
-      <p:sp>
-        <p:nvSpPr>
-          <p:cNvPr id="3" name="Content Placeholder 2"/>
-          <p:cNvSpPr>
-            <a:spLocks noGrp="1"/>
-          </p:cNvSpPr>
-          <p:nvPr>
-            <p:ph idx="1"/>
-          </p:nvPr>
-        </p:nvSpPr>
-        <p:spPr/>
-        <p:txBody>
-          <a:bodyPr>
-            <a:normAutofit/>
-          </a:bodyPr>
-          <a:lstStyle/>
-          <a:p>
-            <a:r>
-              <a:rPr lang="nl-BE" dirty="0" smtClean="0">
-                <a:solidFill>
-                  <a:srgbClr val="FF0000"/>
-                </a:solidFill>
-              </a:rPr>
-              <a:t>Mike Cohn’s testing piramid</a:t>
-            </a:r>
-          </a:p>
-          <a:p>
-            <a:pPr lvl="1"/>
-            <a:endParaRPr lang="nl-BE" dirty="0" smtClean="0"/>
-          </a:p>
-        </p:txBody>
-      </p:sp>
-      <p:sp>
-        <p:nvSpPr>
-          <p:cNvPr id="2" name="Title 1"/>
-          <p:cNvSpPr>
-            <a:spLocks noGrp="1"/>
-          </p:cNvSpPr>
-          <p:nvPr>
-            <p:ph type="title"/>
-          </p:nvPr>
-        </p:nvSpPr>
-        <p:spPr/>
-        <p:txBody>
-          <a:bodyPr/>
-          <a:lstStyle/>
-          <a:p>
-            <a:r>
-              <a:rPr lang="nl-BE" dirty="0" smtClean="0"/>
-              <a:t>Unit Tests vs Acceptance Tests</a:t>
-            </a:r>
-            <a:endParaRPr lang="nl-BE" dirty="0"/>
-          </a:p>
-        </p:txBody>
-      </p:sp>
-    </p:spTree>
-  </p:cSld>
-  <p:clrMapOvr>
-    <a:masterClrMapping/>
-  </p:clrMapOvr>
-  <p:timing>
-    <p:tnLst>
-      <p:par>
-        <p:cTn id="1" dur="indefinite" restart="never" nodeType="tmRoot"/>
-      </p:par>
-    </p:tnLst>
-  </p:timing>
-</p:sld>
-</file>
-
-<file path=ppt/slides/slide13.xml><?xml version="1.0" encoding="utf-8"?>
-<p:sld xmlns:a="http://schemas.openxmlformats.org/drawingml/2006/main" xmlns:r="http://schemas.openxmlformats.org/officeDocument/2006/relationships" xmlns:p="http://schemas.openxmlformats.org/presentationml/2006/main">
-  <p:cSld>
-    <p:spTree>
-      <p:nvGrpSpPr>
-        <p:cNvPr id="1" name=""/>
-        <p:cNvGrpSpPr/>
-        <p:nvPr/>
-      </p:nvGrpSpPr>
-      <p:grpSpPr>
-        <a:xfrm>
-          <a:off x="0" y="0"/>
-          <a:ext cx="0" cy="0"/>
-          <a:chOff x="0" y="0"/>
-          <a:chExt cx="0" cy="0"/>
-        </a:xfrm>
-      </p:grpSpPr>
-      <p:sp>
-        <p:nvSpPr>
-          <p:cNvPr id="3" name="Content Placeholder 2"/>
-          <p:cNvSpPr>
-            <a:spLocks noGrp="1"/>
-          </p:cNvSpPr>
-          <p:nvPr>
-            <p:ph idx="1"/>
-          </p:nvPr>
-        </p:nvSpPr>
-        <p:spPr/>
-        <p:txBody>
-          <a:bodyPr>
-            <a:normAutofit/>
-          </a:bodyPr>
-          <a:lstStyle/>
-          <a:p>
-            <a:r>
-              <a:rPr lang="nl-BE" dirty="0" smtClean="0">
-                <a:solidFill>
-                  <a:srgbClr val="FF0000"/>
-                </a:solidFill>
-              </a:rPr>
-              <a:t>Write gluecode for prepared tests</a:t>
-            </a:r>
-          </a:p>
-          <a:p>
-            <a:endParaRPr lang="nl-BE" dirty="0" smtClean="0">
-              <a:solidFill>
-                <a:srgbClr val="FF0000"/>
-              </a:solidFill>
-            </a:endParaRPr>
-          </a:p>
-          <a:p>
-            <a:r>
-              <a:rPr lang="nl-BE" dirty="0" smtClean="0">
-                <a:solidFill>
-                  <a:srgbClr val="FF0000"/>
-                </a:solidFill>
-              </a:rPr>
-              <a:t>Types of fixtures to use:</a:t>
-            </a:r>
-          </a:p>
-          <a:p>
-            <a:pPr lvl="1"/>
-            <a:r>
-              <a:rPr lang="nl-BE" dirty="0" smtClean="0">
-                <a:solidFill>
-                  <a:srgbClr val="FF0000"/>
-                </a:solidFill>
-              </a:rPr>
-              <a:t>RowFixture</a:t>
-            </a:r>
-          </a:p>
-          <a:p>
-            <a:pPr lvl="1"/>
-            <a:r>
-              <a:rPr lang="nl-BE" dirty="0" smtClean="0">
-                <a:solidFill>
-                  <a:srgbClr val="FF0000"/>
-                </a:solidFill>
-              </a:rPr>
-              <a:t>ColumnFixture</a:t>
-            </a:r>
-          </a:p>
-          <a:p>
-            <a:pPr lvl="1"/>
-            <a:r>
-              <a:rPr lang="nl-BE" dirty="0" smtClean="0">
-                <a:solidFill>
-                  <a:srgbClr val="FF0000"/>
-                </a:solidFill>
-              </a:rPr>
-              <a:t>DoFixture</a:t>
-            </a:r>
-          </a:p>
-          <a:p>
-            <a:pPr lvl="1"/>
-            <a:r>
-              <a:rPr lang="nl-BE" dirty="0" smtClean="0">
-                <a:solidFill>
-                  <a:srgbClr val="FF0000"/>
-                </a:solidFill>
-              </a:rPr>
-              <a:t>ActionFixture</a:t>
-            </a:r>
-          </a:p>
-          <a:p>
-            <a:pPr lvl="1"/>
-            <a:endParaRPr lang="nl-BE" dirty="0" smtClean="0"/>
-          </a:p>
-        </p:txBody>
-      </p:sp>
-      <p:sp>
-        <p:nvSpPr>
-          <p:cNvPr id="2" name="Title 1"/>
-          <p:cNvSpPr>
-            <a:spLocks noGrp="1"/>
-          </p:cNvSpPr>
-          <p:nvPr>
-            <p:ph type="title"/>
-          </p:nvPr>
-        </p:nvSpPr>
-        <p:spPr/>
-        <p:txBody>
-          <a:bodyPr/>
-          <a:lstStyle/>
-          <a:p>
-            <a:r>
-              <a:rPr lang="nl-BE" dirty="0" smtClean="0"/>
-              <a:t>Implement Acceptance Tests</a:t>
-            </a:r>
-            <a:endParaRPr lang="nl-BE" dirty="0"/>
           </a:p>
         </p:txBody>
       </p:sp>
@@ -6814,9 +8078,35 @@
           <a:chExt cx="0" cy="0"/>
         </a:xfrm>
       </p:grpSpPr>
-      <p:sp>
-        <p:nvSpPr>
-          <p:cNvPr id="3" name="Content Placeholder 2"/>
+      <p:pic>
+        <p:nvPicPr>
+          <p:cNvPr id="5" name="Picture 2" descr="C:\Users\pascmest\AppData\Local\Microsoft\Windows\Temporary Internet Files\Content.IE5\R67MQFYW\MPj04053960000[1].jpg"/>
+          <p:cNvPicPr>
+            <a:picLocks noChangeAspect="1" noChangeArrowheads="1"/>
+          </p:cNvPicPr>
+          <p:nvPr/>
+        </p:nvPicPr>
+        <p:blipFill>
+          <a:blip r:embed="rId3" cstate="print"/>
+          <a:srcRect/>
+          <a:stretch>
+            <a:fillRect/>
+          </a:stretch>
+        </p:blipFill>
+        <p:spPr bwMode="auto">
+          <a:xfrm>
+            <a:off x="5443545" y="4214818"/>
+            <a:ext cx="3700487" cy="2643206"/>
+          </a:xfrm>
+          <a:prstGeom prst="rect">
+            <a:avLst/>
+          </a:prstGeom>
+          <a:noFill/>
+        </p:spPr>
+      </p:pic>
+      <p:sp>
+        <p:nvSpPr>
+          <p:cNvPr id="2" name="Content Placeholder 1"/>
           <p:cNvSpPr>
             <a:spLocks noGrp="1"/>
           </p:cNvSpPr>
@@ -6827,62 +8117,58 @@
         <p:spPr/>
         <p:txBody>
           <a:bodyPr>
-            <a:normAutofit lnSpcReduction="10000"/>
+            <a:normAutofit/>
           </a:bodyPr>
           <a:lstStyle/>
           <a:p>
-            <a:r>
-              <a:rPr lang="en-US" dirty="0" smtClean="0"/>
-              <a:t>Developers will actually read the specifications</a:t>
-            </a:r>
-          </a:p>
-          <a:p>
-            <a:endParaRPr lang="en-US" dirty="0" smtClean="0"/>
-          </a:p>
-          <a:p>
-            <a:r>
-              <a:rPr lang="en-US" dirty="0" smtClean="0"/>
-              <a:t>They will understood the stuff correctly</a:t>
-            </a:r>
-          </a:p>
-          <a:p>
-            <a:endParaRPr lang="en-US" dirty="0" smtClean="0"/>
-          </a:p>
-          <a:p>
-            <a:r>
-              <a:rPr lang="en-US" dirty="0" smtClean="0"/>
-              <a:t>They will not skip parts of the spec</a:t>
-            </a:r>
-          </a:p>
-          <a:p>
-            <a:endParaRPr lang="en-US" dirty="0" smtClean="0"/>
-          </a:p>
-          <a:p>
-            <a:r>
-              <a:rPr lang="en-US" dirty="0" smtClean="0"/>
-              <a:t>You can track the development progress</a:t>
-            </a:r>
-          </a:p>
-          <a:p>
-            <a:endParaRPr lang="en-US" dirty="0" smtClean="0"/>
-          </a:p>
-          <a:p>
-            <a:r>
-              <a:rPr lang="en-US" dirty="0" smtClean="0"/>
-              <a:t>Save time on acceptance/smoke testing</a:t>
-            </a:r>
-          </a:p>
-          <a:p>
-            <a:pPr>
-              <a:buNone/>
-            </a:pPr>
-            <a:endParaRPr lang="en-US" dirty="0" smtClean="0"/>
-          </a:p>
-        </p:txBody>
-      </p:sp>
-      <p:sp>
-        <p:nvSpPr>
-          <p:cNvPr id="2" name="Title 1"/>
+            <a:pPr marL="624078" indent="-514350"/>
+            <a:r>
+              <a:rPr lang="nl-BE" i="1" dirty="0" smtClean="0"/>
+              <a:t>Specification Workshop</a:t>
+            </a:r>
+          </a:p>
+          <a:p>
+            <a:pPr marL="624078" indent="-514350"/>
+            <a:endParaRPr lang="nl-BE" i="1" dirty="0" smtClean="0"/>
+          </a:p>
+          <a:p>
+            <a:pPr marL="624078" indent="-514350"/>
+            <a:r>
+              <a:rPr lang="nl-BE" i="1" dirty="0" smtClean="0"/>
+              <a:t>Setup Fitnesse &amp; demo application</a:t>
+            </a:r>
+          </a:p>
+          <a:p>
+            <a:pPr marL="624078" indent="-514350"/>
+            <a:endParaRPr lang="nl-BE" i="1" dirty="0" smtClean="0"/>
+          </a:p>
+          <a:p>
+            <a:pPr marL="624078" indent="-514350"/>
+            <a:r>
+              <a:rPr lang="nl-BE" b="1" i="1" dirty="0" smtClean="0"/>
+              <a:t>Implement Acceptance Tests</a:t>
+            </a:r>
+          </a:p>
+          <a:p>
+            <a:pPr marL="624078" indent="-514350"/>
+            <a:endParaRPr lang="nl-BE" i="1" dirty="0" smtClean="0"/>
+          </a:p>
+          <a:p>
+            <a:pPr marL="624078" indent="-514350"/>
+            <a:r>
+              <a:rPr lang="nl-BE" i="1" dirty="0" smtClean="0"/>
+              <a:t>Continuous Integration</a:t>
+            </a:r>
+          </a:p>
+          <a:p>
+            <a:pPr marL="624078" indent="-514350"/>
+            <a:endParaRPr lang="nl-BE" i="1" dirty="0" smtClean="0"/>
+          </a:p>
+        </p:txBody>
+      </p:sp>
+      <p:sp>
+        <p:nvSpPr>
+          <p:cNvPr id="3" name="Title 2"/>
           <p:cNvSpPr>
             <a:spLocks noGrp="1"/>
           </p:cNvSpPr>
@@ -6897,31 +8183,11 @@
           </a:bodyPr>
           <a:lstStyle/>
           <a:p>
-            <a:pPr algn="ctr"/>
-            <a:r>
-              <a:rPr lang="nl-BE" dirty="0" smtClean="0"/>
-              <a:t>What’s in it for you?</a:t>
-            </a:r>
-            <a:br>
-              <a:rPr lang="nl-BE" dirty="0" smtClean="0"/>
-            </a:br>
-            <a:r>
-              <a:rPr lang="nl-BE" sz="3600" dirty="0" smtClean="0">
-                <a:solidFill>
-                  <a:schemeClr val="bg2">
-                    <a:lumMod val="50000"/>
-                  </a:schemeClr>
-                </a:solidFill>
-              </a:rPr>
-              <a:t>ScrumMaster / Product Owner</a:t>
-            </a:r>
-            <a:endParaRPr lang="nl-BE" sz="3600" dirty="0">
-              <a:solidFill>
-                <a:schemeClr val="bg2">
-                  <a:lumMod val="50000"/>
-                </a:schemeClr>
-              </a:solidFill>
-            </a:endParaRPr>
+            <a:r>
+              <a:rPr lang="nl-BE" sz="3600" dirty="0" smtClean="0"/>
+              <a:t>Agile Acceptance Testing with Fitnesse</a:t>
+            </a:r>
+            <a:endParaRPr lang="nl-BE" sz="3600" dirty="0"/>
           </a:p>
         </p:txBody>
       </p:sp>
@@ -6970,86 +8236,106 @@
         <p:spPr/>
         <p:txBody>
           <a:bodyPr>
-            <a:normAutofit lnSpcReduction="10000"/>
+            <a:normAutofit/>
           </a:bodyPr>
           <a:lstStyle/>
           <a:p>
             <a:r>
-              <a:rPr lang="en-GB" dirty="0" smtClean="0"/>
-              <a:t>Requirements will be unambiguous and without functional gaps</a:t>
-            </a:r>
-          </a:p>
-          <a:p>
-            <a:endParaRPr lang="en-US" dirty="0" smtClean="0"/>
-          </a:p>
-          <a:p>
-            <a:r>
-              <a:rPr lang="en-GB" dirty="0" smtClean="0"/>
-              <a:t>Business analysts will really understand those special cases you mentioned</a:t>
-            </a:r>
-          </a:p>
-          <a:p>
-            <a:endParaRPr lang="en-US" dirty="0" smtClean="0"/>
-          </a:p>
-          <a:p>
-            <a:r>
-              <a:rPr lang="en-GB" dirty="0" smtClean="0"/>
-              <a:t>You will have automated tests to guide development</a:t>
-            </a:r>
-          </a:p>
-          <a:p>
-            <a:endParaRPr lang="en-US" dirty="0" smtClean="0"/>
-          </a:p>
-          <a:p>
-            <a:r>
-              <a:rPr lang="en-GB" dirty="0" smtClean="0"/>
-              <a:t>It will be easier to take-over and hand-over code</a:t>
-            </a:r>
-          </a:p>
-        </p:txBody>
-      </p:sp>
-      <p:sp>
-        <p:nvSpPr>
-          <p:cNvPr id="2" name="Title 1"/>
-          <p:cNvSpPr>
-            <a:spLocks noGrp="1"/>
-          </p:cNvSpPr>
-          <p:nvPr>
-            <p:ph type="title"/>
-          </p:nvPr>
-        </p:nvSpPr>
-        <p:spPr/>
-        <p:txBody>
-          <a:bodyPr>
-            <a:normAutofit fontScale="90000"/>
-          </a:bodyPr>
-          <a:lstStyle/>
-          <a:p>
-            <a:pPr algn="ctr"/>
-            <a:r>
-              <a:rPr lang="nl-BE" dirty="0" smtClean="0"/>
-              <a:t>What’s in it for you?</a:t>
-            </a:r>
-            <a:br>
-              <a:rPr lang="nl-BE" dirty="0" smtClean="0"/>
-            </a:br>
-            <a:r>
-              <a:rPr lang="nl-BE" sz="3600" dirty="0" smtClean="0">
+              <a:rPr lang="nl-BE" dirty="0" smtClean="0">
                 <a:solidFill>
-                  <a:schemeClr val="bg2">
-                    <a:lumMod val="50000"/>
-                  </a:schemeClr>
+                  <a:srgbClr val="FF0000"/>
                 </a:solidFill>
               </a:rPr>
-              <a:t>Developer</a:t>
-            </a:r>
-            <a:endParaRPr lang="nl-BE" sz="3600" dirty="0">
+              <a:t>Write gluecode for prepared tests</a:t>
+            </a:r>
+          </a:p>
+          <a:p>
+            <a:endParaRPr lang="nl-BE" dirty="0" smtClean="0">
               <a:solidFill>
-                <a:schemeClr val="bg2">
-                  <a:lumMod val="50000"/>
-                </a:schemeClr>
+                <a:srgbClr val="FF0000"/>
               </a:solidFill>
             </a:endParaRPr>
+          </a:p>
+          <a:p>
+            <a:r>
+              <a:rPr lang="nl-BE" dirty="0" smtClean="0">
+                <a:solidFill>
+                  <a:srgbClr val="FF0000"/>
+                </a:solidFill>
+              </a:rPr>
+              <a:t>Types of fixtures to use:</a:t>
+            </a:r>
+          </a:p>
+          <a:p>
+            <a:pPr lvl="1"/>
+            <a:r>
+              <a:rPr lang="nl-BE" dirty="0" smtClean="0">
+                <a:solidFill>
+                  <a:srgbClr val="FF0000"/>
+                </a:solidFill>
+              </a:rPr>
+              <a:t>RowFixture</a:t>
+            </a:r>
+          </a:p>
+          <a:p>
+            <a:pPr lvl="1"/>
+            <a:r>
+              <a:rPr lang="nl-BE" dirty="0" smtClean="0">
+                <a:solidFill>
+                  <a:srgbClr val="FF0000"/>
+                </a:solidFill>
+              </a:rPr>
+              <a:t>ColumnFixture</a:t>
+            </a:r>
+          </a:p>
+          <a:p>
+            <a:pPr lvl="1"/>
+            <a:r>
+              <a:rPr lang="nl-BE" dirty="0" smtClean="0">
+                <a:solidFill>
+                  <a:srgbClr val="FF0000"/>
+                </a:solidFill>
+              </a:rPr>
+              <a:t>DoFixture</a:t>
+            </a:r>
+          </a:p>
+          <a:p>
+            <a:pPr lvl="1"/>
+            <a:r>
+              <a:rPr lang="nl-BE" dirty="0" smtClean="0">
+                <a:solidFill>
+                  <a:srgbClr val="FF0000"/>
+                </a:solidFill>
+              </a:rPr>
+              <a:t>ActionFixture</a:t>
+            </a:r>
+          </a:p>
+          <a:p>
+            <a:pPr lvl="1"/>
+            <a:endParaRPr lang="nl-BE" dirty="0" smtClean="0"/>
+          </a:p>
+        </p:txBody>
+      </p:sp>
+      <p:sp>
+        <p:nvSpPr>
+          <p:cNvPr id="2" name="Title 1"/>
+          <p:cNvSpPr>
+            <a:spLocks noGrp="1"/>
+          </p:cNvSpPr>
+          <p:nvPr>
+            <p:ph type="title"/>
+          </p:nvPr>
+        </p:nvSpPr>
+        <p:spPr/>
+        <p:txBody>
+          <a:bodyPr/>
+          <a:lstStyle/>
+          <a:p>
+            <a:r>
+              <a:rPr lang="nl-BE" dirty="0" smtClean="0"/>
+              <a:t>Implement Acceptance Tests</a:t>
+            </a:r>
+            <a:endParaRPr lang="nl-BE" dirty="0"/>
           </a:p>
         </p:txBody>
       </p:sp>
@@ -7069,134 +8355,6 @@
 </file>
 
 <file path=ppt/slides/slide16.xml><?xml version="1.0" encoding="utf-8"?>
-<p:sld xmlns:a="http://schemas.openxmlformats.org/drawingml/2006/main" xmlns:r="http://schemas.openxmlformats.org/officeDocument/2006/relationships" xmlns:p="http://schemas.openxmlformats.org/presentationml/2006/main">
-  <p:cSld>
-    <p:spTree>
-      <p:nvGrpSpPr>
-        <p:cNvPr id="1" name=""/>
-        <p:cNvGrpSpPr/>
-        <p:nvPr/>
-      </p:nvGrpSpPr>
-      <p:grpSpPr>
-        <a:xfrm>
-          <a:off x="0" y="0"/>
-          <a:ext cx="0" cy="0"/>
-          <a:chOff x="0" y="0"/>
-          <a:chExt cx="0" cy="0"/>
-        </a:xfrm>
-      </p:grpSpPr>
-      <p:sp>
-        <p:nvSpPr>
-          <p:cNvPr id="3" name="Content Placeholder 2"/>
-          <p:cNvSpPr>
-            <a:spLocks noGrp="1"/>
-          </p:cNvSpPr>
-          <p:nvPr>
-            <p:ph idx="1"/>
-          </p:nvPr>
-        </p:nvSpPr>
-        <p:spPr/>
-        <p:txBody>
-          <a:bodyPr>
-            <a:normAutofit/>
-          </a:bodyPr>
-          <a:lstStyle/>
-          <a:p>
-            <a:r>
-              <a:rPr lang="en-GB" dirty="0" smtClean="0"/>
-              <a:t>Finally stop those guys from making the same mistakes over and over</a:t>
-            </a:r>
-          </a:p>
-          <a:p>
-            <a:endParaRPr lang="en-US" dirty="0" smtClean="0"/>
-          </a:p>
-          <a:p>
-            <a:r>
-              <a:rPr lang="en-GB" dirty="0" smtClean="0"/>
-              <a:t>Avoid doing the same stuff all the time</a:t>
-            </a:r>
-          </a:p>
-          <a:p>
-            <a:endParaRPr lang="en-US" dirty="0" smtClean="0"/>
-          </a:p>
-          <a:p>
-            <a:r>
-              <a:rPr lang="en-GB" dirty="0" smtClean="0"/>
-              <a:t>Build quality in from the start</a:t>
-            </a:r>
-          </a:p>
-          <a:p>
-            <a:endParaRPr lang="en-US" dirty="0" smtClean="0"/>
-          </a:p>
-          <a:p>
-            <a:r>
-              <a:rPr lang="en-GB" dirty="0" smtClean="0"/>
-              <a:t>Verify business rules by a click on a button</a:t>
-            </a:r>
-          </a:p>
-        </p:txBody>
-      </p:sp>
-      <p:sp>
-        <p:nvSpPr>
-          <p:cNvPr id="2" name="Title 1"/>
-          <p:cNvSpPr>
-            <a:spLocks noGrp="1"/>
-          </p:cNvSpPr>
-          <p:nvPr>
-            <p:ph type="title"/>
-          </p:nvPr>
-        </p:nvSpPr>
-        <p:spPr/>
-        <p:txBody>
-          <a:bodyPr>
-            <a:normAutofit fontScale="90000"/>
-          </a:bodyPr>
-          <a:lstStyle/>
-          <a:p>
-            <a:pPr algn="ctr"/>
-            <a:r>
-              <a:rPr lang="nl-BE" dirty="0" smtClean="0"/>
-              <a:t>What’s in it for you?</a:t>
-            </a:r>
-            <a:br>
-              <a:rPr lang="nl-BE" dirty="0" smtClean="0"/>
-            </a:br>
-            <a:r>
-              <a:rPr lang="nl-BE" sz="3600" dirty="0" smtClean="0">
-                <a:solidFill>
-                  <a:schemeClr val="bg2">
-                    <a:lumMod val="50000"/>
-                  </a:schemeClr>
-                </a:solidFill>
-              </a:rPr>
-              <a:t>Tester / Business Analist</a:t>
-            </a:r>
-            <a:endParaRPr lang="nl-BE" sz="3600" dirty="0">
-              <a:solidFill>
-                <a:schemeClr val="bg2">
-                  <a:lumMod val="50000"/>
-                </a:schemeClr>
-              </a:solidFill>
-            </a:endParaRPr>
-          </a:p>
-        </p:txBody>
-      </p:sp>
-    </p:spTree>
-  </p:cSld>
-  <p:clrMapOvr>
-    <a:masterClrMapping/>
-  </p:clrMapOvr>
-  <p:timing>
-    <p:tnLst>
-      <p:par>
-        <p:cTn id="1" dur="indefinite" restart="never" nodeType="tmRoot"/>
-      </p:par>
-    </p:tnLst>
-  </p:timing>
-</p:sld>
-</file>
-
-<file path=ppt/slides/slide17.xml><?xml version="1.0" encoding="utf-8"?>
 <p:sld xmlns:a="http://schemas.openxmlformats.org/drawingml/2006/main" xmlns:r="http://schemas.openxmlformats.org/officeDocument/2006/relationships" xmlns:p="http://schemas.openxmlformats.org/presentationml/2006/main">
   <p:cSld>
     <p:spTree>
@@ -7341,6 +8499,121 @@
 </p:sld>
 </file>
 
+<file path=ppt/slides/slide17.xml><?xml version="1.0" encoding="utf-8"?>
+<p:sld xmlns:a="http://schemas.openxmlformats.org/drawingml/2006/main" xmlns:r="http://schemas.openxmlformats.org/officeDocument/2006/relationships" xmlns:p="http://schemas.openxmlformats.org/presentationml/2006/main">
+  <p:cSld>
+    <p:spTree>
+      <p:nvGrpSpPr>
+        <p:cNvPr id="1" name=""/>
+        <p:cNvGrpSpPr/>
+        <p:nvPr/>
+      </p:nvGrpSpPr>
+      <p:grpSpPr>
+        <a:xfrm>
+          <a:off x="0" y="0"/>
+          <a:ext cx="0" cy="0"/>
+          <a:chOff x="0" y="0"/>
+          <a:chExt cx="0" cy="0"/>
+        </a:xfrm>
+      </p:grpSpPr>
+      <p:sp>
+        <p:nvSpPr>
+          <p:cNvPr id="3" name="Content Placeholder 2"/>
+          <p:cNvSpPr>
+            <a:spLocks noGrp="1"/>
+          </p:cNvSpPr>
+          <p:nvPr>
+            <p:ph idx="1"/>
+          </p:nvPr>
+        </p:nvSpPr>
+        <p:spPr/>
+        <p:txBody>
+          <a:bodyPr>
+            <a:normAutofit/>
+          </a:bodyPr>
+          <a:lstStyle/>
+          <a:p>
+            <a:r>
+              <a:rPr lang="nl-BE" dirty="0" smtClean="0"/>
+              <a:t>3</a:t>
+            </a:r>
+            <a:r>
+              <a:rPr lang="nl-BE" dirty="0" smtClean="0"/>
+              <a:t> </a:t>
+            </a:r>
+            <a:r>
+              <a:rPr lang="nl-BE" dirty="0" smtClean="0"/>
+              <a:t>Suites in Fitnesse</a:t>
+            </a:r>
+          </a:p>
+          <a:p>
+            <a:endParaRPr lang="nl-BE" dirty="0" smtClean="0"/>
+          </a:p>
+          <a:p>
+            <a:pPr lvl="1"/>
+            <a:r>
+              <a:rPr lang="nl-BE" dirty="0" smtClean="0"/>
+              <a:t>Prepared Test Suite – tests for next iterations</a:t>
+            </a:r>
+          </a:p>
+          <a:p>
+            <a:pPr lvl="1"/>
+            <a:r>
+              <a:rPr lang="nl-BE" dirty="0" smtClean="0"/>
+              <a:t>Work </a:t>
+            </a:r>
+            <a:r>
+              <a:rPr lang="nl-BE" dirty="0" smtClean="0"/>
+              <a:t>In Progress – doesn’t break the build</a:t>
+            </a:r>
+          </a:p>
+          <a:p>
+            <a:pPr lvl="1"/>
+            <a:r>
+              <a:rPr lang="nl-BE" dirty="0" smtClean="0"/>
+              <a:t>Acceptance Suite – breaks the build!</a:t>
+            </a:r>
+          </a:p>
+        </p:txBody>
+      </p:sp>
+      <p:sp>
+        <p:nvSpPr>
+          <p:cNvPr id="2" name="Title 1"/>
+          <p:cNvSpPr>
+            <a:spLocks noGrp="1"/>
+          </p:cNvSpPr>
+          <p:nvPr>
+            <p:ph type="title"/>
+          </p:nvPr>
+        </p:nvSpPr>
+        <p:spPr/>
+        <p:txBody>
+          <a:bodyPr/>
+          <a:lstStyle/>
+          <a:p>
+            <a:r>
+              <a:rPr lang="nl-BE" dirty="0" smtClean="0"/>
+              <a:t>Continuous Integration:</a:t>
+            </a:r>
+            <a:endParaRPr lang="nl-BE" dirty="0"/>
+          </a:p>
+        </p:txBody>
+      </p:sp>
+    </p:spTree>
+  </p:cSld>
+  <p:clrMapOvr>
+    <a:masterClrMapping/>
+  </p:clrMapOvr>
+  <p:timing>
+    <p:tnLst>
+      <p:par>
+        <p:cTn id="1" dur="indefinite" restart="never" nodeType="tmRoot"/>
+      </p:par>
+    </p:tnLst>
+  </p:timing>
+</p:sld>
+</file>
+
 <file path=ppt/slides/slide18.xml><?xml version="1.0" encoding="utf-8"?>
 <p:sld xmlns:a="http://schemas.openxmlformats.org/drawingml/2006/main" xmlns:r="http://schemas.openxmlformats.org/officeDocument/2006/relationships" xmlns:p="http://schemas.openxmlformats.org/presentationml/2006/main">
   <p:cSld>
@@ -7371,54 +8644,101 @@
         <p:spPr/>
         <p:txBody>
           <a:bodyPr>
-            <a:normAutofit/>
+            <a:normAutofit lnSpcReduction="10000"/>
           </a:bodyPr>
           <a:lstStyle/>
           <a:p>
             <a:r>
+              <a:rPr lang="en-US" dirty="0" smtClean="0"/>
+              <a:t>Developers will actually read the specifications</a:t>
+            </a:r>
+          </a:p>
+          <a:p>
+            <a:endParaRPr lang="en-US" dirty="0" smtClean="0"/>
+          </a:p>
+          <a:p>
+            <a:r>
+              <a:rPr lang="en-US" dirty="0" smtClean="0"/>
+              <a:t>They will understood the stuff correctly</a:t>
+            </a:r>
+          </a:p>
+          <a:p>
+            <a:endParaRPr lang="en-US" dirty="0" smtClean="0"/>
+          </a:p>
+          <a:p>
+            <a:r>
+              <a:rPr lang="en-US" dirty="0" smtClean="0"/>
+              <a:t>They will not skip parts of the spec</a:t>
+            </a:r>
+          </a:p>
+          <a:p>
+            <a:endParaRPr lang="en-US" dirty="0" smtClean="0"/>
+          </a:p>
+          <a:p>
+            <a:r>
+              <a:rPr lang="en-US" dirty="0" smtClean="0"/>
+              <a:t>You can track the development progress</a:t>
+            </a:r>
+          </a:p>
+          <a:p>
+            <a:endParaRPr lang="en-US" dirty="0" smtClean="0"/>
+          </a:p>
+          <a:p>
+            <a:r>
+              <a:rPr lang="en-US" dirty="0" smtClean="0"/>
+              <a:t>Save time on acceptance/smoke testing</a:t>
+            </a:r>
+          </a:p>
+          <a:p>
+            <a:pPr>
+              <a:buNone/>
+            </a:pPr>
+            <a:endParaRPr lang="en-US" dirty="0" smtClean="0"/>
+          </a:p>
+        </p:txBody>
+      </p:sp>
+      <p:sp>
+        <p:nvSpPr>
+          <p:cNvPr id="2" name="Title 1"/>
+          <p:cNvSpPr>
+            <a:spLocks noGrp="1"/>
+          </p:cNvSpPr>
+          <p:nvPr>
+            <p:ph type="title"/>
+          </p:nvPr>
+        </p:nvSpPr>
+        <p:spPr/>
+        <p:txBody>
+          <a:bodyPr>
+            <a:normAutofit fontScale="90000"/>
+          </a:bodyPr>
+          <a:lstStyle/>
+          <a:p>
+            <a:pPr algn="ctr"/>
+            <a:r>
               <a:rPr lang="nl-BE" dirty="0" smtClean="0"/>
-              <a:t>2 Suites in Fitnesse</a:t>
-            </a:r>
-          </a:p>
-          <a:p>
-            <a:endParaRPr lang="nl-BE" dirty="0" smtClean="0"/>
-          </a:p>
-          <a:p>
-            <a:pPr lvl="1"/>
-            <a:r>
+              <a:t>What’s in it for you?</a:t>
+            </a:r>
+            <a:br>
               <a:rPr lang="nl-BE" dirty="0" smtClean="0"/>
-              <a:t>Work In Progress – doesn’t break the build</a:t>
-            </a:r>
-          </a:p>
-          <a:p>
-            <a:pPr lvl="1"/>
-            <a:r>
-              <a:rPr lang="nl-BE" dirty="0" smtClean="0"/>
-              <a:t>Acceptance Suite – breaks the build!</a:t>
-            </a:r>
-          </a:p>
-        </p:txBody>
-      </p:sp>
-      <p:sp>
-        <p:nvSpPr>
-          <p:cNvPr id="2" name="Title 1"/>
-          <p:cNvSpPr>
-            <a:spLocks noGrp="1"/>
-          </p:cNvSpPr>
-          <p:nvPr>
-            <p:ph type="title"/>
-          </p:nvPr>
-        </p:nvSpPr>
-        <p:spPr/>
-        <p:txBody>
-          <a:bodyPr/>
-          <a:lstStyle/>
-          <a:p>
-            <a:r>
-              <a:rPr lang="nl-BE" dirty="0" smtClean="0"/>
-              <a:t>Continuous Integration:</a:t>
-            </a:r>
-            <a:endParaRPr lang="nl-BE" dirty="0"/>
+            </a:br>
+            <a:r>
+              <a:rPr lang="nl-BE" sz="3600" dirty="0" smtClean="0">
+                <a:solidFill>
+                  <a:schemeClr val="bg2">
+                    <a:lumMod val="50000"/>
+                  </a:schemeClr>
+                </a:solidFill>
+              </a:rPr>
+              <a:t>ScrumMaster / Product Owner</a:t>
+            </a:r>
+            <a:endParaRPr lang="nl-BE" sz="3600" dirty="0">
+              <a:solidFill>
+                <a:schemeClr val="bg2">
+                  <a:lumMod val="50000"/>
+                </a:schemeClr>
+              </a:solidFill>
+            </a:endParaRPr>
           </a:p>
         </p:txBody>
       </p:sp>
@@ -7438,6 +8758,558 @@
 </file>
 
 <file path=ppt/slides/slide19.xml><?xml version="1.0" encoding="utf-8"?>
+<p:sld xmlns:a="http://schemas.openxmlformats.org/drawingml/2006/main" xmlns:r="http://schemas.openxmlformats.org/officeDocument/2006/relationships" xmlns:p="http://schemas.openxmlformats.org/presentationml/2006/main">
+  <p:cSld>
+    <p:spTree>
+      <p:nvGrpSpPr>
+        <p:cNvPr id="1" name=""/>
+        <p:cNvGrpSpPr/>
+        <p:nvPr/>
+      </p:nvGrpSpPr>
+      <p:grpSpPr>
+        <a:xfrm>
+          <a:off x="0" y="0"/>
+          <a:ext cx="0" cy="0"/>
+          <a:chOff x="0" y="0"/>
+          <a:chExt cx="0" cy="0"/>
+        </a:xfrm>
+      </p:grpSpPr>
+      <p:sp>
+        <p:nvSpPr>
+          <p:cNvPr id="3" name="Content Placeholder 2"/>
+          <p:cNvSpPr>
+            <a:spLocks noGrp="1"/>
+          </p:cNvSpPr>
+          <p:nvPr>
+            <p:ph idx="1"/>
+          </p:nvPr>
+        </p:nvSpPr>
+        <p:spPr/>
+        <p:txBody>
+          <a:bodyPr>
+            <a:normAutofit lnSpcReduction="10000"/>
+          </a:bodyPr>
+          <a:lstStyle/>
+          <a:p>
+            <a:r>
+              <a:rPr lang="en-GB" dirty="0" smtClean="0"/>
+              <a:t>Requirements will be unambiguous and without functional gaps</a:t>
+            </a:r>
+          </a:p>
+          <a:p>
+            <a:endParaRPr lang="en-US" dirty="0" smtClean="0"/>
+          </a:p>
+          <a:p>
+            <a:r>
+              <a:rPr lang="en-GB" dirty="0" smtClean="0"/>
+              <a:t>Business analysts will really understand those special cases you mentioned</a:t>
+            </a:r>
+          </a:p>
+          <a:p>
+            <a:endParaRPr lang="en-US" dirty="0" smtClean="0"/>
+          </a:p>
+          <a:p>
+            <a:r>
+              <a:rPr lang="en-GB" dirty="0" smtClean="0"/>
+              <a:t>You will have automated tests to guide development</a:t>
+            </a:r>
+          </a:p>
+          <a:p>
+            <a:endParaRPr lang="en-US" dirty="0" smtClean="0"/>
+          </a:p>
+          <a:p>
+            <a:r>
+              <a:rPr lang="en-GB" dirty="0" smtClean="0"/>
+              <a:t>It will be easier to take-over and hand-over code</a:t>
+            </a:r>
+          </a:p>
+        </p:txBody>
+      </p:sp>
+      <p:sp>
+        <p:nvSpPr>
+          <p:cNvPr id="2" name="Title 1"/>
+          <p:cNvSpPr>
+            <a:spLocks noGrp="1"/>
+          </p:cNvSpPr>
+          <p:nvPr>
+            <p:ph type="title"/>
+          </p:nvPr>
+        </p:nvSpPr>
+        <p:spPr/>
+        <p:txBody>
+          <a:bodyPr>
+            <a:normAutofit fontScale="90000"/>
+          </a:bodyPr>
+          <a:lstStyle/>
+          <a:p>
+            <a:pPr algn="ctr"/>
+            <a:r>
+              <a:rPr lang="nl-BE" dirty="0" smtClean="0"/>
+              <a:t>What’s in it for you?</a:t>
+            </a:r>
+            <a:br>
+              <a:rPr lang="nl-BE" dirty="0" smtClean="0"/>
+            </a:br>
+            <a:r>
+              <a:rPr lang="nl-BE" sz="3600" dirty="0" smtClean="0">
+                <a:solidFill>
+                  <a:schemeClr val="bg2">
+                    <a:lumMod val="50000"/>
+                  </a:schemeClr>
+                </a:solidFill>
+              </a:rPr>
+              <a:t>Developer</a:t>
+            </a:r>
+            <a:endParaRPr lang="nl-BE" sz="3600" dirty="0">
+              <a:solidFill>
+                <a:schemeClr val="bg2">
+                  <a:lumMod val="50000"/>
+                </a:schemeClr>
+              </a:solidFill>
+            </a:endParaRPr>
+          </a:p>
+        </p:txBody>
+      </p:sp>
+    </p:spTree>
+  </p:cSld>
+  <p:clrMapOvr>
+    <a:masterClrMapping/>
+  </p:clrMapOvr>
+  <p:timing>
+    <p:tnLst>
+      <p:par>
+        <p:cTn id="1" dur="indefinite" restart="never" nodeType="tmRoot"/>
+      </p:par>
+    </p:tnLst>
+  </p:timing>
+</p:sld>
+</file>
+
+<file path=ppt/slides/slide2.xml><?xml version="1.0" encoding="utf-8"?>
+<p:sld xmlns:a="http://schemas.openxmlformats.org/drawingml/2006/main" xmlns:r="http://schemas.openxmlformats.org/officeDocument/2006/relationships" xmlns:p="http://schemas.openxmlformats.org/presentationml/2006/main">
+  <p:cSld>
+    <p:spTree>
+      <p:nvGrpSpPr>
+        <p:cNvPr id="1" name=""/>
+        <p:cNvGrpSpPr/>
+        <p:nvPr/>
+      </p:nvGrpSpPr>
+      <p:grpSpPr>
+        <a:xfrm>
+          <a:off x="0" y="0"/>
+          <a:ext cx="0" cy="0"/>
+          <a:chOff x="0" y="0"/>
+          <a:chExt cx="0" cy="0"/>
+        </a:xfrm>
+      </p:grpSpPr>
+      <p:sp>
+        <p:nvSpPr>
+          <p:cNvPr id="3" name="Content Placeholder 2"/>
+          <p:cNvSpPr>
+            <a:spLocks noGrp="1"/>
+          </p:cNvSpPr>
+          <p:nvPr>
+            <p:ph idx="1"/>
+          </p:nvPr>
+        </p:nvSpPr>
+        <p:spPr/>
+        <p:txBody>
+          <a:bodyPr>
+            <a:normAutofit fontScale="92500" lnSpcReduction="10000"/>
+          </a:bodyPr>
+          <a:lstStyle/>
+          <a:p>
+            <a:r>
+              <a:rPr lang="nl-BE" dirty="0" smtClean="0"/>
+              <a:t>Michel Grootjans</a:t>
+            </a:r>
+          </a:p>
+          <a:p>
+            <a:pPr lvl="1"/>
+            <a:r>
+              <a:rPr lang="nl-BE" dirty="0" smtClean="0"/>
+              <a:t>Enterprise Architect </a:t>
+            </a:r>
+          </a:p>
+          <a:p>
+            <a:pPr lvl="1"/>
+            <a:r>
+              <a:rPr lang="nl-BE" sz="1600" dirty="0" smtClean="0">
+                <a:hlinkClick r:id="rId2"/>
+              </a:rPr>
+              <a:t>             http://www.linkedin.com/in/michelgrootjans</a:t>
+            </a:r>
+            <a:endParaRPr lang="nl-BE" sz="1600" dirty="0" smtClean="0"/>
+          </a:p>
+          <a:p>
+            <a:pPr lvl="1"/>
+            <a:r>
+              <a:rPr lang="nl-BE" sz="1600" dirty="0" smtClean="0">
+                <a:hlinkClick r:id="rId3"/>
+              </a:rPr>
+              <a:t>michel.grootjans@ilean.be</a:t>
+            </a:r>
+            <a:r>
+              <a:rPr lang="nl-BE" sz="1600" dirty="0" smtClean="0"/>
+              <a:t>	 </a:t>
+            </a:r>
+          </a:p>
+          <a:p>
+            <a:pPr lvl="1"/>
+            <a:endParaRPr lang="nl-BE" dirty="0" smtClean="0"/>
+          </a:p>
+          <a:p>
+            <a:r>
+              <a:rPr lang="nl-BE" dirty="0" smtClean="0"/>
+              <a:t>Pascal Mestdach</a:t>
+            </a:r>
+          </a:p>
+          <a:p>
+            <a:pPr lvl="1"/>
+            <a:r>
+              <a:rPr lang="nl-BE" dirty="0" smtClean="0"/>
+              <a:t>Solution Architect</a:t>
+            </a:r>
+          </a:p>
+          <a:p>
+            <a:pPr lvl="1"/>
+            <a:r>
+              <a:rPr lang="nl-BE" sz="1600" dirty="0" smtClean="0">
+                <a:hlinkClick r:id="rId4"/>
+              </a:rPr>
+              <a:t>             http://www.linkedin.com/in/pascalmestdach</a:t>
+            </a:r>
+            <a:r>
+              <a:rPr lang="nl-BE" sz="1600" dirty="0" smtClean="0"/>
+              <a:t> </a:t>
+            </a:r>
+          </a:p>
+          <a:p>
+            <a:pPr lvl="1"/>
+            <a:r>
+              <a:rPr lang="nl-BE" sz="1600" dirty="0" smtClean="0">
+                <a:hlinkClick r:id="rId5"/>
+              </a:rPr>
+              <a:t>pascal.mestdach@infohos.be</a:t>
+            </a:r>
+          </a:p>
+          <a:p>
+            <a:pPr lvl="1">
+              <a:buNone/>
+            </a:pPr>
+            <a:endParaRPr lang="nl-BE" sz="1600" dirty="0" smtClean="0"/>
+          </a:p>
+          <a:p>
+            <a:r>
+              <a:rPr lang="nl-BE" dirty="0" smtClean="0"/>
+              <a:t>Download material:</a:t>
+            </a:r>
+          </a:p>
+          <a:p>
+            <a:pPr lvl="1"/>
+            <a:r>
+              <a:rPr lang="nl-BE" sz="1700" dirty="0" smtClean="0"/>
+              <a:t>On google code: </a:t>
+            </a:r>
+          </a:p>
+          <a:p>
+            <a:pPr lvl="2"/>
+            <a:r>
+              <a:rPr lang="nl-BE" sz="1500" dirty="0" smtClean="0">
+                <a:hlinkClick r:id="rId6"/>
+              </a:rPr>
+              <a:t>http://code.google.com/p/agileacceptancetesting/</a:t>
+            </a:r>
+            <a:r>
+              <a:rPr lang="nl-BE" sz="1500" dirty="0" smtClean="0"/>
+              <a:t> </a:t>
+            </a:r>
+          </a:p>
+          <a:p>
+            <a:pPr lvl="1"/>
+            <a:r>
+              <a:rPr lang="nl-BE" sz="1600" dirty="0" smtClean="0"/>
+              <a:t>Checkout in svn: </a:t>
+            </a:r>
+          </a:p>
+          <a:p>
+            <a:pPr lvl="2"/>
+            <a:r>
+              <a:rPr lang="nl-BE" sz="1400" dirty="0" smtClean="0">
+                <a:hlinkClick r:id="rId7"/>
+              </a:rPr>
+              <a:t>https://agileacceptancetesting.googlecode.com/svn/trunk</a:t>
+            </a:r>
+            <a:r>
+              <a:rPr lang="nl-BE" sz="1400" dirty="0" smtClean="0"/>
+              <a:t> </a:t>
+            </a:r>
+          </a:p>
+        </p:txBody>
+      </p:sp>
+      <p:sp>
+        <p:nvSpPr>
+          <p:cNvPr id="2" name="Title 1"/>
+          <p:cNvSpPr>
+            <a:spLocks noGrp="1"/>
+          </p:cNvSpPr>
+          <p:nvPr>
+            <p:ph type="title"/>
+          </p:nvPr>
+        </p:nvSpPr>
+        <p:spPr/>
+        <p:txBody>
+          <a:bodyPr/>
+          <a:lstStyle/>
+          <a:p>
+            <a:r>
+              <a:rPr lang="nl-BE" dirty="0" smtClean="0"/>
+              <a:t>Biography Presenters</a:t>
+            </a:r>
+            <a:endParaRPr lang="nl-BE" dirty="0"/>
+          </a:p>
+        </p:txBody>
+      </p:sp>
+      <p:pic>
+        <p:nvPicPr>
+          <p:cNvPr id="5" name="Picture 4" descr="iLean.jpg"/>
+          <p:cNvPicPr>
+            <a:picLocks noChangeAspect="1"/>
+          </p:cNvPicPr>
+          <p:nvPr/>
+        </p:nvPicPr>
+        <p:blipFill>
+          <a:blip r:embed="rId8"/>
+          <a:stretch>
+            <a:fillRect/>
+          </a:stretch>
+        </p:blipFill>
+        <p:spPr>
+          <a:xfrm>
+            <a:off x="5143504" y="1428736"/>
+            <a:ext cx="1028700" cy="704850"/>
+          </a:xfrm>
+          <a:prstGeom prst="rect">
+            <a:avLst/>
+          </a:prstGeom>
+        </p:spPr>
+      </p:pic>
+      <p:pic>
+        <p:nvPicPr>
+          <p:cNvPr id="6" name="Picture 5" descr="Ihc.png"/>
+          <p:cNvPicPr>
+            <a:picLocks noChangeAspect="1"/>
+          </p:cNvPicPr>
+          <p:nvPr/>
+        </p:nvPicPr>
+        <p:blipFill>
+          <a:blip r:embed="rId9"/>
+          <a:stretch>
+            <a:fillRect/>
+          </a:stretch>
+        </p:blipFill>
+        <p:spPr>
+          <a:xfrm>
+            <a:off x="5129217" y="3000372"/>
+            <a:ext cx="942981" cy="642942"/>
+          </a:xfrm>
+          <a:prstGeom prst="rect">
+            <a:avLst/>
+          </a:prstGeom>
+        </p:spPr>
+      </p:pic>
+      <p:pic>
+        <p:nvPicPr>
+          <p:cNvPr id="7" name="Picture 6" descr="linkedIn.png"/>
+          <p:cNvPicPr>
+            <a:picLocks noChangeAspect="1"/>
+          </p:cNvPicPr>
+          <p:nvPr/>
+        </p:nvPicPr>
+        <p:blipFill>
+          <a:blip r:embed="rId10"/>
+          <a:stretch>
+            <a:fillRect/>
+          </a:stretch>
+        </p:blipFill>
+        <p:spPr>
+          <a:xfrm>
+            <a:off x="1187366" y="2214554"/>
+            <a:ext cx="785818" cy="211312"/>
+          </a:xfrm>
+          <a:prstGeom prst="rect">
+            <a:avLst/>
+          </a:prstGeom>
+        </p:spPr>
+      </p:pic>
+      <p:pic>
+        <p:nvPicPr>
+          <p:cNvPr id="8" name="Picture 7" descr="linkedIn.png"/>
+          <p:cNvPicPr>
+            <a:picLocks noChangeAspect="1"/>
+          </p:cNvPicPr>
+          <p:nvPr/>
+        </p:nvPicPr>
+        <p:blipFill>
+          <a:blip r:embed="rId10"/>
+          <a:stretch>
+            <a:fillRect/>
+          </a:stretch>
+        </p:blipFill>
+        <p:spPr>
+          <a:xfrm>
+            <a:off x="1178902" y="3750264"/>
+            <a:ext cx="785818" cy="211312"/>
+          </a:xfrm>
+          <a:prstGeom prst="rect">
+            <a:avLst/>
+          </a:prstGeom>
+        </p:spPr>
+      </p:pic>
+    </p:spTree>
+  </p:cSld>
+  <p:clrMapOvr>
+    <a:masterClrMapping/>
+  </p:clrMapOvr>
+  <p:timing>
+    <p:tnLst>
+      <p:par>
+        <p:cTn id="1" dur="indefinite" restart="never" nodeType="tmRoot"/>
+      </p:par>
+    </p:tnLst>
+  </p:timing>
+</p:sld>
+</file>
+
+<file path=ppt/slides/slide20.xml><?xml version="1.0" encoding="utf-8"?>
+<p:sld xmlns:a="http://schemas.openxmlformats.org/drawingml/2006/main" xmlns:r="http://schemas.openxmlformats.org/officeDocument/2006/relationships" xmlns:p="http://schemas.openxmlformats.org/presentationml/2006/main">
+  <p:cSld>
+    <p:spTree>
+      <p:nvGrpSpPr>
+        <p:cNvPr id="1" name=""/>
+        <p:cNvGrpSpPr/>
+        <p:nvPr/>
+      </p:nvGrpSpPr>
+      <p:grpSpPr>
+        <a:xfrm>
+          <a:off x="0" y="0"/>
+          <a:ext cx="0" cy="0"/>
+          <a:chOff x="0" y="0"/>
+          <a:chExt cx="0" cy="0"/>
+        </a:xfrm>
+      </p:grpSpPr>
+      <p:sp>
+        <p:nvSpPr>
+          <p:cNvPr id="3" name="Content Placeholder 2"/>
+          <p:cNvSpPr>
+            <a:spLocks noGrp="1"/>
+          </p:cNvSpPr>
+          <p:nvPr>
+            <p:ph idx="1"/>
+          </p:nvPr>
+        </p:nvSpPr>
+        <p:spPr/>
+        <p:txBody>
+          <a:bodyPr>
+            <a:normAutofit/>
+          </a:bodyPr>
+          <a:lstStyle/>
+          <a:p>
+            <a:r>
+              <a:rPr lang="en-GB" dirty="0" smtClean="0"/>
+              <a:t>Finally stop those guys from making the same mistakes over and over</a:t>
+            </a:r>
+          </a:p>
+          <a:p>
+            <a:endParaRPr lang="en-US" dirty="0" smtClean="0"/>
+          </a:p>
+          <a:p>
+            <a:r>
+              <a:rPr lang="en-GB" dirty="0" smtClean="0"/>
+              <a:t>Avoid doing the same stuff all the time</a:t>
+            </a:r>
+          </a:p>
+          <a:p>
+            <a:endParaRPr lang="en-US" dirty="0" smtClean="0"/>
+          </a:p>
+          <a:p>
+            <a:r>
+              <a:rPr lang="en-GB" dirty="0" smtClean="0"/>
+              <a:t>Build quality in from the start</a:t>
+            </a:r>
+          </a:p>
+          <a:p>
+            <a:endParaRPr lang="en-US" dirty="0" smtClean="0"/>
+          </a:p>
+          <a:p>
+            <a:r>
+              <a:rPr lang="en-GB" dirty="0" smtClean="0"/>
+              <a:t>Verify business rules by a click on a button</a:t>
+            </a:r>
+          </a:p>
+        </p:txBody>
+      </p:sp>
+      <p:sp>
+        <p:nvSpPr>
+          <p:cNvPr id="2" name="Title 1"/>
+          <p:cNvSpPr>
+            <a:spLocks noGrp="1"/>
+          </p:cNvSpPr>
+          <p:nvPr>
+            <p:ph type="title"/>
+          </p:nvPr>
+        </p:nvSpPr>
+        <p:spPr/>
+        <p:txBody>
+          <a:bodyPr>
+            <a:normAutofit fontScale="90000"/>
+          </a:bodyPr>
+          <a:lstStyle/>
+          <a:p>
+            <a:pPr algn="ctr"/>
+            <a:r>
+              <a:rPr lang="nl-BE" dirty="0" smtClean="0"/>
+              <a:t>What’s in it for you?</a:t>
+            </a:r>
+            <a:br>
+              <a:rPr lang="nl-BE" dirty="0" smtClean="0"/>
+            </a:br>
+            <a:r>
+              <a:rPr lang="nl-BE" sz="3600" dirty="0" smtClean="0">
+                <a:solidFill>
+                  <a:schemeClr val="bg2">
+                    <a:lumMod val="50000"/>
+                  </a:schemeClr>
+                </a:solidFill>
+              </a:rPr>
+              <a:t>Tester / Business Analist</a:t>
+            </a:r>
+            <a:endParaRPr lang="nl-BE" sz="3600" dirty="0">
+              <a:solidFill>
+                <a:schemeClr val="bg2">
+                  <a:lumMod val="50000"/>
+                </a:schemeClr>
+              </a:solidFill>
+            </a:endParaRPr>
+          </a:p>
+        </p:txBody>
+      </p:sp>
+    </p:spTree>
+  </p:cSld>
+  <p:clrMapOvr>
+    <a:masterClrMapping/>
+  </p:clrMapOvr>
+  <p:timing>
+    <p:tnLst>
+      <p:par>
+        <p:cTn id="1" dur="indefinite" restart="never" nodeType="tmRoot"/>
+      </p:par>
+    </p:tnLst>
+  </p:timing>
+</p:sld>
+</file>
+
+<file path=ppt/slides/slide21.xml><?xml version="1.0" encoding="utf-8"?>
 <p:sld xmlns:a="http://schemas.openxmlformats.org/drawingml/2006/main" xmlns:r="http://schemas.openxmlformats.org/officeDocument/2006/relationships" xmlns:p="http://schemas.openxmlformats.org/presentationml/2006/main">
   <p:cSld>
     <p:spTree>
@@ -7786,7 +9658,7 @@
 </p:sld>
 </file>
 
-<file path=ppt/slides/slide2.xml><?xml version="1.0" encoding="utf-8"?>
+<file path=ppt/slides/slide3.xml><?xml version="1.0" encoding="utf-8"?>
 <p:sld xmlns:a="http://schemas.openxmlformats.org/drawingml/2006/main" xmlns:r="http://schemas.openxmlformats.org/officeDocument/2006/relationships" xmlns:p="http://schemas.openxmlformats.org/presentationml/2006/main">
   <p:cSld>
     <p:spTree>
@@ -7929,422 +9801,6 @@
 </p:sld>
 </file>
 
-<file path=ppt/slides/slide20.xml><?xml version="1.0" encoding="utf-8"?>
-<p:sld xmlns:a="http://schemas.openxmlformats.org/drawingml/2006/main" xmlns:r="http://schemas.openxmlformats.org/officeDocument/2006/relationships" xmlns:p="http://schemas.openxmlformats.org/presentationml/2006/main">
-  <p:cSld>
-    <p:spTree>
-      <p:nvGrpSpPr>
-        <p:cNvPr id="1" name=""/>
-        <p:cNvGrpSpPr/>
-        <p:nvPr/>
-      </p:nvGrpSpPr>
-      <p:grpSpPr>
-        <a:xfrm>
-          <a:off x="0" y="0"/>
-          <a:ext cx="0" cy="0"/>
-          <a:chOff x="0" y="0"/>
-          <a:chExt cx="0" cy="0"/>
-        </a:xfrm>
-      </p:grpSpPr>
-      <p:sp>
-        <p:nvSpPr>
-          <p:cNvPr id="3" name="Content Placeholder 2"/>
-          <p:cNvSpPr>
-            <a:spLocks noGrp="1"/>
-          </p:cNvSpPr>
-          <p:nvPr>
-            <p:ph idx="1"/>
-          </p:nvPr>
-        </p:nvSpPr>
-        <p:spPr/>
-        <p:txBody>
-          <a:bodyPr>
-            <a:normAutofit fontScale="92500" lnSpcReduction="10000"/>
-          </a:bodyPr>
-          <a:lstStyle/>
-          <a:p>
-            <a:r>
-              <a:rPr lang="nl-BE" dirty="0" smtClean="0"/>
-              <a:t>Michel Grootjans</a:t>
-            </a:r>
-          </a:p>
-          <a:p>
-            <a:pPr lvl="1"/>
-            <a:r>
-              <a:rPr lang="nl-BE" dirty="0" smtClean="0"/>
-              <a:t>Enterprise Architect </a:t>
-            </a:r>
-          </a:p>
-          <a:p>
-            <a:pPr lvl="1"/>
-            <a:r>
-              <a:rPr lang="nl-BE" sz="1600" dirty="0" smtClean="0">
-                <a:hlinkClick r:id="rId2"/>
-              </a:rPr>
-              <a:t>             http://www.linkedin.com/in/michelgrootjans</a:t>
-            </a:r>
-            <a:endParaRPr lang="nl-BE" sz="1600" dirty="0" smtClean="0"/>
-          </a:p>
-          <a:p>
-            <a:pPr lvl="1"/>
-            <a:r>
-              <a:rPr lang="nl-BE" sz="1600" dirty="0" smtClean="0">
-                <a:hlinkClick r:id="rId3"/>
-              </a:rPr>
-              <a:t>michel.grootjans@ilean.be</a:t>
-            </a:r>
-            <a:r>
-              <a:rPr lang="nl-BE" sz="1600" dirty="0" smtClean="0"/>
-              <a:t>	 </a:t>
-            </a:r>
-          </a:p>
-          <a:p>
-            <a:pPr lvl="1"/>
-            <a:endParaRPr lang="nl-BE" dirty="0" smtClean="0"/>
-          </a:p>
-          <a:p>
-            <a:r>
-              <a:rPr lang="nl-BE" dirty="0" smtClean="0"/>
-              <a:t>Pascal Mestdach</a:t>
-            </a:r>
-          </a:p>
-          <a:p>
-            <a:pPr lvl="1"/>
-            <a:r>
-              <a:rPr lang="nl-BE" dirty="0" smtClean="0"/>
-              <a:t>Solution Architect</a:t>
-            </a:r>
-          </a:p>
-          <a:p>
-            <a:pPr lvl="1"/>
-            <a:r>
-              <a:rPr lang="nl-BE" sz="1600" dirty="0" smtClean="0">
-                <a:hlinkClick r:id="rId4"/>
-              </a:rPr>
-              <a:t>             http://www.linkedin.com/in/pascalmestdach</a:t>
-            </a:r>
-            <a:r>
-              <a:rPr lang="nl-BE" sz="1600" dirty="0" smtClean="0"/>
-              <a:t> </a:t>
-            </a:r>
-          </a:p>
-          <a:p>
-            <a:pPr lvl="1"/>
-            <a:r>
-              <a:rPr lang="nl-BE" sz="1600" dirty="0" smtClean="0">
-                <a:hlinkClick r:id="rId5"/>
-              </a:rPr>
-              <a:t>pascal.mestdach@infohos.be</a:t>
-            </a:r>
-          </a:p>
-          <a:p>
-            <a:pPr lvl="1">
-              <a:buNone/>
-            </a:pPr>
-            <a:endParaRPr lang="nl-BE" sz="1600" dirty="0" smtClean="0"/>
-          </a:p>
-          <a:p>
-            <a:r>
-              <a:rPr lang="nl-BE" dirty="0" smtClean="0"/>
-              <a:t>Download material:</a:t>
-            </a:r>
-          </a:p>
-          <a:p>
-            <a:pPr lvl="1"/>
-            <a:r>
-              <a:rPr lang="nl-BE" sz="1700" dirty="0" smtClean="0"/>
-              <a:t>On google code: </a:t>
-            </a:r>
-          </a:p>
-          <a:p>
-            <a:pPr lvl="2"/>
-            <a:r>
-              <a:rPr lang="nl-BE" sz="1500" dirty="0" smtClean="0">
-                <a:hlinkClick r:id="rId6"/>
-              </a:rPr>
-              <a:t>http://code.google.com/p/agileacceptancetesting/</a:t>
-            </a:r>
-            <a:r>
-              <a:rPr lang="nl-BE" sz="1500" dirty="0" smtClean="0"/>
-              <a:t> </a:t>
-            </a:r>
-          </a:p>
-          <a:p>
-            <a:pPr lvl="1"/>
-            <a:r>
-              <a:rPr lang="nl-BE" sz="1600" dirty="0" smtClean="0"/>
-              <a:t>Checkout in svn: </a:t>
-            </a:r>
-          </a:p>
-          <a:p>
-            <a:pPr lvl="2"/>
-            <a:r>
-              <a:rPr lang="nl-BE" sz="1400" dirty="0" smtClean="0">
-                <a:hlinkClick r:id="rId7"/>
-              </a:rPr>
-              <a:t>https://agileacceptancetesting.googlecode.com/svn/trunk</a:t>
-            </a:r>
-            <a:r>
-              <a:rPr lang="nl-BE" sz="1400" dirty="0" smtClean="0"/>
-              <a:t> </a:t>
-            </a:r>
-          </a:p>
-        </p:txBody>
-      </p:sp>
-      <p:sp>
-        <p:nvSpPr>
-          <p:cNvPr id="2" name="Title 1"/>
-          <p:cNvSpPr>
-            <a:spLocks noGrp="1"/>
-          </p:cNvSpPr>
-          <p:nvPr>
-            <p:ph type="title"/>
-          </p:nvPr>
-        </p:nvSpPr>
-        <p:spPr/>
-        <p:txBody>
-          <a:bodyPr/>
-          <a:lstStyle/>
-          <a:p>
-            <a:r>
-              <a:rPr lang="nl-BE" dirty="0" smtClean="0"/>
-              <a:t>Presenters</a:t>
-            </a:r>
-            <a:endParaRPr lang="nl-BE" dirty="0"/>
-          </a:p>
-        </p:txBody>
-      </p:sp>
-      <p:pic>
-        <p:nvPicPr>
-          <p:cNvPr id="5" name="Picture 4" descr="iLean.jpg"/>
-          <p:cNvPicPr>
-            <a:picLocks noChangeAspect="1"/>
-          </p:cNvPicPr>
-          <p:nvPr/>
-        </p:nvPicPr>
-        <p:blipFill>
-          <a:blip r:embed="rId8"/>
-          <a:stretch>
-            <a:fillRect/>
-          </a:stretch>
-        </p:blipFill>
-        <p:spPr>
-          <a:xfrm>
-            <a:off x="5143504" y="1428736"/>
-            <a:ext cx="1028700" cy="704850"/>
-          </a:xfrm>
-          <a:prstGeom prst="rect">
-            <a:avLst/>
-          </a:prstGeom>
-        </p:spPr>
-      </p:pic>
-      <p:pic>
-        <p:nvPicPr>
-          <p:cNvPr id="6" name="Picture 5" descr="Ihc.png"/>
-          <p:cNvPicPr>
-            <a:picLocks noChangeAspect="1"/>
-          </p:cNvPicPr>
-          <p:nvPr/>
-        </p:nvPicPr>
-        <p:blipFill>
-          <a:blip r:embed="rId9"/>
-          <a:stretch>
-            <a:fillRect/>
-          </a:stretch>
-        </p:blipFill>
-        <p:spPr>
-          <a:xfrm>
-            <a:off x="5129217" y="3000372"/>
-            <a:ext cx="942981" cy="642942"/>
-          </a:xfrm>
-          <a:prstGeom prst="rect">
-            <a:avLst/>
-          </a:prstGeom>
-        </p:spPr>
-      </p:pic>
-      <p:pic>
-        <p:nvPicPr>
-          <p:cNvPr id="7" name="Picture 6" descr="linkedIn.png"/>
-          <p:cNvPicPr>
-            <a:picLocks noChangeAspect="1"/>
-          </p:cNvPicPr>
-          <p:nvPr/>
-        </p:nvPicPr>
-        <p:blipFill>
-          <a:blip r:embed="rId10"/>
-          <a:stretch>
-            <a:fillRect/>
-          </a:stretch>
-        </p:blipFill>
-        <p:spPr>
-          <a:xfrm>
-            <a:off x="1187366" y="2214554"/>
-            <a:ext cx="785818" cy="211312"/>
-          </a:xfrm>
-          <a:prstGeom prst="rect">
-            <a:avLst/>
-          </a:prstGeom>
-        </p:spPr>
-      </p:pic>
-      <p:pic>
-        <p:nvPicPr>
-          <p:cNvPr id="8" name="Picture 7" descr="linkedIn.png"/>
-          <p:cNvPicPr>
-            <a:picLocks noChangeAspect="1"/>
-          </p:cNvPicPr>
-          <p:nvPr/>
-        </p:nvPicPr>
-        <p:blipFill>
-          <a:blip r:embed="rId10"/>
-          <a:stretch>
-            <a:fillRect/>
-          </a:stretch>
-        </p:blipFill>
-        <p:spPr>
-          <a:xfrm>
-            <a:off x="1178902" y="3750264"/>
-            <a:ext cx="785818" cy="211312"/>
-          </a:xfrm>
-          <a:prstGeom prst="rect">
-            <a:avLst/>
-          </a:prstGeom>
-        </p:spPr>
-      </p:pic>
-    </p:spTree>
-  </p:cSld>
-  <p:clrMapOvr>
-    <a:masterClrMapping/>
-  </p:clrMapOvr>
-  <p:timing>
-    <p:tnLst>
-      <p:par>
-        <p:cTn id="1" dur="indefinite" restart="never" nodeType="tmRoot"/>
-      </p:par>
-    </p:tnLst>
-  </p:timing>
-</p:sld>
-</file>
-
-<file path=ppt/slides/slide3.xml><?xml version="1.0" encoding="utf-8"?>
-<p:sld xmlns:a="http://schemas.openxmlformats.org/drawingml/2006/main" xmlns:r="http://schemas.openxmlformats.org/officeDocument/2006/relationships" xmlns:p="http://schemas.openxmlformats.org/presentationml/2006/main">
-  <p:cSld>
-    <p:spTree>
-      <p:nvGrpSpPr>
-        <p:cNvPr id="1" name=""/>
-        <p:cNvGrpSpPr/>
-        <p:nvPr/>
-      </p:nvGrpSpPr>
-      <p:grpSpPr>
-        <a:xfrm>
-          <a:off x="0" y="0"/>
-          <a:ext cx="0" cy="0"/>
-          <a:chOff x="0" y="0"/>
-          <a:chExt cx="0" cy="0"/>
-        </a:xfrm>
-      </p:grpSpPr>
-      <p:sp>
-        <p:nvSpPr>
-          <p:cNvPr id="2" name="Content Placeholder 1"/>
-          <p:cNvSpPr>
-            <a:spLocks noGrp="1"/>
-          </p:cNvSpPr>
-          <p:nvPr>
-            <p:ph idx="1"/>
-          </p:nvPr>
-        </p:nvSpPr>
-        <p:spPr/>
-        <p:txBody>
-          <a:bodyPr/>
-          <a:lstStyle/>
-          <a:p>
-            <a:pPr>
-              <a:buNone/>
-            </a:pPr>
-            <a:r>
-              <a:rPr lang="nl-BE" dirty="0" smtClean="0"/>
-              <a:t>Mr W. Fall, CEO of BDUF Development:</a:t>
-            </a:r>
-          </a:p>
-          <a:p>
-            <a:pPr>
-              <a:buNone/>
-            </a:pPr>
-            <a:endParaRPr lang="nl-BE" dirty="0" smtClean="0"/>
-          </a:p>
-          <a:p>
-            <a:pPr>
-              <a:buNone/>
-            </a:pPr>
-            <a:r>
-              <a:rPr lang="nl-BE" i="1" dirty="0" smtClean="0"/>
-              <a:t>“Our developers are working 14 hours a day to get our latest project delivered on time.”</a:t>
-            </a:r>
-          </a:p>
-          <a:p>
-            <a:pPr>
-              <a:buNone/>
-            </a:pPr>
-            <a:endParaRPr lang="nl-BE" i="1" dirty="0" smtClean="0"/>
-          </a:p>
-          <a:p>
-            <a:pPr>
-              <a:buNone/>
-            </a:pPr>
-            <a:r>
-              <a:rPr lang="nl-BE" i="1" dirty="0" smtClean="0"/>
-              <a:t>“We need an application where they can order pizza’s, beverages, snacks,... as their evening lunch! So they can </a:t>
-            </a:r>
-            <a:r>
-              <a:rPr lang="nl-BE" i="1" smtClean="0"/>
-              <a:t>work longer</a:t>
-            </a:r>
-            <a:r>
-              <a:rPr lang="nl-BE" i="1" dirty="0" smtClean="0"/>
-              <a:t>!”   </a:t>
-            </a:r>
-          </a:p>
-        </p:txBody>
-      </p:sp>
-      <p:sp>
-        <p:nvSpPr>
-          <p:cNvPr id="3" name="Title 2"/>
-          <p:cNvSpPr>
-            <a:spLocks noGrp="1"/>
-          </p:cNvSpPr>
-          <p:nvPr>
-            <p:ph type="title"/>
-          </p:nvPr>
-        </p:nvSpPr>
-        <p:spPr/>
-        <p:txBody>
-          <a:bodyPr>
-            <a:normAutofit/>
-          </a:bodyPr>
-          <a:lstStyle/>
-          <a:p>
-            <a:r>
-              <a:rPr lang="nl-BE" dirty="0" smtClean="0"/>
-              <a:t>A wonderful opportunity</a:t>
-            </a:r>
-            <a:endParaRPr lang="nl-BE" dirty="0"/>
-          </a:p>
-        </p:txBody>
-      </p:sp>
-    </p:spTree>
-  </p:cSld>
-  <p:clrMapOvr>
-    <a:masterClrMapping/>
-  </p:clrMapOvr>
-  <p:timing>
-    <p:tnLst>
-      <p:par>
-        <p:cTn id="1" dur="indefinite" restart="never" nodeType="tmRoot"/>
-      </p:par>
-    </p:tnLst>
-  </p:timing>
-</p:sld>
-</file>
-
 <file path=ppt/slides/slide4.xml><?xml version="1.0" encoding="utf-8"?>
 <p:sld xmlns:a="http://schemas.openxmlformats.org/drawingml/2006/main" xmlns:r="http://schemas.openxmlformats.org/officeDocument/2006/relationships" xmlns:p="http://schemas.openxmlformats.org/presentationml/2006/main">
   <p:cSld>
@@ -8374,58 +9830,46 @@
         </p:nvSpPr>
         <p:spPr/>
         <p:txBody>
-          <a:bodyPr>
-            <a:normAutofit fontScale="92500" lnSpcReduction="10000"/>
-          </a:bodyPr>
+          <a:bodyPr/>
           <a:lstStyle/>
           <a:p>
+            <a:pPr>
+              <a:buNone/>
+            </a:pPr>
             <a:r>
               <a:rPr lang="nl-BE" dirty="0" smtClean="0"/>
-              <a:t>We agree with Mr W. Fall to make a very basic implementation and put it into production as soon as possible.</a:t>
-            </a:r>
-          </a:p>
-          <a:p>
-            <a:pPr lvl="1">
+              <a:t>Mr W. Fall, CEO of BDUF Development:</a:t>
+            </a:r>
+          </a:p>
+          <a:p>
+            <a:pPr>
               <a:buNone/>
             </a:pPr>
             <a:endParaRPr lang="nl-BE" dirty="0" smtClean="0"/>
           </a:p>
           <a:p>
-            <a:r>
-              <a:rPr lang="nl-BE" dirty="0" smtClean="0"/>
-              <a:t>We define a product backlog with estimated user stories for planning purposes.</a:t>
-            </a:r>
-          </a:p>
-          <a:p>
-            <a:endParaRPr lang="nl-BE" dirty="0" smtClean="0"/>
-          </a:p>
-          <a:p>
-            <a:r>
-              <a:rPr lang="nl-BE" dirty="0" smtClean="0"/>
-              <a:t>We prioritize the product backlog together with Mr W. Fall.</a:t>
-            </a:r>
-          </a:p>
-          <a:p>
-            <a:endParaRPr lang="nl-BE" dirty="0" smtClean="0"/>
-          </a:p>
-          <a:p>
-            <a:r>
-              <a:rPr lang="nl-BE" dirty="0" smtClean="0"/>
-              <a:t>An agreement is made to develop following user stories in the first iteration of 2 weeks:</a:t>
-            </a:r>
-          </a:p>
-          <a:p>
-            <a:endParaRPr lang="nl-BE" dirty="0" smtClean="0"/>
-          </a:p>
-          <a:p>
-            <a:endParaRPr lang="nl-BE" dirty="0" smtClean="0"/>
-          </a:p>
-          <a:p>
-            <a:pPr lvl="1"/>
-            <a:endParaRPr lang="nl-BE" dirty="0" smtClean="0"/>
-          </a:p>
-          <a:p>
-            <a:endParaRPr lang="nl-BE" dirty="0" smtClean="0"/>
+            <a:pPr>
+              <a:buNone/>
+            </a:pPr>
+            <a:r>
+              <a:rPr lang="nl-BE" i="1" dirty="0" smtClean="0"/>
+              <a:t>“Our developers are working 14 hours a day to get our latest project delivered on time.”</a:t>
+            </a:r>
+          </a:p>
+          <a:p>
+            <a:pPr>
+              <a:buNone/>
+            </a:pPr>
+            <a:endParaRPr lang="nl-BE" i="1" dirty="0" smtClean="0"/>
+          </a:p>
+          <a:p>
+            <a:pPr>
+              <a:buNone/>
+            </a:pPr>
+            <a:r>
+              <a:rPr lang="nl-BE" i="1" dirty="0" smtClean="0"/>
+              <a:t>“We need an application where they can order pizza’s, beverages, snacks,... as their evening lunch! So they can work longer!”   </a:t>
+            </a:r>
           </a:p>
         </p:txBody>
       </p:sp>
@@ -8448,7 +9892,7 @@
           <a:p>
             <a:r>
               <a:rPr lang="nl-BE" dirty="0" smtClean="0"/>
-              <a:t>An agile Approach</a:t>
+              <a:t>A wonderful opportunity</a:t>
             </a:r>
             <a:endParaRPr lang="nl-BE" dirty="0"/>
           </a:p>
@@ -8462,14 +9906,536 @@
   <p:timing>
     <p:tnLst>
       <p:par>
-        <p:cTn id="1" dur="indefinite" restart="never" nodeType="tmRoot"/>
+        <p:cTn id="1" dur="indefinite" restart="never" nodeType="tmRoot">
+          <p:childTnLst>
+            <p:seq concurrent="1" nextAc="seek">
+              <p:cTn id="2" dur="indefinite" nodeType="mainSeq">
+                <p:childTnLst>
+                  <p:par>
+                    <p:cTn id="3" fill="hold">
+                      <p:stCondLst>
+                        <p:cond delay="indefinite"/>
+                        <p:cond evt="onBegin" delay="0">
+                          <p:tn val="2"/>
+                        </p:cond>
+                      </p:stCondLst>
+                      <p:childTnLst>
+                        <p:par>
+                          <p:cTn id="4" fill="hold">
+                            <p:stCondLst>
+                              <p:cond delay="0"/>
+                            </p:stCondLst>
+                            <p:childTnLst>
+                              <p:par>
+                                <p:cTn id="5" presetID="1" presetClass="entr" presetSubtype="0" fill="hold" grpId="0" nodeType="withEffect">
+                                  <p:stCondLst>
+                                    <p:cond delay="0"/>
+                                  </p:stCondLst>
+                                  <p:childTnLst>
+                                    <p:set>
+                                      <p:cBhvr>
+                                        <p:cTn id="6" dur="1" fill="hold">
+                                          <p:stCondLst>
+                                            <p:cond delay="0"/>
+                                          </p:stCondLst>
+                                        </p:cTn>
+                                        <p:tgtEl>
+                                          <p:spTgt spid="2">
+                                            <p:txEl>
+                                              <p:pRg st="0" end="0"/>
+                                            </p:txEl>
+                                          </p:spTgt>
+                                        </p:tgtEl>
+                                        <p:attrNameLst>
+                                          <p:attrName>style.visibility</p:attrName>
+                                        </p:attrNameLst>
+                                      </p:cBhvr>
+                                      <p:to>
+                                        <p:strVal val="visible"/>
+                                      </p:to>
+                                    </p:set>
+                                  </p:childTnLst>
+                                </p:cTn>
+                              </p:par>
+                            </p:childTnLst>
+                          </p:cTn>
+                        </p:par>
+                      </p:childTnLst>
+                    </p:cTn>
+                  </p:par>
+                  <p:par>
+                    <p:cTn id="7" fill="hold">
+                      <p:stCondLst>
+                        <p:cond delay="indefinite"/>
+                      </p:stCondLst>
+                      <p:childTnLst>
+                        <p:par>
+                          <p:cTn id="8" fill="hold">
+                            <p:stCondLst>
+                              <p:cond delay="0"/>
+                            </p:stCondLst>
+                            <p:childTnLst>
+                              <p:par>
+                                <p:cTn id="9" presetID="1" presetClass="entr" presetSubtype="0" fill="hold" grpId="0" nodeType="clickEffect">
+                                  <p:stCondLst>
+                                    <p:cond delay="0"/>
+                                  </p:stCondLst>
+                                  <p:childTnLst>
+                                    <p:set>
+                                      <p:cBhvr>
+                                        <p:cTn id="10" dur="1" fill="hold">
+                                          <p:stCondLst>
+                                            <p:cond delay="0"/>
+                                          </p:stCondLst>
+                                        </p:cTn>
+                                        <p:tgtEl>
+                                          <p:spTgt spid="2">
+                                            <p:txEl>
+                                              <p:pRg st="2" end="2"/>
+                                            </p:txEl>
+                                          </p:spTgt>
+                                        </p:tgtEl>
+                                        <p:attrNameLst>
+                                          <p:attrName>style.visibility</p:attrName>
+                                        </p:attrNameLst>
+                                      </p:cBhvr>
+                                      <p:to>
+                                        <p:strVal val="visible"/>
+                                      </p:to>
+                                    </p:set>
+                                  </p:childTnLst>
+                                </p:cTn>
+                              </p:par>
+                            </p:childTnLst>
+                          </p:cTn>
+                        </p:par>
+                      </p:childTnLst>
+                    </p:cTn>
+                  </p:par>
+                  <p:par>
+                    <p:cTn id="11" fill="hold">
+                      <p:stCondLst>
+                        <p:cond delay="indefinite"/>
+                      </p:stCondLst>
+                      <p:childTnLst>
+                        <p:par>
+                          <p:cTn id="12" fill="hold">
+                            <p:stCondLst>
+                              <p:cond delay="0"/>
+                            </p:stCondLst>
+                            <p:childTnLst>
+                              <p:par>
+                                <p:cTn id="13" presetID="1" presetClass="entr" presetSubtype="0" fill="hold" grpId="0" nodeType="clickEffect">
+                                  <p:stCondLst>
+                                    <p:cond delay="0"/>
+                                  </p:stCondLst>
+                                  <p:childTnLst>
+                                    <p:set>
+                                      <p:cBhvr>
+                                        <p:cTn id="14" dur="1" fill="hold">
+                                          <p:stCondLst>
+                                            <p:cond delay="0"/>
+                                          </p:stCondLst>
+                                        </p:cTn>
+                                        <p:tgtEl>
+                                          <p:spTgt spid="2">
+                                            <p:txEl>
+                                              <p:pRg st="4" end="4"/>
+                                            </p:txEl>
+                                          </p:spTgt>
+                                        </p:tgtEl>
+                                        <p:attrNameLst>
+                                          <p:attrName>style.visibility</p:attrName>
+                                        </p:attrNameLst>
+                                      </p:cBhvr>
+                                      <p:to>
+                                        <p:strVal val="visible"/>
+                                      </p:to>
+                                    </p:set>
+                                  </p:childTnLst>
+                                </p:cTn>
+                              </p:par>
+                            </p:childTnLst>
+                          </p:cTn>
+                        </p:par>
+                      </p:childTnLst>
+                    </p:cTn>
+                  </p:par>
+                </p:childTnLst>
+              </p:cTn>
+              <p:prevCondLst>
+                <p:cond evt="onPrev" delay="0">
+                  <p:tgtEl>
+                    <p:sldTgt/>
+                  </p:tgtEl>
+                </p:cond>
+              </p:prevCondLst>
+              <p:nextCondLst>
+                <p:cond evt="onNext" delay="0">
+                  <p:tgtEl>
+                    <p:sldTgt/>
+                  </p:tgtEl>
+                </p:cond>
+              </p:nextCondLst>
+            </p:seq>
+          </p:childTnLst>
+        </p:cTn>
       </p:par>
     </p:tnLst>
+    <p:bldLst>
+      <p:bldP spid="2" grpId="0" uiExpand="1" build="p"/>
+    </p:bldLst>
   </p:timing>
 </p:sld>
 </file>
 
 <file path=ppt/slides/slide5.xml><?xml version="1.0" encoding="utf-8"?>
+<p:sld xmlns:a="http://schemas.openxmlformats.org/drawingml/2006/main" xmlns:r="http://schemas.openxmlformats.org/officeDocument/2006/relationships" xmlns:p="http://schemas.openxmlformats.org/presentationml/2006/main">
+  <p:cSld>
+    <p:spTree>
+      <p:nvGrpSpPr>
+        <p:cNvPr id="1" name=""/>
+        <p:cNvGrpSpPr/>
+        <p:nvPr/>
+      </p:nvGrpSpPr>
+      <p:grpSpPr>
+        <a:xfrm>
+          <a:off x="0" y="0"/>
+          <a:ext cx="0" cy="0"/>
+          <a:chOff x="0" y="0"/>
+          <a:chExt cx="0" cy="0"/>
+        </a:xfrm>
+      </p:grpSpPr>
+      <p:sp>
+        <p:nvSpPr>
+          <p:cNvPr id="2" name="Content Placeholder 1"/>
+          <p:cNvSpPr>
+            <a:spLocks noGrp="1"/>
+          </p:cNvSpPr>
+          <p:nvPr>
+            <p:ph idx="1"/>
+          </p:nvPr>
+        </p:nvSpPr>
+        <p:spPr/>
+        <p:txBody>
+          <a:bodyPr>
+            <a:normAutofit fontScale="92500" lnSpcReduction="10000"/>
+          </a:bodyPr>
+          <a:lstStyle/>
+          <a:p>
+            <a:r>
+              <a:rPr lang="nl-BE" dirty="0" smtClean="0"/>
+              <a:t>We agree with Mr W. Fall to make a very basic implementation and put it into production as soon as possible.</a:t>
+            </a:r>
+          </a:p>
+          <a:p>
+            <a:pPr lvl="1">
+              <a:buNone/>
+            </a:pPr>
+            <a:endParaRPr lang="nl-BE" dirty="0" smtClean="0"/>
+          </a:p>
+          <a:p>
+            <a:r>
+              <a:rPr lang="nl-BE" dirty="0" smtClean="0"/>
+              <a:t>We define a product backlog with estimated user stories for planning purposes.</a:t>
+            </a:r>
+          </a:p>
+          <a:p>
+            <a:endParaRPr lang="nl-BE" dirty="0" smtClean="0"/>
+          </a:p>
+          <a:p>
+            <a:r>
+              <a:rPr lang="nl-BE" dirty="0" smtClean="0"/>
+              <a:t>We prioritize the product backlog together with Mr W. Fall.</a:t>
+            </a:r>
+          </a:p>
+          <a:p>
+            <a:endParaRPr lang="nl-BE" dirty="0" smtClean="0"/>
+          </a:p>
+          <a:p>
+            <a:r>
+              <a:rPr lang="nl-BE" dirty="0" smtClean="0"/>
+              <a:t>An agreement is made to develop following user stories in the first iteration of 2 weeks:</a:t>
+            </a:r>
+          </a:p>
+          <a:p>
+            <a:endParaRPr lang="nl-BE" dirty="0" smtClean="0"/>
+          </a:p>
+          <a:p>
+            <a:endParaRPr lang="nl-BE" dirty="0" smtClean="0"/>
+          </a:p>
+          <a:p>
+            <a:pPr lvl="1"/>
+            <a:endParaRPr lang="nl-BE" dirty="0" smtClean="0"/>
+          </a:p>
+          <a:p>
+            <a:endParaRPr lang="nl-BE" dirty="0" smtClean="0"/>
+          </a:p>
+        </p:txBody>
+      </p:sp>
+      <p:sp>
+        <p:nvSpPr>
+          <p:cNvPr id="3" name="Title 2"/>
+          <p:cNvSpPr>
+            <a:spLocks noGrp="1"/>
+          </p:cNvSpPr>
+          <p:nvPr>
+            <p:ph type="title"/>
+          </p:nvPr>
+        </p:nvSpPr>
+        <p:spPr/>
+        <p:txBody>
+          <a:bodyPr>
+            <a:normAutofit/>
+          </a:bodyPr>
+          <a:lstStyle/>
+          <a:p>
+            <a:r>
+              <a:rPr lang="nl-BE" dirty="0" smtClean="0"/>
+              <a:t>An agile Approach</a:t>
+            </a:r>
+            <a:endParaRPr lang="nl-BE" dirty="0"/>
+          </a:p>
+        </p:txBody>
+      </p:sp>
+    </p:spTree>
+  </p:cSld>
+  <p:clrMapOvr>
+    <a:masterClrMapping/>
+  </p:clrMapOvr>
+  <p:timing>
+    <p:tnLst>
+      <p:par>
+        <p:cTn id="1" dur="indefinite" restart="never" nodeType="tmRoot">
+          <p:childTnLst>
+            <p:seq concurrent="1" nextAc="seek">
+              <p:cTn id="2" dur="indefinite" nodeType="mainSeq">
+                <p:childTnLst>
+                  <p:par>
+                    <p:cTn id="3" fill="hold">
+                      <p:stCondLst>
+                        <p:cond delay="indefinite"/>
+                      </p:stCondLst>
+                      <p:childTnLst>
+                        <p:par>
+                          <p:cTn id="4" fill="hold">
+                            <p:stCondLst>
+                              <p:cond delay="0"/>
+                            </p:stCondLst>
+                            <p:childTnLst>
+                              <p:par>
+                                <p:cTn id="5" presetID="1" presetClass="entr" presetSubtype="0" fill="hold" grpId="0" nodeType="clickEffect">
+                                  <p:stCondLst>
+                                    <p:cond delay="0"/>
+                                  </p:stCondLst>
+                                  <p:childTnLst>
+                                    <p:set>
+                                      <p:cBhvr>
+                                        <p:cTn id="6" dur="1" fill="hold">
+                                          <p:stCondLst>
+                                            <p:cond delay="0"/>
+                                          </p:stCondLst>
+                                        </p:cTn>
+                                        <p:tgtEl>
+                                          <p:spTgt spid="2">
+                                            <p:txEl>
+                                              <p:pRg st="0" end="0"/>
+                                            </p:txEl>
+                                          </p:spTgt>
+                                        </p:tgtEl>
+                                        <p:attrNameLst>
+                                          <p:attrName>style.visibility</p:attrName>
+                                        </p:attrNameLst>
+                                      </p:cBhvr>
+                                      <p:to>
+                                        <p:strVal val="visible"/>
+                                      </p:to>
+                                    </p:set>
+                                  </p:childTnLst>
+                                </p:cTn>
+                              </p:par>
+                            </p:childTnLst>
+                          </p:cTn>
+                        </p:par>
+                      </p:childTnLst>
+                    </p:cTn>
+                  </p:par>
+                  <p:par>
+                    <p:cTn id="7" fill="hold">
+                      <p:stCondLst>
+                        <p:cond delay="indefinite"/>
+                      </p:stCondLst>
+                      <p:childTnLst>
+                        <p:par>
+                          <p:cTn id="8" fill="hold">
+                            <p:stCondLst>
+                              <p:cond delay="0"/>
+                            </p:stCondLst>
+                            <p:childTnLst>
+                              <p:par>
+                                <p:cTn id="9" presetID="1" presetClass="entr" presetSubtype="0" fill="hold" grpId="0" nodeType="clickEffect">
+                                  <p:stCondLst>
+                                    <p:cond delay="0"/>
+                                  </p:stCondLst>
+                                  <p:childTnLst>
+                                    <p:set>
+                                      <p:cBhvr>
+                                        <p:cTn id="10" dur="1" fill="hold">
+                                          <p:stCondLst>
+                                            <p:cond delay="0"/>
+                                          </p:stCondLst>
+                                        </p:cTn>
+                                        <p:tgtEl>
+                                          <p:spTgt spid="2">
+                                            <p:txEl>
+                                              <p:pRg st="2" end="2"/>
+                                            </p:txEl>
+                                          </p:spTgt>
+                                        </p:tgtEl>
+                                        <p:attrNameLst>
+                                          <p:attrName>style.visibility</p:attrName>
+                                        </p:attrNameLst>
+                                      </p:cBhvr>
+                                      <p:to>
+                                        <p:strVal val="visible"/>
+                                      </p:to>
+                                    </p:set>
+                                  </p:childTnLst>
+                                </p:cTn>
+                              </p:par>
+                            </p:childTnLst>
+                          </p:cTn>
+                        </p:par>
+                      </p:childTnLst>
+                    </p:cTn>
+                  </p:par>
+                  <p:par>
+                    <p:cTn id="11" fill="hold">
+                      <p:stCondLst>
+                        <p:cond delay="indefinite"/>
+                      </p:stCondLst>
+                      <p:childTnLst>
+                        <p:par>
+                          <p:cTn id="12" fill="hold">
+                            <p:stCondLst>
+                              <p:cond delay="0"/>
+                            </p:stCondLst>
+                            <p:childTnLst>
+                              <p:par>
+                                <p:cTn id="13" presetID="1" presetClass="entr" presetSubtype="0" fill="hold" grpId="0" nodeType="clickEffect">
+                                  <p:stCondLst>
+                                    <p:cond delay="0"/>
+                                  </p:stCondLst>
+                                  <p:childTnLst>
+                                    <p:set>
+                                      <p:cBhvr>
+                                        <p:cTn id="14" dur="1" fill="hold">
+                                          <p:stCondLst>
+                                            <p:cond delay="0"/>
+                                          </p:stCondLst>
+                                        </p:cTn>
+                                        <p:tgtEl>
+                                          <p:spTgt spid="2">
+                                            <p:txEl>
+                                              <p:pRg st="4" end="4"/>
+                                            </p:txEl>
+                                          </p:spTgt>
+                                        </p:tgtEl>
+                                        <p:attrNameLst>
+                                          <p:attrName>style.visibility</p:attrName>
+                                        </p:attrNameLst>
+                                      </p:cBhvr>
+                                      <p:to>
+                                        <p:strVal val="visible"/>
+                                      </p:to>
+                                    </p:set>
+                                  </p:childTnLst>
+                                </p:cTn>
+                              </p:par>
+                            </p:childTnLst>
+                          </p:cTn>
+                        </p:par>
+                      </p:childTnLst>
+                    </p:cTn>
+                  </p:par>
+                  <p:par>
+                    <p:cTn id="15" fill="hold">
+                      <p:stCondLst>
+                        <p:cond delay="indefinite"/>
+                      </p:stCondLst>
+                      <p:childTnLst>
+                        <p:par>
+                          <p:cTn id="16" fill="hold">
+                            <p:stCondLst>
+                              <p:cond delay="0"/>
+                            </p:stCondLst>
+                            <p:childTnLst>
+                              <p:par>
+                                <p:cTn id="17" presetID="1" presetClass="entr" presetSubtype="0" fill="hold" grpId="0" nodeType="clickEffect">
+                                  <p:stCondLst>
+                                    <p:cond delay="0"/>
+                                  </p:stCondLst>
+                                  <p:childTnLst>
+                                    <p:set>
+                                      <p:cBhvr>
+                                        <p:cTn id="18" dur="1" fill="hold">
+                                          <p:stCondLst>
+                                            <p:cond delay="0"/>
+                                          </p:stCondLst>
+                                        </p:cTn>
+                                        <p:tgtEl>
+                                          <p:spTgt spid="2">
+                                            <p:txEl>
+                                              <p:pRg st="6" end="6"/>
+                                            </p:txEl>
+                                          </p:spTgt>
+                                        </p:tgtEl>
+                                        <p:attrNameLst>
+                                          <p:attrName>style.visibility</p:attrName>
+                                        </p:attrNameLst>
+                                      </p:cBhvr>
+                                      <p:to>
+                                        <p:strVal val="visible"/>
+                                      </p:to>
+                                    </p:set>
+                                  </p:childTnLst>
+                                </p:cTn>
+                              </p:par>
+                            </p:childTnLst>
+                          </p:cTn>
+                        </p:par>
+                      </p:childTnLst>
+                    </p:cTn>
+                  </p:par>
+                </p:childTnLst>
+              </p:cTn>
+              <p:prevCondLst>
+                <p:cond evt="onPrev" delay="0">
+                  <p:tgtEl>
+                    <p:sldTgt/>
+                  </p:tgtEl>
+                </p:cond>
+              </p:prevCondLst>
+              <p:nextCondLst>
+                <p:cond evt="onNext" delay="0">
+                  <p:tgtEl>
+                    <p:sldTgt/>
+                  </p:tgtEl>
+                </p:cond>
+              </p:nextCondLst>
+            </p:seq>
+          </p:childTnLst>
+        </p:cTn>
+      </p:par>
+    </p:tnLst>
+    <p:bldLst>
+      <p:bldP spid="2" grpId="0" build="p"/>
+    </p:bldLst>
+  </p:timing>
+</p:sld>
+</file>
+
+<file path=ppt/slides/slide6.xml><?xml version="1.0" encoding="utf-8"?>
 <p:sld xmlns:a="http://schemas.openxmlformats.org/drawingml/2006/main" xmlns:r="http://schemas.openxmlformats.org/officeDocument/2006/relationships" xmlns:p="http://schemas.openxmlformats.org/presentationml/2006/main">
   <p:cSld>
     <p:spTree>
@@ -8574,7 +10540,7 @@
 </p:sld>
 </file>
 
-<file path=ppt/slides/slide6.xml><?xml version="1.0" encoding="utf-8"?>
+<file path=ppt/slides/slide7.xml><?xml version="1.0" encoding="utf-8"?>
 <p:sld xmlns:a="http://schemas.openxmlformats.org/drawingml/2006/main" xmlns:r="http://schemas.openxmlformats.org/officeDocument/2006/relationships" xmlns:p="http://schemas.openxmlformats.org/presentationml/2006/main">
   <p:cSld>
     <p:spTree>
@@ -8679,161 +10645,6 @@
 </p:sld>
 </file>
 
-<file path=ppt/slides/slide7.xml><?xml version="1.0" encoding="utf-8"?>
-<p:sld xmlns:a="http://schemas.openxmlformats.org/drawingml/2006/main" xmlns:r="http://schemas.openxmlformats.org/officeDocument/2006/relationships" xmlns:p="http://schemas.openxmlformats.org/presentationml/2006/main">
-  <p:cSld>
-    <p:spTree>
-      <p:nvGrpSpPr>
-        <p:cNvPr id="1" name=""/>
-        <p:cNvGrpSpPr/>
-        <p:nvPr/>
-      </p:nvGrpSpPr>
-      <p:grpSpPr>
-        <a:xfrm>
-          <a:off x="0" y="0"/>
-          <a:ext cx="0" cy="0"/>
-          <a:chOff x="0" y="0"/>
-          <a:chExt cx="0" cy="0"/>
-        </a:xfrm>
-      </p:grpSpPr>
-      <p:sp>
-        <p:nvSpPr>
-          <p:cNvPr id="2" name="Content Placeholder 1"/>
-          <p:cNvSpPr>
-            <a:spLocks noGrp="1"/>
-          </p:cNvSpPr>
-          <p:nvPr>
-            <p:ph idx="1"/>
-          </p:nvPr>
-        </p:nvSpPr>
-        <p:spPr/>
-        <p:txBody>
-          <a:bodyPr>
-            <a:normAutofit fontScale="92500" lnSpcReduction="10000"/>
-          </a:bodyPr>
-          <a:lstStyle/>
-          <a:p>
-            <a:r>
-              <a:rPr lang="nl-BE" u="sng" dirty="0" smtClean="0"/>
-              <a:t>Goal:</a:t>
-            </a:r>
-            <a:r>
-              <a:rPr lang="nl-BE" dirty="0" smtClean="0"/>
-              <a:t> Nail down the scope of the user story with real world examples, which we all agree on.</a:t>
-            </a:r>
-          </a:p>
-          <a:p>
-            <a:endParaRPr lang="nl-BE" dirty="0" smtClean="0"/>
-          </a:p>
-          <a:p>
-            <a:r>
-              <a:rPr lang="nl-BE" dirty="0" smtClean="0"/>
-              <a:t>Collaborate in groups of 5 people to:</a:t>
-            </a:r>
-          </a:p>
-          <a:p>
-            <a:pPr lvl="1"/>
-            <a:r>
-              <a:rPr lang="nl-BE" dirty="0" smtClean="0"/>
-              <a:t>Specify real world examples for the first user story</a:t>
-            </a:r>
-          </a:p>
-          <a:p>
-            <a:pPr lvl="1"/>
-            <a:endParaRPr lang="nl-BE" dirty="0" smtClean="0"/>
-          </a:p>
-          <a:p>
-            <a:r>
-              <a:rPr lang="nl-BE" dirty="0" smtClean="0"/>
-              <a:t>Some tips:</a:t>
-            </a:r>
-          </a:p>
-          <a:p>
-            <a:pPr lvl="1"/>
-            <a:r>
-              <a:rPr lang="nl-BE" dirty="0" smtClean="0"/>
-              <a:t>Involve the whole team</a:t>
-            </a:r>
-          </a:p>
-          <a:p>
-            <a:pPr lvl="1"/>
-            <a:r>
-              <a:rPr lang="nl-BE" dirty="0" smtClean="0"/>
-              <a:t>Don’t over complicate things</a:t>
-            </a:r>
-          </a:p>
-          <a:p>
-            <a:pPr lvl="1"/>
-            <a:r>
-              <a:rPr lang="en-US" dirty="0" smtClean="0"/>
-              <a:t>Also identify edge cases and negative paths</a:t>
-            </a:r>
-          </a:p>
-          <a:p>
-            <a:pPr lvl="1"/>
-            <a:r>
-              <a:rPr lang="en-US" dirty="0" smtClean="0"/>
-              <a:t>Stay focused on the user story</a:t>
-            </a:r>
-          </a:p>
-          <a:p>
-            <a:pPr lvl="1"/>
-            <a:r>
-              <a:rPr lang="nl-BE" dirty="0" smtClean="0"/>
-              <a:t>Describe what, not how</a:t>
-            </a:r>
-          </a:p>
-          <a:p>
-            <a:pPr>
-              <a:buNone/>
-            </a:pPr>
-            <a:endParaRPr lang="nl-BE" dirty="0" smtClean="0"/>
-          </a:p>
-          <a:p>
-            <a:endParaRPr lang="nl-BE" dirty="0" smtClean="0"/>
-          </a:p>
-        </p:txBody>
-      </p:sp>
-      <p:sp>
-        <p:nvSpPr>
-          <p:cNvPr id="3" name="Title 2"/>
-          <p:cNvSpPr>
-            <a:spLocks noGrp="1"/>
-          </p:cNvSpPr>
-          <p:nvPr>
-            <p:ph type="title"/>
-          </p:nvPr>
-        </p:nvSpPr>
-        <p:spPr/>
-        <p:txBody>
-          <a:bodyPr>
-            <a:normAutofit/>
-          </a:bodyPr>
-          <a:lstStyle/>
-          <a:p>
-            <a:r>
-              <a:rPr lang="nl-BE" dirty="0" smtClean="0"/>
-              <a:t>Specification Workshop (10’)</a:t>
-            </a:r>
-            <a:endParaRPr lang="nl-BE" dirty="0"/>
-          </a:p>
-        </p:txBody>
-      </p:sp>
-    </p:spTree>
-  </p:cSld>
-  <p:clrMapOvr>
-    <a:masterClrMapping/>
-  </p:clrMapOvr>
-  <p:timing>
-    <p:tnLst>
-      <p:par>
-        <p:cTn id="1" dur="indefinite" restart="never" nodeType="tmRoot"/>
-      </p:par>
-    </p:tnLst>
-  </p:timing>
-</p:sld>
-</file>
-
 <file path=ppt/slides/slide8.xml><?xml version="1.0" encoding="utf-8"?>
 <p:sld xmlns:a="http://schemas.openxmlformats.org/drawingml/2006/main" xmlns:r="http://schemas.openxmlformats.org/officeDocument/2006/relationships" xmlns:p="http://schemas.openxmlformats.org/presentationml/2006/main">
   <p:cSld>
@@ -8853,81 +10664,6 @@
       </p:grpSpPr>
       <p:sp>
         <p:nvSpPr>
-          <p:cNvPr id="2" name="Content Placeholder 1"/>
-          <p:cNvSpPr>
-            <a:spLocks noGrp="1"/>
-          </p:cNvSpPr>
-          <p:nvPr>
-            <p:ph idx="1"/>
-          </p:nvPr>
-        </p:nvSpPr>
-        <p:spPr/>
-        <p:txBody>
-          <a:bodyPr>
-            <a:normAutofit lnSpcReduction="10000"/>
-          </a:bodyPr>
-          <a:lstStyle/>
-          <a:p>
-            <a:r>
-              <a:rPr lang="en-US" dirty="0" smtClean="0"/>
-              <a:t>Realistic examples make us think harder</a:t>
-            </a:r>
-            <a:endParaRPr lang="nl-BE" dirty="0" smtClean="0"/>
-          </a:p>
-          <a:p>
-            <a:endParaRPr lang="nl-BE" dirty="0" smtClean="0"/>
-          </a:p>
-          <a:p>
-            <a:r>
-              <a:rPr lang="en-US" b="1" dirty="0" smtClean="0"/>
-              <a:t>Customers</a:t>
-            </a:r>
-            <a:r>
-              <a:rPr lang="en-US" dirty="0" smtClean="0"/>
-              <a:t> or functional analysts typically think about the happy path</a:t>
-            </a:r>
-            <a:endParaRPr lang="nl-BE" dirty="0" smtClean="0"/>
-          </a:p>
-          <a:p>
-            <a:pPr lvl="1"/>
-            <a:endParaRPr lang="nl-BE" dirty="0" smtClean="0"/>
-          </a:p>
-          <a:p>
-            <a:r>
-              <a:rPr lang="en-US" b="1" dirty="0" smtClean="0"/>
-              <a:t>Developers</a:t>
-            </a:r>
-            <a:r>
-              <a:rPr lang="en-US" dirty="0" smtClean="0"/>
-              <a:t> focus on edge cases and alternative scenarios</a:t>
-            </a:r>
-          </a:p>
-          <a:p>
-            <a:endParaRPr lang="en-US" dirty="0" smtClean="0"/>
-          </a:p>
-          <a:p>
-            <a:r>
-              <a:rPr lang="en-US" b="1" dirty="0" smtClean="0"/>
-              <a:t>Testers</a:t>
-            </a:r>
-            <a:r>
-              <a:rPr lang="en-US" dirty="0" smtClean="0"/>
-              <a:t> want to break / cheat the system</a:t>
-            </a:r>
-          </a:p>
-          <a:p>
-            <a:endParaRPr lang="en-US" dirty="0" smtClean="0"/>
-          </a:p>
-          <a:p>
-            <a:r>
-              <a:rPr lang="nl-BE" i="1" dirty="0" smtClean="0"/>
-              <a:t>So, Involve the whole team!</a:t>
-            </a:r>
-          </a:p>
-        </p:txBody>
-      </p:sp>
-      <p:sp>
-        <p:nvSpPr>
           <p:cNvPr id="3" name="Title 2"/>
           <p:cNvSpPr>
             <a:spLocks noGrp="1"/>
@@ -8945,12 +10681,118 @@
           <a:p>
             <a:r>
               <a:rPr lang="nl-BE" dirty="0" smtClean="0"/>
-              <a:t>Did you notice?</a:t>
+              <a:t>Manage Users &amp; Credits</a:t>
             </a:r>
             <a:endParaRPr lang="nl-BE" dirty="0"/>
           </a:p>
         </p:txBody>
       </p:sp>
+      <p:pic>
+        <p:nvPicPr>
+          <p:cNvPr id="1027" name="Picture 3"/>
+          <p:cNvPicPr>
+            <a:picLocks noChangeAspect="1" noChangeArrowheads="1"/>
+          </p:cNvPicPr>
+          <p:nvPr/>
+        </p:nvPicPr>
+        <p:blipFill>
+          <a:blip r:embed="rId3"/>
+          <a:srcRect/>
+          <a:stretch>
+            <a:fillRect/>
+          </a:stretch>
+        </p:blipFill>
+        <p:spPr bwMode="auto">
+          <a:xfrm>
+            <a:off x="142844" y="1285860"/>
+            <a:ext cx="3781425" cy="3571875"/>
+          </a:xfrm>
+          <a:prstGeom prst="rect">
+            <a:avLst/>
+          </a:prstGeom>
+          <a:noFill/>
+          <a:ln w="9525">
+            <a:noFill/>
+            <a:miter lim="800000"/>
+            <a:headEnd/>
+            <a:tailEnd/>
+          </a:ln>
+          <a:effectLst/>
+        </p:spPr>
+      </p:pic>
+      <p:sp>
+        <p:nvSpPr>
+          <p:cNvPr id="8" name="Right Arrow 7"/>
+          <p:cNvSpPr/>
+          <p:nvPr/>
+        </p:nvSpPr>
+        <p:spPr>
+          <a:xfrm rot="2643152">
+            <a:off x="4138333" y="2315835"/>
+            <a:ext cx="785818" cy="714380"/>
+          </a:xfrm>
+          <a:prstGeom prst="rightArrow">
+            <a:avLst/>
+          </a:prstGeom>
+        </p:spPr>
+        <p:style>
+          <a:lnRef idx="2">
+            <a:schemeClr val="accent1">
+              <a:shade val="50000"/>
+            </a:schemeClr>
+          </a:lnRef>
+          <a:fillRef idx="1">
+            <a:schemeClr val="accent1"/>
+          </a:fillRef>
+          <a:effectRef idx="0">
+            <a:schemeClr val="accent1"/>
+          </a:effectRef>
+          <a:fontRef idx="minor">
+            <a:schemeClr val="lt1"/>
+          </a:fontRef>
+        </p:style>
+        <p:txBody>
+          <a:bodyPr rtlCol="0" anchor="ctr"/>
+          <a:lstStyle/>
+          <a:p>
+            <a:pPr algn="ctr"/>
+            <a:endParaRPr lang="nl-BE"/>
+          </a:p>
+        </p:txBody>
+      </p:sp>
+      <p:pic>
+        <p:nvPicPr>
+          <p:cNvPr id="1029" name="Picture 5"/>
+          <p:cNvPicPr>
+            <a:picLocks noChangeAspect="1" noChangeArrowheads="1"/>
+          </p:cNvPicPr>
+          <p:nvPr/>
+        </p:nvPicPr>
+        <p:blipFill>
+          <a:blip r:embed="rId4"/>
+          <a:srcRect/>
+          <a:stretch>
+            <a:fillRect/>
+          </a:stretch>
+        </p:blipFill>
+        <p:spPr bwMode="auto">
+          <a:xfrm>
+            <a:off x="4143372" y="3143248"/>
+            <a:ext cx="4838700" cy="3543300"/>
+          </a:xfrm>
+          <a:prstGeom prst="rect">
+            <a:avLst/>
+          </a:prstGeom>
+          <a:noFill/>
+          <a:ln w="9525">
+            <a:noFill/>
+            <a:miter lim="800000"/>
+            <a:headEnd/>
+            <a:tailEnd/>
+          </a:ln>
+          <a:effectLst/>
+        </p:spPr>
+      </p:pic>
     </p:spTree>
   </p:cSld>
   <p:clrMapOvr>
@@ -8959,9 +10801,170 @@
   <p:timing>
     <p:tnLst>
       <p:par>
-        <p:cTn id="1" dur="indefinite" restart="never" nodeType="tmRoot"/>
+        <p:cTn id="1" dur="indefinite" restart="never" nodeType="tmRoot">
+          <p:childTnLst>
+            <p:seq concurrent="1" nextAc="seek">
+              <p:cTn id="2" dur="indefinite" nodeType="mainSeq">
+                <p:childTnLst>
+                  <p:par>
+                    <p:cTn id="3" fill="hold">
+                      <p:stCondLst>
+                        <p:cond delay="indefinite"/>
+                      </p:stCondLst>
+                      <p:childTnLst>
+                        <p:par>
+                          <p:cTn id="4" fill="hold">
+                            <p:stCondLst>
+                              <p:cond delay="0"/>
+                            </p:stCondLst>
+                            <p:childTnLst>
+                              <p:par>
+                                <p:cTn id="5" presetID="1" presetClass="entr" presetSubtype="0" fill="hold" nodeType="clickEffect">
+                                  <p:stCondLst>
+                                    <p:cond delay="0"/>
+                                  </p:stCondLst>
+                                  <p:childTnLst>
+                                    <p:set>
+                                      <p:cBhvr>
+                                        <p:cTn id="6" dur="1" fill="hold">
+                                          <p:stCondLst>
+                                            <p:cond delay="0"/>
+                                          </p:stCondLst>
+                                        </p:cTn>
+                                        <p:tgtEl>
+                                          <p:spTgt spid="1027"/>
+                                        </p:tgtEl>
+                                        <p:attrNameLst>
+                                          <p:attrName>style.visibility</p:attrName>
+                                        </p:attrNameLst>
+                                      </p:cBhvr>
+                                      <p:to>
+                                        <p:strVal val="visible"/>
+                                      </p:to>
+                                    </p:set>
+                                  </p:childTnLst>
+                                </p:cTn>
+                              </p:par>
+                            </p:childTnLst>
+                          </p:cTn>
+                        </p:par>
+                      </p:childTnLst>
+                    </p:cTn>
+                  </p:par>
+                  <p:par>
+                    <p:cTn id="7" fill="hold">
+                      <p:stCondLst>
+                        <p:cond delay="indefinite"/>
+                      </p:stCondLst>
+                      <p:childTnLst>
+                        <p:par>
+                          <p:cTn id="8" fill="hold">
+                            <p:stCondLst>
+                              <p:cond delay="0"/>
+                            </p:stCondLst>
+                            <p:childTnLst>
+                              <p:par>
+                                <p:cTn id="9" presetID="1" presetClass="entr" presetSubtype="0" fill="hold" grpId="0" nodeType="clickEffect">
+                                  <p:stCondLst>
+                                    <p:cond delay="0"/>
+                                  </p:stCondLst>
+                                  <p:childTnLst>
+                                    <p:set>
+                                      <p:cBhvr>
+                                        <p:cTn id="10" dur="1" fill="hold">
+                                          <p:stCondLst>
+                                            <p:cond delay="0"/>
+                                          </p:stCondLst>
+                                        </p:cTn>
+                                        <p:tgtEl>
+                                          <p:spTgt spid="8"/>
+                                        </p:tgtEl>
+                                        <p:attrNameLst>
+                                          <p:attrName>style.visibility</p:attrName>
+                                        </p:attrNameLst>
+                                      </p:cBhvr>
+                                      <p:to>
+                                        <p:strVal val="visible"/>
+                                      </p:to>
+                                    </p:set>
+                                  </p:childTnLst>
+                                </p:cTn>
+                              </p:par>
+                            </p:childTnLst>
+                          </p:cTn>
+                        </p:par>
+                      </p:childTnLst>
+                    </p:cTn>
+                  </p:par>
+                  <p:par>
+                    <p:cTn id="11" fill="hold">
+                      <p:stCondLst>
+                        <p:cond delay="indefinite"/>
+                      </p:stCondLst>
+                      <p:childTnLst>
+                        <p:par>
+                          <p:cTn id="12" fill="hold">
+                            <p:stCondLst>
+                              <p:cond delay="0"/>
+                            </p:stCondLst>
+                            <p:childTnLst>
+                              <p:par>
+                                <p:cTn id="13" presetID="1" presetClass="entr" presetSubtype="0" fill="hold" nodeType="clickEffect">
+                                  <p:stCondLst>
+                                    <p:cond delay="0"/>
+                                  </p:stCondLst>
+                                  <p:childTnLst>
+                                    <p:set>
+                                      <p:cBhvr>
+                                        <p:cTn id="14" dur="1" fill="hold">
+                                          <p:stCondLst>
+                                            <p:cond delay="0"/>
+                                          </p:stCondLst>
+                                        </p:cTn>
+                                        <p:tgtEl>
+                                          <p:spTgt spid="1029"/>
+                                        </p:tgtEl>
+                                        <p:attrNameLst>
+                                          <p:attrName>style.visibility</p:attrName>
+                                        </p:attrNameLst>
+                                      </p:cBhvr>
+                                      <p:to>
+                                        <p:strVal val="visible"/>
+                                      </p:to>
+                                    </p:set>
+                                  </p:childTnLst>
+                                </p:cTn>
+                              </p:par>
+                            </p:childTnLst>
+                          </p:cTn>
+                        </p:par>
+                      </p:childTnLst>
+                    </p:cTn>
+                  </p:par>
+                </p:childTnLst>
+              </p:cTn>
+              <p:prevCondLst>
+                <p:cond evt="onPrev" delay="0">
+                  <p:tgtEl>
+                    <p:sldTgt/>
+                  </p:tgtEl>
+                </p:cond>
+              </p:prevCondLst>
+              <p:nextCondLst>
+                <p:cond evt="onNext" delay="0">
+                  <p:tgtEl>
+                    <p:sldTgt/>
+                  </p:tgtEl>
+                </p:cond>
+              </p:nextCondLst>
+            </p:seq>
+          </p:childTnLst>
+        </p:cTn>
       </p:par>
     </p:tnLst>
+    <p:bldLst>
+      <p:bldP spid="8" grpId="0" animBg="1"/>
+    </p:bldLst>
   </p:timing>
 </p:sld>
 </file>
@@ -8985,12 +10988,12 @@
       </p:grpSpPr>
       <p:sp>
         <p:nvSpPr>
-          <p:cNvPr id="3" name="Content Placeholder 2"/>
-          <p:cNvSpPr>
-            <a:spLocks noGrp="1"/>
-          </p:cNvSpPr>
-          <p:nvPr>
-            <p:ph idx="1"/>
+          <p:cNvPr id="3" name="Title 2"/>
+          <p:cNvSpPr>
+            <a:spLocks noGrp="1"/>
+          </p:cNvSpPr>
+          <p:nvPr>
+            <p:ph type="title"/>
           </p:nvPr>
         </p:nvSpPr>
         <p:spPr/>
@@ -9002,70 +11005,115 @@
           <a:p>
             <a:r>
               <a:rPr lang="nl-BE" dirty="0" smtClean="0"/>
-              <a:t>Scope of the user story is nailed down</a:t>
-            </a:r>
-          </a:p>
-          <a:p>
-            <a:endParaRPr lang="nl-BE" dirty="0" smtClean="0"/>
-          </a:p>
-          <a:p>
-            <a:r>
-              <a:rPr lang="nl-BE" dirty="0" smtClean="0"/>
-              <a:t>We have real world examples how the user story should work</a:t>
-            </a:r>
-          </a:p>
-          <a:p>
-            <a:endParaRPr lang="nl-BE" dirty="0" smtClean="0"/>
-          </a:p>
-          <a:p>
-            <a:r>
-              <a:rPr lang="nl-BE" dirty="0" smtClean="0"/>
-              <a:t>Lets turn those examples into executable specifications to verify </a:t>
-            </a:r>
-            <a:r>
-              <a:rPr lang="nl-BE" smtClean="0"/>
-              <a:t>that </a:t>
-            </a:r>
-            <a:r>
-              <a:rPr lang="nl-BE" smtClean="0"/>
-              <a:t>we </a:t>
-            </a:r>
-            <a:r>
-              <a:rPr lang="nl-BE" dirty="0" smtClean="0"/>
-              <a:t>have build the wright code.</a:t>
-            </a:r>
-          </a:p>
-          <a:p>
-            <a:endParaRPr lang="nl-BE" dirty="0" smtClean="0"/>
-          </a:p>
-          <a:p>
-            <a:r>
-              <a:rPr lang="nl-BE" dirty="0" smtClean="0"/>
-              <a:t>Welcome Fitnesse!</a:t>
-            </a:r>
-          </a:p>
-        </p:txBody>
-      </p:sp>
-      <p:sp>
-        <p:nvSpPr>
-          <p:cNvPr id="2" name="Title 1"/>
-          <p:cNvSpPr>
-            <a:spLocks noGrp="1"/>
-          </p:cNvSpPr>
-          <p:nvPr>
-            <p:ph type="title"/>
-          </p:nvPr>
-        </p:nvSpPr>
-        <p:spPr/>
-        <p:txBody>
-          <a:bodyPr/>
+              <a:t>Order a snack &amp; show orders</a:t>
+            </a:r>
+            <a:endParaRPr lang="nl-BE" dirty="0"/>
+          </a:p>
+        </p:txBody>
+      </p:sp>
+      <p:pic>
+        <p:nvPicPr>
+          <p:cNvPr id="2051" name="Picture 3"/>
+          <p:cNvPicPr>
+            <a:picLocks noChangeAspect="1" noChangeArrowheads="1"/>
+          </p:cNvPicPr>
+          <p:nvPr/>
+        </p:nvPicPr>
+        <p:blipFill>
+          <a:blip r:embed="rId3"/>
+          <a:srcRect/>
+          <a:stretch>
+            <a:fillRect/>
+          </a:stretch>
+        </p:blipFill>
+        <p:spPr bwMode="auto">
+          <a:xfrm>
+            <a:off x="357158" y="1285860"/>
+            <a:ext cx="3600450" cy="4238625"/>
+          </a:xfrm>
+          <a:prstGeom prst="rect">
+            <a:avLst/>
+          </a:prstGeom>
+          <a:noFill/>
+          <a:ln w="9525">
+            <a:noFill/>
+            <a:miter lim="800000"/>
+            <a:headEnd/>
+            <a:tailEnd/>
+          </a:ln>
+          <a:effectLst/>
+        </p:spPr>
+      </p:pic>
+      <p:pic>
+        <p:nvPicPr>
+          <p:cNvPr id="2052" name="Picture 4"/>
+          <p:cNvPicPr>
+            <a:picLocks noChangeAspect="1" noChangeArrowheads="1"/>
+          </p:cNvPicPr>
+          <p:nvPr/>
+        </p:nvPicPr>
+        <p:blipFill>
+          <a:blip r:embed="rId4"/>
+          <a:srcRect/>
+          <a:stretch>
+            <a:fillRect/>
+          </a:stretch>
+        </p:blipFill>
+        <p:spPr bwMode="auto">
+          <a:xfrm>
+            <a:off x="5148292" y="3143248"/>
+            <a:ext cx="3638550" cy="3419475"/>
+          </a:xfrm>
+          <a:prstGeom prst="rect">
+            <a:avLst/>
+          </a:prstGeom>
+          <a:noFill/>
+          <a:ln w="9525">
+            <a:noFill/>
+            <a:miter lim="800000"/>
+            <a:headEnd/>
+            <a:tailEnd/>
+          </a:ln>
+          <a:effectLst/>
+        </p:spPr>
+      </p:pic>
+      <p:sp>
+        <p:nvSpPr>
+          <p:cNvPr id="9" name="Right Arrow 8"/>
+          <p:cNvSpPr/>
+          <p:nvPr/>
+        </p:nvSpPr>
+        <p:spPr>
+          <a:xfrm rot="2643152">
+            <a:off x="4281208" y="2887339"/>
+            <a:ext cx="785818" cy="714380"/>
+          </a:xfrm>
+          <a:prstGeom prst="rightArrow">
+            <a:avLst/>
+          </a:prstGeom>
+        </p:spPr>
+        <p:style>
+          <a:lnRef idx="2">
+            <a:schemeClr val="accent1">
+              <a:shade val="50000"/>
+            </a:schemeClr>
+          </a:lnRef>
+          <a:fillRef idx="1">
+            <a:schemeClr val="accent1"/>
+          </a:fillRef>
+          <a:effectRef idx="0">
+            <a:schemeClr val="accent1"/>
+          </a:effectRef>
+          <a:fontRef idx="minor">
+            <a:schemeClr val="lt1"/>
+          </a:fontRef>
+        </p:style>
+        <p:txBody>
+          <a:bodyPr rtlCol="0" anchor="ctr"/>
           <a:lstStyle/>
           <a:p>
-            <a:r>
-              <a:rPr lang="nl-BE" dirty="0" smtClean="0"/>
-              <a:t>Executable specifications</a:t>
-            </a:r>
-            <a:endParaRPr lang="nl-BE" dirty="0"/>
+            <a:pPr algn="ctr"/>
+            <a:endParaRPr lang="nl-BE"/>
           </a:p>
         </p:txBody>
       </p:sp>
@@ -9077,9 +11125,170 @@
   <p:timing>
     <p:tnLst>
       <p:par>
-        <p:cTn id="1" dur="indefinite" restart="never" nodeType="tmRoot"/>
+        <p:cTn id="1" dur="indefinite" restart="never" nodeType="tmRoot">
+          <p:childTnLst>
+            <p:seq concurrent="1" nextAc="seek">
+              <p:cTn id="2" dur="indefinite" nodeType="mainSeq">
+                <p:childTnLst>
+                  <p:par>
+                    <p:cTn id="3" fill="hold">
+                      <p:stCondLst>
+                        <p:cond delay="indefinite"/>
+                      </p:stCondLst>
+                      <p:childTnLst>
+                        <p:par>
+                          <p:cTn id="4" fill="hold">
+                            <p:stCondLst>
+                              <p:cond delay="0"/>
+                            </p:stCondLst>
+                            <p:childTnLst>
+                              <p:par>
+                                <p:cTn id="5" presetID="1" presetClass="entr" presetSubtype="0" fill="hold" nodeType="clickEffect">
+                                  <p:stCondLst>
+                                    <p:cond delay="0"/>
+                                  </p:stCondLst>
+                                  <p:childTnLst>
+                                    <p:set>
+                                      <p:cBhvr>
+                                        <p:cTn id="6" dur="1" fill="hold">
+                                          <p:stCondLst>
+                                            <p:cond delay="0"/>
+                                          </p:stCondLst>
+                                        </p:cTn>
+                                        <p:tgtEl>
+                                          <p:spTgt spid="2051"/>
+                                        </p:tgtEl>
+                                        <p:attrNameLst>
+                                          <p:attrName>style.visibility</p:attrName>
+                                        </p:attrNameLst>
+                                      </p:cBhvr>
+                                      <p:to>
+                                        <p:strVal val="visible"/>
+                                      </p:to>
+                                    </p:set>
+                                  </p:childTnLst>
+                                </p:cTn>
+                              </p:par>
+                            </p:childTnLst>
+                          </p:cTn>
+                        </p:par>
+                      </p:childTnLst>
+                    </p:cTn>
+                  </p:par>
+                  <p:par>
+                    <p:cTn id="7" fill="hold">
+                      <p:stCondLst>
+                        <p:cond delay="indefinite"/>
+                      </p:stCondLst>
+                      <p:childTnLst>
+                        <p:par>
+                          <p:cTn id="8" fill="hold">
+                            <p:stCondLst>
+                              <p:cond delay="0"/>
+                            </p:stCondLst>
+                            <p:childTnLst>
+                              <p:par>
+                                <p:cTn id="9" presetID="1" presetClass="entr" presetSubtype="0" fill="hold" grpId="0" nodeType="clickEffect">
+                                  <p:stCondLst>
+                                    <p:cond delay="0"/>
+                                  </p:stCondLst>
+                                  <p:childTnLst>
+                                    <p:set>
+                                      <p:cBhvr>
+                                        <p:cTn id="10" dur="1" fill="hold">
+                                          <p:stCondLst>
+                                            <p:cond delay="0"/>
+                                          </p:stCondLst>
+                                        </p:cTn>
+                                        <p:tgtEl>
+                                          <p:spTgt spid="9"/>
+                                        </p:tgtEl>
+                                        <p:attrNameLst>
+                                          <p:attrName>style.visibility</p:attrName>
+                                        </p:attrNameLst>
+                                      </p:cBhvr>
+                                      <p:to>
+                                        <p:strVal val="visible"/>
+                                      </p:to>
+                                    </p:set>
+                                  </p:childTnLst>
+                                </p:cTn>
+                              </p:par>
+                            </p:childTnLst>
+                          </p:cTn>
+                        </p:par>
+                      </p:childTnLst>
+                    </p:cTn>
+                  </p:par>
+                  <p:par>
+                    <p:cTn id="11" fill="hold">
+                      <p:stCondLst>
+                        <p:cond delay="indefinite"/>
+                      </p:stCondLst>
+                      <p:childTnLst>
+                        <p:par>
+                          <p:cTn id="12" fill="hold">
+                            <p:stCondLst>
+                              <p:cond delay="0"/>
+                            </p:stCondLst>
+                            <p:childTnLst>
+                              <p:par>
+                                <p:cTn id="13" presetID="1" presetClass="entr" presetSubtype="0" fill="hold" nodeType="clickEffect">
+                                  <p:stCondLst>
+                                    <p:cond delay="0"/>
+                                  </p:stCondLst>
+                                  <p:childTnLst>
+                                    <p:set>
+                                      <p:cBhvr>
+                                        <p:cTn id="14" dur="1" fill="hold">
+                                          <p:stCondLst>
+                                            <p:cond delay="0"/>
+                                          </p:stCondLst>
+                                        </p:cTn>
+                                        <p:tgtEl>
+                                          <p:spTgt spid="2052"/>
+                                        </p:tgtEl>
+                                        <p:attrNameLst>
+                                          <p:attrName>style.visibility</p:attrName>
+                                        </p:attrNameLst>
+                                      </p:cBhvr>
+                                      <p:to>
+                                        <p:strVal val="visible"/>
+                                      </p:to>
+                                    </p:set>
+                                  </p:childTnLst>
+                                </p:cTn>
+                              </p:par>
+                            </p:childTnLst>
+                          </p:cTn>
+                        </p:par>
+                      </p:childTnLst>
+                    </p:cTn>
+                  </p:par>
+                </p:childTnLst>
+              </p:cTn>
+              <p:prevCondLst>
+                <p:cond evt="onPrev" delay="0">
+                  <p:tgtEl>
+                    <p:sldTgt/>
+                  </p:tgtEl>
+                </p:cond>
+              </p:prevCondLst>
+              <p:nextCondLst>
+                <p:cond evt="onNext" delay="0">
+                  <p:tgtEl>
+                    <p:sldTgt/>
+                  </p:tgtEl>
+                </p:cond>
+              </p:nextCondLst>
+            </p:seq>
+          </p:childTnLst>
+        </p:cTn>
       </p:par>
     </p:tnLst>
+    <p:bldLst>
+      <p:bldP spid="9" grpId="0" animBg="1"/>
+    </p:bldLst>
   </p:timing>
 </p:sld>
 </file>

--- a/Slides/20090514_iLearn_AgileAcceptanceTesting.pptx
+++ b/Slides/20090514_iLearn_AgileAcceptanceTesting.pptx
@@ -5,7 +5,7 @@
     <p:sldMasterId id="2147483732" r:id="rId1"/>
   </p:sldMasterIdLst>
   <p:notesMasterIdLst>
-    <p:notesMasterId r:id="rId23"/>
+    <p:notesMasterId r:id="rId25"/>
   </p:notesMasterIdLst>
   <p:sldIdLst>
     <p:sldId id="256" r:id="rId2"/>
@@ -15,20 +15,22 @@
     <p:sldId id="259" r:id="rId6"/>
     <p:sldId id="260" r:id="rId7"/>
     <p:sldId id="261" r:id="rId8"/>
-    <p:sldId id="282" r:id="rId9"/>
-    <p:sldId id="283" r:id="rId10"/>
-    <p:sldId id="262" r:id="rId11"/>
-    <p:sldId id="265" r:id="rId12"/>
+    <p:sldId id="262" r:id="rId9"/>
+    <p:sldId id="265" r:id="rId10"/>
+    <p:sldId id="282" r:id="rId11"/>
+    <p:sldId id="283" r:id="rId12"/>
     <p:sldId id="257" r:id="rId13"/>
     <p:sldId id="275" r:id="rId14"/>
     <p:sldId id="279" r:id="rId15"/>
     <p:sldId id="280" r:id="rId16"/>
     <p:sldId id="278" r:id="rId17"/>
-    <p:sldId id="268" r:id="rId18"/>
-    <p:sldId id="269" r:id="rId19"/>
-    <p:sldId id="270" r:id="rId20"/>
-    <p:sldId id="271" r:id="rId21"/>
-    <p:sldId id="264" r:id="rId22"/>
+    <p:sldId id="284" r:id="rId18"/>
+    <p:sldId id="268" r:id="rId19"/>
+    <p:sldId id="269" r:id="rId20"/>
+    <p:sldId id="270" r:id="rId21"/>
+    <p:sldId id="271" r:id="rId22"/>
+    <p:sldId id="264" r:id="rId23"/>
+    <p:sldId id="285" r:id="rId24"/>
   </p:sldIdLst>
   <p:sldSz cx="9144000" cy="6858000" type="screen4x3"/>
   <p:notesSz cx="6858000" cy="9144000"/>
@@ -213,7 +215,7 @@
             <a:fld id="{08F0785E-033A-43CD-AF7D-1A09C6890A39}" type="datetimeFigureOut">
               <a:rPr lang="nl-BE" smtClean="0"/>
               <a:pPr/>
-              <a:t>30/04/2009</a:t>
+              <a:t>01/05/2009</a:t>
             </a:fld>
             <a:endParaRPr lang="nl-BE"/>
           </a:p>
@@ -526,108 +528,8 @@
           <a:lstStyle/>
           <a:p>
             <a:r>
-              <a:rPr lang="nl-BE" u="sng" dirty="0" smtClean="0"/>
-              <a:t>Praktische zaken: </a:t>
-            </a:r>
-          </a:p>
-          <a:p>
-            <a:r>
-              <a:rPr lang="nl-BE" u="none" dirty="0" smtClean="0"/>
-              <a:t>-</a:t>
-            </a:r>
-            <a:r>
-              <a:rPr lang="nl-BE" u="none" baseline="0" dirty="0" smtClean="0"/>
-              <a:t>Vooraleer we beginnen aan deze korte workshop vragen we wie er straks mee wil coderen op zijn eigen laptop. </a:t>
-            </a:r>
-          </a:p>
-          <a:p>
-            <a:r>
-              <a:rPr lang="nl-BE" u="none" baseline="0" dirty="0" smtClean="0"/>
-              <a:t>	Deze personen vragen we hun laptop nu op te starten. </a:t>
-            </a:r>
-          </a:p>
-          <a:p>
-            <a:r>
-              <a:rPr lang="nl-BE" u="none" baseline="0" dirty="0" smtClean="0"/>
-              <a:t>	Tijdens deze 10 minuten zullen we even rondgaan bij deze personen met een USB-stick met de nodige source files.</a:t>
-            </a:r>
-          </a:p>
-          <a:p>
-            <a:r>
-              <a:rPr lang="nl-BE" u="none" dirty="0" smtClean="0"/>
-              <a:t>	We vermelden erbij dat alle source sowieso</a:t>
-            </a:r>
-            <a:r>
-              <a:rPr lang="nl-BE" u="none" baseline="0" dirty="0" smtClean="0"/>
-              <a:t> nadien zal beschikbaar zijn.</a:t>
-            </a:r>
-          </a:p>
-          <a:p>
-            <a:endParaRPr lang="nl-BE" u="sng" baseline="0" dirty="0" smtClean="0"/>
-          </a:p>
-          <a:p>
-            <a:r>
-              <a:rPr lang="nl-BE" u="sng" baseline="0" dirty="0" smtClean="0"/>
-              <a:t>De workshop zelf:</a:t>
-            </a:r>
-            <a:endParaRPr lang="nl-BE" u="sng" dirty="0" smtClean="0"/>
-          </a:p>
-          <a:p>
-            <a:pPr>
-              <a:buFontTx/>
-              <a:buChar char="-"/>
-            </a:pPr>
-            <a:r>
               <a:rPr lang="nl-BE" dirty="0" smtClean="0"/>
-              <a:t>We delen een index card van de eerste story uit </a:t>
-            </a:r>
-            <a:r>
-              <a:rPr lang="nl-BE" baseline="0" dirty="0" smtClean="0"/>
-              <a:t>aan elk groepje.</a:t>
-            </a:r>
-          </a:p>
-          <a:p>
-            <a:pPr>
-              <a:buFontTx/>
-              <a:buChar char="-"/>
-            </a:pPr>
-            <a:r>
-              <a:rPr lang="nl-BE" baseline="0" dirty="0" smtClean="0"/>
-              <a:t>Misschien moeten we ook een voorbeeldje van een real world example uitdelen, zodanig dat de mensen weten wat van hun verwacht wordt.</a:t>
-            </a:r>
-          </a:p>
-          <a:p>
-            <a:pPr>
-              <a:buFontTx/>
-              <a:buChar char="-"/>
-            </a:pPr>
-            <a:r>
-              <a:rPr lang="nl-BE" baseline="0" dirty="0" smtClean="0"/>
-              <a:t>Op het ene scherm laten we deze slide zien.</a:t>
-            </a:r>
-          </a:p>
-          <a:p>
-            <a:pPr>
-              <a:buFontTx/>
-              <a:buChar char="-"/>
-            </a:pPr>
-            <a:r>
-              <a:rPr lang="nl-BE" baseline="0" dirty="0" smtClean="0"/>
-              <a:t>Op de andere starten we de countdown timer van ZoomIt om 10 minuten wanneer de uitleg gedaan is en de groepjes gemaakt zijn.</a:t>
-            </a:r>
-          </a:p>
-          <a:p>
-            <a:pPr>
-              <a:buFontTx/>
-              <a:buChar char="-"/>
-            </a:pPr>
-            <a:r>
-              <a:rPr lang="nl-BE" dirty="0" smtClean="0"/>
-              <a:t>De</a:t>
-            </a:r>
-            <a:r>
-              <a:rPr lang="nl-BE" baseline="0" dirty="0" smtClean="0"/>
-              <a:t> mensen krijgen A4 papier en stiften ter beschikking om hun real world voorbeelden te noteren.</a:t>
+              <a:t>Basic implementation -&gt; sketch</a:t>
             </a:r>
             <a:endParaRPr lang="nl-BE" dirty="0"/>
           </a:p>
@@ -651,7 +553,7 @@
             <a:fld id="{A95F721D-B08F-41E9-83C2-423A43044BB2}" type="slidenum">
               <a:rPr lang="nl-BE" smtClean="0"/>
               <a:pPr/>
-              <a:t>8</a:t>
+              <a:t>5</a:t>
             </a:fld>
             <a:endParaRPr lang="nl-BE"/>
           </a:p>
@@ -711,6 +613,20 @@
           </a:bodyPr>
           <a:lstStyle/>
           <a:p>
+            <a:r>
+              <a:rPr lang="nl-BE" dirty="0" smtClean="0"/>
+              <a:t>Automated</a:t>
+            </a:r>
+            <a:r>
+              <a:rPr lang="nl-BE" baseline="0" dirty="0" smtClean="0"/>
+              <a:t> Build (vroeger-&gt; op einde iteratie)</a:t>
+            </a:r>
+          </a:p>
+          <a:p>
+            <a:r>
+              <a:rPr lang="nl-BE" baseline="0" dirty="0" smtClean="0"/>
+              <a:t>CI Environment (evt te schrappen)</a:t>
+            </a:r>
             <a:endParaRPr lang="nl-BE" dirty="0"/>
           </a:p>
         </p:txBody>
@@ -733,7 +649,7 @@
             <a:fld id="{A95F721D-B08F-41E9-83C2-423A43044BB2}" type="slidenum">
               <a:rPr lang="nl-BE" smtClean="0"/>
               <a:pPr/>
-              <a:t>17</a:t>
+              <a:t>16</a:t>
             </a:fld>
             <a:endParaRPr lang="nl-BE"/>
           </a:p>
@@ -793,7 +709,62 @@
           </a:bodyPr>
           <a:lstStyle/>
           <a:p>
-            <a:endParaRPr lang="nl-BE" dirty="0"/>
+            <a:pPr>
+              <a:buFontTx/>
+              <a:buChar char="-"/>
+            </a:pPr>
+            <a:r>
+              <a:rPr lang="nl-BE" dirty="0" smtClean="0"/>
+              <a:t>Rode</a:t>
+            </a:r>
+            <a:r>
+              <a:rPr lang="nl-BE" baseline="0" dirty="0" smtClean="0"/>
+              <a:t> testen toevoegen aan groenen</a:t>
+            </a:r>
+          </a:p>
+          <a:p>
+            <a:pPr>
+              <a:buFontTx/>
+              <a:buChar char="-"/>
+            </a:pPr>
+            <a:r>
+              <a:rPr lang="nl-BE" baseline="0" dirty="0" smtClean="0"/>
+              <a:t>Groenen zijn geaccepteerd – alarm! Awereness!</a:t>
+            </a:r>
+          </a:p>
+          <a:p>
+            <a:pPr>
+              <a:buFontTx/>
+              <a:buChar char="-"/>
+            </a:pPr>
+            <a:r>
+              <a:rPr lang="nl-BE" baseline="0" dirty="0" smtClean="0"/>
+              <a:t>Build should fail by regression tests, not by Work In Progress.</a:t>
+            </a:r>
+          </a:p>
+          <a:p>
+            <a:pPr>
+              <a:buFontTx/>
+              <a:buChar char="-"/>
+            </a:pPr>
+            <a:r>
+              <a:rPr lang="nl-BE" baseline="0" dirty="0" smtClean="0"/>
+              <a:t>Should we demo build integration? Ask the audience</a:t>
+            </a:r>
+          </a:p>
+          <a:p>
+            <a:pPr>
+              <a:buFontTx/>
+              <a:buChar char="-"/>
+            </a:pPr>
+            <a:endParaRPr lang="nl-BE" baseline="0" dirty="0" smtClean="0"/>
+          </a:p>
+          <a:p>
+            <a:pPr>
+              <a:buFontTx/>
+              <a:buChar char="-"/>
+            </a:pPr>
+            <a:endParaRPr lang="nl-BE" baseline="0" dirty="0" smtClean="0"/>
           </a:p>
         </p:txBody>
       </p:sp>
@@ -815,7 +786,7 @@
             <a:fld id="{A95F721D-B08F-41E9-83C2-423A43044BB2}" type="slidenum">
               <a:rPr lang="nl-BE" smtClean="0"/>
               <a:pPr/>
-              <a:t>18</a:t>
+              <a:t>17</a:t>
             </a:fld>
             <a:endParaRPr lang="nl-BE"/>
           </a:p>
@@ -897,7 +868,7 @@
             <a:fld id="{A95F721D-B08F-41E9-83C2-423A43044BB2}" type="slidenum">
               <a:rPr lang="nl-BE" smtClean="0"/>
               <a:pPr/>
-              <a:t>19</a:t>
+              <a:t>18</a:t>
             </a:fld>
             <a:endParaRPr lang="nl-BE"/>
           </a:p>
@@ -979,7 +950,171 @@
             <a:fld id="{A95F721D-B08F-41E9-83C2-423A43044BB2}" type="slidenum">
               <a:rPr lang="nl-BE" smtClean="0"/>
               <a:pPr/>
+              <a:t>19</a:t>
+            </a:fld>
+            <a:endParaRPr lang="nl-BE"/>
+          </a:p>
+        </p:txBody>
+      </p:sp>
+    </p:spTree>
+  </p:cSld>
+  <p:clrMapOvr>
+    <a:masterClrMapping/>
+  </p:clrMapOvr>
+</p:notes>
+</file>
+
+<file path=ppt/notesSlides/notesSlide14.xml><?xml version="1.0" encoding="utf-8"?>
+<p:notes xmlns:a="http://schemas.openxmlformats.org/drawingml/2006/main" xmlns:r="http://schemas.openxmlformats.org/officeDocument/2006/relationships" xmlns:p="http://schemas.openxmlformats.org/presentationml/2006/main">
+  <p:cSld>
+    <p:spTree>
+      <p:nvGrpSpPr>
+        <p:cNvPr id="1" name=""/>
+        <p:cNvGrpSpPr/>
+        <p:nvPr/>
+      </p:nvGrpSpPr>
+      <p:grpSpPr>
+        <a:xfrm>
+          <a:off x="0" y="0"/>
+          <a:ext cx="0" cy="0"/>
+          <a:chOff x="0" y="0"/>
+          <a:chExt cx="0" cy="0"/>
+        </a:xfrm>
+      </p:grpSpPr>
+      <p:sp>
+        <p:nvSpPr>
+          <p:cNvPr id="2" name="Slide Image Placeholder 1"/>
+          <p:cNvSpPr>
+            <a:spLocks noGrp="1" noRot="1" noChangeAspect="1"/>
+          </p:cNvSpPr>
+          <p:nvPr>
+            <p:ph type="sldImg"/>
+          </p:nvPr>
+        </p:nvSpPr>
+        <p:spPr/>
+      </p:sp>
+      <p:sp>
+        <p:nvSpPr>
+          <p:cNvPr id="3" name="Notes Placeholder 2"/>
+          <p:cNvSpPr>
+            <a:spLocks noGrp="1"/>
+          </p:cNvSpPr>
+          <p:nvPr>
+            <p:ph type="body" idx="1"/>
+          </p:nvPr>
+        </p:nvSpPr>
+        <p:spPr/>
+        <p:txBody>
+          <a:bodyPr>
+            <a:normAutofit/>
+          </a:bodyPr>
+          <a:lstStyle/>
+          <a:p>
+            <a:endParaRPr lang="nl-BE" dirty="0"/>
+          </a:p>
+        </p:txBody>
+      </p:sp>
+      <p:sp>
+        <p:nvSpPr>
+          <p:cNvPr id="4" name="Slide Number Placeholder 3"/>
+          <p:cNvSpPr>
+            <a:spLocks noGrp="1"/>
+          </p:cNvSpPr>
+          <p:nvPr>
+            <p:ph type="sldNum" sz="quarter" idx="10"/>
+          </p:nvPr>
+        </p:nvSpPr>
+        <p:spPr/>
+        <p:txBody>
+          <a:bodyPr/>
+          <a:lstStyle/>
+          <a:p>
+            <a:fld id="{A95F721D-B08F-41E9-83C2-423A43044BB2}" type="slidenum">
+              <a:rPr lang="nl-BE" smtClean="0"/>
+              <a:pPr/>
               <a:t>20</a:t>
+            </a:fld>
+            <a:endParaRPr lang="nl-BE"/>
+          </a:p>
+        </p:txBody>
+      </p:sp>
+    </p:spTree>
+  </p:cSld>
+  <p:clrMapOvr>
+    <a:masterClrMapping/>
+  </p:clrMapOvr>
+</p:notes>
+</file>
+
+<file path=ppt/notesSlides/notesSlide15.xml><?xml version="1.0" encoding="utf-8"?>
+<p:notes xmlns:a="http://schemas.openxmlformats.org/drawingml/2006/main" xmlns:r="http://schemas.openxmlformats.org/officeDocument/2006/relationships" xmlns:p="http://schemas.openxmlformats.org/presentationml/2006/main">
+  <p:cSld>
+    <p:spTree>
+      <p:nvGrpSpPr>
+        <p:cNvPr id="1" name=""/>
+        <p:cNvGrpSpPr/>
+        <p:nvPr/>
+      </p:nvGrpSpPr>
+      <p:grpSpPr>
+        <a:xfrm>
+          <a:off x="0" y="0"/>
+          <a:ext cx="0" cy="0"/>
+          <a:chOff x="0" y="0"/>
+          <a:chExt cx="0" cy="0"/>
+        </a:xfrm>
+      </p:grpSpPr>
+      <p:sp>
+        <p:nvSpPr>
+          <p:cNvPr id="2" name="Slide Image Placeholder 1"/>
+          <p:cNvSpPr>
+            <a:spLocks noGrp="1" noRot="1" noChangeAspect="1"/>
+          </p:cNvSpPr>
+          <p:nvPr>
+            <p:ph type="sldImg"/>
+          </p:nvPr>
+        </p:nvSpPr>
+        <p:spPr/>
+      </p:sp>
+      <p:sp>
+        <p:nvSpPr>
+          <p:cNvPr id="3" name="Notes Placeholder 2"/>
+          <p:cNvSpPr>
+            <a:spLocks noGrp="1"/>
+          </p:cNvSpPr>
+          <p:nvPr>
+            <p:ph type="body" idx="1"/>
+          </p:nvPr>
+        </p:nvSpPr>
+        <p:spPr/>
+        <p:txBody>
+          <a:bodyPr>
+            <a:normAutofit/>
+          </a:bodyPr>
+          <a:lstStyle/>
+          <a:p>
+            <a:endParaRPr lang="nl-BE" dirty="0"/>
+          </a:p>
+        </p:txBody>
+      </p:sp>
+      <p:sp>
+        <p:nvSpPr>
+          <p:cNvPr id="4" name="Slide Number Placeholder 3"/>
+          <p:cNvSpPr>
+            <a:spLocks noGrp="1"/>
+          </p:cNvSpPr>
+          <p:nvPr>
+            <p:ph type="sldNum" sz="quarter" idx="10"/>
+          </p:nvPr>
+        </p:nvSpPr>
+        <p:spPr/>
+        <p:txBody>
+          <a:bodyPr/>
+          <a:lstStyle/>
+          <a:p>
+            <a:fld id="{A95F721D-B08F-41E9-83C2-423A43044BB2}" type="slidenum">
+              <a:rPr lang="nl-BE" smtClean="0"/>
+              <a:pPr/>
+              <a:t>21</a:t>
             </a:fld>
             <a:endParaRPr lang="nl-BE"/>
           </a:p>
@@ -1057,26 +1192,14 @@
           <a:p>
             <a:r>
               <a:rPr lang="nl-BE" u="none" baseline="0" dirty="0" smtClean="0"/>
-              <a:t>	Deze personen vragen we hun laptop nu op te starten. </a:t>
+              <a:t>-Deze personen vragen we hun laptop nu op te starten en de inhoud van de share te kopiëren naar hun laptop.</a:t>
             </a:r>
           </a:p>
           <a:p>
             <a:r>
               <a:rPr lang="nl-BE" u="none" baseline="0" dirty="0" smtClean="0"/>
-              <a:t>	Tijdens deze 10 minuten zullen we even rondgaan bij deze personen met een USB-stick met de nodige source files.</a:t>
-            </a:r>
-          </a:p>
-          <a:p>
-            <a:r>
-              <a:rPr lang="nl-BE" u="none" dirty="0" smtClean="0"/>
-              <a:t>	We vermelden erbij dat alle source sowieso</a:t>
-            </a:r>
-            <a:r>
-              <a:rPr lang="nl-BE" u="none" baseline="0" dirty="0" smtClean="0"/>
-              <a:t> nadien zal beschikbaar zijn.</a:t>
-            </a:r>
-          </a:p>
-          <a:p>
+              <a:t>	</a:t>
+            </a:r>
             <a:endParaRPr lang="nl-BE" u="sng" baseline="0" dirty="0" smtClean="0"/>
           </a:p>
           <a:p>
@@ -1084,7 +1207,17 @@
               <a:rPr lang="nl-BE" u="sng" baseline="0" dirty="0" smtClean="0"/>
               <a:t>De workshop zelf:</a:t>
             </a:r>
-            <a:endParaRPr lang="nl-BE" u="sng" dirty="0" smtClean="0"/>
+          </a:p>
+          <a:p>
+            <a:r>
+              <a:rPr lang="nl-BE" u="none" baseline="0" dirty="0" smtClean="0"/>
+              <a:t>-Verdelen van de aanwezigen in groepjes van 5</a:t>
+            </a:r>
+            <a:r>
+              <a:rPr lang="nl-BE" u="none" baseline="0" dirty="0" smtClean="0"/>
+              <a:t>. (heterogeen)</a:t>
+            </a:r>
+            <a:endParaRPr lang="nl-BE" u="none" dirty="0" smtClean="0"/>
           </a:p>
           <a:p>
             <a:pPr>
@@ -1093,7 +1226,7 @@
             </a:pPr>
             <a:r>
               <a:rPr lang="nl-BE" dirty="0" smtClean="0"/>
-              <a:t>We delen een index card van de eerste story uit </a:t>
+              <a:t>We delen een index card van beide stories uit </a:t>
             </a:r>
             <a:r>
               <a:rPr lang="nl-BE" baseline="0" dirty="0" smtClean="0"/>
@@ -1107,7 +1240,7 @@
             </a:pPr>
             <a:r>
               <a:rPr lang="nl-BE" baseline="0" dirty="0" smtClean="0"/>
-              <a:t>Misschien moeten we ook een voorbeeldje van een real world example uitdelen, zodanig dat de mensen weten wat van hun verwacht wordt.</a:t>
+              <a:t>We delen ook een voorbeeld uit zodanig dat de mensen weten wat van hun verwacht wordt.</a:t>
             </a:r>
           </a:p>
           <a:p>
@@ -1117,7 +1250,7 @@
             </a:pPr>
             <a:r>
               <a:rPr lang="nl-BE" baseline="0" dirty="0" smtClean="0"/>
-              <a:t>Op het ene scherm laten we deze slide zien.</a:t>
+              <a:t>Op het ene scherm laten we deze slide zien. (ook uitprinten en uitdelen voor iLean -&gt; 1 projector)</a:t>
             </a:r>
           </a:p>
           <a:p>
@@ -1165,7 +1298,7 @@
             <a:fld id="{A95F721D-B08F-41E9-83C2-423A43044BB2}" type="slidenum">
               <a:rPr lang="nl-BE" smtClean="0"/>
               <a:pPr/>
-              <a:t>9</a:t>
+              <a:t>8</a:t>
             </a:fld>
             <a:endParaRPr lang="nl-BE"/>
           </a:p>
@@ -1225,110 +1358,10 @@
           </a:bodyPr>
           <a:lstStyle/>
           <a:p>
-            <a:r>
-              <a:rPr lang="nl-BE" u="sng" dirty="0" smtClean="0"/>
-              <a:t>Praktische zaken: </a:t>
-            </a:r>
-          </a:p>
-          <a:p>
-            <a:r>
-              <a:rPr lang="nl-BE" u="none" dirty="0" smtClean="0"/>
-              <a:t>-</a:t>
-            </a:r>
-            <a:r>
-              <a:rPr lang="nl-BE" u="none" baseline="0" dirty="0" smtClean="0"/>
-              <a:t>Vooraleer we beginnen aan deze korte workshop vragen we wie er straks mee wil coderen op zijn eigen laptop. </a:t>
-            </a:r>
-          </a:p>
-          <a:p>
-            <a:r>
-              <a:rPr lang="nl-BE" u="none" baseline="0" dirty="0" smtClean="0"/>
-              <a:t>	Deze personen vragen we hun laptop nu op te starten. </a:t>
-            </a:r>
-          </a:p>
-          <a:p>
-            <a:r>
-              <a:rPr lang="nl-BE" u="none" baseline="0" dirty="0" smtClean="0"/>
-              <a:t>	Tijdens deze 10 minuten zullen we even rondgaan bij deze personen met een USB-stick met de nodige source files.</a:t>
-            </a:r>
-          </a:p>
-          <a:p>
-            <a:r>
-              <a:rPr lang="nl-BE" u="none" dirty="0" smtClean="0"/>
-              <a:t>	We vermelden erbij dat alle source sowieso</a:t>
-            </a:r>
-            <a:r>
-              <a:rPr lang="nl-BE" u="none" baseline="0" dirty="0" smtClean="0"/>
-              <a:t> nadien zal beschikbaar zijn.</a:t>
-            </a:r>
-          </a:p>
-          <a:p>
-            <a:endParaRPr lang="nl-BE" u="sng" baseline="0" dirty="0" smtClean="0"/>
-          </a:p>
-          <a:p>
-            <a:r>
-              <a:rPr lang="nl-BE" u="sng" baseline="0" dirty="0" smtClean="0"/>
-              <a:t>De workshop zelf:</a:t>
-            </a:r>
-            <a:endParaRPr lang="nl-BE" u="sng" dirty="0" smtClean="0"/>
-          </a:p>
-          <a:p>
             <a:pPr>
               <a:buFontTx/>
-              <a:buChar char="-"/>
+              <a:buNone/>
             </a:pPr>
-            <a:r>
-              <a:rPr lang="nl-BE" dirty="0" smtClean="0"/>
-              <a:t>We delen een index card van de eerste story uit </a:t>
-            </a:r>
-            <a:r>
-              <a:rPr lang="nl-BE" baseline="0" dirty="0" smtClean="0"/>
-              <a:t>aan elk groepje.</a:t>
-            </a:r>
-          </a:p>
-          <a:p>
-            <a:pPr>
-              <a:buFontTx/>
-              <a:buChar char="-"/>
-            </a:pPr>
-            <a:r>
-              <a:rPr lang="nl-BE" baseline="0" dirty="0" smtClean="0"/>
-              <a:t>Misschien moeten we ook een voorbeeldje van een real world example uitdelen, zodanig dat de mensen weten wat van hun verwacht wordt.</a:t>
-            </a:r>
-          </a:p>
-          <a:p>
-            <a:pPr>
-              <a:buFontTx/>
-              <a:buChar char="-"/>
-            </a:pPr>
-            <a:r>
-              <a:rPr lang="nl-BE" baseline="0" dirty="0" smtClean="0"/>
-              <a:t>Op het ene scherm laten we deze slide zien.</a:t>
-            </a:r>
-          </a:p>
-          <a:p>
-            <a:pPr>
-              <a:buFontTx/>
-              <a:buChar char="-"/>
-            </a:pPr>
-            <a:r>
-              <a:rPr lang="nl-BE" baseline="0" dirty="0" smtClean="0"/>
-              <a:t>Op de andere starten we de countdown timer van ZoomIt om 10 minuten wanneer de uitleg gedaan is en de groepjes gemaakt zijn.</a:t>
-            </a:r>
-          </a:p>
-          <a:p>
-            <a:pPr>
-              <a:buFontTx/>
-              <a:buChar char="-"/>
-            </a:pPr>
-            <a:r>
-              <a:rPr lang="nl-BE" dirty="0" smtClean="0"/>
-              <a:t>De</a:t>
-            </a:r>
-            <a:r>
-              <a:rPr lang="nl-BE" baseline="0" dirty="0" smtClean="0"/>
-              <a:t> mensen krijgen A4 papier en stiften ter beschikking om hun real world voorbeelden te noteren.</a:t>
-            </a:r>
             <a:endParaRPr lang="nl-BE" dirty="0"/>
           </a:p>
         </p:txBody>
@@ -1351,7 +1384,7 @@
             <a:fld id="{A95F721D-B08F-41E9-83C2-423A43044BB2}" type="slidenum">
               <a:rPr lang="nl-BE" smtClean="0"/>
               <a:pPr/>
-              <a:t>10</a:t>
+              <a:t>9</a:t>
             </a:fld>
             <a:endParaRPr lang="nl-BE"/>
           </a:p>
@@ -1411,10 +1444,6 @@
           </a:bodyPr>
           <a:lstStyle/>
           <a:p>
-            <a:pPr>
-              <a:buFontTx/>
-              <a:buNone/>
-            </a:pPr>
             <a:endParaRPr lang="nl-BE" dirty="0"/>
           </a:p>
         </p:txBody>
@@ -1437,7 +1466,7 @@
             <a:fld id="{A95F721D-B08F-41E9-83C2-423A43044BB2}" type="slidenum">
               <a:rPr lang="nl-BE" smtClean="0"/>
               <a:pPr/>
-              <a:t>11</a:t>
+              <a:t>10</a:t>
             </a:fld>
             <a:endParaRPr lang="nl-BE"/>
           </a:p>
@@ -1519,7 +1548,7 @@
             <a:fld id="{A95F721D-B08F-41E9-83C2-423A43044BB2}" type="slidenum">
               <a:rPr lang="nl-BE" smtClean="0"/>
               <a:pPr/>
-              <a:t>12</a:t>
+              <a:t>11</a:t>
             </a:fld>
             <a:endParaRPr lang="nl-BE"/>
           </a:p>
@@ -1581,98 +1610,9 @@
           <a:p>
             <a:r>
               <a:rPr lang="nl-BE" dirty="0" smtClean="0"/>
-              <a:t>Prerequisites:</a:t>
-            </a:r>
-          </a:p>
-          <a:p>
-            <a:endParaRPr lang="nl-BE" dirty="0" smtClean="0"/>
-          </a:p>
-          <a:p>
-            <a:r>
-              <a:rPr lang="nl-BE" baseline="0" dirty="0" smtClean="0"/>
-              <a:t>	- visual studio 2008</a:t>
-            </a:r>
-          </a:p>
-          <a:p>
-            <a:endParaRPr lang="nl-BE" dirty="0" smtClean="0"/>
-          </a:p>
-          <a:p>
-            <a:r>
-              <a:rPr lang="nl-BE" dirty="0" smtClean="0"/>
-              <a:t>Misschien moeten we een hands-on lab voorzien waarbij stap voor stap</a:t>
-            </a:r>
-            <a:r>
-              <a:rPr lang="nl-BE" baseline="0" dirty="0" smtClean="0"/>
-              <a:t> uitgelegd staat wat er dient te gebeuren.</a:t>
-            </a:r>
-          </a:p>
-          <a:p>
-            <a:r>
-              <a:rPr lang="nl-BE" baseline="0" dirty="0" smtClean="0"/>
-              <a:t>Dit kunnen we dan mee uitdelen.</a:t>
-            </a:r>
-          </a:p>
-          <a:p>
-            <a:pPr>
-              <a:buFontTx/>
-              <a:buChar char="-"/>
-            </a:pPr>
-            <a:endParaRPr lang="nl-BE" baseline="0" dirty="0" smtClean="0"/>
-          </a:p>
-          <a:p>
-            <a:pPr>
-              <a:buFontTx/>
-              <a:buNone/>
-            </a:pPr>
-            <a:r>
-              <a:rPr lang="nl-BE" baseline="0" dirty="0" smtClean="0"/>
-              <a:t>Dit biedt tal van voordelen:</a:t>
-            </a:r>
-          </a:p>
-          <a:p>
-            <a:pPr>
-              <a:buFontTx/>
-              <a:buChar char="-"/>
-            </a:pPr>
-            <a:r>
-              <a:rPr lang="nl-BE" baseline="0" dirty="0" smtClean="0"/>
-              <a:t> Voor onszelf hebben we een leidraad.</a:t>
-            </a:r>
-          </a:p>
-          <a:p>
-            <a:pPr>
-              <a:buFontTx/>
-              <a:buChar char="-"/>
-            </a:pPr>
-            <a:r>
-              <a:rPr lang="nl-BE" baseline="0" dirty="0" smtClean="0"/>
-              <a:t> De aanwezigen kunnen dit later nog eens overdoen indien ze dit wensen</a:t>
-            </a:r>
-          </a:p>
-          <a:p>
-            <a:pPr>
-              <a:buFontTx/>
-              <a:buChar char="-"/>
-            </a:pPr>
-            <a:r>
-              <a:rPr lang="nl-BE" baseline="0" dirty="0" smtClean="0"/>
-              <a:t> Mensen die niet mee coderen kunnen toch mee volgen</a:t>
-            </a:r>
-          </a:p>
-          <a:p>
-            <a:pPr>
-              <a:buFontTx/>
-              <a:buChar char="-"/>
-            </a:pPr>
-            <a:r>
-              <a:rPr lang="nl-BE" baseline="0" dirty="0" smtClean="0"/>
-              <a:t> </a:t>
-            </a:r>
-            <a:r>
-              <a:rPr lang="nl-BE" baseline="0" dirty="0" smtClean="0"/>
-              <a:t>...</a:t>
-            </a:r>
-            <a:endParaRPr lang="nl-BE" baseline="0" dirty="0" smtClean="0"/>
+              <a:t>Include Gojko triangle!</a:t>
+            </a:r>
+            <a:endParaRPr lang="nl-BE" dirty="0"/>
           </a:p>
         </p:txBody>
       </p:sp>
@@ -1694,7 +1634,7 @@
             <a:fld id="{A95F721D-B08F-41E9-83C2-423A43044BB2}" type="slidenum">
               <a:rPr lang="nl-BE" smtClean="0"/>
               <a:pPr/>
-              <a:t>13</a:t>
+              <a:t>12</a:t>
             </a:fld>
             <a:endParaRPr lang="nl-BE"/>
           </a:p>
@@ -1756,118 +1696,30 @@
           <a:p>
             <a:r>
               <a:rPr lang="nl-BE" dirty="0" smtClean="0"/>
-              <a:t>1</a:t>
-            </a:r>
-            <a:r>
-              <a:rPr lang="nl-BE" baseline="30000" dirty="0" smtClean="0"/>
-              <a:t>e</a:t>
+              <a:t>Cards- Misschien </a:t>
             </a:r>
             <a:r>
               <a:rPr lang="nl-BE" dirty="0" smtClean="0"/>
-              <a:t> test: Snack order</a:t>
+              <a:t>moeten we een hands-on lab voorzien waarbij stap voor stap</a:t>
             </a:r>
             <a:r>
               <a:rPr lang="nl-BE" baseline="0" dirty="0" smtClean="0"/>
-              <a:t> zonder credit, credit toevoegen, snack orderen (columnFixture)</a:t>
-            </a:r>
-          </a:p>
-          <a:p>
+              <a:t> uitgelegd staat wat er dient te gebeuren</a:t>
+            </a:r>
             <a:r>
               <a:rPr lang="nl-BE" baseline="0" dirty="0" smtClean="0"/>
-              <a:t>2</a:t>
-            </a:r>
-            <a:r>
-              <a:rPr lang="nl-BE" baseline="30000" dirty="0" smtClean="0"/>
-              <a:t>e</a:t>
-            </a:r>
+              <a:t>.</a:t>
+            </a:r>
+          </a:p>
+          <a:p>
+            <a:endParaRPr lang="nl-BE" baseline="0" dirty="0" smtClean="0"/>
+          </a:p>
+          <a:p>
             <a:r>
               <a:rPr lang="nl-BE" baseline="0" dirty="0" smtClean="0"/>
-              <a:t> test: current orders opvragen (blanco) – order plaatsen (hergebruik bovenste fixture) – orders opvragen (rowfixture &amp; setup: orders leegmaken+credits op 0)</a:t>
-            </a:r>
-          </a:p>
-          <a:p>
-            <a:r>
-              <a:rPr lang="nl-BE" baseline="0" dirty="0" smtClean="0"/>
-              <a:t>Acceptatie door PO (iteratie gedaan)</a:t>
-            </a:r>
-          </a:p>
-          <a:p>
-            <a:r>
-              <a:rPr lang="nl-BE" dirty="0" smtClean="0"/>
-              <a:t>3</a:t>
-            </a:r>
-            <a:r>
-              <a:rPr lang="nl-BE" baseline="30000" dirty="0" smtClean="0"/>
-              <a:t>e</a:t>
-            </a:r>
-            <a:r>
-              <a:rPr lang="nl-BE" dirty="0" smtClean="0"/>
-              <a:t> test:</a:t>
-            </a:r>
-            <a:r>
-              <a:rPr lang="nl-BE" baseline="0" dirty="0" smtClean="0"/>
-              <a:t> credits afchecken, user credit geven, snack order, check credit (</a:t>
-            </a:r>
-            <a:r>
-              <a:rPr lang="nl-BE" sz="1200" kern="1200" dirty="0" smtClean="0">
-                <a:solidFill>
-                  <a:schemeClr val="tx1"/>
-                </a:solidFill>
-                <a:latin typeface="+mn-lt"/>
-                <a:ea typeface="+mn-ea"/>
-                <a:cs typeface="+mn-cs"/>
-              </a:rPr>
-              <a:t>DoFixture)</a:t>
+              <a:t>Rood? Ik zit vast!</a:t>
             </a:r>
             <a:endParaRPr lang="nl-BE" baseline="0" dirty="0" smtClean="0"/>
-          </a:p>
-          <a:p>
-            <a:pPr marL="0" marR="0" indent="0" algn="l" defTabSz="914400" rtl="0" eaLnBrk="1" fontAlgn="auto" latinLnBrk="0" hangingPunct="1">
-              <a:lnSpc>
-                <a:spcPct val="100000"/>
-              </a:lnSpc>
-              <a:spcBef>
-                <a:spcPts val="0"/>
-              </a:spcBef>
-              <a:spcAft>
-                <a:spcPts val="0"/>
-              </a:spcAft>
-              <a:buClrTx/>
-              <a:buSzTx/>
-              <a:buFontTx/>
-              <a:buNone/>
-              <a:tabLst/>
-              <a:defRPr/>
-            </a:pPr>
-            <a:r>
-              <a:rPr lang="nl-BE" baseline="0" dirty="0" smtClean="0"/>
-              <a:t>Structuur in Wiki? Geaccepteerde testen falen? Move naar acceptance suite.</a:t>
-            </a:r>
-          </a:p>
-          <a:p>
-            <a:r>
-              <a:rPr lang="nl-BE" dirty="0" smtClean="0"/>
-              <a:t>Integratie van Agile</a:t>
-            </a:r>
-            <a:r>
-              <a:rPr lang="nl-BE" baseline="0" dirty="0" smtClean="0"/>
-              <a:t> Acceptance Testing in iteratie.</a:t>
-            </a:r>
-          </a:p>
-          <a:p>
-            <a:r>
-              <a:rPr lang="nl-BE" baseline="0" dirty="0" smtClean="0"/>
-              <a:t>4</a:t>
-            </a:r>
-            <a:r>
-              <a:rPr lang="nl-BE" baseline="30000" dirty="0" smtClean="0"/>
-              <a:t>e</a:t>
-            </a:r>
-            <a:r>
-              <a:rPr lang="nl-BE" baseline="0" dirty="0" smtClean="0"/>
-              <a:t> test: inloggen van een user (ActionFixture)</a:t>
-            </a:r>
-            <a:endParaRPr lang="nl-BE" dirty="0"/>
           </a:p>
         </p:txBody>
       </p:sp>
@@ -1889,7 +1741,7 @@
             <a:fld id="{A95F721D-B08F-41E9-83C2-423A43044BB2}" type="slidenum">
               <a:rPr lang="nl-BE" smtClean="0"/>
               <a:pPr/>
-              <a:t>14</a:t>
+              <a:t>13</a:t>
             </a:fld>
             <a:endParaRPr lang="nl-BE"/>
           </a:p>
@@ -1949,6 +1801,119 @@
           </a:bodyPr>
           <a:lstStyle/>
           <a:p>
+            <a:r>
+              <a:rPr lang="nl-BE" dirty="0" smtClean="0"/>
+              <a:t>1</a:t>
+            </a:r>
+            <a:r>
+              <a:rPr lang="nl-BE" baseline="30000" dirty="0" smtClean="0"/>
+              <a:t>e</a:t>
+            </a:r>
+            <a:r>
+              <a:rPr lang="nl-BE" dirty="0" smtClean="0"/>
+              <a:t> test: Snack order</a:t>
+            </a:r>
+            <a:r>
+              <a:rPr lang="nl-BE" baseline="0" dirty="0" smtClean="0"/>
+              <a:t> zonder credit, credit toevoegen, snack orderen (columnFixture)</a:t>
+            </a:r>
+          </a:p>
+          <a:p>
+            <a:r>
+              <a:rPr lang="nl-BE" baseline="0" dirty="0" smtClean="0"/>
+              <a:t>2</a:t>
+            </a:r>
+            <a:r>
+              <a:rPr lang="nl-BE" baseline="30000" dirty="0" smtClean="0"/>
+              <a:t>e</a:t>
+            </a:r>
+            <a:r>
+              <a:rPr lang="nl-BE" baseline="0" dirty="0" smtClean="0"/>
+              <a:t> test: current orders opvragen (blanco) – order plaatsen (hergebruik bovenste fixture) – orders opvragen (rowfixture &amp; setup: orders leegmaken+credits op 0)</a:t>
+            </a:r>
+          </a:p>
+          <a:p>
+            <a:r>
+              <a:rPr lang="nl-BE" baseline="0" dirty="0" smtClean="0"/>
+              <a:t>Acceptatie door PO (iteratie gedaan)</a:t>
+            </a:r>
+          </a:p>
+          <a:p>
+            <a:r>
+              <a:rPr lang="nl-BE" dirty="0" smtClean="0"/>
+              <a:t>3</a:t>
+            </a:r>
+            <a:r>
+              <a:rPr lang="nl-BE" baseline="30000" dirty="0" smtClean="0"/>
+              <a:t>e</a:t>
+            </a:r>
+            <a:r>
+              <a:rPr lang="nl-BE" dirty="0" smtClean="0"/>
+              <a:t> test:</a:t>
+            </a:r>
+            <a:r>
+              <a:rPr lang="nl-BE" baseline="0" dirty="0" smtClean="0"/>
+              <a:t> credits afchecken, user credit geven, snack order, check credit (</a:t>
+            </a:r>
+            <a:r>
+              <a:rPr lang="nl-BE" sz="1200" kern="1200" dirty="0" smtClean="0">
+                <a:solidFill>
+                  <a:schemeClr val="tx1"/>
+                </a:solidFill>
+                <a:latin typeface="+mn-lt"/>
+                <a:ea typeface="+mn-ea"/>
+                <a:cs typeface="+mn-cs"/>
+              </a:rPr>
+              <a:t>DoFixture)</a:t>
+            </a:r>
+            <a:endParaRPr lang="nl-BE" baseline="0" dirty="0" smtClean="0"/>
+          </a:p>
+          <a:p>
+            <a:pPr marL="0" marR="0" indent="0" algn="l" defTabSz="914400" rtl="0" eaLnBrk="1" fontAlgn="auto" latinLnBrk="0" hangingPunct="1">
+              <a:lnSpc>
+                <a:spcPct val="100000"/>
+              </a:lnSpc>
+              <a:spcBef>
+                <a:spcPts val="0"/>
+              </a:spcBef>
+              <a:spcAft>
+                <a:spcPts val="0"/>
+              </a:spcAft>
+              <a:buClrTx/>
+              <a:buSzTx/>
+              <a:buFontTx/>
+              <a:buNone/>
+              <a:tabLst/>
+              <a:defRPr/>
+            </a:pPr>
+            <a:r>
+              <a:rPr lang="nl-BE" baseline="0" dirty="0" smtClean="0"/>
+              <a:t>Structuur in Wiki? Geaccepteerde testen falen? Move naar acceptance suite.</a:t>
+            </a:r>
+          </a:p>
+          <a:p>
+            <a:r>
+              <a:rPr lang="nl-BE" dirty="0" smtClean="0"/>
+              <a:t>Integratie van Agile</a:t>
+            </a:r>
+            <a:r>
+              <a:rPr lang="nl-BE" baseline="0" dirty="0" smtClean="0"/>
+              <a:t> Acceptance Testing in iteratie.</a:t>
+            </a:r>
+          </a:p>
+          <a:p>
+            <a:r>
+              <a:rPr lang="nl-BE" baseline="0" dirty="0" smtClean="0"/>
+              <a:t>4</a:t>
+            </a:r>
+            <a:r>
+              <a:rPr lang="nl-BE" baseline="30000" dirty="0" smtClean="0"/>
+              <a:t>e</a:t>
+            </a:r>
+            <a:r>
+              <a:rPr lang="nl-BE" baseline="0" dirty="0" smtClean="0"/>
+              <a:t> test: inloggen van een user (ActionFixture)</a:t>
+            </a:r>
             <a:endParaRPr lang="nl-BE" dirty="0"/>
           </a:p>
         </p:txBody>
@@ -1971,7 +1936,7 @@
             <a:fld id="{A95F721D-B08F-41E9-83C2-423A43044BB2}" type="slidenum">
               <a:rPr lang="nl-BE" smtClean="0"/>
               <a:pPr/>
-              <a:t>15</a:t>
+              <a:t>14</a:t>
             </a:fld>
             <a:endParaRPr lang="nl-BE"/>
           </a:p>
@@ -2033,19 +1998,108 @@
           <a:p>
             <a:r>
               <a:rPr lang="nl-BE" dirty="0" smtClean="0"/>
-              <a:t>Automated</a:t>
+              <a:t>Screenshot van elke soort Fixture (gradueel opgebouwd): </a:t>
+            </a:r>
+          </a:p>
+          <a:p>
+            <a:pPr>
+              <a:buFontTx/>
+              <a:buChar char="-"/>
+            </a:pPr>
+            <a:r>
+              <a:rPr lang="nl-BE" dirty="0" smtClean="0"/>
+              <a:t>ColumnFixture</a:t>
             </a:r>
             <a:r>
               <a:rPr lang="nl-BE" baseline="0" dirty="0" smtClean="0"/>
-              <a:t> Build (vroeger-&gt; op einde iteratie)</a:t>
-            </a:r>
-          </a:p>
-          <a:p>
+              <a:t> -&gt; Class -&gt; Code</a:t>
+            </a:r>
+          </a:p>
+          <a:p>
+            <a:pPr lvl="1">
+              <a:buFontTx/>
+              <a:buChar char="-"/>
+            </a:pPr>
             <a:r>
               <a:rPr lang="nl-BE" baseline="0" dirty="0" smtClean="0"/>
-              <a:t>CI Environment (evt te schrappen)</a:t>
-            </a:r>
-            <a:endParaRPr lang="nl-BE" dirty="0"/>
+              <a:t>Column -&gt; Property</a:t>
+            </a:r>
+          </a:p>
+          <a:p>
+            <a:pPr lvl="1">
+              <a:buFontTx/>
+              <a:buChar char="-"/>
+            </a:pPr>
+            <a:r>
+              <a:rPr lang="nl-BE" baseline="0" dirty="0" smtClean="0"/>
+              <a:t>Row or ? -&gt; Execute</a:t>
+            </a:r>
+          </a:p>
+          <a:p>
+            <a:pPr lvl="0">
+              <a:buFontTx/>
+              <a:buChar char="-"/>
+            </a:pPr>
+            <a:r>
+              <a:rPr lang="nl-BE" baseline="0" dirty="0" smtClean="0"/>
+              <a:t>RowFixture -&gt; Class</a:t>
+            </a:r>
+          </a:p>
+          <a:p>
+            <a:pPr lvl="1">
+              <a:buFontTx/>
+              <a:buChar char="-"/>
+            </a:pPr>
+            <a:r>
+              <a:rPr lang="nl-BE" baseline="0" dirty="0" smtClean="0"/>
+              <a:t>GetType -&gt; return type</a:t>
+            </a:r>
+          </a:p>
+          <a:p>
+            <a:pPr lvl="1">
+              <a:buFontTx/>
+              <a:buChar char="-"/>
+            </a:pPr>
+            <a:r>
+              <a:rPr lang="nl-BE" baseline="0" dirty="0" smtClean="0"/>
+              <a:t>Query -&gt; </a:t>
+            </a:r>
+            <a:r>
+              <a:rPr lang="nl-BE" baseline="0" dirty="0" smtClean="0"/>
+              <a:t>result</a:t>
+            </a:r>
+          </a:p>
+          <a:p>
+            <a:pPr lvl="0">
+              <a:buFontTx/>
+              <a:buChar char="-"/>
+            </a:pPr>
+            <a:r>
+              <a:rPr lang="nl-BE" baseline="0" dirty="0" smtClean="0"/>
+              <a:t>Copy current batch()</a:t>
+            </a:r>
+            <a:endParaRPr lang="nl-BE" baseline="0" dirty="0" smtClean="0"/>
+          </a:p>
+          <a:p>
+            <a:pPr lvl="1">
+              <a:buFontTx/>
+              <a:buChar char="-"/>
+            </a:pPr>
+            <a:endParaRPr lang="nl-BE" baseline="0" dirty="0" smtClean="0"/>
+          </a:p>
+          <a:p>
+            <a:pPr>
+              <a:buFontTx/>
+              <a:buChar char="-"/>
+            </a:pPr>
+            <a:endParaRPr lang="nl-BE" baseline="0" dirty="0" smtClean="0"/>
+          </a:p>
+          <a:p>
+            <a:pPr>
+              <a:buFontTx/>
+              <a:buChar char="-"/>
+            </a:pPr>
+            <a:endParaRPr lang="nl-BE" dirty="0" smtClean="0"/>
           </a:p>
         </p:txBody>
       </p:sp>
@@ -2067,7 +2121,7 @@
             <a:fld id="{A95F721D-B08F-41E9-83C2-423A43044BB2}" type="slidenum">
               <a:rPr lang="nl-BE" smtClean="0"/>
               <a:pPr/>
-              <a:t>16</a:t>
+              <a:t>15</a:t>
             </a:fld>
             <a:endParaRPr lang="nl-BE"/>
           </a:p>
@@ -2707,7 +2761,7 @@
             <a:fld id="{FB938823-3E05-40BA-BF51-A1BB5DC0A85F}" type="datetimeFigureOut">
               <a:rPr lang="nl-BE" smtClean="0"/>
               <a:pPr/>
-              <a:t>30/04/2009</a:t>
+              <a:t>01/05/2009</a:t>
             </a:fld>
             <a:endParaRPr lang="nl-BE"/>
           </a:p>
@@ -2905,7 +2959,7 @@
             <a:fld id="{FB938823-3E05-40BA-BF51-A1BB5DC0A85F}" type="datetimeFigureOut">
               <a:rPr lang="nl-BE" smtClean="0"/>
               <a:pPr/>
-              <a:t>30/04/2009</a:t>
+              <a:t>01/05/2009</a:t>
             </a:fld>
             <a:endParaRPr lang="nl-BE"/>
           </a:p>
@@ -3092,7 +3146,7 @@
             <a:fld id="{FB938823-3E05-40BA-BF51-A1BB5DC0A85F}" type="datetimeFigureOut">
               <a:rPr lang="nl-BE" smtClean="0"/>
               <a:pPr/>
-              <a:t>30/04/2009</a:t>
+              <a:t>01/05/2009</a:t>
             </a:fld>
             <a:endParaRPr lang="nl-BE"/>
           </a:p>
@@ -3244,7 +3298,7 @@
             <a:fld id="{FB938823-3E05-40BA-BF51-A1BB5DC0A85F}" type="datetimeFigureOut">
               <a:rPr lang="nl-BE" smtClean="0"/>
               <a:pPr/>
-              <a:t>30/04/2009</a:t>
+              <a:t>01/05/2009</a:t>
             </a:fld>
             <a:endParaRPr lang="nl-BE"/>
           </a:p>
@@ -3501,7 +3555,7 @@
             <a:fld id="{FB938823-3E05-40BA-BF51-A1BB5DC0A85F}" type="datetimeFigureOut">
               <a:rPr lang="nl-BE" smtClean="0"/>
               <a:pPr/>
-              <a:t>30/04/2009</a:t>
+              <a:t>01/05/2009</a:t>
             </a:fld>
             <a:endParaRPr lang="nl-BE"/>
           </a:p>
@@ -3912,7 +3966,7 @@
             <a:fld id="{FB938823-3E05-40BA-BF51-A1BB5DC0A85F}" type="datetimeFigureOut">
               <a:rPr lang="nl-BE" smtClean="0"/>
               <a:pPr/>
-              <a:t>30/04/2009</a:t>
+              <a:t>01/05/2009</a:t>
             </a:fld>
             <a:endParaRPr lang="nl-BE"/>
           </a:p>
@@ -4360,7 +4414,7 @@
             <a:fld id="{FB938823-3E05-40BA-BF51-A1BB5DC0A85F}" type="datetimeFigureOut">
               <a:rPr lang="nl-BE" smtClean="0"/>
               <a:pPr/>
-              <a:t>30/04/2009</a:t>
+              <a:t>01/05/2009</a:t>
             </a:fld>
             <a:endParaRPr lang="nl-BE"/>
           </a:p>
@@ -4463,7 +4517,7 @@
             <a:fld id="{FB938823-3E05-40BA-BF51-A1BB5DC0A85F}" type="datetimeFigureOut">
               <a:rPr lang="nl-BE" smtClean="0"/>
               <a:pPr/>
-              <a:t>30/04/2009</a:t>
+              <a:t>01/05/2009</a:t>
             </a:fld>
             <a:endParaRPr lang="nl-BE"/>
           </a:p>
@@ -4586,7 +4640,7 @@
             <a:fld id="{FB938823-3E05-40BA-BF51-A1BB5DC0A85F}" type="datetimeFigureOut">
               <a:rPr lang="nl-BE" smtClean="0"/>
               <a:pPr/>
-              <a:t>30/04/2009</a:t>
+              <a:t>01/05/2009</a:t>
             </a:fld>
             <a:endParaRPr lang="nl-BE"/>
           </a:p>
@@ -4862,7 +4916,7 @@
             <a:fld id="{FB938823-3E05-40BA-BF51-A1BB5DC0A85F}" type="datetimeFigureOut">
               <a:rPr lang="nl-BE" smtClean="0"/>
               <a:pPr/>
-              <a:t>30/04/2009</a:t>
+              <a:t>01/05/2009</a:t>
             </a:fld>
             <a:endParaRPr lang="nl-BE"/>
           </a:p>
@@ -5069,7 +5123,7 @@
             <a:fld id="{FB938823-3E05-40BA-BF51-A1BB5DC0A85F}" type="datetimeFigureOut">
               <a:rPr lang="nl-BE" smtClean="0"/>
               <a:pPr/>
-              <a:t>30/04/2009</a:t>
+              <a:t>01/05/2009</a:t>
             </a:fld>
             <a:endParaRPr lang="nl-BE"/>
           </a:p>
@@ -6180,7 +6234,7 @@
             <a:fld id="{FB938823-3E05-40BA-BF51-A1BB5DC0A85F}" type="datetimeFigureOut">
               <a:rPr lang="nl-BE" smtClean="0"/>
               <a:pPr/>
-              <a:t>30/04/2009</a:t>
+              <a:t>01/05/2009</a:t>
             </a:fld>
             <a:endParaRPr lang="nl-BE"/>
           </a:p>
@@ -6665,6 +6719,4367 @@
 </file>
 
 <file path=ppt/slides/slide10.xml><?xml version="1.0" encoding="utf-8"?>
+<p:sld xmlns:a="http://schemas.openxmlformats.org/drawingml/2006/main" xmlns:r="http://schemas.openxmlformats.org/officeDocument/2006/relationships" xmlns:p="http://schemas.openxmlformats.org/presentationml/2006/main">
+  <p:cSld>
+    <p:spTree>
+      <p:nvGrpSpPr>
+        <p:cNvPr id="1" name=""/>
+        <p:cNvGrpSpPr/>
+        <p:nvPr/>
+      </p:nvGrpSpPr>
+      <p:grpSpPr>
+        <a:xfrm>
+          <a:off x="0" y="0"/>
+          <a:ext cx="0" cy="0"/>
+          <a:chOff x="0" y="0"/>
+          <a:chExt cx="0" cy="0"/>
+        </a:xfrm>
+      </p:grpSpPr>
+      <p:sp>
+        <p:nvSpPr>
+          <p:cNvPr id="3" name="Title 2"/>
+          <p:cNvSpPr>
+            <a:spLocks noGrp="1"/>
+          </p:cNvSpPr>
+          <p:nvPr>
+            <p:ph type="title"/>
+          </p:nvPr>
+        </p:nvSpPr>
+        <p:spPr/>
+        <p:txBody>
+          <a:bodyPr>
+            <a:normAutofit/>
+          </a:bodyPr>
+          <a:lstStyle/>
+          <a:p>
+            <a:r>
+              <a:rPr lang="nl-BE" dirty="0" smtClean="0"/>
+              <a:t>Manage Users &amp; Credits</a:t>
+            </a:r>
+            <a:endParaRPr lang="nl-BE" dirty="0"/>
+          </a:p>
+        </p:txBody>
+      </p:sp>
+      <p:pic>
+        <p:nvPicPr>
+          <p:cNvPr id="1027" name="Picture 3"/>
+          <p:cNvPicPr>
+            <a:picLocks noChangeAspect="1" noChangeArrowheads="1"/>
+          </p:cNvPicPr>
+          <p:nvPr/>
+        </p:nvPicPr>
+        <p:blipFill>
+          <a:blip r:embed="rId3"/>
+          <a:srcRect/>
+          <a:stretch>
+            <a:fillRect/>
+          </a:stretch>
+        </p:blipFill>
+        <p:spPr bwMode="auto">
+          <a:xfrm>
+            <a:off x="142844" y="1285860"/>
+            <a:ext cx="3781425" cy="3571875"/>
+          </a:xfrm>
+          <a:prstGeom prst="rect">
+            <a:avLst/>
+          </a:prstGeom>
+          <a:noFill/>
+          <a:ln w="9525">
+            <a:noFill/>
+            <a:miter lim="800000"/>
+            <a:headEnd/>
+            <a:tailEnd/>
+          </a:ln>
+          <a:effectLst/>
+        </p:spPr>
+      </p:pic>
+      <p:sp>
+        <p:nvSpPr>
+          <p:cNvPr id="8" name="Right Arrow 7"/>
+          <p:cNvSpPr/>
+          <p:nvPr/>
+        </p:nvSpPr>
+        <p:spPr>
+          <a:xfrm rot="2643152">
+            <a:off x="4138333" y="2315835"/>
+            <a:ext cx="785818" cy="714380"/>
+          </a:xfrm>
+          <a:prstGeom prst="rightArrow">
+            <a:avLst/>
+          </a:prstGeom>
+        </p:spPr>
+        <p:style>
+          <a:lnRef idx="2">
+            <a:schemeClr val="accent1">
+              <a:shade val="50000"/>
+            </a:schemeClr>
+          </a:lnRef>
+          <a:fillRef idx="1">
+            <a:schemeClr val="accent1"/>
+          </a:fillRef>
+          <a:effectRef idx="0">
+            <a:schemeClr val="accent1"/>
+          </a:effectRef>
+          <a:fontRef idx="minor">
+            <a:schemeClr val="lt1"/>
+          </a:fontRef>
+        </p:style>
+        <p:txBody>
+          <a:bodyPr rtlCol="0" anchor="ctr"/>
+          <a:lstStyle/>
+          <a:p>
+            <a:pPr algn="ctr"/>
+            <a:endParaRPr lang="nl-BE"/>
+          </a:p>
+        </p:txBody>
+      </p:sp>
+      <p:pic>
+        <p:nvPicPr>
+          <p:cNvPr id="1029" name="Picture 5"/>
+          <p:cNvPicPr>
+            <a:picLocks noChangeAspect="1" noChangeArrowheads="1"/>
+          </p:cNvPicPr>
+          <p:nvPr/>
+        </p:nvPicPr>
+        <p:blipFill>
+          <a:blip r:embed="rId4"/>
+          <a:srcRect/>
+          <a:stretch>
+            <a:fillRect/>
+          </a:stretch>
+        </p:blipFill>
+        <p:spPr bwMode="auto">
+          <a:xfrm>
+            <a:off x="4143372" y="3143248"/>
+            <a:ext cx="4838700" cy="3543300"/>
+          </a:xfrm>
+          <a:prstGeom prst="rect">
+            <a:avLst/>
+          </a:prstGeom>
+          <a:noFill/>
+          <a:ln w="9525">
+            <a:noFill/>
+            <a:miter lim="800000"/>
+            <a:headEnd/>
+            <a:tailEnd/>
+          </a:ln>
+          <a:effectLst/>
+        </p:spPr>
+      </p:pic>
+    </p:spTree>
+  </p:cSld>
+  <p:clrMapOvr>
+    <a:masterClrMapping/>
+  </p:clrMapOvr>
+  <p:timing>
+    <p:tnLst>
+      <p:par>
+        <p:cTn id="1" dur="indefinite" restart="never" nodeType="tmRoot">
+          <p:childTnLst>
+            <p:seq concurrent="1" nextAc="seek">
+              <p:cTn id="2" dur="indefinite" nodeType="mainSeq">
+                <p:childTnLst>
+                  <p:par>
+                    <p:cTn id="3" fill="hold">
+                      <p:stCondLst>
+                        <p:cond delay="indefinite"/>
+                      </p:stCondLst>
+                      <p:childTnLst>
+                        <p:par>
+                          <p:cTn id="4" fill="hold">
+                            <p:stCondLst>
+                              <p:cond delay="0"/>
+                            </p:stCondLst>
+                            <p:childTnLst>
+                              <p:par>
+                                <p:cTn id="5" presetID="1" presetClass="entr" presetSubtype="0" fill="hold" nodeType="clickEffect">
+                                  <p:stCondLst>
+                                    <p:cond delay="0"/>
+                                  </p:stCondLst>
+                                  <p:childTnLst>
+                                    <p:set>
+                                      <p:cBhvr>
+                                        <p:cTn id="6" dur="1" fill="hold">
+                                          <p:stCondLst>
+                                            <p:cond delay="0"/>
+                                          </p:stCondLst>
+                                        </p:cTn>
+                                        <p:tgtEl>
+                                          <p:spTgt spid="1027"/>
+                                        </p:tgtEl>
+                                        <p:attrNameLst>
+                                          <p:attrName>style.visibility</p:attrName>
+                                        </p:attrNameLst>
+                                      </p:cBhvr>
+                                      <p:to>
+                                        <p:strVal val="visible"/>
+                                      </p:to>
+                                    </p:set>
+                                  </p:childTnLst>
+                                </p:cTn>
+                              </p:par>
+                            </p:childTnLst>
+                          </p:cTn>
+                        </p:par>
+                      </p:childTnLst>
+                    </p:cTn>
+                  </p:par>
+                  <p:par>
+                    <p:cTn id="7" fill="hold">
+                      <p:stCondLst>
+                        <p:cond delay="indefinite"/>
+                      </p:stCondLst>
+                      <p:childTnLst>
+                        <p:par>
+                          <p:cTn id="8" fill="hold">
+                            <p:stCondLst>
+                              <p:cond delay="0"/>
+                            </p:stCondLst>
+                            <p:childTnLst>
+                              <p:par>
+                                <p:cTn id="9" presetID="1" presetClass="entr" presetSubtype="0" fill="hold" grpId="0" nodeType="clickEffect">
+                                  <p:stCondLst>
+                                    <p:cond delay="0"/>
+                                  </p:stCondLst>
+                                  <p:childTnLst>
+                                    <p:set>
+                                      <p:cBhvr>
+                                        <p:cTn id="10" dur="1" fill="hold">
+                                          <p:stCondLst>
+                                            <p:cond delay="0"/>
+                                          </p:stCondLst>
+                                        </p:cTn>
+                                        <p:tgtEl>
+                                          <p:spTgt spid="8"/>
+                                        </p:tgtEl>
+                                        <p:attrNameLst>
+                                          <p:attrName>style.visibility</p:attrName>
+                                        </p:attrNameLst>
+                                      </p:cBhvr>
+                                      <p:to>
+                                        <p:strVal val="visible"/>
+                                      </p:to>
+                                    </p:set>
+                                  </p:childTnLst>
+                                </p:cTn>
+                              </p:par>
+                            </p:childTnLst>
+                          </p:cTn>
+                        </p:par>
+                      </p:childTnLst>
+                    </p:cTn>
+                  </p:par>
+                  <p:par>
+                    <p:cTn id="11" fill="hold">
+                      <p:stCondLst>
+                        <p:cond delay="indefinite"/>
+                      </p:stCondLst>
+                      <p:childTnLst>
+                        <p:par>
+                          <p:cTn id="12" fill="hold">
+                            <p:stCondLst>
+                              <p:cond delay="0"/>
+                            </p:stCondLst>
+                            <p:childTnLst>
+                              <p:par>
+                                <p:cTn id="13" presetID="1" presetClass="entr" presetSubtype="0" fill="hold" nodeType="clickEffect">
+                                  <p:stCondLst>
+                                    <p:cond delay="0"/>
+                                  </p:stCondLst>
+                                  <p:childTnLst>
+                                    <p:set>
+                                      <p:cBhvr>
+                                        <p:cTn id="14" dur="1" fill="hold">
+                                          <p:stCondLst>
+                                            <p:cond delay="0"/>
+                                          </p:stCondLst>
+                                        </p:cTn>
+                                        <p:tgtEl>
+                                          <p:spTgt spid="1029"/>
+                                        </p:tgtEl>
+                                        <p:attrNameLst>
+                                          <p:attrName>style.visibility</p:attrName>
+                                        </p:attrNameLst>
+                                      </p:cBhvr>
+                                      <p:to>
+                                        <p:strVal val="visible"/>
+                                      </p:to>
+                                    </p:set>
+                                  </p:childTnLst>
+                                </p:cTn>
+                              </p:par>
+                            </p:childTnLst>
+                          </p:cTn>
+                        </p:par>
+                      </p:childTnLst>
+                    </p:cTn>
+                  </p:par>
+                </p:childTnLst>
+              </p:cTn>
+              <p:prevCondLst>
+                <p:cond evt="onPrev" delay="0">
+                  <p:tgtEl>
+                    <p:sldTgt/>
+                  </p:tgtEl>
+                </p:cond>
+              </p:prevCondLst>
+              <p:nextCondLst>
+                <p:cond evt="onNext" delay="0">
+                  <p:tgtEl>
+                    <p:sldTgt/>
+                  </p:tgtEl>
+                </p:cond>
+              </p:nextCondLst>
+            </p:seq>
+          </p:childTnLst>
+        </p:cTn>
+      </p:par>
+    </p:tnLst>
+    <p:bldLst>
+      <p:bldP spid="8" grpId="0" animBg="1"/>
+    </p:bldLst>
+  </p:timing>
+</p:sld>
+</file>
+
+<file path=ppt/slides/slide11.xml><?xml version="1.0" encoding="utf-8"?>
+<p:sld xmlns:a="http://schemas.openxmlformats.org/drawingml/2006/main" xmlns:r="http://schemas.openxmlformats.org/officeDocument/2006/relationships" xmlns:p="http://schemas.openxmlformats.org/presentationml/2006/main">
+  <p:cSld>
+    <p:spTree>
+      <p:nvGrpSpPr>
+        <p:cNvPr id="1" name=""/>
+        <p:cNvGrpSpPr/>
+        <p:nvPr/>
+      </p:nvGrpSpPr>
+      <p:grpSpPr>
+        <a:xfrm>
+          <a:off x="0" y="0"/>
+          <a:ext cx="0" cy="0"/>
+          <a:chOff x="0" y="0"/>
+          <a:chExt cx="0" cy="0"/>
+        </a:xfrm>
+      </p:grpSpPr>
+      <p:sp>
+        <p:nvSpPr>
+          <p:cNvPr id="3" name="Title 2"/>
+          <p:cNvSpPr>
+            <a:spLocks noGrp="1"/>
+          </p:cNvSpPr>
+          <p:nvPr>
+            <p:ph type="title"/>
+          </p:nvPr>
+        </p:nvSpPr>
+        <p:spPr/>
+        <p:txBody>
+          <a:bodyPr>
+            <a:normAutofit/>
+          </a:bodyPr>
+          <a:lstStyle/>
+          <a:p>
+            <a:r>
+              <a:rPr lang="nl-BE" dirty="0" smtClean="0"/>
+              <a:t>Order a snack &amp; show orders</a:t>
+            </a:r>
+            <a:endParaRPr lang="nl-BE" dirty="0"/>
+          </a:p>
+        </p:txBody>
+      </p:sp>
+      <p:pic>
+        <p:nvPicPr>
+          <p:cNvPr id="2051" name="Picture 3"/>
+          <p:cNvPicPr>
+            <a:picLocks noChangeAspect="1" noChangeArrowheads="1"/>
+          </p:cNvPicPr>
+          <p:nvPr/>
+        </p:nvPicPr>
+        <p:blipFill>
+          <a:blip r:embed="rId3"/>
+          <a:srcRect/>
+          <a:stretch>
+            <a:fillRect/>
+          </a:stretch>
+        </p:blipFill>
+        <p:spPr bwMode="auto">
+          <a:xfrm>
+            <a:off x="357158" y="1285860"/>
+            <a:ext cx="3600450" cy="4238625"/>
+          </a:xfrm>
+          <a:prstGeom prst="rect">
+            <a:avLst/>
+          </a:prstGeom>
+          <a:noFill/>
+          <a:ln w="9525">
+            <a:noFill/>
+            <a:miter lim="800000"/>
+            <a:headEnd/>
+            <a:tailEnd/>
+          </a:ln>
+          <a:effectLst/>
+        </p:spPr>
+      </p:pic>
+      <p:pic>
+        <p:nvPicPr>
+          <p:cNvPr id="2052" name="Picture 4"/>
+          <p:cNvPicPr>
+            <a:picLocks noChangeAspect="1" noChangeArrowheads="1"/>
+          </p:cNvPicPr>
+          <p:nvPr/>
+        </p:nvPicPr>
+        <p:blipFill>
+          <a:blip r:embed="rId4"/>
+          <a:srcRect/>
+          <a:stretch>
+            <a:fillRect/>
+          </a:stretch>
+        </p:blipFill>
+        <p:spPr bwMode="auto">
+          <a:xfrm>
+            <a:off x="5148292" y="3143248"/>
+            <a:ext cx="3638550" cy="3419475"/>
+          </a:xfrm>
+          <a:prstGeom prst="rect">
+            <a:avLst/>
+          </a:prstGeom>
+          <a:noFill/>
+          <a:ln w="9525">
+            <a:noFill/>
+            <a:miter lim="800000"/>
+            <a:headEnd/>
+            <a:tailEnd/>
+          </a:ln>
+          <a:effectLst/>
+        </p:spPr>
+      </p:pic>
+      <p:sp>
+        <p:nvSpPr>
+          <p:cNvPr id="9" name="Right Arrow 8"/>
+          <p:cNvSpPr/>
+          <p:nvPr/>
+        </p:nvSpPr>
+        <p:spPr>
+          <a:xfrm rot="2643152">
+            <a:off x="4281208" y="2887339"/>
+            <a:ext cx="785818" cy="714380"/>
+          </a:xfrm>
+          <a:prstGeom prst="rightArrow">
+            <a:avLst/>
+          </a:prstGeom>
+        </p:spPr>
+        <p:style>
+          <a:lnRef idx="2">
+            <a:schemeClr val="accent1">
+              <a:shade val="50000"/>
+            </a:schemeClr>
+          </a:lnRef>
+          <a:fillRef idx="1">
+            <a:schemeClr val="accent1"/>
+          </a:fillRef>
+          <a:effectRef idx="0">
+            <a:schemeClr val="accent1"/>
+          </a:effectRef>
+          <a:fontRef idx="minor">
+            <a:schemeClr val="lt1"/>
+          </a:fontRef>
+        </p:style>
+        <p:txBody>
+          <a:bodyPr rtlCol="0" anchor="ctr"/>
+          <a:lstStyle/>
+          <a:p>
+            <a:pPr algn="ctr"/>
+            <a:endParaRPr lang="nl-BE"/>
+          </a:p>
+        </p:txBody>
+      </p:sp>
+    </p:spTree>
+  </p:cSld>
+  <p:clrMapOvr>
+    <a:masterClrMapping/>
+  </p:clrMapOvr>
+  <p:timing>
+    <p:tnLst>
+      <p:par>
+        <p:cTn id="1" dur="indefinite" restart="never" nodeType="tmRoot">
+          <p:childTnLst>
+            <p:seq concurrent="1" nextAc="seek">
+              <p:cTn id="2" dur="indefinite" nodeType="mainSeq">
+                <p:childTnLst>
+                  <p:par>
+                    <p:cTn id="3" fill="hold">
+                      <p:stCondLst>
+                        <p:cond delay="indefinite"/>
+                      </p:stCondLst>
+                      <p:childTnLst>
+                        <p:par>
+                          <p:cTn id="4" fill="hold">
+                            <p:stCondLst>
+                              <p:cond delay="0"/>
+                            </p:stCondLst>
+                            <p:childTnLst>
+                              <p:par>
+                                <p:cTn id="5" presetID="1" presetClass="entr" presetSubtype="0" fill="hold" nodeType="clickEffect">
+                                  <p:stCondLst>
+                                    <p:cond delay="0"/>
+                                  </p:stCondLst>
+                                  <p:childTnLst>
+                                    <p:set>
+                                      <p:cBhvr>
+                                        <p:cTn id="6" dur="1" fill="hold">
+                                          <p:stCondLst>
+                                            <p:cond delay="0"/>
+                                          </p:stCondLst>
+                                        </p:cTn>
+                                        <p:tgtEl>
+                                          <p:spTgt spid="2051"/>
+                                        </p:tgtEl>
+                                        <p:attrNameLst>
+                                          <p:attrName>style.visibility</p:attrName>
+                                        </p:attrNameLst>
+                                      </p:cBhvr>
+                                      <p:to>
+                                        <p:strVal val="visible"/>
+                                      </p:to>
+                                    </p:set>
+                                  </p:childTnLst>
+                                </p:cTn>
+                              </p:par>
+                            </p:childTnLst>
+                          </p:cTn>
+                        </p:par>
+                      </p:childTnLst>
+                    </p:cTn>
+                  </p:par>
+                  <p:par>
+                    <p:cTn id="7" fill="hold">
+                      <p:stCondLst>
+                        <p:cond delay="indefinite"/>
+                      </p:stCondLst>
+                      <p:childTnLst>
+                        <p:par>
+                          <p:cTn id="8" fill="hold">
+                            <p:stCondLst>
+                              <p:cond delay="0"/>
+                            </p:stCondLst>
+                            <p:childTnLst>
+                              <p:par>
+                                <p:cTn id="9" presetID="1" presetClass="entr" presetSubtype="0" fill="hold" grpId="0" nodeType="clickEffect">
+                                  <p:stCondLst>
+                                    <p:cond delay="0"/>
+                                  </p:stCondLst>
+                                  <p:childTnLst>
+                                    <p:set>
+                                      <p:cBhvr>
+                                        <p:cTn id="10" dur="1" fill="hold">
+                                          <p:stCondLst>
+                                            <p:cond delay="0"/>
+                                          </p:stCondLst>
+                                        </p:cTn>
+                                        <p:tgtEl>
+                                          <p:spTgt spid="9"/>
+                                        </p:tgtEl>
+                                        <p:attrNameLst>
+                                          <p:attrName>style.visibility</p:attrName>
+                                        </p:attrNameLst>
+                                      </p:cBhvr>
+                                      <p:to>
+                                        <p:strVal val="visible"/>
+                                      </p:to>
+                                    </p:set>
+                                  </p:childTnLst>
+                                </p:cTn>
+                              </p:par>
+                            </p:childTnLst>
+                          </p:cTn>
+                        </p:par>
+                      </p:childTnLst>
+                    </p:cTn>
+                  </p:par>
+                  <p:par>
+                    <p:cTn id="11" fill="hold">
+                      <p:stCondLst>
+                        <p:cond delay="indefinite"/>
+                      </p:stCondLst>
+                      <p:childTnLst>
+                        <p:par>
+                          <p:cTn id="12" fill="hold">
+                            <p:stCondLst>
+                              <p:cond delay="0"/>
+                            </p:stCondLst>
+                            <p:childTnLst>
+                              <p:par>
+                                <p:cTn id="13" presetID="1" presetClass="entr" presetSubtype="0" fill="hold" nodeType="clickEffect">
+                                  <p:stCondLst>
+                                    <p:cond delay="0"/>
+                                  </p:stCondLst>
+                                  <p:childTnLst>
+                                    <p:set>
+                                      <p:cBhvr>
+                                        <p:cTn id="14" dur="1" fill="hold">
+                                          <p:stCondLst>
+                                            <p:cond delay="0"/>
+                                          </p:stCondLst>
+                                        </p:cTn>
+                                        <p:tgtEl>
+                                          <p:spTgt spid="2052"/>
+                                        </p:tgtEl>
+                                        <p:attrNameLst>
+                                          <p:attrName>style.visibility</p:attrName>
+                                        </p:attrNameLst>
+                                      </p:cBhvr>
+                                      <p:to>
+                                        <p:strVal val="visible"/>
+                                      </p:to>
+                                    </p:set>
+                                  </p:childTnLst>
+                                </p:cTn>
+                              </p:par>
+                            </p:childTnLst>
+                          </p:cTn>
+                        </p:par>
+                      </p:childTnLst>
+                    </p:cTn>
+                  </p:par>
+                </p:childTnLst>
+              </p:cTn>
+              <p:prevCondLst>
+                <p:cond evt="onPrev" delay="0">
+                  <p:tgtEl>
+                    <p:sldTgt/>
+                  </p:tgtEl>
+                </p:cond>
+              </p:prevCondLst>
+              <p:nextCondLst>
+                <p:cond evt="onNext" delay="0">
+                  <p:tgtEl>
+                    <p:sldTgt/>
+                  </p:tgtEl>
+                </p:cond>
+              </p:nextCondLst>
+            </p:seq>
+          </p:childTnLst>
+        </p:cTn>
+      </p:par>
+    </p:tnLst>
+    <p:bldLst>
+      <p:bldP spid="9" grpId="0" animBg="1"/>
+    </p:bldLst>
+  </p:timing>
+</p:sld>
+</file>
+
+<file path=ppt/slides/slide12.xml><?xml version="1.0" encoding="utf-8"?>
+<p:sld xmlns:a="http://schemas.openxmlformats.org/drawingml/2006/main" xmlns:r="http://schemas.openxmlformats.org/officeDocument/2006/relationships" xmlns:p="http://schemas.openxmlformats.org/presentationml/2006/main">
+  <p:cSld>
+    <p:spTree>
+      <p:nvGrpSpPr>
+        <p:cNvPr id="1" name=""/>
+        <p:cNvGrpSpPr/>
+        <p:nvPr/>
+      </p:nvGrpSpPr>
+      <p:grpSpPr>
+        <a:xfrm>
+          <a:off x="0" y="0"/>
+          <a:ext cx="0" cy="0"/>
+          <a:chOff x="0" y="0"/>
+          <a:chExt cx="0" cy="0"/>
+        </a:xfrm>
+      </p:grpSpPr>
+      <p:sp>
+        <p:nvSpPr>
+          <p:cNvPr id="3" name="Content Placeholder 2"/>
+          <p:cNvSpPr>
+            <a:spLocks noGrp="1"/>
+          </p:cNvSpPr>
+          <p:nvPr>
+            <p:ph idx="1"/>
+          </p:nvPr>
+        </p:nvSpPr>
+        <p:spPr/>
+        <p:txBody>
+          <a:bodyPr>
+            <a:normAutofit/>
+          </a:bodyPr>
+          <a:lstStyle/>
+          <a:p>
+            <a:r>
+              <a:rPr lang="nl-BE" dirty="0" smtClean="0"/>
+              <a:t>Scope of the user story is nailed down</a:t>
+            </a:r>
+          </a:p>
+          <a:p>
+            <a:endParaRPr lang="nl-BE" dirty="0" smtClean="0"/>
+          </a:p>
+          <a:p>
+            <a:r>
+              <a:rPr lang="nl-BE" dirty="0" smtClean="0"/>
+              <a:t>We have real world examples how the user story should work</a:t>
+            </a:r>
+          </a:p>
+          <a:p>
+            <a:endParaRPr lang="nl-BE" dirty="0" smtClean="0"/>
+          </a:p>
+          <a:p>
+            <a:r>
+              <a:rPr lang="nl-BE" dirty="0" smtClean="0"/>
+              <a:t>Lets turn those examples into executable specifications to verify that we have build the right code.</a:t>
+            </a:r>
+          </a:p>
+          <a:p>
+            <a:endParaRPr lang="nl-BE" dirty="0" smtClean="0"/>
+          </a:p>
+          <a:p>
+            <a:r>
+              <a:rPr lang="nl-BE" dirty="0" smtClean="0"/>
+              <a:t>Welcome FitNesse!</a:t>
+            </a:r>
+          </a:p>
+        </p:txBody>
+      </p:sp>
+      <p:sp>
+        <p:nvSpPr>
+          <p:cNvPr id="2" name="Title 1"/>
+          <p:cNvSpPr>
+            <a:spLocks noGrp="1"/>
+          </p:cNvSpPr>
+          <p:nvPr>
+            <p:ph type="title"/>
+          </p:nvPr>
+        </p:nvSpPr>
+        <p:spPr/>
+        <p:txBody>
+          <a:bodyPr/>
+          <a:lstStyle/>
+          <a:p>
+            <a:r>
+              <a:rPr lang="nl-BE" dirty="0" smtClean="0"/>
+              <a:t>Executable specifications</a:t>
+            </a:r>
+            <a:endParaRPr lang="nl-BE" dirty="0"/>
+          </a:p>
+        </p:txBody>
+      </p:sp>
+    </p:spTree>
+  </p:cSld>
+  <p:clrMapOvr>
+    <a:masterClrMapping/>
+  </p:clrMapOvr>
+  <p:timing>
+    <p:tnLst>
+      <p:par>
+        <p:cTn id="1" dur="indefinite" restart="never" nodeType="tmRoot">
+          <p:childTnLst>
+            <p:seq concurrent="1" nextAc="seek">
+              <p:cTn id="2" dur="indefinite" nodeType="mainSeq">
+                <p:childTnLst>
+                  <p:par>
+                    <p:cTn id="3" fill="hold">
+                      <p:stCondLst>
+                        <p:cond delay="indefinite"/>
+                      </p:stCondLst>
+                      <p:childTnLst>
+                        <p:par>
+                          <p:cTn id="4" fill="hold">
+                            <p:stCondLst>
+                              <p:cond delay="0"/>
+                            </p:stCondLst>
+                            <p:childTnLst>
+                              <p:par>
+                                <p:cTn id="5" presetID="1" presetClass="entr" presetSubtype="0" fill="hold" grpId="0" nodeType="clickEffect">
+                                  <p:stCondLst>
+                                    <p:cond delay="0"/>
+                                  </p:stCondLst>
+                                  <p:childTnLst>
+                                    <p:set>
+                                      <p:cBhvr>
+                                        <p:cTn id="6" dur="1" fill="hold">
+                                          <p:stCondLst>
+                                            <p:cond delay="0"/>
+                                          </p:stCondLst>
+                                        </p:cTn>
+                                        <p:tgtEl>
+                                          <p:spTgt spid="3">
+                                            <p:txEl>
+                                              <p:pRg st="0" end="0"/>
+                                            </p:txEl>
+                                          </p:spTgt>
+                                        </p:tgtEl>
+                                        <p:attrNameLst>
+                                          <p:attrName>style.visibility</p:attrName>
+                                        </p:attrNameLst>
+                                      </p:cBhvr>
+                                      <p:to>
+                                        <p:strVal val="visible"/>
+                                      </p:to>
+                                    </p:set>
+                                  </p:childTnLst>
+                                </p:cTn>
+                              </p:par>
+                            </p:childTnLst>
+                          </p:cTn>
+                        </p:par>
+                      </p:childTnLst>
+                    </p:cTn>
+                  </p:par>
+                  <p:par>
+                    <p:cTn id="7" fill="hold">
+                      <p:stCondLst>
+                        <p:cond delay="indefinite"/>
+                      </p:stCondLst>
+                      <p:childTnLst>
+                        <p:par>
+                          <p:cTn id="8" fill="hold">
+                            <p:stCondLst>
+                              <p:cond delay="0"/>
+                            </p:stCondLst>
+                            <p:childTnLst>
+                              <p:par>
+                                <p:cTn id="9" presetID="1" presetClass="entr" presetSubtype="0" fill="hold" grpId="0" nodeType="clickEffect">
+                                  <p:stCondLst>
+                                    <p:cond delay="0"/>
+                                  </p:stCondLst>
+                                  <p:childTnLst>
+                                    <p:set>
+                                      <p:cBhvr>
+                                        <p:cTn id="10" dur="1" fill="hold">
+                                          <p:stCondLst>
+                                            <p:cond delay="0"/>
+                                          </p:stCondLst>
+                                        </p:cTn>
+                                        <p:tgtEl>
+                                          <p:spTgt spid="3">
+                                            <p:txEl>
+                                              <p:pRg st="2" end="2"/>
+                                            </p:txEl>
+                                          </p:spTgt>
+                                        </p:tgtEl>
+                                        <p:attrNameLst>
+                                          <p:attrName>style.visibility</p:attrName>
+                                        </p:attrNameLst>
+                                      </p:cBhvr>
+                                      <p:to>
+                                        <p:strVal val="visible"/>
+                                      </p:to>
+                                    </p:set>
+                                  </p:childTnLst>
+                                </p:cTn>
+                              </p:par>
+                            </p:childTnLst>
+                          </p:cTn>
+                        </p:par>
+                      </p:childTnLst>
+                    </p:cTn>
+                  </p:par>
+                  <p:par>
+                    <p:cTn id="11" fill="hold">
+                      <p:stCondLst>
+                        <p:cond delay="indefinite"/>
+                      </p:stCondLst>
+                      <p:childTnLst>
+                        <p:par>
+                          <p:cTn id="12" fill="hold">
+                            <p:stCondLst>
+                              <p:cond delay="0"/>
+                            </p:stCondLst>
+                            <p:childTnLst>
+                              <p:par>
+                                <p:cTn id="13" presetID="1" presetClass="entr" presetSubtype="0" fill="hold" grpId="0" nodeType="clickEffect">
+                                  <p:stCondLst>
+                                    <p:cond delay="0"/>
+                                  </p:stCondLst>
+                                  <p:childTnLst>
+                                    <p:set>
+                                      <p:cBhvr>
+                                        <p:cTn id="14" dur="1" fill="hold">
+                                          <p:stCondLst>
+                                            <p:cond delay="0"/>
+                                          </p:stCondLst>
+                                        </p:cTn>
+                                        <p:tgtEl>
+                                          <p:spTgt spid="3">
+                                            <p:txEl>
+                                              <p:pRg st="4" end="4"/>
+                                            </p:txEl>
+                                          </p:spTgt>
+                                        </p:tgtEl>
+                                        <p:attrNameLst>
+                                          <p:attrName>style.visibility</p:attrName>
+                                        </p:attrNameLst>
+                                      </p:cBhvr>
+                                      <p:to>
+                                        <p:strVal val="visible"/>
+                                      </p:to>
+                                    </p:set>
+                                  </p:childTnLst>
+                                </p:cTn>
+                              </p:par>
+                            </p:childTnLst>
+                          </p:cTn>
+                        </p:par>
+                      </p:childTnLst>
+                    </p:cTn>
+                  </p:par>
+                  <p:par>
+                    <p:cTn id="15" fill="hold">
+                      <p:stCondLst>
+                        <p:cond delay="indefinite"/>
+                      </p:stCondLst>
+                      <p:childTnLst>
+                        <p:par>
+                          <p:cTn id="16" fill="hold">
+                            <p:stCondLst>
+                              <p:cond delay="0"/>
+                            </p:stCondLst>
+                            <p:childTnLst>
+                              <p:par>
+                                <p:cTn id="17" presetID="1" presetClass="entr" presetSubtype="0" fill="hold" grpId="0" nodeType="clickEffect">
+                                  <p:stCondLst>
+                                    <p:cond delay="0"/>
+                                  </p:stCondLst>
+                                  <p:childTnLst>
+                                    <p:set>
+                                      <p:cBhvr>
+                                        <p:cTn id="18" dur="1" fill="hold">
+                                          <p:stCondLst>
+                                            <p:cond delay="0"/>
+                                          </p:stCondLst>
+                                        </p:cTn>
+                                        <p:tgtEl>
+                                          <p:spTgt spid="3">
+                                            <p:txEl>
+                                              <p:pRg st="6" end="6"/>
+                                            </p:txEl>
+                                          </p:spTgt>
+                                        </p:tgtEl>
+                                        <p:attrNameLst>
+                                          <p:attrName>style.visibility</p:attrName>
+                                        </p:attrNameLst>
+                                      </p:cBhvr>
+                                      <p:to>
+                                        <p:strVal val="visible"/>
+                                      </p:to>
+                                    </p:set>
+                                  </p:childTnLst>
+                                </p:cTn>
+                              </p:par>
+                            </p:childTnLst>
+                          </p:cTn>
+                        </p:par>
+                      </p:childTnLst>
+                    </p:cTn>
+                  </p:par>
+                </p:childTnLst>
+              </p:cTn>
+              <p:prevCondLst>
+                <p:cond evt="onPrev" delay="0">
+                  <p:tgtEl>
+                    <p:sldTgt/>
+                  </p:tgtEl>
+                </p:cond>
+              </p:prevCondLst>
+              <p:nextCondLst>
+                <p:cond evt="onNext" delay="0">
+                  <p:tgtEl>
+                    <p:sldTgt/>
+                  </p:tgtEl>
+                </p:cond>
+              </p:nextCondLst>
+            </p:seq>
+          </p:childTnLst>
+        </p:cTn>
+      </p:par>
+    </p:tnLst>
+    <p:bldLst>
+      <p:bldP spid="3" grpId="0" build="p"/>
+    </p:bldLst>
+  </p:timing>
+</p:sld>
+</file>
+
+<file path=ppt/slides/slide13.xml><?xml version="1.0" encoding="utf-8"?>
+<p:sld xmlns:a="http://schemas.openxmlformats.org/drawingml/2006/main" xmlns:r="http://schemas.openxmlformats.org/officeDocument/2006/relationships" xmlns:p="http://schemas.openxmlformats.org/presentationml/2006/main">
+  <p:cSld>
+    <p:spTree>
+      <p:nvGrpSpPr>
+        <p:cNvPr id="1" name=""/>
+        <p:cNvGrpSpPr/>
+        <p:nvPr/>
+      </p:nvGrpSpPr>
+      <p:grpSpPr>
+        <a:xfrm>
+          <a:off x="0" y="0"/>
+          <a:ext cx="0" cy="0"/>
+          <a:chOff x="0" y="0"/>
+          <a:chExt cx="0" cy="0"/>
+        </a:xfrm>
+      </p:grpSpPr>
+      <p:pic>
+        <p:nvPicPr>
+          <p:cNvPr id="5" name="Picture 2" descr="C:\Users\pascmest\AppData\Local\Microsoft\Windows\Temporary Internet Files\Content.IE5\R67MQFYW\MPj04053960000[1].jpg"/>
+          <p:cNvPicPr>
+            <a:picLocks noChangeAspect="1" noChangeArrowheads="1"/>
+          </p:cNvPicPr>
+          <p:nvPr/>
+        </p:nvPicPr>
+        <p:blipFill>
+          <a:blip r:embed="rId3" cstate="print"/>
+          <a:srcRect/>
+          <a:stretch>
+            <a:fillRect/>
+          </a:stretch>
+        </p:blipFill>
+        <p:spPr bwMode="auto">
+          <a:xfrm>
+            <a:off x="5443545" y="4214818"/>
+            <a:ext cx="3700487" cy="2643206"/>
+          </a:xfrm>
+          <a:prstGeom prst="rect">
+            <a:avLst/>
+          </a:prstGeom>
+          <a:noFill/>
+        </p:spPr>
+      </p:pic>
+      <p:sp>
+        <p:nvSpPr>
+          <p:cNvPr id="2" name="Content Placeholder 1"/>
+          <p:cNvSpPr>
+            <a:spLocks noGrp="1"/>
+          </p:cNvSpPr>
+          <p:nvPr>
+            <p:ph idx="1"/>
+          </p:nvPr>
+        </p:nvSpPr>
+        <p:spPr/>
+        <p:txBody>
+          <a:bodyPr>
+            <a:normAutofit/>
+          </a:bodyPr>
+          <a:lstStyle/>
+          <a:p>
+            <a:pPr marL="624078" indent="-514350"/>
+            <a:r>
+              <a:rPr lang="nl-BE" i="1" dirty="0" smtClean="0"/>
+              <a:t>Specification Workshop</a:t>
+            </a:r>
+          </a:p>
+          <a:p>
+            <a:pPr marL="624078" indent="-514350"/>
+            <a:endParaRPr lang="nl-BE" i="1" dirty="0" smtClean="0"/>
+          </a:p>
+          <a:p>
+            <a:pPr marL="624078" indent="-514350"/>
+            <a:r>
+              <a:rPr lang="nl-BE" b="1" i="1" dirty="0" smtClean="0"/>
+              <a:t>Setup Fitnesse</a:t>
+            </a:r>
+          </a:p>
+          <a:p>
+            <a:pPr marL="880110" lvl="1" indent="-514350"/>
+            <a:r>
+              <a:rPr lang="nl-BE" b="1" dirty="0" smtClean="0"/>
+              <a:t>Setup Fitnesse from the zip download</a:t>
+            </a:r>
+          </a:p>
+          <a:p>
+            <a:pPr marL="624078" indent="-514350"/>
+            <a:endParaRPr lang="nl-BE" i="1" dirty="0" smtClean="0"/>
+          </a:p>
+          <a:p>
+            <a:pPr marL="624078" indent="-514350"/>
+            <a:r>
+              <a:rPr lang="nl-BE" i="1" dirty="0" smtClean="0"/>
+              <a:t>Implement Acceptance Tests</a:t>
+            </a:r>
+          </a:p>
+          <a:p>
+            <a:pPr marL="624078" indent="-514350"/>
+            <a:endParaRPr lang="nl-BE" i="1" dirty="0" smtClean="0"/>
+          </a:p>
+          <a:p>
+            <a:pPr marL="624078" indent="-514350"/>
+            <a:r>
+              <a:rPr lang="nl-BE" i="1" dirty="0" smtClean="0"/>
+              <a:t>Continuous Integration</a:t>
+            </a:r>
+          </a:p>
+          <a:p>
+            <a:pPr marL="624078" indent="-514350"/>
+            <a:endParaRPr lang="nl-BE" i="1" dirty="0" smtClean="0"/>
+          </a:p>
+        </p:txBody>
+      </p:sp>
+      <p:sp>
+        <p:nvSpPr>
+          <p:cNvPr id="3" name="Title 2"/>
+          <p:cNvSpPr>
+            <a:spLocks noGrp="1"/>
+          </p:cNvSpPr>
+          <p:nvPr>
+            <p:ph type="title"/>
+          </p:nvPr>
+        </p:nvSpPr>
+        <p:spPr/>
+        <p:txBody>
+          <a:bodyPr>
+            <a:normAutofit fontScale="90000"/>
+          </a:bodyPr>
+          <a:lstStyle/>
+          <a:p>
+            <a:r>
+              <a:rPr lang="nl-BE" sz="3600" dirty="0" smtClean="0"/>
+              <a:t>Agile Acceptance Testing with Fitnesse</a:t>
+            </a:r>
+            <a:endParaRPr lang="nl-BE" sz="3600" dirty="0"/>
+          </a:p>
+        </p:txBody>
+      </p:sp>
+    </p:spTree>
+  </p:cSld>
+  <p:clrMapOvr>
+    <a:masterClrMapping/>
+  </p:clrMapOvr>
+  <p:timing>
+    <p:tnLst>
+      <p:par>
+        <p:cTn id="1" dur="indefinite" restart="never" nodeType="tmRoot"/>
+      </p:par>
+    </p:tnLst>
+  </p:timing>
+</p:sld>
+</file>
+
+<file path=ppt/slides/slide14.xml><?xml version="1.0" encoding="utf-8"?>
+<p:sld xmlns:a="http://schemas.openxmlformats.org/drawingml/2006/main" xmlns:r="http://schemas.openxmlformats.org/officeDocument/2006/relationships" xmlns:p="http://schemas.openxmlformats.org/presentationml/2006/main">
+  <p:cSld>
+    <p:spTree>
+      <p:nvGrpSpPr>
+        <p:cNvPr id="1" name=""/>
+        <p:cNvGrpSpPr/>
+        <p:nvPr/>
+      </p:nvGrpSpPr>
+      <p:grpSpPr>
+        <a:xfrm>
+          <a:off x="0" y="0"/>
+          <a:ext cx="0" cy="0"/>
+          <a:chOff x="0" y="0"/>
+          <a:chExt cx="0" cy="0"/>
+        </a:xfrm>
+      </p:grpSpPr>
+      <p:pic>
+        <p:nvPicPr>
+          <p:cNvPr id="5" name="Picture 2" descr="C:\Users\pascmest\AppData\Local\Microsoft\Windows\Temporary Internet Files\Content.IE5\R67MQFYW\MPj04053960000[1].jpg"/>
+          <p:cNvPicPr>
+            <a:picLocks noChangeAspect="1" noChangeArrowheads="1"/>
+          </p:cNvPicPr>
+          <p:nvPr/>
+        </p:nvPicPr>
+        <p:blipFill>
+          <a:blip r:embed="rId3" cstate="print"/>
+          <a:srcRect/>
+          <a:stretch>
+            <a:fillRect/>
+          </a:stretch>
+        </p:blipFill>
+        <p:spPr bwMode="auto">
+          <a:xfrm>
+            <a:off x="5443545" y="4214818"/>
+            <a:ext cx="3700487" cy="2643206"/>
+          </a:xfrm>
+          <a:prstGeom prst="rect">
+            <a:avLst/>
+          </a:prstGeom>
+          <a:noFill/>
+        </p:spPr>
+      </p:pic>
+      <p:sp>
+        <p:nvSpPr>
+          <p:cNvPr id="2" name="Content Placeholder 1"/>
+          <p:cNvSpPr>
+            <a:spLocks noGrp="1"/>
+          </p:cNvSpPr>
+          <p:nvPr>
+            <p:ph idx="1"/>
+          </p:nvPr>
+        </p:nvSpPr>
+        <p:spPr/>
+        <p:txBody>
+          <a:bodyPr>
+            <a:normAutofit/>
+          </a:bodyPr>
+          <a:lstStyle/>
+          <a:p>
+            <a:pPr marL="624078" indent="-514350"/>
+            <a:r>
+              <a:rPr lang="nl-BE" i="1" dirty="0" smtClean="0"/>
+              <a:t>Specification Workshop</a:t>
+            </a:r>
+          </a:p>
+          <a:p>
+            <a:pPr marL="624078" indent="-514350"/>
+            <a:endParaRPr lang="nl-BE" i="1" dirty="0" smtClean="0"/>
+          </a:p>
+          <a:p>
+            <a:pPr marL="624078" indent="-514350"/>
+            <a:r>
+              <a:rPr lang="nl-BE" i="1" dirty="0" smtClean="0"/>
+              <a:t>Setup Fitnesse</a:t>
+            </a:r>
+          </a:p>
+          <a:p>
+            <a:pPr marL="624078" indent="-514350"/>
+            <a:endParaRPr lang="nl-BE" i="1" dirty="0" smtClean="0"/>
+          </a:p>
+          <a:p>
+            <a:pPr marL="624078" indent="-514350"/>
+            <a:r>
+              <a:rPr lang="nl-BE" b="1" i="1" dirty="0" smtClean="0"/>
+              <a:t>Implement Acceptance Tests</a:t>
+            </a:r>
+          </a:p>
+          <a:p>
+            <a:pPr marL="624078" indent="-514350"/>
+            <a:endParaRPr lang="nl-BE" i="1" dirty="0" smtClean="0"/>
+          </a:p>
+          <a:p>
+            <a:pPr marL="624078" indent="-514350"/>
+            <a:r>
+              <a:rPr lang="nl-BE" i="1" dirty="0" smtClean="0"/>
+              <a:t>Continuous Integration</a:t>
+            </a:r>
+          </a:p>
+          <a:p>
+            <a:pPr marL="624078" indent="-514350"/>
+            <a:endParaRPr lang="nl-BE" i="1" dirty="0" smtClean="0"/>
+          </a:p>
+        </p:txBody>
+      </p:sp>
+      <p:sp>
+        <p:nvSpPr>
+          <p:cNvPr id="3" name="Title 2"/>
+          <p:cNvSpPr>
+            <a:spLocks noGrp="1"/>
+          </p:cNvSpPr>
+          <p:nvPr>
+            <p:ph type="title"/>
+          </p:nvPr>
+        </p:nvSpPr>
+        <p:spPr/>
+        <p:txBody>
+          <a:bodyPr>
+            <a:normAutofit fontScale="90000"/>
+          </a:bodyPr>
+          <a:lstStyle/>
+          <a:p>
+            <a:r>
+              <a:rPr lang="nl-BE" sz="3600" dirty="0" smtClean="0"/>
+              <a:t>Agile Acceptance Testing with Fitnesse</a:t>
+            </a:r>
+            <a:endParaRPr lang="nl-BE" sz="3600" dirty="0"/>
+          </a:p>
+        </p:txBody>
+      </p:sp>
+    </p:spTree>
+  </p:cSld>
+  <p:clrMapOvr>
+    <a:masterClrMapping/>
+  </p:clrMapOvr>
+  <p:timing>
+    <p:tnLst>
+      <p:par>
+        <p:cTn id="1" dur="indefinite" restart="never" nodeType="tmRoot"/>
+      </p:par>
+    </p:tnLst>
+  </p:timing>
+</p:sld>
+</file>
+
+<file path=ppt/slides/slide15.xml><?xml version="1.0" encoding="utf-8"?>
+<p:sld xmlns:a="http://schemas.openxmlformats.org/drawingml/2006/main" xmlns:r="http://schemas.openxmlformats.org/officeDocument/2006/relationships" xmlns:p="http://schemas.openxmlformats.org/presentationml/2006/main">
+  <p:cSld>
+    <p:spTree>
+      <p:nvGrpSpPr>
+        <p:cNvPr id="1" name=""/>
+        <p:cNvGrpSpPr/>
+        <p:nvPr/>
+      </p:nvGrpSpPr>
+      <p:grpSpPr>
+        <a:xfrm>
+          <a:off x="0" y="0"/>
+          <a:ext cx="0" cy="0"/>
+          <a:chOff x="0" y="0"/>
+          <a:chExt cx="0" cy="0"/>
+        </a:xfrm>
+      </p:grpSpPr>
+      <p:sp>
+        <p:nvSpPr>
+          <p:cNvPr id="3" name="Content Placeholder 2"/>
+          <p:cNvSpPr>
+            <a:spLocks noGrp="1"/>
+          </p:cNvSpPr>
+          <p:nvPr>
+            <p:ph idx="1"/>
+          </p:nvPr>
+        </p:nvSpPr>
+        <p:spPr/>
+        <p:txBody>
+          <a:bodyPr>
+            <a:normAutofit/>
+          </a:bodyPr>
+          <a:lstStyle/>
+          <a:p>
+            <a:r>
+              <a:rPr lang="nl-BE" dirty="0" smtClean="0">
+                <a:solidFill>
+                  <a:srgbClr val="FF0000"/>
+                </a:solidFill>
+              </a:rPr>
+              <a:t>Write gluecode for prepared tests</a:t>
+            </a:r>
+          </a:p>
+          <a:p>
+            <a:endParaRPr lang="nl-BE" dirty="0" smtClean="0">
+              <a:solidFill>
+                <a:srgbClr val="FF0000"/>
+              </a:solidFill>
+            </a:endParaRPr>
+          </a:p>
+          <a:p>
+            <a:r>
+              <a:rPr lang="nl-BE" dirty="0" smtClean="0">
+                <a:solidFill>
+                  <a:srgbClr val="FF0000"/>
+                </a:solidFill>
+              </a:rPr>
+              <a:t>Types of fixtures to use:</a:t>
+            </a:r>
+          </a:p>
+          <a:p>
+            <a:pPr lvl="1"/>
+            <a:r>
+              <a:rPr lang="nl-BE" dirty="0" smtClean="0">
+                <a:solidFill>
+                  <a:srgbClr val="FF0000"/>
+                </a:solidFill>
+              </a:rPr>
+              <a:t>RowFixture</a:t>
+            </a:r>
+          </a:p>
+          <a:p>
+            <a:pPr lvl="1"/>
+            <a:r>
+              <a:rPr lang="nl-BE" dirty="0" smtClean="0">
+                <a:solidFill>
+                  <a:srgbClr val="FF0000"/>
+                </a:solidFill>
+              </a:rPr>
+              <a:t>ColumnFixture</a:t>
+            </a:r>
+          </a:p>
+          <a:p>
+            <a:pPr lvl="1"/>
+            <a:r>
+              <a:rPr lang="nl-BE" dirty="0" smtClean="0">
+                <a:solidFill>
+                  <a:srgbClr val="FF0000"/>
+                </a:solidFill>
+              </a:rPr>
+              <a:t>DoFixture</a:t>
+            </a:r>
+          </a:p>
+          <a:p>
+            <a:pPr lvl="1"/>
+            <a:endParaRPr lang="nl-BE" dirty="0" smtClean="0"/>
+          </a:p>
+        </p:txBody>
+      </p:sp>
+      <p:sp>
+        <p:nvSpPr>
+          <p:cNvPr id="2" name="Title 1"/>
+          <p:cNvSpPr>
+            <a:spLocks noGrp="1"/>
+          </p:cNvSpPr>
+          <p:nvPr>
+            <p:ph type="title"/>
+          </p:nvPr>
+        </p:nvSpPr>
+        <p:spPr/>
+        <p:txBody>
+          <a:bodyPr/>
+          <a:lstStyle/>
+          <a:p>
+            <a:r>
+              <a:rPr lang="nl-BE" dirty="0" smtClean="0"/>
+              <a:t>Iteration 1</a:t>
+            </a:r>
+            <a:endParaRPr lang="nl-BE" dirty="0"/>
+          </a:p>
+        </p:txBody>
+      </p:sp>
+    </p:spTree>
+  </p:cSld>
+  <p:clrMapOvr>
+    <a:masterClrMapping/>
+  </p:clrMapOvr>
+  <p:timing>
+    <p:tnLst>
+      <p:par>
+        <p:cTn id="1" dur="indefinite" restart="never" nodeType="tmRoot"/>
+      </p:par>
+    </p:tnLst>
+  </p:timing>
+</p:sld>
+</file>
+
+<file path=ppt/slides/slide16.xml><?xml version="1.0" encoding="utf-8"?>
+<p:sld xmlns:a="http://schemas.openxmlformats.org/drawingml/2006/main" xmlns:r="http://schemas.openxmlformats.org/officeDocument/2006/relationships" xmlns:p="http://schemas.openxmlformats.org/presentationml/2006/main">
+  <p:cSld>
+    <p:spTree>
+      <p:nvGrpSpPr>
+        <p:cNvPr id="1" name=""/>
+        <p:cNvGrpSpPr/>
+        <p:nvPr/>
+      </p:nvGrpSpPr>
+      <p:grpSpPr>
+        <a:xfrm>
+          <a:off x="0" y="0"/>
+          <a:ext cx="0" cy="0"/>
+          <a:chOff x="0" y="0"/>
+          <a:chExt cx="0" cy="0"/>
+        </a:xfrm>
+      </p:grpSpPr>
+      <p:sp>
+        <p:nvSpPr>
+          <p:cNvPr id="2" name="Content Placeholder 1"/>
+          <p:cNvSpPr>
+            <a:spLocks noGrp="1"/>
+          </p:cNvSpPr>
+          <p:nvPr>
+            <p:ph idx="1"/>
+          </p:nvPr>
+        </p:nvSpPr>
+        <p:spPr/>
+        <p:txBody>
+          <a:bodyPr>
+            <a:normAutofit/>
+          </a:bodyPr>
+          <a:lstStyle/>
+          <a:p>
+            <a:pPr marL="624078" indent="-514350"/>
+            <a:r>
+              <a:rPr lang="nl-BE" i="1" dirty="0" smtClean="0"/>
+              <a:t>Specification Workshop</a:t>
+            </a:r>
+          </a:p>
+          <a:p>
+            <a:pPr marL="624078" indent="-514350"/>
+            <a:endParaRPr lang="nl-BE" i="1" dirty="0" smtClean="0"/>
+          </a:p>
+          <a:p>
+            <a:pPr marL="624078" indent="-514350"/>
+            <a:r>
+              <a:rPr lang="nl-BE" i="1" dirty="0" smtClean="0"/>
+              <a:t>Setup Fitnesse</a:t>
+            </a:r>
+          </a:p>
+          <a:p>
+            <a:pPr marL="624078" indent="-514350"/>
+            <a:endParaRPr lang="nl-BE" i="1" dirty="0" smtClean="0"/>
+          </a:p>
+          <a:p>
+            <a:pPr marL="624078" indent="-514350"/>
+            <a:r>
+              <a:rPr lang="nl-BE" i="1" dirty="0" smtClean="0"/>
+              <a:t>Iteration 1</a:t>
+            </a:r>
+          </a:p>
+          <a:p>
+            <a:pPr marL="624078" indent="-514350"/>
+            <a:endParaRPr lang="nl-BE" i="1" dirty="0" smtClean="0"/>
+          </a:p>
+          <a:p>
+            <a:pPr marL="624078" indent="-514350"/>
+            <a:r>
+              <a:rPr lang="nl-BE" b="1" i="1" dirty="0" smtClean="0"/>
+              <a:t>Iteration 2</a:t>
+            </a:r>
+          </a:p>
+          <a:p>
+            <a:pPr marL="624078" indent="-514350"/>
+            <a:endParaRPr lang="nl-BE" i="1" dirty="0" smtClean="0"/>
+          </a:p>
+        </p:txBody>
+      </p:sp>
+      <p:sp>
+        <p:nvSpPr>
+          <p:cNvPr id="3" name="Title 2"/>
+          <p:cNvSpPr>
+            <a:spLocks noGrp="1"/>
+          </p:cNvSpPr>
+          <p:nvPr>
+            <p:ph type="title"/>
+          </p:nvPr>
+        </p:nvSpPr>
+        <p:spPr/>
+        <p:txBody>
+          <a:bodyPr>
+            <a:noAutofit/>
+          </a:bodyPr>
+          <a:lstStyle/>
+          <a:p>
+            <a:r>
+              <a:rPr lang="nl-BE" sz="3200" dirty="0" smtClean="0"/>
+              <a:t>Agile Acceptance Testing with Fitnesse</a:t>
+            </a:r>
+            <a:endParaRPr lang="nl-BE" sz="3200" dirty="0"/>
+          </a:p>
+        </p:txBody>
+      </p:sp>
+      <p:pic>
+        <p:nvPicPr>
+          <p:cNvPr id="4" name="Picture 2" descr="C:\Users\pascmest\AppData\Local\Microsoft\Windows\Temporary Internet Files\Content.IE5\R67MQFYW\MPj04053960000[1].jpg"/>
+          <p:cNvPicPr>
+            <a:picLocks noChangeAspect="1" noChangeArrowheads="1"/>
+          </p:cNvPicPr>
+          <p:nvPr/>
+        </p:nvPicPr>
+        <p:blipFill>
+          <a:blip r:embed="rId3" cstate="print"/>
+          <a:srcRect/>
+          <a:stretch>
+            <a:fillRect/>
+          </a:stretch>
+        </p:blipFill>
+        <p:spPr bwMode="auto">
+          <a:xfrm>
+            <a:off x="5443545" y="4214818"/>
+            <a:ext cx="3700487" cy="2643206"/>
+          </a:xfrm>
+          <a:prstGeom prst="rect">
+            <a:avLst/>
+          </a:prstGeom>
+          <a:noFill/>
+        </p:spPr>
+      </p:pic>
+    </p:spTree>
+  </p:cSld>
+  <p:clrMapOvr>
+    <a:masterClrMapping/>
+  </p:clrMapOvr>
+  <p:timing>
+    <p:tnLst>
+      <p:par>
+        <p:cTn id="1" dur="indefinite" restart="never" nodeType="tmRoot"/>
+      </p:par>
+    </p:tnLst>
+  </p:timing>
+</p:sld>
+</file>
+
+<file path=ppt/slides/slide17.xml><?xml version="1.0" encoding="utf-8"?>
+<p:sld xmlns:a="http://schemas.openxmlformats.org/drawingml/2006/main" xmlns:r="http://schemas.openxmlformats.org/officeDocument/2006/relationships" xmlns:p="http://schemas.openxmlformats.org/presentationml/2006/main">
+  <p:cSld>
+    <p:spTree>
+      <p:nvGrpSpPr>
+        <p:cNvPr id="1" name=""/>
+        <p:cNvGrpSpPr/>
+        <p:nvPr/>
+      </p:nvGrpSpPr>
+      <p:grpSpPr>
+        <a:xfrm>
+          <a:off x="0" y="0"/>
+          <a:ext cx="0" cy="0"/>
+          <a:chOff x="0" y="0"/>
+          <a:chExt cx="0" cy="0"/>
+        </a:xfrm>
+      </p:grpSpPr>
+      <p:sp>
+        <p:nvSpPr>
+          <p:cNvPr id="3" name="Content Placeholder 2"/>
+          <p:cNvSpPr>
+            <a:spLocks noGrp="1"/>
+          </p:cNvSpPr>
+          <p:nvPr>
+            <p:ph idx="1"/>
+          </p:nvPr>
+        </p:nvSpPr>
+        <p:spPr/>
+        <p:txBody>
+          <a:bodyPr>
+            <a:normAutofit/>
+          </a:bodyPr>
+          <a:lstStyle/>
+          <a:p>
+            <a:r>
+              <a:rPr lang="nl-BE" dirty="0" smtClean="0">
+                <a:solidFill>
+                  <a:srgbClr val="FF0000"/>
+                </a:solidFill>
+              </a:rPr>
+              <a:t>Write gluecode for prepared tests</a:t>
+            </a:r>
+          </a:p>
+          <a:p>
+            <a:endParaRPr lang="nl-BE" dirty="0" smtClean="0">
+              <a:solidFill>
+                <a:srgbClr val="FF0000"/>
+              </a:solidFill>
+            </a:endParaRPr>
+          </a:p>
+          <a:p>
+            <a:r>
+              <a:rPr lang="nl-BE" dirty="0" smtClean="0">
+                <a:solidFill>
+                  <a:srgbClr val="FF0000"/>
+                </a:solidFill>
+              </a:rPr>
+              <a:t>Types of fixtures to use:</a:t>
+            </a:r>
+          </a:p>
+          <a:p>
+            <a:pPr lvl="1"/>
+            <a:r>
+              <a:rPr lang="nl-BE" dirty="0" smtClean="0">
+                <a:solidFill>
+                  <a:srgbClr val="FF0000"/>
+                </a:solidFill>
+              </a:rPr>
+              <a:t>RowFixture</a:t>
+            </a:r>
+          </a:p>
+          <a:p>
+            <a:pPr lvl="1"/>
+            <a:r>
+              <a:rPr lang="nl-BE" dirty="0" smtClean="0">
+                <a:solidFill>
+                  <a:srgbClr val="FF0000"/>
+                </a:solidFill>
+              </a:rPr>
+              <a:t>ColumnFixture</a:t>
+            </a:r>
+          </a:p>
+          <a:p>
+            <a:pPr lvl="1"/>
+            <a:r>
+              <a:rPr lang="nl-BE" dirty="0" smtClean="0">
+                <a:solidFill>
+                  <a:srgbClr val="FF0000"/>
+                </a:solidFill>
+              </a:rPr>
+              <a:t>DoFixture</a:t>
+            </a:r>
+          </a:p>
+          <a:p>
+            <a:pPr lvl="1"/>
+            <a:endParaRPr lang="nl-BE" dirty="0" smtClean="0"/>
+          </a:p>
+        </p:txBody>
+      </p:sp>
+      <p:sp>
+        <p:nvSpPr>
+          <p:cNvPr id="2" name="Title 1"/>
+          <p:cNvSpPr>
+            <a:spLocks noGrp="1"/>
+          </p:cNvSpPr>
+          <p:nvPr>
+            <p:ph type="title"/>
+          </p:nvPr>
+        </p:nvSpPr>
+        <p:spPr/>
+        <p:txBody>
+          <a:bodyPr/>
+          <a:lstStyle/>
+          <a:p>
+            <a:r>
+              <a:rPr lang="nl-BE" dirty="0" smtClean="0"/>
+              <a:t>Iteration 2</a:t>
+            </a:r>
+            <a:endParaRPr lang="nl-BE" dirty="0"/>
+          </a:p>
+        </p:txBody>
+      </p:sp>
+    </p:spTree>
+  </p:cSld>
+  <p:clrMapOvr>
+    <a:masterClrMapping/>
+  </p:clrMapOvr>
+  <p:timing>
+    <p:tnLst>
+      <p:par>
+        <p:cTn id="1" dur="indefinite" restart="never" nodeType="tmRoot"/>
+      </p:par>
+    </p:tnLst>
+  </p:timing>
+</p:sld>
+</file>
+
+<file path=ppt/slides/slide18.xml><?xml version="1.0" encoding="utf-8"?>
+<p:sld xmlns:a="http://schemas.openxmlformats.org/drawingml/2006/main" xmlns:r="http://schemas.openxmlformats.org/officeDocument/2006/relationships" xmlns:p="http://schemas.openxmlformats.org/presentationml/2006/main">
+  <p:cSld>
+    <p:spTree>
+      <p:nvGrpSpPr>
+        <p:cNvPr id="1" name=""/>
+        <p:cNvGrpSpPr/>
+        <p:nvPr/>
+      </p:nvGrpSpPr>
+      <p:grpSpPr>
+        <a:xfrm>
+          <a:off x="0" y="0"/>
+          <a:ext cx="0" cy="0"/>
+          <a:chOff x="0" y="0"/>
+          <a:chExt cx="0" cy="0"/>
+        </a:xfrm>
+      </p:grpSpPr>
+      <p:sp>
+        <p:nvSpPr>
+          <p:cNvPr id="3" name="Content Placeholder 2"/>
+          <p:cNvSpPr>
+            <a:spLocks noGrp="1"/>
+          </p:cNvSpPr>
+          <p:nvPr>
+            <p:ph idx="1"/>
+          </p:nvPr>
+        </p:nvSpPr>
+        <p:spPr/>
+        <p:txBody>
+          <a:bodyPr>
+            <a:normAutofit/>
+          </a:bodyPr>
+          <a:lstStyle/>
+          <a:p>
+            <a:r>
+              <a:rPr lang="nl-BE" dirty="0" smtClean="0"/>
+              <a:t>3 Suites in Fitnesse</a:t>
+            </a:r>
+          </a:p>
+          <a:p>
+            <a:endParaRPr lang="nl-BE" dirty="0" smtClean="0"/>
+          </a:p>
+          <a:p>
+            <a:pPr lvl="1"/>
+            <a:r>
+              <a:rPr lang="nl-BE" dirty="0" smtClean="0"/>
+              <a:t>Prepared Test Suite – tests for next iterations</a:t>
+            </a:r>
+          </a:p>
+          <a:p>
+            <a:pPr lvl="1"/>
+            <a:r>
+              <a:rPr lang="nl-BE" dirty="0" smtClean="0"/>
+              <a:t>Work In Progress – doesn’t break the build</a:t>
+            </a:r>
+          </a:p>
+          <a:p>
+            <a:pPr lvl="1"/>
+            <a:r>
+              <a:rPr lang="nl-BE" dirty="0" smtClean="0"/>
+              <a:t>Acceptance Suite – breaks the build!</a:t>
+            </a:r>
+          </a:p>
+        </p:txBody>
+      </p:sp>
+      <p:sp>
+        <p:nvSpPr>
+          <p:cNvPr id="2" name="Title 1"/>
+          <p:cNvSpPr>
+            <a:spLocks noGrp="1"/>
+          </p:cNvSpPr>
+          <p:nvPr>
+            <p:ph type="title"/>
+          </p:nvPr>
+        </p:nvSpPr>
+        <p:spPr/>
+        <p:txBody>
+          <a:bodyPr/>
+          <a:lstStyle/>
+          <a:p>
+            <a:r>
+              <a:rPr lang="nl-BE" dirty="0" smtClean="0"/>
+              <a:t>Organising FitNesse:</a:t>
+            </a:r>
+            <a:endParaRPr lang="nl-BE" dirty="0"/>
+          </a:p>
+        </p:txBody>
+      </p:sp>
+    </p:spTree>
+  </p:cSld>
+  <p:clrMapOvr>
+    <a:masterClrMapping/>
+  </p:clrMapOvr>
+  <p:timing>
+    <p:tnLst>
+      <p:par>
+        <p:cTn id="1" dur="indefinite" restart="never" nodeType="tmRoot"/>
+      </p:par>
+    </p:tnLst>
+  </p:timing>
+</p:sld>
+</file>
+
+<file path=ppt/slides/slide19.xml><?xml version="1.0" encoding="utf-8"?>
+<p:sld xmlns:a="http://schemas.openxmlformats.org/drawingml/2006/main" xmlns:r="http://schemas.openxmlformats.org/officeDocument/2006/relationships" xmlns:p="http://schemas.openxmlformats.org/presentationml/2006/main">
+  <p:cSld>
+    <p:spTree>
+      <p:nvGrpSpPr>
+        <p:cNvPr id="1" name=""/>
+        <p:cNvGrpSpPr/>
+        <p:nvPr/>
+      </p:nvGrpSpPr>
+      <p:grpSpPr>
+        <a:xfrm>
+          <a:off x="0" y="0"/>
+          <a:ext cx="0" cy="0"/>
+          <a:chOff x="0" y="0"/>
+          <a:chExt cx="0" cy="0"/>
+        </a:xfrm>
+      </p:grpSpPr>
+      <p:sp>
+        <p:nvSpPr>
+          <p:cNvPr id="3" name="Content Placeholder 2"/>
+          <p:cNvSpPr>
+            <a:spLocks noGrp="1"/>
+          </p:cNvSpPr>
+          <p:nvPr>
+            <p:ph idx="1"/>
+          </p:nvPr>
+        </p:nvSpPr>
+        <p:spPr/>
+        <p:txBody>
+          <a:bodyPr>
+            <a:normAutofit lnSpcReduction="10000"/>
+          </a:bodyPr>
+          <a:lstStyle/>
+          <a:p>
+            <a:r>
+              <a:rPr lang="en-US" dirty="0" smtClean="0"/>
+              <a:t>Developers will actually read the specifications</a:t>
+            </a:r>
+          </a:p>
+          <a:p>
+            <a:endParaRPr lang="en-US" dirty="0" smtClean="0"/>
+          </a:p>
+          <a:p>
+            <a:r>
+              <a:rPr lang="en-US" dirty="0" smtClean="0"/>
+              <a:t>They will understand the stuff correctly</a:t>
+            </a:r>
+          </a:p>
+          <a:p>
+            <a:endParaRPr lang="en-US" dirty="0" smtClean="0"/>
+          </a:p>
+          <a:p>
+            <a:r>
+              <a:rPr lang="en-US" dirty="0" smtClean="0"/>
+              <a:t>They will not skip parts of the spec</a:t>
+            </a:r>
+          </a:p>
+          <a:p>
+            <a:endParaRPr lang="en-US" dirty="0" smtClean="0"/>
+          </a:p>
+          <a:p>
+            <a:r>
+              <a:rPr lang="en-US" dirty="0" smtClean="0"/>
+              <a:t>You can track the development progress</a:t>
+            </a:r>
+          </a:p>
+          <a:p>
+            <a:endParaRPr lang="en-US" dirty="0" smtClean="0"/>
+          </a:p>
+          <a:p>
+            <a:r>
+              <a:rPr lang="en-US" dirty="0" smtClean="0"/>
+              <a:t>Save time on acceptance/smoke testing</a:t>
+            </a:r>
+          </a:p>
+          <a:p>
+            <a:pPr>
+              <a:buNone/>
+            </a:pPr>
+            <a:endParaRPr lang="en-US" dirty="0" smtClean="0"/>
+          </a:p>
+        </p:txBody>
+      </p:sp>
+      <p:sp>
+        <p:nvSpPr>
+          <p:cNvPr id="2" name="Title 1"/>
+          <p:cNvSpPr>
+            <a:spLocks noGrp="1"/>
+          </p:cNvSpPr>
+          <p:nvPr>
+            <p:ph type="title"/>
+          </p:nvPr>
+        </p:nvSpPr>
+        <p:spPr/>
+        <p:txBody>
+          <a:bodyPr>
+            <a:normAutofit fontScale="90000"/>
+          </a:bodyPr>
+          <a:lstStyle/>
+          <a:p>
+            <a:pPr algn="ctr"/>
+            <a:r>
+              <a:rPr lang="nl-BE" dirty="0" smtClean="0"/>
+              <a:t>What’s in it for you?</a:t>
+            </a:r>
+            <a:br>
+              <a:rPr lang="nl-BE" dirty="0" smtClean="0"/>
+            </a:br>
+            <a:r>
+              <a:rPr lang="nl-BE" sz="3600" dirty="0" smtClean="0">
+                <a:solidFill>
+                  <a:schemeClr val="bg2">
+                    <a:lumMod val="50000"/>
+                  </a:schemeClr>
+                </a:solidFill>
+              </a:rPr>
+              <a:t>ScrumMaster / Product Owner</a:t>
+            </a:r>
+            <a:endParaRPr lang="nl-BE" sz="3600" dirty="0">
+              <a:solidFill>
+                <a:schemeClr val="bg2">
+                  <a:lumMod val="50000"/>
+                </a:schemeClr>
+              </a:solidFill>
+            </a:endParaRPr>
+          </a:p>
+        </p:txBody>
+      </p:sp>
+    </p:spTree>
+  </p:cSld>
+  <p:clrMapOvr>
+    <a:masterClrMapping/>
+  </p:clrMapOvr>
+  <p:timing>
+    <p:tnLst>
+      <p:par>
+        <p:cTn id="1" dur="indefinite" restart="never" nodeType="tmRoot"/>
+      </p:par>
+    </p:tnLst>
+  </p:timing>
+</p:sld>
+</file>
+
+<file path=ppt/slides/slide2.xml><?xml version="1.0" encoding="utf-8"?>
+<p:sld xmlns:a="http://schemas.openxmlformats.org/drawingml/2006/main" xmlns:r="http://schemas.openxmlformats.org/officeDocument/2006/relationships" xmlns:p="http://schemas.openxmlformats.org/presentationml/2006/main">
+  <p:cSld>
+    <p:spTree>
+      <p:nvGrpSpPr>
+        <p:cNvPr id="1" name=""/>
+        <p:cNvGrpSpPr/>
+        <p:nvPr/>
+      </p:nvGrpSpPr>
+      <p:grpSpPr>
+        <a:xfrm>
+          <a:off x="0" y="0"/>
+          <a:ext cx="0" cy="0"/>
+          <a:chOff x="0" y="0"/>
+          <a:chExt cx="0" cy="0"/>
+        </a:xfrm>
+      </p:grpSpPr>
+      <p:sp>
+        <p:nvSpPr>
+          <p:cNvPr id="3" name="Content Placeholder 2"/>
+          <p:cNvSpPr>
+            <a:spLocks noGrp="1"/>
+          </p:cNvSpPr>
+          <p:nvPr>
+            <p:ph idx="1"/>
+          </p:nvPr>
+        </p:nvSpPr>
+        <p:spPr/>
+        <p:txBody>
+          <a:bodyPr>
+            <a:normAutofit fontScale="92500" lnSpcReduction="10000"/>
+          </a:bodyPr>
+          <a:lstStyle/>
+          <a:p>
+            <a:r>
+              <a:rPr lang="nl-BE" dirty="0" smtClean="0"/>
+              <a:t>Michel Grootjans</a:t>
+            </a:r>
+          </a:p>
+          <a:p>
+            <a:pPr lvl="1"/>
+            <a:r>
+              <a:rPr lang="nl-BE" dirty="0" smtClean="0"/>
+              <a:t>Enterprise Architect </a:t>
+            </a:r>
+          </a:p>
+          <a:p>
+            <a:pPr lvl="1"/>
+            <a:r>
+              <a:rPr lang="nl-BE" sz="1600" dirty="0" smtClean="0">
+                <a:hlinkClick r:id="rId2"/>
+              </a:rPr>
+              <a:t>             http://www.linkedin.com/in/michelgrootjans</a:t>
+            </a:r>
+            <a:endParaRPr lang="nl-BE" sz="1600" dirty="0" smtClean="0"/>
+          </a:p>
+          <a:p>
+            <a:pPr lvl="1"/>
+            <a:r>
+              <a:rPr lang="nl-BE" sz="1600" dirty="0" smtClean="0">
+                <a:hlinkClick r:id="rId3"/>
+              </a:rPr>
+              <a:t>michel.grootjans@ilean.be</a:t>
+            </a:r>
+            <a:r>
+              <a:rPr lang="nl-BE" sz="1600" dirty="0" smtClean="0"/>
+              <a:t>	 </a:t>
+            </a:r>
+          </a:p>
+          <a:p>
+            <a:pPr lvl="1"/>
+            <a:endParaRPr lang="nl-BE" dirty="0" smtClean="0"/>
+          </a:p>
+          <a:p>
+            <a:r>
+              <a:rPr lang="nl-BE" dirty="0" smtClean="0"/>
+              <a:t>Pascal Mestdach</a:t>
+            </a:r>
+          </a:p>
+          <a:p>
+            <a:pPr lvl="1"/>
+            <a:r>
+              <a:rPr lang="nl-BE" dirty="0" smtClean="0"/>
+              <a:t>Solution Architect</a:t>
+            </a:r>
+          </a:p>
+          <a:p>
+            <a:pPr lvl="1"/>
+            <a:r>
+              <a:rPr lang="nl-BE" sz="1600" dirty="0" smtClean="0">
+                <a:hlinkClick r:id="rId4"/>
+              </a:rPr>
+              <a:t>             http://www.linkedin.com/in/pascalmestdach</a:t>
+            </a:r>
+            <a:r>
+              <a:rPr lang="nl-BE" sz="1600" dirty="0" smtClean="0"/>
+              <a:t> </a:t>
+            </a:r>
+          </a:p>
+          <a:p>
+            <a:pPr lvl="1"/>
+            <a:r>
+              <a:rPr lang="nl-BE" sz="1600" dirty="0" smtClean="0">
+                <a:hlinkClick r:id="rId5"/>
+              </a:rPr>
+              <a:t>pascal.mestdach@infohos.be</a:t>
+            </a:r>
+          </a:p>
+          <a:p>
+            <a:pPr lvl="1">
+              <a:buNone/>
+            </a:pPr>
+            <a:endParaRPr lang="nl-BE" sz="1600" dirty="0" smtClean="0"/>
+          </a:p>
+          <a:p>
+            <a:r>
+              <a:rPr lang="nl-BE" dirty="0" smtClean="0"/>
+              <a:t>Download material:</a:t>
+            </a:r>
+          </a:p>
+          <a:p>
+            <a:pPr lvl="1"/>
+            <a:r>
+              <a:rPr lang="nl-BE" sz="1700" dirty="0" smtClean="0"/>
+              <a:t>On google code: </a:t>
+            </a:r>
+          </a:p>
+          <a:p>
+            <a:pPr lvl="2"/>
+            <a:r>
+              <a:rPr lang="nl-BE" sz="1500" dirty="0" smtClean="0">
+                <a:hlinkClick r:id="rId6"/>
+              </a:rPr>
+              <a:t>http://code.google.com/p/agileacceptancetesting/</a:t>
+            </a:r>
+            <a:r>
+              <a:rPr lang="nl-BE" sz="1500" dirty="0" smtClean="0"/>
+              <a:t> </a:t>
+            </a:r>
+          </a:p>
+          <a:p>
+            <a:pPr lvl="1"/>
+            <a:r>
+              <a:rPr lang="nl-BE" sz="1600" dirty="0" smtClean="0"/>
+              <a:t>Checkout in svn: </a:t>
+            </a:r>
+          </a:p>
+          <a:p>
+            <a:pPr lvl="2"/>
+            <a:r>
+              <a:rPr lang="nl-BE" sz="1400" dirty="0" smtClean="0">
+                <a:hlinkClick r:id="rId7"/>
+              </a:rPr>
+              <a:t>https://agileacceptancetesting.googlecode.com/svn/trunk</a:t>
+            </a:r>
+            <a:r>
+              <a:rPr lang="nl-BE" sz="1400" dirty="0" smtClean="0"/>
+              <a:t> </a:t>
+            </a:r>
+          </a:p>
+        </p:txBody>
+      </p:sp>
+      <p:sp>
+        <p:nvSpPr>
+          <p:cNvPr id="2" name="Title 1"/>
+          <p:cNvSpPr>
+            <a:spLocks noGrp="1"/>
+          </p:cNvSpPr>
+          <p:nvPr>
+            <p:ph type="title"/>
+          </p:nvPr>
+        </p:nvSpPr>
+        <p:spPr/>
+        <p:txBody>
+          <a:bodyPr/>
+          <a:lstStyle/>
+          <a:p>
+            <a:r>
+              <a:rPr lang="nl-BE" dirty="0" smtClean="0"/>
+              <a:t>Biography Presenters</a:t>
+            </a:r>
+            <a:endParaRPr lang="nl-BE" dirty="0"/>
+          </a:p>
+        </p:txBody>
+      </p:sp>
+      <p:pic>
+        <p:nvPicPr>
+          <p:cNvPr id="5" name="Picture 4" descr="iLean.jpg"/>
+          <p:cNvPicPr>
+            <a:picLocks noChangeAspect="1"/>
+          </p:cNvPicPr>
+          <p:nvPr/>
+        </p:nvPicPr>
+        <p:blipFill>
+          <a:blip r:embed="rId8"/>
+          <a:stretch>
+            <a:fillRect/>
+          </a:stretch>
+        </p:blipFill>
+        <p:spPr>
+          <a:xfrm>
+            <a:off x="5143504" y="1428736"/>
+            <a:ext cx="1028700" cy="704850"/>
+          </a:xfrm>
+          <a:prstGeom prst="rect">
+            <a:avLst/>
+          </a:prstGeom>
+        </p:spPr>
+      </p:pic>
+      <p:pic>
+        <p:nvPicPr>
+          <p:cNvPr id="6" name="Picture 5" descr="Ihc.png"/>
+          <p:cNvPicPr>
+            <a:picLocks noChangeAspect="1"/>
+          </p:cNvPicPr>
+          <p:nvPr/>
+        </p:nvPicPr>
+        <p:blipFill>
+          <a:blip r:embed="rId9"/>
+          <a:stretch>
+            <a:fillRect/>
+          </a:stretch>
+        </p:blipFill>
+        <p:spPr>
+          <a:xfrm>
+            <a:off x="5129217" y="3000372"/>
+            <a:ext cx="942981" cy="642942"/>
+          </a:xfrm>
+          <a:prstGeom prst="rect">
+            <a:avLst/>
+          </a:prstGeom>
+        </p:spPr>
+      </p:pic>
+      <p:pic>
+        <p:nvPicPr>
+          <p:cNvPr id="7" name="Picture 6" descr="linkedIn.png"/>
+          <p:cNvPicPr>
+            <a:picLocks noChangeAspect="1"/>
+          </p:cNvPicPr>
+          <p:nvPr/>
+        </p:nvPicPr>
+        <p:blipFill>
+          <a:blip r:embed="rId10"/>
+          <a:stretch>
+            <a:fillRect/>
+          </a:stretch>
+        </p:blipFill>
+        <p:spPr>
+          <a:xfrm>
+            <a:off x="1187366" y="2214554"/>
+            <a:ext cx="785818" cy="211312"/>
+          </a:xfrm>
+          <a:prstGeom prst="rect">
+            <a:avLst/>
+          </a:prstGeom>
+        </p:spPr>
+      </p:pic>
+      <p:pic>
+        <p:nvPicPr>
+          <p:cNvPr id="8" name="Picture 7" descr="linkedIn.png"/>
+          <p:cNvPicPr>
+            <a:picLocks noChangeAspect="1"/>
+          </p:cNvPicPr>
+          <p:nvPr/>
+        </p:nvPicPr>
+        <p:blipFill>
+          <a:blip r:embed="rId10"/>
+          <a:stretch>
+            <a:fillRect/>
+          </a:stretch>
+        </p:blipFill>
+        <p:spPr>
+          <a:xfrm>
+            <a:off x="1178902" y="3750264"/>
+            <a:ext cx="785818" cy="211312"/>
+          </a:xfrm>
+          <a:prstGeom prst="rect">
+            <a:avLst/>
+          </a:prstGeom>
+        </p:spPr>
+      </p:pic>
+    </p:spTree>
+  </p:cSld>
+  <p:clrMapOvr>
+    <a:masterClrMapping/>
+  </p:clrMapOvr>
+  <p:timing>
+    <p:tnLst>
+      <p:par>
+        <p:cTn id="1" dur="indefinite" restart="never" nodeType="tmRoot">
+          <p:childTnLst>
+            <p:seq concurrent="1" nextAc="seek">
+              <p:cTn id="2" dur="indefinite" nodeType="mainSeq">
+                <p:childTnLst>
+                  <p:par>
+                    <p:cTn id="3" fill="hold">
+                      <p:stCondLst>
+                        <p:cond delay="indefinite"/>
+                        <p:cond evt="onBegin" delay="0">
+                          <p:tn val="2"/>
+                        </p:cond>
+                      </p:stCondLst>
+                      <p:childTnLst>
+                        <p:par>
+                          <p:cTn id="4" fill="hold">
+                            <p:stCondLst>
+                              <p:cond delay="0"/>
+                            </p:stCondLst>
+                            <p:childTnLst>
+                              <p:par>
+                                <p:cTn id="5" presetID="1" presetClass="entr" presetSubtype="0" fill="hold" grpId="0" nodeType="withEffect">
+                                  <p:stCondLst>
+                                    <p:cond delay="0"/>
+                                  </p:stCondLst>
+                                  <p:childTnLst>
+                                    <p:set>
+                                      <p:cBhvr>
+                                        <p:cTn id="6" dur="1" fill="hold">
+                                          <p:stCondLst>
+                                            <p:cond delay="0"/>
+                                          </p:stCondLst>
+                                        </p:cTn>
+                                        <p:tgtEl>
+                                          <p:spTgt spid="3">
+                                            <p:txEl>
+                                              <p:pRg st="0" end="0"/>
+                                            </p:txEl>
+                                          </p:spTgt>
+                                        </p:tgtEl>
+                                        <p:attrNameLst>
+                                          <p:attrName>style.visibility</p:attrName>
+                                        </p:attrNameLst>
+                                      </p:cBhvr>
+                                      <p:to>
+                                        <p:strVal val="visible"/>
+                                      </p:to>
+                                    </p:set>
+                                  </p:childTnLst>
+                                </p:cTn>
+                              </p:par>
+                              <p:par>
+                                <p:cTn id="7" presetID="1" presetClass="entr" presetSubtype="0" fill="hold" grpId="0" nodeType="withEffect">
+                                  <p:stCondLst>
+                                    <p:cond delay="0"/>
+                                  </p:stCondLst>
+                                  <p:childTnLst>
+                                    <p:set>
+                                      <p:cBhvr>
+                                        <p:cTn id="8" dur="1" fill="hold">
+                                          <p:stCondLst>
+                                            <p:cond delay="0"/>
+                                          </p:stCondLst>
+                                        </p:cTn>
+                                        <p:tgtEl>
+                                          <p:spTgt spid="3">
+                                            <p:txEl>
+                                              <p:pRg st="1" end="1"/>
+                                            </p:txEl>
+                                          </p:spTgt>
+                                        </p:tgtEl>
+                                        <p:attrNameLst>
+                                          <p:attrName>style.visibility</p:attrName>
+                                        </p:attrNameLst>
+                                      </p:cBhvr>
+                                      <p:to>
+                                        <p:strVal val="visible"/>
+                                      </p:to>
+                                    </p:set>
+                                  </p:childTnLst>
+                                </p:cTn>
+                              </p:par>
+                              <p:par>
+                                <p:cTn id="9" presetID="1" presetClass="entr" presetSubtype="0" fill="hold" grpId="0" nodeType="withEffect">
+                                  <p:stCondLst>
+                                    <p:cond delay="0"/>
+                                  </p:stCondLst>
+                                  <p:childTnLst>
+                                    <p:set>
+                                      <p:cBhvr>
+                                        <p:cTn id="10" dur="1" fill="hold">
+                                          <p:stCondLst>
+                                            <p:cond delay="0"/>
+                                          </p:stCondLst>
+                                        </p:cTn>
+                                        <p:tgtEl>
+                                          <p:spTgt spid="3">
+                                            <p:txEl>
+                                              <p:pRg st="2" end="2"/>
+                                            </p:txEl>
+                                          </p:spTgt>
+                                        </p:tgtEl>
+                                        <p:attrNameLst>
+                                          <p:attrName>style.visibility</p:attrName>
+                                        </p:attrNameLst>
+                                      </p:cBhvr>
+                                      <p:to>
+                                        <p:strVal val="visible"/>
+                                      </p:to>
+                                    </p:set>
+                                  </p:childTnLst>
+                                </p:cTn>
+                              </p:par>
+                              <p:par>
+                                <p:cTn id="11" presetID="1" presetClass="entr" presetSubtype="0" fill="hold" grpId="0" nodeType="withEffect">
+                                  <p:stCondLst>
+                                    <p:cond delay="0"/>
+                                  </p:stCondLst>
+                                  <p:childTnLst>
+                                    <p:set>
+                                      <p:cBhvr>
+                                        <p:cTn id="12" dur="1" fill="hold">
+                                          <p:stCondLst>
+                                            <p:cond delay="0"/>
+                                          </p:stCondLst>
+                                        </p:cTn>
+                                        <p:tgtEl>
+                                          <p:spTgt spid="3">
+                                            <p:txEl>
+                                              <p:pRg st="3" end="3"/>
+                                            </p:txEl>
+                                          </p:spTgt>
+                                        </p:tgtEl>
+                                        <p:attrNameLst>
+                                          <p:attrName>style.visibility</p:attrName>
+                                        </p:attrNameLst>
+                                      </p:cBhvr>
+                                      <p:to>
+                                        <p:strVal val="visible"/>
+                                      </p:to>
+                                    </p:set>
+                                  </p:childTnLst>
+                                </p:cTn>
+                              </p:par>
+                              <p:par>
+                                <p:cTn id="13" presetID="1" presetClass="entr" presetSubtype="0" fill="hold" grpId="0" nodeType="withEffect">
+                                  <p:stCondLst>
+                                    <p:cond delay="0"/>
+                                  </p:stCondLst>
+                                  <p:childTnLst>
+                                    <p:set>
+                                      <p:cBhvr>
+                                        <p:cTn id="14" dur="1" fill="hold">
+                                          <p:stCondLst>
+                                            <p:cond delay="0"/>
+                                          </p:stCondLst>
+                                        </p:cTn>
+                                        <p:tgtEl>
+                                          <p:spTgt spid="3">
+                                            <p:txEl>
+                                              <p:pRg st="5" end="5"/>
+                                            </p:txEl>
+                                          </p:spTgt>
+                                        </p:tgtEl>
+                                        <p:attrNameLst>
+                                          <p:attrName>style.visibility</p:attrName>
+                                        </p:attrNameLst>
+                                      </p:cBhvr>
+                                      <p:to>
+                                        <p:strVal val="visible"/>
+                                      </p:to>
+                                    </p:set>
+                                  </p:childTnLst>
+                                </p:cTn>
+                              </p:par>
+                              <p:par>
+                                <p:cTn id="15" presetID="1" presetClass="entr" presetSubtype="0" fill="hold" grpId="0" nodeType="withEffect">
+                                  <p:stCondLst>
+                                    <p:cond delay="0"/>
+                                  </p:stCondLst>
+                                  <p:childTnLst>
+                                    <p:set>
+                                      <p:cBhvr>
+                                        <p:cTn id="16" dur="1" fill="hold">
+                                          <p:stCondLst>
+                                            <p:cond delay="0"/>
+                                          </p:stCondLst>
+                                        </p:cTn>
+                                        <p:tgtEl>
+                                          <p:spTgt spid="3">
+                                            <p:txEl>
+                                              <p:pRg st="6" end="6"/>
+                                            </p:txEl>
+                                          </p:spTgt>
+                                        </p:tgtEl>
+                                        <p:attrNameLst>
+                                          <p:attrName>style.visibility</p:attrName>
+                                        </p:attrNameLst>
+                                      </p:cBhvr>
+                                      <p:to>
+                                        <p:strVal val="visible"/>
+                                      </p:to>
+                                    </p:set>
+                                  </p:childTnLst>
+                                </p:cTn>
+                              </p:par>
+                              <p:par>
+                                <p:cTn id="17" presetID="1" presetClass="entr" presetSubtype="0" fill="hold" grpId="0" nodeType="withEffect">
+                                  <p:stCondLst>
+                                    <p:cond delay="0"/>
+                                  </p:stCondLst>
+                                  <p:childTnLst>
+                                    <p:set>
+                                      <p:cBhvr>
+                                        <p:cTn id="18" dur="1" fill="hold">
+                                          <p:stCondLst>
+                                            <p:cond delay="0"/>
+                                          </p:stCondLst>
+                                        </p:cTn>
+                                        <p:tgtEl>
+                                          <p:spTgt spid="3">
+                                            <p:txEl>
+                                              <p:pRg st="7" end="7"/>
+                                            </p:txEl>
+                                          </p:spTgt>
+                                        </p:tgtEl>
+                                        <p:attrNameLst>
+                                          <p:attrName>style.visibility</p:attrName>
+                                        </p:attrNameLst>
+                                      </p:cBhvr>
+                                      <p:to>
+                                        <p:strVal val="visible"/>
+                                      </p:to>
+                                    </p:set>
+                                  </p:childTnLst>
+                                </p:cTn>
+                              </p:par>
+                              <p:par>
+                                <p:cTn id="19" presetID="1" presetClass="entr" presetSubtype="0" fill="hold" grpId="0" nodeType="withEffect">
+                                  <p:stCondLst>
+                                    <p:cond delay="0"/>
+                                  </p:stCondLst>
+                                  <p:childTnLst>
+                                    <p:set>
+                                      <p:cBhvr>
+                                        <p:cTn id="20" dur="1" fill="hold">
+                                          <p:stCondLst>
+                                            <p:cond delay="0"/>
+                                          </p:stCondLst>
+                                        </p:cTn>
+                                        <p:tgtEl>
+                                          <p:spTgt spid="3">
+                                            <p:txEl>
+                                              <p:pRg st="8" end="8"/>
+                                            </p:txEl>
+                                          </p:spTgt>
+                                        </p:tgtEl>
+                                        <p:attrNameLst>
+                                          <p:attrName>style.visibility</p:attrName>
+                                        </p:attrNameLst>
+                                      </p:cBhvr>
+                                      <p:to>
+                                        <p:strVal val="visible"/>
+                                      </p:to>
+                                    </p:set>
+                                  </p:childTnLst>
+                                </p:cTn>
+                              </p:par>
+                            </p:childTnLst>
+                          </p:cTn>
+                        </p:par>
+                      </p:childTnLst>
+                    </p:cTn>
+                  </p:par>
+                  <p:par>
+                    <p:cTn id="21" fill="hold">
+                      <p:stCondLst>
+                        <p:cond delay="indefinite"/>
+                      </p:stCondLst>
+                      <p:childTnLst>
+                        <p:par>
+                          <p:cTn id="22" fill="hold">
+                            <p:stCondLst>
+                              <p:cond delay="0"/>
+                            </p:stCondLst>
+                            <p:childTnLst>
+                              <p:par>
+                                <p:cTn id="23" presetID="1" presetClass="entr" presetSubtype="0" fill="hold" grpId="0" nodeType="clickEffect">
+                                  <p:stCondLst>
+                                    <p:cond delay="0"/>
+                                  </p:stCondLst>
+                                  <p:childTnLst>
+                                    <p:set>
+                                      <p:cBhvr>
+                                        <p:cTn id="24" dur="1" fill="hold">
+                                          <p:stCondLst>
+                                            <p:cond delay="0"/>
+                                          </p:stCondLst>
+                                        </p:cTn>
+                                        <p:tgtEl>
+                                          <p:spTgt spid="3">
+                                            <p:txEl>
+                                              <p:pRg st="10" end="10"/>
+                                            </p:txEl>
+                                          </p:spTgt>
+                                        </p:tgtEl>
+                                        <p:attrNameLst>
+                                          <p:attrName>style.visibility</p:attrName>
+                                        </p:attrNameLst>
+                                      </p:cBhvr>
+                                      <p:to>
+                                        <p:strVal val="visible"/>
+                                      </p:to>
+                                    </p:set>
+                                  </p:childTnLst>
+                                </p:cTn>
+                              </p:par>
+                              <p:par>
+                                <p:cTn id="25" presetID="1" presetClass="entr" presetSubtype="0" fill="hold" grpId="0" nodeType="withEffect">
+                                  <p:stCondLst>
+                                    <p:cond delay="0"/>
+                                  </p:stCondLst>
+                                  <p:childTnLst>
+                                    <p:set>
+                                      <p:cBhvr>
+                                        <p:cTn id="26" dur="1" fill="hold">
+                                          <p:stCondLst>
+                                            <p:cond delay="0"/>
+                                          </p:stCondLst>
+                                        </p:cTn>
+                                        <p:tgtEl>
+                                          <p:spTgt spid="3">
+                                            <p:txEl>
+                                              <p:pRg st="11" end="11"/>
+                                            </p:txEl>
+                                          </p:spTgt>
+                                        </p:tgtEl>
+                                        <p:attrNameLst>
+                                          <p:attrName>style.visibility</p:attrName>
+                                        </p:attrNameLst>
+                                      </p:cBhvr>
+                                      <p:to>
+                                        <p:strVal val="visible"/>
+                                      </p:to>
+                                    </p:set>
+                                  </p:childTnLst>
+                                </p:cTn>
+                              </p:par>
+                              <p:par>
+                                <p:cTn id="27" presetID="1" presetClass="entr" presetSubtype="0" fill="hold" grpId="0" nodeType="withEffect">
+                                  <p:stCondLst>
+                                    <p:cond delay="0"/>
+                                  </p:stCondLst>
+                                  <p:childTnLst>
+                                    <p:set>
+                                      <p:cBhvr>
+                                        <p:cTn id="28" dur="1" fill="hold">
+                                          <p:stCondLst>
+                                            <p:cond delay="0"/>
+                                          </p:stCondLst>
+                                        </p:cTn>
+                                        <p:tgtEl>
+                                          <p:spTgt spid="3">
+                                            <p:txEl>
+                                              <p:pRg st="12" end="12"/>
+                                            </p:txEl>
+                                          </p:spTgt>
+                                        </p:tgtEl>
+                                        <p:attrNameLst>
+                                          <p:attrName>style.visibility</p:attrName>
+                                        </p:attrNameLst>
+                                      </p:cBhvr>
+                                      <p:to>
+                                        <p:strVal val="visible"/>
+                                      </p:to>
+                                    </p:set>
+                                  </p:childTnLst>
+                                </p:cTn>
+                              </p:par>
+                              <p:par>
+                                <p:cTn id="29" presetID="1" presetClass="entr" presetSubtype="0" fill="hold" grpId="0" nodeType="withEffect">
+                                  <p:stCondLst>
+                                    <p:cond delay="0"/>
+                                  </p:stCondLst>
+                                  <p:childTnLst>
+                                    <p:set>
+                                      <p:cBhvr>
+                                        <p:cTn id="30" dur="1" fill="hold">
+                                          <p:stCondLst>
+                                            <p:cond delay="0"/>
+                                          </p:stCondLst>
+                                        </p:cTn>
+                                        <p:tgtEl>
+                                          <p:spTgt spid="3">
+                                            <p:txEl>
+                                              <p:pRg st="13" end="13"/>
+                                            </p:txEl>
+                                          </p:spTgt>
+                                        </p:tgtEl>
+                                        <p:attrNameLst>
+                                          <p:attrName>style.visibility</p:attrName>
+                                        </p:attrNameLst>
+                                      </p:cBhvr>
+                                      <p:to>
+                                        <p:strVal val="visible"/>
+                                      </p:to>
+                                    </p:set>
+                                  </p:childTnLst>
+                                </p:cTn>
+                              </p:par>
+                              <p:par>
+                                <p:cTn id="31" presetID="1" presetClass="entr" presetSubtype="0" fill="hold" grpId="0" nodeType="withEffect">
+                                  <p:stCondLst>
+                                    <p:cond delay="0"/>
+                                  </p:stCondLst>
+                                  <p:childTnLst>
+                                    <p:set>
+                                      <p:cBhvr>
+                                        <p:cTn id="32" dur="1" fill="hold">
+                                          <p:stCondLst>
+                                            <p:cond delay="0"/>
+                                          </p:stCondLst>
+                                        </p:cTn>
+                                        <p:tgtEl>
+                                          <p:spTgt spid="3">
+                                            <p:txEl>
+                                              <p:pRg st="14" end="14"/>
+                                            </p:txEl>
+                                          </p:spTgt>
+                                        </p:tgtEl>
+                                        <p:attrNameLst>
+                                          <p:attrName>style.visibility</p:attrName>
+                                        </p:attrNameLst>
+                                      </p:cBhvr>
+                                      <p:to>
+                                        <p:strVal val="visible"/>
+                                      </p:to>
+                                    </p:set>
+                                  </p:childTnLst>
+                                </p:cTn>
+                              </p:par>
+                            </p:childTnLst>
+                          </p:cTn>
+                        </p:par>
+                      </p:childTnLst>
+                    </p:cTn>
+                  </p:par>
+                </p:childTnLst>
+              </p:cTn>
+              <p:prevCondLst>
+                <p:cond evt="onPrev" delay="0">
+                  <p:tgtEl>
+                    <p:sldTgt/>
+                  </p:tgtEl>
+                </p:cond>
+              </p:prevCondLst>
+              <p:nextCondLst>
+                <p:cond evt="onNext" delay="0">
+                  <p:tgtEl>
+                    <p:sldTgt/>
+                  </p:tgtEl>
+                </p:cond>
+              </p:nextCondLst>
+            </p:seq>
+          </p:childTnLst>
+        </p:cTn>
+      </p:par>
+    </p:tnLst>
+    <p:bldLst>
+      <p:bldP spid="3" grpId="0" uiExpand="1" build="p"/>
+    </p:bldLst>
+  </p:timing>
+</p:sld>
+</file>
+
+<file path=ppt/slides/slide20.xml><?xml version="1.0" encoding="utf-8"?>
+<p:sld xmlns:a="http://schemas.openxmlformats.org/drawingml/2006/main" xmlns:r="http://schemas.openxmlformats.org/officeDocument/2006/relationships" xmlns:p="http://schemas.openxmlformats.org/presentationml/2006/main">
+  <p:cSld>
+    <p:spTree>
+      <p:nvGrpSpPr>
+        <p:cNvPr id="1" name=""/>
+        <p:cNvGrpSpPr/>
+        <p:nvPr/>
+      </p:nvGrpSpPr>
+      <p:grpSpPr>
+        <a:xfrm>
+          <a:off x="0" y="0"/>
+          <a:ext cx="0" cy="0"/>
+          <a:chOff x="0" y="0"/>
+          <a:chExt cx="0" cy="0"/>
+        </a:xfrm>
+      </p:grpSpPr>
+      <p:sp>
+        <p:nvSpPr>
+          <p:cNvPr id="3" name="Content Placeholder 2"/>
+          <p:cNvSpPr>
+            <a:spLocks noGrp="1"/>
+          </p:cNvSpPr>
+          <p:nvPr>
+            <p:ph idx="1"/>
+          </p:nvPr>
+        </p:nvSpPr>
+        <p:spPr/>
+        <p:txBody>
+          <a:bodyPr>
+            <a:normAutofit lnSpcReduction="10000"/>
+          </a:bodyPr>
+          <a:lstStyle/>
+          <a:p>
+            <a:r>
+              <a:rPr lang="en-GB" dirty="0" smtClean="0"/>
+              <a:t>Requirements will be unambiguous and without functional gaps</a:t>
+            </a:r>
+          </a:p>
+          <a:p>
+            <a:endParaRPr lang="en-US" dirty="0" smtClean="0"/>
+          </a:p>
+          <a:p>
+            <a:r>
+              <a:rPr lang="en-GB" dirty="0" smtClean="0"/>
+              <a:t>Business analysts will really understand those special cases you mentioned</a:t>
+            </a:r>
+          </a:p>
+          <a:p>
+            <a:endParaRPr lang="en-US" dirty="0" smtClean="0"/>
+          </a:p>
+          <a:p>
+            <a:r>
+              <a:rPr lang="en-GB" dirty="0" smtClean="0"/>
+              <a:t>You will have automated tests to guide development</a:t>
+            </a:r>
+          </a:p>
+          <a:p>
+            <a:endParaRPr lang="en-US" dirty="0" smtClean="0"/>
+          </a:p>
+          <a:p>
+            <a:r>
+              <a:rPr lang="en-GB" dirty="0" smtClean="0"/>
+              <a:t>It will be easier to take-over and hand-over code</a:t>
+            </a:r>
+          </a:p>
+        </p:txBody>
+      </p:sp>
+      <p:sp>
+        <p:nvSpPr>
+          <p:cNvPr id="2" name="Title 1"/>
+          <p:cNvSpPr>
+            <a:spLocks noGrp="1"/>
+          </p:cNvSpPr>
+          <p:nvPr>
+            <p:ph type="title"/>
+          </p:nvPr>
+        </p:nvSpPr>
+        <p:spPr/>
+        <p:txBody>
+          <a:bodyPr>
+            <a:normAutofit fontScale="90000"/>
+          </a:bodyPr>
+          <a:lstStyle/>
+          <a:p>
+            <a:pPr algn="ctr"/>
+            <a:r>
+              <a:rPr lang="nl-BE" dirty="0" smtClean="0"/>
+              <a:t>What’s in it for you?</a:t>
+            </a:r>
+            <a:br>
+              <a:rPr lang="nl-BE" dirty="0" smtClean="0"/>
+            </a:br>
+            <a:r>
+              <a:rPr lang="nl-BE" sz="3600" dirty="0" smtClean="0">
+                <a:solidFill>
+                  <a:schemeClr val="bg2">
+                    <a:lumMod val="50000"/>
+                  </a:schemeClr>
+                </a:solidFill>
+              </a:rPr>
+              <a:t>Developer</a:t>
+            </a:r>
+            <a:endParaRPr lang="nl-BE" sz="3600" dirty="0">
+              <a:solidFill>
+                <a:schemeClr val="bg2">
+                  <a:lumMod val="50000"/>
+                </a:schemeClr>
+              </a:solidFill>
+            </a:endParaRPr>
+          </a:p>
+        </p:txBody>
+      </p:sp>
+    </p:spTree>
+  </p:cSld>
+  <p:clrMapOvr>
+    <a:masterClrMapping/>
+  </p:clrMapOvr>
+  <p:timing>
+    <p:tnLst>
+      <p:par>
+        <p:cTn id="1" dur="indefinite" restart="never" nodeType="tmRoot"/>
+      </p:par>
+    </p:tnLst>
+  </p:timing>
+</p:sld>
+</file>
+
+<file path=ppt/slides/slide21.xml><?xml version="1.0" encoding="utf-8"?>
+<p:sld xmlns:a="http://schemas.openxmlformats.org/drawingml/2006/main" xmlns:r="http://schemas.openxmlformats.org/officeDocument/2006/relationships" xmlns:p="http://schemas.openxmlformats.org/presentationml/2006/main">
+  <p:cSld>
+    <p:spTree>
+      <p:nvGrpSpPr>
+        <p:cNvPr id="1" name=""/>
+        <p:cNvGrpSpPr/>
+        <p:nvPr/>
+      </p:nvGrpSpPr>
+      <p:grpSpPr>
+        <a:xfrm>
+          <a:off x="0" y="0"/>
+          <a:ext cx="0" cy="0"/>
+          <a:chOff x="0" y="0"/>
+          <a:chExt cx="0" cy="0"/>
+        </a:xfrm>
+      </p:grpSpPr>
+      <p:sp>
+        <p:nvSpPr>
+          <p:cNvPr id="3" name="Content Placeholder 2"/>
+          <p:cNvSpPr>
+            <a:spLocks noGrp="1"/>
+          </p:cNvSpPr>
+          <p:nvPr>
+            <p:ph idx="1"/>
+          </p:nvPr>
+        </p:nvSpPr>
+        <p:spPr/>
+        <p:txBody>
+          <a:bodyPr>
+            <a:normAutofit/>
+          </a:bodyPr>
+          <a:lstStyle/>
+          <a:p>
+            <a:r>
+              <a:rPr lang="en-GB" dirty="0" smtClean="0"/>
+              <a:t>Finally stop those guys from making the same mistakes over and over</a:t>
+            </a:r>
+          </a:p>
+          <a:p>
+            <a:endParaRPr lang="en-US" dirty="0" smtClean="0"/>
+          </a:p>
+          <a:p>
+            <a:r>
+              <a:rPr lang="en-GB" dirty="0" smtClean="0"/>
+              <a:t>Avoid doing the same stuff all the time</a:t>
+            </a:r>
+          </a:p>
+          <a:p>
+            <a:endParaRPr lang="en-US" dirty="0" smtClean="0"/>
+          </a:p>
+          <a:p>
+            <a:r>
+              <a:rPr lang="en-GB" dirty="0" smtClean="0"/>
+              <a:t>Build quality in from the start</a:t>
+            </a:r>
+          </a:p>
+          <a:p>
+            <a:endParaRPr lang="en-US" dirty="0" smtClean="0"/>
+          </a:p>
+          <a:p>
+            <a:r>
+              <a:rPr lang="en-GB" dirty="0" smtClean="0"/>
+              <a:t>Verify business rules by a click on a button</a:t>
+            </a:r>
+          </a:p>
+        </p:txBody>
+      </p:sp>
+      <p:sp>
+        <p:nvSpPr>
+          <p:cNvPr id="2" name="Title 1"/>
+          <p:cNvSpPr>
+            <a:spLocks noGrp="1"/>
+          </p:cNvSpPr>
+          <p:nvPr>
+            <p:ph type="title"/>
+          </p:nvPr>
+        </p:nvSpPr>
+        <p:spPr/>
+        <p:txBody>
+          <a:bodyPr>
+            <a:normAutofit fontScale="90000"/>
+          </a:bodyPr>
+          <a:lstStyle/>
+          <a:p>
+            <a:pPr algn="ctr"/>
+            <a:r>
+              <a:rPr lang="nl-BE" dirty="0" smtClean="0"/>
+              <a:t>What’s in it for you?</a:t>
+            </a:r>
+            <a:br>
+              <a:rPr lang="nl-BE" dirty="0" smtClean="0"/>
+            </a:br>
+            <a:r>
+              <a:rPr lang="nl-BE" sz="3600" dirty="0" smtClean="0">
+                <a:solidFill>
+                  <a:schemeClr val="bg2">
+                    <a:lumMod val="50000"/>
+                  </a:schemeClr>
+                </a:solidFill>
+              </a:rPr>
+              <a:t>Tester / Business Analist</a:t>
+            </a:r>
+            <a:endParaRPr lang="nl-BE" sz="3600" dirty="0">
+              <a:solidFill>
+                <a:schemeClr val="bg2">
+                  <a:lumMod val="50000"/>
+                </a:schemeClr>
+              </a:solidFill>
+            </a:endParaRPr>
+          </a:p>
+        </p:txBody>
+      </p:sp>
+    </p:spTree>
+  </p:cSld>
+  <p:clrMapOvr>
+    <a:masterClrMapping/>
+  </p:clrMapOvr>
+  <p:timing>
+    <p:tnLst>
+      <p:par>
+        <p:cTn id="1" dur="indefinite" restart="never" nodeType="tmRoot"/>
+      </p:par>
+    </p:tnLst>
+  </p:timing>
+</p:sld>
+</file>
+
+<file path=ppt/slides/slide22.xml><?xml version="1.0" encoding="utf-8"?>
+<p:sld xmlns:a="http://schemas.openxmlformats.org/drawingml/2006/main" xmlns:r="http://schemas.openxmlformats.org/officeDocument/2006/relationships" xmlns:p="http://schemas.openxmlformats.org/presentationml/2006/main">
+  <p:cSld>
+    <p:spTree>
+      <p:nvGrpSpPr>
+        <p:cNvPr id="1" name=""/>
+        <p:cNvGrpSpPr/>
+        <p:nvPr/>
+      </p:nvGrpSpPr>
+      <p:grpSpPr>
+        <a:xfrm>
+          <a:off x="0" y="0"/>
+          <a:ext cx="0" cy="0"/>
+          <a:chOff x="0" y="0"/>
+          <a:chExt cx="0" cy="0"/>
+        </a:xfrm>
+      </p:grpSpPr>
+      <p:sp>
+        <p:nvSpPr>
+          <p:cNvPr id="3" name="Content Placeholder 2"/>
+          <p:cNvSpPr>
+            <a:spLocks noGrp="1"/>
+          </p:cNvSpPr>
+          <p:nvPr>
+            <p:ph idx="1"/>
+          </p:nvPr>
+        </p:nvSpPr>
+        <p:spPr>
+          <a:xfrm>
+            <a:off x="457200" y="1214422"/>
+            <a:ext cx="8229600" cy="4792869"/>
+          </a:xfrm>
+        </p:spPr>
+        <p:txBody>
+          <a:bodyPr>
+            <a:normAutofit fontScale="85000" lnSpcReduction="20000"/>
+          </a:bodyPr>
+          <a:lstStyle/>
+          <a:p>
+            <a:r>
+              <a:rPr lang="nl-BE" dirty="0" smtClean="0"/>
+              <a:t>Books</a:t>
+            </a:r>
+          </a:p>
+          <a:p>
+            <a:pPr lvl="1"/>
+            <a:endParaRPr lang="nl-BE" dirty="0" smtClean="0"/>
+          </a:p>
+          <a:p>
+            <a:pPr lvl="1"/>
+            <a:endParaRPr lang="nl-BE" dirty="0" smtClean="0"/>
+          </a:p>
+          <a:p>
+            <a:pPr lvl="1"/>
+            <a:endParaRPr lang="nl-BE" dirty="0" smtClean="0"/>
+          </a:p>
+          <a:p>
+            <a:endParaRPr lang="nl-BE" dirty="0" smtClean="0"/>
+          </a:p>
+          <a:p>
+            <a:endParaRPr lang="nl-BE" dirty="0" smtClean="0"/>
+          </a:p>
+          <a:p>
+            <a:r>
+              <a:rPr lang="nl-BE" dirty="0" smtClean="0"/>
+              <a:t>On the web</a:t>
+            </a:r>
+          </a:p>
+          <a:p>
+            <a:pPr lvl="1"/>
+            <a:r>
+              <a:rPr lang="nl-BE" dirty="0" smtClean="0">
+                <a:hlinkClick r:id="rId2"/>
+              </a:rPr>
+              <a:t>http://fitnesse.org/</a:t>
+            </a:r>
+            <a:r>
+              <a:rPr lang="nl-BE" dirty="0" smtClean="0"/>
+              <a:t> </a:t>
+            </a:r>
+          </a:p>
+          <a:p>
+            <a:pPr lvl="1"/>
+            <a:r>
+              <a:rPr lang="en-US" sz="2400" dirty="0" smtClean="0">
+                <a:hlinkClick r:id="rId3"/>
+              </a:rPr>
+              <a:t>http://sourceforge.net/projects/fitlibrary/</a:t>
+            </a:r>
+            <a:r>
+              <a:rPr lang="en-US" sz="2400" dirty="0" smtClean="0"/>
+              <a:t> </a:t>
+            </a:r>
+          </a:p>
+          <a:p>
+            <a:pPr lvl="1"/>
+            <a:r>
+              <a:rPr lang="en-US" sz="2400" dirty="0" smtClean="0">
+                <a:hlinkClick r:id="rId4"/>
+              </a:rPr>
+              <a:t>http://gojko.net/fitnesse/</a:t>
+            </a:r>
+            <a:r>
+              <a:rPr lang="en-US" sz="2400" dirty="0" smtClean="0"/>
+              <a:t>   </a:t>
+            </a:r>
+          </a:p>
+          <a:p>
+            <a:pPr lvl="1"/>
+            <a:r>
+              <a:rPr lang="nl-BE" sz="2400" dirty="0" smtClean="0">
+                <a:hlinkClick r:id="rId5"/>
+              </a:rPr>
+              <a:t>http://codebetter.com/blogs/ian_cooper/archive/2008/10/13/fitnesse-and-the-three-way.aspx</a:t>
+            </a:r>
+            <a:r>
+              <a:rPr lang="nl-BE" sz="2400" dirty="0" smtClean="0"/>
+              <a:t> </a:t>
+            </a:r>
+          </a:p>
+          <a:p>
+            <a:endParaRPr lang="nl-BE" dirty="0" smtClean="0"/>
+          </a:p>
+          <a:p>
+            <a:r>
+              <a:rPr lang="nl-BE" dirty="0" smtClean="0"/>
+              <a:t>Yahoo Group</a:t>
+            </a:r>
+          </a:p>
+          <a:p>
+            <a:pPr lvl="1"/>
+            <a:r>
+              <a:rPr lang="en-US" sz="2400" dirty="0" smtClean="0">
+                <a:hlinkClick r:id="rId6"/>
+              </a:rPr>
+              <a:t>http://tech.groups.yahoo.com/group/fitnesse/</a:t>
+            </a:r>
+            <a:r>
+              <a:rPr lang="en-US" sz="2400" dirty="0" smtClean="0"/>
+              <a:t> </a:t>
+            </a:r>
+            <a:endParaRPr lang="nl-BE" dirty="0" smtClean="0"/>
+          </a:p>
+          <a:p>
+            <a:endParaRPr lang="nl-BE" dirty="0" smtClean="0"/>
+          </a:p>
+        </p:txBody>
+      </p:sp>
+      <p:sp>
+        <p:nvSpPr>
+          <p:cNvPr id="2" name="Title 1"/>
+          <p:cNvSpPr>
+            <a:spLocks noGrp="1"/>
+          </p:cNvSpPr>
+          <p:nvPr>
+            <p:ph type="title"/>
+          </p:nvPr>
+        </p:nvSpPr>
+        <p:spPr/>
+        <p:txBody>
+          <a:bodyPr/>
+          <a:lstStyle/>
+          <a:p>
+            <a:r>
+              <a:rPr lang="nl-BE" dirty="0" smtClean="0"/>
+              <a:t>Resources</a:t>
+            </a:r>
+            <a:endParaRPr lang="nl-BE" dirty="0"/>
+          </a:p>
+        </p:txBody>
+      </p:sp>
+      <p:pic>
+        <p:nvPicPr>
+          <p:cNvPr id="4" name="Picture 2"/>
+          <p:cNvPicPr>
+            <a:picLocks noChangeAspect="1" noChangeArrowheads="1"/>
+          </p:cNvPicPr>
+          <p:nvPr/>
+        </p:nvPicPr>
+        <p:blipFill>
+          <a:blip r:embed="rId7"/>
+          <a:srcRect/>
+          <a:stretch>
+            <a:fillRect/>
+          </a:stretch>
+        </p:blipFill>
+        <p:spPr bwMode="auto">
+          <a:xfrm>
+            <a:off x="5951356" y="1094408"/>
+            <a:ext cx="1357322" cy="1730037"/>
+          </a:xfrm>
+          <a:prstGeom prst="rect">
+            <a:avLst/>
+          </a:prstGeom>
+          <a:noFill/>
+          <a:ln w="9525" algn="ctr">
+            <a:noFill/>
+            <a:miter lim="800000"/>
+            <a:headEnd/>
+            <a:tailEnd/>
+          </a:ln>
+        </p:spPr>
+      </p:pic>
+      <p:pic>
+        <p:nvPicPr>
+          <p:cNvPr id="5" name="Picture 8"/>
+          <p:cNvPicPr>
+            <a:picLocks noChangeAspect="1" noChangeArrowheads="1"/>
+          </p:cNvPicPr>
+          <p:nvPr/>
+        </p:nvPicPr>
+        <p:blipFill>
+          <a:blip r:embed="rId8"/>
+          <a:srcRect/>
+          <a:stretch>
+            <a:fillRect/>
+          </a:stretch>
+        </p:blipFill>
+        <p:spPr bwMode="auto">
+          <a:xfrm>
+            <a:off x="7429520" y="1077228"/>
+            <a:ext cx="1374932" cy="1785950"/>
+          </a:xfrm>
+          <a:prstGeom prst="rect">
+            <a:avLst/>
+          </a:prstGeom>
+          <a:noFill/>
+          <a:ln w="9525" algn="ctr">
+            <a:noFill/>
+            <a:miter lim="800000"/>
+            <a:headEnd/>
+            <a:tailEnd/>
+          </a:ln>
+        </p:spPr>
+      </p:pic>
+      <p:pic>
+        <p:nvPicPr>
+          <p:cNvPr id="1027" name="Picture 3"/>
+          <p:cNvPicPr>
+            <a:picLocks noChangeAspect="1" noChangeArrowheads="1"/>
+          </p:cNvPicPr>
+          <p:nvPr/>
+        </p:nvPicPr>
+        <p:blipFill>
+          <a:blip r:embed="rId9"/>
+          <a:srcRect/>
+          <a:stretch>
+            <a:fillRect/>
+          </a:stretch>
+        </p:blipFill>
+        <p:spPr bwMode="auto">
+          <a:xfrm>
+            <a:off x="3214678" y="1071546"/>
+            <a:ext cx="1357322" cy="1782751"/>
+          </a:xfrm>
+          <a:prstGeom prst="rect">
+            <a:avLst/>
+          </a:prstGeom>
+          <a:noFill/>
+          <a:ln w="9525">
+            <a:noFill/>
+            <a:miter lim="800000"/>
+            <a:headEnd/>
+            <a:tailEnd/>
+          </a:ln>
+          <a:effectLst/>
+        </p:spPr>
+      </p:pic>
+      <p:pic>
+        <p:nvPicPr>
+          <p:cNvPr id="1028" name="Picture 4"/>
+          <p:cNvPicPr>
+            <a:picLocks noChangeAspect="1" noChangeArrowheads="1"/>
+          </p:cNvPicPr>
+          <p:nvPr/>
+        </p:nvPicPr>
+        <p:blipFill>
+          <a:blip r:embed="rId10"/>
+          <a:srcRect/>
+          <a:stretch>
+            <a:fillRect/>
+          </a:stretch>
+        </p:blipFill>
+        <p:spPr bwMode="auto">
+          <a:xfrm>
+            <a:off x="4572000" y="1044025"/>
+            <a:ext cx="1285884" cy="1844506"/>
+          </a:xfrm>
+          <a:prstGeom prst="rect">
+            <a:avLst/>
+          </a:prstGeom>
+          <a:noFill/>
+          <a:ln w="9525">
+            <a:noFill/>
+            <a:miter lim="800000"/>
+            <a:headEnd/>
+            <a:tailEnd/>
+          </a:ln>
+          <a:effectLst/>
+        </p:spPr>
+      </p:pic>
+      <p:pic>
+        <p:nvPicPr>
+          <p:cNvPr id="1029" name="Picture 5"/>
+          <p:cNvPicPr>
+            <a:picLocks noChangeAspect="1" noChangeArrowheads="1"/>
+          </p:cNvPicPr>
+          <p:nvPr/>
+        </p:nvPicPr>
+        <p:blipFill>
+          <a:blip r:embed="rId11"/>
+          <a:srcRect/>
+          <a:stretch>
+            <a:fillRect/>
+          </a:stretch>
+        </p:blipFill>
+        <p:spPr bwMode="auto">
+          <a:xfrm>
+            <a:off x="1857356" y="1071545"/>
+            <a:ext cx="1357322" cy="1782751"/>
+          </a:xfrm>
+          <a:prstGeom prst="rect">
+            <a:avLst/>
+          </a:prstGeom>
+          <a:noFill/>
+          <a:ln w="9525">
+            <a:noFill/>
+            <a:miter lim="800000"/>
+            <a:headEnd/>
+            <a:tailEnd/>
+          </a:ln>
+          <a:effectLst/>
+        </p:spPr>
+      </p:pic>
+    </p:spTree>
+  </p:cSld>
+  <p:clrMapOvr>
+    <a:masterClrMapping/>
+  </p:clrMapOvr>
+  <p:timing>
+    <p:tnLst>
+      <p:par>
+        <p:cTn id="1" dur="indefinite" restart="never" nodeType="tmRoot"/>
+      </p:par>
+    </p:tnLst>
+  </p:timing>
+</p:sld>
+</file>
+
+<file path=ppt/slides/slide23.xml><?xml version="1.0" encoding="utf-8"?>
+<p:sld xmlns:a="http://schemas.openxmlformats.org/drawingml/2006/main" xmlns:r="http://schemas.openxmlformats.org/officeDocument/2006/relationships" xmlns:p="http://schemas.openxmlformats.org/presentationml/2006/main">
+  <p:cSld>
+    <p:spTree>
+      <p:nvGrpSpPr>
+        <p:cNvPr id="1" name=""/>
+        <p:cNvGrpSpPr/>
+        <p:nvPr/>
+      </p:nvGrpSpPr>
+      <p:grpSpPr>
+        <a:xfrm>
+          <a:off x="0" y="0"/>
+          <a:ext cx="0" cy="0"/>
+          <a:chOff x="0" y="0"/>
+          <a:chExt cx="0" cy="0"/>
+        </a:xfrm>
+      </p:grpSpPr>
+      <p:sp>
+        <p:nvSpPr>
+          <p:cNvPr id="2" name="Title 1"/>
+          <p:cNvSpPr>
+            <a:spLocks noGrp="1"/>
+          </p:cNvSpPr>
+          <p:nvPr>
+            <p:ph type="title"/>
+          </p:nvPr>
+        </p:nvSpPr>
+        <p:spPr/>
+        <p:txBody>
+          <a:bodyPr/>
+          <a:lstStyle/>
+          <a:p>
+            <a:r>
+              <a:rPr lang="nl-BE" dirty="0" smtClean="0"/>
+              <a:t>Retrospective</a:t>
+            </a:r>
+            <a:endParaRPr lang="nl-BE" dirty="0"/>
+          </a:p>
+        </p:txBody>
+      </p:sp>
+    </p:spTree>
+  </p:cSld>
+  <p:clrMapOvr>
+    <a:masterClrMapping/>
+  </p:clrMapOvr>
+  <p:timing>
+    <p:tnLst>
+      <p:par>
+        <p:cTn id="1" dur="indefinite" restart="never" nodeType="tmRoot"/>
+      </p:par>
+    </p:tnLst>
+  </p:timing>
+</p:sld>
+</file>
+
+<file path=ppt/slides/slide3.xml><?xml version="1.0" encoding="utf-8"?>
+<p:sld xmlns:a="http://schemas.openxmlformats.org/drawingml/2006/main" xmlns:r="http://schemas.openxmlformats.org/officeDocument/2006/relationships" xmlns:p="http://schemas.openxmlformats.org/presentationml/2006/main">
+  <p:cSld>
+    <p:spTree>
+      <p:nvGrpSpPr>
+        <p:cNvPr id="1" name=""/>
+        <p:cNvGrpSpPr/>
+        <p:nvPr/>
+      </p:nvGrpSpPr>
+      <p:grpSpPr>
+        <a:xfrm>
+          <a:off x="0" y="0"/>
+          <a:ext cx="0" cy="0"/>
+          <a:chOff x="0" y="0"/>
+          <a:chExt cx="0" cy="0"/>
+        </a:xfrm>
+      </p:grpSpPr>
+      <p:sp>
+        <p:nvSpPr>
+          <p:cNvPr id="2" name="Content Placeholder 1"/>
+          <p:cNvSpPr>
+            <a:spLocks noGrp="1"/>
+          </p:cNvSpPr>
+          <p:nvPr>
+            <p:ph idx="1"/>
+          </p:nvPr>
+        </p:nvSpPr>
+        <p:spPr/>
+        <p:txBody>
+          <a:bodyPr/>
+          <a:lstStyle/>
+          <a:p>
+            <a:pPr marL="624078" indent="-514350"/>
+            <a:r>
+              <a:rPr lang="nl-BE" b="1" i="1" dirty="0" smtClean="0"/>
+              <a:t>Specification Workshop</a:t>
+            </a:r>
+          </a:p>
+          <a:p>
+            <a:pPr marL="624078" indent="-514350"/>
+            <a:endParaRPr lang="nl-BE" i="1" dirty="0" smtClean="0"/>
+          </a:p>
+          <a:p>
+            <a:pPr marL="624078" indent="-514350"/>
+            <a:r>
+              <a:rPr lang="nl-BE" i="1" dirty="0" smtClean="0"/>
+              <a:t>Setup Fitnesse</a:t>
+            </a:r>
+          </a:p>
+          <a:p>
+            <a:pPr marL="624078" indent="-514350"/>
+            <a:endParaRPr lang="nl-BE" i="1" dirty="0" smtClean="0"/>
+          </a:p>
+          <a:p>
+            <a:pPr marL="624078" indent="-514350"/>
+            <a:r>
+              <a:rPr lang="nl-BE" i="1" dirty="0" smtClean="0"/>
+              <a:t>Iteration 1</a:t>
+            </a:r>
+          </a:p>
+          <a:p>
+            <a:pPr marL="624078" indent="-514350"/>
+            <a:endParaRPr lang="nl-BE" i="1" dirty="0" smtClean="0"/>
+          </a:p>
+          <a:p>
+            <a:pPr marL="624078" indent="-514350"/>
+            <a:r>
+              <a:rPr lang="nl-BE" i="1" dirty="0" smtClean="0"/>
+              <a:t>Iteration 2</a:t>
+            </a:r>
+          </a:p>
+          <a:p>
+            <a:pPr marL="624078" indent="-514350"/>
+            <a:endParaRPr lang="nl-BE" i="1" dirty="0" smtClean="0"/>
+          </a:p>
+          <a:p>
+            <a:pPr marL="624078" indent="-514350"/>
+            <a:r>
+              <a:rPr lang="nl-BE" dirty="0" smtClean="0"/>
+              <a:t>What’s in it for you?</a:t>
+            </a:r>
+            <a:endParaRPr lang="nl-BE" i="1" dirty="0" smtClean="0"/>
+          </a:p>
+          <a:p>
+            <a:pPr marL="624078" indent="-514350"/>
+            <a:endParaRPr lang="nl-BE" i="1" dirty="0" smtClean="0"/>
+          </a:p>
+        </p:txBody>
+      </p:sp>
+      <p:sp>
+        <p:nvSpPr>
+          <p:cNvPr id="3" name="Title 2"/>
+          <p:cNvSpPr>
+            <a:spLocks noGrp="1"/>
+          </p:cNvSpPr>
+          <p:nvPr>
+            <p:ph type="title"/>
+          </p:nvPr>
+        </p:nvSpPr>
+        <p:spPr/>
+        <p:txBody>
+          <a:bodyPr>
+            <a:normAutofit fontScale="90000"/>
+          </a:bodyPr>
+          <a:lstStyle/>
+          <a:p>
+            <a:r>
+              <a:rPr lang="nl-BE" sz="3600" dirty="0" smtClean="0"/>
+              <a:t>Agile Acceptance Testing with Fitnesse</a:t>
+            </a:r>
+            <a:endParaRPr lang="nl-BE" sz="3600" dirty="0"/>
+          </a:p>
+        </p:txBody>
+      </p:sp>
+      <p:pic>
+        <p:nvPicPr>
+          <p:cNvPr id="5" name="Picture 2" descr="C:\Users\pascmest\AppData\Local\Microsoft\Windows\Temporary Internet Files\Content.IE5\R67MQFYW\MPj04053960000[1].jpg"/>
+          <p:cNvPicPr>
+            <a:picLocks noChangeAspect="1" noChangeArrowheads="1"/>
+          </p:cNvPicPr>
+          <p:nvPr/>
+        </p:nvPicPr>
+        <p:blipFill>
+          <a:blip r:embed="rId2" cstate="print"/>
+          <a:srcRect/>
+          <a:stretch>
+            <a:fillRect/>
+          </a:stretch>
+        </p:blipFill>
+        <p:spPr bwMode="auto">
+          <a:xfrm>
+            <a:off x="5443545" y="4214818"/>
+            <a:ext cx="3700487" cy="2643206"/>
+          </a:xfrm>
+          <a:prstGeom prst="rect">
+            <a:avLst/>
+          </a:prstGeom>
+          <a:noFill/>
+        </p:spPr>
+      </p:pic>
+    </p:spTree>
+  </p:cSld>
+  <p:clrMapOvr>
+    <a:masterClrMapping/>
+  </p:clrMapOvr>
+  <p:timing>
+    <p:tnLst>
+      <p:par>
+        <p:cTn id="1" dur="indefinite" restart="never" nodeType="tmRoot"/>
+      </p:par>
+    </p:tnLst>
+  </p:timing>
+</p:sld>
+</file>
+
+<file path=ppt/slides/slide4.xml><?xml version="1.0" encoding="utf-8"?>
+<p:sld xmlns:a="http://schemas.openxmlformats.org/drawingml/2006/main" xmlns:r="http://schemas.openxmlformats.org/officeDocument/2006/relationships" xmlns:p="http://schemas.openxmlformats.org/presentationml/2006/main">
+  <p:cSld>
+    <p:spTree>
+      <p:nvGrpSpPr>
+        <p:cNvPr id="1" name=""/>
+        <p:cNvGrpSpPr/>
+        <p:nvPr/>
+      </p:nvGrpSpPr>
+      <p:grpSpPr>
+        <a:xfrm>
+          <a:off x="0" y="0"/>
+          <a:ext cx="0" cy="0"/>
+          <a:chOff x="0" y="0"/>
+          <a:chExt cx="0" cy="0"/>
+        </a:xfrm>
+      </p:grpSpPr>
+      <p:sp>
+        <p:nvSpPr>
+          <p:cNvPr id="2" name="Content Placeholder 1"/>
+          <p:cNvSpPr>
+            <a:spLocks noGrp="1"/>
+          </p:cNvSpPr>
+          <p:nvPr>
+            <p:ph idx="1"/>
+          </p:nvPr>
+        </p:nvSpPr>
+        <p:spPr/>
+        <p:txBody>
+          <a:bodyPr/>
+          <a:lstStyle/>
+          <a:p>
+            <a:pPr>
+              <a:buNone/>
+            </a:pPr>
+            <a:r>
+              <a:rPr lang="nl-BE" dirty="0" smtClean="0"/>
+              <a:t>Mr W. Fall, CEO of BDUF Development:</a:t>
+            </a:r>
+          </a:p>
+          <a:p>
+            <a:pPr>
+              <a:buNone/>
+            </a:pPr>
+            <a:endParaRPr lang="nl-BE" dirty="0" smtClean="0"/>
+          </a:p>
+          <a:p>
+            <a:pPr>
+              <a:buNone/>
+            </a:pPr>
+            <a:r>
+              <a:rPr lang="nl-BE" i="1" dirty="0" smtClean="0"/>
+              <a:t>“Our developers are working 14 hours a day to get our latest project delivered on time.”</a:t>
+            </a:r>
+          </a:p>
+          <a:p>
+            <a:pPr>
+              <a:buNone/>
+            </a:pPr>
+            <a:endParaRPr lang="nl-BE" i="1" dirty="0" smtClean="0"/>
+          </a:p>
+          <a:p>
+            <a:pPr>
+              <a:buNone/>
+            </a:pPr>
+            <a:r>
+              <a:rPr lang="nl-BE" i="1" dirty="0" smtClean="0"/>
+              <a:t>“We need an application where they can order pizza’s, beverages, snacks,... as their evening lunch! So they can work longer!”   </a:t>
+            </a:r>
+          </a:p>
+        </p:txBody>
+      </p:sp>
+      <p:sp>
+        <p:nvSpPr>
+          <p:cNvPr id="3" name="Title 2"/>
+          <p:cNvSpPr>
+            <a:spLocks noGrp="1"/>
+          </p:cNvSpPr>
+          <p:nvPr>
+            <p:ph type="title"/>
+          </p:nvPr>
+        </p:nvSpPr>
+        <p:spPr/>
+        <p:txBody>
+          <a:bodyPr>
+            <a:normAutofit/>
+          </a:bodyPr>
+          <a:lstStyle/>
+          <a:p>
+            <a:r>
+              <a:rPr lang="nl-BE" dirty="0" smtClean="0"/>
+              <a:t>A wonderful opportunity</a:t>
+            </a:r>
+            <a:endParaRPr lang="nl-BE" dirty="0"/>
+          </a:p>
+        </p:txBody>
+      </p:sp>
+    </p:spTree>
+  </p:cSld>
+  <p:clrMapOvr>
+    <a:masterClrMapping/>
+  </p:clrMapOvr>
+  <p:timing>
+    <p:tnLst>
+      <p:par>
+        <p:cTn id="1" dur="indefinite" restart="never" nodeType="tmRoot">
+          <p:childTnLst>
+            <p:seq concurrent="1" nextAc="seek">
+              <p:cTn id="2" dur="indefinite" nodeType="mainSeq">
+                <p:childTnLst>
+                  <p:par>
+                    <p:cTn id="3" fill="hold">
+                      <p:stCondLst>
+                        <p:cond delay="indefinite"/>
+                        <p:cond evt="onBegin" delay="0">
+                          <p:tn val="2"/>
+                        </p:cond>
+                      </p:stCondLst>
+                      <p:childTnLst>
+                        <p:par>
+                          <p:cTn id="4" fill="hold">
+                            <p:stCondLst>
+                              <p:cond delay="0"/>
+                            </p:stCondLst>
+                            <p:childTnLst>
+                              <p:par>
+                                <p:cTn id="5" presetID="1" presetClass="entr" presetSubtype="0" fill="hold" grpId="0" nodeType="withEffect">
+                                  <p:stCondLst>
+                                    <p:cond delay="0"/>
+                                  </p:stCondLst>
+                                  <p:childTnLst>
+                                    <p:set>
+                                      <p:cBhvr>
+                                        <p:cTn id="6" dur="1" fill="hold">
+                                          <p:stCondLst>
+                                            <p:cond delay="0"/>
+                                          </p:stCondLst>
+                                        </p:cTn>
+                                        <p:tgtEl>
+                                          <p:spTgt spid="2">
+                                            <p:txEl>
+                                              <p:pRg st="0" end="0"/>
+                                            </p:txEl>
+                                          </p:spTgt>
+                                        </p:tgtEl>
+                                        <p:attrNameLst>
+                                          <p:attrName>style.visibility</p:attrName>
+                                        </p:attrNameLst>
+                                      </p:cBhvr>
+                                      <p:to>
+                                        <p:strVal val="visible"/>
+                                      </p:to>
+                                    </p:set>
+                                  </p:childTnLst>
+                                </p:cTn>
+                              </p:par>
+                            </p:childTnLst>
+                          </p:cTn>
+                        </p:par>
+                      </p:childTnLst>
+                    </p:cTn>
+                  </p:par>
+                  <p:par>
+                    <p:cTn id="7" fill="hold">
+                      <p:stCondLst>
+                        <p:cond delay="indefinite"/>
+                      </p:stCondLst>
+                      <p:childTnLst>
+                        <p:par>
+                          <p:cTn id="8" fill="hold">
+                            <p:stCondLst>
+                              <p:cond delay="0"/>
+                            </p:stCondLst>
+                            <p:childTnLst>
+                              <p:par>
+                                <p:cTn id="9" presetID="1" presetClass="entr" presetSubtype="0" fill="hold" grpId="0" nodeType="clickEffect">
+                                  <p:stCondLst>
+                                    <p:cond delay="0"/>
+                                  </p:stCondLst>
+                                  <p:childTnLst>
+                                    <p:set>
+                                      <p:cBhvr>
+                                        <p:cTn id="10" dur="1" fill="hold">
+                                          <p:stCondLst>
+                                            <p:cond delay="0"/>
+                                          </p:stCondLst>
+                                        </p:cTn>
+                                        <p:tgtEl>
+                                          <p:spTgt spid="2">
+                                            <p:txEl>
+                                              <p:pRg st="2" end="2"/>
+                                            </p:txEl>
+                                          </p:spTgt>
+                                        </p:tgtEl>
+                                        <p:attrNameLst>
+                                          <p:attrName>style.visibility</p:attrName>
+                                        </p:attrNameLst>
+                                      </p:cBhvr>
+                                      <p:to>
+                                        <p:strVal val="visible"/>
+                                      </p:to>
+                                    </p:set>
+                                  </p:childTnLst>
+                                </p:cTn>
+                              </p:par>
+                            </p:childTnLst>
+                          </p:cTn>
+                        </p:par>
+                      </p:childTnLst>
+                    </p:cTn>
+                  </p:par>
+                  <p:par>
+                    <p:cTn id="11" fill="hold">
+                      <p:stCondLst>
+                        <p:cond delay="indefinite"/>
+                      </p:stCondLst>
+                      <p:childTnLst>
+                        <p:par>
+                          <p:cTn id="12" fill="hold">
+                            <p:stCondLst>
+                              <p:cond delay="0"/>
+                            </p:stCondLst>
+                            <p:childTnLst>
+                              <p:par>
+                                <p:cTn id="13" presetID="1" presetClass="entr" presetSubtype="0" fill="hold" grpId="0" nodeType="clickEffect">
+                                  <p:stCondLst>
+                                    <p:cond delay="0"/>
+                                  </p:stCondLst>
+                                  <p:childTnLst>
+                                    <p:set>
+                                      <p:cBhvr>
+                                        <p:cTn id="14" dur="1" fill="hold">
+                                          <p:stCondLst>
+                                            <p:cond delay="0"/>
+                                          </p:stCondLst>
+                                        </p:cTn>
+                                        <p:tgtEl>
+                                          <p:spTgt spid="2">
+                                            <p:txEl>
+                                              <p:pRg st="4" end="4"/>
+                                            </p:txEl>
+                                          </p:spTgt>
+                                        </p:tgtEl>
+                                        <p:attrNameLst>
+                                          <p:attrName>style.visibility</p:attrName>
+                                        </p:attrNameLst>
+                                      </p:cBhvr>
+                                      <p:to>
+                                        <p:strVal val="visible"/>
+                                      </p:to>
+                                    </p:set>
+                                  </p:childTnLst>
+                                </p:cTn>
+                              </p:par>
+                            </p:childTnLst>
+                          </p:cTn>
+                        </p:par>
+                      </p:childTnLst>
+                    </p:cTn>
+                  </p:par>
+                </p:childTnLst>
+              </p:cTn>
+              <p:prevCondLst>
+                <p:cond evt="onPrev" delay="0">
+                  <p:tgtEl>
+                    <p:sldTgt/>
+                  </p:tgtEl>
+                </p:cond>
+              </p:prevCondLst>
+              <p:nextCondLst>
+                <p:cond evt="onNext" delay="0">
+                  <p:tgtEl>
+                    <p:sldTgt/>
+                  </p:tgtEl>
+                </p:cond>
+              </p:nextCondLst>
+            </p:seq>
+          </p:childTnLst>
+        </p:cTn>
+      </p:par>
+    </p:tnLst>
+    <p:bldLst>
+      <p:bldP spid="2" grpId="0" uiExpand="1" build="p"/>
+    </p:bldLst>
+  </p:timing>
+</p:sld>
+</file>
+
+<file path=ppt/slides/slide5.xml><?xml version="1.0" encoding="utf-8"?>
+<p:sld xmlns:a="http://schemas.openxmlformats.org/drawingml/2006/main" xmlns:r="http://schemas.openxmlformats.org/officeDocument/2006/relationships" xmlns:p="http://schemas.openxmlformats.org/presentationml/2006/main">
+  <p:cSld>
+    <p:spTree>
+      <p:nvGrpSpPr>
+        <p:cNvPr id="1" name=""/>
+        <p:cNvGrpSpPr/>
+        <p:nvPr/>
+      </p:nvGrpSpPr>
+      <p:grpSpPr>
+        <a:xfrm>
+          <a:off x="0" y="0"/>
+          <a:ext cx="0" cy="0"/>
+          <a:chOff x="0" y="0"/>
+          <a:chExt cx="0" cy="0"/>
+        </a:xfrm>
+      </p:grpSpPr>
+      <p:sp>
+        <p:nvSpPr>
+          <p:cNvPr id="2" name="Content Placeholder 1"/>
+          <p:cNvSpPr>
+            <a:spLocks noGrp="1"/>
+          </p:cNvSpPr>
+          <p:nvPr>
+            <p:ph idx="1"/>
+          </p:nvPr>
+        </p:nvSpPr>
+        <p:spPr/>
+        <p:txBody>
+          <a:bodyPr>
+            <a:normAutofit fontScale="92500" lnSpcReduction="10000"/>
+          </a:bodyPr>
+          <a:lstStyle/>
+          <a:p>
+            <a:r>
+              <a:rPr lang="nl-BE" dirty="0" smtClean="0"/>
+              <a:t>We agree with Mr W. Fall to make a very basic implementation and put it into production as soon as possible.</a:t>
+            </a:r>
+          </a:p>
+          <a:p>
+            <a:pPr lvl="1">
+              <a:buNone/>
+            </a:pPr>
+            <a:endParaRPr lang="nl-BE" dirty="0" smtClean="0"/>
+          </a:p>
+          <a:p>
+            <a:r>
+              <a:rPr lang="nl-BE" dirty="0" smtClean="0"/>
+              <a:t>We define a product backlog with estimated user stories for planning purposes.</a:t>
+            </a:r>
+          </a:p>
+          <a:p>
+            <a:endParaRPr lang="nl-BE" dirty="0" smtClean="0"/>
+          </a:p>
+          <a:p>
+            <a:r>
+              <a:rPr lang="nl-BE" dirty="0" smtClean="0"/>
+              <a:t>We prioritize the product backlog together with Mr W. Fall.</a:t>
+            </a:r>
+          </a:p>
+          <a:p>
+            <a:endParaRPr lang="nl-BE" dirty="0" smtClean="0"/>
+          </a:p>
+          <a:p>
+            <a:r>
+              <a:rPr lang="nl-BE" dirty="0" smtClean="0"/>
+              <a:t>An agreement is made to develop following user stories in the first iteration of 2 weeks:</a:t>
+            </a:r>
+          </a:p>
+          <a:p>
+            <a:endParaRPr lang="nl-BE" dirty="0" smtClean="0"/>
+          </a:p>
+          <a:p>
+            <a:endParaRPr lang="nl-BE" dirty="0" smtClean="0"/>
+          </a:p>
+          <a:p>
+            <a:pPr lvl="1"/>
+            <a:endParaRPr lang="nl-BE" dirty="0" smtClean="0"/>
+          </a:p>
+          <a:p>
+            <a:endParaRPr lang="nl-BE" dirty="0" smtClean="0"/>
+          </a:p>
+        </p:txBody>
+      </p:sp>
+      <p:sp>
+        <p:nvSpPr>
+          <p:cNvPr id="3" name="Title 2"/>
+          <p:cNvSpPr>
+            <a:spLocks noGrp="1"/>
+          </p:cNvSpPr>
+          <p:nvPr>
+            <p:ph type="title"/>
+          </p:nvPr>
+        </p:nvSpPr>
+        <p:spPr/>
+        <p:txBody>
+          <a:bodyPr>
+            <a:normAutofit/>
+          </a:bodyPr>
+          <a:lstStyle/>
+          <a:p>
+            <a:r>
+              <a:rPr lang="nl-BE" dirty="0" smtClean="0"/>
+              <a:t>An agile Approach</a:t>
+            </a:r>
+            <a:endParaRPr lang="nl-BE" dirty="0"/>
+          </a:p>
+        </p:txBody>
+      </p:sp>
+    </p:spTree>
+  </p:cSld>
+  <p:clrMapOvr>
+    <a:masterClrMapping/>
+  </p:clrMapOvr>
+  <p:timing>
+    <p:tnLst>
+      <p:par>
+        <p:cTn id="1" dur="indefinite" restart="never" nodeType="tmRoot">
+          <p:childTnLst>
+            <p:seq concurrent="1" nextAc="seek">
+              <p:cTn id="2" dur="indefinite" nodeType="mainSeq">
+                <p:childTnLst>
+                  <p:par>
+                    <p:cTn id="3" fill="hold">
+                      <p:stCondLst>
+                        <p:cond delay="indefinite"/>
+                      </p:stCondLst>
+                      <p:childTnLst>
+                        <p:par>
+                          <p:cTn id="4" fill="hold">
+                            <p:stCondLst>
+                              <p:cond delay="0"/>
+                            </p:stCondLst>
+                            <p:childTnLst>
+                              <p:par>
+                                <p:cTn id="5" presetID="1" presetClass="entr" presetSubtype="0" fill="hold" grpId="0" nodeType="clickEffect">
+                                  <p:stCondLst>
+                                    <p:cond delay="0"/>
+                                  </p:stCondLst>
+                                  <p:childTnLst>
+                                    <p:set>
+                                      <p:cBhvr>
+                                        <p:cTn id="6" dur="1" fill="hold">
+                                          <p:stCondLst>
+                                            <p:cond delay="0"/>
+                                          </p:stCondLst>
+                                        </p:cTn>
+                                        <p:tgtEl>
+                                          <p:spTgt spid="2">
+                                            <p:txEl>
+                                              <p:pRg st="0" end="0"/>
+                                            </p:txEl>
+                                          </p:spTgt>
+                                        </p:tgtEl>
+                                        <p:attrNameLst>
+                                          <p:attrName>style.visibility</p:attrName>
+                                        </p:attrNameLst>
+                                      </p:cBhvr>
+                                      <p:to>
+                                        <p:strVal val="visible"/>
+                                      </p:to>
+                                    </p:set>
+                                  </p:childTnLst>
+                                </p:cTn>
+                              </p:par>
+                            </p:childTnLst>
+                          </p:cTn>
+                        </p:par>
+                      </p:childTnLst>
+                    </p:cTn>
+                  </p:par>
+                  <p:par>
+                    <p:cTn id="7" fill="hold">
+                      <p:stCondLst>
+                        <p:cond delay="indefinite"/>
+                      </p:stCondLst>
+                      <p:childTnLst>
+                        <p:par>
+                          <p:cTn id="8" fill="hold">
+                            <p:stCondLst>
+                              <p:cond delay="0"/>
+                            </p:stCondLst>
+                            <p:childTnLst>
+                              <p:par>
+                                <p:cTn id="9" presetID="1" presetClass="entr" presetSubtype="0" fill="hold" grpId="0" nodeType="clickEffect">
+                                  <p:stCondLst>
+                                    <p:cond delay="0"/>
+                                  </p:stCondLst>
+                                  <p:childTnLst>
+                                    <p:set>
+                                      <p:cBhvr>
+                                        <p:cTn id="10" dur="1" fill="hold">
+                                          <p:stCondLst>
+                                            <p:cond delay="0"/>
+                                          </p:stCondLst>
+                                        </p:cTn>
+                                        <p:tgtEl>
+                                          <p:spTgt spid="2">
+                                            <p:txEl>
+                                              <p:pRg st="2" end="2"/>
+                                            </p:txEl>
+                                          </p:spTgt>
+                                        </p:tgtEl>
+                                        <p:attrNameLst>
+                                          <p:attrName>style.visibility</p:attrName>
+                                        </p:attrNameLst>
+                                      </p:cBhvr>
+                                      <p:to>
+                                        <p:strVal val="visible"/>
+                                      </p:to>
+                                    </p:set>
+                                  </p:childTnLst>
+                                </p:cTn>
+                              </p:par>
+                            </p:childTnLst>
+                          </p:cTn>
+                        </p:par>
+                      </p:childTnLst>
+                    </p:cTn>
+                  </p:par>
+                  <p:par>
+                    <p:cTn id="11" fill="hold">
+                      <p:stCondLst>
+                        <p:cond delay="indefinite"/>
+                      </p:stCondLst>
+                      <p:childTnLst>
+                        <p:par>
+                          <p:cTn id="12" fill="hold">
+                            <p:stCondLst>
+                              <p:cond delay="0"/>
+                            </p:stCondLst>
+                            <p:childTnLst>
+                              <p:par>
+                                <p:cTn id="13" presetID="1" presetClass="entr" presetSubtype="0" fill="hold" grpId="0" nodeType="clickEffect">
+                                  <p:stCondLst>
+                                    <p:cond delay="0"/>
+                                  </p:stCondLst>
+                                  <p:childTnLst>
+                                    <p:set>
+                                      <p:cBhvr>
+                                        <p:cTn id="14" dur="1" fill="hold">
+                                          <p:stCondLst>
+                                            <p:cond delay="0"/>
+                                          </p:stCondLst>
+                                        </p:cTn>
+                                        <p:tgtEl>
+                                          <p:spTgt spid="2">
+                                            <p:txEl>
+                                              <p:pRg st="4" end="4"/>
+                                            </p:txEl>
+                                          </p:spTgt>
+                                        </p:tgtEl>
+                                        <p:attrNameLst>
+                                          <p:attrName>style.visibility</p:attrName>
+                                        </p:attrNameLst>
+                                      </p:cBhvr>
+                                      <p:to>
+                                        <p:strVal val="visible"/>
+                                      </p:to>
+                                    </p:set>
+                                  </p:childTnLst>
+                                </p:cTn>
+                              </p:par>
+                            </p:childTnLst>
+                          </p:cTn>
+                        </p:par>
+                      </p:childTnLst>
+                    </p:cTn>
+                  </p:par>
+                  <p:par>
+                    <p:cTn id="15" fill="hold">
+                      <p:stCondLst>
+                        <p:cond delay="indefinite"/>
+                      </p:stCondLst>
+                      <p:childTnLst>
+                        <p:par>
+                          <p:cTn id="16" fill="hold">
+                            <p:stCondLst>
+                              <p:cond delay="0"/>
+                            </p:stCondLst>
+                            <p:childTnLst>
+                              <p:par>
+                                <p:cTn id="17" presetID="1" presetClass="entr" presetSubtype="0" fill="hold" grpId="0" nodeType="clickEffect">
+                                  <p:stCondLst>
+                                    <p:cond delay="0"/>
+                                  </p:stCondLst>
+                                  <p:childTnLst>
+                                    <p:set>
+                                      <p:cBhvr>
+                                        <p:cTn id="18" dur="1" fill="hold">
+                                          <p:stCondLst>
+                                            <p:cond delay="0"/>
+                                          </p:stCondLst>
+                                        </p:cTn>
+                                        <p:tgtEl>
+                                          <p:spTgt spid="2">
+                                            <p:txEl>
+                                              <p:pRg st="6" end="6"/>
+                                            </p:txEl>
+                                          </p:spTgt>
+                                        </p:tgtEl>
+                                        <p:attrNameLst>
+                                          <p:attrName>style.visibility</p:attrName>
+                                        </p:attrNameLst>
+                                      </p:cBhvr>
+                                      <p:to>
+                                        <p:strVal val="visible"/>
+                                      </p:to>
+                                    </p:set>
+                                  </p:childTnLst>
+                                </p:cTn>
+                              </p:par>
+                            </p:childTnLst>
+                          </p:cTn>
+                        </p:par>
+                      </p:childTnLst>
+                    </p:cTn>
+                  </p:par>
+                </p:childTnLst>
+              </p:cTn>
+              <p:prevCondLst>
+                <p:cond evt="onPrev" delay="0">
+                  <p:tgtEl>
+                    <p:sldTgt/>
+                  </p:tgtEl>
+                </p:cond>
+              </p:prevCondLst>
+              <p:nextCondLst>
+                <p:cond evt="onNext" delay="0">
+                  <p:tgtEl>
+                    <p:sldTgt/>
+                  </p:tgtEl>
+                </p:cond>
+              </p:nextCondLst>
+            </p:seq>
+          </p:childTnLst>
+        </p:cTn>
+      </p:par>
+    </p:tnLst>
+    <p:bldLst>
+      <p:bldP spid="2" grpId="0" build="p"/>
+    </p:bldLst>
+  </p:timing>
+</p:sld>
+</file>
+
+<file path=ppt/slides/slide6.xml><?xml version="1.0" encoding="utf-8"?>
+<p:sld xmlns:a="http://schemas.openxmlformats.org/drawingml/2006/main" xmlns:r="http://schemas.openxmlformats.org/officeDocument/2006/relationships" xmlns:p="http://schemas.openxmlformats.org/presentationml/2006/main">
+  <p:cSld>
+    <p:spTree>
+      <p:nvGrpSpPr>
+        <p:cNvPr id="1" name=""/>
+        <p:cNvGrpSpPr/>
+        <p:nvPr/>
+      </p:nvGrpSpPr>
+      <p:grpSpPr>
+        <a:xfrm>
+          <a:off x="0" y="0"/>
+          <a:ext cx="0" cy="0"/>
+          <a:chOff x="0" y="0"/>
+          <a:chExt cx="0" cy="0"/>
+        </a:xfrm>
+      </p:grpSpPr>
+      <p:sp>
+        <p:nvSpPr>
+          <p:cNvPr id="7" name="Rectangle 6"/>
+          <p:cNvSpPr/>
+          <p:nvPr/>
+        </p:nvSpPr>
+        <p:spPr>
+          <a:xfrm>
+            <a:off x="642910" y="428604"/>
+            <a:ext cx="8001056" cy="5214974"/>
+          </a:xfrm>
+          <a:prstGeom prst="rect">
+            <a:avLst/>
+          </a:prstGeom>
+        </p:spPr>
+        <p:style>
+          <a:lnRef idx="2">
+            <a:schemeClr val="accent1">
+              <a:shade val="50000"/>
+            </a:schemeClr>
+          </a:lnRef>
+          <a:fillRef idx="1">
+            <a:schemeClr val="accent1"/>
+          </a:fillRef>
+          <a:effectRef idx="0">
+            <a:schemeClr val="accent1"/>
+          </a:effectRef>
+          <a:fontRef idx="minor">
+            <a:schemeClr val="lt1"/>
+          </a:fontRef>
+        </p:style>
+        <p:txBody>
+          <a:bodyPr rtlCol="0" anchor="ctr"/>
+          <a:lstStyle/>
+          <a:p>
+            <a:pPr algn="ctr"/>
+            <a:endParaRPr lang="nl-BE"/>
+          </a:p>
+        </p:txBody>
+      </p:sp>
+      <p:pic>
+        <p:nvPicPr>
+          <p:cNvPr id="2" name="Picture 2"/>
+          <p:cNvPicPr>
+            <a:picLocks noChangeAspect="1" noChangeArrowheads="1"/>
+          </p:cNvPicPr>
+          <p:nvPr/>
+        </p:nvPicPr>
+        <p:blipFill>
+          <a:blip r:embed="rId2"/>
+          <a:srcRect/>
+          <a:stretch>
+            <a:fillRect/>
+          </a:stretch>
+        </p:blipFill>
+        <p:spPr bwMode="auto">
+          <a:xfrm>
+            <a:off x="642910" y="428603"/>
+            <a:ext cx="7929618" cy="5189159"/>
+          </a:xfrm>
+          <a:prstGeom prst="rect">
+            <a:avLst/>
+          </a:prstGeom>
+          <a:noFill/>
+          <a:ln w="9525">
+            <a:noFill/>
+            <a:miter lim="800000"/>
+            <a:headEnd/>
+            <a:tailEnd/>
+          </a:ln>
+          <a:effectLst/>
+        </p:spPr>
+      </p:pic>
+    </p:spTree>
+  </p:cSld>
+  <p:clrMapOvr>
+    <a:masterClrMapping/>
+  </p:clrMapOvr>
+  <p:timing>
+    <p:tnLst>
+      <p:par>
+        <p:cTn id="1" dur="indefinite" restart="never" nodeType="tmRoot"/>
+      </p:par>
+    </p:tnLst>
+  </p:timing>
+</p:sld>
+</file>
+
+<file path=ppt/slides/slide7.xml><?xml version="1.0" encoding="utf-8"?>
+<p:sld xmlns:a="http://schemas.openxmlformats.org/drawingml/2006/main" xmlns:r="http://schemas.openxmlformats.org/officeDocument/2006/relationships" xmlns:p="http://schemas.openxmlformats.org/presentationml/2006/main">
+  <p:cSld>
+    <p:spTree>
+      <p:nvGrpSpPr>
+        <p:cNvPr id="1" name=""/>
+        <p:cNvGrpSpPr/>
+        <p:nvPr/>
+      </p:nvGrpSpPr>
+      <p:grpSpPr>
+        <a:xfrm>
+          <a:off x="0" y="0"/>
+          <a:ext cx="0" cy="0"/>
+          <a:chOff x="0" y="0"/>
+          <a:chExt cx="0" cy="0"/>
+        </a:xfrm>
+      </p:grpSpPr>
+      <p:sp>
+        <p:nvSpPr>
+          <p:cNvPr id="7" name="Rectangle 6"/>
+          <p:cNvSpPr/>
+          <p:nvPr/>
+        </p:nvSpPr>
+        <p:spPr>
+          <a:xfrm>
+            <a:off x="571472" y="428604"/>
+            <a:ext cx="8143932" cy="5143536"/>
+          </a:xfrm>
+          <a:prstGeom prst="rect">
+            <a:avLst/>
+          </a:prstGeom>
+        </p:spPr>
+        <p:style>
+          <a:lnRef idx="2">
+            <a:schemeClr val="accent1">
+              <a:shade val="50000"/>
+            </a:schemeClr>
+          </a:lnRef>
+          <a:fillRef idx="1">
+            <a:schemeClr val="accent1"/>
+          </a:fillRef>
+          <a:effectRef idx="0">
+            <a:schemeClr val="accent1"/>
+          </a:effectRef>
+          <a:fontRef idx="minor">
+            <a:schemeClr val="lt1"/>
+          </a:fontRef>
+        </p:style>
+        <p:txBody>
+          <a:bodyPr rtlCol="0" anchor="ctr"/>
+          <a:lstStyle/>
+          <a:p>
+            <a:pPr algn="ctr"/>
+            <a:endParaRPr lang="nl-BE"/>
+          </a:p>
+        </p:txBody>
+      </p:sp>
+      <p:pic>
+        <p:nvPicPr>
+          <p:cNvPr id="2" name="Picture 2"/>
+          <p:cNvPicPr>
+            <a:picLocks noChangeAspect="1" noChangeArrowheads="1"/>
+          </p:cNvPicPr>
+          <p:nvPr/>
+        </p:nvPicPr>
+        <p:blipFill>
+          <a:blip r:embed="rId2"/>
+          <a:srcRect/>
+          <a:stretch>
+            <a:fillRect/>
+          </a:stretch>
+        </p:blipFill>
+        <p:spPr bwMode="auto">
+          <a:xfrm>
+            <a:off x="571472" y="428604"/>
+            <a:ext cx="8072494" cy="5091053"/>
+          </a:xfrm>
+          <a:prstGeom prst="rect">
+            <a:avLst/>
+          </a:prstGeom>
+          <a:noFill/>
+          <a:ln w="9525">
+            <a:noFill/>
+            <a:miter lim="800000"/>
+            <a:headEnd/>
+            <a:tailEnd/>
+          </a:ln>
+          <a:effectLst/>
+        </p:spPr>
+      </p:pic>
+    </p:spTree>
+  </p:cSld>
+  <p:clrMapOvr>
+    <a:masterClrMapping/>
+  </p:clrMapOvr>
+  <p:timing>
+    <p:tnLst>
+      <p:par>
+        <p:cTn id="1" dur="indefinite" restart="never" nodeType="tmRoot"/>
+      </p:par>
+    </p:tnLst>
+  </p:timing>
+</p:sld>
+</file>
+
+<file path=ppt/slides/slide8.xml><?xml version="1.0" encoding="utf-8"?>
 <p:sld xmlns:a="http://schemas.openxmlformats.org/drawingml/2006/main" xmlns:r="http://schemas.openxmlformats.org/officeDocument/2006/relationships" xmlns:p="http://schemas.openxmlformats.org/presentationml/2006/main">
   <p:cSld>
     <p:spTree>
@@ -7178,7 +11593,7 @@
 </p:sld>
 </file>
 
-<file path=ppt/slides/slide11.xml><?xml version="1.0" encoding="utf-8"?>
+<file path=ppt/slides/slide9.xml><?xml version="1.0" encoding="utf-8"?>
 <p:sld xmlns:a="http://schemas.openxmlformats.org/drawingml/2006/main" xmlns:r="http://schemas.openxmlformats.org/officeDocument/2006/relationships" xmlns:p="http://schemas.openxmlformats.org/presentationml/2006/main">
   <p:cSld>
     <p:spTree>
@@ -7576,3718 +11991,6 @@
     </p:tnLst>
     <p:bldLst>
       <p:bldP spid="2" grpId="0" build="p"/>
-    </p:bldLst>
-  </p:timing>
-</p:sld>
-</file>
-
-<file path=ppt/slides/slide12.xml><?xml version="1.0" encoding="utf-8"?>
-<p:sld xmlns:a="http://schemas.openxmlformats.org/drawingml/2006/main" xmlns:r="http://schemas.openxmlformats.org/officeDocument/2006/relationships" xmlns:p="http://schemas.openxmlformats.org/presentationml/2006/main">
-  <p:cSld>
-    <p:spTree>
-      <p:nvGrpSpPr>
-        <p:cNvPr id="1" name=""/>
-        <p:cNvGrpSpPr/>
-        <p:nvPr/>
-      </p:nvGrpSpPr>
-      <p:grpSpPr>
-        <a:xfrm>
-          <a:off x="0" y="0"/>
-          <a:ext cx="0" cy="0"/>
-          <a:chOff x="0" y="0"/>
-          <a:chExt cx="0" cy="0"/>
-        </a:xfrm>
-      </p:grpSpPr>
-      <p:sp>
-        <p:nvSpPr>
-          <p:cNvPr id="3" name="Content Placeholder 2"/>
-          <p:cNvSpPr>
-            <a:spLocks noGrp="1"/>
-          </p:cNvSpPr>
-          <p:nvPr>
-            <p:ph idx="1"/>
-          </p:nvPr>
-        </p:nvSpPr>
-        <p:spPr/>
-        <p:txBody>
-          <a:bodyPr>
-            <a:normAutofit/>
-          </a:bodyPr>
-          <a:lstStyle/>
-          <a:p>
-            <a:r>
-              <a:rPr lang="nl-BE" dirty="0" smtClean="0"/>
-              <a:t>Scope of the user story is nailed down</a:t>
-            </a:r>
-          </a:p>
-          <a:p>
-            <a:endParaRPr lang="nl-BE" dirty="0" smtClean="0"/>
-          </a:p>
-          <a:p>
-            <a:r>
-              <a:rPr lang="nl-BE" dirty="0" smtClean="0"/>
-              <a:t>We have real world examples how the user story should work</a:t>
-            </a:r>
-          </a:p>
-          <a:p>
-            <a:endParaRPr lang="nl-BE" dirty="0" smtClean="0"/>
-          </a:p>
-          <a:p>
-            <a:r>
-              <a:rPr lang="nl-BE" dirty="0" smtClean="0"/>
-              <a:t>Lets turn those examples into executable specifications to verify that we have build the right code.</a:t>
-            </a:r>
-          </a:p>
-          <a:p>
-            <a:endParaRPr lang="nl-BE" dirty="0" smtClean="0"/>
-          </a:p>
-          <a:p>
-            <a:r>
-              <a:rPr lang="nl-BE" dirty="0" smtClean="0"/>
-              <a:t>Welcome FitNesse!</a:t>
-            </a:r>
-          </a:p>
-        </p:txBody>
-      </p:sp>
-      <p:sp>
-        <p:nvSpPr>
-          <p:cNvPr id="2" name="Title 1"/>
-          <p:cNvSpPr>
-            <a:spLocks noGrp="1"/>
-          </p:cNvSpPr>
-          <p:nvPr>
-            <p:ph type="title"/>
-          </p:nvPr>
-        </p:nvSpPr>
-        <p:spPr/>
-        <p:txBody>
-          <a:bodyPr/>
-          <a:lstStyle/>
-          <a:p>
-            <a:r>
-              <a:rPr lang="nl-BE" dirty="0" smtClean="0"/>
-              <a:t>Executable specifications</a:t>
-            </a:r>
-            <a:endParaRPr lang="nl-BE" dirty="0"/>
-          </a:p>
-        </p:txBody>
-      </p:sp>
-    </p:spTree>
-  </p:cSld>
-  <p:clrMapOvr>
-    <a:masterClrMapping/>
-  </p:clrMapOvr>
-  <p:timing>
-    <p:tnLst>
-      <p:par>
-        <p:cTn id="1" dur="indefinite" restart="never" nodeType="tmRoot">
-          <p:childTnLst>
-            <p:seq concurrent="1" nextAc="seek">
-              <p:cTn id="2" dur="indefinite" nodeType="mainSeq">
-                <p:childTnLst>
-                  <p:par>
-                    <p:cTn id="3" fill="hold">
-                      <p:stCondLst>
-                        <p:cond delay="indefinite"/>
-                      </p:stCondLst>
-                      <p:childTnLst>
-                        <p:par>
-                          <p:cTn id="4" fill="hold">
-                            <p:stCondLst>
-                              <p:cond delay="0"/>
-                            </p:stCondLst>
-                            <p:childTnLst>
-                              <p:par>
-                                <p:cTn id="5" presetID="1" presetClass="entr" presetSubtype="0" fill="hold" grpId="0" nodeType="clickEffect">
-                                  <p:stCondLst>
-                                    <p:cond delay="0"/>
-                                  </p:stCondLst>
-                                  <p:childTnLst>
-                                    <p:set>
-                                      <p:cBhvr>
-                                        <p:cTn id="6" dur="1" fill="hold">
-                                          <p:stCondLst>
-                                            <p:cond delay="0"/>
-                                          </p:stCondLst>
-                                        </p:cTn>
-                                        <p:tgtEl>
-                                          <p:spTgt spid="3">
-                                            <p:txEl>
-                                              <p:pRg st="0" end="0"/>
-                                            </p:txEl>
-                                          </p:spTgt>
-                                        </p:tgtEl>
-                                        <p:attrNameLst>
-                                          <p:attrName>style.visibility</p:attrName>
-                                        </p:attrNameLst>
-                                      </p:cBhvr>
-                                      <p:to>
-                                        <p:strVal val="visible"/>
-                                      </p:to>
-                                    </p:set>
-                                  </p:childTnLst>
-                                </p:cTn>
-                              </p:par>
-                            </p:childTnLst>
-                          </p:cTn>
-                        </p:par>
-                      </p:childTnLst>
-                    </p:cTn>
-                  </p:par>
-                  <p:par>
-                    <p:cTn id="7" fill="hold">
-                      <p:stCondLst>
-                        <p:cond delay="indefinite"/>
-                      </p:stCondLst>
-                      <p:childTnLst>
-                        <p:par>
-                          <p:cTn id="8" fill="hold">
-                            <p:stCondLst>
-                              <p:cond delay="0"/>
-                            </p:stCondLst>
-                            <p:childTnLst>
-                              <p:par>
-                                <p:cTn id="9" presetID="1" presetClass="entr" presetSubtype="0" fill="hold" grpId="0" nodeType="clickEffect">
-                                  <p:stCondLst>
-                                    <p:cond delay="0"/>
-                                  </p:stCondLst>
-                                  <p:childTnLst>
-                                    <p:set>
-                                      <p:cBhvr>
-                                        <p:cTn id="10" dur="1" fill="hold">
-                                          <p:stCondLst>
-                                            <p:cond delay="0"/>
-                                          </p:stCondLst>
-                                        </p:cTn>
-                                        <p:tgtEl>
-                                          <p:spTgt spid="3">
-                                            <p:txEl>
-                                              <p:pRg st="2" end="2"/>
-                                            </p:txEl>
-                                          </p:spTgt>
-                                        </p:tgtEl>
-                                        <p:attrNameLst>
-                                          <p:attrName>style.visibility</p:attrName>
-                                        </p:attrNameLst>
-                                      </p:cBhvr>
-                                      <p:to>
-                                        <p:strVal val="visible"/>
-                                      </p:to>
-                                    </p:set>
-                                  </p:childTnLst>
-                                </p:cTn>
-                              </p:par>
-                            </p:childTnLst>
-                          </p:cTn>
-                        </p:par>
-                      </p:childTnLst>
-                    </p:cTn>
-                  </p:par>
-                  <p:par>
-                    <p:cTn id="11" fill="hold">
-                      <p:stCondLst>
-                        <p:cond delay="indefinite"/>
-                      </p:stCondLst>
-                      <p:childTnLst>
-                        <p:par>
-                          <p:cTn id="12" fill="hold">
-                            <p:stCondLst>
-                              <p:cond delay="0"/>
-                            </p:stCondLst>
-                            <p:childTnLst>
-                              <p:par>
-                                <p:cTn id="13" presetID="1" presetClass="entr" presetSubtype="0" fill="hold" grpId="0" nodeType="clickEffect">
-                                  <p:stCondLst>
-                                    <p:cond delay="0"/>
-                                  </p:stCondLst>
-                                  <p:childTnLst>
-                                    <p:set>
-                                      <p:cBhvr>
-                                        <p:cTn id="14" dur="1" fill="hold">
-                                          <p:stCondLst>
-                                            <p:cond delay="0"/>
-                                          </p:stCondLst>
-                                        </p:cTn>
-                                        <p:tgtEl>
-                                          <p:spTgt spid="3">
-                                            <p:txEl>
-                                              <p:pRg st="4" end="4"/>
-                                            </p:txEl>
-                                          </p:spTgt>
-                                        </p:tgtEl>
-                                        <p:attrNameLst>
-                                          <p:attrName>style.visibility</p:attrName>
-                                        </p:attrNameLst>
-                                      </p:cBhvr>
-                                      <p:to>
-                                        <p:strVal val="visible"/>
-                                      </p:to>
-                                    </p:set>
-                                  </p:childTnLst>
-                                </p:cTn>
-                              </p:par>
-                            </p:childTnLst>
-                          </p:cTn>
-                        </p:par>
-                      </p:childTnLst>
-                    </p:cTn>
-                  </p:par>
-                  <p:par>
-                    <p:cTn id="15" fill="hold">
-                      <p:stCondLst>
-                        <p:cond delay="indefinite"/>
-                      </p:stCondLst>
-                      <p:childTnLst>
-                        <p:par>
-                          <p:cTn id="16" fill="hold">
-                            <p:stCondLst>
-                              <p:cond delay="0"/>
-                            </p:stCondLst>
-                            <p:childTnLst>
-                              <p:par>
-                                <p:cTn id="17" presetID="1" presetClass="entr" presetSubtype="0" fill="hold" grpId="0" nodeType="clickEffect">
-                                  <p:stCondLst>
-                                    <p:cond delay="0"/>
-                                  </p:stCondLst>
-                                  <p:childTnLst>
-                                    <p:set>
-                                      <p:cBhvr>
-                                        <p:cTn id="18" dur="1" fill="hold">
-                                          <p:stCondLst>
-                                            <p:cond delay="0"/>
-                                          </p:stCondLst>
-                                        </p:cTn>
-                                        <p:tgtEl>
-                                          <p:spTgt spid="3">
-                                            <p:txEl>
-                                              <p:pRg st="6" end="6"/>
-                                            </p:txEl>
-                                          </p:spTgt>
-                                        </p:tgtEl>
-                                        <p:attrNameLst>
-                                          <p:attrName>style.visibility</p:attrName>
-                                        </p:attrNameLst>
-                                      </p:cBhvr>
-                                      <p:to>
-                                        <p:strVal val="visible"/>
-                                      </p:to>
-                                    </p:set>
-                                  </p:childTnLst>
-                                </p:cTn>
-                              </p:par>
-                            </p:childTnLst>
-                          </p:cTn>
-                        </p:par>
-                      </p:childTnLst>
-                    </p:cTn>
-                  </p:par>
-                </p:childTnLst>
-              </p:cTn>
-              <p:prevCondLst>
-                <p:cond evt="onPrev" delay="0">
-                  <p:tgtEl>
-                    <p:sldTgt/>
-                  </p:tgtEl>
-                </p:cond>
-              </p:prevCondLst>
-              <p:nextCondLst>
-                <p:cond evt="onNext" delay="0">
-                  <p:tgtEl>
-                    <p:sldTgt/>
-                  </p:tgtEl>
-                </p:cond>
-              </p:nextCondLst>
-            </p:seq>
-          </p:childTnLst>
-        </p:cTn>
-      </p:par>
-    </p:tnLst>
-    <p:bldLst>
-      <p:bldP spid="3" grpId="0" build="p"/>
-    </p:bldLst>
-  </p:timing>
-</p:sld>
-</file>
-
-<file path=ppt/slides/slide13.xml><?xml version="1.0" encoding="utf-8"?>
-<p:sld xmlns:a="http://schemas.openxmlformats.org/drawingml/2006/main" xmlns:r="http://schemas.openxmlformats.org/officeDocument/2006/relationships" xmlns:p="http://schemas.openxmlformats.org/presentationml/2006/main">
-  <p:cSld>
-    <p:spTree>
-      <p:nvGrpSpPr>
-        <p:cNvPr id="1" name=""/>
-        <p:cNvGrpSpPr/>
-        <p:nvPr/>
-      </p:nvGrpSpPr>
-      <p:grpSpPr>
-        <a:xfrm>
-          <a:off x="0" y="0"/>
-          <a:ext cx="0" cy="0"/>
-          <a:chOff x="0" y="0"/>
-          <a:chExt cx="0" cy="0"/>
-        </a:xfrm>
-      </p:grpSpPr>
-      <p:pic>
-        <p:nvPicPr>
-          <p:cNvPr id="5" name="Picture 2" descr="C:\Users\pascmest\AppData\Local\Microsoft\Windows\Temporary Internet Files\Content.IE5\R67MQFYW\MPj04053960000[1].jpg"/>
-          <p:cNvPicPr>
-            <a:picLocks noChangeAspect="1" noChangeArrowheads="1"/>
-          </p:cNvPicPr>
-          <p:nvPr/>
-        </p:nvPicPr>
-        <p:blipFill>
-          <a:blip r:embed="rId3" cstate="print"/>
-          <a:srcRect/>
-          <a:stretch>
-            <a:fillRect/>
-          </a:stretch>
-        </p:blipFill>
-        <p:spPr bwMode="auto">
-          <a:xfrm>
-            <a:off x="5443545" y="4214818"/>
-            <a:ext cx="3700487" cy="2643206"/>
-          </a:xfrm>
-          <a:prstGeom prst="rect">
-            <a:avLst/>
-          </a:prstGeom>
-          <a:noFill/>
-        </p:spPr>
-      </p:pic>
-      <p:sp>
-        <p:nvSpPr>
-          <p:cNvPr id="2" name="Content Placeholder 1"/>
-          <p:cNvSpPr>
-            <a:spLocks noGrp="1"/>
-          </p:cNvSpPr>
-          <p:nvPr>
-            <p:ph idx="1"/>
-          </p:nvPr>
-        </p:nvSpPr>
-        <p:spPr/>
-        <p:txBody>
-          <a:bodyPr>
-            <a:normAutofit/>
-          </a:bodyPr>
-          <a:lstStyle/>
-          <a:p>
-            <a:pPr marL="624078" indent="-514350"/>
-            <a:r>
-              <a:rPr lang="nl-BE" i="1" dirty="0" smtClean="0"/>
-              <a:t>Specification Workshop</a:t>
-            </a:r>
-          </a:p>
-          <a:p>
-            <a:pPr marL="624078" indent="-514350"/>
-            <a:endParaRPr lang="nl-BE" i="1" dirty="0" smtClean="0"/>
-          </a:p>
-          <a:p>
-            <a:pPr marL="624078" indent="-514350"/>
-            <a:r>
-              <a:rPr lang="nl-BE" b="1" i="1" dirty="0" smtClean="0"/>
-              <a:t>Setup Fitnesse &amp; demo application</a:t>
-            </a:r>
-          </a:p>
-          <a:p>
-            <a:pPr marL="880110" lvl="1" indent="-514350"/>
-            <a:r>
-              <a:rPr lang="nl-BE" b="1" dirty="0" smtClean="0"/>
-              <a:t>Setup Fitnesse from the zip download</a:t>
-            </a:r>
-          </a:p>
-          <a:p>
-            <a:pPr marL="624078" indent="-514350"/>
-            <a:endParaRPr lang="nl-BE" i="1" dirty="0" smtClean="0"/>
-          </a:p>
-          <a:p>
-            <a:pPr marL="624078" indent="-514350"/>
-            <a:r>
-              <a:rPr lang="nl-BE" i="1" dirty="0" smtClean="0"/>
-              <a:t>Implement Acceptance Tests</a:t>
-            </a:r>
-          </a:p>
-          <a:p>
-            <a:pPr marL="624078" indent="-514350"/>
-            <a:endParaRPr lang="nl-BE" i="1" dirty="0" smtClean="0"/>
-          </a:p>
-          <a:p>
-            <a:pPr marL="624078" indent="-514350"/>
-            <a:r>
-              <a:rPr lang="nl-BE" i="1" dirty="0" smtClean="0"/>
-              <a:t>Continuous Integration</a:t>
-            </a:r>
-          </a:p>
-          <a:p>
-            <a:pPr marL="624078" indent="-514350"/>
-            <a:endParaRPr lang="nl-BE" i="1" dirty="0" smtClean="0"/>
-          </a:p>
-        </p:txBody>
-      </p:sp>
-      <p:sp>
-        <p:nvSpPr>
-          <p:cNvPr id="3" name="Title 2"/>
-          <p:cNvSpPr>
-            <a:spLocks noGrp="1"/>
-          </p:cNvSpPr>
-          <p:nvPr>
-            <p:ph type="title"/>
-          </p:nvPr>
-        </p:nvSpPr>
-        <p:spPr/>
-        <p:txBody>
-          <a:bodyPr>
-            <a:normAutofit fontScale="90000"/>
-          </a:bodyPr>
-          <a:lstStyle/>
-          <a:p>
-            <a:r>
-              <a:rPr lang="nl-BE" sz="3600" dirty="0" smtClean="0"/>
-              <a:t>Agile Acceptance Testing with Fitnesse</a:t>
-            </a:r>
-            <a:endParaRPr lang="nl-BE" sz="3600" dirty="0"/>
-          </a:p>
-        </p:txBody>
-      </p:sp>
-    </p:spTree>
-  </p:cSld>
-  <p:clrMapOvr>
-    <a:masterClrMapping/>
-  </p:clrMapOvr>
-  <p:timing>
-    <p:tnLst>
-      <p:par>
-        <p:cTn id="1" dur="indefinite" restart="never" nodeType="tmRoot"/>
-      </p:par>
-    </p:tnLst>
-  </p:timing>
-</p:sld>
-</file>
-
-<file path=ppt/slides/slide14.xml><?xml version="1.0" encoding="utf-8"?>
-<p:sld xmlns:a="http://schemas.openxmlformats.org/drawingml/2006/main" xmlns:r="http://schemas.openxmlformats.org/officeDocument/2006/relationships" xmlns:p="http://schemas.openxmlformats.org/presentationml/2006/main">
-  <p:cSld>
-    <p:spTree>
-      <p:nvGrpSpPr>
-        <p:cNvPr id="1" name=""/>
-        <p:cNvGrpSpPr/>
-        <p:nvPr/>
-      </p:nvGrpSpPr>
-      <p:grpSpPr>
-        <a:xfrm>
-          <a:off x="0" y="0"/>
-          <a:ext cx="0" cy="0"/>
-          <a:chOff x="0" y="0"/>
-          <a:chExt cx="0" cy="0"/>
-        </a:xfrm>
-      </p:grpSpPr>
-      <p:pic>
-        <p:nvPicPr>
-          <p:cNvPr id="5" name="Picture 2" descr="C:\Users\pascmest\AppData\Local\Microsoft\Windows\Temporary Internet Files\Content.IE5\R67MQFYW\MPj04053960000[1].jpg"/>
-          <p:cNvPicPr>
-            <a:picLocks noChangeAspect="1" noChangeArrowheads="1"/>
-          </p:cNvPicPr>
-          <p:nvPr/>
-        </p:nvPicPr>
-        <p:blipFill>
-          <a:blip r:embed="rId3" cstate="print"/>
-          <a:srcRect/>
-          <a:stretch>
-            <a:fillRect/>
-          </a:stretch>
-        </p:blipFill>
-        <p:spPr bwMode="auto">
-          <a:xfrm>
-            <a:off x="5443545" y="4214818"/>
-            <a:ext cx="3700487" cy="2643206"/>
-          </a:xfrm>
-          <a:prstGeom prst="rect">
-            <a:avLst/>
-          </a:prstGeom>
-          <a:noFill/>
-        </p:spPr>
-      </p:pic>
-      <p:sp>
-        <p:nvSpPr>
-          <p:cNvPr id="2" name="Content Placeholder 1"/>
-          <p:cNvSpPr>
-            <a:spLocks noGrp="1"/>
-          </p:cNvSpPr>
-          <p:nvPr>
-            <p:ph idx="1"/>
-          </p:nvPr>
-        </p:nvSpPr>
-        <p:spPr/>
-        <p:txBody>
-          <a:bodyPr>
-            <a:normAutofit/>
-          </a:bodyPr>
-          <a:lstStyle/>
-          <a:p>
-            <a:pPr marL="624078" indent="-514350"/>
-            <a:r>
-              <a:rPr lang="nl-BE" i="1" dirty="0" smtClean="0"/>
-              <a:t>Specification Workshop</a:t>
-            </a:r>
-          </a:p>
-          <a:p>
-            <a:pPr marL="624078" indent="-514350"/>
-            <a:endParaRPr lang="nl-BE" i="1" dirty="0" smtClean="0"/>
-          </a:p>
-          <a:p>
-            <a:pPr marL="624078" indent="-514350"/>
-            <a:r>
-              <a:rPr lang="nl-BE" i="1" dirty="0" smtClean="0"/>
-              <a:t>Setup Fitnesse &amp; demo application</a:t>
-            </a:r>
-          </a:p>
-          <a:p>
-            <a:pPr marL="624078" indent="-514350"/>
-            <a:endParaRPr lang="nl-BE" i="1" dirty="0" smtClean="0"/>
-          </a:p>
-          <a:p>
-            <a:pPr marL="624078" indent="-514350"/>
-            <a:r>
-              <a:rPr lang="nl-BE" b="1" i="1" dirty="0" smtClean="0"/>
-              <a:t>Implement Acceptance Tests</a:t>
-            </a:r>
-          </a:p>
-          <a:p>
-            <a:pPr marL="624078" indent="-514350"/>
-            <a:endParaRPr lang="nl-BE" i="1" dirty="0" smtClean="0"/>
-          </a:p>
-          <a:p>
-            <a:pPr marL="624078" indent="-514350"/>
-            <a:r>
-              <a:rPr lang="nl-BE" i="1" dirty="0" smtClean="0"/>
-              <a:t>Continuous Integration</a:t>
-            </a:r>
-          </a:p>
-          <a:p>
-            <a:pPr marL="624078" indent="-514350"/>
-            <a:endParaRPr lang="nl-BE" i="1" dirty="0" smtClean="0"/>
-          </a:p>
-        </p:txBody>
-      </p:sp>
-      <p:sp>
-        <p:nvSpPr>
-          <p:cNvPr id="3" name="Title 2"/>
-          <p:cNvSpPr>
-            <a:spLocks noGrp="1"/>
-          </p:cNvSpPr>
-          <p:nvPr>
-            <p:ph type="title"/>
-          </p:nvPr>
-        </p:nvSpPr>
-        <p:spPr/>
-        <p:txBody>
-          <a:bodyPr>
-            <a:normAutofit fontScale="90000"/>
-          </a:bodyPr>
-          <a:lstStyle/>
-          <a:p>
-            <a:r>
-              <a:rPr lang="nl-BE" sz="3600" dirty="0" smtClean="0"/>
-              <a:t>Agile Acceptance Testing with Fitnesse</a:t>
-            </a:r>
-            <a:endParaRPr lang="nl-BE" sz="3600" dirty="0"/>
-          </a:p>
-        </p:txBody>
-      </p:sp>
-    </p:spTree>
-  </p:cSld>
-  <p:clrMapOvr>
-    <a:masterClrMapping/>
-  </p:clrMapOvr>
-  <p:timing>
-    <p:tnLst>
-      <p:par>
-        <p:cTn id="1" dur="indefinite" restart="never" nodeType="tmRoot"/>
-      </p:par>
-    </p:tnLst>
-  </p:timing>
-</p:sld>
-</file>
-
-<file path=ppt/slides/slide15.xml><?xml version="1.0" encoding="utf-8"?>
-<p:sld xmlns:a="http://schemas.openxmlformats.org/drawingml/2006/main" xmlns:r="http://schemas.openxmlformats.org/officeDocument/2006/relationships" xmlns:p="http://schemas.openxmlformats.org/presentationml/2006/main">
-  <p:cSld>
-    <p:spTree>
-      <p:nvGrpSpPr>
-        <p:cNvPr id="1" name=""/>
-        <p:cNvGrpSpPr/>
-        <p:nvPr/>
-      </p:nvGrpSpPr>
-      <p:grpSpPr>
-        <a:xfrm>
-          <a:off x="0" y="0"/>
-          <a:ext cx="0" cy="0"/>
-          <a:chOff x="0" y="0"/>
-          <a:chExt cx="0" cy="0"/>
-        </a:xfrm>
-      </p:grpSpPr>
-      <p:sp>
-        <p:nvSpPr>
-          <p:cNvPr id="3" name="Content Placeholder 2"/>
-          <p:cNvSpPr>
-            <a:spLocks noGrp="1"/>
-          </p:cNvSpPr>
-          <p:nvPr>
-            <p:ph idx="1"/>
-          </p:nvPr>
-        </p:nvSpPr>
-        <p:spPr/>
-        <p:txBody>
-          <a:bodyPr>
-            <a:normAutofit/>
-          </a:bodyPr>
-          <a:lstStyle/>
-          <a:p>
-            <a:r>
-              <a:rPr lang="nl-BE" dirty="0" smtClean="0">
-                <a:solidFill>
-                  <a:srgbClr val="FF0000"/>
-                </a:solidFill>
-              </a:rPr>
-              <a:t>Write gluecode for prepared tests</a:t>
-            </a:r>
-          </a:p>
-          <a:p>
-            <a:endParaRPr lang="nl-BE" dirty="0" smtClean="0">
-              <a:solidFill>
-                <a:srgbClr val="FF0000"/>
-              </a:solidFill>
-            </a:endParaRPr>
-          </a:p>
-          <a:p>
-            <a:r>
-              <a:rPr lang="nl-BE" dirty="0" smtClean="0">
-                <a:solidFill>
-                  <a:srgbClr val="FF0000"/>
-                </a:solidFill>
-              </a:rPr>
-              <a:t>Types of fixtures to use:</a:t>
-            </a:r>
-          </a:p>
-          <a:p>
-            <a:pPr lvl="1"/>
-            <a:r>
-              <a:rPr lang="nl-BE" dirty="0" smtClean="0">
-                <a:solidFill>
-                  <a:srgbClr val="FF0000"/>
-                </a:solidFill>
-              </a:rPr>
-              <a:t>RowFixture</a:t>
-            </a:r>
-          </a:p>
-          <a:p>
-            <a:pPr lvl="1"/>
-            <a:r>
-              <a:rPr lang="nl-BE" dirty="0" smtClean="0">
-                <a:solidFill>
-                  <a:srgbClr val="FF0000"/>
-                </a:solidFill>
-              </a:rPr>
-              <a:t>ColumnFixture</a:t>
-            </a:r>
-          </a:p>
-          <a:p>
-            <a:pPr lvl="1"/>
-            <a:r>
-              <a:rPr lang="nl-BE" dirty="0" smtClean="0">
-                <a:solidFill>
-                  <a:srgbClr val="FF0000"/>
-                </a:solidFill>
-              </a:rPr>
-              <a:t>DoFixture</a:t>
-            </a:r>
-          </a:p>
-          <a:p>
-            <a:pPr lvl="1"/>
-            <a:r>
-              <a:rPr lang="nl-BE" dirty="0" smtClean="0">
-                <a:solidFill>
-                  <a:srgbClr val="FF0000"/>
-                </a:solidFill>
-              </a:rPr>
-              <a:t>ActionFixture</a:t>
-            </a:r>
-          </a:p>
-          <a:p>
-            <a:pPr lvl="1"/>
-            <a:endParaRPr lang="nl-BE" dirty="0" smtClean="0"/>
-          </a:p>
-        </p:txBody>
-      </p:sp>
-      <p:sp>
-        <p:nvSpPr>
-          <p:cNvPr id="2" name="Title 1"/>
-          <p:cNvSpPr>
-            <a:spLocks noGrp="1"/>
-          </p:cNvSpPr>
-          <p:nvPr>
-            <p:ph type="title"/>
-          </p:nvPr>
-        </p:nvSpPr>
-        <p:spPr/>
-        <p:txBody>
-          <a:bodyPr/>
-          <a:lstStyle/>
-          <a:p>
-            <a:r>
-              <a:rPr lang="nl-BE" dirty="0" smtClean="0"/>
-              <a:t>Implement Acceptance Tests</a:t>
-            </a:r>
-            <a:endParaRPr lang="nl-BE" dirty="0"/>
-          </a:p>
-        </p:txBody>
-      </p:sp>
-    </p:spTree>
-  </p:cSld>
-  <p:clrMapOvr>
-    <a:masterClrMapping/>
-  </p:clrMapOvr>
-  <p:timing>
-    <p:tnLst>
-      <p:par>
-        <p:cTn id="1" dur="indefinite" restart="never" nodeType="tmRoot"/>
-      </p:par>
-    </p:tnLst>
-  </p:timing>
-</p:sld>
-</file>
-
-<file path=ppt/slides/slide16.xml><?xml version="1.0" encoding="utf-8"?>
-<p:sld xmlns:a="http://schemas.openxmlformats.org/drawingml/2006/main" xmlns:r="http://schemas.openxmlformats.org/officeDocument/2006/relationships" xmlns:p="http://schemas.openxmlformats.org/presentationml/2006/main">
-  <p:cSld>
-    <p:spTree>
-      <p:nvGrpSpPr>
-        <p:cNvPr id="1" name=""/>
-        <p:cNvGrpSpPr/>
-        <p:nvPr/>
-      </p:nvGrpSpPr>
-      <p:grpSpPr>
-        <a:xfrm>
-          <a:off x="0" y="0"/>
-          <a:ext cx="0" cy="0"/>
-          <a:chOff x="0" y="0"/>
-          <a:chExt cx="0" cy="0"/>
-        </a:xfrm>
-      </p:grpSpPr>
-      <p:sp>
-        <p:nvSpPr>
-          <p:cNvPr id="2" name="Content Placeholder 1"/>
-          <p:cNvSpPr>
-            <a:spLocks noGrp="1"/>
-          </p:cNvSpPr>
-          <p:nvPr>
-            <p:ph idx="1"/>
-          </p:nvPr>
-        </p:nvSpPr>
-        <p:spPr/>
-        <p:txBody>
-          <a:bodyPr>
-            <a:normAutofit/>
-          </a:bodyPr>
-          <a:lstStyle/>
-          <a:p>
-            <a:pPr marL="624078" indent="-514350"/>
-            <a:r>
-              <a:rPr lang="nl-BE" i="1" dirty="0" smtClean="0"/>
-              <a:t>Specification Workshop</a:t>
-            </a:r>
-          </a:p>
-          <a:p>
-            <a:pPr marL="624078" indent="-514350"/>
-            <a:endParaRPr lang="nl-BE" i="1" dirty="0" smtClean="0"/>
-          </a:p>
-          <a:p>
-            <a:pPr marL="624078" indent="-514350"/>
-            <a:r>
-              <a:rPr lang="nl-BE" i="1" dirty="0" smtClean="0"/>
-              <a:t>Setup Fitnesse &amp; demo application</a:t>
-            </a:r>
-          </a:p>
-          <a:p>
-            <a:pPr marL="624078" indent="-514350"/>
-            <a:endParaRPr lang="nl-BE" i="1" dirty="0" smtClean="0"/>
-          </a:p>
-          <a:p>
-            <a:pPr marL="624078" indent="-514350"/>
-            <a:r>
-              <a:rPr lang="nl-BE" i="1" dirty="0" smtClean="0"/>
-              <a:t>Implement Acceptance Tests</a:t>
-            </a:r>
-          </a:p>
-          <a:p>
-            <a:pPr marL="624078" indent="-514350"/>
-            <a:endParaRPr lang="nl-BE" i="1" dirty="0" smtClean="0"/>
-          </a:p>
-          <a:p>
-            <a:pPr marL="624078" indent="-514350"/>
-            <a:r>
-              <a:rPr lang="nl-BE" b="1" i="1" dirty="0" smtClean="0"/>
-              <a:t>Continuous Integration </a:t>
-            </a:r>
-          </a:p>
-          <a:p>
-            <a:pPr marL="624078" indent="-514350"/>
-            <a:endParaRPr lang="nl-BE" i="1" dirty="0" smtClean="0"/>
-          </a:p>
-        </p:txBody>
-      </p:sp>
-      <p:sp>
-        <p:nvSpPr>
-          <p:cNvPr id="3" name="Title 2"/>
-          <p:cNvSpPr>
-            <a:spLocks noGrp="1"/>
-          </p:cNvSpPr>
-          <p:nvPr>
-            <p:ph type="title"/>
-          </p:nvPr>
-        </p:nvSpPr>
-        <p:spPr/>
-        <p:txBody>
-          <a:bodyPr>
-            <a:noAutofit/>
-          </a:bodyPr>
-          <a:lstStyle/>
-          <a:p>
-            <a:r>
-              <a:rPr lang="nl-BE" sz="3200" dirty="0" smtClean="0"/>
-              <a:t>Agile Acceptance Testing with Fitnesse</a:t>
-            </a:r>
-            <a:endParaRPr lang="nl-BE" sz="3200" dirty="0"/>
-          </a:p>
-        </p:txBody>
-      </p:sp>
-      <p:pic>
-        <p:nvPicPr>
-          <p:cNvPr id="4" name="Picture 2" descr="C:\Users\pascmest\AppData\Local\Microsoft\Windows\Temporary Internet Files\Content.IE5\R67MQFYW\MPj04053960000[1].jpg"/>
-          <p:cNvPicPr>
-            <a:picLocks noChangeAspect="1" noChangeArrowheads="1"/>
-          </p:cNvPicPr>
-          <p:nvPr/>
-        </p:nvPicPr>
-        <p:blipFill>
-          <a:blip r:embed="rId3" cstate="print"/>
-          <a:srcRect/>
-          <a:stretch>
-            <a:fillRect/>
-          </a:stretch>
-        </p:blipFill>
-        <p:spPr bwMode="auto">
-          <a:xfrm>
-            <a:off x="5443545" y="4214818"/>
-            <a:ext cx="3700487" cy="2643206"/>
-          </a:xfrm>
-          <a:prstGeom prst="rect">
-            <a:avLst/>
-          </a:prstGeom>
-          <a:noFill/>
-        </p:spPr>
-      </p:pic>
-    </p:spTree>
-  </p:cSld>
-  <p:clrMapOvr>
-    <a:masterClrMapping/>
-  </p:clrMapOvr>
-  <p:timing>
-    <p:tnLst>
-      <p:par>
-        <p:cTn id="1" dur="indefinite" restart="never" nodeType="tmRoot"/>
-      </p:par>
-    </p:tnLst>
-  </p:timing>
-</p:sld>
-</file>
-
-<file path=ppt/slides/slide17.xml><?xml version="1.0" encoding="utf-8"?>
-<p:sld xmlns:a="http://schemas.openxmlformats.org/drawingml/2006/main" xmlns:r="http://schemas.openxmlformats.org/officeDocument/2006/relationships" xmlns:p="http://schemas.openxmlformats.org/presentationml/2006/main">
-  <p:cSld>
-    <p:spTree>
-      <p:nvGrpSpPr>
-        <p:cNvPr id="1" name=""/>
-        <p:cNvGrpSpPr/>
-        <p:nvPr/>
-      </p:nvGrpSpPr>
-      <p:grpSpPr>
-        <a:xfrm>
-          <a:off x="0" y="0"/>
-          <a:ext cx="0" cy="0"/>
-          <a:chOff x="0" y="0"/>
-          <a:chExt cx="0" cy="0"/>
-        </a:xfrm>
-      </p:grpSpPr>
-      <p:sp>
-        <p:nvSpPr>
-          <p:cNvPr id="3" name="Content Placeholder 2"/>
-          <p:cNvSpPr>
-            <a:spLocks noGrp="1"/>
-          </p:cNvSpPr>
-          <p:nvPr>
-            <p:ph idx="1"/>
-          </p:nvPr>
-        </p:nvSpPr>
-        <p:spPr/>
-        <p:txBody>
-          <a:bodyPr>
-            <a:normAutofit/>
-          </a:bodyPr>
-          <a:lstStyle/>
-          <a:p>
-            <a:r>
-              <a:rPr lang="nl-BE" dirty="0" smtClean="0"/>
-              <a:t>3</a:t>
-            </a:r>
-            <a:r>
-              <a:rPr lang="nl-BE" dirty="0" smtClean="0"/>
-              <a:t> </a:t>
-            </a:r>
-            <a:r>
-              <a:rPr lang="nl-BE" dirty="0" smtClean="0"/>
-              <a:t>Suites in Fitnesse</a:t>
-            </a:r>
-          </a:p>
-          <a:p>
-            <a:endParaRPr lang="nl-BE" dirty="0" smtClean="0"/>
-          </a:p>
-          <a:p>
-            <a:pPr lvl="1"/>
-            <a:r>
-              <a:rPr lang="nl-BE" dirty="0" smtClean="0"/>
-              <a:t>Prepared Test Suite – tests for next iterations</a:t>
-            </a:r>
-          </a:p>
-          <a:p>
-            <a:pPr lvl="1"/>
-            <a:r>
-              <a:rPr lang="nl-BE" dirty="0" smtClean="0"/>
-              <a:t>Work </a:t>
-            </a:r>
-            <a:r>
-              <a:rPr lang="nl-BE" dirty="0" smtClean="0"/>
-              <a:t>In Progress – doesn’t break the build</a:t>
-            </a:r>
-          </a:p>
-          <a:p>
-            <a:pPr lvl="1"/>
-            <a:r>
-              <a:rPr lang="nl-BE" dirty="0" smtClean="0"/>
-              <a:t>Acceptance Suite – breaks the build!</a:t>
-            </a:r>
-          </a:p>
-        </p:txBody>
-      </p:sp>
-      <p:sp>
-        <p:nvSpPr>
-          <p:cNvPr id="2" name="Title 1"/>
-          <p:cNvSpPr>
-            <a:spLocks noGrp="1"/>
-          </p:cNvSpPr>
-          <p:nvPr>
-            <p:ph type="title"/>
-          </p:nvPr>
-        </p:nvSpPr>
-        <p:spPr/>
-        <p:txBody>
-          <a:bodyPr/>
-          <a:lstStyle/>
-          <a:p>
-            <a:r>
-              <a:rPr lang="nl-BE" dirty="0" smtClean="0"/>
-              <a:t>Continuous Integration:</a:t>
-            </a:r>
-            <a:endParaRPr lang="nl-BE" dirty="0"/>
-          </a:p>
-        </p:txBody>
-      </p:sp>
-    </p:spTree>
-  </p:cSld>
-  <p:clrMapOvr>
-    <a:masterClrMapping/>
-  </p:clrMapOvr>
-  <p:timing>
-    <p:tnLst>
-      <p:par>
-        <p:cTn id="1" dur="indefinite" restart="never" nodeType="tmRoot"/>
-      </p:par>
-    </p:tnLst>
-  </p:timing>
-</p:sld>
-</file>
-
-<file path=ppt/slides/slide18.xml><?xml version="1.0" encoding="utf-8"?>
-<p:sld xmlns:a="http://schemas.openxmlformats.org/drawingml/2006/main" xmlns:r="http://schemas.openxmlformats.org/officeDocument/2006/relationships" xmlns:p="http://schemas.openxmlformats.org/presentationml/2006/main">
-  <p:cSld>
-    <p:spTree>
-      <p:nvGrpSpPr>
-        <p:cNvPr id="1" name=""/>
-        <p:cNvGrpSpPr/>
-        <p:nvPr/>
-      </p:nvGrpSpPr>
-      <p:grpSpPr>
-        <a:xfrm>
-          <a:off x="0" y="0"/>
-          <a:ext cx="0" cy="0"/>
-          <a:chOff x="0" y="0"/>
-          <a:chExt cx="0" cy="0"/>
-        </a:xfrm>
-      </p:grpSpPr>
-      <p:sp>
-        <p:nvSpPr>
-          <p:cNvPr id="3" name="Content Placeholder 2"/>
-          <p:cNvSpPr>
-            <a:spLocks noGrp="1"/>
-          </p:cNvSpPr>
-          <p:nvPr>
-            <p:ph idx="1"/>
-          </p:nvPr>
-        </p:nvSpPr>
-        <p:spPr/>
-        <p:txBody>
-          <a:bodyPr>
-            <a:normAutofit lnSpcReduction="10000"/>
-          </a:bodyPr>
-          <a:lstStyle/>
-          <a:p>
-            <a:r>
-              <a:rPr lang="en-US" dirty="0" smtClean="0"/>
-              <a:t>Developers will actually read the specifications</a:t>
-            </a:r>
-          </a:p>
-          <a:p>
-            <a:endParaRPr lang="en-US" dirty="0" smtClean="0"/>
-          </a:p>
-          <a:p>
-            <a:r>
-              <a:rPr lang="en-US" dirty="0" smtClean="0"/>
-              <a:t>They will understood the stuff correctly</a:t>
-            </a:r>
-          </a:p>
-          <a:p>
-            <a:endParaRPr lang="en-US" dirty="0" smtClean="0"/>
-          </a:p>
-          <a:p>
-            <a:r>
-              <a:rPr lang="en-US" dirty="0" smtClean="0"/>
-              <a:t>They will not skip parts of the spec</a:t>
-            </a:r>
-          </a:p>
-          <a:p>
-            <a:endParaRPr lang="en-US" dirty="0" smtClean="0"/>
-          </a:p>
-          <a:p>
-            <a:r>
-              <a:rPr lang="en-US" dirty="0" smtClean="0"/>
-              <a:t>You can track the development progress</a:t>
-            </a:r>
-          </a:p>
-          <a:p>
-            <a:endParaRPr lang="en-US" dirty="0" smtClean="0"/>
-          </a:p>
-          <a:p>
-            <a:r>
-              <a:rPr lang="en-US" dirty="0" smtClean="0"/>
-              <a:t>Save time on acceptance/smoke testing</a:t>
-            </a:r>
-          </a:p>
-          <a:p>
-            <a:pPr>
-              <a:buNone/>
-            </a:pPr>
-            <a:endParaRPr lang="en-US" dirty="0" smtClean="0"/>
-          </a:p>
-        </p:txBody>
-      </p:sp>
-      <p:sp>
-        <p:nvSpPr>
-          <p:cNvPr id="2" name="Title 1"/>
-          <p:cNvSpPr>
-            <a:spLocks noGrp="1"/>
-          </p:cNvSpPr>
-          <p:nvPr>
-            <p:ph type="title"/>
-          </p:nvPr>
-        </p:nvSpPr>
-        <p:spPr/>
-        <p:txBody>
-          <a:bodyPr>
-            <a:normAutofit fontScale="90000"/>
-          </a:bodyPr>
-          <a:lstStyle/>
-          <a:p>
-            <a:pPr algn="ctr"/>
-            <a:r>
-              <a:rPr lang="nl-BE" dirty="0" smtClean="0"/>
-              <a:t>What’s in it for you?</a:t>
-            </a:r>
-            <a:br>
-              <a:rPr lang="nl-BE" dirty="0" smtClean="0"/>
-            </a:br>
-            <a:r>
-              <a:rPr lang="nl-BE" sz="3600" dirty="0" smtClean="0">
-                <a:solidFill>
-                  <a:schemeClr val="bg2">
-                    <a:lumMod val="50000"/>
-                  </a:schemeClr>
-                </a:solidFill>
-              </a:rPr>
-              <a:t>ScrumMaster / Product Owner</a:t>
-            </a:r>
-            <a:endParaRPr lang="nl-BE" sz="3600" dirty="0">
-              <a:solidFill>
-                <a:schemeClr val="bg2">
-                  <a:lumMod val="50000"/>
-                </a:schemeClr>
-              </a:solidFill>
-            </a:endParaRPr>
-          </a:p>
-        </p:txBody>
-      </p:sp>
-    </p:spTree>
-  </p:cSld>
-  <p:clrMapOvr>
-    <a:masterClrMapping/>
-  </p:clrMapOvr>
-  <p:timing>
-    <p:tnLst>
-      <p:par>
-        <p:cTn id="1" dur="indefinite" restart="never" nodeType="tmRoot"/>
-      </p:par>
-    </p:tnLst>
-  </p:timing>
-</p:sld>
-</file>
-
-<file path=ppt/slides/slide19.xml><?xml version="1.0" encoding="utf-8"?>
-<p:sld xmlns:a="http://schemas.openxmlformats.org/drawingml/2006/main" xmlns:r="http://schemas.openxmlformats.org/officeDocument/2006/relationships" xmlns:p="http://schemas.openxmlformats.org/presentationml/2006/main">
-  <p:cSld>
-    <p:spTree>
-      <p:nvGrpSpPr>
-        <p:cNvPr id="1" name=""/>
-        <p:cNvGrpSpPr/>
-        <p:nvPr/>
-      </p:nvGrpSpPr>
-      <p:grpSpPr>
-        <a:xfrm>
-          <a:off x="0" y="0"/>
-          <a:ext cx="0" cy="0"/>
-          <a:chOff x="0" y="0"/>
-          <a:chExt cx="0" cy="0"/>
-        </a:xfrm>
-      </p:grpSpPr>
-      <p:sp>
-        <p:nvSpPr>
-          <p:cNvPr id="3" name="Content Placeholder 2"/>
-          <p:cNvSpPr>
-            <a:spLocks noGrp="1"/>
-          </p:cNvSpPr>
-          <p:nvPr>
-            <p:ph idx="1"/>
-          </p:nvPr>
-        </p:nvSpPr>
-        <p:spPr/>
-        <p:txBody>
-          <a:bodyPr>
-            <a:normAutofit lnSpcReduction="10000"/>
-          </a:bodyPr>
-          <a:lstStyle/>
-          <a:p>
-            <a:r>
-              <a:rPr lang="en-GB" dirty="0" smtClean="0"/>
-              <a:t>Requirements will be unambiguous and without functional gaps</a:t>
-            </a:r>
-          </a:p>
-          <a:p>
-            <a:endParaRPr lang="en-US" dirty="0" smtClean="0"/>
-          </a:p>
-          <a:p>
-            <a:r>
-              <a:rPr lang="en-GB" dirty="0" smtClean="0"/>
-              <a:t>Business analysts will really understand those special cases you mentioned</a:t>
-            </a:r>
-          </a:p>
-          <a:p>
-            <a:endParaRPr lang="en-US" dirty="0" smtClean="0"/>
-          </a:p>
-          <a:p>
-            <a:r>
-              <a:rPr lang="en-GB" dirty="0" smtClean="0"/>
-              <a:t>You will have automated tests to guide development</a:t>
-            </a:r>
-          </a:p>
-          <a:p>
-            <a:endParaRPr lang="en-US" dirty="0" smtClean="0"/>
-          </a:p>
-          <a:p>
-            <a:r>
-              <a:rPr lang="en-GB" dirty="0" smtClean="0"/>
-              <a:t>It will be easier to take-over and hand-over code</a:t>
-            </a:r>
-          </a:p>
-        </p:txBody>
-      </p:sp>
-      <p:sp>
-        <p:nvSpPr>
-          <p:cNvPr id="2" name="Title 1"/>
-          <p:cNvSpPr>
-            <a:spLocks noGrp="1"/>
-          </p:cNvSpPr>
-          <p:nvPr>
-            <p:ph type="title"/>
-          </p:nvPr>
-        </p:nvSpPr>
-        <p:spPr/>
-        <p:txBody>
-          <a:bodyPr>
-            <a:normAutofit fontScale="90000"/>
-          </a:bodyPr>
-          <a:lstStyle/>
-          <a:p>
-            <a:pPr algn="ctr"/>
-            <a:r>
-              <a:rPr lang="nl-BE" dirty="0" smtClean="0"/>
-              <a:t>What’s in it for you?</a:t>
-            </a:r>
-            <a:br>
-              <a:rPr lang="nl-BE" dirty="0" smtClean="0"/>
-            </a:br>
-            <a:r>
-              <a:rPr lang="nl-BE" sz="3600" dirty="0" smtClean="0">
-                <a:solidFill>
-                  <a:schemeClr val="bg2">
-                    <a:lumMod val="50000"/>
-                  </a:schemeClr>
-                </a:solidFill>
-              </a:rPr>
-              <a:t>Developer</a:t>
-            </a:r>
-            <a:endParaRPr lang="nl-BE" sz="3600" dirty="0">
-              <a:solidFill>
-                <a:schemeClr val="bg2">
-                  <a:lumMod val="50000"/>
-                </a:schemeClr>
-              </a:solidFill>
-            </a:endParaRPr>
-          </a:p>
-        </p:txBody>
-      </p:sp>
-    </p:spTree>
-  </p:cSld>
-  <p:clrMapOvr>
-    <a:masterClrMapping/>
-  </p:clrMapOvr>
-  <p:timing>
-    <p:tnLst>
-      <p:par>
-        <p:cTn id="1" dur="indefinite" restart="never" nodeType="tmRoot"/>
-      </p:par>
-    </p:tnLst>
-  </p:timing>
-</p:sld>
-</file>
-
-<file path=ppt/slides/slide2.xml><?xml version="1.0" encoding="utf-8"?>
-<p:sld xmlns:a="http://schemas.openxmlformats.org/drawingml/2006/main" xmlns:r="http://schemas.openxmlformats.org/officeDocument/2006/relationships" xmlns:p="http://schemas.openxmlformats.org/presentationml/2006/main">
-  <p:cSld>
-    <p:spTree>
-      <p:nvGrpSpPr>
-        <p:cNvPr id="1" name=""/>
-        <p:cNvGrpSpPr/>
-        <p:nvPr/>
-      </p:nvGrpSpPr>
-      <p:grpSpPr>
-        <a:xfrm>
-          <a:off x="0" y="0"/>
-          <a:ext cx="0" cy="0"/>
-          <a:chOff x="0" y="0"/>
-          <a:chExt cx="0" cy="0"/>
-        </a:xfrm>
-      </p:grpSpPr>
-      <p:sp>
-        <p:nvSpPr>
-          <p:cNvPr id="3" name="Content Placeholder 2"/>
-          <p:cNvSpPr>
-            <a:spLocks noGrp="1"/>
-          </p:cNvSpPr>
-          <p:nvPr>
-            <p:ph idx="1"/>
-          </p:nvPr>
-        </p:nvSpPr>
-        <p:spPr/>
-        <p:txBody>
-          <a:bodyPr>
-            <a:normAutofit fontScale="92500" lnSpcReduction="10000"/>
-          </a:bodyPr>
-          <a:lstStyle/>
-          <a:p>
-            <a:r>
-              <a:rPr lang="nl-BE" dirty="0" smtClean="0"/>
-              <a:t>Michel Grootjans</a:t>
-            </a:r>
-          </a:p>
-          <a:p>
-            <a:pPr lvl="1"/>
-            <a:r>
-              <a:rPr lang="nl-BE" dirty="0" smtClean="0"/>
-              <a:t>Enterprise Architect </a:t>
-            </a:r>
-          </a:p>
-          <a:p>
-            <a:pPr lvl="1"/>
-            <a:r>
-              <a:rPr lang="nl-BE" sz="1600" dirty="0" smtClean="0">
-                <a:hlinkClick r:id="rId2"/>
-              </a:rPr>
-              <a:t>             http://www.linkedin.com/in/michelgrootjans</a:t>
-            </a:r>
-            <a:endParaRPr lang="nl-BE" sz="1600" dirty="0" smtClean="0"/>
-          </a:p>
-          <a:p>
-            <a:pPr lvl="1"/>
-            <a:r>
-              <a:rPr lang="nl-BE" sz="1600" dirty="0" smtClean="0">
-                <a:hlinkClick r:id="rId3"/>
-              </a:rPr>
-              <a:t>michel.grootjans@ilean.be</a:t>
-            </a:r>
-            <a:r>
-              <a:rPr lang="nl-BE" sz="1600" dirty="0" smtClean="0"/>
-              <a:t>	 </a:t>
-            </a:r>
-          </a:p>
-          <a:p>
-            <a:pPr lvl="1"/>
-            <a:endParaRPr lang="nl-BE" dirty="0" smtClean="0"/>
-          </a:p>
-          <a:p>
-            <a:r>
-              <a:rPr lang="nl-BE" dirty="0" smtClean="0"/>
-              <a:t>Pascal Mestdach</a:t>
-            </a:r>
-          </a:p>
-          <a:p>
-            <a:pPr lvl="1"/>
-            <a:r>
-              <a:rPr lang="nl-BE" dirty="0" smtClean="0"/>
-              <a:t>Solution Architect</a:t>
-            </a:r>
-          </a:p>
-          <a:p>
-            <a:pPr lvl="1"/>
-            <a:r>
-              <a:rPr lang="nl-BE" sz="1600" dirty="0" smtClean="0">
-                <a:hlinkClick r:id="rId4"/>
-              </a:rPr>
-              <a:t>             http://www.linkedin.com/in/pascalmestdach</a:t>
-            </a:r>
-            <a:r>
-              <a:rPr lang="nl-BE" sz="1600" dirty="0" smtClean="0"/>
-              <a:t> </a:t>
-            </a:r>
-          </a:p>
-          <a:p>
-            <a:pPr lvl="1"/>
-            <a:r>
-              <a:rPr lang="nl-BE" sz="1600" dirty="0" smtClean="0">
-                <a:hlinkClick r:id="rId5"/>
-              </a:rPr>
-              <a:t>pascal.mestdach@infohos.be</a:t>
-            </a:r>
-          </a:p>
-          <a:p>
-            <a:pPr lvl="1">
-              <a:buNone/>
-            </a:pPr>
-            <a:endParaRPr lang="nl-BE" sz="1600" dirty="0" smtClean="0"/>
-          </a:p>
-          <a:p>
-            <a:r>
-              <a:rPr lang="nl-BE" dirty="0" smtClean="0"/>
-              <a:t>Download material:</a:t>
-            </a:r>
-          </a:p>
-          <a:p>
-            <a:pPr lvl="1"/>
-            <a:r>
-              <a:rPr lang="nl-BE" sz="1700" dirty="0" smtClean="0"/>
-              <a:t>On google code: </a:t>
-            </a:r>
-          </a:p>
-          <a:p>
-            <a:pPr lvl="2"/>
-            <a:r>
-              <a:rPr lang="nl-BE" sz="1500" dirty="0" smtClean="0">
-                <a:hlinkClick r:id="rId6"/>
-              </a:rPr>
-              <a:t>http://code.google.com/p/agileacceptancetesting/</a:t>
-            </a:r>
-            <a:r>
-              <a:rPr lang="nl-BE" sz="1500" dirty="0" smtClean="0"/>
-              <a:t> </a:t>
-            </a:r>
-          </a:p>
-          <a:p>
-            <a:pPr lvl="1"/>
-            <a:r>
-              <a:rPr lang="nl-BE" sz="1600" dirty="0" smtClean="0"/>
-              <a:t>Checkout in svn: </a:t>
-            </a:r>
-          </a:p>
-          <a:p>
-            <a:pPr lvl="2"/>
-            <a:r>
-              <a:rPr lang="nl-BE" sz="1400" dirty="0" smtClean="0">
-                <a:hlinkClick r:id="rId7"/>
-              </a:rPr>
-              <a:t>https://agileacceptancetesting.googlecode.com/svn/trunk</a:t>
-            </a:r>
-            <a:r>
-              <a:rPr lang="nl-BE" sz="1400" dirty="0" smtClean="0"/>
-              <a:t> </a:t>
-            </a:r>
-          </a:p>
-        </p:txBody>
-      </p:sp>
-      <p:sp>
-        <p:nvSpPr>
-          <p:cNvPr id="2" name="Title 1"/>
-          <p:cNvSpPr>
-            <a:spLocks noGrp="1"/>
-          </p:cNvSpPr>
-          <p:nvPr>
-            <p:ph type="title"/>
-          </p:nvPr>
-        </p:nvSpPr>
-        <p:spPr/>
-        <p:txBody>
-          <a:bodyPr/>
-          <a:lstStyle/>
-          <a:p>
-            <a:r>
-              <a:rPr lang="nl-BE" dirty="0" smtClean="0"/>
-              <a:t>Biography Presenters</a:t>
-            </a:r>
-            <a:endParaRPr lang="nl-BE" dirty="0"/>
-          </a:p>
-        </p:txBody>
-      </p:sp>
-      <p:pic>
-        <p:nvPicPr>
-          <p:cNvPr id="5" name="Picture 4" descr="iLean.jpg"/>
-          <p:cNvPicPr>
-            <a:picLocks noChangeAspect="1"/>
-          </p:cNvPicPr>
-          <p:nvPr/>
-        </p:nvPicPr>
-        <p:blipFill>
-          <a:blip r:embed="rId8"/>
-          <a:stretch>
-            <a:fillRect/>
-          </a:stretch>
-        </p:blipFill>
-        <p:spPr>
-          <a:xfrm>
-            <a:off x="5143504" y="1428736"/>
-            <a:ext cx="1028700" cy="704850"/>
-          </a:xfrm>
-          <a:prstGeom prst="rect">
-            <a:avLst/>
-          </a:prstGeom>
-        </p:spPr>
-      </p:pic>
-      <p:pic>
-        <p:nvPicPr>
-          <p:cNvPr id="6" name="Picture 5" descr="Ihc.png"/>
-          <p:cNvPicPr>
-            <a:picLocks noChangeAspect="1"/>
-          </p:cNvPicPr>
-          <p:nvPr/>
-        </p:nvPicPr>
-        <p:blipFill>
-          <a:blip r:embed="rId9"/>
-          <a:stretch>
-            <a:fillRect/>
-          </a:stretch>
-        </p:blipFill>
-        <p:spPr>
-          <a:xfrm>
-            <a:off x="5129217" y="3000372"/>
-            <a:ext cx="942981" cy="642942"/>
-          </a:xfrm>
-          <a:prstGeom prst="rect">
-            <a:avLst/>
-          </a:prstGeom>
-        </p:spPr>
-      </p:pic>
-      <p:pic>
-        <p:nvPicPr>
-          <p:cNvPr id="7" name="Picture 6" descr="linkedIn.png"/>
-          <p:cNvPicPr>
-            <a:picLocks noChangeAspect="1"/>
-          </p:cNvPicPr>
-          <p:nvPr/>
-        </p:nvPicPr>
-        <p:blipFill>
-          <a:blip r:embed="rId10"/>
-          <a:stretch>
-            <a:fillRect/>
-          </a:stretch>
-        </p:blipFill>
-        <p:spPr>
-          <a:xfrm>
-            <a:off x="1187366" y="2214554"/>
-            <a:ext cx="785818" cy="211312"/>
-          </a:xfrm>
-          <a:prstGeom prst="rect">
-            <a:avLst/>
-          </a:prstGeom>
-        </p:spPr>
-      </p:pic>
-      <p:pic>
-        <p:nvPicPr>
-          <p:cNvPr id="8" name="Picture 7" descr="linkedIn.png"/>
-          <p:cNvPicPr>
-            <a:picLocks noChangeAspect="1"/>
-          </p:cNvPicPr>
-          <p:nvPr/>
-        </p:nvPicPr>
-        <p:blipFill>
-          <a:blip r:embed="rId10"/>
-          <a:stretch>
-            <a:fillRect/>
-          </a:stretch>
-        </p:blipFill>
-        <p:spPr>
-          <a:xfrm>
-            <a:off x="1178902" y="3750264"/>
-            <a:ext cx="785818" cy="211312"/>
-          </a:xfrm>
-          <a:prstGeom prst="rect">
-            <a:avLst/>
-          </a:prstGeom>
-        </p:spPr>
-      </p:pic>
-    </p:spTree>
-  </p:cSld>
-  <p:clrMapOvr>
-    <a:masterClrMapping/>
-  </p:clrMapOvr>
-  <p:timing>
-    <p:tnLst>
-      <p:par>
-        <p:cTn id="1" dur="indefinite" restart="never" nodeType="tmRoot"/>
-      </p:par>
-    </p:tnLst>
-  </p:timing>
-</p:sld>
-</file>
-
-<file path=ppt/slides/slide20.xml><?xml version="1.0" encoding="utf-8"?>
-<p:sld xmlns:a="http://schemas.openxmlformats.org/drawingml/2006/main" xmlns:r="http://schemas.openxmlformats.org/officeDocument/2006/relationships" xmlns:p="http://schemas.openxmlformats.org/presentationml/2006/main">
-  <p:cSld>
-    <p:spTree>
-      <p:nvGrpSpPr>
-        <p:cNvPr id="1" name=""/>
-        <p:cNvGrpSpPr/>
-        <p:nvPr/>
-      </p:nvGrpSpPr>
-      <p:grpSpPr>
-        <a:xfrm>
-          <a:off x="0" y="0"/>
-          <a:ext cx="0" cy="0"/>
-          <a:chOff x="0" y="0"/>
-          <a:chExt cx="0" cy="0"/>
-        </a:xfrm>
-      </p:grpSpPr>
-      <p:sp>
-        <p:nvSpPr>
-          <p:cNvPr id="3" name="Content Placeholder 2"/>
-          <p:cNvSpPr>
-            <a:spLocks noGrp="1"/>
-          </p:cNvSpPr>
-          <p:nvPr>
-            <p:ph idx="1"/>
-          </p:nvPr>
-        </p:nvSpPr>
-        <p:spPr/>
-        <p:txBody>
-          <a:bodyPr>
-            <a:normAutofit/>
-          </a:bodyPr>
-          <a:lstStyle/>
-          <a:p>
-            <a:r>
-              <a:rPr lang="en-GB" dirty="0" smtClean="0"/>
-              <a:t>Finally stop those guys from making the same mistakes over and over</a:t>
-            </a:r>
-          </a:p>
-          <a:p>
-            <a:endParaRPr lang="en-US" dirty="0" smtClean="0"/>
-          </a:p>
-          <a:p>
-            <a:r>
-              <a:rPr lang="en-GB" dirty="0" smtClean="0"/>
-              <a:t>Avoid doing the same stuff all the time</a:t>
-            </a:r>
-          </a:p>
-          <a:p>
-            <a:endParaRPr lang="en-US" dirty="0" smtClean="0"/>
-          </a:p>
-          <a:p>
-            <a:r>
-              <a:rPr lang="en-GB" dirty="0" smtClean="0"/>
-              <a:t>Build quality in from the start</a:t>
-            </a:r>
-          </a:p>
-          <a:p>
-            <a:endParaRPr lang="en-US" dirty="0" smtClean="0"/>
-          </a:p>
-          <a:p>
-            <a:r>
-              <a:rPr lang="en-GB" dirty="0" smtClean="0"/>
-              <a:t>Verify business rules by a click on a button</a:t>
-            </a:r>
-          </a:p>
-        </p:txBody>
-      </p:sp>
-      <p:sp>
-        <p:nvSpPr>
-          <p:cNvPr id="2" name="Title 1"/>
-          <p:cNvSpPr>
-            <a:spLocks noGrp="1"/>
-          </p:cNvSpPr>
-          <p:nvPr>
-            <p:ph type="title"/>
-          </p:nvPr>
-        </p:nvSpPr>
-        <p:spPr/>
-        <p:txBody>
-          <a:bodyPr>
-            <a:normAutofit fontScale="90000"/>
-          </a:bodyPr>
-          <a:lstStyle/>
-          <a:p>
-            <a:pPr algn="ctr"/>
-            <a:r>
-              <a:rPr lang="nl-BE" dirty="0" smtClean="0"/>
-              <a:t>What’s in it for you?</a:t>
-            </a:r>
-            <a:br>
-              <a:rPr lang="nl-BE" dirty="0" smtClean="0"/>
-            </a:br>
-            <a:r>
-              <a:rPr lang="nl-BE" sz="3600" dirty="0" smtClean="0">
-                <a:solidFill>
-                  <a:schemeClr val="bg2">
-                    <a:lumMod val="50000"/>
-                  </a:schemeClr>
-                </a:solidFill>
-              </a:rPr>
-              <a:t>Tester / Business Analist</a:t>
-            </a:r>
-            <a:endParaRPr lang="nl-BE" sz="3600" dirty="0">
-              <a:solidFill>
-                <a:schemeClr val="bg2">
-                  <a:lumMod val="50000"/>
-                </a:schemeClr>
-              </a:solidFill>
-            </a:endParaRPr>
-          </a:p>
-        </p:txBody>
-      </p:sp>
-    </p:spTree>
-  </p:cSld>
-  <p:clrMapOvr>
-    <a:masterClrMapping/>
-  </p:clrMapOvr>
-  <p:timing>
-    <p:tnLst>
-      <p:par>
-        <p:cTn id="1" dur="indefinite" restart="never" nodeType="tmRoot"/>
-      </p:par>
-    </p:tnLst>
-  </p:timing>
-</p:sld>
-</file>
-
-<file path=ppt/slides/slide21.xml><?xml version="1.0" encoding="utf-8"?>
-<p:sld xmlns:a="http://schemas.openxmlformats.org/drawingml/2006/main" xmlns:r="http://schemas.openxmlformats.org/officeDocument/2006/relationships" xmlns:p="http://schemas.openxmlformats.org/presentationml/2006/main">
-  <p:cSld>
-    <p:spTree>
-      <p:nvGrpSpPr>
-        <p:cNvPr id="1" name=""/>
-        <p:cNvGrpSpPr/>
-        <p:nvPr/>
-      </p:nvGrpSpPr>
-      <p:grpSpPr>
-        <a:xfrm>
-          <a:off x="0" y="0"/>
-          <a:ext cx="0" cy="0"/>
-          <a:chOff x="0" y="0"/>
-          <a:chExt cx="0" cy="0"/>
-        </a:xfrm>
-      </p:grpSpPr>
-      <p:sp>
-        <p:nvSpPr>
-          <p:cNvPr id="3" name="Content Placeholder 2"/>
-          <p:cNvSpPr>
-            <a:spLocks noGrp="1"/>
-          </p:cNvSpPr>
-          <p:nvPr>
-            <p:ph idx="1"/>
-          </p:nvPr>
-        </p:nvSpPr>
-        <p:spPr>
-          <a:xfrm>
-            <a:off x="457200" y="1214422"/>
-            <a:ext cx="8229600" cy="4792869"/>
-          </a:xfrm>
-        </p:spPr>
-        <p:txBody>
-          <a:bodyPr>
-            <a:normAutofit fontScale="85000" lnSpcReduction="20000"/>
-          </a:bodyPr>
-          <a:lstStyle/>
-          <a:p>
-            <a:r>
-              <a:rPr lang="nl-BE" dirty="0" smtClean="0"/>
-              <a:t>Books</a:t>
-            </a:r>
-          </a:p>
-          <a:p>
-            <a:pPr lvl="1"/>
-            <a:endParaRPr lang="nl-BE" dirty="0" smtClean="0"/>
-          </a:p>
-          <a:p>
-            <a:pPr lvl="1"/>
-            <a:endParaRPr lang="nl-BE" dirty="0" smtClean="0"/>
-          </a:p>
-          <a:p>
-            <a:pPr lvl="1"/>
-            <a:endParaRPr lang="nl-BE" dirty="0" smtClean="0"/>
-          </a:p>
-          <a:p>
-            <a:endParaRPr lang="nl-BE" dirty="0" smtClean="0"/>
-          </a:p>
-          <a:p>
-            <a:endParaRPr lang="nl-BE" dirty="0" smtClean="0"/>
-          </a:p>
-          <a:p>
-            <a:r>
-              <a:rPr lang="nl-BE" dirty="0" smtClean="0"/>
-              <a:t>On the web</a:t>
-            </a:r>
-          </a:p>
-          <a:p>
-            <a:pPr lvl="1"/>
-            <a:r>
-              <a:rPr lang="nl-BE" dirty="0" smtClean="0">
-                <a:hlinkClick r:id="rId2"/>
-              </a:rPr>
-              <a:t>http://fitnesse.org/</a:t>
-            </a:r>
-            <a:r>
-              <a:rPr lang="nl-BE" dirty="0" smtClean="0"/>
-              <a:t> </a:t>
-            </a:r>
-          </a:p>
-          <a:p>
-            <a:pPr lvl="1"/>
-            <a:r>
-              <a:rPr lang="en-US" sz="2400" dirty="0" smtClean="0">
-                <a:hlinkClick r:id="rId3"/>
-              </a:rPr>
-              <a:t>http://sourceforge.net/projects/fitlibrary/</a:t>
-            </a:r>
-            <a:r>
-              <a:rPr lang="en-US" sz="2400" dirty="0" smtClean="0"/>
-              <a:t> </a:t>
-            </a:r>
-          </a:p>
-          <a:p>
-            <a:pPr lvl="1"/>
-            <a:r>
-              <a:rPr lang="en-US" sz="2400" dirty="0" smtClean="0">
-                <a:hlinkClick r:id="rId4"/>
-              </a:rPr>
-              <a:t>http://gojko.net/fitnesse/</a:t>
-            </a:r>
-            <a:r>
-              <a:rPr lang="en-US" sz="2400" dirty="0" smtClean="0"/>
-              <a:t>   </a:t>
-            </a:r>
-          </a:p>
-          <a:p>
-            <a:pPr lvl="1"/>
-            <a:r>
-              <a:rPr lang="nl-BE" sz="2400" dirty="0" smtClean="0">
-                <a:hlinkClick r:id="rId5"/>
-              </a:rPr>
-              <a:t>http://codebetter.com/blogs/ian_cooper/archive/2008/10/13/fitnesse-and-the-three-way.aspx</a:t>
-            </a:r>
-            <a:r>
-              <a:rPr lang="nl-BE" sz="2400" dirty="0" smtClean="0"/>
-              <a:t> </a:t>
-            </a:r>
-          </a:p>
-          <a:p>
-            <a:endParaRPr lang="nl-BE" dirty="0" smtClean="0"/>
-          </a:p>
-          <a:p>
-            <a:r>
-              <a:rPr lang="nl-BE" dirty="0" smtClean="0"/>
-              <a:t>Yahoo Group</a:t>
-            </a:r>
-          </a:p>
-          <a:p>
-            <a:pPr lvl="1"/>
-            <a:r>
-              <a:rPr lang="en-US" sz="2400" dirty="0" smtClean="0">
-                <a:hlinkClick r:id="rId6"/>
-              </a:rPr>
-              <a:t>http://tech.groups.yahoo.com/group/fitnesse/</a:t>
-            </a:r>
-            <a:r>
-              <a:rPr lang="en-US" sz="2400" dirty="0" smtClean="0"/>
-              <a:t> </a:t>
-            </a:r>
-            <a:endParaRPr lang="nl-BE" dirty="0" smtClean="0"/>
-          </a:p>
-          <a:p>
-            <a:endParaRPr lang="nl-BE" dirty="0" smtClean="0"/>
-          </a:p>
-        </p:txBody>
-      </p:sp>
-      <p:sp>
-        <p:nvSpPr>
-          <p:cNvPr id="2" name="Title 1"/>
-          <p:cNvSpPr>
-            <a:spLocks noGrp="1"/>
-          </p:cNvSpPr>
-          <p:nvPr>
-            <p:ph type="title"/>
-          </p:nvPr>
-        </p:nvSpPr>
-        <p:spPr/>
-        <p:txBody>
-          <a:bodyPr/>
-          <a:lstStyle/>
-          <a:p>
-            <a:r>
-              <a:rPr lang="nl-BE" dirty="0" smtClean="0"/>
-              <a:t>Resources</a:t>
-            </a:r>
-            <a:endParaRPr lang="nl-BE" dirty="0"/>
-          </a:p>
-        </p:txBody>
-      </p:sp>
-      <p:pic>
-        <p:nvPicPr>
-          <p:cNvPr id="4" name="Picture 2"/>
-          <p:cNvPicPr>
-            <a:picLocks noChangeAspect="1" noChangeArrowheads="1"/>
-          </p:cNvPicPr>
-          <p:nvPr/>
-        </p:nvPicPr>
-        <p:blipFill>
-          <a:blip r:embed="rId7"/>
-          <a:srcRect/>
-          <a:stretch>
-            <a:fillRect/>
-          </a:stretch>
-        </p:blipFill>
-        <p:spPr bwMode="auto">
-          <a:xfrm>
-            <a:off x="5951356" y="1094408"/>
-            <a:ext cx="1357322" cy="1730037"/>
-          </a:xfrm>
-          <a:prstGeom prst="rect">
-            <a:avLst/>
-          </a:prstGeom>
-          <a:noFill/>
-          <a:ln w="9525" algn="ctr">
-            <a:noFill/>
-            <a:miter lim="800000"/>
-            <a:headEnd/>
-            <a:tailEnd/>
-          </a:ln>
-        </p:spPr>
-      </p:pic>
-      <p:pic>
-        <p:nvPicPr>
-          <p:cNvPr id="5" name="Picture 8"/>
-          <p:cNvPicPr>
-            <a:picLocks noChangeAspect="1" noChangeArrowheads="1"/>
-          </p:cNvPicPr>
-          <p:nvPr/>
-        </p:nvPicPr>
-        <p:blipFill>
-          <a:blip r:embed="rId8"/>
-          <a:srcRect/>
-          <a:stretch>
-            <a:fillRect/>
-          </a:stretch>
-        </p:blipFill>
-        <p:spPr bwMode="auto">
-          <a:xfrm>
-            <a:off x="7429520" y="1077228"/>
-            <a:ext cx="1374932" cy="1785950"/>
-          </a:xfrm>
-          <a:prstGeom prst="rect">
-            <a:avLst/>
-          </a:prstGeom>
-          <a:noFill/>
-          <a:ln w="9525" algn="ctr">
-            <a:noFill/>
-            <a:miter lim="800000"/>
-            <a:headEnd/>
-            <a:tailEnd/>
-          </a:ln>
-        </p:spPr>
-      </p:pic>
-      <p:pic>
-        <p:nvPicPr>
-          <p:cNvPr id="1027" name="Picture 3"/>
-          <p:cNvPicPr>
-            <a:picLocks noChangeAspect="1" noChangeArrowheads="1"/>
-          </p:cNvPicPr>
-          <p:nvPr/>
-        </p:nvPicPr>
-        <p:blipFill>
-          <a:blip r:embed="rId9"/>
-          <a:srcRect/>
-          <a:stretch>
-            <a:fillRect/>
-          </a:stretch>
-        </p:blipFill>
-        <p:spPr bwMode="auto">
-          <a:xfrm>
-            <a:off x="3214678" y="1071546"/>
-            <a:ext cx="1357322" cy="1782751"/>
-          </a:xfrm>
-          <a:prstGeom prst="rect">
-            <a:avLst/>
-          </a:prstGeom>
-          <a:noFill/>
-          <a:ln w="9525">
-            <a:noFill/>
-            <a:miter lim="800000"/>
-            <a:headEnd/>
-            <a:tailEnd/>
-          </a:ln>
-          <a:effectLst/>
-        </p:spPr>
-      </p:pic>
-      <p:pic>
-        <p:nvPicPr>
-          <p:cNvPr id="1028" name="Picture 4"/>
-          <p:cNvPicPr>
-            <a:picLocks noChangeAspect="1" noChangeArrowheads="1"/>
-          </p:cNvPicPr>
-          <p:nvPr/>
-        </p:nvPicPr>
-        <p:blipFill>
-          <a:blip r:embed="rId10"/>
-          <a:srcRect/>
-          <a:stretch>
-            <a:fillRect/>
-          </a:stretch>
-        </p:blipFill>
-        <p:spPr bwMode="auto">
-          <a:xfrm>
-            <a:off x="4572000" y="1044025"/>
-            <a:ext cx="1285884" cy="1844506"/>
-          </a:xfrm>
-          <a:prstGeom prst="rect">
-            <a:avLst/>
-          </a:prstGeom>
-          <a:noFill/>
-          <a:ln w="9525">
-            <a:noFill/>
-            <a:miter lim="800000"/>
-            <a:headEnd/>
-            <a:tailEnd/>
-          </a:ln>
-          <a:effectLst/>
-        </p:spPr>
-      </p:pic>
-      <p:pic>
-        <p:nvPicPr>
-          <p:cNvPr id="1029" name="Picture 5"/>
-          <p:cNvPicPr>
-            <a:picLocks noChangeAspect="1" noChangeArrowheads="1"/>
-          </p:cNvPicPr>
-          <p:nvPr/>
-        </p:nvPicPr>
-        <p:blipFill>
-          <a:blip r:embed="rId11"/>
-          <a:srcRect/>
-          <a:stretch>
-            <a:fillRect/>
-          </a:stretch>
-        </p:blipFill>
-        <p:spPr bwMode="auto">
-          <a:xfrm>
-            <a:off x="1857356" y="1071545"/>
-            <a:ext cx="1357322" cy="1782751"/>
-          </a:xfrm>
-          <a:prstGeom prst="rect">
-            <a:avLst/>
-          </a:prstGeom>
-          <a:noFill/>
-          <a:ln w="9525">
-            <a:noFill/>
-            <a:miter lim="800000"/>
-            <a:headEnd/>
-            <a:tailEnd/>
-          </a:ln>
-          <a:effectLst/>
-        </p:spPr>
-      </p:pic>
-    </p:spTree>
-  </p:cSld>
-  <p:clrMapOvr>
-    <a:masterClrMapping/>
-  </p:clrMapOvr>
-  <p:timing>
-    <p:tnLst>
-      <p:par>
-        <p:cTn id="1" dur="indefinite" restart="never" nodeType="tmRoot"/>
-      </p:par>
-    </p:tnLst>
-  </p:timing>
-</p:sld>
-</file>
-
-<file path=ppt/slides/slide3.xml><?xml version="1.0" encoding="utf-8"?>
-<p:sld xmlns:a="http://schemas.openxmlformats.org/drawingml/2006/main" xmlns:r="http://schemas.openxmlformats.org/officeDocument/2006/relationships" xmlns:p="http://schemas.openxmlformats.org/presentationml/2006/main">
-  <p:cSld>
-    <p:spTree>
-      <p:nvGrpSpPr>
-        <p:cNvPr id="1" name=""/>
-        <p:cNvGrpSpPr/>
-        <p:nvPr/>
-      </p:nvGrpSpPr>
-      <p:grpSpPr>
-        <a:xfrm>
-          <a:off x="0" y="0"/>
-          <a:ext cx="0" cy="0"/>
-          <a:chOff x="0" y="0"/>
-          <a:chExt cx="0" cy="0"/>
-        </a:xfrm>
-      </p:grpSpPr>
-      <p:sp>
-        <p:nvSpPr>
-          <p:cNvPr id="2" name="Content Placeholder 1"/>
-          <p:cNvSpPr>
-            <a:spLocks noGrp="1"/>
-          </p:cNvSpPr>
-          <p:nvPr>
-            <p:ph idx="1"/>
-          </p:nvPr>
-        </p:nvSpPr>
-        <p:spPr/>
-        <p:txBody>
-          <a:bodyPr/>
-          <a:lstStyle/>
-          <a:p>
-            <a:pPr marL="624078" indent="-514350"/>
-            <a:r>
-              <a:rPr lang="nl-BE" b="1" i="1" dirty="0" smtClean="0"/>
-              <a:t>Specification Workshop</a:t>
-            </a:r>
-          </a:p>
-          <a:p>
-            <a:pPr marL="624078" indent="-514350"/>
-            <a:endParaRPr lang="nl-BE" i="1" dirty="0" smtClean="0"/>
-          </a:p>
-          <a:p>
-            <a:pPr marL="624078" indent="-514350"/>
-            <a:r>
-              <a:rPr lang="nl-BE" i="1" dirty="0" smtClean="0"/>
-              <a:t>Setup Fitnesse &amp; demo application</a:t>
-            </a:r>
-          </a:p>
-          <a:p>
-            <a:pPr marL="624078" indent="-514350"/>
-            <a:endParaRPr lang="nl-BE" i="1" dirty="0" smtClean="0"/>
-          </a:p>
-          <a:p>
-            <a:pPr marL="624078" indent="-514350"/>
-            <a:r>
-              <a:rPr lang="nl-BE" i="1" dirty="0" smtClean="0"/>
-              <a:t>Implement Acceptance Tests</a:t>
-            </a:r>
-          </a:p>
-          <a:p>
-            <a:pPr marL="624078" indent="-514350"/>
-            <a:endParaRPr lang="nl-BE" i="1" dirty="0" smtClean="0"/>
-          </a:p>
-          <a:p>
-            <a:pPr marL="624078" indent="-514350"/>
-            <a:r>
-              <a:rPr lang="nl-BE" i="1" dirty="0" smtClean="0"/>
-              <a:t>Continuous Integration</a:t>
-            </a:r>
-          </a:p>
-          <a:p>
-            <a:pPr marL="624078" indent="-514350"/>
-            <a:endParaRPr lang="nl-BE" i="1" dirty="0" smtClean="0"/>
-          </a:p>
-        </p:txBody>
-      </p:sp>
-      <p:sp>
-        <p:nvSpPr>
-          <p:cNvPr id="3" name="Title 2"/>
-          <p:cNvSpPr>
-            <a:spLocks noGrp="1"/>
-          </p:cNvSpPr>
-          <p:nvPr>
-            <p:ph type="title"/>
-          </p:nvPr>
-        </p:nvSpPr>
-        <p:spPr/>
-        <p:txBody>
-          <a:bodyPr>
-            <a:normAutofit fontScale="90000"/>
-          </a:bodyPr>
-          <a:lstStyle/>
-          <a:p>
-            <a:r>
-              <a:rPr lang="nl-BE" sz="3600" dirty="0" smtClean="0"/>
-              <a:t>Agile Acceptance Testing with Fitnesse</a:t>
-            </a:r>
-            <a:endParaRPr lang="nl-BE" sz="3600" dirty="0"/>
-          </a:p>
-        </p:txBody>
-      </p:sp>
-      <p:pic>
-        <p:nvPicPr>
-          <p:cNvPr id="5" name="Picture 2" descr="C:\Users\pascmest\AppData\Local\Microsoft\Windows\Temporary Internet Files\Content.IE5\R67MQFYW\MPj04053960000[1].jpg"/>
-          <p:cNvPicPr>
-            <a:picLocks noChangeAspect="1" noChangeArrowheads="1"/>
-          </p:cNvPicPr>
-          <p:nvPr/>
-        </p:nvPicPr>
-        <p:blipFill>
-          <a:blip r:embed="rId2" cstate="print"/>
-          <a:srcRect/>
-          <a:stretch>
-            <a:fillRect/>
-          </a:stretch>
-        </p:blipFill>
-        <p:spPr bwMode="auto">
-          <a:xfrm>
-            <a:off x="5443545" y="4214818"/>
-            <a:ext cx="3700487" cy="2643206"/>
-          </a:xfrm>
-          <a:prstGeom prst="rect">
-            <a:avLst/>
-          </a:prstGeom>
-          <a:noFill/>
-        </p:spPr>
-      </p:pic>
-    </p:spTree>
-  </p:cSld>
-  <p:clrMapOvr>
-    <a:masterClrMapping/>
-  </p:clrMapOvr>
-  <p:timing>
-    <p:tnLst>
-      <p:par>
-        <p:cTn id="1" dur="indefinite" restart="never" nodeType="tmRoot"/>
-      </p:par>
-    </p:tnLst>
-  </p:timing>
-</p:sld>
-</file>
-
-<file path=ppt/slides/slide4.xml><?xml version="1.0" encoding="utf-8"?>
-<p:sld xmlns:a="http://schemas.openxmlformats.org/drawingml/2006/main" xmlns:r="http://schemas.openxmlformats.org/officeDocument/2006/relationships" xmlns:p="http://schemas.openxmlformats.org/presentationml/2006/main">
-  <p:cSld>
-    <p:spTree>
-      <p:nvGrpSpPr>
-        <p:cNvPr id="1" name=""/>
-        <p:cNvGrpSpPr/>
-        <p:nvPr/>
-      </p:nvGrpSpPr>
-      <p:grpSpPr>
-        <a:xfrm>
-          <a:off x="0" y="0"/>
-          <a:ext cx="0" cy="0"/>
-          <a:chOff x="0" y="0"/>
-          <a:chExt cx="0" cy="0"/>
-        </a:xfrm>
-      </p:grpSpPr>
-      <p:sp>
-        <p:nvSpPr>
-          <p:cNvPr id="2" name="Content Placeholder 1"/>
-          <p:cNvSpPr>
-            <a:spLocks noGrp="1"/>
-          </p:cNvSpPr>
-          <p:nvPr>
-            <p:ph idx="1"/>
-          </p:nvPr>
-        </p:nvSpPr>
-        <p:spPr/>
-        <p:txBody>
-          <a:bodyPr/>
-          <a:lstStyle/>
-          <a:p>
-            <a:pPr>
-              <a:buNone/>
-            </a:pPr>
-            <a:r>
-              <a:rPr lang="nl-BE" dirty="0" smtClean="0"/>
-              <a:t>Mr W. Fall, CEO of BDUF Development:</a:t>
-            </a:r>
-          </a:p>
-          <a:p>
-            <a:pPr>
-              <a:buNone/>
-            </a:pPr>
-            <a:endParaRPr lang="nl-BE" dirty="0" smtClean="0"/>
-          </a:p>
-          <a:p>
-            <a:pPr>
-              <a:buNone/>
-            </a:pPr>
-            <a:r>
-              <a:rPr lang="nl-BE" i="1" dirty="0" smtClean="0"/>
-              <a:t>“Our developers are working 14 hours a day to get our latest project delivered on time.”</a:t>
-            </a:r>
-          </a:p>
-          <a:p>
-            <a:pPr>
-              <a:buNone/>
-            </a:pPr>
-            <a:endParaRPr lang="nl-BE" i="1" dirty="0" smtClean="0"/>
-          </a:p>
-          <a:p>
-            <a:pPr>
-              <a:buNone/>
-            </a:pPr>
-            <a:r>
-              <a:rPr lang="nl-BE" i="1" dirty="0" smtClean="0"/>
-              <a:t>“We need an application where they can order pizza’s, beverages, snacks,... as their evening lunch! So they can work longer!”   </a:t>
-            </a:r>
-          </a:p>
-        </p:txBody>
-      </p:sp>
-      <p:sp>
-        <p:nvSpPr>
-          <p:cNvPr id="3" name="Title 2"/>
-          <p:cNvSpPr>
-            <a:spLocks noGrp="1"/>
-          </p:cNvSpPr>
-          <p:nvPr>
-            <p:ph type="title"/>
-          </p:nvPr>
-        </p:nvSpPr>
-        <p:spPr/>
-        <p:txBody>
-          <a:bodyPr>
-            <a:normAutofit/>
-          </a:bodyPr>
-          <a:lstStyle/>
-          <a:p>
-            <a:r>
-              <a:rPr lang="nl-BE" dirty="0" smtClean="0"/>
-              <a:t>A wonderful opportunity</a:t>
-            </a:r>
-            <a:endParaRPr lang="nl-BE" dirty="0"/>
-          </a:p>
-        </p:txBody>
-      </p:sp>
-    </p:spTree>
-  </p:cSld>
-  <p:clrMapOvr>
-    <a:masterClrMapping/>
-  </p:clrMapOvr>
-  <p:timing>
-    <p:tnLst>
-      <p:par>
-        <p:cTn id="1" dur="indefinite" restart="never" nodeType="tmRoot">
-          <p:childTnLst>
-            <p:seq concurrent="1" nextAc="seek">
-              <p:cTn id="2" dur="indefinite" nodeType="mainSeq">
-                <p:childTnLst>
-                  <p:par>
-                    <p:cTn id="3" fill="hold">
-                      <p:stCondLst>
-                        <p:cond delay="indefinite"/>
-                        <p:cond evt="onBegin" delay="0">
-                          <p:tn val="2"/>
-                        </p:cond>
-                      </p:stCondLst>
-                      <p:childTnLst>
-                        <p:par>
-                          <p:cTn id="4" fill="hold">
-                            <p:stCondLst>
-                              <p:cond delay="0"/>
-                            </p:stCondLst>
-                            <p:childTnLst>
-                              <p:par>
-                                <p:cTn id="5" presetID="1" presetClass="entr" presetSubtype="0" fill="hold" grpId="0" nodeType="withEffect">
-                                  <p:stCondLst>
-                                    <p:cond delay="0"/>
-                                  </p:stCondLst>
-                                  <p:childTnLst>
-                                    <p:set>
-                                      <p:cBhvr>
-                                        <p:cTn id="6" dur="1" fill="hold">
-                                          <p:stCondLst>
-                                            <p:cond delay="0"/>
-                                          </p:stCondLst>
-                                        </p:cTn>
-                                        <p:tgtEl>
-                                          <p:spTgt spid="2">
-                                            <p:txEl>
-                                              <p:pRg st="0" end="0"/>
-                                            </p:txEl>
-                                          </p:spTgt>
-                                        </p:tgtEl>
-                                        <p:attrNameLst>
-                                          <p:attrName>style.visibility</p:attrName>
-                                        </p:attrNameLst>
-                                      </p:cBhvr>
-                                      <p:to>
-                                        <p:strVal val="visible"/>
-                                      </p:to>
-                                    </p:set>
-                                  </p:childTnLst>
-                                </p:cTn>
-                              </p:par>
-                            </p:childTnLst>
-                          </p:cTn>
-                        </p:par>
-                      </p:childTnLst>
-                    </p:cTn>
-                  </p:par>
-                  <p:par>
-                    <p:cTn id="7" fill="hold">
-                      <p:stCondLst>
-                        <p:cond delay="indefinite"/>
-                      </p:stCondLst>
-                      <p:childTnLst>
-                        <p:par>
-                          <p:cTn id="8" fill="hold">
-                            <p:stCondLst>
-                              <p:cond delay="0"/>
-                            </p:stCondLst>
-                            <p:childTnLst>
-                              <p:par>
-                                <p:cTn id="9" presetID="1" presetClass="entr" presetSubtype="0" fill="hold" grpId="0" nodeType="clickEffect">
-                                  <p:stCondLst>
-                                    <p:cond delay="0"/>
-                                  </p:stCondLst>
-                                  <p:childTnLst>
-                                    <p:set>
-                                      <p:cBhvr>
-                                        <p:cTn id="10" dur="1" fill="hold">
-                                          <p:stCondLst>
-                                            <p:cond delay="0"/>
-                                          </p:stCondLst>
-                                        </p:cTn>
-                                        <p:tgtEl>
-                                          <p:spTgt spid="2">
-                                            <p:txEl>
-                                              <p:pRg st="2" end="2"/>
-                                            </p:txEl>
-                                          </p:spTgt>
-                                        </p:tgtEl>
-                                        <p:attrNameLst>
-                                          <p:attrName>style.visibility</p:attrName>
-                                        </p:attrNameLst>
-                                      </p:cBhvr>
-                                      <p:to>
-                                        <p:strVal val="visible"/>
-                                      </p:to>
-                                    </p:set>
-                                  </p:childTnLst>
-                                </p:cTn>
-                              </p:par>
-                            </p:childTnLst>
-                          </p:cTn>
-                        </p:par>
-                      </p:childTnLst>
-                    </p:cTn>
-                  </p:par>
-                  <p:par>
-                    <p:cTn id="11" fill="hold">
-                      <p:stCondLst>
-                        <p:cond delay="indefinite"/>
-                      </p:stCondLst>
-                      <p:childTnLst>
-                        <p:par>
-                          <p:cTn id="12" fill="hold">
-                            <p:stCondLst>
-                              <p:cond delay="0"/>
-                            </p:stCondLst>
-                            <p:childTnLst>
-                              <p:par>
-                                <p:cTn id="13" presetID="1" presetClass="entr" presetSubtype="0" fill="hold" grpId="0" nodeType="clickEffect">
-                                  <p:stCondLst>
-                                    <p:cond delay="0"/>
-                                  </p:stCondLst>
-                                  <p:childTnLst>
-                                    <p:set>
-                                      <p:cBhvr>
-                                        <p:cTn id="14" dur="1" fill="hold">
-                                          <p:stCondLst>
-                                            <p:cond delay="0"/>
-                                          </p:stCondLst>
-                                        </p:cTn>
-                                        <p:tgtEl>
-                                          <p:spTgt spid="2">
-                                            <p:txEl>
-                                              <p:pRg st="4" end="4"/>
-                                            </p:txEl>
-                                          </p:spTgt>
-                                        </p:tgtEl>
-                                        <p:attrNameLst>
-                                          <p:attrName>style.visibility</p:attrName>
-                                        </p:attrNameLst>
-                                      </p:cBhvr>
-                                      <p:to>
-                                        <p:strVal val="visible"/>
-                                      </p:to>
-                                    </p:set>
-                                  </p:childTnLst>
-                                </p:cTn>
-                              </p:par>
-                            </p:childTnLst>
-                          </p:cTn>
-                        </p:par>
-                      </p:childTnLst>
-                    </p:cTn>
-                  </p:par>
-                </p:childTnLst>
-              </p:cTn>
-              <p:prevCondLst>
-                <p:cond evt="onPrev" delay="0">
-                  <p:tgtEl>
-                    <p:sldTgt/>
-                  </p:tgtEl>
-                </p:cond>
-              </p:prevCondLst>
-              <p:nextCondLst>
-                <p:cond evt="onNext" delay="0">
-                  <p:tgtEl>
-                    <p:sldTgt/>
-                  </p:tgtEl>
-                </p:cond>
-              </p:nextCondLst>
-            </p:seq>
-          </p:childTnLst>
-        </p:cTn>
-      </p:par>
-    </p:tnLst>
-    <p:bldLst>
-      <p:bldP spid="2" grpId="0" uiExpand="1" build="p"/>
-    </p:bldLst>
-  </p:timing>
-</p:sld>
-</file>
-
-<file path=ppt/slides/slide5.xml><?xml version="1.0" encoding="utf-8"?>
-<p:sld xmlns:a="http://schemas.openxmlformats.org/drawingml/2006/main" xmlns:r="http://schemas.openxmlformats.org/officeDocument/2006/relationships" xmlns:p="http://schemas.openxmlformats.org/presentationml/2006/main">
-  <p:cSld>
-    <p:spTree>
-      <p:nvGrpSpPr>
-        <p:cNvPr id="1" name=""/>
-        <p:cNvGrpSpPr/>
-        <p:nvPr/>
-      </p:nvGrpSpPr>
-      <p:grpSpPr>
-        <a:xfrm>
-          <a:off x="0" y="0"/>
-          <a:ext cx="0" cy="0"/>
-          <a:chOff x="0" y="0"/>
-          <a:chExt cx="0" cy="0"/>
-        </a:xfrm>
-      </p:grpSpPr>
-      <p:sp>
-        <p:nvSpPr>
-          <p:cNvPr id="2" name="Content Placeholder 1"/>
-          <p:cNvSpPr>
-            <a:spLocks noGrp="1"/>
-          </p:cNvSpPr>
-          <p:nvPr>
-            <p:ph idx="1"/>
-          </p:nvPr>
-        </p:nvSpPr>
-        <p:spPr/>
-        <p:txBody>
-          <a:bodyPr>
-            <a:normAutofit fontScale="92500" lnSpcReduction="10000"/>
-          </a:bodyPr>
-          <a:lstStyle/>
-          <a:p>
-            <a:r>
-              <a:rPr lang="nl-BE" dirty="0" smtClean="0"/>
-              <a:t>We agree with Mr W. Fall to make a very basic implementation and put it into production as soon as possible.</a:t>
-            </a:r>
-          </a:p>
-          <a:p>
-            <a:pPr lvl="1">
-              <a:buNone/>
-            </a:pPr>
-            <a:endParaRPr lang="nl-BE" dirty="0" smtClean="0"/>
-          </a:p>
-          <a:p>
-            <a:r>
-              <a:rPr lang="nl-BE" dirty="0" smtClean="0"/>
-              <a:t>We define a product backlog with estimated user stories for planning purposes.</a:t>
-            </a:r>
-          </a:p>
-          <a:p>
-            <a:endParaRPr lang="nl-BE" dirty="0" smtClean="0"/>
-          </a:p>
-          <a:p>
-            <a:r>
-              <a:rPr lang="nl-BE" dirty="0" smtClean="0"/>
-              <a:t>We prioritize the product backlog together with Mr W. Fall.</a:t>
-            </a:r>
-          </a:p>
-          <a:p>
-            <a:endParaRPr lang="nl-BE" dirty="0" smtClean="0"/>
-          </a:p>
-          <a:p>
-            <a:r>
-              <a:rPr lang="nl-BE" dirty="0" smtClean="0"/>
-              <a:t>An agreement is made to develop following user stories in the first iteration of 2 weeks:</a:t>
-            </a:r>
-          </a:p>
-          <a:p>
-            <a:endParaRPr lang="nl-BE" dirty="0" smtClean="0"/>
-          </a:p>
-          <a:p>
-            <a:endParaRPr lang="nl-BE" dirty="0" smtClean="0"/>
-          </a:p>
-          <a:p>
-            <a:pPr lvl="1"/>
-            <a:endParaRPr lang="nl-BE" dirty="0" smtClean="0"/>
-          </a:p>
-          <a:p>
-            <a:endParaRPr lang="nl-BE" dirty="0" smtClean="0"/>
-          </a:p>
-        </p:txBody>
-      </p:sp>
-      <p:sp>
-        <p:nvSpPr>
-          <p:cNvPr id="3" name="Title 2"/>
-          <p:cNvSpPr>
-            <a:spLocks noGrp="1"/>
-          </p:cNvSpPr>
-          <p:nvPr>
-            <p:ph type="title"/>
-          </p:nvPr>
-        </p:nvSpPr>
-        <p:spPr/>
-        <p:txBody>
-          <a:bodyPr>
-            <a:normAutofit/>
-          </a:bodyPr>
-          <a:lstStyle/>
-          <a:p>
-            <a:r>
-              <a:rPr lang="nl-BE" dirty="0" smtClean="0"/>
-              <a:t>An agile Approach</a:t>
-            </a:r>
-            <a:endParaRPr lang="nl-BE" dirty="0"/>
-          </a:p>
-        </p:txBody>
-      </p:sp>
-    </p:spTree>
-  </p:cSld>
-  <p:clrMapOvr>
-    <a:masterClrMapping/>
-  </p:clrMapOvr>
-  <p:timing>
-    <p:tnLst>
-      <p:par>
-        <p:cTn id="1" dur="indefinite" restart="never" nodeType="tmRoot">
-          <p:childTnLst>
-            <p:seq concurrent="1" nextAc="seek">
-              <p:cTn id="2" dur="indefinite" nodeType="mainSeq">
-                <p:childTnLst>
-                  <p:par>
-                    <p:cTn id="3" fill="hold">
-                      <p:stCondLst>
-                        <p:cond delay="indefinite"/>
-                      </p:stCondLst>
-                      <p:childTnLst>
-                        <p:par>
-                          <p:cTn id="4" fill="hold">
-                            <p:stCondLst>
-                              <p:cond delay="0"/>
-                            </p:stCondLst>
-                            <p:childTnLst>
-                              <p:par>
-                                <p:cTn id="5" presetID="1" presetClass="entr" presetSubtype="0" fill="hold" grpId="0" nodeType="clickEffect">
-                                  <p:stCondLst>
-                                    <p:cond delay="0"/>
-                                  </p:stCondLst>
-                                  <p:childTnLst>
-                                    <p:set>
-                                      <p:cBhvr>
-                                        <p:cTn id="6" dur="1" fill="hold">
-                                          <p:stCondLst>
-                                            <p:cond delay="0"/>
-                                          </p:stCondLst>
-                                        </p:cTn>
-                                        <p:tgtEl>
-                                          <p:spTgt spid="2">
-                                            <p:txEl>
-                                              <p:pRg st="0" end="0"/>
-                                            </p:txEl>
-                                          </p:spTgt>
-                                        </p:tgtEl>
-                                        <p:attrNameLst>
-                                          <p:attrName>style.visibility</p:attrName>
-                                        </p:attrNameLst>
-                                      </p:cBhvr>
-                                      <p:to>
-                                        <p:strVal val="visible"/>
-                                      </p:to>
-                                    </p:set>
-                                  </p:childTnLst>
-                                </p:cTn>
-                              </p:par>
-                            </p:childTnLst>
-                          </p:cTn>
-                        </p:par>
-                      </p:childTnLst>
-                    </p:cTn>
-                  </p:par>
-                  <p:par>
-                    <p:cTn id="7" fill="hold">
-                      <p:stCondLst>
-                        <p:cond delay="indefinite"/>
-                      </p:stCondLst>
-                      <p:childTnLst>
-                        <p:par>
-                          <p:cTn id="8" fill="hold">
-                            <p:stCondLst>
-                              <p:cond delay="0"/>
-                            </p:stCondLst>
-                            <p:childTnLst>
-                              <p:par>
-                                <p:cTn id="9" presetID="1" presetClass="entr" presetSubtype="0" fill="hold" grpId="0" nodeType="clickEffect">
-                                  <p:stCondLst>
-                                    <p:cond delay="0"/>
-                                  </p:stCondLst>
-                                  <p:childTnLst>
-                                    <p:set>
-                                      <p:cBhvr>
-                                        <p:cTn id="10" dur="1" fill="hold">
-                                          <p:stCondLst>
-                                            <p:cond delay="0"/>
-                                          </p:stCondLst>
-                                        </p:cTn>
-                                        <p:tgtEl>
-                                          <p:spTgt spid="2">
-                                            <p:txEl>
-                                              <p:pRg st="2" end="2"/>
-                                            </p:txEl>
-                                          </p:spTgt>
-                                        </p:tgtEl>
-                                        <p:attrNameLst>
-                                          <p:attrName>style.visibility</p:attrName>
-                                        </p:attrNameLst>
-                                      </p:cBhvr>
-                                      <p:to>
-                                        <p:strVal val="visible"/>
-                                      </p:to>
-                                    </p:set>
-                                  </p:childTnLst>
-                                </p:cTn>
-                              </p:par>
-                            </p:childTnLst>
-                          </p:cTn>
-                        </p:par>
-                      </p:childTnLst>
-                    </p:cTn>
-                  </p:par>
-                  <p:par>
-                    <p:cTn id="11" fill="hold">
-                      <p:stCondLst>
-                        <p:cond delay="indefinite"/>
-                      </p:stCondLst>
-                      <p:childTnLst>
-                        <p:par>
-                          <p:cTn id="12" fill="hold">
-                            <p:stCondLst>
-                              <p:cond delay="0"/>
-                            </p:stCondLst>
-                            <p:childTnLst>
-                              <p:par>
-                                <p:cTn id="13" presetID="1" presetClass="entr" presetSubtype="0" fill="hold" grpId="0" nodeType="clickEffect">
-                                  <p:stCondLst>
-                                    <p:cond delay="0"/>
-                                  </p:stCondLst>
-                                  <p:childTnLst>
-                                    <p:set>
-                                      <p:cBhvr>
-                                        <p:cTn id="14" dur="1" fill="hold">
-                                          <p:stCondLst>
-                                            <p:cond delay="0"/>
-                                          </p:stCondLst>
-                                        </p:cTn>
-                                        <p:tgtEl>
-                                          <p:spTgt spid="2">
-                                            <p:txEl>
-                                              <p:pRg st="4" end="4"/>
-                                            </p:txEl>
-                                          </p:spTgt>
-                                        </p:tgtEl>
-                                        <p:attrNameLst>
-                                          <p:attrName>style.visibility</p:attrName>
-                                        </p:attrNameLst>
-                                      </p:cBhvr>
-                                      <p:to>
-                                        <p:strVal val="visible"/>
-                                      </p:to>
-                                    </p:set>
-                                  </p:childTnLst>
-                                </p:cTn>
-                              </p:par>
-                            </p:childTnLst>
-                          </p:cTn>
-                        </p:par>
-                      </p:childTnLst>
-                    </p:cTn>
-                  </p:par>
-                  <p:par>
-                    <p:cTn id="15" fill="hold">
-                      <p:stCondLst>
-                        <p:cond delay="indefinite"/>
-                      </p:stCondLst>
-                      <p:childTnLst>
-                        <p:par>
-                          <p:cTn id="16" fill="hold">
-                            <p:stCondLst>
-                              <p:cond delay="0"/>
-                            </p:stCondLst>
-                            <p:childTnLst>
-                              <p:par>
-                                <p:cTn id="17" presetID="1" presetClass="entr" presetSubtype="0" fill="hold" grpId="0" nodeType="clickEffect">
-                                  <p:stCondLst>
-                                    <p:cond delay="0"/>
-                                  </p:stCondLst>
-                                  <p:childTnLst>
-                                    <p:set>
-                                      <p:cBhvr>
-                                        <p:cTn id="18" dur="1" fill="hold">
-                                          <p:stCondLst>
-                                            <p:cond delay="0"/>
-                                          </p:stCondLst>
-                                        </p:cTn>
-                                        <p:tgtEl>
-                                          <p:spTgt spid="2">
-                                            <p:txEl>
-                                              <p:pRg st="6" end="6"/>
-                                            </p:txEl>
-                                          </p:spTgt>
-                                        </p:tgtEl>
-                                        <p:attrNameLst>
-                                          <p:attrName>style.visibility</p:attrName>
-                                        </p:attrNameLst>
-                                      </p:cBhvr>
-                                      <p:to>
-                                        <p:strVal val="visible"/>
-                                      </p:to>
-                                    </p:set>
-                                  </p:childTnLst>
-                                </p:cTn>
-                              </p:par>
-                            </p:childTnLst>
-                          </p:cTn>
-                        </p:par>
-                      </p:childTnLst>
-                    </p:cTn>
-                  </p:par>
-                </p:childTnLst>
-              </p:cTn>
-              <p:prevCondLst>
-                <p:cond evt="onPrev" delay="0">
-                  <p:tgtEl>
-                    <p:sldTgt/>
-                  </p:tgtEl>
-                </p:cond>
-              </p:prevCondLst>
-              <p:nextCondLst>
-                <p:cond evt="onNext" delay="0">
-                  <p:tgtEl>
-                    <p:sldTgt/>
-                  </p:tgtEl>
-                </p:cond>
-              </p:nextCondLst>
-            </p:seq>
-          </p:childTnLst>
-        </p:cTn>
-      </p:par>
-    </p:tnLst>
-    <p:bldLst>
-      <p:bldP spid="2" grpId="0" build="p"/>
-    </p:bldLst>
-  </p:timing>
-</p:sld>
-</file>
-
-<file path=ppt/slides/slide6.xml><?xml version="1.0" encoding="utf-8"?>
-<p:sld xmlns:a="http://schemas.openxmlformats.org/drawingml/2006/main" xmlns:r="http://schemas.openxmlformats.org/officeDocument/2006/relationships" xmlns:p="http://schemas.openxmlformats.org/presentationml/2006/main">
-  <p:cSld>
-    <p:spTree>
-      <p:nvGrpSpPr>
-        <p:cNvPr id="1" name=""/>
-        <p:cNvGrpSpPr/>
-        <p:nvPr/>
-      </p:nvGrpSpPr>
-      <p:grpSpPr>
-        <a:xfrm>
-          <a:off x="0" y="0"/>
-          <a:ext cx="0" cy="0"/>
-          <a:chOff x="0" y="0"/>
-          <a:chExt cx="0" cy="0"/>
-        </a:xfrm>
-      </p:grpSpPr>
-      <p:sp>
-        <p:nvSpPr>
-          <p:cNvPr id="7" name="Rectangle 6"/>
-          <p:cNvSpPr/>
-          <p:nvPr/>
-        </p:nvSpPr>
-        <p:spPr>
-          <a:xfrm>
-            <a:off x="642910" y="428604"/>
-            <a:ext cx="8001056" cy="5214974"/>
-          </a:xfrm>
-          <a:prstGeom prst="rect">
-            <a:avLst/>
-          </a:prstGeom>
-        </p:spPr>
-        <p:style>
-          <a:lnRef idx="2">
-            <a:schemeClr val="accent1">
-              <a:shade val="50000"/>
-            </a:schemeClr>
-          </a:lnRef>
-          <a:fillRef idx="1">
-            <a:schemeClr val="accent1"/>
-          </a:fillRef>
-          <a:effectRef idx="0">
-            <a:schemeClr val="accent1"/>
-          </a:effectRef>
-          <a:fontRef idx="minor">
-            <a:schemeClr val="lt1"/>
-          </a:fontRef>
-        </p:style>
-        <p:txBody>
-          <a:bodyPr rtlCol="0" anchor="ctr"/>
-          <a:lstStyle/>
-          <a:p>
-            <a:pPr algn="ctr"/>
-            <a:endParaRPr lang="nl-BE"/>
-          </a:p>
-        </p:txBody>
-      </p:sp>
-      <p:pic>
-        <p:nvPicPr>
-          <p:cNvPr id="1026" name="Picture 2"/>
-          <p:cNvPicPr>
-            <a:picLocks noChangeAspect="1" noChangeArrowheads="1"/>
-          </p:cNvPicPr>
-          <p:nvPr/>
-        </p:nvPicPr>
-        <p:blipFill>
-          <a:blip r:embed="rId2"/>
-          <a:srcRect/>
-          <a:stretch>
-            <a:fillRect/>
-          </a:stretch>
-        </p:blipFill>
-        <p:spPr bwMode="auto">
-          <a:xfrm>
-            <a:off x="642910" y="428604"/>
-            <a:ext cx="7929575" cy="5159510"/>
-          </a:xfrm>
-          <a:prstGeom prst="rect">
-            <a:avLst/>
-          </a:prstGeom>
-          <a:noFill/>
-          <a:ln w="9525">
-            <a:noFill/>
-            <a:miter lim="800000"/>
-            <a:headEnd/>
-            <a:tailEnd/>
-          </a:ln>
-          <a:effectLst/>
-        </p:spPr>
-      </p:pic>
-    </p:spTree>
-  </p:cSld>
-  <p:clrMapOvr>
-    <a:masterClrMapping/>
-  </p:clrMapOvr>
-  <p:timing>
-    <p:tnLst>
-      <p:par>
-        <p:cTn id="1" dur="indefinite" restart="never" nodeType="tmRoot"/>
-      </p:par>
-    </p:tnLst>
-  </p:timing>
-</p:sld>
-</file>
-
-<file path=ppt/slides/slide7.xml><?xml version="1.0" encoding="utf-8"?>
-<p:sld xmlns:a="http://schemas.openxmlformats.org/drawingml/2006/main" xmlns:r="http://schemas.openxmlformats.org/officeDocument/2006/relationships" xmlns:p="http://schemas.openxmlformats.org/presentationml/2006/main">
-  <p:cSld>
-    <p:spTree>
-      <p:nvGrpSpPr>
-        <p:cNvPr id="1" name=""/>
-        <p:cNvGrpSpPr/>
-        <p:nvPr/>
-      </p:nvGrpSpPr>
-      <p:grpSpPr>
-        <a:xfrm>
-          <a:off x="0" y="0"/>
-          <a:ext cx="0" cy="0"/>
-          <a:chOff x="0" y="0"/>
-          <a:chExt cx="0" cy="0"/>
-        </a:xfrm>
-      </p:grpSpPr>
-      <p:sp>
-        <p:nvSpPr>
-          <p:cNvPr id="7" name="Rectangle 6"/>
-          <p:cNvSpPr/>
-          <p:nvPr/>
-        </p:nvSpPr>
-        <p:spPr>
-          <a:xfrm>
-            <a:off x="571472" y="428604"/>
-            <a:ext cx="8072494" cy="5214974"/>
-          </a:xfrm>
-          <a:prstGeom prst="rect">
-            <a:avLst/>
-          </a:prstGeom>
-        </p:spPr>
-        <p:style>
-          <a:lnRef idx="2">
-            <a:schemeClr val="accent1">
-              <a:shade val="50000"/>
-            </a:schemeClr>
-          </a:lnRef>
-          <a:fillRef idx="1">
-            <a:schemeClr val="accent1"/>
-          </a:fillRef>
-          <a:effectRef idx="0">
-            <a:schemeClr val="accent1"/>
-          </a:effectRef>
-          <a:fontRef idx="minor">
-            <a:schemeClr val="lt1"/>
-          </a:fontRef>
-        </p:style>
-        <p:txBody>
-          <a:bodyPr rtlCol="0" anchor="ctr"/>
-          <a:lstStyle/>
-          <a:p>
-            <a:pPr algn="ctr"/>
-            <a:endParaRPr lang="nl-BE"/>
-          </a:p>
-        </p:txBody>
-      </p:sp>
-      <p:pic>
-        <p:nvPicPr>
-          <p:cNvPr id="2050" name="Picture 2"/>
-          <p:cNvPicPr>
-            <a:picLocks noChangeAspect="1" noChangeArrowheads="1"/>
-          </p:cNvPicPr>
-          <p:nvPr/>
-        </p:nvPicPr>
-        <p:blipFill>
-          <a:blip r:embed="rId2"/>
-          <a:srcRect/>
-          <a:stretch>
-            <a:fillRect/>
-          </a:stretch>
-        </p:blipFill>
-        <p:spPr bwMode="auto">
-          <a:xfrm>
-            <a:off x="571472" y="428604"/>
-            <a:ext cx="8001056" cy="5150187"/>
-          </a:xfrm>
-          <a:prstGeom prst="rect">
-            <a:avLst/>
-          </a:prstGeom>
-          <a:noFill/>
-          <a:ln w="9525">
-            <a:noFill/>
-            <a:miter lim="800000"/>
-            <a:headEnd/>
-            <a:tailEnd/>
-          </a:ln>
-          <a:effectLst/>
-        </p:spPr>
-      </p:pic>
-    </p:spTree>
-  </p:cSld>
-  <p:clrMapOvr>
-    <a:masterClrMapping/>
-  </p:clrMapOvr>
-  <p:timing>
-    <p:tnLst>
-      <p:par>
-        <p:cTn id="1" dur="indefinite" restart="never" nodeType="tmRoot"/>
-      </p:par>
-    </p:tnLst>
-  </p:timing>
-</p:sld>
-</file>
-
-<file path=ppt/slides/slide8.xml><?xml version="1.0" encoding="utf-8"?>
-<p:sld xmlns:a="http://schemas.openxmlformats.org/drawingml/2006/main" xmlns:r="http://schemas.openxmlformats.org/officeDocument/2006/relationships" xmlns:p="http://schemas.openxmlformats.org/presentationml/2006/main">
-  <p:cSld>
-    <p:spTree>
-      <p:nvGrpSpPr>
-        <p:cNvPr id="1" name=""/>
-        <p:cNvGrpSpPr/>
-        <p:nvPr/>
-      </p:nvGrpSpPr>
-      <p:grpSpPr>
-        <a:xfrm>
-          <a:off x="0" y="0"/>
-          <a:ext cx="0" cy="0"/>
-          <a:chOff x="0" y="0"/>
-          <a:chExt cx="0" cy="0"/>
-        </a:xfrm>
-      </p:grpSpPr>
-      <p:sp>
-        <p:nvSpPr>
-          <p:cNvPr id="3" name="Title 2"/>
-          <p:cNvSpPr>
-            <a:spLocks noGrp="1"/>
-          </p:cNvSpPr>
-          <p:nvPr>
-            <p:ph type="title"/>
-          </p:nvPr>
-        </p:nvSpPr>
-        <p:spPr/>
-        <p:txBody>
-          <a:bodyPr>
-            <a:normAutofit/>
-          </a:bodyPr>
-          <a:lstStyle/>
-          <a:p>
-            <a:r>
-              <a:rPr lang="nl-BE" dirty="0" smtClean="0"/>
-              <a:t>Manage Users &amp; Credits</a:t>
-            </a:r>
-            <a:endParaRPr lang="nl-BE" dirty="0"/>
-          </a:p>
-        </p:txBody>
-      </p:sp>
-      <p:pic>
-        <p:nvPicPr>
-          <p:cNvPr id="1027" name="Picture 3"/>
-          <p:cNvPicPr>
-            <a:picLocks noChangeAspect="1" noChangeArrowheads="1"/>
-          </p:cNvPicPr>
-          <p:nvPr/>
-        </p:nvPicPr>
-        <p:blipFill>
-          <a:blip r:embed="rId3"/>
-          <a:srcRect/>
-          <a:stretch>
-            <a:fillRect/>
-          </a:stretch>
-        </p:blipFill>
-        <p:spPr bwMode="auto">
-          <a:xfrm>
-            <a:off x="142844" y="1285860"/>
-            <a:ext cx="3781425" cy="3571875"/>
-          </a:xfrm>
-          <a:prstGeom prst="rect">
-            <a:avLst/>
-          </a:prstGeom>
-          <a:noFill/>
-          <a:ln w="9525">
-            <a:noFill/>
-            <a:miter lim="800000"/>
-            <a:headEnd/>
-            <a:tailEnd/>
-          </a:ln>
-          <a:effectLst/>
-        </p:spPr>
-      </p:pic>
-      <p:sp>
-        <p:nvSpPr>
-          <p:cNvPr id="8" name="Right Arrow 7"/>
-          <p:cNvSpPr/>
-          <p:nvPr/>
-        </p:nvSpPr>
-        <p:spPr>
-          <a:xfrm rot="2643152">
-            <a:off x="4138333" y="2315835"/>
-            <a:ext cx="785818" cy="714380"/>
-          </a:xfrm>
-          <a:prstGeom prst="rightArrow">
-            <a:avLst/>
-          </a:prstGeom>
-        </p:spPr>
-        <p:style>
-          <a:lnRef idx="2">
-            <a:schemeClr val="accent1">
-              <a:shade val="50000"/>
-            </a:schemeClr>
-          </a:lnRef>
-          <a:fillRef idx="1">
-            <a:schemeClr val="accent1"/>
-          </a:fillRef>
-          <a:effectRef idx="0">
-            <a:schemeClr val="accent1"/>
-          </a:effectRef>
-          <a:fontRef idx="minor">
-            <a:schemeClr val="lt1"/>
-          </a:fontRef>
-        </p:style>
-        <p:txBody>
-          <a:bodyPr rtlCol="0" anchor="ctr"/>
-          <a:lstStyle/>
-          <a:p>
-            <a:pPr algn="ctr"/>
-            <a:endParaRPr lang="nl-BE"/>
-          </a:p>
-        </p:txBody>
-      </p:sp>
-      <p:pic>
-        <p:nvPicPr>
-          <p:cNvPr id="1029" name="Picture 5"/>
-          <p:cNvPicPr>
-            <a:picLocks noChangeAspect="1" noChangeArrowheads="1"/>
-          </p:cNvPicPr>
-          <p:nvPr/>
-        </p:nvPicPr>
-        <p:blipFill>
-          <a:blip r:embed="rId4"/>
-          <a:srcRect/>
-          <a:stretch>
-            <a:fillRect/>
-          </a:stretch>
-        </p:blipFill>
-        <p:spPr bwMode="auto">
-          <a:xfrm>
-            <a:off x="4143372" y="3143248"/>
-            <a:ext cx="4838700" cy="3543300"/>
-          </a:xfrm>
-          <a:prstGeom prst="rect">
-            <a:avLst/>
-          </a:prstGeom>
-          <a:noFill/>
-          <a:ln w="9525">
-            <a:noFill/>
-            <a:miter lim="800000"/>
-            <a:headEnd/>
-            <a:tailEnd/>
-          </a:ln>
-          <a:effectLst/>
-        </p:spPr>
-      </p:pic>
-    </p:spTree>
-  </p:cSld>
-  <p:clrMapOvr>
-    <a:masterClrMapping/>
-  </p:clrMapOvr>
-  <p:timing>
-    <p:tnLst>
-      <p:par>
-        <p:cTn id="1" dur="indefinite" restart="never" nodeType="tmRoot">
-          <p:childTnLst>
-            <p:seq concurrent="1" nextAc="seek">
-              <p:cTn id="2" dur="indefinite" nodeType="mainSeq">
-                <p:childTnLst>
-                  <p:par>
-                    <p:cTn id="3" fill="hold">
-                      <p:stCondLst>
-                        <p:cond delay="indefinite"/>
-                      </p:stCondLst>
-                      <p:childTnLst>
-                        <p:par>
-                          <p:cTn id="4" fill="hold">
-                            <p:stCondLst>
-                              <p:cond delay="0"/>
-                            </p:stCondLst>
-                            <p:childTnLst>
-                              <p:par>
-                                <p:cTn id="5" presetID="1" presetClass="entr" presetSubtype="0" fill="hold" nodeType="clickEffect">
-                                  <p:stCondLst>
-                                    <p:cond delay="0"/>
-                                  </p:stCondLst>
-                                  <p:childTnLst>
-                                    <p:set>
-                                      <p:cBhvr>
-                                        <p:cTn id="6" dur="1" fill="hold">
-                                          <p:stCondLst>
-                                            <p:cond delay="0"/>
-                                          </p:stCondLst>
-                                        </p:cTn>
-                                        <p:tgtEl>
-                                          <p:spTgt spid="1027"/>
-                                        </p:tgtEl>
-                                        <p:attrNameLst>
-                                          <p:attrName>style.visibility</p:attrName>
-                                        </p:attrNameLst>
-                                      </p:cBhvr>
-                                      <p:to>
-                                        <p:strVal val="visible"/>
-                                      </p:to>
-                                    </p:set>
-                                  </p:childTnLst>
-                                </p:cTn>
-                              </p:par>
-                            </p:childTnLst>
-                          </p:cTn>
-                        </p:par>
-                      </p:childTnLst>
-                    </p:cTn>
-                  </p:par>
-                  <p:par>
-                    <p:cTn id="7" fill="hold">
-                      <p:stCondLst>
-                        <p:cond delay="indefinite"/>
-                      </p:stCondLst>
-                      <p:childTnLst>
-                        <p:par>
-                          <p:cTn id="8" fill="hold">
-                            <p:stCondLst>
-                              <p:cond delay="0"/>
-                            </p:stCondLst>
-                            <p:childTnLst>
-                              <p:par>
-                                <p:cTn id="9" presetID="1" presetClass="entr" presetSubtype="0" fill="hold" grpId="0" nodeType="clickEffect">
-                                  <p:stCondLst>
-                                    <p:cond delay="0"/>
-                                  </p:stCondLst>
-                                  <p:childTnLst>
-                                    <p:set>
-                                      <p:cBhvr>
-                                        <p:cTn id="10" dur="1" fill="hold">
-                                          <p:stCondLst>
-                                            <p:cond delay="0"/>
-                                          </p:stCondLst>
-                                        </p:cTn>
-                                        <p:tgtEl>
-                                          <p:spTgt spid="8"/>
-                                        </p:tgtEl>
-                                        <p:attrNameLst>
-                                          <p:attrName>style.visibility</p:attrName>
-                                        </p:attrNameLst>
-                                      </p:cBhvr>
-                                      <p:to>
-                                        <p:strVal val="visible"/>
-                                      </p:to>
-                                    </p:set>
-                                  </p:childTnLst>
-                                </p:cTn>
-                              </p:par>
-                            </p:childTnLst>
-                          </p:cTn>
-                        </p:par>
-                      </p:childTnLst>
-                    </p:cTn>
-                  </p:par>
-                  <p:par>
-                    <p:cTn id="11" fill="hold">
-                      <p:stCondLst>
-                        <p:cond delay="indefinite"/>
-                      </p:stCondLst>
-                      <p:childTnLst>
-                        <p:par>
-                          <p:cTn id="12" fill="hold">
-                            <p:stCondLst>
-                              <p:cond delay="0"/>
-                            </p:stCondLst>
-                            <p:childTnLst>
-                              <p:par>
-                                <p:cTn id="13" presetID="1" presetClass="entr" presetSubtype="0" fill="hold" nodeType="clickEffect">
-                                  <p:stCondLst>
-                                    <p:cond delay="0"/>
-                                  </p:stCondLst>
-                                  <p:childTnLst>
-                                    <p:set>
-                                      <p:cBhvr>
-                                        <p:cTn id="14" dur="1" fill="hold">
-                                          <p:stCondLst>
-                                            <p:cond delay="0"/>
-                                          </p:stCondLst>
-                                        </p:cTn>
-                                        <p:tgtEl>
-                                          <p:spTgt spid="1029"/>
-                                        </p:tgtEl>
-                                        <p:attrNameLst>
-                                          <p:attrName>style.visibility</p:attrName>
-                                        </p:attrNameLst>
-                                      </p:cBhvr>
-                                      <p:to>
-                                        <p:strVal val="visible"/>
-                                      </p:to>
-                                    </p:set>
-                                  </p:childTnLst>
-                                </p:cTn>
-                              </p:par>
-                            </p:childTnLst>
-                          </p:cTn>
-                        </p:par>
-                      </p:childTnLst>
-                    </p:cTn>
-                  </p:par>
-                </p:childTnLst>
-              </p:cTn>
-              <p:prevCondLst>
-                <p:cond evt="onPrev" delay="0">
-                  <p:tgtEl>
-                    <p:sldTgt/>
-                  </p:tgtEl>
-                </p:cond>
-              </p:prevCondLst>
-              <p:nextCondLst>
-                <p:cond evt="onNext" delay="0">
-                  <p:tgtEl>
-                    <p:sldTgt/>
-                  </p:tgtEl>
-                </p:cond>
-              </p:nextCondLst>
-            </p:seq>
-          </p:childTnLst>
-        </p:cTn>
-      </p:par>
-    </p:tnLst>
-    <p:bldLst>
-      <p:bldP spid="8" grpId="0" animBg="1"/>
-    </p:bldLst>
-  </p:timing>
-</p:sld>
-</file>
-
-<file path=ppt/slides/slide9.xml><?xml version="1.0" encoding="utf-8"?>
-<p:sld xmlns:a="http://schemas.openxmlformats.org/drawingml/2006/main" xmlns:r="http://schemas.openxmlformats.org/officeDocument/2006/relationships" xmlns:p="http://schemas.openxmlformats.org/presentationml/2006/main">
-  <p:cSld>
-    <p:spTree>
-      <p:nvGrpSpPr>
-        <p:cNvPr id="1" name=""/>
-        <p:cNvGrpSpPr/>
-        <p:nvPr/>
-      </p:nvGrpSpPr>
-      <p:grpSpPr>
-        <a:xfrm>
-          <a:off x="0" y="0"/>
-          <a:ext cx="0" cy="0"/>
-          <a:chOff x="0" y="0"/>
-          <a:chExt cx="0" cy="0"/>
-        </a:xfrm>
-      </p:grpSpPr>
-      <p:sp>
-        <p:nvSpPr>
-          <p:cNvPr id="3" name="Title 2"/>
-          <p:cNvSpPr>
-            <a:spLocks noGrp="1"/>
-          </p:cNvSpPr>
-          <p:nvPr>
-            <p:ph type="title"/>
-          </p:nvPr>
-        </p:nvSpPr>
-        <p:spPr/>
-        <p:txBody>
-          <a:bodyPr>
-            <a:normAutofit/>
-          </a:bodyPr>
-          <a:lstStyle/>
-          <a:p>
-            <a:r>
-              <a:rPr lang="nl-BE" dirty="0" smtClean="0"/>
-              <a:t>Order a snack &amp; show orders</a:t>
-            </a:r>
-            <a:endParaRPr lang="nl-BE" dirty="0"/>
-          </a:p>
-        </p:txBody>
-      </p:sp>
-      <p:pic>
-        <p:nvPicPr>
-          <p:cNvPr id="2051" name="Picture 3"/>
-          <p:cNvPicPr>
-            <a:picLocks noChangeAspect="1" noChangeArrowheads="1"/>
-          </p:cNvPicPr>
-          <p:nvPr/>
-        </p:nvPicPr>
-        <p:blipFill>
-          <a:blip r:embed="rId3"/>
-          <a:srcRect/>
-          <a:stretch>
-            <a:fillRect/>
-          </a:stretch>
-        </p:blipFill>
-        <p:spPr bwMode="auto">
-          <a:xfrm>
-            <a:off x="357158" y="1285860"/>
-            <a:ext cx="3600450" cy="4238625"/>
-          </a:xfrm>
-          <a:prstGeom prst="rect">
-            <a:avLst/>
-          </a:prstGeom>
-          <a:noFill/>
-          <a:ln w="9525">
-            <a:noFill/>
-            <a:miter lim="800000"/>
-            <a:headEnd/>
-            <a:tailEnd/>
-          </a:ln>
-          <a:effectLst/>
-        </p:spPr>
-      </p:pic>
-      <p:pic>
-        <p:nvPicPr>
-          <p:cNvPr id="2052" name="Picture 4"/>
-          <p:cNvPicPr>
-            <a:picLocks noChangeAspect="1" noChangeArrowheads="1"/>
-          </p:cNvPicPr>
-          <p:nvPr/>
-        </p:nvPicPr>
-        <p:blipFill>
-          <a:blip r:embed="rId4"/>
-          <a:srcRect/>
-          <a:stretch>
-            <a:fillRect/>
-          </a:stretch>
-        </p:blipFill>
-        <p:spPr bwMode="auto">
-          <a:xfrm>
-            <a:off x="5148292" y="3143248"/>
-            <a:ext cx="3638550" cy="3419475"/>
-          </a:xfrm>
-          <a:prstGeom prst="rect">
-            <a:avLst/>
-          </a:prstGeom>
-          <a:noFill/>
-          <a:ln w="9525">
-            <a:noFill/>
-            <a:miter lim="800000"/>
-            <a:headEnd/>
-            <a:tailEnd/>
-          </a:ln>
-          <a:effectLst/>
-        </p:spPr>
-      </p:pic>
-      <p:sp>
-        <p:nvSpPr>
-          <p:cNvPr id="9" name="Right Arrow 8"/>
-          <p:cNvSpPr/>
-          <p:nvPr/>
-        </p:nvSpPr>
-        <p:spPr>
-          <a:xfrm rot="2643152">
-            <a:off x="4281208" y="2887339"/>
-            <a:ext cx="785818" cy="714380"/>
-          </a:xfrm>
-          <a:prstGeom prst="rightArrow">
-            <a:avLst/>
-          </a:prstGeom>
-        </p:spPr>
-        <p:style>
-          <a:lnRef idx="2">
-            <a:schemeClr val="accent1">
-              <a:shade val="50000"/>
-            </a:schemeClr>
-          </a:lnRef>
-          <a:fillRef idx="1">
-            <a:schemeClr val="accent1"/>
-          </a:fillRef>
-          <a:effectRef idx="0">
-            <a:schemeClr val="accent1"/>
-          </a:effectRef>
-          <a:fontRef idx="minor">
-            <a:schemeClr val="lt1"/>
-          </a:fontRef>
-        </p:style>
-        <p:txBody>
-          <a:bodyPr rtlCol="0" anchor="ctr"/>
-          <a:lstStyle/>
-          <a:p>
-            <a:pPr algn="ctr"/>
-            <a:endParaRPr lang="nl-BE"/>
-          </a:p>
-        </p:txBody>
-      </p:sp>
-    </p:spTree>
-  </p:cSld>
-  <p:clrMapOvr>
-    <a:masterClrMapping/>
-  </p:clrMapOvr>
-  <p:timing>
-    <p:tnLst>
-      <p:par>
-        <p:cTn id="1" dur="indefinite" restart="never" nodeType="tmRoot">
-          <p:childTnLst>
-            <p:seq concurrent="1" nextAc="seek">
-              <p:cTn id="2" dur="indefinite" nodeType="mainSeq">
-                <p:childTnLst>
-                  <p:par>
-                    <p:cTn id="3" fill="hold">
-                      <p:stCondLst>
-                        <p:cond delay="indefinite"/>
-                      </p:stCondLst>
-                      <p:childTnLst>
-                        <p:par>
-                          <p:cTn id="4" fill="hold">
-                            <p:stCondLst>
-                              <p:cond delay="0"/>
-                            </p:stCondLst>
-                            <p:childTnLst>
-                              <p:par>
-                                <p:cTn id="5" presetID="1" presetClass="entr" presetSubtype="0" fill="hold" nodeType="clickEffect">
-                                  <p:stCondLst>
-                                    <p:cond delay="0"/>
-                                  </p:stCondLst>
-                                  <p:childTnLst>
-                                    <p:set>
-                                      <p:cBhvr>
-                                        <p:cTn id="6" dur="1" fill="hold">
-                                          <p:stCondLst>
-                                            <p:cond delay="0"/>
-                                          </p:stCondLst>
-                                        </p:cTn>
-                                        <p:tgtEl>
-                                          <p:spTgt spid="2051"/>
-                                        </p:tgtEl>
-                                        <p:attrNameLst>
-                                          <p:attrName>style.visibility</p:attrName>
-                                        </p:attrNameLst>
-                                      </p:cBhvr>
-                                      <p:to>
-                                        <p:strVal val="visible"/>
-                                      </p:to>
-                                    </p:set>
-                                  </p:childTnLst>
-                                </p:cTn>
-                              </p:par>
-                            </p:childTnLst>
-                          </p:cTn>
-                        </p:par>
-                      </p:childTnLst>
-                    </p:cTn>
-                  </p:par>
-                  <p:par>
-                    <p:cTn id="7" fill="hold">
-                      <p:stCondLst>
-                        <p:cond delay="indefinite"/>
-                      </p:stCondLst>
-                      <p:childTnLst>
-                        <p:par>
-                          <p:cTn id="8" fill="hold">
-                            <p:stCondLst>
-                              <p:cond delay="0"/>
-                            </p:stCondLst>
-                            <p:childTnLst>
-                              <p:par>
-                                <p:cTn id="9" presetID="1" presetClass="entr" presetSubtype="0" fill="hold" grpId="0" nodeType="clickEffect">
-                                  <p:stCondLst>
-                                    <p:cond delay="0"/>
-                                  </p:stCondLst>
-                                  <p:childTnLst>
-                                    <p:set>
-                                      <p:cBhvr>
-                                        <p:cTn id="10" dur="1" fill="hold">
-                                          <p:stCondLst>
-                                            <p:cond delay="0"/>
-                                          </p:stCondLst>
-                                        </p:cTn>
-                                        <p:tgtEl>
-                                          <p:spTgt spid="9"/>
-                                        </p:tgtEl>
-                                        <p:attrNameLst>
-                                          <p:attrName>style.visibility</p:attrName>
-                                        </p:attrNameLst>
-                                      </p:cBhvr>
-                                      <p:to>
-                                        <p:strVal val="visible"/>
-                                      </p:to>
-                                    </p:set>
-                                  </p:childTnLst>
-                                </p:cTn>
-                              </p:par>
-                            </p:childTnLst>
-                          </p:cTn>
-                        </p:par>
-                      </p:childTnLst>
-                    </p:cTn>
-                  </p:par>
-                  <p:par>
-                    <p:cTn id="11" fill="hold">
-                      <p:stCondLst>
-                        <p:cond delay="indefinite"/>
-                      </p:stCondLst>
-                      <p:childTnLst>
-                        <p:par>
-                          <p:cTn id="12" fill="hold">
-                            <p:stCondLst>
-                              <p:cond delay="0"/>
-                            </p:stCondLst>
-                            <p:childTnLst>
-                              <p:par>
-                                <p:cTn id="13" presetID="1" presetClass="entr" presetSubtype="0" fill="hold" nodeType="clickEffect">
-                                  <p:stCondLst>
-                                    <p:cond delay="0"/>
-                                  </p:stCondLst>
-                                  <p:childTnLst>
-                                    <p:set>
-                                      <p:cBhvr>
-                                        <p:cTn id="14" dur="1" fill="hold">
-                                          <p:stCondLst>
-                                            <p:cond delay="0"/>
-                                          </p:stCondLst>
-                                        </p:cTn>
-                                        <p:tgtEl>
-                                          <p:spTgt spid="2052"/>
-                                        </p:tgtEl>
-                                        <p:attrNameLst>
-                                          <p:attrName>style.visibility</p:attrName>
-                                        </p:attrNameLst>
-                                      </p:cBhvr>
-                                      <p:to>
-                                        <p:strVal val="visible"/>
-                                      </p:to>
-                                    </p:set>
-                                  </p:childTnLst>
-                                </p:cTn>
-                              </p:par>
-                            </p:childTnLst>
-                          </p:cTn>
-                        </p:par>
-                      </p:childTnLst>
-                    </p:cTn>
-                  </p:par>
-                </p:childTnLst>
-              </p:cTn>
-              <p:prevCondLst>
-                <p:cond evt="onPrev" delay="0">
-                  <p:tgtEl>
-                    <p:sldTgt/>
-                  </p:tgtEl>
-                </p:cond>
-              </p:prevCondLst>
-              <p:nextCondLst>
-                <p:cond evt="onNext" delay="0">
-                  <p:tgtEl>
-                    <p:sldTgt/>
-                  </p:tgtEl>
-                </p:cond>
-              </p:nextCondLst>
-            </p:seq>
-          </p:childTnLst>
-        </p:cTn>
-      </p:par>
-    </p:tnLst>
-    <p:bldLst>
-      <p:bldP spid="9" grpId="0" animBg="1"/>
     </p:bldLst>
   </p:timing>
 </p:sld>

--- a/Slides/20090514_iLearn_AgileAcceptanceTesting.pptx
+++ b/Slides/20090514_iLearn_AgileAcceptanceTesting.pptx
@@ -5,7 +5,7 @@
     <p:sldMasterId id="2147483732" r:id="rId1"/>
   </p:sldMasterIdLst>
   <p:notesMasterIdLst>
-    <p:notesMasterId r:id="rId25"/>
+    <p:notesMasterId r:id="rId27"/>
   </p:notesMasterIdLst>
   <p:sldIdLst>
     <p:sldId id="256" r:id="rId2"/>
@@ -23,14 +23,16 @@
     <p:sldId id="275" r:id="rId14"/>
     <p:sldId id="279" r:id="rId15"/>
     <p:sldId id="280" r:id="rId16"/>
-    <p:sldId id="278" r:id="rId17"/>
-    <p:sldId id="284" r:id="rId18"/>
-    <p:sldId id="268" r:id="rId19"/>
-    <p:sldId id="269" r:id="rId20"/>
-    <p:sldId id="270" r:id="rId21"/>
-    <p:sldId id="271" r:id="rId22"/>
-    <p:sldId id="264" r:id="rId23"/>
-    <p:sldId id="285" r:id="rId24"/>
+    <p:sldId id="286" r:id="rId17"/>
+    <p:sldId id="287" r:id="rId18"/>
+    <p:sldId id="278" r:id="rId19"/>
+    <p:sldId id="268" r:id="rId20"/>
+    <p:sldId id="288" r:id="rId21"/>
+    <p:sldId id="269" r:id="rId22"/>
+    <p:sldId id="270" r:id="rId23"/>
+    <p:sldId id="271" r:id="rId24"/>
+    <p:sldId id="264" r:id="rId25"/>
+    <p:sldId id="285" r:id="rId26"/>
   </p:sldIdLst>
   <p:sldSz cx="9144000" cy="6858000" type="screen4x3"/>
   <p:notesSz cx="6858000" cy="9144000"/>
@@ -215,7 +217,7 @@
             <a:fld id="{08F0785E-033A-43CD-AF7D-1A09C6890A39}" type="datetimeFigureOut">
               <a:rPr lang="nl-BE" smtClean="0"/>
               <a:pPr/>
-              <a:t>01/05/2009</a:t>
+              <a:t>05/05/2009</a:t>
             </a:fld>
             <a:endParaRPr lang="nl-BE"/>
           </a:p>
@@ -615,19 +617,103 @@
           <a:p>
             <a:r>
               <a:rPr lang="nl-BE" dirty="0" smtClean="0"/>
-              <a:t>Automated</a:t>
+              <a:t>Screenshot van elke soort Fixture (gradueel opgebouwd): </a:t>
+            </a:r>
+          </a:p>
+          <a:p>
+            <a:pPr>
+              <a:buFontTx/>
+              <a:buChar char="-"/>
+            </a:pPr>
+            <a:r>
+              <a:rPr lang="nl-BE" dirty="0" smtClean="0"/>
+              <a:t>ColumnFixture</a:t>
             </a:r>
             <a:r>
               <a:rPr lang="nl-BE" baseline="0" dirty="0" smtClean="0"/>
-              <a:t> Build (vroeger-&gt; op einde iteratie)</a:t>
-            </a:r>
-          </a:p>
-          <a:p>
+              <a:t> -&gt; Class -&gt; Code</a:t>
+            </a:r>
+          </a:p>
+          <a:p>
+            <a:pPr lvl="1">
+              <a:buFontTx/>
+              <a:buChar char="-"/>
+            </a:pPr>
             <a:r>
               <a:rPr lang="nl-BE" baseline="0" dirty="0" smtClean="0"/>
-              <a:t>CI Environment (evt te schrappen)</a:t>
-            </a:r>
-            <a:endParaRPr lang="nl-BE" dirty="0"/>
+              <a:t>Column -&gt; Property</a:t>
+            </a:r>
+          </a:p>
+          <a:p>
+            <a:pPr lvl="1">
+              <a:buFontTx/>
+              <a:buChar char="-"/>
+            </a:pPr>
+            <a:r>
+              <a:rPr lang="nl-BE" baseline="0" dirty="0" smtClean="0"/>
+              <a:t>Row or ? -&gt; Execute</a:t>
+            </a:r>
+          </a:p>
+          <a:p>
+            <a:pPr lvl="0">
+              <a:buFontTx/>
+              <a:buChar char="-"/>
+            </a:pPr>
+            <a:r>
+              <a:rPr lang="nl-BE" baseline="0" dirty="0" smtClean="0"/>
+              <a:t>RowFixture -&gt; Class</a:t>
+            </a:r>
+          </a:p>
+          <a:p>
+            <a:pPr lvl="1">
+              <a:buFontTx/>
+              <a:buChar char="-"/>
+            </a:pPr>
+            <a:r>
+              <a:rPr lang="nl-BE" baseline="0" dirty="0" smtClean="0"/>
+              <a:t>GetType -&gt; return type</a:t>
+            </a:r>
+          </a:p>
+          <a:p>
+            <a:pPr lvl="1">
+              <a:buFontTx/>
+              <a:buChar char="-"/>
+            </a:pPr>
+            <a:r>
+              <a:rPr lang="nl-BE" baseline="0" dirty="0" smtClean="0"/>
+              <a:t>Query -&gt; result</a:t>
+            </a:r>
+          </a:p>
+          <a:p>
+            <a:pPr lvl="0">
+              <a:buFontTx/>
+              <a:buChar char="-"/>
+            </a:pPr>
+            <a:r>
+              <a:rPr lang="nl-BE" baseline="0" dirty="0" smtClean="0"/>
+              <a:t>Copy current batch()</a:t>
+            </a:r>
+          </a:p>
+          <a:p>
+            <a:pPr lvl="1">
+              <a:buFontTx/>
+              <a:buChar char="-"/>
+            </a:pPr>
+            <a:endParaRPr lang="nl-BE" baseline="0" dirty="0" smtClean="0"/>
+          </a:p>
+          <a:p>
+            <a:pPr>
+              <a:buFontTx/>
+              <a:buChar char="-"/>
+            </a:pPr>
+            <a:endParaRPr lang="nl-BE" baseline="0" dirty="0" smtClean="0"/>
+          </a:p>
+          <a:p>
+            <a:pPr>
+              <a:buFontTx/>
+              <a:buChar char="-"/>
+            </a:pPr>
+            <a:endParaRPr lang="nl-BE" dirty="0" smtClean="0"/>
           </a:p>
         </p:txBody>
       </p:sp>
@@ -709,48 +795,91 @@
           </a:bodyPr>
           <a:lstStyle/>
           <a:p>
+            <a:r>
+              <a:rPr lang="nl-BE" dirty="0" smtClean="0"/>
+              <a:t>Screenshot van elke soort Fixture (gradueel opgebouwd): </a:t>
+            </a:r>
+          </a:p>
+          <a:p>
             <a:pPr>
               <a:buFontTx/>
               <a:buChar char="-"/>
             </a:pPr>
             <a:r>
               <a:rPr lang="nl-BE" dirty="0" smtClean="0"/>
-              <a:t>Rode</a:t>
+              <a:t>ColumnFixture</a:t>
             </a:r>
             <a:r>
               <a:rPr lang="nl-BE" baseline="0" dirty="0" smtClean="0"/>
-              <a:t> testen toevoegen aan groenen</a:t>
-            </a:r>
-          </a:p>
-          <a:p>
-            <a:pPr>
+              <a:t> -&gt; Class -&gt; Code</a:t>
+            </a:r>
+          </a:p>
+          <a:p>
+            <a:pPr lvl="1">
               <a:buFontTx/>
               <a:buChar char="-"/>
             </a:pPr>
             <a:r>
               <a:rPr lang="nl-BE" baseline="0" dirty="0" smtClean="0"/>
-              <a:t>Groenen zijn geaccepteerd – alarm! Awereness!</a:t>
-            </a:r>
-          </a:p>
-          <a:p>
-            <a:pPr>
+              <a:t>Column -&gt; Property</a:t>
+            </a:r>
+          </a:p>
+          <a:p>
+            <a:pPr lvl="1">
               <a:buFontTx/>
               <a:buChar char="-"/>
             </a:pPr>
             <a:r>
               <a:rPr lang="nl-BE" baseline="0" dirty="0" smtClean="0"/>
-              <a:t>Build should fail by regression tests, not by Work In Progress.</a:t>
-            </a:r>
-          </a:p>
-          <a:p>
-            <a:pPr>
+              <a:t>Row or ? -&gt; Execute</a:t>
+            </a:r>
+          </a:p>
+          <a:p>
+            <a:pPr lvl="0">
               <a:buFontTx/>
               <a:buChar char="-"/>
             </a:pPr>
             <a:r>
               <a:rPr lang="nl-BE" baseline="0" dirty="0" smtClean="0"/>
-              <a:t>Should we demo build integration? Ask the audience</a:t>
-            </a:r>
+              <a:t>RowFixture -&gt; Class</a:t>
+            </a:r>
+          </a:p>
+          <a:p>
+            <a:pPr lvl="1">
+              <a:buFontTx/>
+              <a:buChar char="-"/>
+            </a:pPr>
+            <a:r>
+              <a:rPr lang="nl-BE" baseline="0" dirty="0" smtClean="0"/>
+              <a:t>GetType -&gt; return type</a:t>
+            </a:r>
+          </a:p>
+          <a:p>
+            <a:pPr lvl="1">
+              <a:buFontTx/>
+              <a:buChar char="-"/>
+            </a:pPr>
+            <a:r>
+              <a:rPr lang="nl-BE" baseline="0" dirty="0" smtClean="0"/>
+              <a:t>Query -&gt; result</a:t>
+            </a:r>
+          </a:p>
+          <a:p>
+            <a:pPr lvl="0">
+              <a:buFontTx/>
+              <a:buChar char="-"/>
+            </a:pPr>
+            <a:r>
+              <a:rPr lang="nl-BE" baseline="0" dirty="0" smtClean="0"/>
+              <a:t>Copy current batch()</a:t>
+            </a:r>
+          </a:p>
+          <a:p>
+            <a:pPr lvl="1">
+              <a:buFontTx/>
+              <a:buChar char="-"/>
+            </a:pPr>
+            <a:endParaRPr lang="nl-BE" baseline="0" dirty="0" smtClean="0"/>
           </a:p>
           <a:p>
             <a:pPr>
@@ -764,7 +893,7 @@
               <a:buFontTx/>
               <a:buChar char="-"/>
             </a:pPr>
-            <a:endParaRPr lang="nl-BE" baseline="0" dirty="0" smtClean="0"/>
+            <a:endParaRPr lang="nl-BE" dirty="0" smtClean="0"/>
           </a:p>
         </p:txBody>
       </p:sp>
@@ -846,6 +975,20 @@
           </a:bodyPr>
           <a:lstStyle/>
           <a:p>
+            <a:r>
+              <a:rPr lang="nl-BE" dirty="0" smtClean="0"/>
+              <a:t>Automated</a:t>
+            </a:r>
+            <a:r>
+              <a:rPr lang="nl-BE" baseline="0" dirty="0" smtClean="0"/>
+              <a:t> Build (vroeger-&gt; op einde iteratie)</a:t>
+            </a:r>
+          </a:p>
+          <a:p>
+            <a:r>
+              <a:rPr lang="nl-BE" baseline="0" dirty="0" smtClean="0"/>
+              <a:t>CI Environment (evt te schrappen)</a:t>
+            </a:r>
             <a:endParaRPr lang="nl-BE" dirty="0"/>
           </a:p>
         </p:txBody>
@@ -928,7 +1071,49 @@
           </a:bodyPr>
           <a:lstStyle/>
           <a:p>
-            <a:endParaRPr lang="nl-BE" dirty="0"/>
+            <a:pPr>
+              <a:buFontTx/>
+              <a:buChar char="-"/>
+            </a:pPr>
+            <a:r>
+              <a:rPr lang="nl-BE" dirty="0" smtClean="0"/>
+              <a:t>Rode</a:t>
+            </a:r>
+            <a:r>
+              <a:rPr lang="nl-BE" baseline="0" dirty="0" smtClean="0"/>
+              <a:t> testen toevoegen aan groenen</a:t>
+            </a:r>
+          </a:p>
+          <a:p>
+            <a:pPr>
+              <a:buFontTx/>
+              <a:buChar char="-"/>
+            </a:pPr>
+            <a:r>
+              <a:rPr lang="nl-BE" baseline="0" dirty="0" smtClean="0"/>
+              <a:t>Groenen zijn geaccepteerd – alarm! Awereness!</a:t>
+            </a:r>
+          </a:p>
+          <a:p>
+            <a:pPr>
+              <a:buFontTx/>
+              <a:buChar char="-"/>
+            </a:pPr>
+            <a:r>
+              <a:rPr lang="nl-BE" baseline="0" dirty="0" smtClean="0"/>
+              <a:t>Build should fail by regression tests, not by Work In Progress.</a:t>
+            </a:r>
+          </a:p>
+          <a:p>
+            <a:pPr>
+              <a:buFontTx/>
+              <a:buChar char="-"/>
+            </a:pPr>
+            <a:r>
+              <a:rPr lang="nl-BE" baseline="0" dirty="0" smtClean="0"/>
+              <a:t>Should we demo build integration? Ask the audience</a:t>
+            </a:r>
+            <a:endParaRPr lang="nl-BE" baseline="0" dirty="0" smtClean="0"/>
           </a:p>
         </p:txBody>
       </p:sp>
@@ -1010,6 +1195,20 @@
           </a:bodyPr>
           <a:lstStyle/>
           <a:p>
+            <a:r>
+              <a:rPr lang="nl-BE" dirty="0" smtClean="0"/>
+              <a:t>Automated</a:t>
+            </a:r>
+            <a:r>
+              <a:rPr lang="nl-BE" baseline="0" dirty="0" smtClean="0"/>
+              <a:t> Build (vroeger-&gt; op einde iteratie)</a:t>
+            </a:r>
+          </a:p>
+          <a:p>
+            <a:r>
+              <a:rPr lang="nl-BE" baseline="0" dirty="0" smtClean="0"/>
+              <a:t>CI Environment (evt te schrappen)</a:t>
+            </a:r>
             <a:endParaRPr lang="nl-BE" dirty="0"/>
           </a:p>
         </p:txBody>
@@ -1128,6 +1327,170 @@
 </p:notes>
 </file>
 
+<file path=ppt/notesSlides/notesSlide16.xml><?xml version="1.0" encoding="utf-8"?>
+<p:notes xmlns:a="http://schemas.openxmlformats.org/drawingml/2006/main" xmlns:r="http://schemas.openxmlformats.org/officeDocument/2006/relationships" xmlns:p="http://schemas.openxmlformats.org/presentationml/2006/main">
+  <p:cSld>
+    <p:spTree>
+      <p:nvGrpSpPr>
+        <p:cNvPr id="1" name=""/>
+        <p:cNvGrpSpPr/>
+        <p:nvPr/>
+      </p:nvGrpSpPr>
+      <p:grpSpPr>
+        <a:xfrm>
+          <a:off x="0" y="0"/>
+          <a:ext cx="0" cy="0"/>
+          <a:chOff x="0" y="0"/>
+          <a:chExt cx="0" cy="0"/>
+        </a:xfrm>
+      </p:grpSpPr>
+      <p:sp>
+        <p:nvSpPr>
+          <p:cNvPr id="2" name="Slide Image Placeholder 1"/>
+          <p:cNvSpPr>
+            <a:spLocks noGrp="1" noRot="1" noChangeAspect="1"/>
+          </p:cNvSpPr>
+          <p:nvPr>
+            <p:ph type="sldImg"/>
+          </p:nvPr>
+        </p:nvSpPr>
+        <p:spPr/>
+      </p:sp>
+      <p:sp>
+        <p:nvSpPr>
+          <p:cNvPr id="3" name="Notes Placeholder 2"/>
+          <p:cNvSpPr>
+            <a:spLocks noGrp="1"/>
+          </p:cNvSpPr>
+          <p:nvPr>
+            <p:ph type="body" idx="1"/>
+          </p:nvPr>
+        </p:nvSpPr>
+        <p:spPr/>
+        <p:txBody>
+          <a:bodyPr>
+            <a:normAutofit/>
+          </a:bodyPr>
+          <a:lstStyle/>
+          <a:p>
+            <a:endParaRPr lang="nl-BE" dirty="0"/>
+          </a:p>
+        </p:txBody>
+      </p:sp>
+      <p:sp>
+        <p:nvSpPr>
+          <p:cNvPr id="4" name="Slide Number Placeholder 3"/>
+          <p:cNvSpPr>
+            <a:spLocks noGrp="1"/>
+          </p:cNvSpPr>
+          <p:nvPr>
+            <p:ph type="sldNum" sz="quarter" idx="10"/>
+          </p:nvPr>
+        </p:nvSpPr>
+        <p:spPr/>
+        <p:txBody>
+          <a:bodyPr/>
+          <a:lstStyle/>
+          <a:p>
+            <a:fld id="{A95F721D-B08F-41E9-83C2-423A43044BB2}" type="slidenum">
+              <a:rPr lang="nl-BE" smtClean="0"/>
+              <a:pPr/>
+              <a:t>22</a:t>
+            </a:fld>
+            <a:endParaRPr lang="nl-BE"/>
+          </a:p>
+        </p:txBody>
+      </p:sp>
+    </p:spTree>
+  </p:cSld>
+  <p:clrMapOvr>
+    <a:masterClrMapping/>
+  </p:clrMapOvr>
+</p:notes>
+</file>
+
+<file path=ppt/notesSlides/notesSlide17.xml><?xml version="1.0" encoding="utf-8"?>
+<p:notes xmlns:a="http://schemas.openxmlformats.org/drawingml/2006/main" xmlns:r="http://schemas.openxmlformats.org/officeDocument/2006/relationships" xmlns:p="http://schemas.openxmlformats.org/presentationml/2006/main">
+  <p:cSld>
+    <p:spTree>
+      <p:nvGrpSpPr>
+        <p:cNvPr id="1" name=""/>
+        <p:cNvGrpSpPr/>
+        <p:nvPr/>
+      </p:nvGrpSpPr>
+      <p:grpSpPr>
+        <a:xfrm>
+          <a:off x="0" y="0"/>
+          <a:ext cx="0" cy="0"/>
+          <a:chOff x="0" y="0"/>
+          <a:chExt cx="0" cy="0"/>
+        </a:xfrm>
+      </p:grpSpPr>
+      <p:sp>
+        <p:nvSpPr>
+          <p:cNvPr id="2" name="Slide Image Placeholder 1"/>
+          <p:cNvSpPr>
+            <a:spLocks noGrp="1" noRot="1" noChangeAspect="1"/>
+          </p:cNvSpPr>
+          <p:nvPr>
+            <p:ph type="sldImg"/>
+          </p:nvPr>
+        </p:nvSpPr>
+        <p:spPr/>
+      </p:sp>
+      <p:sp>
+        <p:nvSpPr>
+          <p:cNvPr id="3" name="Notes Placeholder 2"/>
+          <p:cNvSpPr>
+            <a:spLocks noGrp="1"/>
+          </p:cNvSpPr>
+          <p:nvPr>
+            <p:ph type="body" idx="1"/>
+          </p:nvPr>
+        </p:nvSpPr>
+        <p:spPr/>
+        <p:txBody>
+          <a:bodyPr>
+            <a:normAutofit/>
+          </a:bodyPr>
+          <a:lstStyle/>
+          <a:p>
+            <a:endParaRPr lang="nl-BE" dirty="0"/>
+          </a:p>
+        </p:txBody>
+      </p:sp>
+      <p:sp>
+        <p:nvSpPr>
+          <p:cNvPr id="4" name="Slide Number Placeholder 3"/>
+          <p:cNvSpPr>
+            <a:spLocks noGrp="1"/>
+          </p:cNvSpPr>
+          <p:nvPr>
+            <p:ph type="sldNum" sz="quarter" idx="10"/>
+          </p:nvPr>
+        </p:nvSpPr>
+        <p:spPr/>
+        <p:txBody>
+          <a:bodyPr/>
+          <a:lstStyle/>
+          <a:p>
+            <a:fld id="{A95F721D-B08F-41E9-83C2-423A43044BB2}" type="slidenum">
+              <a:rPr lang="nl-BE" smtClean="0"/>
+              <a:pPr/>
+              <a:t>23</a:t>
+            </a:fld>
+            <a:endParaRPr lang="nl-BE"/>
+          </a:p>
+        </p:txBody>
+      </p:sp>
+    </p:spTree>
+  </p:cSld>
+  <p:clrMapOvr>
+    <a:masterClrMapping/>
+  </p:clrMapOvr>
+</p:notes>
+</file>
+
 <file path=ppt/notesSlides/notesSlide2.xml><?xml version="1.0" encoding="utf-8"?>
 <p:notes xmlns:a="http://schemas.openxmlformats.org/drawingml/2006/main" xmlns:r="http://schemas.openxmlformats.org/officeDocument/2006/relationships" xmlns:p="http://schemas.openxmlformats.org/presentationml/2006/main">
   <p:cSld>
@@ -1211,11 +1574,7 @@
           <a:p>
             <a:r>
               <a:rPr lang="nl-BE" u="none" baseline="0" dirty="0" smtClean="0"/>
-              <a:t>-Verdelen van de aanwezigen in groepjes van 5</a:t>
-            </a:r>
-            <a:r>
-              <a:rPr lang="nl-BE" u="none" baseline="0" dirty="0" smtClean="0"/>
-              <a:t>. (heterogeen)</a:t>
+              <a:t>-Verdelen van de aanwezigen in groepjes van 5. (heterogeen)</a:t>
             </a:r>
             <a:endParaRPr lang="nl-BE" u="none" dirty="0" smtClean="0"/>
           </a:p>
@@ -1696,19 +2055,11 @@
           <a:p>
             <a:r>
               <a:rPr lang="nl-BE" dirty="0" smtClean="0"/>
-              <a:t>Cards- Misschien </a:t>
-            </a:r>
-            <a:r>
-              <a:rPr lang="nl-BE" dirty="0" smtClean="0"/>
-              <a:t>moeten we een hands-on lab voorzien waarbij stap voor stap</a:t>
+              <a:t>Cards- Misschien moeten we een hands-on lab voorzien waarbij stap voor stap</a:t>
             </a:r>
             <a:r>
               <a:rPr lang="nl-BE" baseline="0" dirty="0" smtClean="0"/>
-              <a:t> uitgelegd staat wat er dient te gebeuren</a:t>
-            </a:r>
-            <a:r>
-              <a:rPr lang="nl-BE" baseline="0" dirty="0" smtClean="0"/>
-              <a:t>.</a:t>
+              <a:t> uitgelegd staat wat er dient te gebeuren.</a:t>
             </a:r>
           </a:p>
           <a:p>
@@ -1719,7 +2070,6 @@
               <a:rPr lang="nl-BE" baseline="0" dirty="0" smtClean="0"/>
               <a:t>Rood? Ik zit vast!</a:t>
             </a:r>
-            <a:endParaRPr lang="nl-BE" baseline="0" dirty="0" smtClean="0"/>
           </a:p>
         </p:txBody>
       </p:sp>
@@ -2062,11 +2412,7 @@
             </a:pPr>
             <a:r>
               <a:rPr lang="nl-BE" baseline="0" dirty="0" smtClean="0"/>
-              <a:t>Query -&gt; </a:t>
-            </a:r>
-            <a:r>
-              <a:rPr lang="nl-BE" baseline="0" dirty="0" smtClean="0"/>
-              <a:t>result</a:t>
+              <a:t>Query -&gt; result</a:t>
             </a:r>
           </a:p>
           <a:p>
@@ -2078,7 +2424,6 @@
               <a:rPr lang="nl-BE" baseline="0" dirty="0" smtClean="0"/>
               <a:t>Copy current batch()</a:t>
             </a:r>
-            <a:endParaRPr lang="nl-BE" baseline="0" dirty="0" smtClean="0"/>
           </a:p>
           <a:p>
             <a:pPr lvl="1">
@@ -2586,7 +2931,7 @@
               </a:pathLst>
             </a:custGeom>
             <a:blipFill>
-              <a:blip r:embed="rId2">
+              <a:blip r:embed="rId2" cstate="print">
                 <a:alphaModFix amt="50000"/>
               </a:blip>
               <a:tile tx="0" ty="0" sx="50000" sy="50000" flip="none" algn="t"/>
@@ -2761,7 +3106,7 @@
             <a:fld id="{FB938823-3E05-40BA-BF51-A1BB5DC0A85F}" type="datetimeFigureOut">
               <a:rPr lang="nl-BE" smtClean="0"/>
               <a:pPr/>
-              <a:t>01/05/2009</a:t>
+              <a:t>05/05/2009</a:t>
             </a:fld>
             <a:endParaRPr lang="nl-BE"/>
           </a:p>
@@ -2959,7 +3304,7 @@
             <a:fld id="{FB938823-3E05-40BA-BF51-A1BB5DC0A85F}" type="datetimeFigureOut">
               <a:rPr lang="nl-BE" smtClean="0"/>
               <a:pPr/>
-              <a:t>01/05/2009</a:t>
+              <a:t>05/05/2009</a:t>
             </a:fld>
             <a:endParaRPr lang="nl-BE"/>
           </a:p>
@@ -3146,7 +3491,7 @@
             <a:fld id="{FB938823-3E05-40BA-BF51-A1BB5DC0A85F}" type="datetimeFigureOut">
               <a:rPr lang="nl-BE" smtClean="0"/>
               <a:pPr/>
-              <a:t>01/05/2009</a:t>
+              <a:t>05/05/2009</a:t>
             </a:fld>
             <a:endParaRPr lang="nl-BE"/>
           </a:p>
@@ -3298,7 +3643,7 @@
             <a:fld id="{FB938823-3E05-40BA-BF51-A1BB5DC0A85F}" type="datetimeFigureOut">
               <a:rPr lang="nl-BE" smtClean="0"/>
               <a:pPr/>
-              <a:t>01/05/2009</a:t>
+              <a:t>05/05/2009</a:t>
             </a:fld>
             <a:endParaRPr lang="nl-BE"/>
           </a:p>
@@ -3555,7 +3900,7 @@
             <a:fld id="{FB938823-3E05-40BA-BF51-A1BB5DC0A85F}" type="datetimeFigureOut">
               <a:rPr lang="nl-BE" smtClean="0"/>
               <a:pPr/>
-              <a:t>01/05/2009</a:t>
+              <a:t>05/05/2009</a:t>
             </a:fld>
             <a:endParaRPr lang="nl-BE"/>
           </a:p>
@@ -3966,7 +4311,7 @@
             <a:fld id="{FB938823-3E05-40BA-BF51-A1BB5DC0A85F}" type="datetimeFigureOut">
               <a:rPr lang="nl-BE" smtClean="0"/>
               <a:pPr/>
-              <a:t>01/05/2009</a:t>
+              <a:t>05/05/2009</a:t>
             </a:fld>
             <a:endParaRPr lang="nl-BE"/>
           </a:p>
@@ -4414,7 +4759,7 @@
             <a:fld id="{FB938823-3E05-40BA-BF51-A1BB5DC0A85F}" type="datetimeFigureOut">
               <a:rPr lang="nl-BE" smtClean="0"/>
               <a:pPr/>
-              <a:t>01/05/2009</a:t>
+              <a:t>05/05/2009</a:t>
             </a:fld>
             <a:endParaRPr lang="nl-BE"/>
           </a:p>
@@ -4517,7 +4862,7 @@
             <a:fld id="{FB938823-3E05-40BA-BF51-A1BB5DC0A85F}" type="datetimeFigureOut">
               <a:rPr lang="nl-BE" smtClean="0"/>
               <a:pPr/>
-              <a:t>01/05/2009</a:t>
+              <a:t>05/05/2009</a:t>
             </a:fld>
             <a:endParaRPr lang="nl-BE"/>
           </a:p>
@@ -4640,7 +4985,7 @@
             <a:fld id="{FB938823-3E05-40BA-BF51-A1BB5DC0A85F}" type="datetimeFigureOut">
               <a:rPr lang="nl-BE" smtClean="0"/>
               <a:pPr/>
-              <a:t>01/05/2009</a:t>
+              <a:t>05/05/2009</a:t>
             </a:fld>
             <a:endParaRPr lang="nl-BE"/>
           </a:p>
@@ -4916,7 +5261,7 @@
             <a:fld id="{FB938823-3E05-40BA-BF51-A1BB5DC0A85F}" type="datetimeFigureOut">
               <a:rPr lang="nl-BE" smtClean="0"/>
               <a:pPr/>
-              <a:t>01/05/2009</a:t>
+              <a:t>05/05/2009</a:t>
             </a:fld>
             <a:endParaRPr lang="nl-BE"/>
           </a:p>
@@ -5123,7 +5468,7 @@
             <a:fld id="{FB938823-3E05-40BA-BF51-A1BB5DC0A85F}" type="datetimeFigureOut">
               <a:rPr lang="nl-BE" smtClean="0"/>
               <a:pPr/>
-              <a:t>01/05/2009</a:t>
+              <a:t>05/05/2009</a:t>
             </a:fld>
             <a:endParaRPr lang="nl-BE"/>
           </a:p>
@@ -5426,7 +5771,7 @@
             <a:avLst/>
           </a:prstGeom>
           <a:blipFill>
-            <a:blip r:embed="rId2">
+            <a:blip r:embed="rId2" cstate="print">
               <a:alphaModFix amt="50000"/>
             </a:blip>
             <a:tile tx="0" ty="0" sx="50000" sy="50000" flip="none" algn="t"/>
@@ -5946,7 +6291,7 @@
             <a:avLst/>
           </a:prstGeom>
           <a:blipFill>
-            <a:blip r:embed="rId13">
+            <a:blip r:embed="rId13" cstate="print">
               <a:alphaModFix amt="50000"/>
             </a:blip>
             <a:tile tx="0" ty="0" sx="50000" sy="50000" flip="none" algn="t"/>
@@ -6234,7 +6579,7 @@
             <a:fld id="{FB938823-3E05-40BA-BF51-A1BB5DC0A85F}" type="datetimeFigureOut">
               <a:rPr lang="nl-BE" smtClean="0"/>
               <a:pPr/>
-              <a:t>01/05/2009</a:t>
+              <a:t>05/05/2009</a:t>
             </a:fld>
             <a:endParaRPr lang="nl-BE"/>
           </a:p>
@@ -6769,7 +7114,7 @@
           <p:nvPr/>
         </p:nvPicPr>
         <p:blipFill>
-          <a:blip r:embed="rId3"/>
+          <a:blip r:embed="rId3" cstate="print"/>
           <a:srcRect/>
           <a:stretch>
             <a:fillRect/>
@@ -6842,7 +7187,7 @@
           <p:nvPr/>
         </p:nvPicPr>
         <p:blipFill>
-          <a:blip r:embed="rId4"/>
+          <a:blip r:embed="rId4" cstate="print"/>
           <a:srcRect/>
           <a:stretch>
             <a:fillRect/>
@@ -7093,7 +7438,7 @@
           <p:nvPr/>
         </p:nvPicPr>
         <p:blipFill>
-          <a:blip r:embed="rId3"/>
+          <a:blip r:embed="rId3" cstate="print"/>
           <a:srcRect/>
           <a:stretch>
             <a:fillRect/>
@@ -7126,7 +7471,7 @@
           <p:nvPr/>
         </p:nvPicPr>
         <p:blipFill>
-          <a:blip r:embed="rId4"/>
+          <a:blip r:embed="rId4" cstate="print"/>
           <a:srcRect/>
           <a:stretch>
             <a:fillRect/>
@@ -7750,7 +8095,7 @@
         <p:spPr/>
         <p:txBody>
           <a:bodyPr>
-            <a:normAutofit/>
+            <a:normAutofit lnSpcReduction="10000"/>
           </a:bodyPr>
           <a:lstStyle/>
           <a:p>
@@ -7786,7 +8131,7 @@
             <a:pPr marL="624078" indent="-514350"/>
             <a:r>
               <a:rPr lang="nl-BE" i="1" dirty="0" smtClean="0"/>
-              <a:t>Implement Acceptance Tests</a:t>
+              <a:t>Iteration 1</a:t>
             </a:r>
           </a:p>
           <a:p>
@@ -7797,8 +8142,21 @@
             <a:pPr marL="624078" indent="-514350"/>
             <a:r>
               <a:rPr lang="nl-BE" i="1" dirty="0" smtClean="0"/>
-              <a:t>Continuous Integration</a:t>
-            </a:r>
+              <a:t>Iteration 2</a:t>
+            </a:r>
+            <a:endParaRPr lang="nl-BE" i="1" dirty="0" smtClean="0"/>
+          </a:p>
+          <a:p>
+            <a:pPr marL="624078" indent="-514350"/>
+            <a:endParaRPr lang="nl-BE" i="1" dirty="0" smtClean="0"/>
+          </a:p>
+          <a:p>
+            <a:pPr marL="624078" indent="-514350"/>
+            <a:r>
+              <a:rPr lang="nl-BE" i="1" dirty="0" smtClean="0"/>
+              <a:t>What’s in it for you?</a:t>
+            </a:r>
+            <a:endParaRPr lang="nl-BE" i="1" dirty="0" smtClean="0"/>
           </a:p>
           <a:p>
             <a:pPr marL="624078" indent="-514350"/>
@@ -7931,8 +8289,20 @@
             <a:pPr marL="624078" indent="-514350"/>
             <a:r>
               <a:rPr lang="nl-BE" b="1" i="1" dirty="0" smtClean="0"/>
-              <a:t>Implement Acceptance Tests</a:t>
-            </a:r>
+              <a:t>Iteration 1</a:t>
+            </a:r>
+          </a:p>
+          <a:p>
+            <a:pPr marL="624078" indent="-514350"/>
+            <a:endParaRPr lang="nl-BE" b="1" i="1" dirty="0" smtClean="0"/>
+          </a:p>
+          <a:p>
+            <a:pPr marL="624078" indent="-514350"/>
+            <a:r>
+              <a:rPr lang="nl-BE" i="1" dirty="0" smtClean="0"/>
+              <a:t>Iteration 2</a:t>
+            </a:r>
+            <a:endParaRPr lang="nl-BE" i="1" dirty="0" smtClean="0"/>
           </a:p>
           <a:p>
             <a:pPr marL="624078" indent="-514350"/>
@@ -7942,8 +8312,9 @@
             <a:pPr marL="624078" indent="-514350"/>
             <a:r>
               <a:rPr lang="nl-BE" i="1" dirty="0" smtClean="0"/>
-              <a:t>Continuous Integration</a:t>
-            </a:r>
+              <a:t>What’s in it for you?</a:t>
+            </a:r>
+            <a:endParaRPr lang="nl-BE" i="1" dirty="0" smtClean="0"/>
           </a:p>
           <a:p>
             <a:pPr marL="624078" indent="-514350"/>
@@ -8010,88 +8381,6 @@
       </p:grpSpPr>
       <p:sp>
         <p:nvSpPr>
-          <p:cNvPr id="3" name="Content Placeholder 2"/>
-          <p:cNvSpPr>
-            <a:spLocks noGrp="1"/>
-          </p:cNvSpPr>
-          <p:nvPr>
-            <p:ph idx="1"/>
-          </p:nvPr>
-        </p:nvSpPr>
-        <p:spPr/>
-        <p:txBody>
-          <a:bodyPr>
-            <a:normAutofit/>
-          </a:bodyPr>
-          <a:lstStyle/>
-          <a:p>
-            <a:r>
-              <a:rPr lang="nl-BE" dirty="0" smtClean="0">
-                <a:solidFill>
-                  <a:srgbClr val="FF0000"/>
-                </a:solidFill>
-              </a:rPr>
-              <a:t>Write gluecode for prepared tests</a:t>
-            </a:r>
-          </a:p>
-          <a:p>
-            <a:endParaRPr lang="nl-BE" dirty="0" smtClean="0">
-              <a:solidFill>
-                <a:srgbClr val="FF0000"/>
-              </a:solidFill>
-            </a:endParaRPr>
-          </a:p>
-          <a:p>
-            <a:r>
-              <a:rPr lang="nl-BE" dirty="0" smtClean="0">
-                <a:solidFill>
-                  <a:srgbClr val="FF0000"/>
-                </a:solidFill>
-              </a:rPr>
-              <a:t>Types of fixtures to use:</a:t>
-            </a:r>
-          </a:p>
-          <a:p>
-            <a:pPr lvl="1"/>
-            <a:r>
-              <a:rPr lang="nl-BE" dirty="0" smtClean="0">
-                <a:solidFill>
-                  <a:srgbClr val="FF0000"/>
-                </a:solidFill>
-              </a:rPr>
-              <a:t>RowFixture</a:t>
-            </a:r>
-          </a:p>
-          <a:p>
-            <a:pPr lvl="1"/>
-            <a:r>
-              <a:rPr lang="nl-BE" dirty="0" smtClean="0">
-                <a:solidFill>
-                  <a:srgbClr val="FF0000"/>
-                </a:solidFill>
-              </a:rPr>
-              <a:t>ColumnFixture</a:t>
-            </a:r>
-          </a:p>
-          <a:p>
-            <a:pPr lvl="1"/>
-            <a:r>
-              <a:rPr lang="nl-BE" dirty="0" smtClean="0">
-                <a:solidFill>
-                  <a:srgbClr val="FF0000"/>
-                </a:solidFill>
-              </a:rPr>
-              <a:t>DoFixture</a:t>
-            </a:r>
-          </a:p>
-          <a:p>
-            <a:pPr lvl="1"/>
-            <a:endParaRPr lang="nl-BE" dirty="0" smtClean="0"/>
-          </a:p>
-        </p:txBody>
-      </p:sp>
-      <p:sp>
-        <p:nvSpPr>
           <p:cNvPr id="2" name="Title 1"/>
           <p:cNvSpPr>
             <a:spLocks noGrp="1"/>
@@ -8102,14 +8391,635 @@
         </p:nvSpPr>
         <p:spPr/>
         <p:txBody>
-          <a:bodyPr/>
+          <a:bodyPr>
+            <a:normAutofit/>
+          </a:bodyPr>
           <a:lstStyle/>
           <a:p>
             <a:r>
               <a:rPr lang="nl-BE" dirty="0" smtClean="0"/>
-              <a:t>Iteration 1</a:t>
+              <a:t>ColumnFixture:</a:t>
             </a:r>
             <a:endParaRPr lang="nl-BE" dirty="0"/>
+          </a:p>
+        </p:txBody>
+      </p:sp>
+      <p:pic>
+        <p:nvPicPr>
+          <p:cNvPr id="1026" name="Picture 2"/>
+          <p:cNvPicPr>
+            <a:picLocks noChangeAspect="1" noChangeArrowheads="1"/>
+          </p:cNvPicPr>
+          <p:nvPr/>
+        </p:nvPicPr>
+        <p:blipFill>
+          <a:blip r:embed="rId3" cstate="print"/>
+          <a:srcRect/>
+          <a:stretch>
+            <a:fillRect/>
+          </a:stretch>
+        </p:blipFill>
+        <p:spPr bwMode="auto">
+          <a:xfrm>
+            <a:off x="1500166" y="2428868"/>
+            <a:ext cx="5676900" cy="1352550"/>
+          </a:xfrm>
+          <a:prstGeom prst="rect">
+            <a:avLst/>
+          </a:prstGeom>
+          <a:noFill/>
+          <a:ln w="9525">
+            <a:noFill/>
+            <a:miter lim="800000"/>
+            <a:headEnd/>
+            <a:tailEnd/>
+          </a:ln>
+          <a:effectLst/>
+        </p:spPr>
+      </p:pic>
+      <p:cxnSp>
+        <p:nvCxnSpPr>
+          <p:cNvPr id="6" name="Straight Arrow Connector 5"/>
+          <p:cNvCxnSpPr/>
+          <p:nvPr/>
+        </p:nvCxnSpPr>
+        <p:spPr>
+          <a:xfrm flipV="1">
+            <a:off x="2071670" y="2000240"/>
+            <a:ext cx="928694" cy="500066"/>
+          </a:xfrm>
+          <a:prstGeom prst="straightConnector1">
+            <a:avLst/>
+          </a:prstGeom>
+          <a:ln w="25400" cmpd="sng">
+            <a:solidFill>
+              <a:srgbClr val="FF0000"/>
+            </a:solidFill>
+            <a:tailEnd type="arrow"/>
+          </a:ln>
+        </p:spPr>
+        <p:style>
+          <a:lnRef idx="1">
+            <a:schemeClr val="accent1"/>
+          </a:lnRef>
+          <a:fillRef idx="0">
+            <a:schemeClr val="accent1"/>
+          </a:fillRef>
+          <a:effectRef idx="0">
+            <a:schemeClr val="accent1"/>
+          </a:effectRef>
+          <a:fontRef idx="minor">
+            <a:schemeClr val="tx1"/>
+          </a:fontRef>
+        </p:style>
+      </p:cxnSp>
+      <p:pic>
+        <p:nvPicPr>
+          <p:cNvPr id="1027" name="Picture 3"/>
+          <p:cNvPicPr>
+            <a:picLocks noChangeAspect="1" noChangeArrowheads="1"/>
+          </p:cNvPicPr>
+          <p:nvPr/>
+        </p:nvPicPr>
+        <p:blipFill>
+          <a:blip r:embed="rId4" cstate="print"/>
+          <a:srcRect/>
+          <a:stretch>
+            <a:fillRect/>
+          </a:stretch>
+        </p:blipFill>
+        <p:spPr bwMode="auto">
+          <a:xfrm>
+            <a:off x="3071802" y="1785926"/>
+            <a:ext cx="3781425" cy="257175"/>
+          </a:xfrm>
+          <a:prstGeom prst="rect">
+            <a:avLst/>
+          </a:prstGeom>
+          <a:noFill/>
+          <a:ln w="9525">
+            <a:noFill/>
+            <a:miter lim="800000"/>
+            <a:headEnd/>
+            <a:tailEnd/>
+          </a:ln>
+          <a:effectLst/>
+        </p:spPr>
+      </p:pic>
+      <p:pic>
+        <p:nvPicPr>
+          <p:cNvPr id="1028" name="Picture 4"/>
+          <p:cNvPicPr>
+            <a:picLocks noChangeAspect="1" noChangeArrowheads="1"/>
+          </p:cNvPicPr>
+          <p:nvPr/>
+        </p:nvPicPr>
+        <p:blipFill>
+          <a:blip r:embed="rId5" cstate="print"/>
+          <a:srcRect/>
+          <a:stretch>
+            <a:fillRect/>
+          </a:stretch>
+        </p:blipFill>
+        <p:spPr bwMode="auto">
+          <a:xfrm>
+            <a:off x="2500298" y="4286256"/>
+            <a:ext cx="3000375" cy="257175"/>
+          </a:xfrm>
+          <a:prstGeom prst="rect">
+            <a:avLst/>
+          </a:prstGeom>
+          <a:noFill/>
+          <a:ln w="9525">
+            <a:noFill/>
+            <a:miter lim="800000"/>
+            <a:headEnd/>
+            <a:tailEnd/>
+          </a:ln>
+          <a:effectLst/>
+        </p:spPr>
+      </p:pic>
+      <p:cxnSp>
+        <p:nvCxnSpPr>
+          <p:cNvPr id="10" name="Straight Arrow Connector 9"/>
+          <p:cNvCxnSpPr/>
+          <p:nvPr/>
+        </p:nvCxnSpPr>
+        <p:spPr>
+          <a:xfrm rot="16200000" flipH="1">
+            <a:off x="1393009" y="3393281"/>
+            <a:ext cx="1357322" cy="714380"/>
+          </a:xfrm>
+          <a:prstGeom prst="straightConnector1">
+            <a:avLst/>
+          </a:prstGeom>
+          <a:ln w="25400" cmpd="sng">
+            <a:solidFill>
+              <a:srgbClr val="FF0000"/>
+            </a:solidFill>
+            <a:tailEnd type="arrow"/>
+          </a:ln>
+        </p:spPr>
+        <p:style>
+          <a:lnRef idx="1">
+            <a:schemeClr val="accent1"/>
+          </a:lnRef>
+          <a:fillRef idx="0">
+            <a:schemeClr val="accent1"/>
+          </a:fillRef>
+          <a:effectRef idx="0">
+            <a:schemeClr val="accent1"/>
+          </a:effectRef>
+          <a:fontRef idx="minor">
+            <a:schemeClr val="tx1"/>
+          </a:fontRef>
+        </p:style>
+      </p:cxnSp>
+      <p:pic>
+        <p:nvPicPr>
+          <p:cNvPr id="1029" name="Picture 5"/>
+          <p:cNvPicPr>
+            <a:picLocks noChangeAspect="1" noChangeArrowheads="1"/>
+          </p:cNvPicPr>
+          <p:nvPr/>
+        </p:nvPicPr>
+        <p:blipFill>
+          <a:blip r:embed="rId6" cstate="print"/>
+          <a:srcRect/>
+          <a:stretch>
+            <a:fillRect/>
+          </a:stretch>
+        </p:blipFill>
+        <p:spPr bwMode="auto">
+          <a:xfrm>
+            <a:off x="2500298" y="4572008"/>
+            <a:ext cx="3257550" cy="266700"/>
+          </a:xfrm>
+          <a:prstGeom prst="rect">
+            <a:avLst/>
+          </a:prstGeom>
+          <a:noFill/>
+          <a:ln w="9525">
+            <a:noFill/>
+            <a:miter lim="800000"/>
+            <a:headEnd/>
+            <a:tailEnd/>
+          </a:ln>
+          <a:effectLst/>
+        </p:spPr>
+      </p:pic>
+      <p:cxnSp>
+        <p:nvCxnSpPr>
+          <p:cNvPr id="15" name="Straight Arrow Connector 14"/>
+          <p:cNvCxnSpPr/>
+          <p:nvPr/>
+        </p:nvCxnSpPr>
+        <p:spPr>
+          <a:xfrm rot="16200000" flipH="1">
+            <a:off x="1857356" y="3357562"/>
+            <a:ext cx="1071570" cy="500066"/>
+          </a:xfrm>
+          <a:prstGeom prst="straightConnector1">
+            <a:avLst/>
+          </a:prstGeom>
+          <a:ln w="25400" cmpd="sng">
+            <a:solidFill>
+              <a:srgbClr val="FF0000"/>
+            </a:solidFill>
+            <a:tailEnd type="arrow"/>
+          </a:ln>
+        </p:spPr>
+        <p:style>
+          <a:lnRef idx="1">
+            <a:schemeClr val="accent1"/>
+          </a:lnRef>
+          <a:fillRef idx="0">
+            <a:schemeClr val="accent1"/>
+          </a:fillRef>
+          <a:effectRef idx="0">
+            <a:schemeClr val="accent1"/>
+          </a:effectRef>
+          <a:fontRef idx="minor">
+            <a:schemeClr val="tx1"/>
+          </a:fontRef>
+        </p:style>
+      </p:cxnSp>
+      <p:pic>
+        <p:nvPicPr>
+          <p:cNvPr id="1030" name="Picture 6"/>
+          <p:cNvPicPr>
+            <a:picLocks noChangeAspect="1" noChangeArrowheads="1"/>
+          </p:cNvPicPr>
+          <p:nvPr/>
+        </p:nvPicPr>
+        <p:blipFill>
+          <a:blip r:embed="rId7" cstate="print"/>
+          <a:srcRect/>
+          <a:stretch>
+            <a:fillRect/>
+          </a:stretch>
+        </p:blipFill>
+        <p:spPr bwMode="auto">
+          <a:xfrm>
+            <a:off x="2500298" y="4857760"/>
+            <a:ext cx="2066925" cy="209550"/>
+          </a:xfrm>
+          <a:prstGeom prst="rect">
+            <a:avLst/>
+          </a:prstGeom>
+          <a:noFill/>
+          <a:ln w="9525">
+            <a:noFill/>
+            <a:miter lim="800000"/>
+            <a:headEnd/>
+            <a:tailEnd/>
+          </a:ln>
+          <a:effectLst/>
+        </p:spPr>
+      </p:pic>
+      <p:cxnSp>
+        <p:nvCxnSpPr>
+          <p:cNvPr id="29" name="Straight Arrow Connector 28"/>
+          <p:cNvCxnSpPr/>
+          <p:nvPr/>
+        </p:nvCxnSpPr>
+        <p:spPr>
+          <a:xfrm rot="16200000" flipH="1">
+            <a:off x="2678893" y="3464719"/>
+            <a:ext cx="1071570" cy="285752"/>
+          </a:xfrm>
+          <a:prstGeom prst="straightConnector1">
+            <a:avLst/>
+          </a:prstGeom>
+          <a:ln w="25400" cmpd="sng">
+            <a:solidFill>
+              <a:srgbClr val="FF0000"/>
+            </a:solidFill>
+            <a:tailEnd type="arrow"/>
+          </a:ln>
+        </p:spPr>
+        <p:style>
+          <a:lnRef idx="1">
+            <a:schemeClr val="accent1"/>
+          </a:lnRef>
+          <a:fillRef idx="0">
+            <a:schemeClr val="accent1"/>
+          </a:fillRef>
+          <a:effectRef idx="0">
+            <a:schemeClr val="accent1"/>
+          </a:effectRef>
+          <a:fontRef idx="minor">
+            <a:schemeClr val="tx1"/>
+          </a:fontRef>
+        </p:style>
+      </p:cxnSp>
+      <p:pic>
+        <p:nvPicPr>
+          <p:cNvPr id="1031" name="Picture 7"/>
+          <p:cNvPicPr>
+            <a:picLocks noChangeAspect="1" noChangeArrowheads="1"/>
+          </p:cNvPicPr>
+          <p:nvPr/>
+        </p:nvPicPr>
+        <p:blipFill>
+          <a:blip r:embed="rId8" cstate="print"/>
+          <a:srcRect/>
+          <a:stretch>
+            <a:fillRect/>
+          </a:stretch>
+        </p:blipFill>
+        <p:spPr bwMode="auto">
+          <a:xfrm>
+            <a:off x="2500298" y="5092405"/>
+            <a:ext cx="3305175" cy="238125"/>
+          </a:xfrm>
+          <a:prstGeom prst="rect">
+            <a:avLst/>
+          </a:prstGeom>
+          <a:noFill/>
+          <a:ln w="9525">
+            <a:noFill/>
+            <a:miter lim="800000"/>
+            <a:headEnd/>
+            <a:tailEnd/>
+          </a:ln>
+          <a:effectLst/>
+        </p:spPr>
+      </p:pic>
+      <p:cxnSp>
+        <p:nvCxnSpPr>
+          <p:cNvPr id="33" name="Straight Arrow Connector 32"/>
+          <p:cNvCxnSpPr/>
+          <p:nvPr/>
+        </p:nvCxnSpPr>
+        <p:spPr>
+          <a:xfrm rot="5400000">
+            <a:off x="3250397" y="3607595"/>
+            <a:ext cx="1071570" cy="1588"/>
+          </a:xfrm>
+          <a:prstGeom prst="straightConnector1">
+            <a:avLst/>
+          </a:prstGeom>
+          <a:ln w="25400" cmpd="sng">
+            <a:solidFill>
+              <a:srgbClr val="FF0000"/>
+            </a:solidFill>
+            <a:tailEnd type="arrow"/>
+          </a:ln>
+        </p:spPr>
+        <p:style>
+          <a:lnRef idx="1">
+            <a:schemeClr val="accent1"/>
+          </a:lnRef>
+          <a:fillRef idx="0">
+            <a:schemeClr val="accent1"/>
+          </a:fillRef>
+          <a:effectRef idx="0">
+            <a:schemeClr val="accent1"/>
+          </a:effectRef>
+          <a:fontRef idx="minor">
+            <a:schemeClr val="tx1"/>
+          </a:fontRef>
+        </p:style>
+      </p:cxnSp>
+      <p:sp>
+        <p:nvSpPr>
+          <p:cNvPr id="36" name="Oval 35"/>
+          <p:cNvSpPr/>
+          <p:nvPr/>
+        </p:nvSpPr>
+        <p:spPr>
+          <a:xfrm>
+            <a:off x="3857620" y="2786058"/>
+            <a:ext cx="285752" cy="285752"/>
+          </a:xfrm>
+          <a:prstGeom prst="ellipse">
+            <a:avLst/>
+          </a:prstGeom>
+          <a:noFill/>
+          <a:ln>
+            <a:solidFill>
+              <a:srgbClr val="FF0000"/>
+            </a:solidFill>
+          </a:ln>
+        </p:spPr>
+        <p:style>
+          <a:lnRef idx="2">
+            <a:schemeClr val="accent1">
+              <a:shade val="50000"/>
+            </a:schemeClr>
+          </a:lnRef>
+          <a:fillRef idx="1">
+            <a:schemeClr val="accent1"/>
+          </a:fillRef>
+          <a:effectRef idx="0">
+            <a:schemeClr val="accent1"/>
+          </a:effectRef>
+          <a:fontRef idx="minor">
+            <a:schemeClr val="lt1"/>
+          </a:fontRef>
+        </p:style>
+        <p:txBody>
+          <a:bodyPr rtlCol="0" anchor="ctr"/>
+          <a:lstStyle/>
+          <a:p>
+            <a:pPr algn="ctr"/>
+            <a:endParaRPr lang="nl-BE"/>
+          </a:p>
+        </p:txBody>
+      </p:sp>
+      <p:pic>
+        <p:nvPicPr>
+          <p:cNvPr id="1032" name="Picture 8"/>
+          <p:cNvPicPr>
+            <a:picLocks noChangeAspect="1" noChangeArrowheads="1"/>
+          </p:cNvPicPr>
+          <p:nvPr/>
+        </p:nvPicPr>
+        <p:blipFill>
+          <a:blip r:embed="rId9" cstate="print"/>
+          <a:srcRect/>
+          <a:stretch>
+            <a:fillRect/>
+          </a:stretch>
+        </p:blipFill>
+        <p:spPr bwMode="auto">
+          <a:xfrm>
+            <a:off x="5572132" y="5572140"/>
+            <a:ext cx="2952750" cy="228600"/>
+          </a:xfrm>
+          <a:prstGeom prst="rect">
+            <a:avLst/>
+          </a:prstGeom>
+          <a:noFill/>
+          <a:ln w="9525">
+            <a:noFill/>
+            <a:miter lim="800000"/>
+            <a:headEnd/>
+            <a:tailEnd/>
+          </a:ln>
+          <a:effectLst/>
+        </p:spPr>
+      </p:pic>
+      <p:cxnSp>
+        <p:nvCxnSpPr>
+          <p:cNvPr id="40" name="Elbow Connector 39"/>
+          <p:cNvCxnSpPr>
+            <a:stCxn id="36" idx="6"/>
+          </p:cNvCxnSpPr>
+          <p:nvPr/>
+        </p:nvCxnSpPr>
+        <p:spPr>
+          <a:xfrm>
+            <a:off x="4143372" y="2928934"/>
+            <a:ext cx="2928958" cy="2571768"/>
+          </a:xfrm>
+          <a:prstGeom prst="bentConnector3">
+            <a:avLst>
+              <a:gd name="adj1" fmla="val 99858"/>
+            </a:avLst>
+          </a:prstGeom>
+          <a:ln w="25400">
+            <a:solidFill>
+              <a:srgbClr val="FF0000"/>
+            </a:solidFill>
+            <a:tailEnd type="arrow"/>
+          </a:ln>
+        </p:spPr>
+        <p:style>
+          <a:lnRef idx="1">
+            <a:schemeClr val="accent1"/>
+          </a:lnRef>
+          <a:fillRef idx="0">
+            <a:schemeClr val="accent1"/>
+          </a:fillRef>
+          <a:effectRef idx="0">
+            <a:schemeClr val="accent1"/>
+          </a:effectRef>
+          <a:fontRef idx="minor">
+            <a:schemeClr val="tx1"/>
+          </a:fontRef>
+        </p:style>
+      </p:cxnSp>
+      <p:cxnSp>
+        <p:nvCxnSpPr>
+          <p:cNvPr id="45" name="Elbow Connector 39"/>
+          <p:cNvCxnSpPr/>
+          <p:nvPr/>
+        </p:nvCxnSpPr>
+        <p:spPr>
+          <a:xfrm rot="16200000" flipH="1">
+            <a:off x="6250793" y="4179099"/>
+            <a:ext cx="2214578" cy="428628"/>
+          </a:xfrm>
+          <a:prstGeom prst="bentConnector3">
+            <a:avLst>
+              <a:gd name="adj1" fmla="val -534"/>
+            </a:avLst>
+          </a:prstGeom>
+          <a:ln w="25400">
+            <a:solidFill>
+              <a:srgbClr val="FF0000"/>
+            </a:solidFill>
+            <a:tailEnd type="arrow"/>
+          </a:ln>
+        </p:spPr>
+        <p:style>
+          <a:lnRef idx="1">
+            <a:schemeClr val="accent1"/>
+          </a:lnRef>
+          <a:fillRef idx="0">
+            <a:schemeClr val="accent1"/>
+          </a:fillRef>
+          <a:effectRef idx="0">
+            <a:schemeClr val="accent1"/>
+          </a:effectRef>
+          <a:fontRef idx="minor">
+            <a:schemeClr val="tx1"/>
+          </a:fontRef>
+        </p:style>
+      </p:cxnSp>
+      <p:cxnSp>
+        <p:nvCxnSpPr>
+          <p:cNvPr id="49" name="Elbow Connector 39"/>
+          <p:cNvCxnSpPr/>
+          <p:nvPr/>
+        </p:nvCxnSpPr>
+        <p:spPr>
+          <a:xfrm rot="16200000" flipH="1">
+            <a:off x="6286512" y="4429132"/>
+            <a:ext cx="1928826" cy="214314"/>
+          </a:xfrm>
+          <a:prstGeom prst="bentConnector3">
+            <a:avLst>
+              <a:gd name="adj1" fmla="val -237"/>
+            </a:avLst>
+          </a:prstGeom>
+          <a:ln w="25400">
+            <a:solidFill>
+              <a:srgbClr val="FF0000"/>
+            </a:solidFill>
+            <a:tailEnd type="arrow"/>
+          </a:ln>
+        </p:spPr>
+        <p:style>
+          <a:lnRef idx="1">
+            <a:schemeClr val="accent1"/>
+          </a:lnRef>
+          <a:fillRef idx="0">
+            <a:schemeClr val="accent1"/>
+          </a:fillRef>
+          <a:effectRef idx="0">
+            <a:schemeClr val="accent1"/>
+          </a:effectRef>
+          <a:fontRef idx="minor">
+            <a:schemeClr val="tx1"/>
+          </a:fontRef>
+        </p:style>
+      </p:cxnSp>
+      <p:sp>
+        <p:nvSpPr>
+          <p:cNvPr id="58" name="TextBox 57"/>
+          <p:cNvSpPr txBox="1"/>
+          <p:nvPr/>
+        </p:nvSpPr>
+        <p:spPr>
+          <a:xfrm>
+            <a:off x="500034" y="1119830"/>
+            <a:ext cx="3775393" cy="523220"/>
+          </a:xfrm>
+          <a:prstGeom prst="rect">
+            <a:avLst/>
+          </a:prstGeom>
+          <a:noFill/>
+        </p:spPr>
+        <p:txBody>
+          <a:bodyPr wrap="none" rtlCol="0">
+            <a:spAutoFit/>
+          </a:bodyPr>
+          <a:lstStyle/>
+          <a:p>
+            <a:r>
+              <a:rPr lang="nl-BE" sz="2800" dirty="0" smtClean="0">
+                <a:effectLst>
+                  <a:outerShdw blurRad="38100" dist="38100" dir="2700000" algn="tl">
+                    <a:srgbClr val="000000">
+                      <a:alpha val="43137"/>
+                    </a:srgbClr>
+                  </a:outerShdw>
+                </a:effectLst>
+              </a:rPr>
+              <a:t>Testing values Easily</a:t>
+            </a:r>
+            <a:endParaRPr lang="nl-BE" sz="2800" dirty="0">
+              <a:effectLst>
+                <a:outerShdw blurRad="38100" dist="38100" dir="2700000" algn="tl">
+                  <a:srgbClr val="000000">
+                    <a:alpha val="43137"/>
+                  </a:srgbClr>
+                </a:outerShdw>
+              </a:effectLst>
+            </a:endParaRPr>
           </a:p>
         </p:txBody>
       </p:sp>
@@ -8121,9 +9031,674 @@
   <p:timing>
     <p:tnLst>
       <p:par>
-        <p:cTn id="1" dur="indefinite" restart="never" nodeType="tmRoot"/>
+        <p:cTn id="1" dur="indefinite" restart="never" nodeType="tmRoot">
+          <p:childTnLst>
+            <p:seq concurrent="1" nextAc="seek">
+              <p:cTn id="2" dur="indefinite" nodeType="mainSeq">
+                <p:childTnLst>
+                  <p:par>
+                    <p:cTn id="3" fill="hold">
+                      <p:stCondLst>
+                        <p:cond delay="indefinite"/>
+                      </p:stCondLst>
+                      <p:childTnLst>
+                        <p:par>
+                          <p:cTn id="4" fill="hold">
+                            <p:stCondLst>
+                              <p:cond delay="0"/>
+                            </p:stCondLst>
+                            <p:childTnLst>
+                              <p:par>
+                                <p:cTn id="5" presetID="1" presetClass="entr" presetSubtype="0" fill="hold" nodeType="clickEffect">
+                                  <p:stCondLst>
+                                    <p:cond delay="0"/>
+                                  </p:stCondLst>
+                                  <p:childTnLst>
+                                    <p:set>
+                                      <p:cBhvr>
+                                        <p:cTn id="6" dur="1" fill="hold">
+                                          <p:stCondLst>
+                                            <p:cond delay="0"/>
+                                          </p:stCondLst>
+                                        </p:cTn>
+                                        <p:tgtEl>
+                                          <p:spTgt spid="6"/>
+                                        </p:tgtEl>
+                                        <p:attrNameLst>
+                                          <p:attrName>style.visibility</p:attrName>
+                                        </p:attrNameLst>
+                                      </p:cBhvr>
+                                      <p:to>
+                                        <p:strVal val="visible"/>
+                                      </p:to>
+                                    </p:set>
+                                  </p:childTnLst>
+                                </p:cTn>
+                              </p:par>
+                            </p:childTnLst>
+                          </p:cTn>
+                        </p:par>
+                      </p:childTnLst>
+                    </p:cTn>
+                  </p:par>
+                  <p:par>
+                    <p:cTn id="7" fill="hold">
+                      <p:stCondLst>
+                        <p:cond delay="indefinite"/>
+                      </p:stCondLst>
+                      <p:childTnLst>
+                        <p:par>
+                          <p:cTn id="8" fill="hold">
+                            <p:stCondLst>
+                              <p:cond delay="0"/>
+                            </p:stCondLst>
+                            <p:childTnLst>
+                              <p:par>
+                                <p:cTn id="9" presetID="1" presetClass="entr" presetSubtype="0" fill="hold" nodeType="clickEffect">
+                                  <p:stCondLst>
+                                    <p:cond delay="0"/>
+                                  </p:stCondLst>
+                                  <p:childTnLst>
+                                    <p:set>
+                                      <p:cBhvr>
+                                        <p:cTn id="10" dur="1" fill="hold">
+                                          <p:stCondLst>
+                                            <p:cond delay="0"/>
+                                          </p:stCondLst>
+                                        </p:cTn>
+                                        <p:tgtEl>
+                                          <p:spTgt spid="1027"/>
+                                        </p:tgtEl>
+                                        <p:attrNameLst>
+                                          <p:attrName>style.visibility</p:attrName>
+                                        </p:attrNameLst>
+                                      </p:cBhvr>
+                                      <p:to>
+                                        <p:strVal val="visible"/>
+                                      </p:to>
+                                    </p:set>
+                                  </p:childTnLst>
+                                </p:cTn>
+                              </p:par>
+                            </p:childTnLst>
+                          </p:cTn>
+                        </p:par>
+                      </p:childTnLst>
+                    </p:cTn>
+                  </p:par>
+                  <p:par>
+                    <p:cTn id="11" fill="hold">
+                      <p:stCondLst>
+                        <p:cond delay="indefinite"/>
+                      </p:stCondLst>
+                      <p:childTnLst>
+                        <p:par>
+                          <p:cTn id="12" fill="hold">
+                            <p:stCondLst>
+                              <p:cond delay="0"/>
+                            </p:stCondLst>
+                            <p:childTnLst>
+                              <p:par>
+                                <p:cTn id="13" presetID="1" presetClass="entr" presetSubtype="0" fill="hold" nodeType="clickEffect">
+                                  <p:stCondLst>
+                                    <p:cond delay="0"/>
+                                  </p:stCondLst>
+                                  <p:childTnLst>
+                                    <p:set>
+                                      <p:cBhvr>
+                                        <p:cTn id="14" dur="1" fill="hold">
+                                          <p:stCondLst>
+                                            <p:cond delay="0"/>
+                                          </p:stCondLst>
+                                        </p:cTn>
+                                        <p:tgtEl>
+                                          <p:spTgt spid="10"/>
+                                        </p:tgtEl>
+                                        <p:attrNameLst>
+                                          <p:attrName>style.visibility</p:attrName>
+                                        </p:attrNameLst>
+                                      </p:cBhvr>
+                                      <p:to>
+                                        <p:strVal val="visible"/>
+                                      </p:to>
+                                    </p:set>
+                                  </p:childTnLst>
+                                </p:cTn>
+                              </p:par>
+                            </p:childTnLst>
+                          </p:cTn>
+                        </p:par>
+                      </p:childTnLst>
+                    </p:cTn>
+                  </p:par>
+                  <p:par>
+                    <p:cTn id="15" fill="hold">
+                      <p:stCondLst>
+                        <p:cond delay="indefinite"/>
+                      </p:stCondLst>
+                      <p:childTnLst>
+                        <p:par>
+                          <p:cTn id="16" fill="hold">
+                            <p:stCondLst>
+                              <p:cond delay="0"/>
+                            </p:stCondLst>
+                            <p:childTnLst>
+                              <p:par>
+                                <p:cTn id="17" presetID="1" presetClass="entr" presetSubtype="0" fill="hold" nodeType="clickEffect">
+                                  <p:stCondLst>
+                                    <p:cond delay="0"/>
+                                  </p:stCondLst>
+                                  <p:childTnLst>
+                                    <p:set>
+                                      <p:cBhvr>
+                                        <p:cTn id="18" dur="1" fill="hold">
+                                          <p:stCondLst>
+                                            <p:cond delay="0"/>
+                                          </p:stCondLst>
+                                        </p:cTn>
+                                        <p:tgtEl>
+                                          <p:spTgt spid="1028"/>
+                                        </p:tgtEl>
+                                        <p:attrNameLst>
+                                          <p:attrName>style.visibility</p:attrName>
+                                        </p:attrNameLst>
+                                      </p:cBhvr>
+                                      <p:to>
+                                        <p:strVal val="visible"/>
+                                      </p:to>
+                                    </p:set>
+                                  </p:childTnLst>
+                                </p:cTn>
+                              </p:par>
+                            </p:childTnLst>
+                          </p:cTn>
+                        </p:par>
+                      </p:childTnLst>
+                    </p:cTn>
+                  </p:par>
+                  <p:par>
+                    <p:cTn id="19" fill="hold">
+                      <p:stCondLst>
+                        <p:cond delay="indefinite"/>
+                      </p:stCondLst>
+                      <p:childTnLst>
+                        <p:par>
+                          <p:cTn id="20" fill="hold">
+                            <p:stCondLst>
+                              <p:cond delay="0"/>
+                            </p:stCondLst>
+                            <p:childTnLst>
+                              <p:par>
+                                <p:cTn id="21" presetID="1" presetClass="entr" presetSubtype="0" fill="hold" nodeType="clickEffect">
+                                  <p:stCondLst>
+                                    <p:cond delay="0"/>
+                                  </p:stCondLst>
+                                  <p:childTnLst>
+                                    <p:set>
+                                      <p:cBhvr>
+                                        <p:cTn id="22" dur="1" fill="hold">
+                                          <p:stCondLst>
+                                            <p:cond delay="0"/>
+                                          </p:stCondLst>
+                                        </p:cTn>
+                                        <p:tgtEl>
+                                          <p:spTgt spid="15"/>
+                                        </p:tgtEl>
+                                        <p:attrNameLst>
+                                          <p:attrName>style.visibility</p:attrName>
+                                        </p:attrNameLst>
+                                      </p:cBhvr>
+                                      <p:to>
+                                        <p:strVal val="visible"/>
+                                      </p:to>
+                                    </p:set>
+                                  </p:childTnLst>
+                                </p:cTn>
+                              </p:par>
+                            </p:childTnLst>
+                          </p:cTn>
+                        </p:par>
+                      </p:childTnLst>
+                    </p:cTn>
+                  </p:par>
+                  <p:par>
+                    <p:cTn id="23" fill="hold">
+                      <p:stCondLst>
+                        <p:cond delay="indefinite"/>
+                      </p:stCondLst>
+                      <p:childTnLst>
+                        <p:par>
+                          <p:cTn id="24" fill="hold">
+                            <p:stCondLst>
+                              <p:cond delay="0"/>
+                            </p:stCondLst>
+                            <p:childTnLst>
+                              <p:par>
+                                <p:cTn id="25" presetID="1" presetClass="entr" presetSubtype="0" fill="hold" nodeType="clickEffect">
+                                  <p:stCondLst>
+                                    <p:cond delay="0"/>
+                                  </p:stCondLst>
+                                  <p:childTnLst>
+                                    <p:set>
+                                      <p:cBhvr>
+                                        <p:cTn id="26" dur="1" fill="hold">
+                                          <p:stCondLst>
+                                            <p:cond delay="0"/>
+                                          </p:stCondLst>
+                                        </p:cTn>
+                                        <p:tgtEl>
+                                          <p:spTgt spid="1029"/>
+                                        </p:tgtEl>
+                                        <p:attrNameLst>
+                                          <p:attrName>style.visibility</p:attrName>
+                                        </p:attrNameLst>
+                                      </p:cBhvr>
+                                      <p:to>
+                                        <p:strVal val="visible"/>
+                                      </p:to>
+                                    </p:set>
+                                  </p:childTnLst>
+                                </p:cTn>
+                              </p:par>
+                            </p:childTnLst>
+                          </p:cTn>
+                        </p:par>
+                      </p:childTnLst>
+                    </p:cTn>
+                  </p:par>
+                  <p:par>
+                    <p:cTn id="27" fill="hold">
+                      <p:stCondLst>
+                        <p:cond delay="indefinite"/>
+                      </p:stCondLst>
+                      <p:childTnLst>
+                        <p:par>
+                          <p:cTn id="28" fill="hold">
+                            <p:stCondLst>
+                              <p:cond delay="0"/>
+                            </p:stCondLst>
+                            <p:childTnLst>
+                              <p:par>
+                                <p:cTn id="29" presetID="1" presetClass="entr" presetSubtype="0" fill="hold" nodeType="clickEffect">
+                                  <p:stCondLst>
+                                    <p:cond delay="0"/>
+                                  </p:stCondLst>
+                                  <p:childTnLst>
+                                    <p:set>
+                                      <p:cBhvr>
+                                        <p:cTn id="30" dur="1" fill="hold">
+                                          <p:stCondLst>
+                                            <p:cond delay="0"/>
+                                          </p:stCondLst>
+                                        </p:cTn>
+                                        <p:tgtEl>
+                                          <p:spTgt spid="29"/>
+                                        </p:tgtEl>
+                                        <p:attrNameLst>
+                                          <p:attrName>style.visibility</p:attrName>
+                                        </p:attrNameLst>
+                                      </p:cBhvr>
+                                      <p:to>
+                                        <p:strVal val="visible"/>
+                                      </p:to>
+                                    </p:set>
+                                  </p:childTnLst>
+                                </p:cTn>
+                              </p:par>
+                            </p:childTnLst>
+                          </p:cTn>
+                        </p:par>
+                      </p:childTnLst>
+                    </p:cTn>
+                  </p:par>
+                  <p:par>
+                    <p:cTn id="31" fill="hold">
+                      <p:stCondLst>
+                        <p:cond delay="indefinite"/>
+                      </p:stCondLst>
+                      <p:childTnLst>
+                        <p:par>
+                          <p:cTn id="32" fill="hold">
+                            <p:stCondLst>
+                              <p:cond delay="0"/>
+                            </p:stCondLst>
+                            <p:childTnLst>
+                              <p:par>
+                                <p:cTn id="33" presetID="1" presetClass="entr" presetSubtype="0" fill="hold" nodeType="clickEffect">
+                                  <p:stCondLst>
+                                    <p:cond delay="0"/>
+                                  </p:stCondLst>
+                                  <p:childTnLst>
+                                    <p:set>
+                                      <p:cBhvr>
+                                        <p:cTn id="34" dur="1" fill="hold">
+                                          <p:stCondLst>
+                                            <p:cond delay="0"/>
+                                          </p:stCondLst>
+                                        </p:cTn>
+                                        <p:tgtEl>
+                                          <p:spTgt spid="1030"/>
+                                        </p:tgtEl>
+                                        <p:attrNameLst>
+                                          <p:attrName>style.visibility</p:attrName>
+                                        </p:attrNameLst>
+                                      </p:cBhvr>
+                                      <p:to>
+                                        <p:strVal val="visible"/>
+                                      </p:to>
+                                    </p:set>
+                                  </p:childTnLst>
+                                </p:cTn>
+                              </p:par>
+                            </p:childTnLst>
+                          </p:cTn>
+                        </p:par>
+                      </p:childTnLst>
+                    </p:cTn>
+                  </p:par>
+                  <p:par>
+                    <p:cTn id="35" fill="hold">
+                      <p:stCondLst>
+                        <p:cond delay="indefinite"/>
+                      </p:stCondLst>
+                      <p:childTnLst>
+                        <p:par>
+                          <p:cTn id="36" fill="hold">
+                            <p:stCondLst>
+                              <p:cond delay="0"/>
+                            </p:stCondLst>
+                            <p:childTnLst>
+                              <p:par>
+                                <p:cTn id="37" presetID="1" presetClass="entr" presetSubtype="0" fill="hold" nodeType="clickEffect">
+                                  <p:stCondLst>
+                                    <p:cond delay="0"/>
+                                  </p:stCondLst>
+                                  <p:childTnLst>
+                                    <p:set>
+                                      <p:cBhvr>
+                                        <p:cTn id="38" dur="1" fill="hold">
+                                          <p:stCondLst>
+                                            <p:cond delay="0"/>
+                                          </p:stCondLst>
+                                        </p:cTn>
+                                        <p:tgtEl>
+                                          <p:spTgt spid="33"/>
+                                        </p:tgtEl>
+                                        <p:attrNameLst>
+                                          <p:attrName>style.visibility</p:attrName>
+                                        </p:attrNameLst>
+                                      </p:cBhvr>
+                                      <p:to>
+                                        <p:strVal val="visible"/>
+                                      </p:to>
+                                    </p:set>
+                                  </p:childTnLst>
+                                </p:cTn>
+                              </p:par>
+                            </p:childTnLst>
+                          </p:cTn>
+                        </p:par>
+                      </p:childTnLst>
+                    </p:cTn>
+                  </p:par>
+                  <p:par>
+                    <p:cTn id="39" fill="hold">
+                      <p:stCondLst>
+                        <p:cond delay="indefinite"/>
+                      </p:stCondLst>
+                      <p:childTnLst>
+                        <p:par>
+                          <p:cTn id="40" fill="hold">
+                            <p:stCondLst>
+                              <p:cond delay="0"/>
+                            </p:stCondLst>
+                            <p:childTnLst>
+                              <p:par>
+                                <p:cTn id="41" presetID="1" presetClass="entr" presetSubtype="0" fill="hold" nodeType="clickEffect">
+                                  <p:stCondLst>
+                                    <p:cond delay="0"/>
+                                  </p:stCondLst>
+                                  <p:childTnLst>
+                                    <p:set>
+                                      <p:cBhvr>
+                                        <p:cTn id="42" dur="1" fill="hold">
+                                          <p:stCondLst>
+                                            <p:cond delay="0"/>
+                                          </p:stCondLst>
+                                        </p:cTn>
+                                        <p:tgtEl>
+                                          <p:spTgt spid="1031"/>
+                                        </p:tgtEl>
+                                        <p:attrNameLst>
+                                          <p:attrName>style.visibility</p:attrName>
+                                        </p:attrNameLst>
+                                      </p:cBhvr>
+                                      <p:to>
+                                        <p:strVal val="visible"/>
+                                      </p:to>
+                                    </p:set>
+                                  </p:childTnLst>
+                                </p:cTn>
+                              </p:par>
+                            </p:childTnLst>
+                          </p:cTn>
+                        </p:par>
+                      </p:childTnLst>
+                    </p:cTn>
+                  </p:par>
+                  <p:par>
+                    <p:cTn id="43" fill="hold">
+                      <p:stCondLst>
+                        <p:cond delay="indefinite"/>
+                      </p:stCondLst>
+                      <p:childTnLst>
+                        <p:par>
+                          <p:cTn id="44" fill="hold">
+                            <p:stCondLst>
+                              <p:cond delay="0"/>
+                            </p:stCondLst>
+                            <p:childTnLst>
+                              <p:par>
+                                <p:cTn id="45" presetID="1" presetClass="entr" presetSubtype="0" fill="hold" grpId="0" nodeType="clickEffect">
+                                  <p:stCondLst>
+                                    <p:cond delay="0"/>
+                                  </p:stCondLst>
+                                  <p:childTnLst>
+                                    <p:set>
+                                      <p:cBhvr>
+                                        <p:cTn id="46" dur="1" fill="hold">
+                                          <p:stCondLst>
+                                            <p:cond delay="0"/>
+                                          </p:stCondLst>
+                                        </p:cTn>
+                                        <p:tgtEl>
+                                          <p:spTgt spid="36"/>
+                                        </p:tgtEl>
+                                        <p:attrNameLst>
+                                          <p:attrName>style.visibility</p:attrName>
+                                        </p:attrNameLst>
+                                      </p:cBhvr>
+                                      <p:to>
+                                        <p:strVal val="visible"/>
+                                      </p:to>
+                                    </p:set>
+                                  </p:childTnLst>
+                                </p:cTn>
+                              </p:par>
+                              <p:par>
+                                <p:cTn id="47" presetID="1" presetClass="entr" presetSubtype="0" fill="hold" nodeType="withEffect">
+                                  <p:stCondLst>
+                                    <p:cond delay="0"/>
+                                  </p:stCondLst>
+                                  <p:childTnLst>
+                                    <p:set>
+                                      <p:cBhvr>
+                                        <p:cTn id="48" dur="1" fill="hold">
+                                          <p:stCondLst>
+                                            <p:cond delay="0"/>
+                                          </p:stCondLst>
+                                        </p:cTn>
+                                        <p:tgtEl>
+                                          <p:spTgt spid="40"/>
+                                        </p:tgtEl>
+                                        <p:attrNameLst>
+                                          <p:attrName>style.visibility</p:attrName>
+                                        </p:attrNameLst>
+                                      </p:cBhvr>
+                                      <p:to>
+                                        <p:strVal val="visible"/>
+                                      </p:to>
+                                    </p:set>
+                                  </p:childTnLst>
+                                </p:cTn>
+                              </p:par>
+                            </p:childTnLst>
+                          </p:cTn>
+                        </p:par>
+                      </p:childTnLst>
+                    </p:cTn>
+                  </p:par>
+                  <p:par>
+                    <p:cTn id="49" fill="hold">
+                      <p:stCondLst>
+                        <p:cond delay="indefinite"/>
+                      </p:stCondLst>
+                      <p:childTnLst>
+                        <p:par>
+                          <p:cTn id="50" fill="hold">
+                            <p:stCondLst>
+                              <p:cond delay="0"/>
+                            </p:stCondLst>
+                            <p:childTnLst>
+                              <p:par>
+                                <p:cTn id="51" presetID="1" presetClass="entr" presetSubtype="0" fill="hold" nodeType="clickEffect">
+                                  <p:stCondLst>
+                                    <p:cond delay="0"/>
+                                  </p:stCondLst>
+                                  <p:childTnLst>
+                                    <p:set>
+                                      <p:cBhvr>
+                                        <p:cTn id="52" dur="1" fill="hold">
+                                          <p:stCondLst>
+                                            <p:cond delay="0"/>
+                                          </p:stCondLst>
+                                        </p:cTn>
+                                        <p:tgtEl>
+                                          <p:spTgt spid="1032"/>
+                                        </p:tgtEl>
+                                        <p:attrNameLst>
+                                          <p:attrName>style.visibility</p:attrName>
+                                        </p:attrNameLst>
+                                      </p:cBhvr>
+                                      <p:to>
+                                        <p:strVal val="visible"/>
+                                      </p:to>
+                                    </p:set>
+                                  </p:childTnLst>
+                                </p:cTn>
+                              </p:par>
+                            </p:childTnLst>
+                          </p:cTn>
+                        </p:par>
+                      </p:childTnLst>
+                    </p:cTn>
+                  </p:par>
+                  <p:par>
+                    <p:cTn id="53" fill="hold">
+                      <p:stCondLst>
+                        <p:cond delay="indefinite"/>
+                      </p:stCondLst>
+                      <p:childTnLst>
+                        <p:par>
+                          <p:cTn id="54" fill="hold">
+                            <p:stCondLst>
+                              <p:cond delay="0"/>
+                            </p:stCondLst>
+                            <p:childTnLst>
+                              <p:par>
+                                <p:cTn id="55" presetID="1" presetClass="entr" presetSubtype="0" fill="hold" nodeType="clickEffect">
+                                  <p:stCondLst>
+                                    <p:cond delay="0"/>
+                                  </p:stCondLst>
+                                  <p:childTnLst>
+                                    <p:set>
+                                      <p:cBhvr>
+                                        <p:cTn id="56" dur="1" fill="hold">
+                                          <p:stCondLst>
+                                            <p:cond delay="0"/>
+                                          </p:stCondLst>
+                                        </p:cTn>
+                                        <p:tgtEl>
+                                          <p:spTgt spid="49"/>
+                                        </p:tgtEl>
+                                        <p:attrNameLst>
+                                          <p:attrName>style.visibility</p:attrName>
+                                        </p:attrNameLst>
+                                      </p:cBhvr>
+                                      <p:to>
+                                        <p:strVal val="visible"/>
+                                      </p:to>
+                                    </p:set>
+                                  </p:childTnLst>
+                                </p:cTn>
+                              </p:par>
+                              <p:par>
+                                <p:cTn id="57" presetID="1" presetClass="entr" presetSubtype="0" fill="hold" nodeType="withEffect">
+                                  <p:stCondLst>
+                                    <p:cond delay="0"/>
+                                  </p:stCondLst>
+                                  <p:childTnLst>
+                                    <p:set>
+                                      <p:cBhvr>
+                                        <p:cTn id="58" dur="1" fill="hold">
+                                          <p:stCondLst>
+                                            <p:cond delay="0"/>
+                                          </p:stCondLst>
+                                        </p:cTn>
+                                        <p:tgtEl>
+                                          <p:spTgt spid="45"/>
+                                        </p:tgtEl>
+                                        <p:attrNameLst>
+                                          <p:attrName>style.visibility</p:attrName>
+                                        </p:attrNameLst>
+                                      </p:cBhvr>
+                                      <p:to>
+                                        <p:strVal val="visible"/>
+                                      </p:to>
+                                    </p:set>
+                                  </p:childTnLst>
+                                </p:cTn>
+                              </p:par>
+                            </p:childTnLst>
+                          </p:cTn>
+                        </p:par>
+                      </p:childTnLst>
+                    </p:cTn>
+                  </p:par>
+                </p:childTnLst>
+              </p:cTn>
+              <p:prevCondLst>
+                <p:cond evt="onPrev" delay="0">
+                  <p:tgtEl>
+                    <p:sldTgt/>
+                  </p:tgtEl>
+                </p:cond>
+              </p:prevCondLst>
+              <p:nextCondLst>
+                <p:cond evt="onNext" delay="0">
+                  <p:tgtEl>
+                    <p:sldTgt/>
+                  </p:tgtEl>
+                </p:cond>
+              </p:nextCondLst>
+            </p:seq>
+          </p:childTnLst>
+        </p:cTn>
       </p:par>
     </p:tnLst>
+    <p:bldLst>
+      <p:bldP spid="36" grpId="0" animBg="1"/>
+    </p:bldLst>
   </p:timing>
 </p:sld>
 </file>
@@ -8147,6 +9722,1358 @@
       </p:grpSpPr>
       <p:sp>
         <p:nvSpPr>
+          <p:cNvPr id="2" name="Title 1"/>
+          <p:cNvSpPr>
+            <a:spLocks noGrp="1"/>
+          </p:cNvSpPr>
+          <p:nvPr>
+            <p:ph type="title"/>
+          </p:nvPr>
+        </p:nvSpPr>
+        <p:spPr/>
+        <p:txBody>
+          <a:bodyPr/>
+          <a:lstStyle/>
+          <a:p>
+            <a:r>
+              <a:rPr lang="nl-BE" dirty="0" smtClean="0"/>
+              <a:t>DoFixture:</a:t>
+            </a:r>
+            <a:endParaRPr lang="nl-BE" dirty="0"/>
+          </a:p>
+        </p:txBody>
+      </p:sp>
+      <p:cxnSp>
+        <p:nvCxnSpPr>
+          <p:cNvPr id="6" name="Straight Arrow Connector 5"/>
+          <p:cNvCxnSpPr/>
+          <p:nvPr/>
+        </p:nvCxnSpPr>
+        <p:spPr>
+          <a:xfrm flipV="1">
+            <a:off x="2786050" y="2214554"/>
+            <a:ext cx="1285884" cy="857256"/>
+          </a:xfrm>
+          <a:prstGeom prst="straightConnector1">
+            <a:avLst/>
+          </a:prstGeom>
+          <a:ln w="25400" cmpd="sng">
+            <a:solidFill>
+              <a:srgbClr val="FF0000"/>
+            </a:solidFill>
+            <a:tailEnd type="arrow"/>
+          </a:ln>
+        </p:spPr>
+        <p:style>
+          <a:lnRef idx="1">
+            <a:schemeClr val="accent1"/>
+          </a:lnRef>
+          <a:fillRef idx="0">
+            <a:schemeClr val="accent1"/>
+          </a:fillRef>
+          <a:effectRef idx="0">
+            <a:schemeClr val="accent1"/>
+          </a:effectRef>
+          <a:fontRef idx="minor">
+            <a:schemeClr val="tx1"/>
+          </a:fontRef>
+        </p:style>
+      </p:cxnSp>
+      <p:sp>
+        <p:nvSpPr>
+          <p:cNvPr id="19" name="TextBox 18"/>
+          <p:cNvSpPr txBox="1"/>
+          <p:nvPr/>
+        </p:nvSpPr>
+        <p:spPr>
+          <a:xfrm>
+            <a:off x="500034" y="1119830"/>
+            <a:ext cx="4312399" cy="523220"/>
+          </a:xfrm>
+          <a:prstGeom prst="rect">
+            <a:avLst/>
+          </a:prstGeom>
+          <a:noFill/>
+        </p:spPr>
+        <p:txBody>
+          <a:bodyPr wrap="none" rtlCol="0">
+            <a:spAutoFit/>
+          </a:bodyPr>
+          <a:lstStyle/>
+          <a:p>
+            <a:r>
+              <a:rPr lang="nl-BE" sz="2800" dirty="0" smtClean="0">
+                <a:effectLst>
+                  <a:outerShdw blurRad="38100" dist="38100" dir="2700000" algn="tl">
+                    <a:srgbClr val="000000">
+                      <a:alpha val="43137"/>
+                    </a:srgbClr>
+                  </a:outerShdw>
+                </a:effectLst>
+              </a:rPr>
+              <a:t>Your own test language</a:t>
+            </a:r>
+            <a:endParaRPr lang="nl-BE" sz="2800" dirty="0">
+              <a:effectLst>
+                <a:outerShdw blurRad="38100" dist="38100" dir="2700000" algn="tl">
+                  <a:srgbClr val="000000">
+                    <a:alpha val="43137"/>
+                  </a:srgbClr>
+                </a:outerShdw>
+              </a:effectLst>
+            </a:endParaRPr>
+          </a:p>
+        </p:txBody>
+      </p:sp>
+      <p:pic>
+        <p:nvPicPr>
+          <p:cNvPr id="2050" name="Picture 2"/>
+          <p:cNvPicPr>
+            <a:picLocks noChangeAspect="1" noChangeArrowheads="1"/>
+          </p:cNvPicPr>
+          <p:nvPr/>
+        </p:nvPicPr>
+        <p:blipFill>
+          <a:blip r:embed="rId3" cstate="print"/>
+          <a:srcRect/>
+          <a:stretch>
+            <a:fillRect/>
+          </a:stretch>
+        </p:blipFill>
+        <p:spPr bwMode="auto">
+          <a:xfrm>
+            <a:off x="1357290" y="3000372"/>
+            <a:ext cx="2114550" cy="733425"/>
+          </a:xfrm>
+          <a:prstGeom prst="rect">
+            <a:avLst/>
+          </a:prstGeom>
+          <a:noFill/>
+          <a:ln w="9525">
+            <a:noFill/>
+            <a:miter lim="800000"/>
+            <a:headEnd/>
+            <a:tailEnd/>
+          </a:ln>
+          <a:effectLst/>
+        </p:spPr>
+      </p:pic>
+      <p:pic>
+        <p:nvPicPr>
+          <p:cNvPr id="2052" name="Picture 4"/>
+          <p:cNvPicPr>
+            <a:picLocks noChangeAspect="1" noChangeArrowheads="1"/>
+          </p:cNvPicPr>
+          <p:nvPr/>
+        </p:nvPicPr>
+        <p:blipFill>
+          <a:blip r:embed="rId4" cstate="print"/>
+          <a:srcRect/>
+          <a:stretch>
+            <a:fillRect/>
+          </a:stretch>
+        </p:blipFill>
+        <p:spPr bwMode="auto">
+          <a:xfrm>
+            <a:off x="2571736" y="1928802"/>
+            <a:ext cx="4086225" cy="228600"/>
+          </a:xfrm>
+          <a:prstGeom prst="rect">
+            <a:avLst/>
+          </a:prstGeom>
+          <a:noFill/>
+          <a:ln w="9525">
+            <a:noFill/>
+            <a:miter lim="800000"/>
+            <a:headEnd/>
+            <a:tailEnd/>
+          </a:ln>
+          <a:effectLst/>
+        </p:spPr>
+      </p:pic>
+      <p:pic>
+        <p:nvPicPr>
+          <p:cNvPr id="2054" name="Picture 6"/>
+          <p:cNvPicPr>
+            <a:picLocks noChangeAspect="1" noChangeArrowheads="1"/>
+          </p:cNvPicPr>
+          <p:nvPr/>
+        </p:nvPicPr>
+        <p:blipFill>
+          <a:blip r:embed="rId5" cstate="print"/>
+          <a:srcRect/>
+          <a:stretch>
+            <a:fillRect/>
+          </a:stretch>
+        </p:blipFill>
+        <p:spPr bwMode="auto">
+          <a:xfrm>
+            <a:off x="2000232" y="4786322"/>
+            <a:ext cx="5524500" cy="219075"/>
+          </a:xfrm>
+          <a:prstGeom prst="rect">
+            <a:avLst/>
+          </a:prstGeom>
+          <a:noFill/>
+          <a:ln w="9525">
+            <a:noFill/>
+            <a:miter lim="800000"/>
+            <a:headEnd/>
+            <a:tailEnd/>
+          </a:ln>
+          <a:effectLst/>
+        </p:spPr>
+      </p:pic>
+      <p:cxnSp>
+        <p:nvCxnSpPr>
+          <p:cNvPr id="10" name="Straight Arrow Connector 9"/>
+          <p:cNvCxnSpPr/>
+          <p:nvPr/>
+        </p:nvCxnSpPr>
+        <p:spPr>
+          <a:xfrm>
+            <a:off x="1643042" y="3571876"/>
+            <a:ext cx="1571636" cy="1143008"/>
+          </a:xfrm>
+          <a:prstGeom prst="straightConnector1">
+            <a:avLst/>
+          </a:prstGeom>
+          <a:ln w="25400" cmpd="sng">
+            <a:solidFill>
+              <a:srgbClr val="FF0000"/>
+            </a:solidFill>
+            <a:tailEnd type="arrow"/>
+          </a:ln>
+        </p:spPr>
+        <p:style>
+          <a:lnRef idx="1">
+            <a:schemeClr val="accent1"/>
+          </a:lnRef>
+          <a:fillRef idx="0">
+            <a:schemeClr val="accent1"/>
+          </a:fillRef>
+          <a:effectRef idx="0">
+            <a:schemeClr val="accent1"/>
+          </a:effectRef>
+          <a:fontRef idx="minor">
+            <a:schemeClr val="tx1"/>
+          </a:fontRef>
+        </p:style>
+      </p:cxnSp>
+      <p:cxnSp>
+        <p:nvCxnSpPr>
+          <p:cNvPr id="15" name="Straight Arrow Connector 14"/>
+          <p:cNvCxnSpPr/>
+          <p:nvPr/>
+        </p:nvCxnSpPr>
+        <p:spPr>
+          <a:xfrm>
+            <a:off x="2571736" y="3643314"/>
+            <a:ext cx="1214446" cy="1071570"/>
+          </a:xfrm>
+          <a:prstGeom prst="straightConnector1">
+            <a:avLst/>
+          </a:prstGeom>
+          <a:ln w="25400" cmpd="sng">
+            <a:solidFill>
+              <a:srgbClr val="FF0000"/>
+            </a:solidFill>
+            <a:tailEnd type="arrow"/>
+          </a:ln>
+        </p:spPr>
+        <p:style>
+          <a:lnRef idx="1">
+            <a:schemeClr val="accent1"/>
+          </a:lnRef>
+          <a:fillRef idx="0">
+            <a:schemeClr val="accent1"/>
+          </a:fillRef>
+          <a:effectRef idx="0">
+            <a:schemeClr val="accent1"/>
+          </a:effectRef>
+          <a:fontRef idx="minor">
+            <a:schemeClr val="tx1"/>
+          </a:fontRef>
+        </p:style>
+      </p:cxnSp>
+      <p:cxnSp>
+        <p:nvCxnSpPr>
+          <p:cNvPr id="34" name="Straight Arrow Connector 33"/>
+          <p:cNvCxnSpPr/>
+          <p:nvPr/>
+        </p:nvCxnSpPr>
+        <p:spPr>
+          <a:xfrm>
+            <a:off x="2000232" y="3643314"/>
+            <a:ext cx="3286148" cy="1071570"/>
+          </a:xfrm>
+          <a:prstGeom prst="straightConnector1">
+            <a:avLst/>
+          </a:prstGeom>
+          <a:ln w="25400" cmpd="sng">
+            <a:solidFill>
+              <a:srgbClr val="FF0000"/>
+            </a:solidFill>
+            <a:tailEnd type="arrow"/>
+          </a:ln>
+        </p:spPr>
+        <p:style>
+          <a:lnRef idx="1">
+            <a:schemeClr val="accent1"/>
+          </a:lnRef>
+          <a:fillRef idx="0">
+            <a:schemeClr val="accent1"/>
+          </a:fillRef>
+          <a:effectRef idx="0">
+            <a:schemeClr val="accent1"/>
+          </a:effectRef>
+          <a:fontRef idx="minor">
+            <a:schemeClr val="tx1"/>
+          </a:fontRef>
+        </p:style>
+      </p:cxnSp>
+      <p:cxnSp>
+        <p:nvCxnSpPr>
+          <p:cNvPr id="39" name="Straight Arrow Connector 38"/>
+          <p:cNvCxnSpPr/>
+          <p:nvPr/>
+        </p:nvCxnSpPr>
+        <p:spPr>
+          <a:xfrm>
+            <a:off x="3357554" y="3643314"/>
+            <a:ext cx="3500462" cy="1071570"/>
+          </a:xfrm>
+          <a:prstGeom prst="straightConnector1">
+            <a:avLst/>
+          </a:prstGeom>
+          <a:ln w="25400" cmpd="sng">
+            <a:solidFill>
+              <a:srgbClr val="FF0000"/>
+            </a:solidFill>
+            <a:tailEnd type="arrow"/>
+          </a:ln>
+        </p:spPr>
+        <p:style>
+          <a:lnRef idx="1">
+            <a:schemeClr val="accent1"/>
+          </a:lnRef>
+          <a:fillRef idx="0">
+            <a:schemeClr val="accent1"/>
+          </a:fillRef>
+          <a:effectRef idx="0">
+            <a:schemeClr val="accent1"/>
+          </a:effectRef>
+          <a:fontRef idx="minor">
+            <a:schemeClr val="tx1"/>
+          </a:fontRef>
+        </p:style>
+      </p:cxnSp>
+    </p:spTree>
+  </p:cSld>
+  <p:clrMapOvr>
+    <a:masterClrMapping/>
+  </p:clrMapOvr>
+  <p:timing>
+    <p:tnLst>
+      <p:par>
+        <p:cTn id="1" dur="indefinite" restart="never" nodeType="tmRoot">
+          <p:childTnLst>
+            <p:seq concurrent="1" nextAc="seek">
+              <p:cTn id="2" dur="indefinite" nodeType="mainSeq">
+                <p:childTnLst>
+                  <p:par>
+                    <p:cTn id="3" fill="hold">
+                      <p:stCondLst>
+                        <p:cond delay="indefinite"/>
+                      </p:stCondLst>
+                      <p:childTnLst>
+                        <p:par>
+                          <p:cTn id="4" fill="hold">
+                            <p:stCondLst>
+                              <p:cond delay="0"/>
+                            </p:stCondLst>
+                            <p:childTnLst>
+                              <p:par>
+                                <p:cTn id="5" presetID="1" presetClass="entr" presetSubtype="0" fill="hold" nodeType="clickEffect">
+                                  <p:stCondLst>
+                                    <p:cond delay="0"/>
+                                  </p:stCondLst>
+                                  <p:childTnLst>
+                                    <p:set>
+                                      <p:cBhvr>
+                                        <p:cTn id="6" dur="1" fill="hold">
+                                          <p:stCondLst>
+                                            <p:cond delay="0"/>
+                                          </p:stCondLst>
+                                        </p:cTn>
+                                        <p:tgtEl>
+                                          <p:spTgt spid="6"/>
+                                        </p:tgtEl>
+                                        <p:attrNameLst>
+                                          <p:attrName>style.visibility</p:attrName>
+                                        </p:attrNameLst>
+                                      </p:cBhvr>
+                                      <p:to>
+                                        <p:strVal val="visible"/>
+                                      </p:to>
+                                    </p:set>
+                                  </p:childTnLst>
+                                </p:cTn>
+                              </p:par>
+                            </p:childTnLst>
+                          </p:cTn>
+                        </p:par>
+                      </p:childTnLst>
+                    </p:cTn>
+                  </p:par>
+                  <p:par>
+                    <p:cTn id="7" fill="hold">
+                      <p:stCondLst>
+                        <p:cond delay="indefinite"/>
+                      </p:stCondLst>
+                      <p:childTnLst>
+                        <p:par>
+                          <p:cTn id="8" fill="hold">
+                            <p:stCondLst>
+                              <p:cond delay="0"/>
+                            </p:stCondLst>
+                            <p:childTnLst>
+                              <p:par>
+                                <p:cTn id="9" presetID="1" presetClass="entr" presetSubtype="0" fill="hold" nodeType="clickEffect">
+                                  <p:stCondLst>
+                                    <p:cond delay="0"/>
+                                  </p:stCondLst>
+                                  <p:childTnLst>
+                                    <p:set>
+                                      <p:cBhvr>
+                                        <p:cTn id="10" dur="1" fill="hold">
+                                          <p:stCondLst>
+                                            <p:cond delay="0"/>
+                                          </p:stCondLst>
+                                        </p:cTn>
+                                        <p:tgtEl>
+                                          <p:spTgt spid="2052"/>
+                                        </p:tgtEl>
+                                        <p:attrNameLst>
+                                          <p:attrName>style.visibility</p:attrName>
+                                        </p:attrNameLst>
+                                      </p:cBhvr>
+                                      <p:to>
+                                        <p:strVal val="visible"/>
+                                      </p:to>
+                                    </p:set>
+                                  </p:childTnLst>
+                                </p:cTn>
+                              </p:par>
+                            </p:childTnLst>
+                          </p:cTn>
+                        </p:par>
+                      </p:childTnLst>
+                    </p:cTn>
+                  </p:par>
+                  <p:par>
+                    <p:cTn id="11" fill="hold">
+                      <p:stCondLst>
+                        <p:cond delay="indefinite"/>
+                      </p:stCondLst>
+                      <p:childTnLst>
+                        <p:par>
+                          <p:cTn id="12" fill="hold">
+                            <p:stCondLst>
+                              <p:cond delay="0"/>
+                            </p:stCondLst>
+                            <p:childTnLst>
+                              <p:par>
+                                <p:cTn id="13" presetID="1" presetClass="entr" presetSubtype="0" fill="hold" nodeType="clickEffect">
+                                  <p:stCondLst>
+                                    <p:cond delay="0"/>
+                                  </p:stCondLst>
+                                  <p:childTnLst>
+                                    <p:set>
+                                      <p:cBhvr>
+                                        <p:cTn id="14" dur="1" fill="hold">
+                                          <p:stCondLst>
+                                            <p:cond delay="0"/>
+                                          </p:stCondLst>
+                                        </p:cTn>
+                                        <p:tgtEl>
+                                          <p:spTgt spid="10"/>
+                                        </p:tgtEl>
+                                        <p:attrNameLst>
+                                          <p:attrName>style.visibility</p:attrName>
+                                        </p:attrNameLst>
+                                      </p:cBhvr>
+                                      <p:to>
+                                        <p:strVal val="visible"/>
+                                      </p:to>
+                                    </p:set>
+                                  </p:childTnLst>
+                                </p:cTn>
+                              </p:par>
+                            </p:childTnLst>
+                          </p:cTn>
+                        </p:par>
+                      </p:childTnLst>
+                    </p:cTn>
+                  </p:par>
+                  <p:par>
+                    <p:cTn id="15" fill="hold">
+                      <p:stCondLst>
+                        <p:cond delay="indefinite"/>
+                      </p:stCondLst>
+                      <p:childTnLst>
+                        <p:par>
+                          <p:cTn id="16" fill="hold">
+                            <p:stCondLst>
+                              <p:cond delay="0"/>
+                            </p:stCondLst>
+                            <p:childTnLst>
+                              <p:par>
+                                <p:cTn id="17" presetID="1" presetClass="entr" presetSubtype="0" fill="hold" nodeType="clickEffect">
+                                  <p:stCondLst>
+                                    <p:cond delay="0"/>
+                                  </p:stCondLst>
+                                  <p:childTnLst>
+                                    <p:set>
+                                      <p:cBhvr>
+                                        <p:cTn id="18" dur="1" fill="hold">
+                                          <p:stCondLst>
+                                            <p:cond delay="0"/>
+                                          </p:stCondLst>
+                                        </p:cTn>
+                                        <p:tgtEl>
+                                          <p:spTgt spid="2054"/>
+                                        </p:tgtEl>
+                                        <p:attrNameLst>
+                                          <p:attrName>style.visibility</p:attrName>
+                                        </p:attrNameLst>
+                                      </p:cBhvr>
+                                      <p:to>
+                                        <p:strVal val="visible"/>
+                                      </p:to>
+                                    </p:set>
+                                  </p:childTnLst>
+                                </p:cTn>
+                              </p:par>
+                            </p:childTnLst>
+                          </p:cTn>
+                        </p:par>
+                      </p:childTnLst>
+                    </p:cTn>
+                  </p:par>
+                  <p:par>
+                    <p:cTn id="19" fill="hold">
+                      <p:stCondLst>
+                        <p:cond delay="indefinite"/>
+                      </p:stCondLst>
+                      <p:childTnLst>
+                        <p:par>
+                          <p:cTn id="20" fill="hold">
+                            <p:stCondLst>
+                              <p:cond delay="0"/>
+                            </p:stCondLst>
+                            <p:childTnLst>
+                              <p:par>
+                                <p:cTn id="21" presetID="1" presetClass="entr" presetSubtype="0" fill="hold" nodeType="clickEffect">
+                                  <p:stCondLst>
+                                    <p:cond delay="0"/>
+                                  </p:stCondLst>
+                                  <p:childTnLst>
+                                    <p:set>
+                                      <p:cBhvr>
+                                        <p:cTn id="22" dur="1" fill="hold">
+                                          <p:stCondLst>
+                                            <p:cond delay="0"/>
+                                          </p:stCondLst>
+                                        </p:cTn>
+                                        <p:tgtEl>
+                                          <p:spTgt spid="15"/>
+                                        </p:tgtEl>
+                                        <p:attrNameLst>
+                                          <p:attrName>style.visibility</p:attrName>
+                                        </p:attrNameLst>
+                                      </p:cBhvr>
+                                      <p:to>
+                                        <p:strVal val="visible"/>
+                                      </p:to>
+                                    </p:set>
+                                  </p:childTnLst>
+                                </p:cTn>
+                              </p:par>
+                            </p:childTnLst>
+                          </p:cTn>
+                        </p:par>
+                      </p:childTnLst>
+                    </p:cTn>
+                  </p:par>
+                  <p:par>
+                    <p:cTn id="23" fill="hold">
+                      <p:stCondLst>
+                        <p:cond delay="indefinite"/>
+                      </p:stCondLst>
+                      <p:childTnLst>
+                        <p:par>
+                          <p:cTn id="24" fill="hold">
+                            <p:stCondLst>
+                              <p:cond delay="0"/>
+                            </p:stCondLst>
+                            <p:childTnLst>
+                              <p:par>
+                                <p:cTn id="25" presetID="1" presetClass="entr" presetSubtype="0" fill="hold" nodeType="clickEffect">
+                                  <p:stCondLst>
+                                    <p:cond delay="0"/>
+                                  </p:stCondLst>
+                                  <p:childTnLst>
+                                    <p:set>
+                                      <p:cBhvr>
+                                        <p:cTn id="26" dur="1" fill="hold">
+                                          <p:stCondLst>
+                                            <p:cond delay="0"/>
+                                          </p:stCondLst>
+                                        </p:cTn>
+                                        <p:tgtEl>
+                                          <p:spTgt spid="34"/>
+                                        </p:tgtEl>
+                                        <p:attrNameLst>
+                                          <p:attrName>style.visibility</p:attrName>
+                                        </p:attrNameLst>
+                                      </p:cBhvr>
+                                      <p:to>
+                                        <p:strVal val="visible"/>
+                                      </p:to>
+                                    </p:set>
+                                  </p:childTnLst>
+                                </p:cTn>
+                              </p:par>
+                            </p:childTnLst>
+                          </p:cTn>
+                        </p:par>
+                      </p:childTnLst>
+                    </p:cTn>
+                  </p:par>
+                  <p:par>
+                    <p:cTn id="27" fill="hold">
+                      <p:stCondLst>
+                        <p:cond delay="indefinite"/>
+                      </p:stCondLst>
+                      <p:childTnLst>
+                        <p:par>
+                          <p:cTn id="28" fill="hold">
+                            <p:stCondLst>
+                              <p:cond delay="0"/>
+                            </p:stCondLst>
+                            <p:childTnLst>
+                              <p:par>
+                                <p:cTn id="29" presetID="1" presetClass="entr" presetSubtype="0" fill="hold" nodeType="clickEffect">
+                                  <p:stCondLst>
+                                    <p:cond delay="0"/>
+                                  </p:stCondLst>
+                                  <p:childTnLst>
+                                    <p:set>
+                                      <p:cBhvr>
+                                        <p:cTn id="30" dur="1" fill="hold">
+                                          <p:stCondLst>
+                                            <p:cond delay="0"/>
+                                          </p:stCondLst>
+                                        </p:cTn>
+                                        <p:tgtEl>
+                                          <p:spTgt spid="39"/>
+                                        </p:tgtEl>
+                                        <p:attrNameLst>
+                                          <p:attrName>style.visibility</p:attrName>
+                                        </p:attrNameLst>
+                                      </p:cBhvr>
+                                      <p:to>
+                                        <p:strVal val="visible"/>
+                                      </p:to>
+                                    </p:set>
+                                  </p:childTnLst>
+                                </p:cTn>
+                              </p:par>
+                            </p:childTnLst>
+                          </p:cTn>
+                        </p:par>
+                      </p:childTnLst>
+                    </p:cTn>
+                  </p:par>
+                </p:childTnLst>
+              </p:cTn>
+              <p:prevCondLst>
+                <p:cond evt="onPrev" delay="0">
+                  <p:tgtEl>
+                    <p:sldTgt/>
+                  </p:tgtEl>
+                </p:cond>
+              </p:prevCondLst>
+              <p:nextCondLst>
+                <p:cond evt="onNext" delay="0">
+                  <p:tgtEl>
+                    <p:sldTgt/>
+                  </p:tgtEl>
+                </p:cond>
+              </p:nextCondLst>
+            </p:seq>
+          </p:childTnLst>
+        </p:cTn>
+      </p:par>
+    </p:tnLst>
+  </p:timing>
+</p:sld>
+</file>
+
+<file path=ppt/slides/slide17.xml><?xml version="1.0" encoding="utf-8"?>
+<p:sld xmlns:a="http://schemas.openxmlformats.org/drawingml/2006/main" xmlns:r="http://schemas.openxmlformats.org/officeDocument/2006/relationships" xmlns:p="http://schemas.openxmlformats.org/presentationml/2006/main">
+  <p:cSld>
+    <p:spTree>
+      <p:nvGrpSpPr>
+        <p:cNvPr id="1" name=""/>
+        <p:cNvGrpSpPr/>
+        <p:nvPr/>
+      </p:nvGrpSpPr>
+      <p:grpSpPr>
+        <a:xfrm>
+          <a:off x="0" y="0"/>
+          <a:ext cx="0" cy="0"/>
+          <a:chOff x="0" y="0"/>
+          <a:chExt cx="0" cy="0"/>
+        </a:xfrm>
+      </p:grpSpPr>
+      <p:sp>
+        <p:nvSpPr>
+          <p:cNvPr id="2" name="Title 1"/>
+          <p:cNvSpPr>
+            <a:spLocks noGrp="1"/>
+          </p:cNvSpPr>
+          <p:nvPr>
+            <p:ph type="title"/>
+          </p:nvPr>
+        </p:nvSpPr>
+        <p:spPr/>
+        <p:txBody>
+          <a:bodyPr/>
+          <a:lstStyle/>
+          <a:p>
+            <a:r>
+              <a:rPr lang="nl-BE" dirty="0" smtClean="0"/>
+              <a:t>RowFixture:</a:t>
+            </a:r>
+            <a:endParaRPr lang="nl-BE" dirty="0"/>
+          </a:p>
+        </p:txBody>
+      </p:sp>
+      <p:cxnSp>
+        <p:nvCxnSpPr>
+          <p:cNvPr id="6" name="Straight Arrow Connector 5"/>
+          <p:cNvCxnSpPr/>
+          <p:nvPr/>
+        </p:nvCxnSpPr>
+        <p:spPr>
+          <a:xfrm flipV="1">
+            <a:off x="2643174" y="2428868"/>
+            <a:ext cx="1143008" cy="428628"/>
+          </a:xfrm>
+          <a:prstGeom prst="straightConnector1">
+            <a:avLst/>
+          </a:prstGeom>
+          <a:ln w="25400" cmpd="sng">
+            <a:solidFill>
+              <a:srgbClr val="FF0000"/>
+            </a:solidFill>
+            <a:tailEnd type="arrow"/>
+          </a:ln>
+        </p:spPr>
+        <p:style>
+          <a:lnRef idx="1">
+            <a:schemeClr val="accent1"/>
+          </a:lnRef>
+          <a:fillRef idx="0">
+            <a:schemeClr val="accent1"/>
+          </a:fillRef>
+          <a:effectRef idx="0">
+            <a:schemeClr val="accent1"/>
+          </a:effectRef>
+          <a:fontRef idx="minor">
+            <a:schemeClr val="tx1"/>
+          </a:fontRef>
+        </p:style>
+      </p:cxnSp>
+      <p:sp>
+        <p:nvSpPr>
+          <p:cNvPr id="19" name="TextBox 18"/>
+          <p:cNvSpPr txBox="1"/>
+          <p:nvPr/>
+        </p:nvSpPr>
+        <p:spPr>
+          <a:xfrm>
+            <a:off x="500034" y="1119830"/>
+            <a:ext cx="3472425" cy="523220"/>
+          </a:xfrm>
+          <a:prstGeom prst="rect">
+            <a:avLst/>
+          </a:prstGeom>
+          <a:noFill/>
+        </p:spPr>
+        <p:txBody>
+          <a:bodyPr wrap="none" rtlCol="0">
+            <a:spAutoFit/>
+          </a:bodyPr>
+          <a:lstStyle/>
+          <a:p>
+            <a:r>
+              <a:rPr lang="en-US" sz="2800" dirty="0" smtClean="0">
+                <a:effectLst>
+                  <a:outerShdw blurRad="38100" dist="38100" dir="2700000" algn="tl">
+                    <a:srgbClr val="000000">
+                      <a:alpha val="43137"/>
+                    </a:srgbClr>
+                  </a:outerShdw>
+                </a:effectLst>
+              </a:rPr>
+              <a:t>Batch comparisons</a:t>
+            </a:r>
+            <a:endParaRPr lang="nl-BE" sz="2800" dirty="0">
+              <a:effectLst>
+                <a:outerShdw blurRad="38100" dist="38100" dir="2700000" algn="tl">
+                  <a:srgbClr val="000000">
+                    <a:alpha val="43137"/>
+                  </a:srgbClr>
+                </a:outerShdw>
+              </a:effectLst>
+            </a:endParaRPr>
+          </a:p>
+        </p:txBody>
+      </p:sp>
+      <p:cxnSp>
+        <p:nvCxnSpPr>
+          <p:cNvPr id="10" name="Straight Arrow Connector 9"/>
+          <p:cNvCxnSpPr/>
+          <p:nvPr/>
+        </p:nvCxnSpPr>
+        <p:spPr>
+          <a:xfrm>
+            <a:off x="2643174" y="3929066"/>
+            <a:ext cx="1071570" cy="714380"/>
+          </a:xfrm>
+          <a:prstGeom prst="straightConnector1">
+            <a:avLst/>
+          </a:prstGeom>
+          <a:ln w="25400" cmpd="sng">
+            <a:solidFill>
+              <a:srgbClr val="FF0000"/>
+            </a:solidFill>
+            <a:tailEnd type="arrow"/>
+          </a:ln>
+        </p:spPr>
+        <p:style>
+          <a:lnRef idx="1">
+            <a:schemeClr val="accent1"/>
+          </a:lnRef>
+          <a:fillRef idx="0">
+            <a:schemeClr val="accent1"/>
+          </a:fillRef>
+          <a:effectRef idx="0">
+            <a:schemeClr val="accent1"/>
+          </a:effectRef>
+          <a:fontRef idx="minor">
+            <a:schemeClr val="tx1"/>
+          </a:fontRef>
+        </p:style>
+      </p:cxnSp>
+      <p:pic>
+        <p:nvPicPr>
+          <p:cNvPr id="3074" name="Picture 2"/>
+          <p:cNvPicPr>
+            <a:picLocks noChangeAspect="1" noChangeArrowheads="1"/>
+          </p:cNvPicPr>
+          <p:nvPr/>
+        </p:nvPicPr>
+        <p:blipFill>
+          <a:blip r:embed="rId3" cstate="print"/>
+          <a:srcRect/>
+          <a:stretch>
+            <a:fillRect/>
+          </a:stretch>
+        </p:blipFill>
+        <p:spPr bwMode="auto">
+          <a:xfrm>
+            <a:off x="1142976" y="2786058"/>
+            <a:ext cx="3133725" cy="1019175"/>
+          </a:xfrm>
+          <a:prstGeom prst="rect">
+            <a:avLst/>
+          </a:prstGeom>
+          <a:noFill/>
+          <a:ln w="9525">
+            <a:noFill/>
+            <a:miter lim="800000"/>
+            <a:headEnd/>
+            <a:tailEnd/>
+          </a:ln>
+          <a:effectLst/>
+        </p:spPr>
+      </p:pic>
+      <p:pic>
+        <p:nvPicPr>
+          <p:cNvPr id="3075" name="Picture 3"/>
+          <p:cNvPicPr>
+            <a:picLocks noChangeAspect="1" noChangeArrowheads="1"/>
+          </p:cNvPicPr>
+          <p:nvPr/>
+        </p:nvPicPr>
+        <p:blipFill>
+          <a:blip r:embed="rId4" cstate="print"/>
+          <a:srcRect/>
+          <a:stretch>
+            <a:fillRect/>
+          </a:stretch>
+        </p:blipFill>
+        <p:spPr bwMode="auto">
+          <a:xfrm>
+            <a:off x="3286116" y="2143116"/>
+            <a:ext cx="4000500" cy="219075"/>
+          </a:xfrm>
+          <a:prstGeom prst="rect">
+            <a:avLst/>
+          </a:prstGeom>
+          <a:noFill/>
+          <a:ln w="9525">
+            <a:noFill/>
+            <a:miter lim="800000"/>
+            <a:headEnd/>
+            <a:tailEnd/>
+          </a:ln>
+          <a:effectLst/>
+        </p:spPr>
+      </p:pic>
+      <p:pic>
+        <p:nvPicPr>
+          <p:cNvPr id="3076" name="Picture 4"/>
+          <p:cNvPicPr>
+            <a:picLocks noChangeAspect="1" noChangeArrowheads="1"/>
+          </p:cNvPicPr>
+          <p:nvPr/>
+        </p:nvPicPr>
+        <p:blipFill>
+          <a:blip r:embed="rId5" cstate="print"/>
+          <a:srcRect/>
+          <a:stretch>
+            <a:fillRect/>
+          </a:stretch>
+        </p:blipFill>
+        <p:spPr bwMode="auto">
+          <a:xfrm>
+            <a:off x="3857620" y="4500570"/>
+            <a:ext cx="3238500" cy="238125"/>
+          </a:xfrm>
+          <a:prstGeom prst="rect">
+            <a:avLst/>
+          </a:prstGeom>
+          <a:noFill/>
+          <a:ln w="9525">
+            <a:noFill/>
+            <a:miter lim="800000"/>
+            <a:headEnd/>
+            <a:tailEnd/>
+          </a:ln>
+          <a:effectLst/>
+        </p:spPr>
+      </p:pic>
+      <p:pic>
+        <p:nvPicPr>
+          <p:cNvPr id="3077" name="Picture 5"/>
+          <p:cNvPicPr>
+            <a:picLocks noChangeAspect="1" noChangeArrowheads="1"/>
+          </p:cNvPicPr>
+          <p:nvPr/>
+        </p:nvPicPr>
+        <p:blipFill>
+          <a:blip r:embed="rId6" cstate="print"/>
+          <a:srcRect/>
+          <a:stretch>
+            <a:fillRect/>
+          </a:stretch>
+        </p:blipFill>
+        <p:spPr bwMode="auto">
+          <a:xfrm>
+            <a:off x="5214942" y="3143248"/>
+            <a:ext cx="3657600" cy="266700"/>
+          </a:xfrm>
+          <a:prstGeom prst="rect">
+            <a:avLst/>
+          </a:prstGeom>
+          <a:noFill/>
+          <a:ln w="9525">
+            <a:noFill/>
+            <a:miter lim="800000"/>
+            <a:headEnd/>
+            <a:tailEnd/>
+          </a:ln>
+          <a:effectLst/>
+        </p:spPr>
+      </p:pic>
+      <p:cxnSp>
+        <p:nvCxnSpPr>
+          <p:cNvPr id="18" name="Straight Arrow Connector 17"/>
+          <p:cNvCxnSpPr/>
+          <p:nvPr/>
+        </p:nvCxnSpPr>
+        <p:spPr>
+          <a:xfrm>
+            <a:off x="4429124" y="3286124"/>
+            <a:ext cx="714380" cy="1588"/>
+          </a:xfrm>
+          <a:prstGeom prst="straightConnector1">
+            <a:avLst/>
+          </a:prstGeom>
+          <a:ln w="25400" cmpd="sng">
+            <a:solidFill>
+              <a:srgbClr val="FF0000"/>
+            </a:solidFill>
+            <a:tailEnd type="arrow"/>
+          </a:ln>
+        </p:spPr>
+        <p:style>
+          <a:lnRef idx="1">
+            <a:schemeClr val="accent1"/>
+          </a:lnRef>
+          <a:fillRef idx="0">
+            <a:schemeClr val="accent1"/>
+          </a:fillRef>
+          <a:effectRef idx="0">
+            <a:schemeClr val="accent1"/>
+          </a:effectRef>
+          <a:fontRef idx="minor">
+            <a:schemeClr val="tx1"/>
+          </a:fontRef>
+        </p:style>
+      </p:cxnSp>
+    </p:spTree>
+  </p:cSld>
+  <p:clrMapOvr>
+    <a:masterClrMapping/>
+  </p:clrMapOvr>
+  <p:timing>
+    <p:tnLst>
+      <p:par>
+        <p:cTn id="1" dur="indefinite" restart="never" nodeType="tmRoot">
+          <p:childTnLst>
+            <p:seq concurrent="1" nextAc="seek">
+              <p:cTn id="2" dur="indefinite" nodeType="mainSeq">
+                <p:childTnLst>
+                  <p:par>
+                    <p:cTn id="3" fill="hold">
+                      <p:stCondLst>
+                        <p:cond delay="indefinite"/>
+                      </p:stCondLst>
+                      <p:childTnLst>
+                        <p:par>
+                          <p:cTn id="4" fill="hold">
+                            <p:stCondLst>
+                              <p:cond delay="0"/>
+                            </p:stCondLst>
+                            <p:childTnLst>
+                              <p:par>
+                                <p:cTn id="5" presetID="1" presetClass="entr" presetSubtype="0" fill="hold" nodeType="clickEffect">
+                                  <p:stCondLst>
+                                    <p:cond delay="0"/>
+                                  </p:stCondLst>
+                                  <p:childTnLst>
+                                    <p:set>
+                                      <p:cBhvr>
+                                        <p:cTn id="6" dur="1" fill="hold">
+                                          <p:stCondLst>
+                                            <p:cond delay="0"/>
+                                          </p:stCondLst>
+                                        </p:cTn>
+                                        <p:tgtEl>
+                                          <p:spTgt spid="6"/>
+                                        </p:tgtEl>
+                                        <p:attrNameLst>
+                                          <p:attrName>style.visibility</p:attrName>
+                                        </p:attrNameLst>
+                                      </p:cBhvr>
+                                      <p:to>
+                                        <p:strVal val="visible"/>
+                                      </p:to>
+                                    </p:set>
+                                  </p:childTnLst>
+                                </p:cTn>
+                              </p:par>
+                            </p:childTnLst>
+                          </p:cTn>
+                        </p:par>
+                      </p:childTnLst>
+                    </p:cTn>
+                  </p:par>
+                  <p:par>
+                    <p:cTn id="7" fill="hold">
+                      <p:stCondLst>
+                        <p:cond delay="indefinite"/>
+                      </p:stCondLst>
+                      <p:childTnLst>
+                        <p:par>
+                          <p:cTn id="8" fill="hold">
+                            <p:stCondLst>
+                              <p:cond delay="0"/>
+                            </p:stCondLst>
+                            <p:childTnLst>
+                              <p:par>
+                                <p:cTn id="9" presetID="1" presetClass="entr" presetSubtype="0" fill="hold" nodeType="clickEffect">
+                                  <p:stCondLst>
+                                    <p:cond delay="0"/>
+                                  </p:stCondLst>
+                                  <p:childTnLst>
+                                    <p:set>
+                                      <p:cBhvr>
+                                        <p:cTn id="10" dur="1" fill="hold">
+                                          <p:stCondLst>
+                                            <p:cond delay="0"/>
+                                          </p:stCondLst>
+                                        </p:cTn>
+                                        <p:tgtEl>
+                                          <p:spTgt spid="3075"/>
+                                        </p:tgtEl>
+                                        <p:attrNameLst>
+                                          <p:attrName>style.visibility</p:attrName>
+                                        </p:attrNameLst>
+                                      </p:cBhvr>
+                                      <p:to>
+                                        <p:strVal val="visible"/>
+                                      </p:to>
+                                    </p:set>
+                                  </p:childTnLst>
+                                </p:cTn>
+                              </p:par>
+                            </p:childTnLst>
+                          </p:cTn>
+                        </p:par>
+                      </p:childTnLst>
+                    </p:cTn>
+                  </p:par>
+                  <p:par>
+                    <p:cTn id="11" fill="hold">
+                      <p:stCondLst>
+                        <p:cond delay="indefinite"/>
+                      </p:stCondLst>
+                      <p:childTnLst>
+                        <p:par>
+                          <p:cTn id="12" fill="hold">
+                            <p:stCondLst>
+                              <p:cond delay="0"/>
+                            </p:stCondLst>
+                            <p:childTnLst>
+                              <p:par>
+                                <p:cTn id="13" presetID="1" presetClass="entr" presetSubtype="0" fill="hold" nodeType="clickEffect">
+                                  <p:stCondLst>
+                                    <p:cond delay="0"/>
+                                  </p:stCondLst>
+                                  <p:childTnLst>
+                                    <p:set>
+                                      <p:cBhvr>
+                                        <p:cTn id="14" dur="1" fill="hold">
+                                          <p:stCondLst>
+                                            <p:cond delay="0"/>
+                                          </p:stCondLst>
+                                        </p:cTn>
+                                        <p:tgtEl>
+                                          <p:spTgt spid="18"/>
+                                        </p:tgtEl>
+                                        <p:attrNameLst>
+                                          <p:attrName>style.visibility</p:attrName>
+                                        </p:attrNameLst>
+                                      </p:cBhvr>
+                                      <p:to>
+                                        <p:strVal val="visible"/>
+                                      </p:to>
+                                    </p:set>
+                                  </p:childTnLst>
+                                </p:cTn>
+                              </p:par>
+                            </p:childTnLst>
+                          </p:cTn>
+                        </p:par>
+                      </p:childTnLst>
+                    </p:cTn>
+                  </p:par>
+                  <p:par>
+                    <p:cTn id="15" fill="hold">
+                      <p:stCondLst>
+                        <p:cond delay="indefinite"/>
+                      </p:stCondLst>
+                      <p:childTnLst>
+                        <p:par>
+                          <p:cTn id="16" fill="hold">
+                            <p:stCondLst>
+                              <p:cond delay="0"/>
+                            </p:stCondLst>
+                            <p:childTnLst>
+                              <p:par>
+                                <p:cTn id="17" presetID="1" presetClass="entr" presetSubtype="0" fill="hold" nodeType="clickEffect">
+                                  <p:stCondLst>
+                                    <p:cond delay="0"/>
+                                  </p:stCondLst>
+                                  <p:childTnLst>
+                                    <p:set>
+                                      <p:cBhvr>
+                                        <p:cTn id="18" dur="1" fill="hold">
+                                          <p:stCondLst>
+                                            <p:cond delay="0"/>
+                                          </p:stCondLst>
+                                        </p:cTn>
+                                        <p:tgtEl>
+                                          <p:spTgt spid="3077"/>
+                                        </p:tgtEl>
+                                        <p:attrNameLst>
+                                          <p:attrName>style.visibility</p:attrName>
+                                        </p:attrNameLst>
+                                      </p:cBhvr>
+                                      <p:to>
+                                        <p:strVal val="visible"/>
+                                      </p:to>
+                                    </p:set>
+                                  </p:childTnLst>
+                                </p:cTn>
+                              </p:par>
+                            </p:childTnLst>
+                          </p:cTn>
+                        </p:par>
+                      </p:childTnLst>
+                    </p:cTn>
+                  </p:par>
+                  <p:par>
+                    <p:cTn id="19" fill="hold">
+                      <p:stCondLst>
+                        <p:cond delay="indefinite"/>
+                      </p:stCondLst>
+                      <p:childTnLst>
+                        <p:par>
+                          <p:cTn id="20" fill="hold">
+                            <p:stCondLst>
+                              <p:cond delay="0"/>
+                            </p:stCondLst>
+                            <p:childTnLst>
+                              <p:par>
+                                <p:cTn id="21" presetID="1" presetClass="entr" presetSubtype="0" fill="hold" nodeType="clickEffect">
+                                  <p:stCondLst>
+                                    <p:cond delay="0"/>
+                                  </p:stCondLst>
+                                  <p:childTnLst>
+                                    <p:set>
+                                      <p:cBhvr>
+                                        <p:cTn id="22" dur="1" fill="hold">
+                                          <p:stCondLst>
+                                            <p:cond delay="0"/>
+                                          </p:stCondLst>
+                                        </p:cTn>
+                                        <p:tgtEl>
+                                          <p:spTgt spid="10"/>
+                                        </p:tgtEl>
+                                        <p:attrNameLst>
+                                          <p:attrName>style.visibility</p:attrName>
+                                        </p:attrNameLst>
+                                      </p:cBhvr>
+                                      <p:to>
+                                        <p:strVal val="visible"/>
+                                      </p:to>
+                                    </p:set>
+                                  </p:childTnLst>
+                                </p:cTn>
+                              </p:par>
+                            </p:childTnLst>
+                          </p:cTn>
+                        </p:par>
+                      </p:childTnLst>
+                    </p:cTn>
+                  </p:par>
+                  <p:par>
+                    <p:cTn id="23" fill="hold">
+                      <p:stCondLst>
+                        <p:cond delay="indefinite"/>
+                      </p:stCondLst>
+                      <p:childTnLst>
+                        <p:par>
+                          <p:cTn id="24" fill="hold">
+                            <p:stCondLst>
+                              <p:cond delay="0"/>
+                            </p:stCondLst>
+                            <p:childTnLst>
+                              <p:par>
+                                <p:cTn id="25" presetID="1" presetClass="entr" presetSubtype="0" fill="hold" nodeType="clickEffect">
+                                  <p:stCondLst>
+                                    <p:cond delay="0"/>
+                                  </p:stCondLst>
+                                  <p:childTnLst>
+                                    <p:set>
+                                      <p:cBhvr>
+                                        <p:cTn id="26" dur="1" fill="hold">
+                                          <p:stCondLst>
+                                            <p:cond delay="0"/>
+                                          </p:stCondLst>
+                                        </p:cTn>
+                                        <p:tgtEl>
+                                          <p:spTgt spid="3076"/>
+                                        </p:tgtEl>
+                                        <p:attrNameLst>
+                                          <p:attrName>style.visibility</p:attrName>
+                                        </p:attrNameLst>
+                                      </p:cBhvr>
+                                      <p:to>
+                                        <p:strVal val="visible"/>
+                                      </p:to>
+                                    </p:set>
+                                  </p:childTnLst>
+                                </p:cTn>
+                              </p:par>
+                            </p:childTnLst>
+                          </p:cTn>
+                        </p:par>
+                      </p:childTnLst>
+                    </p:cTn>
+                  </p:par>
+                </p:childTnLst>
+              </p:cTn>
+              <p:prevCondLst>
+                <p:cond evt="onPrev" delay="0">
+                  <p:tgtEl>
+                    <p:sldTgt/>
+                  </p:tgtEl>
+                </p:cond>
+              </p:prevCondLst>
+              <p:nextCondLst>
+                <p:cond evt="onNext" delay="0">
+                  <p:tgtEl>
+                    <p:sldTgt/>
+                  </p:tgtEl>
+                </p:cond>
+              </p:nextCondLst>
+            </p:seq>
+          </p:childTnLst>
+        </p:cTn>
+      </p:par>
+    </p:tnLst>
+  </p:timing>
+</p:sld>
+</file>
+
+<file path=ppt/slides/slide18.xml><?xml version="1.0" encoding="utf-8"?>
+<p:sld xmlns:a="http://schemas.openxmlformats.org/drawingml/2006/main" xmlns:r="http://schemas.openxmlformats.org/officeDocument/2006/relationships" xmlns:p="http://schemas.openxmlformats.org/presentationml/2006/main">
+  <p:cSld>
+    <p:spTree>
+      <p:nvGrpSpPr>
+        <p:cNvPr id="1" name=""/>
+        <p:cNvGrpSpPr/>
+        <p:nvPr/>
+      </p:nvGrpSpPr>
+      <p:grpSpPr>
+        <a:xfrm>
+          <a:off x="0" y="0"/>
+          <a:ext cx="0" cy="0"/>
+          <a:chOff x="0" y="0"/>
+          <a:chExt cx="0" cy="0"/>
+        </a:xfrm>
+      </p:grpSpPr>
+      <p:sp>
+        <p:nvSpPr>
           <p:cNvPr id="2" name="Content Placeholder 1"/>
           <p:cNvSpPr>
             <a:spLocks noGrp="1"/>
@@ -8198,8 +11125,24 @@
             <a:pPr marL="624078" indent="-514350"/>
             <a:r>
               <a:rPr lang="nl-BE" b="1" i="1" dirty="0" smtClean="0"/>
-              <a:t>Iteration 2</a:t>
-            </a:r>
+              <a:t>Iteration </a:t>
+            </a:r>
+            <a:r>
+              <a:rPr lang="nl-BE" b="1" i="1" dirty="0" smtClean="0"/>
+              <a:t>2</a:t>
+            </a:r>
+          </a:p>
+          <a:p>
+            <a:pPr marL="624078" indent="-514350"/>
+            <a:endParaRPr lang="nl-BE" b="1" i="1" dirty="0" smtClean="0"/>
+          </a:p>
+          <a:p>
+            <a:pPr marL="624078" indent="-514350"/>
+            <a:r>
+              <a:rPr lang="nl-BE" i="1" dirty="0" smtClean="0"/>
+              <a:t>What’s in it for you?</a:t>
+            </a:r>
+            <a:endParaRPr lang="nl-BE" i="1" dirty="0" smtClean="0"/>
           </a:p>
           <a:p>
             <a:pPr marL="624078" indent="-514350"/>
@@ -8273,246 +11216,6 @@
 </p:sld>
 </file>
 
-<file path=ppt/slides/slide17.xml><?xml version="1.0" encoding="utf-8"?>
-<p:sld xmlns:a="http://schemas.openxmlformats.org/drawingml/2006/main" xmlns:r="http://schemas.openxmlformats.org/officeDocument/2006/relationships" xmlns:p="http://schemas.openxmlformats.org/presentationml/2006/main">
-  <p:cSld>
-    <p:spTree>
-      <p:nvGrpSpPr>
-        <p:cNvPr id="1" name=""/>
-        <p:cNvGrpSpPr/>
-        <p:nvPr/>
-      </p:nvGrpSpPr>
-      <p:grpSpPr>
-        <a:xfrm>
-          <a:off x="0" y="0"/>
-          <a:ext cx="0" cy="0"/>
-          <a:chOff x="0" y="0"/>
-          <a:chExt cx="0" cy="0"/>
-        </a:xfrm>
-      </p:grpSpPr>
-      <p:sp>
-        <p:nvSpPr>
-          <p:cNvPr id="3" name="Content Placeholder 2"/>
-          <p:cNvSpPr>
-            <a:spLocks noGrp="1"/>
-          </p:cNvSpPr>
-          <p:nvPr>
-            <p:ph idx="1"/>
-          </p:nvPr>
-        </p:nvSpPr>
-        <p:spPr/>
-        <p:txBody>
-          <a:bodyPr>
-            <a:normAutofit/>
-          </a:bodyPr>
-          <a:lstStyle/>
-          <a:p>
-            <a:r>
-              <a:rPr lang="nl-BE" dirty="0" smtClean="0">
-                <a:solidFill>
-                  <a:srgbClr val="FF0000"/>
-                </a:solidFill>
-              </a:rPr>
-              <a:t>Write gluecode for prepared tests</a:t>
-            </a:r>
-          </a:p>
-          <a:p>
-            <a:endParaRPr lang="nl-BE" dirty="0" smtClean="0">
-              <a:solidFill>
-                <a:srgbClr val="FF0000"/>
-              </a:solidFill>
-            </a:endParaRPr>
-          </a:p>
-          <a:p>
-            <a:r>
-              <a:rPr lang="nl-BE" dirty="0" smtClean="0">
-                <a:solidFill>
-                  <a:srgbClr val="FF0000"/>
-                </a:solidFill>
-              </a:rPr>
-              <a:t>Types of fixtures to use:</a:t>
-            </a:r>
-          </a:p>
-          <a:p>
-            <a:pPr lvl="1"/>
-            <a:r>
-              <a:rPr lang="nl-BE" dirty="0" smtClean="0">
-                <a:solidFill>
-                  <a:srgbClr val="FF0000"/>
-                </a:solidFill>
-              </a:rPr>
-              <a:t>RowFixture</a:t>
-            </a:r>
-          </a:p>
-          <a:p>
-            <a:pPr lvl="1"/>
-            <a:r>
-              <a:rPr lang="nl-BE" dirty="0" smtClean="0">
-                <a:solidFill>
-                  <a:srgbClr val="FF0000"/>
-                </a:solidFill>
-              </a:rPr>
-              <a:t>ColumnFixture</a:t>
-            </a:r>
-          </a:p>
-          <a:p>
-            <a:pPr lvl="1"/>
-            <a:r>
-              <a:rPr lang="nl-BE" dirty="0" smtClean="0">
-                <a:solidFill>
-                  <a:srgbClr val="FF0000"/>
-                </a:solidFill>
-              </a:rPr>
-              <a:t>DoFixture</a:t>
-            </a:r>
-          </a:p>
-          <a:p>
-            <a:pPr lvl="1"/>
-            <a:endParaRPr lang="nl-BE" dirty="0" smtClean="0"/>
-          </a:p>
-        </p:txBody>
-      </p:sp>
-      <p:sp>
-        <p:nvSpPr>
-          <p:cNvPr id="2" name="Title 1"/>
-          <p:cNvSpPr>
-            <a:spLocks noGrp="1"/>
-          </p:cNvSpPr>
-          <p:nvPr>
-            <p:ph type="title"/>
-          </p:nvPr>
-        </p:nvSpPr>
-        <p:spPr/>
-        <p:txBody>
-          <a:bodyPr/>
-          <a:lstStyle/>
-          <a:p>
-            <a:r>
-              <a:rPr lang="nl-BE" dirty="0" smtClean="0"/>
-              <a:t>Iteration 2</a:t>
-            </a:r>
-            <a:endParaRPr lang="nl-BE" dirty="0"/>
-          </a:p>
-        </p:txBody>
-      </p:sp>
-    </p:spTree>
-  </p:cSld>
-  <p:clrMapOvr>
-    <a:masterClrMapping/>
-  </p:clrMapOvr>
-  <p:timing>
-    <p:tnLst>
-      <p:par>
-        <p:cTn id="1" dur="indefinite" restart="never" nodeType="tmRoot"/>
-      </p:par>
-    </p:tnLst>
-  </p:timing>
-</p:sld>
-</file>
-
-<file path=ppt/slides/slide18.xml><?xml version="1.0" encoding="utf-8"?>
-<p:sld xmlns:a="http://schemas.openxmlformats.org/drawingml/2006/main" xmlns:r="http://schemas.openxmlformats.org/officeDocument/2006/relationships" xmlns:p="http://schemas.openxmlformats.org/presentationml/2006/main">
-  <p:cSld>
-    <p:spTree>
-      <p:nvGrpSpPr>
-        <p:cNvPr id="1" name=""/>
-        <p:cNvGrpSpPr/>
-        <p:nvPr/>
-      </p:nvGrpSpPr>
-      <p:grpSpPr>
-        <a:xfrm>
-          <a:off x="0" y="0"/>
-          <a:ext cx="0" cy="0"/>
-          <a:chOff x="0" y="0"/>
-          <a:chExt cx="0" cy="0"/>
-        </a:xfrm>
-      </p:grpSpPr>
-      <p:sp>
-        <p:nvSpPr>
-          <p:cNvPr id="3" name="Content Placeholder 2"/>
-          <p:cNvSpPr>
-            <a:spLocks noGrp="1"/>
-          </p:cNvSpPr>
-          <p:nvPr>
-            <p:ph idx="1"/>
-          </p:nvPr>
-        </p:nvSpPr>
-        <p:spPr/>
-        <p:txBody>
-          <a:bodyPr>
-            <a:normAutofit/>
-          </a:bodyPr>
-          <a:lstStyle/>
-          <a:p>
-            <a:r>
-              <a:rPr lang="nl-BE" dirty="0" smtClean="0"/>
-              <a:t>3 Suites in Fitnesse</a:t>
-            </a:r>
-          </a:p>
-          <a:p>
-            <a:endParaRPr lang="nl-BE" dirty="0" smtClean="0"/>
-          </a:p>
-          <a:p>
-            <a:pPr lvl="1"/>
-            <a:r>
-              <a:rPr lang="nl-BE" dirty="0" smtClean="0"/>
-              <a:t>Prepared Test Suite – tests for next iterations</a:t>
-            </a:r>
-          </a:p>
-          <a:p>
-            <a:pPr lvl="1"/>
-            <a:r>
-              <a:rPr lang="nl-BE" dirty="0" smtClean="0"/>
-              <a:t>Work In Progress – doesn’t break the build</a:t>
-            </a:r>
-          </a:p>
-          <a:p>
-            <a:pPr lvl="1"/>
-            <a:r>
-              <a:rPr lang="nl-BE" dirty="0" smtClean="0"/>
-              <a:t>Acceptance Suite – breaks the build!</a:t>
-            </a:r>
-          </a:p>
-        </p:txBody>
-      </p:sp>
-      <p:sp>
-        <p:nvSpPr>
-          <p:cNvPr id="2" name="Title 1"/>
-          <p:cNvSpPr>
-            <a:spLocks noGrp="1"/>
-          </p:cNvSpPr>
-          <p:nvPr>
-            <p:ph type="title"/>
-          </p:nvPr>
-        </p:nvSpPr>
-        <p:spPr/>
-        <p:txBody>
-          <a:bodyPr/>
-          <a:lstStyle/>
-          <a:p>
-            <a:r>
-              <a:rPr lang="nl-BE" dirty="0" smtClean="0"/>
-              <a:t>Organising FitNesse:</a:t>
-            </a:r>
-            <a:endParaRPr lang="nl-BE" dirty="0"/>
-          </a:p>
-        </p:txBody>
-      </p:sp>
-    </p:spTree>
-  </p:cSld>
-  <p:clrMapOvr>
-    <a:masterClrMapping/>
-  </p:clrMapOvr>
-  <p:timing>
-    <p:tnLst>
-      <p:par>
-        <p:cTn id="1" dur="indefinite" restart="never" nodeType="tmRoot"/>
-      </p:par>
-    </p:tnLst>
-  </p:timing>
-</p:sld>
-</file>
-
 <file path=ppt/slides/slide19.xml><?xml version="1.0" encoding="utf-8"?>
 <p:sld xmlns:a="http://schemas.openxmlformats.org/drawingml/2006/main" xmlns:r="http://schemas.openxmlformats.org/officeDocument/2006/relationships" xmlns:p="http://schemas.openxmlformats.org/presentationml/2006/main">
   <p:cSld>
@@ -8543,56 +11246,38 @@
         <p:spPr/>
         <p:txBody>
           <a:bodyPr>
-            <a:normAutofit lnSpcReduction="10000"/>
+            <a:normAutofit/>
           </a:bodyPr>
           <a:lstStyle/>
           <a:p>
             <a:r>
-              <a:rPr lang="en-US" dirty="0" smtClean="0"/>
-              <a:t>Developers will actually read the specifications</a:t>
-            </a:r>
-          </a:p>
-          <a:p>
-            <a:endParaRPr lang="en-US" dirty="0" smtClean="0"/>
-          </a:p>
-          <a:p>
-            <a:r>
-              <a:rPr lang="en-US" dirty="0" smtClean="0"/>
-              <a:t>They will understand the stuff correctly</a:t>
-            </a:r>
-          </a:p>
-          <a:p>
-            <a:endParaRPr lang="en-US" dirty="0" smtClean="0"/>
-          </a:p>
-          <a:p>
-            <a:r>
-              <a:rPr lang="en-US" dirty="0" smtClean="0"/>
-              <a:t>They will not skip parts of the spec</a:t>
-            </a:r>
-          </a:p>
-          <a:p>
-            <a:endParaRPr lang="en-US" dirty="0" smtClean="0"/>
-          </a:p>
-          <a:p>
-            <a:r>
-              <a:rPr lang="en-US" dirty="0" smtClean="0"/>
-              <a:t>You can track the development progress</a:t>
-            </a:r>
-          </a:p>
-          <a:p>
-            <a:endParaRPr lang="en-US" dirty="0" smtClean="0"/>
-          </a:p>
-          <a:p>
-            <a:r>
-              <a:rPr lang="en-US" dirty="0" smtClean="0"/>
-              <a:t>Save time on acceptance/smoke testing</a:t>
-            </a:r>
-          </a:p>
-          <a:p>
-            <a:pPr>
-              <a:buNone/>
-            </a:pPr>
-            <a:endParaRPr lang="en-US" dirty="0" smtClean="0"/>
+              <a:rPr lang="nl-BE" dirty="0" smtClean="0"/>
+              <a:t>3 Suites in Fitnesse</a:t>
+            </a:r>
+          </a:p>
+          <a:p>
+            <a:endParaRPr lang="nl-BE" dirty="0" smtClean="0"/>
+          </a:p>
+          <a:p>
+            <a:pPr lvl="1"/>
+            <a:r>
+              <a:rPr lang="nl-BE" dirty="0" smtClean="0"/>
+              <a:t>Prepared Test Suite – tests for next iterations</a:t>
+            </a:r>
+          </a:p>
+          <a:p>
+            <a:pPr lvl="1"/>
+            <a:r>
+              <a:rPr lang="nl-BE" dirty="0" smtClean="0"/>
+              <a:t>Work In Progress – doesn’t break the build</a:t>
+            </a:r>
+          </a:p>
+          <a:p>
+            <a:pPr lvl="1"/>
+            <a:r>
+              <a:rPr lang="nl-BE" dirty="0" smtClean="0"/>
+              <a:t>Acceptance Suite – breaks the build!</a:t>
+            </a:r>
           </a:p>
         </p:txBody>
       </p:sp>
@@ -8608,36 +11293,14 @@
         </p:nvSpPr>
         <p:spPr/>
         <p:txBody>
-          <a:bodyPr>
-            <a:normAutofit fontScale="90000"/>
-          </a:bodyPr>
+          <a:bodyPr/>
           <a:lstStyle/>
           <a:p>
-            <a:pPr algn="ctr"/>
             <a:r>
               <a:rPr lang="nl-BE" dirty="0" smtClean="0"/>
-              <a:t>What’s in it for you?</a:t>
-            </a:r>
-            <a:br>
-              <a:rPr lang="nl-BE" dirty="0" smtClean="0"/>
-            </a:br>
-            <a:r>
-              <a:rPr lang="nl-BE" sz="3600" dirty="0" smtClean="0">
-                <a:solidFill>
-                  <a:schemeClr val="bg2">
-                    <a:lumMod val="50000"/>
-                  </a:schemeClr>
-                </a:solidFill>
-              </a:rPr>
-              <a:t>ScrumMaster / Product Owner</a:t>
-            </a:r>
-            <a:endParaRPr lang="nl-BE" sz="3600" dirty="0">
-              <a:solidFill>
-                <a:schemeClr val="bg2">
-                  <a:lumMod val="50000"/>
-                </a:schemeClr>
-              </a:solidFill>
-            </a:endParaRPr>
+              <a:t>Organising FitNesse:</a:t>
+            </a:r>
+            <a:endParaRPr lang="nl-BE" dirty="0"/>
           </a:p>
         </p:txBody>
       </p:sp>
@@ -8850,7 +11513,7 @@
           <p:nvPr/>
         </p:nvPicPr>
         <p:blipFill>
-          <a:blip r:embed="rId8"/>
+          <a:blip r:embed="rId8" cstate="print"/>
           <a:stretch>
             <a:fillRect/>
           </a:stretch>
@@ -8874,7 +11537,7 @@
           <p:nvPr/>
         </p:nvPicPr>
         <p:blipFill>
-          <a:blip r:embed="rId9"/>
+          <a:blip r:embed="rId9" cstate="print"/>
           <a:stretch>
             <a:fillRect/>
           </a:stretch>
@@ -8898,7 +11561,7 @@
           <p:nvPr/>
         </p:nvPicPr>
         <p:blipFill>
-          <a:blip r:embed="rId10"/>
+          <a:blip r:embed="rId10" cstate="print"/>
           <a:stretch>
             <a:fillRect/>
           </a:stretch>
@@ -8922,7 +11585,7 @@
           <p:nvPr/>
         </p:nvPicPr>
         <p:blipFill>
-          <a:blip r:embed="rId10"/>
+          <a:blip r:embed="rId10" cstate="print"/>
           <a:stretch>
             <a:fillRect/>
           </a:stretch>
@@ -9439,7 +12102,7 @@
       </p:grpSpPr>
       <p:sp>
         <p:nvSpPr>
-          <p:cNvPr id="3" name="Content Placeholder 2"/>
+          <p:cNvPr id="2" name="Content Placeholder 1"/>
           <p:cNvSpPr>
             <a:spLocks noGrp="1"/>
           </p:cNvSpPr>
@@ -9450,47 +12113,74 @@
         <p:spPr/>
         <p:txBody>
           <a:bodyPr>
-            <a:normAutofit lnSpcReduction="10000"/>
+            <a:normAutofit/>
           </a:bodyPr>
           <a:lstStyle/>
           <a:p>
-            <a:r>
-              <a:rPr lang="en-GB" dirty="0" smtClean="0"/>
-              <a:t>Requirements will be unambiguous and without functional gaps</a:t>
-            </a:r>
-          </a:p>
-          <a:p>
-            <a:endParaRPr lang="en-US" dirty="0" smtClean="0"/>
-          </a:p>
-          <a:p>
-            <a:r>
-              <a:rPr lang="en-GB" dirty="0" smtClean="0"/>
-              <a:t>Business analysts will really understand those special cases you mentioned</a:t>
-            </a:r>
-          </a:p>
-          <a:p>
-            <a:endParaRPr lang="en-US" dirty="0" smtClean="0"/>
-          </a:p>
-          <a:p>
-            <a:r>
-              <a:rPr lang="en-GB" dirty="0" smtClean="0"/>
-              <a:t>You will have automated tests to guide development</a:t>
-            </a:r>
-          </a:p>
-          <a:p>
-            <a:endParaRPr lang="en-US" dirty="0" smtClean="0"/>
-          </a:p>
-          <a:p>
-            <a:r>
-              <a:rPr lang="en-GB" dirty="0" smtClean="0"/>
-              <a:t>It will be easier to take-over and hand-over code</a:t>
-            </a:r>
+            <a:pPr marL="624078" indent="-514350"/>
+            <a:r>
+              <a:rPr lang="nl-BE" i="1" dirty="0" smtClean="0"/>
+              <a:t>Specification Workshop</a:t>
+            </a:r>
+          </a:p>
+          <a:p>
+            <a:pPr marL="624078" indent="-514350"/>
+            <a:endParaRPr lang="nl-BE" i="1" dirty="0" smtClean="0"/>
+          </a:p>
+          <a:p>
+            <a:pPr marL="624078" indent="-514350"/>
+            <a:r>
+              <a:rPr lang="nl-BE" i="1" dirty="0" smtClean="0"/>
+              <a:t>Setup Fitnesse</a:t>
+            </a:r>
+          </a:p>
+          <a:p>
+            <a:pPr marL="624078" indent="-514350"/>
+            <a:endParaRPr lang="nl-BE" i="1" dirty="0" smtClean="0"/>
+          </a:p>
+          <a:p>
+            <a:pPr marL="624078" indent="-514350"/>
+            <a:r>
+              <a:rPr lang="nl-BE" i="1" dirty="0" smtClean="0"/>
+              <a:t>Iteration 1</a:t>
+            </a:r>
+          </a:p>
+          <a:p>
+            <a:pPr marL="624078" indent="-514350"/>
+            <a:endParaRPr lang="nl-BE" i="1" dirty="0" smtClean="0"/>
+          </a:p>
+          <a:p>
+            <a:pPr marL="624078" indent="-514350"/>
+            <a:r>
+              <a:rPr lang="nl-BE" i="1" dirty="0" smtClean="0"/>
+              <a:t>Iteration </a:t>
+            </a:r>
+            <a:r>
+              <a:rPr lang="nl-BE" i="1" dirty="0" smtClean="0"/>
+              <a:t>2</a:t>
+            </a:r>
+          </a:p>
+          <a:p>
+            <a:pPr marL="624078" indent="-514350"/>
+            <a:endParaRPr lang="nl-BE" b="1" i="1" dirty="0" smtClean="0"/>
+          </a:p>
+          <a:p>
+            <a:pPr marL="624078" indent="-514350"/>
+            <a:r>
+              <a:rPr lang="nl-BE" b="1" i="1" dirty="0" smtClean="0"/>
+              <a:t>What’s in it for you?</a:t>
+            </a:r>
+            <a:endParaRPr lang="nl-BE" b="1" i="1" dirty="0" smtClean="0"/>
+          </a:p>
+          <a:p>
+            <a:pPr marL="624078" indent="-514350"/>
+            <a:endParaRPr lang="nl-BE" i="1" dirty="0" smtClean="0"/>
           </a:p>
         </p:txBody>
       </p:sp>
       <p:sp>
         <p:nvSpPr>
-          <p:cNvPr id="2" name="Title 1"/>
+          <p:cNvPr id="3" name="Title 2"/>
           <p:cNvSpPr>
             <a:spLocks noGrp="1"/>
           </p:cNvSpPr>
@@ -9501,38 +12191,44 @@
         <p:spPr/>
         <p:txBody>
           <a:bodyPr>
-            <a:normAutofit fontScale="90000"/>
+            <a:noAutofit/>
           </a:bodyPr>
           <a:lstStyle/>
           <a:p>
-            <a:pPr algn="ctr"/>
-            <a:r>
-              <a:rPr lang="nl-BE" dirty="0" smtClean="0"/>
-              <a:t>What’s in it for you?</a:t>
-            </a:r>
-            <a:br>
-              <a:rPr lang="nl-BE" dirty="0" smtClean="0"/>
-            </a:br>
-            <a:r>
-              <a:rPr lang="nl-BE" sz="3600" dirty="0" smtClean="0">
-                <a:solidFill>
-                  <a:schemeClr val="bg2">
-                    <a:lumMod val="50000"/>
-                  </a:schemeClr>
-                </a:solidFill>
-              </a:rPr>
-              <a:t>Developer</a:t>
-            </a:r>
-            <a:endParaRPr lang="nl-BE" sz="3600" dirty="0">
-              <a:solidFill>
-                <a:schemeClr val="bg2">
-                  <a:lumMod val="50000"/>
-                </a:schemeClr>
-              </a:solidFill>
-            </a:endParaRPr>
+            <a:r>
+              <a:rPr lang="nl-BE" sz="3200" dirty="0" smtClean="0"/>
+              <a:t>Agile Acceptance Testing with Fitnesse</a:t>
+            </a:r>
+            <a:endParaRPr lang="nl-BE" sz="3200" dirty="0"/>
           </a:p>
         </p:txBody>
       </p:sp>
+      <p:pic>
+        <p:nvPicPr>
+          <p:cNvPr id="4" name="Picture 2" descr="C:\Users\pascmest\AppData\Local\Microsoft\Windows\Temporary Internet Files\Content.IE5\R67MQFYW\MPj04053960000[1].jpg"/>
+          <p:cNvPicPr>
+            <a:picLocks noChangeAspect="1" noChangeArrowheads="1"/>
+          </p:cNvPicPr>
+          <p:nvPr/>
+        </p:nvPicPr>
+        <p:blipFill>
+          <a:blip r:embed="rId3" cstate="print"/>
+          <a:srcRect/>
+          <a:stretch>
+            <a:fillRect/>
+          </a:stretch>
+        </p:blipFill>
+        <p:spPr bwMode="auto">
+          <a:xfrm>
+            <a:off x="5443545" y="4214818"/>
+            <a:ext cx="3700487" cy="2643206"/>
+          </a:xfrm>
+          <a:prstGeom prst="rect">
+            <a:avLst/>
+          </a:prstGeom>
+          <a:noFill/>
+        </p:spPr>
+      </p:pic>
     </p:spTree>
   </p:cSld>
   <p:clrMapOvr>
@@ -9578,13 +12274,13 @@
         <p:spPr/>
         <p:txBody>
           <a:bodyPr>
-            <a:normAutofit/>
+            <a:normAutofit lnSpcReduction="10000"/>
           </a:bodyPr>
           <a:lstStyle/>
           <a:p>
             <a:r>
-              <a:rPr lang="en-GB" dirty="0" smtClean="0"/>
-              <a:t>Finally stop those guys from making the same mistakes over and over</a:t>
+              <a:rPr lang="en-US" dirty="0" smtClean="0"/>
+              <a:t>Developers will actually read the specifications</a:t>
             </a:r>
           </a:p>
           <a:p>
@@ -9592,8 +12288,8 @@
           </a:p>
           <a:p>
             <a:r>
-              <a:rPr lang="en-GB" dirty="0" smtClean="0"/>
-              <a:t>Avoid doing the same stuff all the time</a:t>
+              <a:rPr lang="en-US" dirty="0" smtClean="0"/>
+              <a:t>They will understand the stuff correctly</a:t>
             </a:r>
           </a:p>
           <a:p>
@@ -9601,8 +12297,8 @@
           </a:p>
           <a:p>
             <a:r>
-              <a:rPr lang="en-GB" dirty="0" smtClean="0"/>
-              <a:t>Build quality in from the start</a:t>
+              <a:rPr lang="en-US" dirty="0" smtClean="0"/>
+              <a:t>They will not skip parts of the spec</a:t>
             </a:r>
           </a:p>
           <a:p>
@@ -9610,9 +12306,24 @@
           </a:p>
           <a:p>
             <a:r>
-              <a:rPr lang="en-GB" dirty="0" smtClean="0"/>
-              <a:t>Verify business rules by a click on a button</a:t>
-            </a:r>
+              <a:rPr lang="en-US" dirty="0" smtClean="0"/>
+              <a:t>You can track the development progress</a:t>
+            </a:r>
+          </a:p>
+          <a:p>
+            <a:endParaRPr lang="en-US" dirty="0" smtClean="0"/>
+          </a:p>
+          <a:p>
+            <a:r>
+              <a:rPr lang="en-US" dirty="0" smtClean="0"/>
+              <a:t>Save time on acceptance/smoke testing</a:t>
+            </a:r>
+          </a:p>
+          <a:p>
+            <a:pPr>
+              <a:buNone/>
+            </a:pPr>
+            <a:endParaRPr lang="en-US" dirty="0" smtClean="0"/>
           </a:p>
         </p:txBody>
       </p:sp>
@@ -9649,7 +12360,7 @@
                   </a:schemeClr>
                 </a:solidFill>
               </a:rPr>
-              <a:t>Tester / Business Analist</a:t>
+              <a:t>ScrumMaster / Product Owner</a:t>
             </a:r>
             <a:endParaRPr lang="nl-BE" sz="3600" dirty="0">
               <a:solidFill>
@@ -9669,7 +12380,275 @@
   <p:timing>
     <p:tnLst>
       <p:par>
-        <p:cTn id="1" dur="indefinite" restart="never" nodeType="tmRoot"/>
+        <p:cTn id="1" dur="indefinite" restart="never" nodeType="tmRoot">
+          <p:childTnLst>
+            <p:seq concurrent="1" nextAc="seek">
+              <p:cTn id="2" dur="indefinite" nodeType="mainSeq">
+                <p:childTnLst>
+                  <p:par>
+                    <p:cTn id="3" fill="hold">
+                      <p:stCondLst>
+                        <p:cond delay="indefinite"/>
+                      </p:stCondLst>
+                      <p:childTnLst>
+                        <p:par>
+                          <p:cTn id="4" fill="hold">
+                            <p:stCondLst>
+                              <p:cond delay="0"/>
+                            </p:stCondLst>
+                            <p:childTnLst>
+                              <p:par>
+                                <p:cTn id="5" presetID="1" presetClass="entr" presetSubtype="0" fill="hold" nodeType="clickEffect">
+                                  <p:stCondLst>
+                                    <p:cond delay="0"/>
+                                  </p:stCondLst>
+                                  <p:childTnLst>
+                                    <p:set>
+                                      <p:cBhvr>
+                                        <p:cTn id="6" dur="1" fill="hold">
+                                          <p:stCondLst>
+                                            <p:cond delay="0"/>
+                                          </p:stCondLst>
+                                        </p:cTn>
+                                        <p:tgtEl>
+                                          <p:spTgt spid="3">
+                                            <p:txEl>
+                                              <p:pRg st="0" end="0"/>
+                                            </p:txEl>
+                                          </p:spTgt>
+                                        </p:tgtEl>
+                                        <p:attrNameLst>
+                                          <p:attrName>style.visibility</p:attrName>
+                                        </p:attrNameLst>
+                                      </p:cBhvr>
+                                      <p:to>
+                                        <p:strVal val="visible"/>
+                                      </p:to>
+                                    </p:set>
+                                  </p:childTnLst>
+                                </p:cTn>
+                              </p:par>
+                            </p:childTnLst>
+                          </p:cTn>
+                        </p:par>
+                      </p:childTnLst>
+                    </p:cTn>
+                  </p:par>
+                  <p:par>
+                    <p:cTn id="7" fill="hold">
+                      <p:stCondLst>
+                        <p:cond delay="indefinite"/>
+                      </p:stCondLst>
+                      <p:childTnLst>
+                        <p:par>
+                          <p:cTn id="8" fill="hold">
+                            <p:stCondLst>
+                              <p:cond delay="0"/>
+                            </p:stCondLst>
+                            <p:childTnLst>
+                              <p:par>
+                                <p:cTn id="9" presetID="1" presetClass="entr" presetSubtype="0" fill="hold" nodeType="clickEffect">
+                                  <p:stCondLst>
+                                    <p:cond delay="0"/>
+                                  </p:stCondLst>
+                                  <p:childTnLst>
+                                    <p:set>
+                                      <p:cBhvr>
+                                        <p:cTn id="10" dur="1" fill="hold">
+                                          <p:stCondLst>
+                                            <p:cond delay="0"/>
+                                          </p:stCondLst>
+                                        </p:cTn>
+                                        <p:tgtEl>
+                                          <p:spTgt spid="3">
+                                            <p:txEl>
+                                              <p:pRg st="2" end="2"/>
+                                            </p:txEl>
+                                          </p:spTgt>
+                                        </p:tgtEl>
+                                        <p:attrNameLst>
+                                          <p:attrName>style.visibility</p:attrName>
+                                        </p:attrNameLst>
+                                      </p:cBhvr>
+                                      <p:to>
+                                        <p:strVal val="visible"/>
+                                      </p:to>
+                                    </p:set>
+                                  </p:childTnLst>
+                                </p:cTn>
+                              </p:par>
+                            </p:childTnLst>
+                          </p:cTn>
+                        </p:par>
+                      </p:childTnLst>
+                    </p:cTn>
+                  </p:par>
+                  <p:par>
+                    <p:cTn id="11" fill="hold">
+                      <p:stCondLst>
+                        <p:cond delay="indefinite"/>
+                      </p:stCondLst>
+                      <p:childTnLst>
+                        <p:par>
+                          <p:cTn id="12" fill="hold">
+                            <p:stCondLst>
+                              <p:cond delay="0"/>
+                            </p:stCondLst>
+                            <p:childTnLst>
+                              <p:par>
+                                <p:cTn id="13" presetID="1" presetClass="entr" presetSubtype="0" fill="hold" nodeType="clickEffect">
+                                  <p:stCondLst>
+                                    <p:cond delay="0"/>
+                                  </p:stCondLst>
+                                  <p:childTnLst>
+                                    <p:set>
+                                      <p:cBhvr>
+                                        <p:cTn id="14" dur="1" fill="hold">
+                                          <p:stCondLst>
+                                            <p:cond delay="0"/>
+                                          </p:stCondLst>
+                                        </p:cTn>
+                                        <p:tgtEl>
+                                          <p:spTgt spid="3">
+                                            <p:txEl>
+                                              <p:pRg st="4" end="4"/>
+                                            </p:txEl>
+                                          </p:spTgt>
+                                        </p:tgtEl>
+                                        <p:attrNameLst>
+                                          <p:attrName>style.visibility</p:attrName>
+                                        </p:attrNameLst>
+                                      </p:cBhvr>
+                                      <p:to>
+                                        <p:strVal val="visible"/>
+                                      </p:to>
+                                    </p:set>
+                                  </p:childTnLst>
+                                </p:cTn>
+                              </p:par>
+                            </p:childTnLst>
+                          </p:cTn>
+                        </p:par>
+                      </p:childTnLst>
+                    </p:cTn>
+                  </p:par>
+                  <p:par>
+                    <p:cTn id="15" fill="hold">
+                      <p:stCondLst>
+                        <p:cond delay="indefinite"/>
+                      </p:stCondLst>
+                      <p:childTnLst>
+                        <p:par>
+                          <p:cTn id="16" fill="hold">
+                            <p:stCondLst>
+                              <p:cond delay="0"/>
+                            </p:stCondLst>
+                            <p:childTnLst>
+                              <p:par>
+                                <p:cTn id="17" presetID="1" presetClass="entr" presetSubtype="0" fill="hold" nodeType="clickEffect">
+                                  <p:stCondLst>
+                                    <p:cond delay="0"/>
+                                  </p:stCondLst>
+                                  <p:childTnLst>
+                                    <p:set>
+                                      <p:cBhvr>
+                                        <p:cTn id="18" dur="1" fill="hold">
+                                          <p:stCondLst>
+                                            <p:cond delay="0"/>
+                                          </p:stCondLst>
+                                        </p:cTn>
+                                        <p:tgtEl>
+                                          <p:spTgt spid="3">
+                                            <p:txEl>
+                                              <p:pRg st="6" end="6"/>
+                                            </p:txEl>
+                                          </p:spTgt>
+                                        </p:tgtEl>
+                                        <p:attrNameLst>
+                                          <p:attrName>style.visibility</p:attrName>
+                                        </p:attrNameLst>
+                                      </p:cBhvr>
+                                      <p:to>
+                                        <p:strVal val="visible"/>
+                                      </p:to>
+                                    </p:set>
+                                  </p:childTnLst>
+                                </p:cTn>
+                              </p:par>
+                            </p:childTnLst>
+                          </p:cTn>
+                        </p:par>
+                      </p:childTnLst>
+                    </p:cTn>
+                  </p:par>
+                  <p:par>
+                    <p:cTn id="19" fill="hold">
+                      <p:stCondLst>
+                        <p:cond delay="indefinite"/>
+                      </p:stCondLst>
+                      <p:childTnLst>
+                        <p:par>
+                          <p:cTn id="20" fill="hold">
+                            <p:stCondLst>
+                              <p:cond delay="0"/>
+                            </p:stCondLst>
+                            <p:childTnLst>
+                              <p:par>
+                                <p:cTn id="21" presetID="1" presetClass="entr" presetSubtype="0" fill="hold" nodeType="clickEffect">
+                                  <p:stCondLst>
+                                    <p:cond delay="0"/>
+                                  </p:stCondLst>
+                                  <p:childTnLst>
+                                    <p:set>
+                                      <p:cBhvr>
+                                        <p:cTn id="22" dur="1" fill="hold">
+                                          <p:stCondLst>
+                                            <p:cond delay="0"/>
+                                          </p:stCondLst>
+                                        </p:cTn>
+                                        <p:tgtEl>
+                                          <p:spTgt spid="3">
+                                            <p:txEl>
+                                              <p:pRg st="8" end="8"/>
+                                            </p:txEl>
+                                          </p:spTgt>
+                                        </p:tgtEl>
+                                        <p:attrNameLst>
+                                          <p:attrName>style.visibility</p:attrName>
+                                        </p:attrNameLst>
+                                      </p:cBhvr>
+                                      <p:to>
+                                        <p:strVal val="visible"/>
+                                      </p:to>
+                                    </p:set>
+                                  </p:childTnLst>
+                                </p:cTn>
+                              </p:par>
+                            </p:childTnLst>
+                          </p:cTn>
+                        </p:par>
+                      </p:childTnLst>
+                    </p:cTn>
+                  </p:par>
+                </p:childTnLst>
+              </p:cTn>
+              <p:prevCondLst>
+                <p:cond evt="onPrev" delay="0">
+                  <p:tgtEl>
+                    <p:sldTgt/>
+                  </p:tgtEl>
+                </p:cond>
+              </p:prevCondLst>
+              <p:nextCondLst>
+                <p:cond evt="onNext" delay="0">
+                  <p:tgtEl>
+                    <p:sldTgt/>
+                  </p:tgtEl>
+                </p:cond>
+              </p:nextCondLst>
+            </p:seq>
+          </p:childTnLst>
+        </p:cTn>
       </p:par>
     </p:tnLst>
   </p:timing>
@@ -9703,6 +12682,700 @@
             <p:ph idx="1"/>
           </p:nvPr>
         </p:nvSpPr>
+        <p:spPr/>
+        <p:txBody>
+          <a:bodyPr>
+            <a:normAutofit lnSpcReduction="10000"/>
+          </a:bodyPr>
+          <a:lstStyle/>
+          <a:p>
+            <a:r>
+              <a:rPr lang="en-GB" dirty="0" smtClean="0"/>
+              <a:t>Requirements will be unambiguous and without functional gaps</a:t>
+            </a:r>
+          </a:p>
+          <a:p>
+            <a:endParaRPr lang="en-US" dirty="0" smtClean="0"/>
+          </a:p>
+          <a:p>
+            <a:r>
+              <a:rPr lang="en-GB" dirty="0" smtClean="0"/>
+              <a:t>Business analysts will really understand those special cases you mentioned</a:t>
+            </a:r>
+          </a:p>
+          <a:p>
+            <a:endParaRPr lang="en-US" dirty="0" smtClean="0"/>
+          </a:p>
+          <a:p>
+            <a:r>
+              <a:rPr lang="en-GB" dirty="0" smtClean="0"/>
+              <a:t>You will have automated tests to guide development</a:t>
+            </a:r>
+          </a:p>
+          <a:p>
+            <a:endParaRPr lang="en-US" dirty="0" smtClean="0"/>
+          </a:p>
+          <a:p>
+            <a:r>
+              <a:rPr lang="en-GB" dirty="0" smtClean="0"/>
+              <a:t>It will be easier to take-over and hand-over code</a:t>
+            </a:r>
+          </a:p>
+        </p:txBody>
+      </p:sp>
+      <p:sp>
+        <p:nvSpPr>
+          <p:cNvPr id="2" name="Title 1"/>
+          <p:cNvSpPr>
+            <a:spLocks noGrp="1"/>
+          </p:cNvSpPr>
+          <p:nvPr>
+            <p:ph type="title"/>
+          </p:nvPr>
+        </p:nvSpPr>
+        <p:spPr/>
+        <p:txBody>
+          <a:bodyPr>
+            <a:normAutofit fontScale="90000"/>
+          </a:bodyPr>
+          <a:lstStyle/>
+          <a:p>
+            <a:pPr algn="ctr"/>
+            <a:r>
+              <a:rPr lang="nl-BE" dirty="0" smtClean="0"/>
+              <a:t>What’s in it for you?</a:t>
+            </a:r>
+            <a:br>
+              <a:rPr lang="nl-BE" dirty="0" smtClean="0"/>
+            </a:br>
+            <a:r>
+              <a:rPr lang="nl-BE" sz="3600" dirty="0" smtClean="0">
+                <a:solidFill>
+                  <a:schemeClr val="bg2">
+                    <a:lumMod val="50000"/>
+                  </a:schemeClr>
+                </a:solidFill>
+              </a:rPr>
+              <a:t>Developer</a:t>
+            </a:r>
+            <a:endParaRPr lang="nl-BE" sz="3600" dirty="0">
+              <a:solidFill>
+                <a:schemeClr val="bg2">
+                  <a:lumMod val="50000"/>
+                </a:schemeClr>
+              </a:solidFill>
+            </a:endParaRPr>
+          </a:p>
+        </p:txBody>
+      </p:sp>
+    </p:spTree>
+  </p:cSld>
+  <p:clrMapOvr>
+    <a:masterClrMapping/>
+  </p:clrMapOvr>
+  <p:timing>
+    <p:tnLst>
+      <p:par>
+        <p:cTn id="1" dur="indefinite" restart="never" nodeType="tmRoot">
+          <p:childTnLst>
+            <p:seq concurrent="1" nextAc="seek">
+              <p:cTn id="2" dur="indefinite" nodeType="mainSeq">
+                <p:childTnLst>
+                  <p:par>
+                    <p:cTn id="3" fill="hold">
+                      <p:stCondLst>
+                        <p:cond delay="indefinite"/>
+                      </p:stCondLst>
+                      <p:childTnLst>
+                        <p:par>
+                          <p:cTn id="4" fill="hold">
+                            <p:stCondLst>
+                              <p:cond delay="0"/>
+                            </p:stCondLst>
+                            <p:childTnLst>
+                              <p:par>
+                                <p:cTn id="5" presetID="1" presetClass="entr" presetSubtype="0" fill="hold" nodeType="clickEffect">
+                                  <p:stCondLst>
+                                    <p:cond delay="0"/>
+                                  </p:stCondLst>
+                                  <p:childTnLst>
+                                    <p:set>
+                                      <p:cBhvr>
+                                        <p:cTn id="6" dur="1" fill="hold">
+                                          <p:stCondLst>
+                                            <p:cond delay="0"/>
+                                          </p:stCondLst>
+                                        </p:cTn>
+                                        <p:tgtEl>
+                                          <p:spTgt spid="3">
+                                            <p:txEl>
+                                              <p:pRg st="0" end="0"/>
+                                            </p:txEl>
+                                          </p:spTgt>
+                                        </p:tgtEl>
+                                        <p:attrNameLst>
+                                          <p:attrName>style.visibility</p:attrName>
+                                        </p:attrNameLst>
+                                      </p:cBhvr>
+                                      <p:to>
+                                        <p:strVal val="visible"/>
+                                      </p:to>
+                                    </p:set>
+                                  </p:childTnLst>
+                                </p:cTn>
+                              </p:par>
+                            </p:childTnLst>
+                          </p:cTn>
+                        </p:par>
+                      </p:childTnLst>
+                    </p:cTn>
+                  </p:par>
+                  <p:par>
+                    <p:cTn id="7" fill="hold">
+                      <p:stCondLst>
+                        <p:cond delay="indefinite"/>
+                      </p:stCondLst>
+                      <p:childTnLst>
+                        <p:par>
+                          <p:cTn id="8" fill="hold">
+                            <p:stCondLst>
+                              <p:cond delay="0"/>
+                            </p:stCondLst>
+                            <p:childTnLst>
+                              <p:par>
+                                <p:cTn id="9" presetID="1" presetClass="entr" presetSubtype="0" fill="hold" nodeType="clickEffect">
+                                  <p:stCondLst>
+                                    <p:cond delay="0"/>
+                                  </p:stCondLst>
+                                  <p:childTnLst>
+                                    <p:set>
+                                      <p:cBhvr>
+                                        <p:cTn id="10" dur="1" fill="hold">
+                                          <p:stCondLst>
+                                            <p:cond delay="0"/>
+                                          </p:stCondLst>
+                                        </p:cTn>
+                                        <p:tgtEl>
+                                          <p:spTgt spid="3">
+                                            <p:txEl>
+                                              <p:pRg st="2" end="2"/>
+                                            </p:txEl>
+                                          </p:spTgt>
+                                        </p:tgtEl>
+                                        <p:attrNameLst>
+                                          <p:attrName>style.visibility</p:attrName>
+                                        </p:attrNameLst>
+                                      </p:cBhvr>
+                                      <p:to>
+                                        <p:strVal val="visible"/>
+                                      </p:to>
+                                    </p:set>
+                                  </p:childTnLst>
+                                </p:cTn>
+                              </p:par>
+                            </p:childTnLst>
+                          </p:cTn>
+                        </p:par>
+                      </p:childTnLst>
+                    </p:cTn>
+                  </p:par>
+                  <p:par>
+                    <p:cTn id="11" fill="hold">
+                      <p:stCondLst>
+                        <p:cond delay="indefinite"/>
+                      </p:stCondLst>
+                      <p:childTnLst>
+                        <p:par>
+                          <p:cTn id="12" fill="hold">
+                            <p:stCondLst>
+                              <p:cond delay="0"/>
+                            </p:stCondLst>
+                            <p:childTnLst>
+                              <p:par>
+                                <p:cTn id="13" presetID="1" presetClass="entr" presetSubtype="0" fill="hold" nodeType="clickEffect">
+                                  <p:stCondLst>
+                                    <p:cond delay="0"/>
+                                  </p:stCondLst>
+                                  <p:childTnLst>
+                                    <p:set>
+                                      <p:cBhvr>
+                                        <p:cTn id="14" dur="1" fill="hold">
+                                          <p:stCondLst>
+                                            <p:cond delay="0"/>
+                                          </p:stCondLst>
+                                        </p:cTn>
+                                        <p:tgtEl>
+                                          <p:spTgt spid="3">
+                                            <p:txEl>
+                                              <p:pRg st="4" end="4"/>
+                                            </p:txEl>
+                                          </p:spTgt>
+                                        </p:tgtEl>
+                                        <p:attrNameLst>
+                                          <p:attrName>style.visibility</p:attrName>
+                                        </p:attrNameLst>
+                                      </p:cBhvr>
+                                      <p:to>
+                                        <p:strVal val="visible"/>
+                                      </p:to>
+                                    </p:set>
+                                  </p:childTnLst>
+                                </p:cTn>
+                              </p:par>
+                            </p:childTnLst>
+                          </p:cTn>
+                        </p:par>
+                      </p:childTnLst>
+                    </p:cTn>
+                  </p:par>
+                  <p:par>
+                    <p:cTn id="15" fill="hold">
+                      <p:stCondLst>
+                        <p:cond delay="indefinite"/>
+                      </p:stCondLst>
+                      <p:childTnLst>
+                        <p:par>
+                          <p:cTn id="16" fill="hold">
+                            <p:stCondLst>
+                              <p:cond delay="0"/>
+                            </p:stCondLst>
+                            <p:childTnLst>
+                              <p:par>
+                                <p:cTn id="17" presetID="1" presetClass="entr" presetSubtype="0" fill="hold" nodeType="clickEffect">
+                                  <p:stCondLst>
+                                    <p:cond delay="0"/>
+                                  </p:stCondLst>
+                                  <p:childTnLst>
+                                    <p:set>
+                                      <p:cBhvr>
+                                        <p:cTn id="18" dur="1" fill="hold">
+                                          <p:stCondLst>
+                                            <p:cond delay="0"/>
+                                          </p:stCondLst>
+                                        </p:cTn>
+                                        <p:tgtEl>
+                                          <p:spTgt spid="3">
+                                            <p:txEl>
+                                              <p:pRg st="6" end="6"/>
+                                            </p:txEl>
+                                          </p:spTgt>
+                                        </p:tgtEl>
+                                        <p:attrNameLst>
+                                          <p:attrName>style.visibility</p:attrName>
+                                        </p:attrNameLst>
+                                      </p:cBhvr>
+                                      <p:to>
+                                        <p:strVal val="visible"/>
+                                      </p:to>
+                                    </p:set>
+                                  </p:childTnLst>
+                                </p:cTn>
+                              </p:par>
+                            </p:childTnLst>
+                          </p:cTn>
+                        </p:par>
+                      </p:childTnLst>
+                    </p:cTn>
+                  </p:par>
+                </p:childTnLst>
+              </p:cTn>
+              <p:prevCondLst>
+                <p:cond evt="onPrev" delay="0">
+                  <p:tgtEl>
+                    <p:sldTgt/>
+                  </p:tgtEl>
+                </p:cond>
+              </p:prevCondLst>
+              <p:nextCondLst>
+                <p:cond evt="onNext" delay="0">
+                  <p:tgtEl>
+                    <p:sldTgt/>
+                  </p:tgtEl>
+                </p:cond>
+              </p:nextCondLst>
+            </p:seq>
+          </p:childTnLst>
+        </p:cTn>
+      </p:par>
+    </p:tnLst>
+  </p:timing>
+</p:sld>
+</file>
+
+<file path=ppt/slides/slide23.xml><?xml version="1.0" encoding="utf-8"?>
+<p:sld xmlns:a="http://schemas.openxmlformats.org/drawingml/2006/main" xmlns:r="http://schemas.openxmlformats.org/officeDocument/2006/relationships" xmlns:p="http://schemas.openxmlformats.org/presentationml/2006/main">
+  <p:cSld>
+    <p:spTree>
+      <p:nvGrpSpPr>
+        <p:cNvPr id="1" name=""/>
+        <p:cNvGrpSpPr/>
+        <p:nvPr/>
+      </p:nvGrpSpPr>
+      <p:grpSpPr>
+        <a:xfrm>
+          <a:off x="0" y="0"/>
+          <a:ext cx="0" cy="0"/>
+          <a:chOff x="0" y="0"/>
+          <a:chExt cx="0" cy="0"/>
+        </a:xfrm>
+      </p:grpSpPr>
+      <p:sp>
+        <p:nvSpPr>
+          <p:cNvPr id="3" name="Content Placeholder 2"/>
+          <p:cNvSpPr>
+            <a:spLocks noGrp="1"/>
+          </p:cNvSpPr>
+          <p:nvPr>
+            <p:ph idx="1"/>
+          </p:nvPr>
+        </p:nvSpPr>
+        <p:spPr/>
+        <p:txBody>
+          <a:bodyPr>
+            <a:normAutofit/>
+          </a:bodyPr>
+          <a:lstStyle/>
+          <a:p>
+            <a:r>
+              <a:rPr lang="en-GB" dirty="0" smtClean="0"/>
+              <a:t>Finally stop those guys from making the same mistakes over and over</a:t>
+            </a:r>
+          </a:p>
+          <a:p>
+            <a:endParaRPr lang="en-US" dirty="0" smtClean="0"/>
+          </a:p>
+          <a:p>
+            <a:r>
+              <a:rPr lang="en-GB" dirty="0" smtClean="0"/>
+              <a:t>Avoid doing the same stuff all the time</a:t>
+            </a:r>
+          </a:p>
+          <a:p>
+            <a:endParaRPr lang="en-US" dirty="0" smtClean="0"/>
+          </a:p>
+          <a:p>
+            <a:r>
+              <a:rPr lang="en-GB" dirty="0" smtClean="0"/>
+              <a:t>Build quality in from the start</a:t>
+            </a:r>
+          </a:p>
+          <a:p>
+            <a:endParaRPr lang="en-US" dirty="0" smtClean="0"/>
+          </a:p>
+          <a:p>
+            <a:r>
+              <a:rPr lang="en-GB" dirty="0" smtClean="0"/>
+              <a:t>Verify business rules by a click on a button</a:t>
+            </a:r>
+          </a:p>
+        </p:txBody>
+      </p:sp>
+      <p:sp>
+        <p:nvSpPr>
+          <p:cNvPr id="2" name="Title 1"/>
+          <p:cNvSpPr>
+            <a:spLocks noGrp="1"/>
+          </p:cNvSpPr>
+          <p:nvPr>
+            <p:ph type="title"/>
+          </p:nvPr>
+        </p:nvSpPr>
+        <p:spPr/>
+        <p:txBody>
+          <a:bodyPr>
+            <a:normAutofit fontScale="90000"/>
+          </a:bodyPr>
+          <a:lstStyle/>
+          <a:p>
+            <a:pPr algn="ctr"/>
+            <a:r>
+              <a:rPr lang="nl-BE" dirty="0" smtClean="0"/>
+              <a:t>What’s in it for you?</a:t>
+            </a:r>
+            <a:br>
+              <a:rPr lang="nl-BE" dirty="0" smtClean="0"/>
+            </a:br>
+            <a:r>
+              <a:rPr lang="nl-BE" sz="3600" dirty="0" smtClean="0">
+                <a:solidFill>
+                  <a:schemeClr val="bg2">
+                    <a:lumMod val="50000"/>
+                  </a:schemeClr>
+                </a:solidFill>
+              </a:rPr>
+              <a:t>Tester / Business Analist</a:t>
+            </a:r>
+            <a:endParaRPr lang="nl-BE" sz="3600" dirty="0">
+              <a:solidFill>
+                <a:schemeClr val="bg2">
+                  <a:lumMod val="50000"/>
+                </a:schemeClr>
+              </a:solidFill>
+            </a:endParaRPr>
+          </a:p>
+        </p:txBody>
+      </p:sp>
+    </p:spTree>
+  </p:cSld>
+  <p:clrMapOvr>
+    <a:masterClrMapping/>
+  </p:clrMapOvr>
+  <p:timing>
+    <p:tnLst>
+      <p:par>
+        <p:cTn id="1" dur="indefinite" restart="never" nodeType="tmRoot">
+          <p:childTnLst>
+            <p:seq concurrent="1" nextAc="seek">
+              <p:cTn id="2" dur="indefinite" nodeType="mainSeq">
+                <p:childTnLst>
+                  <p:par>
+                    <p:cTn id="3" fill="hold">
+                      <p:stCondLst>
+                        <p:cond delay="indefinite"/>
+                      </p:stCondLst>
+                      <p:childTnLst>
+                        <p:par>
+                          <p:cTn id="4" fill="hold">
+                            <p:stCondLst>
+                              <p:cond delay="0"/>
+                            </p:stCondLst>
+                            <p:childTnLst>
+                              <p:par>
+                                <p:cTn id="5" presetID="1" presetClass="entr" presetSubtype="0" fill="hold" nodeType="clickEffect">
+                                  <p:stCondLst>
+                                    <p:cond delay="0"/>
+                                  </p:stCondLst>
+                                  <p:childTnLst>
+                                    <p:set>
+                                      <p:cBhvr>
+                                        <p:cTn id="6" dur="1" fill="hold">
+                                          <p:stCondLst>
+                                            <p:cond delay="0"/>
+                                          </p:stCondLst>
+                                        </p:cTn>
+                                        <p:tgtEl>
+                                          <p:spTgt spid="3">
+                                            <p:txEl>
+                                              <p:pRg st="0" end="0"/>
+                                            </p:txEl>
+                                          </p:spTgt>
+                                        </p:tgtEl>
+                                        <p:attrNameLst>
+                                          <p:attrName>style.visibility</p:attrName>
+                                        </p:attrNameLst>
+                                      </p:cBhvr>
+                                      <p:to>
+                                        <p:strVal val="visible"/>
+                                      </p:to>
+                                    </p:set>
+                                  </p:childTnLst>
+                                </p:cTn>
+                              </p:par>
+                            </p:childTnLst>
+                          </p:cTn>
+                        </p:par>
+                      </p:childTnLst>
+                    </p:cTn>
+                  </p:par>
+                  <p:par>
+                    <p:cTn id="7" fill="hold">
+                      <p:stCondLst>
+                        <p:cond delay="indefinite"/>
+                      </p:stCondLst>
+                      <p:childTnLst>
+                        <p:par>
+                          <p:cTn id="8" fill="hold">
+                            <p:stCondLst>
+                              <p:cond delay="0"/>
+                            </p:stCondLst>
+                            <p:childTnLst>
+                              <p:par>
+                                <p:cTn id="9" presetID="1" presetClass="entr" presetSubtype="0" fill="hold" nodeType="clickEffect">
+                                  <p:stCondLst>
+                                    <p:cond delay="0"/>
+                                  </p:stCondLst>
+                                  <p:childTnLst>
+                                    <p:set>
+                                      <p:cBhvr>
+                                        <p:cTn id="10" dur="1" fill="hold">
+                                          <p:stCondLst>
+                                            <p:cond delay="0"/>
+                                          </p:stCondLst>
+                                        </p:cTn>
+                                        <p:tgtEl>
+                                          <p:spTgt spid="3">
+                                            <p:txEl>
+                                              <p:pRg st="2" end="2"/>
+                                            </p:txEl>
+                                          </p:spTgt>
+                                        </p:tgtEl>
+                                        <p:attrNameLst>
+                                          <p:attrName>style.visibility</p:attrName>
+                                        </p:attrNameLst>
+                                      </p:cBhvr>
+                                      <p:to>
+                                        <p:strVal val="visible"/>
+                                      </p:to>
+                                    </p:set>
+                                  </p:childTnLst>
+                                </p:cTn>
+                              </p:par>
+                            </p:childTnLst>
+                          </p:cTn>
+                        </p:par>
+                      </p:childTnLst>
+                    </p:cTn>
+                  </p:par>
+                  <p:par>
+                    <p:cTn id="11" fill="hold">
+                      <p:stCondLst>
+                        <p:cond delay="indefinite"/>
+                      </p:stCondLst>
+                      <p:childTnLst>
+                        <p:par>
+                          <p:cTn id="12" fill="hold">
+                            <p:stCondLst>
+                              <p:cond delay="0"/>
+                            </p:stCondLst>
+                            <p:childTnLst>
+                              <p:par>
+                                <p:cTn id="13" presetID="1" presetClass="entr" presetSubtype="0" fill="hold" nodeType="clickEffect">
+                                  <p:stCondLst>
+                                    <p:cond delay="0"/>
+                                  </p:stCondLst>
+                                  <p:childTnLst>
+                                    <p:set>
+                                      <p:cBhvr>
+                                        <p:cTn id="14" dur="1" fill="hold">
+                                          <p:stCondLst>
+                                            <p:cond delay="0"/>
+                                          </p:stCondLst>
+                                        </p:cTn>
+                                        <p:tgtEl>
+                                          <p:spTgt spid="3">
+                                            <p:txEl>
+                                              <p:pRg st="4" end="4"/>
+                                            </p:txEl>
+                                          </p:spTgt>
+                                        </p:tgtEl>
+                                        <p:attrNameLst>
+                                          <p:attrName>style.visibility</p:attrName>
+                                        </p:attrNameLst>
+                                      </p:cBhvr>
+                                      <p:to>
+                                        <p:strVal val="visible"/>
+                                      </p:to>
+                                    </p:set>
+                                  </p:childTnLst>
+                                </p:cTn>
+                              </p:par>
+                            </p:childTnLst>
+                          </p:cTn>
+                        </p:par>
+                      </p:childTnLst>
+                    </p:cTn>
+                  </p:par>
+                  <p:par>
+                    <p:cTn id="15" fill="hold">
+                      <p:stCondLst>
+                        <p:cond delay="indefinite"/>
+                      </p:stCondLst>
+                      <p:childTnLst>
+                        <p:par>
+                          <p:cTn id="16" fill="hold">
+                            <p:stCondLst>
+                              <p:cond delay="0"/>
+                            </p:stCondLst>
+                            <p:childTnLst>
+                              <p:par>
+                                <p:cTn id="17" presetID="1" presetClass="entr" presetSubtype="0" fill="hold" nodeType="clickEffect">
+                                  <p:stCondLst>
+                                    <p:cond delay="0"/>
+                                  </p:stCondLst>
+                                  <p:childTnLst>
+                                    <p:set>
+                                      <p:cBhvr>
+                                        <p:cTn id="18" dur="1" fill="hold">
+                                          <p:stCondLst>
+                                            <p:cond delay="0"/>
+                                          </p:stCondLst>
+                                        </p:cTn>
+                                        <p:tgtEl>
+                                          <p:spTgt spid="3">
+                                            <p:txEl>
+                                              <p:pRg st="6" end="6"/>
+                                            </p:txEl>
+                                          </p:spTgt>
+                                        </p:tgtEl>
+                                        <p:attrNameLst>
+                                          <p:attrName>style.visibility</p:attrName>
+                                        </p:attrNameLst>
+                                      </p:cBhvr>
+                                      <p:to>
+                                        <p:strVal val="visible"/>
+                                      </p:to>
+                                    </p:set>
+                                  </p:childTnLst>
+                                </p:cTn>
+                              </p:par>
+                            </p:childTnLst>
+                          </p:cTn>
+                        </p:par>
+                      </p:childTnLst>
+                    </p:cTn>
+                  </p:par>
+                </p:childTnLst>
+              </p:cTn>
+              <p:prevCondLst>
+                <p:cond evt="onPrev" delay="0">
+                  <p:tgtEl>
+                    <p:sldTgt/>
+                  </p:tgtEl>
+                </p:cond>
+              </p:prevCondLst>
+              <p:nextCondLst>
+                <p:cond evt="onNext" delay="0">
+                  <p:tgtEl>
+                    <p:sldTgt/>
+                  </p:tgtEl>
+                </p:cond>
+              </p:nextCondLst>
+            </p:seq>
+          </p:childTnLst>
+        </p:cTn>
+      </p:par>
+    </p:tnLst>
+  </p:timing>
+</p:sld>
+</file>
+
+<file path=ppt/slides/slide24.xml><?xml version="1.0" encoding="utf-8"?>
+<p:sld xmlns:a="http://schemas.openxmlformats.org/drawingml/2006/main" xmlns:r="http://schemas.openxmlformats.org/officeDocument/2006/relationships" xmlns:p="http://schemas.openxmlformats.org/presentationml/2006/main">
+  <p:cSld>
+    <p:spTree>
+      <p:nvGrpSpPr>
+        <p:cNvPr id="1" name=""/>
+        <p:cNvGrpSpPr/>
+        <p:nvPr/>
+      </p:nvGrpSpPr>
+      <p:grpSpPr>
+        <a:xfrm>
+          <a:off x="0" y="0"/>
+          <a:ext cx="0" cy="0"/>
+          <a:chOff x="0" y="0"/>
+          <a:chExt cx="0" cy="0"/>
+        </a:xfrm>
+      </p:grpSpPr>
+      <p:sp>
+        <p:nvSpPr>
+          <p:cNvPr id="3" name="Content Placeholder 2"/>
+          <p:cNvSpPr>
+            <a:spLocks noGrp="1"/>
+          </p:cNvSpPr>
+          <p:nvPr>
+            <p:ph idx="1"/>
+          </p:nvPr>
+        </p:nvSpPr>
         <p:spPr>
           <a:xfrm>
             <a:off x="457200" y="1214422"/>
@@ -9856,7 +13529,7 @@
           <p:nvPr/>
         </p:nvPicPr>
         <p:blipFill>
-          <a:blip r:embed="rId7"/>
+          <a:blip r:embed="rId7" cstate="print"/>
           <a:srcRect/>
           <a:stretch>
             <a:fillRect/>
@@ -9888,7 +13561,7 @@
           <p:nvPr/>
         </p:nvPicPr>
         <p:blipFill>
-          <a:blip r:embed="rId8"/>
+          <a:blip r:embed="rId8" cstate="print"/>
           <a:srcRect/>
           <a:stretch>
             <a:fillRect/>
@@ -9920,7 +13593,7 @@
           <p:nvPr/>
         </p:nvPicPr>
         <p:blipFill>
-          <a:blip r:embed="rId9"/>
+          <a:blip r:embed="rId9" cstate="print"/>
           <a:srcRect/>
           <a:stretch>
             <a:fillRect/>
@@ -9953,7 +13626,7 @@
           <p:nvPr/>
         </p:nvPicPr>
         <p:blipFill>
-          <a:blip r:embed="rId10"/>
+          <a:blip r:embed="rId10" cstate="print"/>
           <a:srcRect/>
           <a:stretch>
             <a:fillRect/>
@@ -9986,7 +13659,7 @@
           <p:nvPr/>
         </p:nvPicPr>
         <p:blipFill>
-          <a:blip r:embed="rId11"/>
+          <a:blip r:embed="rId11" cstate="print"/>
           <a:srcRect/>
           <a:stretch>
             <a:fillRect/>
@@ -10018,14 +13691,564 @@
   <p:timing>
     <p:tnLst>
       <p:par>
-        <p:cTn id="1" dur="indefinite" restart="never" nodeType="tmRoot"/>
+        <p:cTn id="1" dur="indefinite" restart="never" nodeType="tmRoot">
+          <p:childTnLst>
+            <p:seq concurrent="1" nextAc="seek">
+              <p:cTn id="2" dur="indefinite" nodeType="mainSeq">
+                <p:childTnLst>
+                  <p:par>
+                    <p:cTn id="3" fill="hold">
+                      <p:stCondLst>
+                        <p:cond delay="indefinite"/>
+                      </p:stCondLst>
+                      <p:childTnLst>
+                        <p:par>
+                          <p:cTn id="4" fill="hold">
+                            <p:stCondLst>
+                              <p:cond delay="0"/>
+                            </p:stCondLst>
+                            <p:childTnLst>
+                              <p:par>
+                                <p:cTn id="5" presetID="1" presetClass="entr" presetSubtype="0" fill="hold" nodeType="clickEffect">
+                                  <p:stCondLst>
+                                    <p:cond delay="0"/>
+                                  </p:stCondLst>
+                                  <p:childTnLst>
+                                    <p:set>
+                                      <p:cBhvr>
+                                        <p:cTn id="6" dur="1" fill="hold">
+                                          <p:stCondLst>
+                                            <p:cond delay="0"/>
+                                          </p:stCondLst>
+                                        </p:cTn>
+                                        <p:tgtEl>
+                                          <p:spTgt spid="3">
+                                            <p:txEl>
+                                              <p:pRg st="0" end="0"/>
+                                            </p:txEl>
+                                          </p:spTgt>
+                                        </p:tgtEl>
+                                        <p:attrNameLst>
+                                          <p:attrName>style.visibility</p:attrName>
+                                        </p:attrNameLst>
+                                      </p:cBhvr>
+                                      <p:to>
+                                        <p:strVal val="visible"/>
+                                      </p:to>
+                                    </p:set>
+                                  </p:childTnLst>
+                                </p:cTn>
+                              </p:par>
+                            </p:childTnLst>
+                          </p:cTn>
+                        </p:par>
+                      </p:childTnLst>
+                    </p:cTn>
+                  </p:par>
+                  <p:par>
+                    <p:cTn id="7" fill="hold">
+                      <p:stCondLst>
+                        <p:cond delay="indefinite"/>
+                      </p:stCondLst>
+                      <p:childTnLst>
+                        <p:par>
+                          <p:cTn id="8" fill="hold">
+                            <p:stCondLst>
+                              <p:cond delay="0"/>
+                            </p:stCondLst>
+                            <p:childTnLst>
+                              <p:par>
+                                <p:cTn id="9" presetID="1" presetClass="entr" presetSubtype="0" fill="hold" nodeType="clickEffect">
+                                  <p:stCondLst>
+                                    <p:cond delay="0"/>
+                                  </p:stCondLst>
+                                  <p:childTnLst>
+                                    <p:set>
+                                      <p:cBhvr>
+                                        <p:cTn id="10" dur="1" fill="hold">
+                                          <p:stCondLst>
+                                            <p:cond delay="0"/>
+                                          </p:stCondLst>
+                                        </p:cTn>
+                                        <p:tgtEl>
+                                          <p:spTgt spid="1029"/>
+                                        </p:tgtEl>
+                                        <p:attrNameLst>
+                                          <p:attrName>style.visibility</p:attrName>
+                                        </p:attrNameLst>
+                                      </p:cBhvr>
+                                      <p:to>
+                                        <p:strVal val="visible"/>
+                                      </p:to>
+                                    </p:set>
+                                  </p:childTnLst>
+                                </p:cTn>
+                              </p:par>
+                            </p:childTnLst>
+                          </p:cTn>
+                        </p:par>
+                      </p:childTnLst>
+                    </p:cTn>
+                  </p:par>
+                  <p:par>
+                    <p:cTn id="11" fill="hold">
+                      <p:stCondLst>
+                        <p:cond delay="indefinite"/>
+                      </p:stCondLst>
+                      <p:childTnLst>
+                        <p:par>
+                          <p:cTn id="12" fill="hold">
+                            <p:stCondLst>
+                              <p:cond delay="0"/>
+                            </p:stCondLst>
+                            <p:childTnLst>
+                              <p:par>
+                                <p:cTn id="13" presetID="1" presetClass="entr" presetSubtype="0" fill="hold" nodeType="clickEffect">
+                                  <p:stCondLst>
+                                    <p:cond delay="0"/>
+                                  </p:stCondLst>
+                                  <p:childTnLst>
+                                    <p:set>
+                                      <p:cBhvr>
+                                        <p:cTn id="14" dur="1" fill="hold">
+                                          <p:stCondLst>
+                                            <p:cond delay="0"/>
+                                          </p:stCondLst>
+                                        </p:cTn>
+                                        <p:tgtEl>
+                                          <p:spTgt spid="1027"/>
+                                        </p:tgtEl>
+                                        <p:attrNameLst>
+                                          <p:attrName>style.visibility</p:attrName>
+                                        </p:attrNameLst>
+                                      </p:cBhvr>
+                                      <p:to>
+                                        <p:strVal val="visible"/>
+                                      </p:to>
+                                    </p:set>
+                                  </p:childTnLst>
+                                </p:cTn>
+                              </p:par>
+                            </p:childTnLst>
+                          </p:cTn>
+                        </p:par>
+                      </p:childTnLst>
+                    </p:cTn>
+                  </p:par>
+                  <p:par>
+                    <p:cTn id="15" fill="hold">
+                      <p:stCondLst>
+                        <p:cond delay="indefinite"/>
+                      </p:stCondLst>
+                      <p:childTnLst>
+                        <p:par>
+                          <p:cTn id="16" fill="hold">
+                            <p:stCondLst>
+                              <p:cond delay="0"/>
+                            </p:stCondLst>
+                            <p:childTnLst>
+                              <p:par>
+                                <p:cTn id="17" presetID="1" presetClass="entr" presetSubtype="0" fill="hold" nodeType="clickEffect">
+                                  <p:stCondLst>
+                                    <p:cond delay="0"/>
+                                  </p:stCondLst>
+                                  <p:childTnLst>
+                                    <p:set>
+                                      <p:cBhvr>
+                                        <p:cTn id="18" dur="1" fill="hold">
+                                          <p:stCondLst>
+                                            <p:cond delay="0"/>
+                                          </p:stCondLst>
+                                        </p:cTn>
+                                        <p:tgtEl>
+                                          <p:spTgt spid="1028"/>
+                                        </p:tgtEl>
+                                        <p:attrNameLst>
+                                          <p:attrName>style.visibility</p:attrName>
+                                        </p:attrNameLst>
+                                      </p:cBhvr>
+                                      <p:to>
+                                        <p:strVal val="visible"/>
+                                      </p:to>
+                                    </p:set>
+                                  </p:childTnLst>
+                                </p:cTn>
+                              </p:par>
+                            </p:childTnLst>
+                          </p:cTn>
+                        </p:par>
+                      </p:childTnLst>
+                    </p:cTn>
+                  </p:par>
+                  <p:par>
+                    <p:cTn id="19" fill="hold">
+                      <p:stCondLst>
+                        <p:cond delay="indefinite"/>
+                      </p:stCondLst>
+                      <p:childTnLst>
+                        <p:par>
+                          <p:cTn id="20" fill="hold">
+                            <p:stCondLst>
+                              <p:cond delay="0"/>
+                            </p:stCondLst>
+                            <p:childTnLst>
+                              <p:par>
+                                <p:cTn id="21" presetID="1" presetClass="entr" presetSubtype="0" fill="hold" nodeType="clickEffect">
+                                  <p:stCondLst>
+                                    <p:cond delay="0"/>
+                                  </p:stCondLst>
+                                  <p:childTnLst>
+                                    <p:set>
+                                      <p:cBhvr>
+                                        <p:cTn id="22" dur="1" fill="hold">
+                                          <p:stCondLst>
+                                            <p:cond delay="0"/>
+                                          </p:stCondLst>
+                                        </p:cTn>
+                                        <p:tgtEl>
+                                          <p:spTgt spid="4"/>
+                                        </p:tgtEl>
+                                        <p:attrNameLst>
+                                          <p:attrName>style.visibility</p:attrName>
+                                        </p:attrNameLst>
+                                      </p:cBhvr>
+                                      <p:to>
+                                        <p:strVal val="visible"/>
+                                      </p:to>
+                                    </p:set>
+                                  </p:childTnLst>
+                                </p:cTn>
+                              </p:par>
+                            </p:childTnLst>
+                          </p:cTn>
+                        </p:par>
+                      </p:childTnLst>
+                    </p:cTn>
+                  </p:par>
+                  <p:par>
+                    <p:cTn id="23" fill="hold">
+                      <p:stCondLst>
+                        <p:cond delay="indefinite"/>
+                      </p:stCondLst>
+                      <p:childTnLst>
+                        <p:par>
+                          <p:cTn id="24" fill="hold">
+                            <p:stCondLst>
+                              <p:cond delay="0"/>
+                            </p:stCondLst>
+                            <p:childTnLst>
+                              <p:par>
+                                <p:cTn id="25" presetID="1" presetClass="entr" presetSubtype="0" fill="hold" nodeType="clickEffect">
+                                  <p:stCondLst>
+                                    <p:cond delay="0"/>
+                                  </p:stCondLst>
+                                  <p:childTnLst>
+                                    <p:set>
+                                      <p:cBhvr>
+                                        <p:cTn id="26" dur="1" fill="hold">
+                                          <p:stCondLst>
+                                            <p:cond delay="0"/>
+                                          </p:stCondLst>
+                                        </p:cTn>
+                                        <p:tgtEl>
+                                          <p:spTgt spid="5"/>
+                                        </p:tgtEl>
+                                        <p:attrNameLst>
+                                          <p:attrName>style.visibility</p:attrName>
+                                        </p:attrNameLst>
+                                      </p:cBhvr>
+                                      <p:to>
+                                        <p:strVal val="visible"/>
+                                      </p:to>
+                                    </p:set>
+                                  </p:childTnLst>
+                                </p:cTn>
+                              </p:par>
+                            </p:childTnLst>
+                          </p:cTn>
+                        </p:par>
+                      </p:childTnLst>
+                    </p:cTn>
+                  </p:par>
+                  <p:par>
+                    <p:cTn id="27" fill="hold">
+                      <p:stCondLst>
+                        <p:cond delay="indefinite"/>
+                      </p:stCondLst>
+                      <p:childTnLst>
+                        <p:par>
+                          <p:cTn id="28" fill="hold">
+                            <p:stCondLst>
+                              <p:cond delay="0"/>
+                            </p:stCondLst>
+                            <p:childTnLst>
+                              <p:par>
+                                <p:cTn id="29" presetID="1" presetClass="entr" presetSubtype="0" fill="hold" nodeType="clickEffect">
+                                  <p:stCondLst>
+                                    <p:cond delay="0"/>
+                                  </p:stCondLst>
+                                  <p:childTnLst>
+                                    <p:set>
+                                      <p:cBhvr>
+                                        <p:cTn id="30" dur="1" fill="hold">
+                                          <p:stCondLst>
+                                            <p:cond delay="0"/>
+                                          </p:stCondLst>
+                                        </p:cTn>
+                                        <p:tgtEl>
+                                          <p:spTgt spid="3">
+                                            <p:txEl>
+                                              <p:pRg st="6" end="6"/>
+                                            </p:txEl>
+                                          </p:spTgt>
+                                        </p:tgtEl>
+                                        <p:attrNameLst>
+                                          <p:attrName>style.visibility</p:attrName>
+                                        </p:attrNameLst>
+                                      </p:cBhvr>
+                                      <p:to>
+                                        <p:strVal val="visible"/>
+                                      </p:to>
+                                    </p:set>
+                                  </p:childTnLst>
+                                </p:cTn>
+                              </p:par>
+                              <p:par>
+                                <p:cTn id="31" presetID="1" presetClass="entr" presetSubtype="0" fill="hold" nodeType="withEffect">
+                                  <p:stCondLst>
+                                    <p:cond delay="0"/>
+                                  </p:stCondLst>
+                                  <p:childTnLst>
+                                    <p:set>
+                                      <p:cBhvr>
+                                        <p:cTn id="32" dur="1" fill="hold">
+                                          <p:stCondLst>
+                                            <p:cond delay="0"/>
+                                          </p:stCondLst>
+                                        </p:cTn>
+                                        <p:tgtEl>
+                                          <p:spTgt spid="3">
+                                            <p:txEl>
+                                              <p:pRg st="7" end="7"/>
+                                            </p:txEl>
+                                          </p:spTgt>
+                                        </p:tgtEl>
+                                        <p:attrNameLst>
+                                          <p:attrName>style.visibility</p:attrName>
+                                        </p:attrNameLst>
+                                      </p:cBhvr>
+                                      <p:to>
+                                        <p:strVal val="visible"/>
+                                      </p:to>
+                                    </p:set>
+                                  </p:childTnLst>
+                                </p:cTn>
+                              </p:par>
+                              <p:par>
+                                <p:cTn id="33" presetID="1" presetClass="entr" presetSubtype="0" fill="hold" nodeType="withEffect">
+                                  <p:stCondLst>
+                                    <p:cond delay="0"/>
+                                  </p:stCondLst>
+                                  <p:childTnLst>
+                                    <p:set>
+                                      <p:cBhvr>
+                                        <p:cTn id="34" dur="1" fill="hold">
+                                          <p:stCondLst>
+                                            <p:cond delay="0"/>
+                                          </p:stCondLst>
+                                        </p:cTn>
+                                        <p:tgtEl>
+                                          <p:spTgt spid="3">
+                                            <p:txEl>
+                                              <p:pRg st="8" end="8"/>
+                                            </p:txEl>
+                                          </p:spTgt>
+                                        </p:tgtEl>
+                                        <p:attrNameLst>
+                                          <p:attrName>style.visibility</p:attrName>
+                                        </p:attrNameLst>
+                                      </p:cBhvr>
+                                      <p:to>
+                                        <p:strVal val="visible"/>
+                                      </p:to>
+                                    </p:set>
+                                  </p:childTnLst>
+                                </p:cTn>
+                              </p:par>
+                              <p:par>
+                                <p:cTn id="35" presetID="1" presetClass="entr" presetSubtype="0" fill="hold" nodeType="withEffect">
+                                  <p:stCondLst>
+                                    <p:cond delay="0"/>
+                                  </p:stCondLst>
+                                  <p:childTnLst>
+                                    <p:set>
+                                      <p:cBhvr>
+                                        <p:cTn id="36" dur="1" fill="hold">
+                                          <p:stCondLst>
+                                            <p:cond delay="0"/>
+                                          </p:stCondLst>
+                                        </p:cTn>
+                                        <p:tgtEl>
+                                          <p:spTgt spid="3">
+                                            <p:txEl>
+                                              <p:pRg st="9" end="9"/>
+                                            </p:txEl>
+                                          </p:spTgt>
+                                        </p:tgtEl>
+                                        <p:attrNameLst>
+                                          <p:attrName>style.visibility</p:attrName>
+                                        </p:attrNameLst>
+                                      </p:cBhvr>
+                                      <p:to>
+                                        <p:strVal val="visible"/>
+                                      </p:to>
+                                    </p:set>
+                                  </p:childTnLst>
+                                </p:cTn>
+                              </p:par>
+                              <p:par>
+                                <p:cTn id="37" presetID="1" presetClass="entr" presetSubtype="0" fill="hold" nodeType="withEffect">
+                                  <p:stCondLst>
+                                    <p:cond delay="0"/>
+                                  </p:stCondLst>
+                                  <p:childTnLst>
+                                    <p:set>
+                                      <p:cBhvr>
+                                        <p:cTn id="38" dur="1" fill="hold">
+                                          <p:stCondLst>
+                                            <p:cond delay="0"/>
+                                          </p:stCondLst>
+                                        </p:cTn>
+                                        <p:tgtEl>
+                                          <p:spTgt spid="3">
+                                            <p:txEl>
+                                              <p:pRg st="10" end="10"/>
+                                            </p:txEl>
+                                          </p:spTgt>
+                                        </p:tgtEl>
+                                        <p:attrNameLst>
+                                          <p:attrName>style.visibility</p:attrName>
+                                        </p:attrNameLst>
+                                      </p:cBhvr>
+                                      <p:to>
+                                        <p:strVal val="visible"/>
+                                      </p:to>
+                                    </p:set>
+                                  </p:childTnLst>
+                                </p:cTn>
+                              </p:par>
+                            </p:childTnLst>
+                          </p:cTn>
+                        </p:par>
+                      </p:childTnLst>
+                    </p:cTn>
+                  </p:par>
+                  <p:par>
+                    <p:cTn id="39" fill="hold">
+                      <p:stCondLst>
+                        <p:cond delay="indefinite"/>
+                      </p:stCondLst>
+                      <p:childTnLst>
+                        <p:par>
+                          <p:cTn id="40" fill="hold">
+                            <p:stCondLst>
+                              <p:cond delay="0"/>
+                            </p:stCondLst>
+                            <p:childTnLst>
+                              <p:par>
+                                <p:cTn id="41" presetID="1" presetClass="entr" presetSubtype="0" fill="hold" nodeType="clickEffect">
+                                  <p:stCondLst>
+                                    <p:cond delay="0"/>
+                                  </p:stCondLst>
+                                  <p:childTnLst>
+                                    <p:set>
+                                      <p:cBhvr>
+                                        <p:cTn id="42" dur="1" fill="hold">
+                                          <p:stCondLst>
+                                            <p:cond delay="0"/>
+                                          </p:stCondLst>
+                                        </p:cTn>
+                                        <p:tgtEl>
+                                          <p:spTgt spid="3">
+                                            <p:txEl>
+                                              <p:pRg st="12" end="12"/>
+                                            </p:txEl>
+                                          </p:spTgt>
+                                        </p:tgtEl>
+                                        <p:attrNameLst>
+                                          <p:attrName>style.visibility</p:attrName>
+                                        </p:attrNameLst>
+                                      </p:cBhvr>
+                                      <p:to>
+                                        <p:strVal val="visible"/>
+                                      </p:to>
+                                    </p:set>
+                                  </p:childTnLst>
+                                </p:cTn>
+                              </p:par>
+                              <p:par>
+                                <p:cTn id="43" presetID="1" presetClass="entr" presetSubtype="0" fill="hold" nodeType="withEffect">
+                                  <p:stCondLst>
+                                    <p:cond delay="0"/>
+                                  </p:stCondLst>
+                                  <p:childTnLst>
+                                    <p:set>
+                                      <p:cBhvr>
+                                        <p:cTn id="44" dur="1" fill="hold">
+                                          <p:stCondLst>
+                                            <p:cond delay="0"/>
+                                          </p:stCondLst>
+                                        </p:cTn>
+                                        <p:tgtEl>
+                                          <p:spTgt spid="3">
+                                            <p:txEl>
+                                              <p:pRg st="13" end="13"/>
+                                            </p:txEl>
+                                          </p:spTgt>
+                                        </p:tgtEl>
+                                        <p:attrNameLst>
+                                          <p:attrName>style.visibility</p:attrName>
+                                        </p:attrNameLst>
+                                      </p:cBhvr>
+                                      <p:to>
+                                        <p:strVal val="visible"/>
+                                      </p:to>
+                                    </p:set>
+                                  </p:childTnLst>
+                                </p:cTn>
+                              </p:par>
+                            </p:childTnLst>
+                          </p:cTn>
+                        </p:par>
+                      </p:childTnLst>
+                    </p:cTn>
+                  </p:par>
+                </p:childTnLst>
+              </p:cTn>
+              <p:prevCondLst>
+                <p:cond evt="onPrev" delay="0">
+                  <p:tgtEl>
+                    <p:sldTgt/>
+                  </p:tgtEl>
+                </p:cond>
+              </p:prevCondLst>
+              <p:nextCondLst>
+                <p:cond evt="onNext" delay="0">
+                  <p:tgtEl>
+                    <p:sldTgt/>
+                  </p:tgtEl>
+                </p:cond>
+              </p:nextCondLst>
+            </p:seq>
+          </p:childTnLst>
+        </p:cTn>
       </p:par>
     </p:tnLst>
   </p:timing>
 </p:sld>
 </file>
 
-<file path=ppt/slides/slide23.xml><?xml version="1.0" encoding="utf-8"?>
+<file path=ppt/slides/slide25.xml><?xml version="1.0" encoding="utf-8"?>
 <p:sld xmlns:a="http://schemas.openxmlformats.org/drawingml/2006/main" xmlns:r="http://schemas.openxmlformats.org/officeDocument/2006/relationships" xmlns:p="http://schemas.openxmlformats.org/presentationml/2006/main">
   <p:cSld>
     <p:spTree>
@@ -10059,12 +14282,44 @@
           <a:p>
             <a:r>
               <a:rPr lang="nl-BE" dirty="0" smtClean="0"/>
-              <a:t>Retrospective</a:t>
+              <a:t>Questions?</a:t>
             </a:r>
             <a:endParaRPr lang="nl-BE" dirty="0"/>
           </a:p>
         </p:txBody>
       </p:sp>
+      <p:pic>
+        <p:nvPicPr>
+          <p:cNvPr id="3" name="Picture 2"/>
+          <p:cNvPicPr>
+            <a:picLocks noChangeAspect="1" noChangeArrowheads="1"/>
+          </p:cNvPicPr>
+          <p:nvPr/>
+        </p:nvPicPr>
+        <p:blipFill>
+          <a:blip r:embed="rId2" cstate="print"/>
+          <a:srcRect/>
+          <a:stretch>
+            <a:fillRect/>
+          </a:stretch>
+        </p:blipFill>
+        <p:spPr bwMode="auto">
+          <a:xfrm>
+            <a:off x="2500313" y="1785938"/>
+            <a:ext cx="4071937" cy="3175000"/>
+          </a:xfrm>
+          <a:prstGeom prst="rect">
+            <a:avLst/>
+          </a:prstGeom>
+          <a:noFill/>
+          <a:ln w="9525">
+            <a:noFill/>
+            <a:miter lim="800000"/>
+            <a:headEnd/>
+            <a:tailEnd/>
+          </a:ln>
+        </p:spPr>
+      </p:pic>
     </p:spTree>
   </p:cSld>
   <p:clrMapOvr>
@@ -10935,7 +15190,7 @@
           <p:nvPr/>
         </p:nvPicPr>
         <p:blipFill>
-          <a:blip r:embed="rId2"/>
+          <a:blip r:embed="rId2" cstate="print"/>
           <a:srcRect/>
           <a:stretch>
             <a:fillRect/>
@@ -11040,7 +15295,7 @@
           <p:nvPr/>
         </p:nvPicPr>
         <p:blipFill>
-          <a:blip r:embed="rId2"/>
+          <a:blip r:embed="rId2" cstate="print"/>
           <a:srcRect/>
           <a:stretch>
             <a:fillRect/>

--- a/Slides/20090514_iLearn_AgileAcceptanceTesting.pptx
+++ b/Slides/20090514_iLearn_AgileAcceptanceTesting.pptx
@@ -5,7 +5,7 @@
     <p:sldMasterId id="2147483732" r:id="rId1"/>
   </p:sldMasterIdLst>
   <p:notesMasterIdLst>
-    <p:notesMasterId r:id="rId27"/>
+    <p:notesMasterId r:id="rId28"/>
   </p:notesMasterIdLst>
   <p:sldIdLst>
     <p:sldId id="256" r:id="rId2"/>
@@ -31,8 +31,9 @@
     <p:sldId id="269" r:id="rId22"/>
     <p:sldId id="270" r:id="rId23"/>
     <p:sldId id="271" r:id="rId24"/>
-    <p:sldId id="264" r:id="rId25"/>
-    <p:sldId id="285" r:id="rId26"/>
+    <p:sldId id="289" r:id="rId25"/>
+    <p:sldId id="264" r:id="rId26"/>
+    <p:sldId id="285" r:id="rId27"/>
   </p:sldIdLst>
   <p:sldSz cx="9144000" cy="6858000" type="screen4x3"/>
   <p:notesSz cx="6858000" cy="9144000"/>
@@ -217,7 +218,7 @@
             <a:fld id="{08F0785E-033A-43CD-AF7D-1A09C6890A39}" type="datetimeFigureOut">
               <a:rPr lang="nl-BE" smtClean="0"/>
               <a:pPr/>
-              <a:t>05/05/2009</a:t>
+              <a:t>08/05/2009</a:t>
             </a:fld>
             <a:endParaRPr lang="nl-BE"/>
           </a:p>
@@ -1113,7 +1114,6 @@
               <a:rPr lang="nl-BE" baseline="0" dirty="0" smtClean="0"/>
               <a:t>Should we demo build integration? Ask the audience</a:t>
             </a:r>
-            <a:endParaRPr lang="nl-BE" baseline="0" dirty="0" smtClean="0"/>
           </a:p>
         </p:txBody>
       </p:sp>
@@ -1491,6 +1491,88 @@
 </p:notes>
 </file>
 
+<file path=ppt/notesSlides/notesSlide18.xml><?xml version="1.0" encoding="utf-8"?>
+<p:notes xmlns:a="http://schemas.openxmlformats.org/drawingml/2006/main" xmlns:r="http://schemas.openxmlformats.org/officeDocument/2006/relationships" xmlns:p="http://schemas.openxmlformats.org/presentationml/2006/main">
+  <p:cSld>
+    <p:spTree>
+      <p:nvGrpSpPr>
+        <p:cNvPr id="1" name=""/>
+        <p:cNvGrpSpPr/>
+        <p:nvPr/>
+      </p:nvGrpSpPr>
+      <p:grpSpPr>
+        <a:xfrm>
+          <a:off x="0" y="0"/>
+          <a:ext cx="0" cy="0"/>
+          <a:chOff x="0" y="0"/>
+          <a:chExt cx="0" cy="0"/>
+        </a:xfrm>
+      </p:grpSpPr>
+      <p:sp>
+        <p:nvSpPr>
+          <p:cNvPr id="2" name="Slide Image Placeholder 1"/>
+          <p:cNvSpPr>
+            <a:spLocks noGrp="1" noRot="1" noChangeAspect="1"/>
+          </p:cNvSpPr>
+          <p:nvPr>
+            <p:ph type="sldImg"/>
+          </p:nvPr>
+        </p:nvSpPr>
+        <p:spPr/>
+      </p:sp>
+      <p:sp>
+        <p:nvSpPr>
+          <p:cNvPr id="3" name="Notes Placeholder 2"/>
+          <p:cNvSpPr>
+            <a:spLocks noGrp="1"/>
+          </p:cNvSpPr>
+          <p:nvPr>
+            <p:ph type="body" idx="1"/>
+          </p:nvPr>
+        </p:nvSpPr>
+        <p:spPr/>
+        <p:txBody>
+          <a:bodyPr>
+            <a:normAutofit/>
+          </a:bodyPr>
+          <a:lstStyle/>
+          <a:p>
+            <a:endParaRPr lang="nl-BE" dirty="0"/>
+          </a:p>
+        </p:txBody>
+      </p:sp>
+      <p:sp>
+        <p:nvSpPr>
+          <p:cNvPr id="4" name="Slide Number Placeholder 3"/>
+          <p:cNvSpPr>
+            <a:spLocks noGrp="1"/>
+          </p:cNvSpPr>
+          <p:nvPr>
+            <p:ph type="sldNum" sz="quarter" idx="10"/>
+          </p:nvPr>
+        </p:nvSpPr>
+        <p:spPr/>
+        <p:txBody>
+          <a:bodyPr/>
+          <a:lstStyle/>
+          <a:p>
+            <a:fld id="{A95F721D-B08F-41E9-83C2-423A43044BB2}" type="slidenum">
+              <a:rPr lang="nl-BE" smtClean="0"/>
+              <a:pPr/>
+              <a:t>24</a:t>
+            </a:fld>
+            <a:endParaRPr lang="nl-BE"/>
+          </a:p>
+        </p:txBody>
+      </p:sp>
+    </p:spTree>
+  </p:cSld>
+  <p:clrMapOvr>
+    <a:masterClrMapping/>
+  </p:clrMapOvr>
+</p:notes>
+</file>
+
 <file path=ppt/notesSlides/notesSlide2.xml><?xml version="1.0" encoding="utf-8"?>
 <p:notes xmlns:a="http://schemas.openxmlformats.org/drawingml/2006/main" xmlns:r="http://schemas.openxmlformats.org/officeDocument/2006/relationships" xmlns:p="http://schemas.openxmlformats.org/presentationml/2006/main">
   <p:cSld>
@@ -1967,10 +2049,29 @@
           </a:bodyPr>
           <a:lstStyle/>
           <a:p>
+            <a:pPr marL="0" marR="0" indent="0" algn="l" defTabSz="914400" rtl="0" eaLnBrk="1" fontAlgn="auto" latinLnBrk="0" hangingPunct="1">
+              <a:lnSpc>
+                <a:spcPct val="100000"/>
+              </a:lnSpc>
+              <a:spcBef>
+                <a:spcPts val="0"/>
+              </a:spcBef>
+              <a:spcAft>
+                <a:spcPts val="0"/>
+              </a:spcAft>
+              <a:buClrTx/>
+              <a:buSzTx/>
+              <a:buFontTx/>
+              <a:buNone/>
+              <a:tabLst/>
+              <a:defRPr/>
+            </a:pPr>
             <a:r>
               <a:rPr lang="nl-BE" dirty="0" smtClean="0"/>
-              <a:t>Include Gojko triangle!</a:t>
-            </a:r>
+              <a:t>Lets turn those examples into executable specifications to verify that we have build the right code.</a:t>
+            </a:r>
+          </a:p>
+          <a:p>
             <a:endParaRPr lang="nl-BE" dirty="0"/>
           </a:p>
         </p:txBody>
@@ -3106,7 +3207,7 @@
             <a:fld id="{FB938823-3E05-40BA-BF51-A1BB5DC0A85F}" type="datetimeFigureOut">
               <a:rPr lang="nl-BE" smtClean="0"/>
               <a:pPr/>
-              <a:t>05/05/2009</a:t>
+              <a:t>08/05/2009</a:t>
             </a:fld>
             <a:endParaRPr lang="nl-BE"/>
           </a:p>
@@ -3304,7 +3405,7 @@
             <a:fld id="{FB938823-3E05-40BA-BF51-A1BB5DC0A85F}" type="datetimeFigureOut">
               <a:rPr lang="nl-BE" smtClean="0"/>
               <a:pPr/>
-              <a:t>05/05/2009</a:t>
+              <a:t>08/05/2009</a:t>
             </a:fld>
             <a:endParaRPr lang="nl-BE"/>
           </a:p>
@@ -3491,7 +3592,7 @@
             <a:fld id="{FB938823-3E05-40BA-BF51-A1BB5DC0A85F}" type="datetimeFigureOut">
               <a:rPr lang="nl-BE" smtClean="0"/>
               <a:pPr/>
-              <a:t>05/05/2009</a:t>
+              <a:t>08/05/2009</a:t>
             </a:fld>
             <a:endParaRPr lang="nl-BE"/>
           </a:p>
@@ -3643,7 +3744,7 @@
             <a:fld id="{FB938823-3E05-40BA-BF51-A1BB5DC0A85F}" type="datetimeFigureOut">
               <a:rPr lang="nl-BE" smtClean="0"/>
               <a:pPr/>
-              <a:t>05/05/2009</a:t>
+              <a:t>08/05/2009</a:t>
             </a:fld>
             <a:endParaRPr lang="nl-BE"/>
           </a:p>
@@ -3900,7 +4001,7 @@
             <a:fld id="{FB938823-3E05-40BA-BF51-A1BB5DC0A85F}" type="datetimeFigureOut">
               <a:rPr lang="nl-BE" smtClean="0"/>
               <a:pPr/>
-              <a:t>05/05/2009</a:t>
+              <a:t>08/05/2009</a:t>
             </a:fld>
             <a:endParaRPr lang="nl-BE"/>
           </a:p>
@@ -4311,7 +4412,7 @@
             <a:fld id="{FB938823-3E05-40BA-BF51-A1BB5DC0A85F}" type="datetimeFigureOut">
               <a:rPr lang="nl-BE" smtClean="0"/>
               <a:pPr/>
-              <a:t>05/05/2009</a:t>
+              <a:t>08/05/2009</a:t>
             </a:fld>
             <a:endParaRPr lang="nl-BE"/>
           </a:p>
@@ -4759,7 +4860,7 @@
             <a:fld id="{FB938823-3E05-40BA-BF51-A1BB5DC0A85F}" type="datetimeFigureOut">
               <a:rPr lang="nl-BE" smtClean="0"/>
               <a:pPr/>
-              <a:t>05/05/2009</a:t>
+              <a:t>08/05/2009</a:t>
             </a:fld>
             <a:endParaRPr lang="nl-BE"/>
           </a:p>
@@ -4862,7 +4963,7 @@
             <a:fld id="{FB938823-3E05-40BA-BF51-A1BB5DC0A85F}" type="datetimeFigureOut">
               <a:rPr lang="nl-BE" smtClean="0"/>
               <a:pPr/>
-              <a:t>05/05/2009</a:t>
+              <a:t>08/05/2009</a:t>
             </a:fld>
             <a:endParaRPr lang="nl-BE"/>
           </a:p>
@@ -4985,7 +5086,7 @@
             <a:fld id="{FB938823-3E05-40BA-BF51-A1BB5DC0A85F}" type="datetimeFigureOut">
               <a:rPr lang="nl-BE" smtClean="0"/>
               <a:pPr/>
-              <a:t>05/05/2009</a:t>
+              <a:t>08/05/2009</a:t>
             </a:fld>
             <a:endParaRPr lang="nl-BE"/>
           </a:p>
@@ -5261,7 +5362,7 @@
             <a:fld id="{FB938823-3E05-40BA-BF51-A1BB5DC0A85F}" type="datetimeFigureOut">
               <a:rPr lang="nl-BE" smtClean="0"/>
               <a:pPr/>
-              <a:t>05/05/2009</a:t>
+              <a:t>08/05/2009</a:t>
             </a:fld>
             <a:endParaRPr lang="nl-BE"/>
           </a:p>
@@ -5468,7 +5569,7 @@
             <a:fld id="{FB938823-3E05-40BA-BF51-A1BB5DC0A85F}" type="datetimeFigureOut">
               <a:rPr lang="nl-BE" smtClean="0"/>
               <a:pPr/>
-              <a:t>05/05/2009</a:t>
+              <a:t>08/05/2009</a:t>
             </a:fld>
             <a:endParaRPr lang="nl-BE"/>
           </a:p>
@@ -6579,7 +6680,7 @@
             <a:fld id="{FB938823-3E05-40BA-BF51-A1BB5DC0A85F}" type="datetimeFigureOut">
               <a:rPr lang="nl-BE" smtClean="0"/>
               <a:pPr/>
-              <a:t>05/05/2009</a:t>
+              <a:t>08/05/2009</a:t>
             </a:fld>
             <a:endParaRPr lang="nl-BE"/>
           </a:p>
@@ -7738,7 +7839,12 @@
             <p:ph idx="1"/>
           </p:nvPr>
         </p:nvSpPr>
-        <p:spPr/>
+        <p:spPr>
+          <a:xfrm>
+            <a:off x="457200" y="1481328"/>
+            <a:ext cx="8229600" cy="4876630"/>
+          </a:xfrm>
+        </p:spPr>
         <p:txBody>
           <a:bodyPr>
             <a:normAutofit/>
@@ -7747,26 +7853,47 @@
           <a:p>
             <a:r>
               <a:rPr lang="nl-BE" dirty="0" smtClean="0"/>
-              <a:t>Scope of the user story is nailed down</a:t>
+              <a:t>Scope of the user story is nailed </a:t>
+            </a:r>
+            <a:r>
+              <a:rPr lang="nl-BE" dirty="0" smtClean="0"/>
+              <a:t>down with  </a:t>
+            </a:r>
+            <a:r>
+              <a:rPr lang="nl-BE" dirty="0" smtClean="0"/>
+              <a:t>real world </a:t>
+            </a:r>
+            <a:r>
+              <a:rPr lang="nl-BE" dirty="0" smtClean="0"/>
+              <a:t>examples</a:t>
             </a:r>
           </a:p>
           <a:p>
             <a:endParaRPr lang="nl-BE" dirty="0" smtClean="0"/>
           </a:p>
           <a:p>
-            <a:r>
-              <a:rPr lang="nl-BE" dirty="0" smtClean="0"/>
-              <a:t>We have real world examples how the user story should work</a:t>
-            </a:r>
-          </a:p>
-          <a:p>
             <a:endParaRPr lang="nl-BE" dirty="0" smtClean="0"/>
           </a:p>
           <a:p>
-            <a:r>
-              <a:rPr lang="nl-BE" dirty="0" smtClean="0"/>
-              <a:t>Lets turn those examples into executable specifications to verify that we have build the right code.</a:t>
-            </a:r>
+            <a:pPr>
+              <a:buNone/>
+            </a:pPr>
+            <a:endParaRPr lang="nl-BE" dirty="0" smtClean="0"/>
+          </a:p>
+          <a:p>
+            <a:pPr>
+              <a:buNone/>
+            </a:pPr>
+            <a:endParaRPr lang="nl-BE" dirty="0" smtClean="0"/>
+          </a:p>
+          <a:p>
+            <a:pPr>
+              <a:buNone/>
+            </a:pPr>
+            <a:endParaRPr lang="nl-BE" dirty="0" smtClean="0"/>
+          </a:p>
+          <a:p>
+            <a:endParaRPr lang="nl-BE" dirty="0" smtClean="0"/>
           </a:p>
           <a:p>
             <a:endParaRPr lang="nl-BE" dirty="0" smtClean="0"/>
@@ -7802,6 +7929,41 @@
           </a:p>
         </p:txBody>
       </p:sp>
+      <p:pic>
+        <p:nvPicPr>
+          <p:cNvPr id="4" name="Picture 1"/>
+          <p:cNvPicPr>
+            <a:picLocks noChangeAspect="1" noChangeArrowheads="1"/>
+          </p:cNvPicPr>
+          <p:nvPr/>
+        </p:nvPicPr>
+        <p:blipFill>
+          <a:blip r:embed="rId3" cstate="print"/>
+          <a:srcRect/>
+          <a:stretch>
+            <a:fillRect/>
+          </a:stretch>
+        </p:blipFill>
+        <p:spPr bwMode="auto">
+          <a:xfrm>
+            <a:off x="1571604" y="2654344"/>
+            <a:ext cx="6429420" cy="2703482"/>
+          </a:xfrm>
+          <a:prstGeom prst="rect">
+            <a:avLst/>
+          </a:prstGeom>
+          <a:noFill/>
+          <a:ln w="38100">
+            <a:solidFill>
+              <a:srgbClr val="00B050"/>
+            </a:solidFill>
+            <a:prstDash val="sysDot"/>
+            <a:round/>
+            <a:headEnd/>
+            <a:tailEnd/>
+          </a:ln>
+        </p:spPr>
+      </p:pic>
     </p:spTree>
   </p:cSld>
   <p:clrMapOvr>
@@ -7877,7 +8039,7 @@
                             </p:stCondLst>
                             <p:childTnLst>
                               <p:par>
-                                <p:cTn id="9" presetID="1" presetClass="entr" presetSubtype="0" fill="hold" grpId="0" nodeType="clickEffect">
+                                <p:cTn id="9" presetID="1" presetClass="entr" presetSubtype="0" fill="hold" nodeType="clickEffect">
                                   <p:stCondLst>
                                     <p:cond delay="0"/>
                                   </p:stCondLst>
@@ -7890,11 +8052,7 @@
                                           </p:stCondLst>
                                         </p:cTn>
                                         <p:tgtEl>
-                                          <p:spTgt spid="3">
-                                            <p:txEl>
-                                              <p:pRg st="2" end="2"/>
-                                            </p:txEl>
-                                          </p:spTgt>
+                                          <p:spTgt spid="4"/>
                                         </p:tgtEl>
                                         <p:attrNameLst>
                                           <p:attrName>style.visibility</p:attrName>
@@ -7941,56 +8099,7 @@
                                         <p:tgtEl>
                                           <p:spTgt spid="3">
                                             <p:txEl>
-                                              <p:pRg st="4" end="4"/>
-                                            </p:txEl>
-                                          </p:spTgt>
-                                        </p:tgtEl>
-                                        <p:attrNameLst>
-                                          <p:attrName>style.visibility</p:attrName>
-                                        </p:attrNameLst>
-                                      </p:cBhvr>
-                                      <p:to>
-                                        <p:strVal val="visible"/>
-                                      </p:to>
-                                    </p:set>
-                                  </p:childTnLst>
-                                </p:cTn>
-                              </p:par>
-                            </p:childTnLst>
-                          </p:cTn>
-                        </p:par>
-                      </p:childTnLst>
-                    </p:cTn>
-                  </p:par>
-                  <p:par>
-                    <p:cTn id="15" fill="hold">
-                      <p:stCondLst>
-                        <p:cond delay="indefinite"/>
-                      </p:stCondLst>
-                      <p:childTnLst>
-                        <p:par>
-                          <p:cTn id="16" fill="hold">
-                            <p:stCondLst>
-                              <p:cond delay="0"/>
-                            </p:stCondLst>
-                            <p:childTnLst>
-                              <p:par>
-                                <p:cTn id="17" presetID="1" presetClass="entr" presetSubtype="0" fill="hold" grpId="0" nodeType="clickEffect">
-                                  <p:stCondLst>
-                                    <p:cond delay="0"/>
-                                  </p:stCondLst>
-                                  <p:childTnLst>
-                                    <p:set>
-                                      <p:cBhvr>
-                                        <p:cTn id="18" dur="1" fill="hold">
-                                          <p:stCondLst>
-                                            <p:cond delay="0"/>
-                                          </p:stCondLst>
-                                        </p:cTn>
-                                        <p:tgtEl>
-                                          <p:spTgt spid="3">
-                                            <p:txEl>
-                                              <p:pRg st="6" end="6"/>
+                                              <p:pRg st="8" end="8"/>
                                             </p:txEl>
                                           </p:spTgt>
                                         </p:tgtEl>
@@ -8033,7 +8142,7 @@
       </p:par>
     </p:tnLst>
     <p:bldLst>
-      <p:bldP spid="3" grpId="0" build="p"/>
+      <p:bldP spid="3" grpId="0" uiExpand="1" build="p"/>
     </p:bldLst>
   </p:timing>
 </p:sld>
@@ -8144,7 +8253,6 @@
               <a:rPr lang="nl-BE" i="1" dirty="0" smtClean="0"/>
               <a:t>Iteration 2</a:t>
             </a:r>
-            <a:endParaRPr lang="nl-BE" i="1" dirty="0" smtClean="0"/>
           </a:p>
           <a:p>
             <a:pPr marL="624078" indent="-514350"/>
@@ -8156,7 +8264,6 @@
               <a:rPr lang="nl-BE" i="1" dirty="0" smtClean="0"/>
               <a:t>What’s in it for you?</a:t>
             </a:r>
-            <a:endParaRPr lang="nl-BE" i="1" dirty="0" smtClean="0"/>
           </a:p>
           <a:p>
             <a:pPr marL="624078" indent="-514350"/>
@@ -8302,7 +8409,6 @@
               <a:rPr lang="nl-BE" i="1" dirty="0" smtClean="0"/>
               <a:t>Iteration 2</a:t>
             </a:r>
-            <a:endParaRPr lang="nl-BE" i="1" dirty="0" smtClean="0"/>
           </a:p>
           <a:p>
             <a:pPr marL="624078" indent="-514350"/>
@@ -8314,7 +8420,6 @@
               <a:rPr lang="nl-BE" i="1" dirty="0" smtClean="0"/>
               <a:t>What’s in it for you?</a:t>
             </a:r>
-            <a:endParaRPr lang="nl-BE" i="1" dirty="0" smtClean="0"/>
           </a:p>
           <a:p>
             <a:pPr marL="624078" indent="-514350"/>
@@ -11125,11 +11230,7 @@
             <a:pPr marL="624078" indent="-514350"/>
             <a:r>
               <a:rPr lang="nl-BE" b="1" i="1" dirty="0" smtClean="0"/>
-              <a:t>Iteration </a:t>
-            </a:r>
-            <a:r>
-              <a:rPr lang="nl-BE" b="1" i="1" dirty="0" smtClean="0"/>
-              <a:t>2</a:t>
+              <a:t>Iteration 2</a:t>
             </a:r>
           </a:p>
           <a:p>
@@ -11142,7 +11243,6 @@
               <a:rPr lang="nl-BE" i="1" dirty="0" smtClean="0"/>
               <a:t>What’s in it for you?</a:t>
             </a:r>
-            <a:endParaRPr lang="nl-BE" i="1" dirty="0" smtClean="0"/>
           </a:p>
           <a:p>
             <a:pPr marL="624078" indent="-514350"/>
@@ -12153,11 +12253,7 @@
             <a:pPr marL="624078" indent="-514350"/>
             <a:r>
               <a:rPr lang="nl-BE" i="1" dirty="0" smtClean="0"/>
-              <a:t>Iteration </a:t>
-            </a:r>
-            <a:r>
-              <a:rPr lang="nl-BE" i="1" dirty="0" smtClean="0"/>
-              <a:t>2</a:t>
+              <a:t>Iteration 2</a:t>
             </a:r>
           </a:p>
           <a:p>
@@ -12170,7 +12266,6 @@
               <a:rPr lang="nl-BE" b="1" i="1" dirty="0" smtClean="0"/>
               <a:t>What’s in it for you?</a:t>
             </a:r>
-            <a:endParaRPr lang="nl-BE" b="1" i="1" dirty="0" smtClean="0"/>
           </a:p>
           <a:p>
             <a:pPr marL="624078" indent="-514350"/>
@@ -13368,6 +13463,137 @@
       </p:grpSpPr>
       <p:sp>
         <p:nvSpPr>
+          <p:cNvPr id="2" name="Title 1"/>
+          <p:cNvSpPr>
+            <a:spLocks noGrp="1"/>
+          </p:cNvSpPr>
+          <p:nvPr>
+            <p:ph type="title"/>
+          </p:nvPr>
+        </p:nvSpPr>
+        <p:spPr/>
+        <p:txBody>
+          <a:bodyPr>
+            <a:normAutofit fontScale="90000"/>
+          </a:bodyPr>
+          <a:lstStyle/>
+          <a:p>
+            <a:pPr algn="ctr"/>
+            <a:r>
+              <a:rPr lang="nl-BE" dirty="0" smtClean="0"/>
+              <a:t>Iteration Flow (just a suggestion)</a:t>
+            </a:r>
+            <a:endParaRPr lang="nl-BE" sz="3600" dirty="0">
+              <a:solidFill>
+                <a:schemeClr val="bg2">
+                  <a:lumMod val="50000"/>
+                </a:schemeClr>
+              </a:solidFill>
+            </a:endParaRPr>
+          </a:p>
+        </p:txBody>
+      </p:sp>
+      <p:pic>
+        <p:nvPicPr>
+          <p:cNvPr id="4" name="Picture 3"/>
+          <p:cNvPicPr>
+            <a:picLocks noChangeAspect="1" noChangeArrowheads="1"/>
+          </p:cNvPicPr>
+          <p:nvPr/>
+        </p:nvPicPr>
+        <p:blipFill>
+          <a:blip r:embed="rId3" cstate="print"/>
+          <a:srcRect/>
+          <a:stretch>
+            <a:fillRect/>
+          </a:stretch>
+        </p:blipFill>
+        <p:spPr bwMode="auto">
+          <a:xfrm>
+            <a:off x="1065213" y="1346200"/>
+            <a:ext cx="7088187" cy="4216400"/>
+          </a:xfrm>
+          <a:prstGeom prst="rect">
+            <a:avLst/>
+          </a:prstGeom>
+          <a:noFill/>
+          <a:ln w="9525">
+            <a:noFill/>
+            <a:round/>
+            <a:headEnd/>
+            <a:tailEnd/>
+          </a:ln>
+        </p:spPr>
+      </p:pic>
+      <p:sp>
+        <p:nvSpPr>
+          <p:cNvPr id="5" name="Rectangle 4"/>
+          <p:cNvSpPr/>
+          <p:nvPr/>
+        </p:nvSpPr>
+        <p:spPr>
+          <a:xfrm>
+            <a:off x="2928926" y="5854503"/>
+            <a:ext cx="6143604" cy="646331"/>
+          </a:xfrm>
+          <a:prstGeom prst="rect">
+            <a:avLst/>
+          </a:prstGeom>
+        </p:spPr>
+        <p:txBody>
+          <a:bodyPr wrap="square">
+            <a:spAutoFit/>
+          </a:bodyPr>
+          <a:lstStyle/>
+          <a:p>
+            <a:r>
+              <a:rPr lang="nl-BE" dirty="0" smtClean="0">
+                <a:hlinkClick r:id="rId4"/>
+              </a:rPr>
+              <a:t>http://gojko.net/2008/09/17/fitting-agile-acceptance-testing-into-the-development-process/</a:t>
+            </a:r>
+            <a:r>
+              <a:rPr lang="nl-BE" dirty="0" smtClean="0"/>
+              <a:t> </a:t>
+            </a:r>
+            <a:endParaRPr lang="nl-BE" dirty="0"/>
+          </a:p>
+        </p:txBody>
+      </p:sp>
+    </p:spTree>
+  </p:cSld>
+  <p:clrMapOvr>
+    <a:masterClrMapping/>
+  </p:clrMapOvr>
+  <p:timing>
+    <p:tnLst>
+      <p:par>
+        <p:cTn id="1" dur="indefinite" restart="never" nodeType="tmRoot"/>
+      </p:par>
+    </p:tnLst>
+  </p:timing>
+</p:sld>
+</file>
+
+<file path=ppt/slides/slide25.xml><?xml version="1.0" encoding="utf-8"?>
+<p:sld xmlns:a="http://schemas.openxmlformats.org/drawingml/2006/main" xmlns:r="http://schemas.openxmlformats.org/officeDocument/2006/relationships" xmlns:p="http://schemas.openxmlformats.org/presentationml/2006/main">
+  <p:cSld>
+    <p:spTree>
+      <p:nvGrpSpPr>
+        <p:cNvPr id="1" name=""/>
+        <p:cNvGrpSpPr/>
+        <p:nvPr/>
+      </p:nvGrpSpPr>
+      <p:grpSpPr>
+        <a:xfrm>
+          <a:off x="0" y="0"/>
+          <a:ext cx="0" cy="0"/>
+          <a:chOff x="0" y="0"/>
+          <a:chExt cx="0" cy="0"/>
+        </a:xfrm>
+      </p:grpSpPr>
+      <p:sp>
+        <p:nvSpPr>
           <p:cNvPr id="3" name="Content Placeholder 2"/>
           <p:cNvSpPr>
             <a:spLocks noGrp="1"/>
@@ -13449,12 +13675,19 @@
               <a:rPr lang="en-US" sz="2400" dirty="0" smtClean="0">
                 <a:hlinkClick r:id="rId4"/>
               </a:rPr>
-              <a:t>http://gojko.net/fitnesse/</a:t>
+              <a:t>http://</a:t>
+            </a:r>
+            <a:r>
+              <a:rPr lang="en-US" sz="2400" dirty="0" smtClean="0">
+                <a:hlinkClick r:id="rId4"/>
+              </a:rPr>
+              <a:t>gojko.net/</a:t>
             </a:r>
             <a:r>
               <a:rPr lang="en-US" sz="2400" dirty="0" smtClean="0"/>
-              <a:t>   </a:t>
-            </a:r>
+              <a:t>    </a:t>
+            </a:r>
+            <a:endParaRPr lang="en-US" sz="2400" dirty="0" smtClean="0"/>
           </a:p>
           <a:p>
             <a:pPr lvl="1"/>
@@ -14248,7 +14481,7 @@
 </p:sld>
 </file>
 
-<file path=ppt/slides/slide25.xml><?xml version="1.0" encoding="utf-8"?>
+<file path=ppt/slides/slide26.xml><?xml version="1.0" encoding="utf-8"?>
 <p:sld xmlns:a="http://schemas.openxmlformats.org/drawingml/2006/main" xmlns:r="http://schemas.openxmlformats.org/officeDocument/2006/relationships" xmlns:p="http://schemas.openxmlformats.org/presentationml/2006/main">
   <p:cSld>
     <p:spTree>

--- a/Slides/20090514_iLearn_AgileAcceptanceTesting.pptx
+++ b/Slides/20090514_iLearn_AgileAcceptanceTesting.pptx
@@ -23,8 +23,8 @@
     <p:sldId id="275" r:id="rId14"/>
     <p:sldId id="279" r:id="rId15"/>
     <p:sldId id="280" r:id="rId16"/>
-    <p:sldId id="286" r:id="rId17"/>
-    <p:sldId id="287" r:id="rId18"/>
+    <p:sldId id="287" r:id="rId17"/>
+    <p:sldId id="286" r:id="rId18"/>
     <p:sldId id="278" r:id="rId19"/>
     <p:sldId id="268" r:id="rId20"/>
     <p:sldId id="288" r:id="rId21"/>
@@ -218,7 +218,7 @@
             <a:fld id="{08F0785E-033A-43CD-AF7D-1A09C6890A39}" type="datetimeFigureOut">
               <a:rPr lang="nl-BE" smtClean="0"/>
               <a:pPr/>
-              <a:t>08/05/2009</a:t>
+              <a:t>10/05/2009</a:t>
             </a:fld>
             <a:endParaRPr lang="nl-BE"/>
           </a:p>
@@ -616,86 +616,6 @@
           </a:bodyPr>
           <a:lstStyle/>
           <a:p>
-            <a:r>
-              <a:rPr lang="nl-BE" dirty="0" smtClean="0"/>
-              <a:t>Screenshot van elke soort Fixture (gradueel opgebouwd): </a:t>
-            </a:r>
-          </a:p>
-          <a:p>
-            <a:pPr>
-              <a:buFontTx/>
-              <a:buChar char="-"/>
-            </a:pPr>
-            <a:r>
-              <a:rPr lang="nl-BE" dirty="0" smtClean="0"/>
-              <a:t>ColumnFixture</a:t>
-            </a:r>
-            <a:r>
-              <a:rPr lang="nl-BE" baseline="0" dirty="0" smtClean="0"/>
-              <a:t> -&gt; Class -&gt; Code</a:t>
-            </a:r>
-          </a:p>
-          <a:p>
-            <a:pPr lvl="1">
-              <a:buFontTx/>
-              <a:buChar char="-"/>
-            </a:pPr>
-            <a:r>
-              <a:rPr lang="nl-BE" baseline="0" dirty="0" smtClean="0"/>
-              <a:t>Column -&gt; Property</a:t>
-            </a:r>
-          </a:p>
-          <a:p>
-            <a:pPr lvl="1">
-              <a:buFontTx/>
-              <a:buChar char="-"/>
-            </a:pPr>
-            <a:r>
-              <a:rPr lang="nl-BE" baseline="0" dirty="0" smtClean="0"/>
-              <a:t>Row or ? -&gt; Execute</a:t>
-            </a:r>
-          </a:p>
-          <a:p>
-            <a:pPr lvl="0">
-              <a:buFontTx/>
-              <a:buChar char="-"/>
-            </a:pPr>
-            <a:r>
-              <a:rPr lang="nl-BE" baseline="0" dirty="0" smtClean="0"/>
-              <a:t>RowFixture -&gt; Class</a:t>
-            </a:r>
-          </a:p>
-          <a:p>
-            <a:pPr lvl="1">
-              <a:buFontTx/>
-              <a:buChar char="-"/>
-            </a:pPr>
-            <a:r>
-              <a:rPr lang="nl-BE" baseline="0" dirty="0" smtClean="0"/>
-              <a:t>GetType -&gt; return type</a:t>
-            </a:r>
-          </a:p>
-          <a:p>
-            <a:pPr lvl="1">
-              <a:buFontTx/>
-              <a:buChar char="-"/>
-            </a:pPr>
-            <a:r>
-              <a:rPr lang="nl-BE" baseline="0" dirty="0" smtClean="0"/>
-              <a:t>Query -&gt; result</a:t>
-            </a:r>
-          </a:p>
-          <a:p>
-            <a:pPr lvl="0">
-              <a:buFontTx/>
-              <a:buChar char="-"/>
-            </a:pPr>
-            <a:r>
-              <a:rPr lang="nl-BE" baseline="0" dirty="0" smtClean="0"/>
-              <a:t>Copy current batch()</a:t>
-            </a:r>
-          </a:p>
-          <a:p>
             <a:pPr lvl="1">
               <a:buFontTx/>
               <a:buChar char="-"/>
@@ -796,86 +716,6 @@
           </a:bodyPr>
           <a:lstStyle/>
           <a:p>
-            <a:r>
-              <a:rPr lang="nl-BE" dirty="0" smtClean="0"/>
-              <a:t>Screenshot van elke soort Fixture (gradueel opgebouwd): </a:t>
-            </a:r>
-          </a:p>
-          <a:p>
-            <a:pPr>
-              <a:buFontTx/>
-              <a:buChar char="-"/>
-            </a:pPr>
-            <a:r>
-              <a:rPr lang="nl-BE" dirty="0" smtClean="0"/>
-              <a:t>ColumnFixture</a:t>
-            </a:r>
-            <a:r>
-              <a:rPr lang="nl-BE" baseline="0" dirty="0" smtClean="0"/>
-              <a:t> -&gt; Class -&gt; Code</a:t>
-            </a:r>
-          </a:p>
-          <a:p>
-            <a:pPr lvl="1">
-              <a:buFontTx/>
-              <a:buChar char="-"/>
-            </a:pPr>
-            <a:r>
-              <a:rPr lang="nl-BE" baseline="0" dirty="0" smtClean="0"/>
-              <a:t>Column -&gt; Property</a:t>
-            </a:r>
-          </a:p>
-          <a:p>
-            <a:pPr lvl="1">
-              <a:buFontTx/>
-              <a:buChar char="-"/>
-            </a:pPr>
-            <a:r>
-              <a:rPr lang="nl-BE" baseline="0" dirty="0" smtClean="0"/>
-              <a:t>Row or ? -&gt; Execute</a:t>
-            </a:r>
-          </a:p>
-          <a:p>
-            <a:pPr lvl="0">
-              <a:buFontTx/>
-              <a:buChar char="-"/>
-            </a:pPr>
-            <a:r>
-              <a:rPr lang="nl-BE" baseline="0" dirty="0" smtClean="0"/>
-              <a:t>RowFixture -&gt; Class</a:t>
-            </a:r>
-          </a:p>
-          <a:p>
-            <a:pPr lvl="1">
-              <a:buFontTx/>
-              <a:buChar char="-"/>
-            </a:pPr>
-            <a:r>
-              <a:rPr lang="nl-BE" baseline="0" dirty="0" smtClean="0"/>
-              <a:t>GetType -&gt; return type</a:t>
-            </a:r>
-          </a:p>
-          <a:p>
-            <a:pPr lvl="1">
-              <a:buFontTx/>
-              <a:buChar char="-"/>
-            </a:pPr>
-            <a:r>
-              <a:rPr lang="nl-BE" baseline="0" dirty="0" smtClean="0"/>
-              <a:t>Query -&gt; result</a:t>
-            </a:r>
-          </a:p>
-          <a:p>
-            <a:pPr lvl="0">
-              <a:buFontTx/>
-              <a:buChar char="-"/>
-            </a:pPr>
-            <a:r>
-              <a:rPr lang="nl-BE" baseline="0" dirty="0" smtClean="0"/>
-              <a:t>Copy current batch()</a:t>
-            </a:r>
-          </a:p>
-          <a:p>
             <a:pPr lvl="1">
               <a:buFontTx/>
               <a:buChar char="-"/>
@@ -2446,86 +2286,6 @@
             <a:normAutofit/>
           </a:bodyPr>
           <a:lstStyle/>
-          <a:p>
-            <a:r>
-              <a:rPr lang="nl-BE" dirty="0" smtClean="0"/>
-              <a:t>Screenshot van elke soort Fixture (gradueel opgebouwd): </a:t>
-            </a:r>
-          </a:p>
-          <a:p>
-            <a:pPr>
-              <a:buFontTx/>
-              <a:buChar char="-"/>
-            </a:pPr>
-            <a:r>
-              <a:rPr lang="nl-BE" dirty="0" smtClean="0"/>
-              <a:t>ColumnFixture</a:t>
-            </a:r>
-            <a:r>
-              <a:rPr lang="nl-BE" baseline="0" dirty="0" smtClean="0"/>
-              <a:t> -&gt; Class -&gt; Code</a:t>
-            </a:r>
-          </a:p>
-          <a:p>
-            <a:pPr lvl="1">
-              <a:buFontTx/>
-              <a:buChar char="-"/>
-            </a:pPr>
-            <a:r>
-              <a:rPr lang="nl-BE" baseline="0" dirty="0" smtClean="0"/>
-              <a:t>Column -&gt; Property</a:t>
-            </a:r>
-          </a:p>
-          <a:p>
-            <a:pPr lvl="1">
-              <a:buFontTx/>
-              <a:buChar char="-"/>
-            </a:pPr>
-            <a:r>
-              <a:rPr lang="nl-BE" baseline="0" dirty="0" smtClean="0"/>
-              <a:t>Row or ? -&gt; Execute</a:t>
-            </a:r>
-          </a:p>
-          <a:p>
-            <a:pPr lvl="0">
-              <a:buFontTx/>
-              <a:buChar char="-"/>
-            </a:pPr>
-            <a:r>
-              <a:rPr lang="nl-BE" baseline="0" dirty="0" smtClean="0"/>
-              <a:t>RowFixture -&gt; Class</a:t>
-            </a:r>
-          </a:p>
-          <a:p>
-            <a:pPr lvl="1">
-              <a:buFontTx/>
-              <a:buChar char="-"/>
-            </a:pPr>
-            <a:r>
-              <a:rPr lang="nl-BE" baseline="0" dirty="0" smtClean="0"/>
-              <a:t>GetType -&gt; return type</a:t>
-            </a:r>
-          </a:p>
-          <a:p>
-            <a:pPr lvl="1">
-              <a:buFontTx/>
-              <a:buChar char="-"/>
-            </a:pPr>
-            <a:r>
-              <a:rPr lang="nl-BE" baseline="0" dirty="0" smtClean="0"/>
-              <a:t>Query -&gt; result</a:t>
-            </a:r>
-          </a:p>
-          <a:p>
-            <a:pPr lvl="0">
-              <a:buFontTx/>
-              <a:buChar char="-"/>
-            </a:pPr>
-            <a:r>
-              <a:rPr lang="nl-BE" baseline="0" dirty="0" smtClean="0"/>
-              <a:t>Copy current batch()</a:t>
-            </a:r>
-          </a:p>
           <a:p>
             <a:pPr lvl="1">
               <a:buFontTx/>
@@ -3207,7 +2967,7 @@
             <a:fld id="{FB938823-3E05-40BA-BF51-A1BB5DC0A85F}" type="datetimeFigureOut">
               <a:rPr lang="nl-BE" smtClean="0"/>
               <a:pPr/>
-              <a:t>08/05/2009</a:t>
+              <a:t>10/05/2009</a:t>
             </a:fld>
             <a:endParaRPr lang="nl-BE"/>
           </a:p>
@@ -3405,7 +3165,7 @@
             <a:fld id="{FB938823-3E05-40BA-BF51-A1BB5DC0A85F}" type="datetimeFigureOut">
               <a:rPr lang="nl-BE" smtClean="0"/>
               <a:pPr/>
-              <a:t>08/05/2009</a:t>
+              <a:t>10/05/2009</a:t>
             </a:fld>
             <a:endParaRPr lang="nl-BE"/>
           </a:p>
@@ -3592,7 +3352,7 @@
             <a:fld id="{FB938823-3E05-40BA-BF51-A1BB5DC0A85F}" type="datetimeFigureOut">
               <a:rPr lang="nl-BE" smtClean="0"/>
               <a:pPr/>
-              <a:t>08/05/2009</a:t>
+              <a:t>10/05/2009</a:t>
             </a:fld>
             <a:endParaRPr lang="nl-BE"/>
           </a:p>
@@ -3744,7 +3504,7 @@
             <a:fld id="{FB938823-3E05-40BA-BF51-A1BB5DC0A85F}" type="datetimeFigureOut">
               <a:rPr lang="nl-BE" smtClean="0"/>
               <a:pPr/>
-              <a:t>08/05/2009</a:t>
+              <a:t>10/05/2009</a:t>
             </a:fld>
             <a:endParaRPr lang="nl-BE"/>
           </a:p>
@@ -4001,7 +3761,7 @@
             <a:fld id="{FB938823-3E05-40BA-BF51-A1BB5DC0A85F}" type="datetimeFigureOut">
               <a:rPr lang="nl-BE" smtClean="0"/>
               <a:pPr/>
-              <a:t>08/05/2009</a:t>
+              <a:t>10/05/2009</a:t>
             </a:fld>
             <a:endParaRPr lang="nl-BE"/>
           </a:p>
@@ -4412,7 +4172,7 @@
             <a:fld id="{FB938823-3E05-40BA-BF51-A1BB5DC0A85F}" type="datetimeFigureOut">
               <a:rPr lang="nl-BE" smtClean="0"/>
               <a:pPr/>
-              <a:t>08/05/2009</a:t>
+              <a:t>10/05/2009</a:t>
             </a:fld>
             <a:endParaRPr lang="nl-BE"/>
           </a:p>
@@ -4860,7 +4620,7 @@
             <a:fld id="{FB938823-3E05-40BA-BF51-A1BB5DC0A85F}" type="datetimeFigureOut">
               <a:rPr lang="nl-BE" smtClean="0"/>
               <a:pPr/>
-              <a:t>08/05/2009</a:t>
+              <a:t>10/05/2009</a:t>
             </a:fld>
             <a:endParaRPr lang="nl-BE"/>
           </a:p>
@@ -4963,7 +4723,7 @@
             <a:fld id="{FB938823-3E05-40BA-BF51-A1BB5DC0A85F}" type="datetimeFigureOut">
               <a:rPr lang="nl-BE" smtClean="0"/>
               <a:pPr/>
-              <a:t>08/05/2009</a:t>
+              <a:t>10/05/2009</a:t>
             </a:fld>
             <a:endParaRPr lang="nl-BE"/>
           </a:p>
@@ -5086,7 +4846,7 @@
             <a:fld id="{FB938823-3E05-40BA-BF51-A1BB5DC0A85F}" type="datetimeFigureOut">
               <a:rPr lang="nl-BE" smtClean="0"/>
               <a:pPr/>
-              <a:t>08/05/2009</a:t>
+              <a:t>10/05/2009</a:t>
             </a:fld>
             <a:endParaRPr lang="nl-BE"/>
           </a:p>
@@ -5362,7 +5122,7 @@
             <a:fld id="{FB938823-3E05-40BA-BF51-A1BB5DC0A85F}" type="datetimeFigureOut">
               <a:rPr lang="nl-BE" smtClean="0"/>
               <a:pPr/>
-              <a:t>08/05/2009</a:t>
+              <a:t>10/05/2009</a:t>
             </a:fld>
             <a:endParaRPr lang="nl-BE"/>
           </a:p>
@@ -5569,7 +5329,7 @@
             <a:fld id="{FB938823-3E05-40BA-BF51-A1BB5DC0A85F}" type="datetimeFigureOut">
               <a:rPr lang="nl-BE" smtClean="0"/>
               <a:pPr/>
-              <a:t>08/05/2009</a:t>
+              <a:t>10/05/2009</a:t>
             </a:fld>
             <a:endParaRPr lang="nl-BE"/>
           </a:p>
@@ -6680,7 +6440,7 @@
             <a:fld id="{FB938823-3E05-40BA-BF51-A1BB5DC0A85F}" type="datetimeFigureOut">
               <a:rPr lang="nl-BE" smtClean="0"/>
               <a:pPr/>
-              <a:t>08/05/2009</a:t>
+              <a:t>10/05/2009</a:t>
             </a:fld>
             <a:endParaRPr lang="nl-BE"/>
           </a:p>
@@ -7853,19 +7613,7 @@
           <a:p>
             <a:r>
               <a:rPr lang="nl-BE" dirty="0" smtClean="0"/>
-              <a:t>Scope of the user story is nailed </a:t>
-            </a:r>
-            <a:r>
-              <a:rPr lang="nl-BE" dirty="0" smtClean="0"/>
-              <a:t>down with  </a:t>
-            </a:r>
-            <a:r>
-              <a:rPr lang="nl-BE" dirty="0" smtClean="0"/>
-              <a:t>real world </a:t>
-            </a:r>
-            <a:r>
-              <a:rPr lang="nl-BE" dirty="0" smtClean="0"/>
-              <a:t>examples</a:t>
+              <a:t>Scope of the user story is nailed down with  real world examples</a:t>
             </a:r>
           </a:p>
           <a:p>
@@ -9842,6 +9590,640 @@
           <a:p>
             <a:r>
               <a:rPr lang="nl-BE" dirty="0" smtClean="0"/>
+              <a:t>RowFixture:</a:t>
+            </a:r>
+            <a:endParaRPr lang="nl-BE" dirty="0"/>
+          </a:p>
+        </p:txBody>
+      </p:sp>
+      <p:cxnSp>
+        <p:nvCxnSpPr>
+          <p:cNvPr id="6" name="Straight Arrow Connector 5"/>
+          <p:cNvCxnSpPr/>
+          <p:nvPr/>
+        </p:nvCxnSpPr>
+        <p:spPr>
+          <a:xfrm flipV="1">
+            <a:off x="2643174" y="2428868"/>
+            <a:ext cx="1143008" cy="428628"/>
+          </a:xfrm>
+          <a:prstGeom prst="straightConnector1">
+            <a:avLst/>
+          </a:prstGeom>
+          <a:ln w="25400" cmpd="sng">
+            <a:solidFill>
+              <a:srgbClr val="FF0000"/>
+            </a:solidFill>
+            <a:tailEnd type="arrow"/>
+          </a:ln>
+        </p:spPr>
+        <p:style>
+          <a:lnRef idx="1">
+            <a:schemeClr val="accent1"/>
+          </a:lnRef>
+          <a:fillRef idx="0">
+            <a:schemeClr val="accent1"/>
+          </a:fillRef>
+          <a:effectRef idx="0">
+            <a:schemeClr val="accent1"/>
+          </a:effectRef>
+          <a:fontRef idx="minor">
+            <a:schemeClr val="tx1"/>
+          </a:fontRef>
+        </p:style>
+      </p:cxnSp>
+      <p:sp>
+        <p:nvSpPr>
+          <p:cNvPr id="19" name="TextBox 18"/>
+          <p:cNvSpPr txBox="1"/>
+          <p:nvPr/>
+        </p:nvSpPr>
+        <p:spPr>
+          <a:xfrm>
+            <a:off x="500034" y="1119830"/>
+            <a:ext cx="3472425" cy="523220"/>
+          </a:xfrm>
+          <a:prstGeom prst="rect">
+            <a:avLst/>
+          </a:prstGeom>
+          <a:noFill/>
+        </p:spPr>
+        <p:txBody>
+          <a:bodyPr wrap="none" rtlCol="0">
+            <a:spAutoFit/>
+          </a:bodyPr>
+          <a:lstStyle/>
+          <a:p>
+            <a:r>
+              <a:rPr lang="en-US" sz="2800" dirty="0" smtClean="0">
+                <a:effectLst>
+                  <a:outerShdw blurRad="38100" dist="38100" dir="2700000" algn="tl">
+                    <a:srgbClr val="000000">
+                      <a:alpha val="43137"/>
+                    </a:srgbClr>
+                  </a:outerShdw>
+                </a:effectLst>
+              </a:rPr>
+              <a:t>Batch comparisons</a:t>
+            </a:r>
+            <a:endParaRPr lang="nl-BE" sz="2800" dirty="0">
+              <a:effectLst>
+                <a:outerShdw blurRad="38100" dist="38100" dir="2700000" algn="tl">
+                  <a:srgbClr val="000000">
+                    <a:alpha val="43137"/>
+                  </a:srgbClr>
+                </a:outerShdw>
+              </a:effectLst>
+            </a:endParaRPr>
+          </a:p>
+        </p:txBody>
+      </p:sp>
+      <p:cxnSp>
+        <p:nvCxnSpPr>
+          <p:cNvPr id="10" name="Straight Arrow Connector 9"/>
+          <p:cNvCxnSpPr/>
+          <p:nvPr/>
+        </p:nvCxnSpPr>
+        <p:spPr>
+          <a:xfrm>
+            <a:off x="2643174" y="3929066"/>
+            <a:ext cx="1071570" cy="714380"/>
+          </a:xfrm>
+          <a:prstGeom prst="straightConnector1">
+            <a:avLst/>
+          </a:prstGeom>
+          <a:ln w="25400" cmpd="sng">
+            <a:solidFill>
+              <a:srgbClr val="FF0000"/>
+            </a:solidFill>
+            <a:tailEnd type="arrow"/>
+          </a:ln>
+        </p:spPr>
+        <p:style>
+          <a:lnRef idx="1">
+            <a:schemeClr val="accent1"/>
+          </a:lnRef>
+          <a:fillRef idx="0">
+            <a:schemeClr val="accent1"/>
+          </a:fillRef>
+          <a:effectRef idx="0">
+            <a:schemeClr val="accent1"/>
+          </a:effectRef>
+          <a:fontRef idx="minor">
+            <a:schemeClr val="tx1"/>
+          </a:fontRef>
+        </p:style>
+      </p:cxnSp>
+      <p:pic>
+        <p:nvPicPr>
+          <p:cNvPr id="3074" name="Picture 2"/>
+          <p:cNvPicPr>
+            <a:picLocks noChangeAspect="1" noChangeArrowheads="1"/>
+          </p:cNvPicPr>
+          <p:nvPr/>
+        </p:nvPicPr>
+        <p:blipFill>
+          <a:blip r:embed="rId3" cstate="print"/>
+          <a:srcRect/>
+          <a:stretch>
+            <a:fillRect/>
+          </a:stretch>
+        </p:blipFill>
+        <p:spPr bwMode="auto">
+          <a:xfrm>
+            <a:off x="1142976" y="2786058"/>
+            <a:ext cx="3133725" cy="1019175"/>
+          </a:xfrm>
+          <a:prstGeom prst="rect">
+            <a:avLst/>
+          </a:prstGeom>
+          <a:noFill/>
+          <a:ln w="9525">
+            <a:noFill/>
+            <a:miter lim="800000"/>
+            <a:headEnd/>
+            <a:tailEnd/>
+          </a:ln>
+          <a:effectLst/>
+        </p:spPr>
+      </p:pic>
+      <p:pic>
+        <p:nvPicPr>
+          <p:cNvPr id="3075" name="Picture 3"/>
+          <p:cNvPicPr>
+            <a:picLocks noChangeAspect="1" noChangeArrowheads="1"/>
+          </p:cNvPicPr>
+          <p:nvPr/>
+        </p:nvPicPr>
+        <p:blipFill>
+          <a:blip r:embed="rId4" cstate="print"/>
+          <a:srcRect/>
+          <a:stretch>
+            <a:fillRect/>
+          </a:stretch>
+        </p:blipFill>
+        <p:spPr bwMode="auto">
+          <a:xfrm>
+            <a:off x="3286116" y="2143116"/>
+            <a:ext cx="4000500" cy="219075"/>
+          </a:xfrm>
+          <a:prstGeom prst="rect">
+            <a:avLst/>
+          </a:prstGeom>
+          <a:noFill/>
+          <a:ln w="9525">
+            <a:noFill/>
+            <a:miter lim="800000"/>
+            <a:headEnd/>
+            <a:tailEnd/>
+          </a:ln>
+          <a:effectLst/>
+        </p:spPr>
+      </p:pic>
+      <p:pic>
+        <p:nvPicPr>
+          <p:cNvPr id="3076" name="Picture 4"/>
+          <p:cNvPicPr>
+            <a:picLocks noChangeAspect="1" noChangeArrowheads="1"/>
+          </p:cNvPicPr>
+          <p:nvPr/>
+        </p:nvPicPr>
+        <p:blipFill>
+          <a:blip r:embed="rId5" cstate="print"/>
+          <a:srcRect/>
+          <a:stretch>
+            <a:fillRect/>
+          </a:stretch>
+        </p:blipFill>
+        <p:spPr bwMode="auto">
+          <a:xfrm>
+            <a:off x="3857620" y="4500570"/>
+            <a:ext cx="3238500" cy="238125"/>
+          </a:xfrm>
+          <a:prstGeom prst="rect">
+            <a:avLst/>
+          </a:prstGeom>
+          <a:noFill/>
+          <a:ln w="9525">
+            <a:noFill/>
+            <a:miter lim="800000"/>
+            <a:headEnd/>
+            <a:tailEnd/>
+          </a:ln>
+          <a:effectLst/>
+        </p:spPr>
+      </p:pic>
+      <p:pic>
+        <p:nvPicPr>
+          <p:cNvPr id="3077" name="Picture 5"/>
+          <p:cNvPicPr>
+            <a:picLocks noChangeAspect="1" noChangeArrowheads="1"/>
+          </p:cNvPicPr>
+          <p:nvPr/>
+        </p:nvPicPr>
+        <p:blipFill>
+          <a:blip r:embed="rId6" cstate="print"/>
+          <a:srcRect/>
+          <a:stretch>
+            <a:fillRect/>
+          </a:stretch>
+        </p:blipFill>
+        <p:spPr bwMode="auto">
+          <a:xfrm>
+            <a:off x="5214942" y="3143248"/>
+            <a:ext cx="3657600" cy="266700"/>
+          </a:xfrm>
+          <a:prstGeom prst="rect">
+            <a:avLst/>
+          </a:prstGeom>
+          <a:noFill/>
+          <a:ln w="9525">
+            <a:noFill/>
+            <a:miter lim="800000"/>
+            <a:headEnd/>
+            <a:tailEnd/>
+          </a:ln>
+          <a:effectLst/>
+        </p:spPr>
+      </p:pic>
+      <p:cxnSp>
+        <p:nvCxnSpPr>
+          <p:cNvPr id="18" name="Straight Arrow Connector 17"/>
+          <p:cNvCxnSpPr/>
+          <p:nvPr/>
+        </p:nvCxnSpPr>
+        <p:spPr>
+          <a:xfrm>
+            <a:off x="4429124" y="3286124"/>
+            <a:ext cx="714380" cy="1588"/>
+          </a:xfrm>
+          <a:prstGeom prst="straightConnector1">
+            <a:avLst/>
+          </a:prstGeom>
+          <a:ln w="25400" cmpd="sng">
+            <a:solidFill>
+              <a:srgbClr val="FF0000"/>
+            </a:solidFill>
+            <a:tailEnd type="arrow"/>
+          </a:ln>
+        </p:spPr>
+        <p:style>
+          <a:lnRef idx="1">
+            <a:schemeClr val="accent1"/>
+          </a:lnRef>
+          <a:fillRef idx="0">
+            <a:schemeClr val="accent1"/>
+          </a:fillRef>
+          <a:effectRef idx="0">
+            <a:schemeClr val="accent1"/>
+          </a:effectRef>
+          <a:fontRef idx="minor">
+            <a:schemeClr val="tx1"/>
+          </a:fontRef>
+        </p:style>
+      </p:cxnSp>
+    </p:spTree>
+  </p:cSld>
+  <p:clrMapOvr>
+    <a:masterClrMapping/>
+  </p:clrMapOvr>
+  <p:timing>
+    <p:tnLst>
+      <p:par>
+        <p:cTn id="1" dur="indefinite" restart="never" nodeType="tmRoot">
+          <p:childTnLst>
+            <p:seq concurrent="1" nextAc="seek">
+              <p:cTn id="2" dur="indefinite" nodeType="mainSeq">
+                <p:childTnLst>
+                  <p:par>
+                    <p:cTn id="3" fill="hold">
+                      <p:stCondLst>
+                        <p:cond delay="indefinite"/>
+                      </p:stCondLst>
+                      <p:childTnLst>
+                        <p:par>
+                          <p:cTn id="4" fill="hold">
+                            <p:stCondLst>
+                              <p:cond delay="0"/>
+                            </p:stCondLst>
+                            <p:childTnLst>
+                              <p:par>
+                                <p:cTn id="5" presetID="1" presetClass="entr" presetSubtype="0" fill="hold" nodeType="clickEffect">
+                                  <p:stCondLst>
+                                    <p:cond delay="0"/>
+                                  </p:stCondLst>
+                                  <p:childTnLst>
+                                    <p:set>
+                                      <p:cBhvr>
+                                        <p:cTn id="6" dur="1" fill="hold">
+                                          <p:stCondLst>
+                                            <p:cond delay="0"/>
+                                          </p:stCondLst>
+                                        </p:cTn>
+                                        <p:tgtEl>
+                                          <p:spTgt spid="6"/>
+                                        </p:tgtEl>
+                                        <p:attrNameLst>
+                                          <p:attrName>style.visibility</p:attrName>
+                                        </p:attrNameLst>
+                                      </p:cBhvr>
+                                      <p:to>
+                                        <p:strVal val="visible"/>
+                                      </p:to>
+                                    </p:set>
+                                  </p:childTnLst>
+                                </p:cTn>
+                              </p:par>
+                            </p:childTnLst>
+                          </p:cTn>
+                        </p:par>
+                      </p:childTnLst>
+                    </p:cTn>
+                  </p:par>
+                  <p:par>
+                    <p:cTn id="7" fill="hold">
+                      <p:stCondLst>
+                        <p:cond delay="indefinite"/>
+                      </p:stCondLst>
+                      <p:childTnLst>
+                        <p:par>
+                          <p:cTn id="8" fill="hold">
+                            <p:stCondLst>
+                              <p:cond delay="0"/>
+                            </p:stCondLst>
+                            <p:childTnLst>
+                              <p:par>
+                                <p:cTn id="9" presetID="1" presetClass="entr" presetSubtype="0" fill="hold" nodeType="clickEffect">
+                                  <p:stCondLst>
+                                    <p:cond delay="0"/>
+                                  </p:stCondLst>
+                                  <p:childTnLst>
+                                    <p:set>
+                                      <p:cBhvr>
+                                        <p:cTn id="10" dur="1" fill="hold">
+                                          <p:stCondLst>
+                                            <p:cond delay="0"/>
+                                          </p:stCondLst>
+                                        </p:cTn>
+                                        <p:tgtEl>
+                                          <p:spTgt spid="3075"/>
+                                        </p:tgtEl>
+                                        <p:attrNameLst>
+                                          <p:attrName>style.visibility</p:attrName>
+                                        </p:attrNameLst>
+                                      </p:cBhvr>
+                                      <p:to>
+                                        <p:strVal val="visible"/>
+                                      </p:to>
+                                    </p:set>
+                                  </p:childTnLst>
+                                </p:cTn>
+                              </p:par>
+                            </p:childTnLst>
+                          </p:cTn>
+                        </p:par>
+                      </p:childTnLst>
+                    </p:cTn>
+                  </p:par>
+                  <p:par>
+                    <p:cTn id="11" fill="hold">
+                      <p:stCondLst>
+                        <p:cond delay="indefinite"/>
+                      </p:stCondLst>
+                      <p:childTnLst>
+                        <p:par>
+                          <p:cTn id="12" fill="hold">
+                            <p:stCondLst>
+                              <p:cond delay="0"/>
+                            </p:stCondLst>
+                            <p:childTnLst>
+                              <p:par>
+                                <p:cTn id="13" presetID="1" presetClass="entr" presetSubtype="0" fill="hold" nodeType="clickEffect">
+                                  <p:stCondLst>
+                                    <p:cond delay="0"/>
+                                  </p:stCondLst>
+                                  <p:childTnLst>
+                                    <p:set>
+                                      <p:cBhvr>
+                                        <p:cTn id="14" dur="1" fill="hold">
+                                          <p:stCondLst>
+                                            <p:cond delay="0"/>
+                                          </p:stCondLst>
+                                        </p:cTn>
+                                        <p:tgtEl>
+                                          <p:spTgt spid="18"/>
+                                        </p:tgtEl>
+                                        <p:attrNameLst>
+                                          <p:attrName>style.visibility</p:attrName>
+                                        </p:attrNameLst>
+                                      </p:cBhvr>
+                                      <p:to>
+                                        <p:strVal val="visible"/>
+                                      </p:to>
+                                    </p:set>
+                                  </p:childTnLst>
+                                </p:cTn>
+                              </p:par>
+                            </p:childTnLst>
+                          </p:cTn>
+                        </p:par>
+                      </p:childTnLst>
+                    </p:cTn>
+                  </p:par>
+                  <p:par>
+                    <p:cTn id="15" fill="hold">
+                      <p:stCondLst>
+                        <p:cond delay="indefinite"/>
+                      </p:stCondLst>
+                      <p:childTnLst>
+                        <p:par>
+                          <p:cTn id="16" fill="hold">
+                            <p:stCondLst>
+                              <p:cond delay="0"/>
+                            </p:stCondLst>
+                            <p:childTnLst>
+                              <p:par>
+                                <p:cTn id="17" presetID="1" presetClass="entr" presetSubtype="0" fill="hold" nodeType="clickEffect">
+                                  <p:stCondLst>
+                                    <p:cond delay="0"/>
+                                  </p:stCondLst>
+                                  <p:childTnLst>
+                                    <p:set>
+                                      <p:cBhvr>
+                                        <p:cTn id="18" dur="1" fill="hold">
+                                          <p:stCondLst>
+                                            <p:cond delay="0"/>
+                                          </p:stCondLst>
+                                        </p:cTn>
+                                        <p:tgtEl>
+                                          <p:spTgt spid="3077"/>
+                                        </p:tgtEl>
+                                        <p:attrNameLst>
+                                          <p:attrName>style.visibility</p:attrName>
+                                        </p:attrNameLst>
+                                      </p:cBhvr>
+                                      <p:to>
+                                        <p:strVal val="visible"/>
+                                      </p:to>
+                                    </p:set>
+                                  </p:childTnLst>
+                                </p:cTn>
+                              </p:par>
+                            </p:childTnLst>
+                          </p:cTn>
+                        </p:par>
+                      </p:childTnLst>
+                    </p:cTn>
+                  </p:par>
+                  <p:par>
+                    <p:cTn id="19" fill="hold">
+                      <p:stCondLst>
+                        <p:cond delay="indefinite"/>
+                      </p:stCondLst>
+                      <p:childTnLst>
+                        <p:par>
+                          <p:cTn id="20" fill="hold">
+                            <p:stCondLst>
+                              <p:cond delay="0"/>
+                            </p:stCondLst>
+                            <p:childTnLst>
+                              <p:par>
+                                <p:cTn id="21" presetID="1" presetClass="entr" presetSubtype="0" fill="hold" nodeType="clickEffect">
+                                  <p:stCondLst>
+                                    <p:cond delay="0"/>
+                                  </p:stCondLst>
+                                  <p:childTnLst>
+                                    <p:set>
+                                      <p:cBhvr>
+                                        <p:cTn id="22" dur="1" fill="hold">
+                                          <p:stCondLst>
+                                            <p:cond delay="0"/>
+                                          </p:stCondLst>
+                                        </p:cTn>
+                                        <p:tgtEl>
+                                          <p:spTgt spid="10"/>
+                                        </p:tgtEl>
+                                        <p:attrNameLst>
+                                          <p:attrName>style.visibility</p:attrName>
+                                        </p:attrNameLst>
+                                      </p:cBhvr>
+                                      <p:to>
+                                        <p:strVal val="visible"/>
+                                      </p:to>
+                                    </p:set>
+                                  </p:childTnLst>
+                                </p:cTn>
+                              </p:par>
+                            </p:childTnLst>
+                          </p:cTn>
+                        </p:par>
+                      </p:childTnLst>
+                    </p:cTn>
+                  </p:par>
+                  <p:par>
+                    <p:cTn id="23" fill="hold">
+                      <p:stCondLst>
+                        <p:cond delay="indefinite"/>
+                      </p:stCondLst>
+                      <p:childTnLst>
+                        <p:par>
+                          <p:cTn id="24" fill="hold">
+                            <p:stCondLst>
+                              <p:cond delay="0"/>
+                            </p:stCondLst>
+                            <p:childTnLst>
+                              <p:par>
+                                <p:cTn id="25" presetID="1" presetClass="entr" presetSubtype="0" fill="hold" nodeType="clickEffect">
+                                  <p:stCondLst>
+                                    <p:cond delay="0"/>
+                                  </p:stCondLst>
+                                  <p:childTnLst>
+                                    <p:set>
+                                      <p:cBhvr>
+                                        <p:cTn id="26" dur="1" fill="hold">
+                                          <p:stCondLst>
+                                            <p:cond delay="0"/>
+                                          </p:stCondLst>
+                                        </p:cTn>
+                                        <p:tgtEl>
+                                          <p:spTgt spid="3076"/>
+                                        </p:tgtEl>
+                                        <p:attrNameLst>
+                                          <p:attrName>style.visibility</p:attrName>
+                                        </p:attrNameLst>
+                                      </p:cBhvr>
+                                      <p:to>
+                                        <p:strVal val="visible"/>
+                                      </p:to>
+                                    </p:set>
+                                  </p:childTnLst>
+                                </p:cTn>
+                              </p:par>
+                            </p:childTnLst>
+                          </p:cTn>
+                        </p:par>
+                      </p:childTnLst>
+                    </p:cTn>
+                  </p:par>
+                </p:childTnLst>
+              </p:cTn>
+              <p:prevCondLst>
+                <p:cond evt="onPrev" delay="0">
+                  <p:tgtEl>
+                    <p:sldTgt/>
+                  </p:tgtEl>
+                </p:cond>
+              </p:prevCondLst>
+              <p:nextCondLst>
+                <p:cond evt="onNext" delay="0">
+                  <p:tgtEl>
+                    <p:sldTgt/>
+                  </p:tgtEl>
+                </p:cond>
+              </p:nextCondLst>
+            </p:seq>
+          </p:childTnLst>
+        </p:cTn>
+      </p:par>
+    </p:tnLst>
+  </p:timing>
+</p:sld>
+</file>
+
+<file path=ppt/slides/slide17.xml><?xml version="1.0" encoding="utf-8"?>
+<p:sld xmlns:a="http://schemas.openxmlformats.org/drawingml/2006/main" xmlns:r="http://schemas.openxmlformats.org/officeDocument/2006/relationships" xmlns:p="http://schemas.openxmlformats.org/presentationml/2006/main">
+  <p:cSld>
+    <p:spTree>
+      <p:nvGrpSpPr>
+        <p:cNvPr id="1" name=""/>
+        <p:cNvGrpSpPr/>
+        <p:nvPr/>
+      </p:nvGrpSpPr>
+      <p:grpSpPr>
+        <a:xfrm>
+          <a:off x="0" y="0"/>
+          <a:ext cx="0" cy="0"/>
+          <a:chOff x="0" y="0"/>
+          <a:chExt cx="0" cy="0"/>
+        </a:xfrm>
+      </p:grpSpPr>
+      <p:sp>
+        <p:nvSpPr>
+          <p:cNvPr id="2" name="Title 1"/>
+          <p:cNvSpPr>
+            <a:spLocks noGrp="1"/>
+          </p:cNvSpPr>
+          <p:nvPr>
+            <p:ph type="title"/>
+          </p:nvPr>
+        </p:nvSpPr>
+        <p:spPr/>
+        <p:txBody>
+          <a:bodyPr/>
+          <a:lstStyle/>
+          <a:p>
+            <a:r>
+              <a:rPr lang="nl-BE" dirty="0" smtClean="0"/>
               <a:t>DoFixture:</a:t>
             </a:r>
             <a:endParaRPr lang="nl-BE" dirty="0"/>
@@ -10526,640 +10908,6 @@
 </p:sld>
 </file>
 
-<file path=ppt/slides/slide17.xml><?xml version="1.0" encoding="utf-8"?>
-<p:sld xmlns:a="http://schemas.openxmlformats.org/drawingml/2006/main" xmlns:r="http://schemas.openxmlformats.org/officeDocument/2006/relationships" xmlns:p="http://schemas.openxmlformats.org/presentationml/2006/main">
-  <p:cSld>
-    <p:spTree>
-      <p:nvGrpSpPr>
-        <p:cNvPr id="1" name=""/>
-        <p:cNvGrpSpPr/>
-        <p:nvPr/>
-      </p:nvGrpSpPr>
-      <p:grpSpPr>
-        <a:xfrm>
-          <a:off x="0" y="0"/>
-          <a:ext cx="0" cy="0"/>
-          <a:chOff x="0" y="0"/>
-          <a:chExt cx="0" cy="0"/>
-        </a:xfrm>
-      </p:grpSpPr>
-      <p:sp>
-        <p:nvSpPr>
-          <p:cNvPr id="2" name="Title 1"/>
-          <p:cNvSpPr>
-            <a:spLocks noGrp="1"/>
-          </p:cNvSpPr>
-          <p:nvPr>
-            <p:ph type="title"/>
-          </p:nvPr>
-        </p:nvSpPr>
-        <p:spPr/>
-        <p:txBody>
-          <a:bodyPr/>
-          <a:lstStyle/>
-          <a:p>
-            <a:r>
-              <a:rPr lang="nl-BE" dirty="0" smtClean="0"/>
-              <a:t>RowFixture:</a:t>
-            </a:r>
-            <a:endParaRPr lang="nl-BE" dirty="0"/>
-          </a:p>
-        </p:txBody>
-      </p:sp>
-      <p:cxnSp>
-        <p:nvCxnSpPr>
-          <p:cNvPr id="6" name="Straight Arrow Connector 5"/>
-          <p:cNvCxnSpPr/>
-          <p:nvPr/>
-        </p:nvCxnSpPr>
-        <p:spPr>
-          <a:xfrm flipV="1">
-            <a:off x="2643174" y="2428868"/>
-            <a:ext cx="1143008" cy="428628"/>
-          </a:xfrm>
-          <a:prstGeom prst="straightConnector1">
-            <a:avLst/>
-          </a:prstGeom>
-          <a:ln w="25400" cmpd="sng">
-            <a:solidFill>
-              <a:srgbClr val="FF0000"/>
-            </a:solidFill>
-            <a:tailEnd type="arrow"/>
-          </a:ln>
-        </p:spPr>
-        <p:style>
-          <a:lnRef idx="1">
-            <a:schemeClr val="accent1"/>
-          </a:lnRef>
-          <a:fillRef idx="0">
-            <a:schemeClr val="accent1"/>
-          </a:fillRef>
-          <a:effectRef idx="0">
-            <a:schemeClr val="accent1"/>
-          </a:effectRef>
-          <a:fontRef idx="minor">
-            <a:schemeClr val="tx1"/>
-          </a:fontRef>
-        </p:style>
-      </p:cxnSp>
-      <p:sp>
-        <p:nvSpPr>
-          <p:cNvPr id="19" name="TextBox 18"/>
-          <p:cNvSpPr txBox="1"/>
-          <p:nvPr/>
-        </p:nvSpPr>
-        <p:spPr>
-          <a:xfrm>
-            <a:off x="500034" y="1119830"/>
-            <a:ext cx="3472425" cy="523220"/>
-          </a:xfrm>
-          <a:prstGeom prst="rect">
-            <a:avLst/>
-          </a:prstGeom>
-          <a:noFill/>
-        </p:spPr>
-        <p:txBody>
-          <a:bodyPr wrap="none" rtlCol="0">
-            <a:spAutoFit/>
-          </a:bodyPr>
-          <a:lstStyle/>
-          <a:p>
-            <a:r>
-              <a:rPr lang="en-US" sz="2800" dirty="0" smtClean="0">
-                <a:effectLst>
-                  <a:outerShdw blurRad="38100" dist="38100" dir="2700000" algn="tl">
-                    <a:srgbClr val="000000">
-                      <a:alpha val="43137"/>
-                    </a:srgbClr>
-                  </a:outerShdw>
-                </a:effectLst>
-              </a:rPr>
-              <a:t>Batch comparisons</a:t>
-            </a:r>
-            <a:endParaRPr lang="nl-BE" sz="2800" dirty="0">
-              <a:effectLst>
-                <a:outerShdw blurRad="38100" dist="38100" dir="2700000" algn="tl">
-                  <a:srgbClr val="000000">
-                    <a:alpha val="43137"/>
-                  </a:srgbClr>
-                </a:outerShdw>
-              </a:effectLst>
-            </a:endParaRPr>
-          </a:p>
-        </p:txBody>
-      </p:sp>
-      <p:cxnSp>
-        <p:nvCxnSpPr>
-          <p:cNvPr id="10" name="Straight Arrow Connector 9"/>
-          <p:cNvCxnSpPr/>
-          <p:nvPr/>
-        </p:nvCxnSpPr>
-        <p:spPr>
-          <a:xfrm>
-            <a:off x="2643174" y="3929066"/>
-            <a:ext cx="1071570" cy="714380"/>
-          </a:xfrm>
-          <a:prstGeom prst="straightConnector1">
-            <a:avLst/>
-          </a:prstGeom>
-          <a:ln w="25400" cmpd="sng">
-            <a:solidFill>
-              <a:srgbClr val="FF0000"/>
-            </a:solidFill>
-            <a:tailEnd type="arrow"/>
-          </a:ln>
-        </p:spPr>
-        <p:style>
-          <a:lnRef idx="1">
-            <a:schemeClr val="accent1"/>
-          </a:lnRef>
-          <a:fillRef idx="0">
-            <a:schemeClr val="accent1"/>
-          </a:fillRef>
-          <a:effectRef idx="0">
-            <a:schemeClr val="accent1"/>
-          </a:effectRef>
-          <a:fontRef idx="minor">
-            <a:schemeClr val="tx1"/>
-          </a:fontRef>
-        </p:style>
-      </p:cxnSp>
-      <p:pic>
-        <p:nvPicPr>
-          <p:cNvPr id="3074" name="Picture 2"/>
-          <p:cNvPicPr>
-            <a:picLocks noChangeAspect="1" noChangeArrowheads="1"/>
-          </p:cNvPicPr>
-          <p:nvPr/>
-        </p:nvPicPr>
-        <p:blipFill>
-          <a:blip r:embed="rId3" cstate="print"/>
-          <a:srcRect/>
-          <a:stretch>
-            <a:fillRect/>
-          </a:stretch>
-        </p:blipFill>
-        <p:spPr bwMode="auto">
-          <a:xfrm>
-            <a:off x="1142976" y="2786058"/>
-            <a:ext cx="3133725" cy="1019175"/>
-          </a:xfrm>
-          <a:prstGeom prst="rect">
-            <a:avLst/>
-          </a:prstGeom>
-          <a:noFill/>
-          <a:ln w="9525">
-            <a:noFill/>
-            <a:miter lim="800000"/>
-            <a:headEnd/>
-            <a:tailEnd/>
-          </a:ln>
-          <a:effectLst/>
-        </p:spPr>
-      </p:pic>
-      <p:pic>
-        <p:nvPicPr>
-          <p:cNvPr id="3075" name="Picture 3"/>
-          <p:cNvPicPr>
-            <a:picLocks noChangeAspect="1" noChangeArrowheads="1"/>
-          </p:cNvPicPr>
-          <p:nvPr/>
-        </p:nvPicPr>
-        <p:blipFill>
-          <a:blip r:embed="rId4" cstate="print"/>
-          <a:srcRect/>
-          <a:stretch>
-            <a:fillRect/>
-          </a:stretch>
-        </p:blipFill>
-        <p:spPr bwMode="auto">
-          <a:xfrm>
-            <a:off x="3286116" y="2143116"/>
-            <a:ext cx="4000500" cy="219075"/>
-          </a:xfrm>
-          <a:prstGeom prst="rect">
-            <a:avLst/>
-          </a:prstGeom>
-          <a:noFill/>
-          <a:ln w="9525">
-            <a:noFill/>
-            <a:miter lim="800000"/>
-            <a:headEnd/>
-            <a:tailEnd/>
-          </a:ln>
-          <a:effectLst/>
-        </p:spPr>
-      </p:pic>
-      <p:pic>
-        <p:nvPicPr>
-          <p:cNvPr id="3076" name="Picture 4"/>
-          <p:cNvPicPr>
-            <a:picLocks noChangeAspect="1" noChangeArrowheads="1"/>
-          </p:cNvPicPr>
-          <p:nvPr/>
-        </p:nvPicPr>
-        <p:blipFill>
-          <a:blip r:embed="rId5" cstate="print"/>
-          <a:srcRect/>
-          <a:stretch>
-            <a:fillRect/>
-          </a:stretch>
-        </p:blipFill>
-        <p:spPr bwMode="auto">
-          <a:xfrm>
-            <a:off x="3857620" y="4500570"/>
-            <a:ext cx="3238500" cy="238125"/>
-          </a:xfrm>
-          <a:prstGeom prst="rect">
-            <a:avLst/>
-          </a:prstGeom>
-          <a:noFill/>
-          <a:ln w="9525">
-            <a:noFill/>
-            <a:miter lim="800000"/>
-            <a:headEnd/>
-            <a:tailEnd/>
-          </a:ln>
-          <a:effectLst/>
-        </p:spPr>
-      </p:pic>
-      <p:pic>
-        <p:nvPicPr>
-          <p:cNvPr id="3077" name="Picture 5"/>
-          <p:cNvPicPr>
-            <a:picLocks noChangeAspect="1" noChangeArrowheads="1"/>
-          </p:cNvPicPr>
-          <p:nvPr/>
-        </p:nvPicPr>
-        <p:blipFill>
-          <a:blip r:embed="rId6" cstate="print"/>
-          <a:srcRect/>
-          <a:stretch>
-            <a:fillRect/>
-          </a:stretch>
-        </p:blipFill>
-        <p:spPr bwMode="auto">
-          <a:xfrm>
-            <a:off x="5214942" y="3143248"/>
-            <a:ext cx="3657600" cy="266700"/>
-          </a:xfrm>
-          <a:prstGeom prst="rect">
-            <a:avLst/>
-          </a:prstGeom>
-          <a:noFill/>
-          <a:ln w="9525">
-            <a:noFill/>
-            <a:miter lim="800000"/>
-            <a:headEnd/>
-            <a:tailEnd/>
-          </a:ln>
-          <a:effectLst/>
-        </p:spPr>
-      </p:pic>
-      <p:cxnSp>
-        <p:nvCxnSpPr>
-          <p:cNvPr id="18" name="Straight Arrow Connector 17"/>
-          <p:cNvCxnSpPr/>
-          <p:nvPr/>
-        </p:nvCxnSpPr>
-        <p:spPr>
-          <a:xfrm>
-            <a:off x="4429124" y="3286124"/>
-            <a:ext cx="714380" cy="1588"/>
-          </a:xfrm>
-          <a:prstGeom prst="straightConnector1">
-            <a:avLst/>
-          </a:prstGeom>
-          <a:ln w="25400" cmpd="sng">
-            <a:solidFill>
-              <a:srgbClr val="FF0000"/>
-            </a:solidFill>
-            <a:tailEnd type="arrow"/>
-          </a:ln>
-        </p:spPr>
-        <p:style>
-          <a:lnRef idx="1">
-            <a:schemeClr val="accent1"/>
-          </a:lnRef>
-          <a:fillRef idx="0">
-            <a:schemeClr val="accent1"/>
-          </a:fillRef>
-          <a:effectRef idx="0">
-            <a:schemeClr val="accent1"/>
-          </a:effectRef>
-          <a:fontRef idx="minor">
-            <a:schemeClr val="tx1"/>
-          </a:fontRef>
-        </p:style>
-      </p:cxnSp>
-    </p:spTree>
-  </p:cSld>
-  <p:clrMapOvr>
-    <a:masterClrMapping/>
-  </p:clrMapOvr>
-  <p:timing>
-    <p:tnLst>
-      <p:par>
-        <p:cTn id="1" dur="indefinite" restart="never" nodeType="tmRoot">
-          <p:childTnLst>
-            <p:seq concurrent="1" nextAc="seek">
-              <p:cTn id="2" dur="indefinite" nodeType="mainSeq">
-                <p:childTnLst>
-                  <p:par>
-                    <p:cTn id="3" fill="hold">
-                      <p:stCondLst>
-                        <p:cond delay="indefinite"/>
-                      </p:stCondLst>
-                      <p:childTnLst>
-                        <p:par>
-                          <p:cTn id="4" fill="hold">
-                            <p:stCondLst>
-                              <p:cond delay="0"/>
-                            </p:stCondLst>
-                            <p:childTnLst>
-                              <p:par>
-                                <p:cTn id="5" presetID="1" presetClass="entr" presetSubtype="0" fill="hold" nodeType="clickEffect">
-                                  <p:stCondLst>
-                                    <p:cond delay="0"/>
-                                  </p:stCondLst>
-                                  <p:childTnLst>
-                                    <p:set>
-                                      <p:cBhvr>
-                                        <p:cTn id="6" dur="1" fill="hold">
-                                          <p:stCondLst>
-                                            <p:cond delay="0"/>
-                                          </p:stCondLst>
-                                        </p:cTn>
-                                        <p:tgtEl>
-                                          <p:spTgt spid="6"/>
-                                        </p:tgtEl>
-                                        <p:attrNameLst>
-                                          <p:attrName>style.visibility</p:attrName>
-                                        </p:attrNameLst>
-                                      </p:cBhvr>
-                                      <p:to>
-                                        <p:strVal val="visible"/>
-                                      </p:to>
-                                    </p:set>
-                                  </p:childTnLst>
-                                </p:cTn>
-                              </p:par>
-                            </p:childTnLst>
-                          </p:cTn>
-                        </p:par>
-                      </p:childTnLst>
-                    </p:cTn>
-                  </p:par>
-                  <p:par>
-                    <p:cTn id="7" fill="hold">
-                      <p:stCondLst>
-                        <p:cond delay="indefinite"/>
-                      </p:stCondLst>
-                      <p:childTnLst>
-                        <p:par>
-                          <p:cTn id="8" fill="hold">
-                            <p:stCondLst>
-                              <p:cond delay="0"/>
-                            </p:stCondLst>
-                            <p:childTnLst>
-                              <p:par>
-                                <p:cTn id="9" presetID="1" presetClass="entr" presetSubtype="0" fill="hold" nodeType="clickEffect">
-                                  <p:stCondLst>
-                                    <p:cond delay="0"/>
-                                  </p:stCondLst>
-                                  <p:childTnLst>
-                                    <p:set>
-                                      <p:cBhvr>
-                                        <p:cTn id="10" dur="1" fill="hold">
-                                          <p:stCondLst>
-                                            <p:cond delay="0"/>
-                                          </p:stCondLst>
-                                        </p:cTn>
-                                        <p:tgtEl>
-                                          <p:spTgt spid="3075"/>
-                                        </p:tgtEl>
-                                        <p:attrNameLst>
-                                          <p:attrName>style.visibility</p:attrName>
-                                        </p:attrNameLst>
-                                      </p:cBhvr>
-                                      <p:to>
-                                        <p:strVal val="visible"/>
-                                      </p:to>
-                                    </p:set>
-                                  </p:childTnLst>
-                                </p:cTn>
-                              </p:par>
-                            </p:childTnLst>
-                          </p:cTn>
-                        </p:par>
-                      </p:childTnLst>
-                    </p:cTn>
-                  </p:par>
-                  <p:par>
-                    <p:cTn id="11" fill="hold">
-                      <p:stCondLst>
-                        <p:cond delay="indefinite"/>
-                      </p:stCondLst>
-                      <p:childTnLst>
-                        <p:par>
-                          <p:cTn id="12" fill="hold">
-                            <p:stCondLst>
-                              <p:cond delay="0"/>
-                            </p:stCondLst>
-                            <p:childTnLst>
-                              <p:par>
-                                <p:cTn id="13" presetID="1" presetClass="entr" presetSubtype="0" fill="hold" nodeType="clickEffect">
-                                  <p:stCondLst>
-                                    <p:cond delay="0"/>
-                                  </p:stCondLst>
-                                  <p:childTnLst>
-                                    <p:set>
-                                      <p:cBhvr>
-                                        <p:cTn id="14" dur="1" fill="hold">
-                                          <p:stCondLst>
-                                            <p:cond delay="0"/>
-                                          </p:stCondLst>
-                                        </p:cTn>
-                                        <p:tgtEl>
-                                          <p:spTgt spid="18"/>
-                                        </p:tgtEl>
-                                        <p:attrNameLst>
-                                          <p:attrName>style.visibility</p:attrName>
-                                        </p:attrNameLst>
-                                      </p:cBhvr>
-                                      <p:to>
-                                        <p:strVal val="visible"/>
-                                      </p:to>
-                                    </p:set>
-                                  </p:childTnLst>
-                                </p:cTn>
-                              </p:par>
-                            </p:childTnLst>
-                          </p:cTn>
-                        </p:par>
-                      </p:childTnLst>
-                    </p:cTn>
-                  </p:par>
-                  <p:par>
-                    <p:cTn id="15" fill="hold">
-                      <p:stCondLst>
-                        <p:cond delay="indefinite"/>
-                      </p:stCondLst>
-                      <p:childTnLst>
-                        <p:par>
-                          <p:cTn id="16" fill="hold">
-                            <p:stCondLst>
-                              <p:cond delay="0"/>
-                            </p:stCondLst>
-                            <p:childTnLst>
-                              <p:par>
-                                <p:cTn id="17" presetID="1" presetClass="entr" presetSubtype="0" fill="hold" nodeType="clickEffect">
-                                  <p:stCondLst>
-                                    <p:cond delay="0"/>
-                                  </p:stCondLst>
-                                  <p:childTnLst>
-                                    <p:set>
-                                      <p:cBhvr>
-                                        <p:cTn id="18" dur="1" fill="hold">
-                                          <p:stCondLst>
-                                            <p:cond delay="0"/>
-                                          </p:stCondLst>
-                                        </p:cTn>
-                                        <p:tgtEl>
-                                          <p:spTgt spid="3077"/>
-                                        </p:tgtEl>
-                                        <p:attrNameLst>
-                                          <p:attrName>style.visibility</p:attrName>
-                                        </p:attrNameLst>
-                                      </p:cBhvr>
-                                      <p:to>
-                                        <p:strVal val="visible"/>
-                                      </p:to>
-                                    </p:set>
-                                  </p:childTnLst>
-                                </p:cTn>
-                              </p:par>
-                            </p:childTnLst>
-                          </p:cTn>
-                        </p:par>
-                      </p:childTnLst>
-                    </p:cTn>
-                  </p:par>
-                  <p:par>
-                    <p:cTn id="19" fill="hold">
-                      <p:stCondLst>
-                        <p:cond delay="indefinite"/>
-                      </p:stCondLst>
-                      <p:childTnLst>
-                        <p:par>
-                          <p:cTn id="20" fill="hold">
-                            <p:stCondLst>
-                              <p:cond delay="0"/>
-                            </p:stCondLst>
-                            <p:childTnLst>
-                              <p:par>
-                                <p:cTn id="21" presetID="1" presetClass="entr" presetSubtype="0" fill="hold" nodeType="clickEffect">
-                                  <p:stCondLst>
-                                    <p:cond delay="0"/>
-                                  </p:stCondLst>
-                                  <p:childTnLst>
-                                    <p:set>
-                                      <p:cBhvr>
-                                        <p:cTn id="22" dur="1" fill="hold">
-                                          <p:stCondLst>
-                                            <p:cond delay="0"/>
-                                          </p:stCondLst>
-                                        </p:cTn>
-                                        <p:tgtEl>
-                                          <p:spTgt spid="10"/>
-                                        </p:tgtEl>
-                                        <p:attrNameLst>
-                                          <p:attrName>style.visibility</p:attrName>
-                                        </p:attrNameLst>
-                                      </p:cBhvr>
-                                      <p:to>
-                                        <p:strVal val="visible"/>
-                                      </p:to>
-                                    </p:set>
-                                  </p:childTnLst>
-                                </p:cTn>
-                              </p:par>
-                            </p:childTnLst>
-                          </p:cTn>
-                        </p:par>
-                      </p:childTnLst>
-                    </p:cTn>
-                  </p:par>
-                  <p:par>
-                    <p:cTn id="23" fill="hold">
-                      <p:stCondLst>
-                        <p:cond delay="indefinite"/>
-                      </p:stCondLst>
-                      <p:childTnLst>
-                        <p:par>
-                          <p:cTn id="24" fill="hold">
-                            <p:stCondLst>
-                              <p:cond delay="0"/>
-                            </p:stCondLst>
-                            <p:childTnLst>
-                              <p:par>
-                                <p:cTn id="25" presetID="1" presetClass="entr" presetSubtype="0" fill="hold" nodeType="clickEffect">
-                                  <p:stCondLst>
-                                    <p:cond delay="0"/>
-                                  </p:stCondLst>
-                                  <p:childTnLst>
-                                    <p:set>
-                                      <p:cBhvr>
-                                        <p:cTn id="26" dur="1" fill="hold">
-                                          <p:stCondLst>
-                                            <p:cond delay="0"/>
-                                          </p:stCondLst>
-                                        </p:cTn>
-                                        <p:tgtEl>
-                                          <p:spTgt spid="3076"/>
-                                        </p:tgtEl>
-                                        <p:attrNameLst>
-                                          <p:attrName>style.visibility</p:attrName>
-                                        </p:attrNameLst>
-                                      </p:cBhvr>
-                                      <p:to>
-                                        <p:strVal val="visible"/>
-                                      </p:to>
-                                    </p:set>
-                                  </p:childTnLst>
-                                </p:cTn>
-                              </p:par>
-                            </p:childTnLst>
-                          </p:cTn>
-                        </p:par>
-                      </p:childTnLst>
-                    </p:cTn>
-                  </p:par>
-                </p:childTnLst>
-              </p:cTn>
-              <p:prevCondLst>
-                <p:cond evt="onPrev" delay="0">
-                  <p:tgtEl>
-                    <p:sldTgt/>
-                  </p:tgtEl>
-                </p:cond>
-              </p:prevCondLst>
-              <p:nextCondLst>
-                <p:cond evt="onNext" delay="0">
-                  <p:tgtEl>
-                    <p:sldTgt/>
-                  </p:tgtEl>
-                </p:cond>
-              </p:nextCondLst>
-            </p:seq>
-          </p:childTnLst>
-        </p:cTn>
-      </p:par>
-    </p:tnLst>
-  </p:timing>
-</p:sld>
-</file>
-
 <file path=ppt/slides/slide18.xml><?xml version="1.0" encoding="utf-8"?>
 <p:sld xmlns:a="http://schemas.openxmlformats.org/drawingml/2006/main" xmlns:r="http://schemas.openxmlformats.org/officeDocument/2006/relationships" xmlns:p="http://schemas.openxmlformats.org/presentationml/2006/main">
   <p:cSld>
@@ -13675,19 +13423,12 @@
               <a:rPr lang="en-US" sz="2400" dirty="0" smtClean="0">
                 <a:hlinkClick r:id="rId4"/>
               </a:rPr>
-              <a:t>http://</a:t>
-            </a:r>
-            <a:r>
-              <a:rPr lang="en-US" sz="2400" dirty="0" smtClean="0">
-                <a:hlinkClick r:id="rId4"/>
-              </a:rPr>
-              <a:t>gojko.net/</a:t>
+              <a:t>http://gojko.net/</a:t>
             </a:r>
             <a:r>
               <a:rPr lang="en-US" sz="2400" dirty="0" smtClean="0"/>
               <a:t>    </a:t>
             </a:r>
-            <a:endParaRPr lang="en-US" sz="2400" dirty="0" smtClean="0"/>
           </a:p>
           <a:p>
             <a:pPr lvl="1"/>

--- a/Slides/20090514_iLearn_AgileAcceptanceTesting.pptx
+++ b/Slides/20090514_iLearn_AgileAcceptanceTesting.pptx
@@ -218,7 +218,7 @@
             <a:fld id="{08F0785E-033A-43CD-AF7D-1A09C6890A39}" type="datetimeFigureOut">
               <a:rPr lang="nl-BE" smtClean="0"/>
               <a:pPr/>
-              <a:t>10/05/2009</a:t>
+              <a:t>11/05/2009</a:t>
             </a:fld>
             <a:endParaRPr lang="nl-BE"/>
           </a:p>
@@ -1521,7 +1521,15 @@
             </a:pPr>
             <a:r>
               <a:rPr lang="nl-BE" baseline="0" dirty="0" smtClean="0"/>
-              <a:t>We delen ook een voorbeeld uit zodanig dat de mensen weten wat van hun verwacht wordt.</a:t>
+              <a:t>We delen ook een voorbeeld uit zodanig dat de </a:t>
+            </a:r>
+            <a:r>
+              <a:rPr lang="nl-BE" baseline="0" dirty="0" smtClean="0"/>
+              <a:t>deelnemers weten </a:t>
+            </a:r>
+            <a:r>
+              <a:rPr lang="nl-BE" baseline="0" dirty="0" smtClean="0"/>
+              <a:t>wat van hun verwacht wordt.</a:t>
             </a:r>
           </a:p>
           <a:p>
@@ -1555,7 +1563,119 @@
             </a:r>
             <a:r>
               <a:rPr lang="nl-BE" baseline="0" dirty="0" smtClean="0"/>
-              <a:t> mensen krijgen A4 papier en stiften ter beschikking om hun real world voorbeelden te noteren.</a:t>
+              <a:t> mensen krijgen A4 papier en </a:t>
+            </a:r>
+            <a:r>
+              <a:rPr lang="nl-BE" baseline="0" dirty="0" smtClean="0"/>
+              <a:t>stiften </a:t>
+            </a:r>
+            <a:r>
+              <a:rPr lang="nl-BE" baseline="0" dirty="0" smtClean="0"/>
+              <a:t>ter beschikking om hun real world voorbeelden te noteren</a:t>
+            </a:r>
+            <a:r>
+              <a:rPr lang="nl-BE" baseline="0" dirty="0" smtClean="0"/>
+              <a:t>.</a:t>
+            </a:r>
+          </a:p>
+          <a:p>
+            <a:pPr>
+              <a:buFontTx/>
+              <a:buChar char="-"/>
+            </a:pPr>
+            <a:endParaRPr lang="nl-BE" baseline="0" dirty="0" smtClean="0"/>
+          </a:p>
+          <a:p>
+            <a:r>
+              <a:rPr lang="en-US" sz="1200" u="sng" kern="1200" baseline="0" dirty="0" smtClean="0">
+                <a:solidFill>
+                  <a:schemeClr val="tx1"/>
+                </a:solidFill>
+                <a:latin typeface="+mn-lt"/>
+                <a:ea typeface="+mn-ea"/>
+                <a:cs typeface="+mn-cs"/>
+              </a:rPr>
+              <a:t>Some good questions to kick it off:</a:t>
+            </a:r>
+          </a:p>
+          <a:p>
+            <a:r>
+              <a:rPr lang="en-US" sz="1200" kern="1200" baseline="0" dirty="0" smtClean="0">
+                <a:solidFill>
+                  <a:schemeClr val="tx1"/>
+                </a:solidFill>
+                <a:latin typeface="+mn-lt"/>
+                <a:ea typeface="+mn-ea"/>
+                <a:cs typeface="+mn-cs"/>
+              </a:rPr>
+              <a:t>- How do we verify that this thing we are going to write is implemented </a:t>
+            </a:r>
+            <a:r>
+              <a:rPr lang="nl-BE" sz="1200" b="1" kern="1200" baseline="0" dirty="0" smtClean="0">
+                <a:solidFill>
+                  <a:schemeClr val="tx1"/>
+                </a:solidFill>
+                <a:latin typeface="+mn-lt"/>
+                <a:ea typeface="+mn-ea"/>
+                <a:cs typeface="+mn-cs"/>
+              </a:rPr>
+              <a:t>completely and correctly?</a:t>
+            </a:r>
+          </a:p>
+          <a:p>
+            <a:pPr>
+              <a:buFontTx/>
+              <a:buChar char="-"/>
+            </a:pPr>
+            <a:r>
+              <a:rPr lang="en-US" sz="1200" kern="1200" baseline="0" dirty="0" smtClean="0">
+                <a:solidFill>
+                  <a:schemeClr val="tx1"/>
+                </a:solidFill>
+                <a:latin typeface="+mn-lt"/>
+                <a:ea typeface="+mn-ea"/>
+                <a:cs typeface="+mn-cs"/>
+              </a:rPr>
+              <a:t> Can you give us a few </a:t>
+            </a:r>
+            <a:r>
+              <a:rPr lang="en-US" sz="1200" b="1" kern="1200" baseline="0" dirty="0" smtClean="0">
+                <a:solidFill>
+                  <a:schemeClr val="tx1"/>
+                </a:solidFill>
+                <a:latin typeface="+mn-lt"/>
+                <a:ea typeface="+mn-ea"/>
+                <a:cs typeface="+mn-cs"/>
+              </a:rPr>
+              <a:t>examples?</a:t>
+            </a:r>
+          </a:p>
+          <a:p>
+            <a:pPr>
+              <a:buFontTx/>
+              <a:buChar char="-"/>
+            </a:pPr>
+            <a:r>
+              <a:rPr lang="en-US" sz="1200" kern="1200" baseline="0" dirty="0" smtClean="0">
+                <a:solidFill>
+                  <a:schemeClr val="tx1"/>
+                </a:solidFill>
+                <a:latin typeface="+mn-lt"/>
+                <a:ea typeface="+mn-ea"/>
+                <a:cs typeface="+mn-cs"/>
+              </a:rPr>
+              <a:t> Pretend it's magic and it's already delivered – </a:t>
+            </a:r>
+            <a:r>
+              <a:rPr lang="en-US" sz="1200" b="1" kern="1200" baseline="0" dirty="0" smtClean="0">
+                <a:solidFill>
+                  <a:schemeClr val="tx1"/>
+                </a:solidFill>
+                <a:latin typeface="+mn-lt"/>
+                <a:ea typeface="+mn-ea"/>
+                <a:cs typeface="+mn-cs"/>
+              </a:rPr>
+              <a:t>how would you test it?</a:t>
             </a:r>
             <a:endParaRPr lang="nl-BE" dirty="0"/>
           </a:p>
@@ -2967,7 +3087,7 @@
             <a:fld id="{FB938823-3E05-40BA-BF51-A1BB5DC0A85F}" type="datetimeFigureOut">
               <a:rPr lang="nl-BE" smtClean="0"/>
               <a:pPr/>
-              <a:t>10/05/2009</a:t>
+              <a:t>11/05/2009</a:t>
             </a:fld>
             <a:endParaRPr lang="nl-BE"/>
           </a:p>
@@ -3165,7 +3285,7 @@
             <a:fld id="{FB938823-3E05-40BA-BF51-A1BB5DC0A85F}" type="datetimeFigureOut">
               <a:rPr lang="nl-BE" smtClean="0"/>
               <a:pPr/>
-              <a:t>10/05/2009</a:t>
+              <a:t>11/05/2009</a:t>
             </a:fld>
             <a:endParaRPr lang="nl-BE"/>
           </a:p>
@@ -3352,7 +3472,7 @@
             <a:fld id="{FB938823-3E05-40BA-BF51-A1BB5DC0A85F}" type="datetimeFigureOut">
               <a:rPr lang="nl-BE" smtClean="0"/>
               <a:pPr/>
-              <a:t>10/05/2009</a:t>
+              <a:t>11/05/2009</a:t>
             </a:fld>
             <a:endParaRPr lang="nl-BE"/>
           </a:p>
@@ -3504,7 +3624,7 @@
             <a:fld id="{FB938823-3E05-40BA-BF51-A1BB5DC0A85F}" type="datetimeFigureOut">
               <a:rPr lang="nl-BE" smtClean="0"/>
               <a:pPr/>
-              <a:t>10/05/2009</a:t>
+              <a:t>11/05/2009</a:t>
             </a:fld>
             <a:endParaRPr lang="nl-BE"/>
           </a:p>
@@ -3761,7 +3881,7 @@
             <a:fld id="{FB938823-3E05-40BA-BF51-A1BB5DC0A85F}" type="datetimeFigureOut">
               <a:rPr lang="nl-BE" smtClean="0"/>
               <a:pPr/>
-              <a:t>10/05/2009</a:t>
+              <a:t>11/05/2009</a:t>
             </a:fld>
             <a:endParaRPr lang="nl-BE"/>
           </a:p>
@@ -4172,7 +4292,7 @@
             <a:fld id="{FB938823-3E05-40BA-BF51-A1BB5DC0A85F}" type="datetimeFigureOut">
               <a:rPr lang="nl-BE" smtClean="0"/>
               <a:pPr/>
-              <a:t>10/05/2009</a:t>
+              <a:t>11/05/2009</a:t>
             </a:fld>
             <a:endParaRPr lang="nl-BE"/>
           </a:p>
@@ -4620,7 +4740,7 @@
             <a:fld id="{FB938823-3E05-40BA-BF51-A1BB5DC0A85F}" type="datetimeFigureOut">
               <a:rPr lang="nl-BE" smtClean="0"/>
               <a:pPr/>
-              <a:t>10/05/2009</a:t>
+              <a:t>11/05/2009</a:t>
             </a:fld>
             <a:endParaRPr lang="nl-BE"/>
           </a:p>
@@ -4723,7 +4843,7 @@
             <a:fld id="{FB938823-3E05-40BA-BF51-A1BB5DC0A85F}" type="datetimeFigureOut">
               <a:rPr lang="nl-BE" smtClean="0"/>
               <a:pPr/>
-              <a:t>10/05/2009</a:t>
+              <a:t>11/05/2009</a:t>
             </a:fld>
             <a:endParaRPr lang="nl-BE"/>
           </a:p>
@@ -4846,7 +4966,7 @@
             <a:fld id="{FB938823-3E05-40BA-BF51-A1BB5DC0A85F}" type="datetimeFigureOut">
               <a:rPr lang="nl-BE" smtClean="0"/>
               <a:pPr/>
-              <a:t>10/05/2009</a:t>
+              <a:t>11/05/2009</a:t>
             </a:fld>
             <a:endParaRPr lang="nl-BE"/>
           </a:p>
@@ -5122,7 +5242,7 @@
             <a:fld id="{FB938823-3E05-40BA-BF51-A1BB5DC0A85F}" type="datetimeFigureOut">
               <a:rPr lang="nl-BE" smtClean="0"/>
               <a:pPr/>
-              <a:t>10/05/2009</a:t>
+              <a:t>11/05/2009</a:t>
             </a:fld>
             <a:endParaRPr lang="nl-BE"/>
           </a:p>
@@ -5329,7 +5449,7 @@
             <a:fld id="{FB938823-3E05-40BA-BF51-A1BB5DC0A85F}" type="datetimeFigureOut">
               <a:rPr lang="nl-BE" smtClean="0"/>
               <a:pPr/>
-              <a:t>10/05/2009</a:t>
+              <a:t>11/05/2009</a:t>
             </a:fld>
             <a:endParaRPr lang="nl-BE"/>
           </a:p>
@@ -6440,7 +6560,7 @@
             <a:fld id="{FB938823-3E05-40BA-BF51-A1BB5DC0A85F}" type="datetimeFigureOut">
               <a:rPr lang="nl-BE" smtClean="0"/>
               <a:pPr/>
-              <a:t>10/05/2009</a:t>
+              <a:t>11/05/2009</a:t>
             </a:fld>
             <a:endParaRPr lang="nl-BE"/>
           </a:p>
@@ -15338,7 +15458,7 @@
         <p:spPr/>
         <p:txBody>
           <a:bodyPr>
-            <a:normAutofit fontScale="92500" lnSpcReduction="10000"/>
+            <a:normAutofit fontScale="92500" lnSpcReduction="20000"/>
           </a:bodyPr>
           <a:lstStyle/>
           <a:p>
@@ -15348,7 +15468,19 @@
             </a:r>
             <a:r>
               <a:rPr lang="nl-BE" dirty="0" smtClean="0"/>
-              <a:t> Nail down the scope of the user story with real world examples, which we all agree on.</a:t>
+              <a:t> Nail down the scope of the user </a:t>
+            </a:r>
+            <a:r>
+              <a:rPr lang="nl-BE" dirty="0" smtClean="0"/>
+              <a:t>stories </a:t>
+            </a:r>
+            <a:r>
+              <a:rPr lang="nl-BE" dirty="0" smtClean="0"/>
+              <a:t>with real world examples, which we all agree on</a:t>
+            </a:r>
+            <a:r>
+              <a:rPr lang="nl-BE" dirty="0" smtClean="0"/>
+              <a:t>.</a:t>
             </a:r>
           </a:p>
           <a:p>
@@ -15357,14 +15489,29 @@
           <a:p>
             <a:r>
               <a:rPr lang="nl-BE" dirty="0" smtClean="0"/>
-              <a:t>Collaborate in groups of 5 people to:</a:t>
+              <a:t>Workshop Outputs:</a:t>
             </a:r>
           </a:p>
           <a:p>
             <a:pPr lvl="1"/>
             <a:r>
-              <a:rPr lang="nl-BE" dirty="0" smtClean="0"/>
-              <a:t>Specify real world examples for the first user story</a:t>
+              <a:rPr lang="en-US" dirty="0" smtClean="0"/>
+              <a:t>Enough realistic examples to start </a:t>
+            </a:r>
+            <a:r>
+              <a:rPr lang="en-US" dirty="0" smtClean="0"/>
+              <a:t>working</a:t>
+            </a:r>
+          </a:p>
+          <a:p>
+            <a:pPr lvl="1"/>
+            <a:r>
+              <a:rPr lang="en-US" dirty="0" smtClean="0"/>
+              <a:t>Shared understanding of the </a:t>
+            </a:r>
+            <a:r>
+              <a:rPr lang="en-US" dirty="0" smtClean="0"/>
+              <a:t>domain</a:t>
             </a:r>
           </a:p>
           <a:p>
@@ -15409,8 +15556,20 @@
             <a:pPr lvl="1"/>
             <a:r>
               <a:rPr lang="nl-BE" dirty="0" smtClean="0"/>
-              <a:t>Describe what, not how</a:t>
-            </a:r>
+              <a:t>Describe what, not </a:t>
+            </a:r>
+            <a:r>
+              <a:rPr lang="nl-BE" dirty="0" smtClean="0"/>
+              <a:t>how</a:t>
+            </a:r>
+          </a:p>
+          <a:p>
+            <a:pPr lvl="1"/>
+            <a:r>
+              <a:rPr lang="nl-BE" dirty="0" smtClean="0"/>
+              <a:t>Communicate intent, explain why</a:t>
+            </a:r>
+            <a:endParaRPr lang="nl-BE" dirty="0" smtClean="0"/>
           </a:p>
           <a:p>
             <a:pPr>
@@ -15443,6 +15602,41 @@
             <a:r>
               <a:rPr lang="nl-BE" dirty="0" smtClean="0"/>
               <a:t>Specification Workshop (10’)</a:t>
+            </a:r>
+            <a:endParaRPr lang="nl-BE" dirty="0"/>
+          </a:p>
+        </p:txBody>
+      </p:sp>
+      <p:sp>
+        <p:nvSpPr>
+          <p:cNvPr id="4" name="Rectangle 3"/>
+          <p:cNvSpPr/>
+          <p:nvPr/>
+        </p:nvSpPr>
+        <p:spPr>
+          <a:xfrm>
+            <a:off x="3714744" y="6488668"/>
+            <a:ext cx="5429256" cy="369332"/>
+          </a:xfrm>
+          <a:prstGeom prst="rect">
+            <a:avLst/>
+          </a:prstGeom>
+        </p:spPr>
+        <p:txBody>
+          <a:bodyPr wrap="square">
+            <a:spAutoFit/>
+          </a:bodyPr>
+          <a:lstStyle/>
+          <a:p>
+            <a:r>
+              <a:rPr lang="nl-BE" dirty="0" smtClean="0">
+                <a:hlinkClick r:id="rId3"/>
+              </a:rPr>
+              <a:t>http://www.acceptancetesting.info/the-book/</a:t>
+            </a:r>
+            <a:r>
+              <a:rPr lang="nl-BE" dirty="0" smtClean="0"/>
+              <a:t> </a:t>
             </a:r>
             <a:endParaRPr lang="nl-BE" dirty="0"/>
           </a:p>
@@ -15584,33 +15778,15 @@
                                   </p:childTnLst>
                                 </p:cTn>
                               </p:par>
-                            </p:childTnLst>
-                          </p:cTn>
-                        </p:par>
-                      </p:childTnLst>
-                    </p:cTn>
-                  </p:par>
-                  <p:par>
-                    <p:cTn id="13" fill="hold">
-                      <p:stCondLst>
-                        <p:cond delay="indefinite"/>
-                      </p:stCondLst>
-                      <p:childTnLst>
-                        <p:par>
-                          <p:cTn id="14" fill="hold">
-                            <p:stCondLst>
-                              <p:cond delay="0"/>
-                            </p:stCondLst>
-                            <p:childTnLst>
                               <p:par>
-                                <p:cTn id="15" presetID="1" presetClass="entr" presetSubtype="0" fill="hold" grpId="0" nodeType="clickEffect">
+                                <p:cTn id="13" presetID="1" presetClass="entr" presetSubtype="0" fill="hold" grpId="0" nodeType="withEffect">
                                   <p:stCondLst>
                                     <p:cond delay="0"/>
                                   </p:stCondLst>
                                   <p:childTnLst>
                                     <p:set>
                                       <p:cBhvr>
-                                        <p:cTn id="16" dur="1" fill="hold">
+                                        <p:cTn id="14" dur="1" fill="hold">
                                           <p:stCondLst>
                                             <p:cond delay="0"/>
                                           </p:stCondLst>
@@ -15618,7 +15794,7 @@
                                         <p:tgtEl>
                                           <p:spTgt spid="2">
                                             <p:txEl>
-                                              <p:pRg st="5" end="5"/>
+                                              <p:pRg st="4" end="4"/>
                                             </p:txEl>
                                           </p:spTgt>
                                         </p:tgtEl>
@@ -15633,8 +15809,26 @@
                                   </p:childTnLst>
                                 </p:cTn>
                               </p:par>
+                            </p:childTnLst>
+                          </p:cTn>
+                        </p:par>
+                      </p:childTnLst>
+                    </p:cTn>
+                  </p:par>
+                  <p:par>
+                    <p:cTn id="15" fill="hold">
+                      <p:stCondLst>
+                        <p:cond delay="indefinite"/>
+                      </p:stCondLst>
+                      <p:childTnLst>
+                        <p:par>
+                          <p:cTn id="16" fill="hold">
+                            <p:stCondLst>
+                              <p:cond delay="0"/>
+                            </p:stCondLst>
+                            <p:childTnLst>
                               <p:par>
-                                <p:cTn id="17" presetID="1" presetClass="entr" presetSubtype="0" fill="hold" grpId="0" nodeType="withEffect">
+                                <p:cTn id="17" presetID="1" presetClass="entr" presetSubtype="0" fill="hold" grpId="0" nodeType="clickEffect">
                                   <p:stCondLst>
                                     <p:cond delay="0"/>
                                   </p:stCondLst>
@@ -15774,6 +15968,68 @@
                                           <p:spTgt spid="2">
                                             <p:txEl>
                                               <p:pRg st="10" end="10"/>
+                                            </p:txEl>
+                                          </p:spTgt>
+                                        </p:tgtEl>
+                                        <p:attrNameLst>
+                                          <p:attrName>style.visibility</p:attrName>
+                                        </p:attrNameLst>
+                                      </p:cBhvr>
+                                      <p:to>
+                                        <p:strVal val="visible"/>
+                                      </p:to>
+                                    </p:set>
+                                  </p:childTnLst>
+                                </p:cTn>
+                              </p:par>
+                              <p:par>
+                                <p:cTn id="27" presetID="1" presetClass="entr" presetSubtype="0" fill="hold" grpId="0" nodeType="withEffect">
+                                  <p:stCondLst>
+                                    <p:cond delay="0"/>
+                                  </p:stCondLst>
+                                  <p:childTnLst>
+                                    <p:set>
+                                      <p:cBhvr>
+                                        <p:cTn id="28" dur="1" fill="hold">
+                                          <p:stCondLst>
+                                            <p:cond delay="0"/>
+                                          </p:stCondLst>
+                                        </p:cTn>
+                                        <p:tgtEl>
+                                          <p:spTgt spid="2">
+                                            <p:txEl>
+                                              <p:pRg st="11" end="11"/>
+                                            </p:txEl>
+                                          </p:spTgt>
+                                        </p:tgtEl>
+                                        <p:attrNameLst>
+                                          <p:attrName>style.visibility</p:attrName>
+                                        </p:attrNameLst>
+                                      </p:cBhvr>
+                                      <p:to>
+                                        <p:strVal val="visible"/>
+                                      </p:to>
+                                    </p:set>
+                                  </p:childTnLst>
+                                </p:cTn>
+                              </p:par>
+                              <p:par>
+                                <p:cTn id="29" presetID="1" presetClass="entr" presetSubtype="0" fill="hold" grpId="0" nodeType="withEffect">
+                                  <p:stCondLst>
+                                    <p:cond delay="0"/>
+                                  </p:stCondLst>
+                                  <p:childTnLst>
+                                    <p:set>
+                                      <p:cBhvr>
+                                        <p:cTn id="30" dur="1" fill="hold">
+                                          <p:stCondLst>
+                                            <p:cond delay="0"/>
+                                          </p:stCondLst>
+                                        </p:cTn>
+                                        <p:tgtEl>
+                                          <p:spTgt spid="2">
+                                            <p:txEl>
+                                              <p:pRg st="12" end="12"/>
                                             </p:txEl>
                                           </p:spTgt>
                                         </p:tgtEl>

--- a/Slides/20090514_iLearn_AgileAcceptanceTesting.pptx
+++ b/Slides/20090514_iLearn_AgileAcceptanceTesting.pptx
@@ -218,7 +218,7 @@
             <a:fld id="{08F0785E-033A-43CD-AF7D-1A09C6890A39}" type="datetimeFigureOut">
               <a:rPr lang="nl-BE" smtClean="0"/>
               <a:pPr/>
-              <a:t>11/05/2009</a:t>
+              <a:t>13/05/2009</a:t>
             </a:fld>
             <a:endParaRPr lang="nl-BE"/>
           </a:p>
@@ -1521,15 +1521,7 @@
             </a:pPr>
             <a:r>
               <a:rPr lang="nl-BE" baseline="0" dirty="0" smtClean="0"/>
-              <a:t>We delen ook een voorbeeld uit zodanig dat de </a:t>
-            </a:r>
-            <a:r>
-              <a:rPr lang="nl-BE" baseline="0" dirty="0" smtClean="0"/>
-              <a:t>deelnemers weten </a:t>
-            </a:r>
-            <a:r>
-              <a:rPr lang="nl-BE" baseline="0" dirty="0" smtClean="0"/>
-              <a:t>wat van hun verwacht wordt.</a:t>
+              <a:t>We delen ook een voorbeeld uit zodanig dat de deelnemers weten wat van hun verwacht wordt.</a:t>
             </a:r>
           </a:p>
           <a:p>
@@ -1563,19 +1555,7 @@
             </a:r>
             <a:r>
               <a:rPr lang="nl-BE" baseline="0" dirty="0" smtClean="0"/>
-              <a:t> mensen krijgen A4 papier en </a:t>
-            </a:r>
-            <a:r>
-              <a:rPr lang="nl-BE" baseline="0" dirty="0" smtClean="0"/>
-              <a:t>stiften </a:t>
-            </a:r>
-            <a:r>
-              <a:rPr lang="nl-BE" baseline="0" dirty="0" smtClean="0"/>
-              <a:t>ter beschikking om hun real world voorbeelden te noteren</a:t>
-            </a:r>
-            <a:r>
-              <a:rPr lang="nl-BE" baseline="0" dirty="0" smtClean="0"/>
-              <a:t>.</a:t>
+              <a:t> mensen krijgen A4 papier en stiften ter beschikking om hun real world voorbeelden te noteren.</a:t>
             </a:r>
           </a:p>
           <a:p>
@@ -3087,7 +3067,7 @@
             <a:fld id="{FB938823-3E05-40BA-BF51-A1BB5DC0A85F}" type="datetimeFigureOut">
               <a:rPr lang="nl-BE" smtClean="0"/>
               <a:pPr/>
-              <a:t>11/05/2009</a:t>
+              <a:t>13/05/2009</a:t>
             </a:fld>
             <a:endParaRPr lang="nl-BE"/>
           </a:p>
@@ -3285,7 +3265,7 @@
             <a:fld id="{FB938823-3E05-40BA-BF51-A1BB5DC0A85F}" type="datetimeFigureOut">
               <a:rPr lang="nl-BE" smtClean="0"/>
               <a:pPr/>
-              <a:t>11/05/2009</a:t>
+              <a:t>13/05/2009</a:t>
             </a:fld>
             <a:endParaRPr lang="nl-BE"/>
           </a:p>
@@ -3472,7 +3452,7 @@
             <a:fld id="{FB938823-3E05-40BA-BF51-A1BB5DC0A85F}" type="datetimeFigureOut">
               <a:rPr lang="nl-BE" smtClean="0"/>
               <a:pPr/>
-              <a:t>11/05/2009</a:t>
+              <a:t>13/05/2009</a:t>
             </a:fld>
             <a:endParaRPr lang="nl-BE"/>
           </a:p>
@@ -3624,7 +3604,7 @@
             <a:fld id="{FB938823-3E05-40BA-BF51-A1BB5DC0A85F}" type="datetimeFigureOut">
               <a:rPr lang="nl-BE" smtClean="0"/>
               <a:pPr/>
-              <a:t>11/05/2009</a:t>
+              <a:t>13/05/2009</a:t>
             </a:fld>
             <a:endParaRPr lang="nl-BE"/>
           </a:p>
@@ -3881,7 +3861,7 @@
             <a:fld id="{FB938823-3E05-40BA-BF51-A1BB5DC0A85F}" type="datetimeFigureOut">
               <a:rPr lang="nl-BE" smtClean="0"/>
               <a:pPr/>
-              <a:t>11/05/2009</a:t>
+              <a:t>13/05/2009</a:t>
             </a:fld>
             <a:endParaRPr lang="nl-BE"/>
           </a:p>
@@ -4292,7 +4272,7 @@
             <a:fld id="{FB938823-3E05-40BA-BF51-A1BB5DC0A85F}" type="datetimeFigureOut">
               <a:rPr lang="nl-BE" smtClean="0"/>
               <a:pPr/>
-              <a:t>11/05/2009</a:t>
+              <a:t>13/05/2009</a:t>
             </a:fld>
             <a:endParaRPr lang="nl-BE"/>
           </a:p>
@@ -4740,7 +4720,7 @@
             <a:fld id="{FB938823-3E05-40BA-BF51-A1BB5DC0A85F}" type="datetimeFigureOut">
               <a:rPr lang="nl-BE" smtClean="0"/>
               <a:pPr/>
-              <a:t>11/05/2009</a:t>
+              <a:t>13/05/2009</a:t>
             </a:fld>
             <a:endParaRPr lang="nl-BE"/>
           </a:p>
@@ -4843,7 +4823,7 @@
             <a:fld id="{FB938823-3E05-40BA-BF51-A1BB5DC0A85F}" type="datetimeFigureOut">
               <a:rPr lang="nl-BE" smtClean="0"/>
               <a:pPr/>
-              <a:t>11/05/2009</a:t>
+              <a:t>13/05/2009</a:t>
             </a:fld>
             <a:endParaRPr lang="nl-BE"/>
           </a:p>
@@ -4966,7 +4946,7 @@
             <a:fld id="{FB938823-3E05-40BA-BF51-A1BB5DC0A85F}" type="datetimeFigureOut">
               <a:rPr lang="nl-BE" smtClean="0"/>
               <a:pPr/>
-              <a:t>11/05/2009</a:t>
+              <a:t>13/05/2009</a:t>
             </a:fld>
             <a:endParaRPr lang="nl-BE"/>
           </a:p>
@@ -5242,7 +5222,7 @@
             <a:fld id="{FB938823-3E05-40BA-BF51-A1BB5DC0A85F}" type="datetimeFigureOut">
               <a:rPr lang="nl-BE" smtClean="0"/>
               <a:pPr/>
-              <a:t>11/05/2009</a:t>
+              <a:t>13/05/2009</a:t>
             </a:fld>
             <a:endParaRPr lang="nl-BE"/>
           </a:p>
@@ -5449,7 +5429,7 @@
             <a:fld id="{FB938823-3E05-40BA-BF51-A1BB5DC0A85F}" type="datetimeFigureOut">
               <a:rPr lang="nl-BE" smtClean="0"/>
               <a:pPr/>
-              <a:t>11/05/2009</a:t>
+              <a:t>13/05/2009</a:t>
             </a:fld>
             <a:endParaRPr lang="nl-BE"/>
           </a:p>
@@ -6560,7 +6540,7 @@
             <a:fld id="{FB938823-3E05-40BA-BF51-A1BB5DC0A85F}" type="datetimeFigureOut">
               <a:rPr lang="nl-BE" smtClean="0"/>
               <a:pPr/>
-              <a:t>11/05/2009</a:t>
+              <a:t>13/05/2009</a:t>
             </a:fld>
             <a:endParaRPr lang="nl-BE"/>
           </a:p>
@@ -8078,7 +8058,7 @@
           <a:p>
             <a:pPr marL="624078" indent="-514350"/>
             <a:r>
-              <a:rPr lang="nl-BE" i="1" dirty="0" smtClean="0"/>
+              <a:rPr lang="nl-BE" dirty="0" smtClean="0"/>
               <a:t>Specification Workshop</a:t>
             </a:r>
           </a:p>
@@ -8107,29 +8087,29 @@
           <a:p>
             <a:pPr marL="624078" indent="-514350"/>
             <a:r>
-              <a:rPr lang="nl-BE" i="1" dirty="0" smtClean="0"/>
+              <a:rPr lang="nl-BE" dirty="0" smtClean="0"/>
               <a:t>Iteration 1</a:t>
             </a:r>
           </a:p>
           <a:p>
             <a:pPr marL="624078" indent="-514350"/>
-            <a:endParaRPr lang="nl-BE" i="1" dirty="0" smtClean="0"/>
+            <a:endParaRPr lang="nl-BE" dirty="0" smtClean="0"/>
           </a:p>
           <a:p>
             <a:pPr marL="624078" indent="-514350"/>
             <a:r>
-              <a:rPr lang="nl-BE" i="1" dirty="0" smtClean="0"/>
+              <a:rPr lang="nl-BE" dirty="0" smtClean="0"/>
               <a:t>Iteration 2</a:t>
             </a:r>
           </a:p>
           <a:p>
             <a:pPr marL="624078" indent="-514350"/>
-            <a:endParaRPr lang="nl-BE" i="1" dirty="0" smtClean="0"/>
+            <a:endParaRPr lang="nl-BE" dirty="0" smtClean="0"/>
           </a:p>
           <a:p>
             <a:pPr marL="624078" indent="-514350"/>
             <a:r>
-              <a:rPr lang="nl-BE" i="1" dirty="0" smtClean="0"/>
+              <a:rPr lang="nl-BE" dirty="0" smtClean="0"/>
               <a:t>What’s in it for you?</a:t>
             </a:r>
           </a:p>
@@ -8241,8 +8221,19 @@
           <a:p>
             <a:pPr marL="624078" indent="-514350"/>
             <a:r>
-              <a:rPr lang="nl-BE" i="1" dirty="0" smtClean="0"/>
+              <a:rPr lang="nl-BE" dirty="0" smtClean="0"/>
               <a:t>Specification Workshop</a:t>
+            </a:r>
+          </a:p>
+          <a:p>
+            <a:pPr marL="624078" indent="-514350"/>
+            <a:endParaRPr lang="nl-BE" dirty="0" smtClean="0"/>
+          </a:p>
+          <a:p>
+            <a:pPr marL="624078" indent="-514350"/>
+            <a:r>
+              <a:rPr lang="nl-BE" dirty="0" smtClean="0"/>
+              <a:t>Setup Fitnesse</a:t>
             </a:r>
           </a:p>
           <a:p>
@@ -8252,17 +8243,6 @@
           <a:p>
             <a:pPr marL="624078" indent="-514350"/>
             <a:r>
-              <a:rPr lang="nl-BE" i="1" dirty="0" smtClean="0"/>
-              <a:t>Setup Fitnesse</a:t>
-            </a:r>
-          </a:p>
-          <a:p>
-            <a:pPr marL="624078" indent="-514350"/>
-            <a:endParaRPr lang="nl-BE" i="1" dirty="0" smtClean="0"/>
-          </a:p>
-          <a:p>
-            <a:pPr marL="624078" indent="-514350"/>
-            <a:r>
               <a:rPr lang="nl-BE" b="1" i="1" dirty="0" smtClean="0"/>
               <a:t>Iteration 1</a:t>
             </a:r>
@@ -8274,18 +8254,18 @@
           <a:p>
             <a:pPr marL="624078" indent="-514350"/>
             <a:r>
-              <a:rPr lang="nl-BE" i="1" dirty="0" smtClean="0"/>
+              <a:rPr lang="nl-BE" dirty="0" smtClean="0"/>
               <a:t>Iteration 2</a:t>
             </a:r>
           </a:p>
           <a:p>
             <a:pPr marL="624078" indent="-514350"/>
-            <a:endParaRPr lang="nl-BE" i="1" dirty="0" smtClean="0"/>
+            <a:endParaRPr lang="nl-BE" dirty="0" smtClean="0"/>
           </a:p>
           <a:p>
             <a:pPr marL="624078" indent="-514350"/>
             <a:r>
-              <a:rPr lang="nl-BE" i="1" dirty="0" smtClean="0"/>
+              <a:rPr lang="nl-BE" dirty="0" smtClean="0"/>
               <a:t>What’s in it for you?</a:t>
             </a:r>
           </a:p>
@@ -11064,8 +11044,30 @@
           <a:p>
             <a:pPr marL="624078" indent="-514350"/>
             <a:r>
-              <a:rPr lang="nl-BE" i="1" dirty="0" smtClean="0"/>
+              <a:rPr lang="nl-BE" dirty="0" smtClean="0"/>
               <a:t>Specification Workshop</a:t>
+            </a:r>
+          </a:p>
+          <a:p>
+            <a:pPr marL="624078" indent="-514350"/>
+            <a:endParaRPr lang="nl-BE" dirty="0" smtClean="0"/>
+          </a:p>
+          <a:p>
+            <a:pPr marL="624078" indent="-514350"/>
+            <a:r>
+              <a:rPr lang="nl-BE" dirty="0" smtClean="0"/>
+              <a:t>Setup Fitnesse</a:t>
+            </a:r>
+          </a:p>
+          <a:p>
+            <a:pPr marL="624078" indent="-514350"/>
+            <a:endParaRPr lang="nl-BE" dirty="0" smtClean="0"/>
+          </a:p>
+          <a:p>
+            <a:pPr marL="624078" indent="-514350"/>
+            <a:r>
+              <a:rPr lang="nl-BE" dirty="0" smtClean="0"/>
+              <a:t>Iteration 1</a:t>
             </a:r>
           </a:p>
           <a:p>
@@ -11075,28 +11077,6 @@
           <a:p>
             <a:pPr marL="624078" indent="-514350"/>
             <a:r>
-              <a:rPr lang="nl-BE" i="1" dirty="0" smtClean="0"/>
-              <a:t>Setup Fitnesse</a:t>
-            </a:r>
-          </a:p>
-          <a:p>
-            <a:pPr marL="624078" indent="-514350"/>
-            <a:endParaRPr lang="nl-BE" i="1" dirty="0" smtClean="0"/>
-          </a:p>
-          <a:p>
-            <a:pPr marL="624078" indent="-514350"/>
-            <a:r>
-              <a:rPr lang="nl-BE" i="1" dirty="0" smtClean="0"/>
-              <a:t>Iteration 1</a:t>
-            </a:r>
-          </a:p>
-          <a:p>
-            <a:pPr marL="624078" indent="-514350"/>
-            <a:endParaRPr lang="nl-BE" i="1" dirty="0" smtClean="0"/>
-          </a:p>
-          <a:p>
-            <a:pPr marL="624078" indent="-514350"/>
-            <a:r>
               <a:rPr lang="nl-BE" b="1" i="1" dirty="0" smtClean="0"/>
               <a:t>Iteration 2</a:t>
             </a:r>
@@ -11108,7 +11088,7 @@
           <a:p>
             <a:pPr marL="624078" indent="-514350"/>
             <a:r>
-              <a:rPr lang="nl-BE" i="1" dirty="0" smtClean="0"/>
+              <a:rPr lang="nl-BE" dirty="0" smtClean="0"/>
               <a:t>What’s in it for you?</a:t>
             </a:r>
           </a:p>
@@ -12087,40 +12067,40 @@
           <a:p>
             <a:pPr marL="624078" indent="-514350"/>
             <a:r>
-              <a:rPr lang="nl-BE" i="1" dirty="0" smtClean="0"/>
+              <a:rPr lang="nl-BE" dirty="0" smtClean="0"/>
               <a:t>Specification Workshop</a:t>
             </a:r>
           </a:p>
           <a:p>
             <a:pPr marL="624078" indent="-514350"/>
-            <a:endParaRPr lang="nl-BE" i="1" dirty="0" smtClean="0"/>
+            <a:endParaRPr lang="nl-BE" dirty="0" smtClean="0"/>
           </a:p>
           <a:p>
             <a:pPr marL="624078" indent="-514350"/>
             <a:r>
-              <a:rPr lang="nl-BE" i="1" dirty="0" smtClean="0"/>
+              <a:rPr lang="nl-BE" dirty="0" smtClean="0"/>
               <a:t>Setup Fitnesse</a:t>
             </a:r>
           </a:p>
           <a:p>
             <a:pPr marL="624078" indent="-514350"/>
-            <a:endParaRPr lang="nl-BE" i="1" dirty="0" smtClean="0"/>
+            <a:endParaRPr lang="nl-BE" dirty="0" smtClean="0"/>
           </a:p>
           <a:p>
             <a:pPr marL="624078" indent="-514350"/>
             <a:r>
-              <a:rPr lang="nl-BE" i="1" dirty="0" smtClean="0"/>
+              <a:rPr lang="nl-BE" dirty="0" smtClean="0"/>
               <a:t>Iteration 1</a:t>
             </a:r>
           </a:p>
           <a:p>
             <a:pPr marL="624078" indent="-514350"/>
-            <a:endParaRPr lang="nl-BE" i="1" dirty="0" smtClean="0"/>
+            <a:endParaRPr lang="nl-BE" dirty="0" smtClean="0"/>
           </a:p>
           <a:p>
             <a:pPr marL="624078" indent="-514350"/>
             <a:r>
-              <a:rPr lang="nl-BE" i="1" dirty="0" smtClean="0"/>
+              <a:rPr lang="nl-BE" dirty="0" smtClean="0"/>
               <a:t>Iteration 2</a:t>
             </a:r>
           </a:p>
@@ -14474,7 +14454,7 @@
           <a:p>
             <a:pPr marL="624078" indent="-514350"/>
             <a:r>
-              <a:rPr lang="nl-BE" i="1" dirty="0" smtClean="0"/>
+              <a:rPr lang="nl-BE" dirty="0" smtClean="0"/>
               <a:t>Setup Fitnesse</a:t>
             </a:r>
           </a:p>
@@ -14485,7 +14465,7 @@
           <a:p>
             <a:pPr marL="624078" indent="-514350"/>
             <a:r>
-              <a:rPr lang="nl-BE" i="1" dirty="0" smtClean="0"/>
+              <a:rPr lang="nl-BE" dirty="0" smtClean="0"/>
               <a:t>Iteration 1</a:t>
             </a:r>
           </a:p>
@@ -14496,7 +14476,7 @@
           <a:p>
             <a:pPr marL="624078" indent="-514350"/>
             <a:r>
-              <a:rPr lang="nl-BE" i="1" dirty="0" smtClean="0"/>
+              <a:rPr lang="nl-BE" dirty="0" smtClean="0"/>
               <a:t>Iteration 2</a:t>
             </a:r>
           </a:p>
@@ -14651,7 +14631,19 @@
             </a:pPr>
             <a:r>
               <a:rPr lang="nl-BE" i="1" dirty="0" smtClean="0"/>
-              <a:t>“We need an application where they can order pizza’s, beverages, snacks,... as their evening lunch! So they can work longer!”   </a:t>
+              <a:t>“We need an application where they can order pizza’s, beverages, snacks,... as their </a:t>
+            </a:r>
+            <a:r>
+              <a:rPr lang="nl-BE" i="1" smtClean="0"/>
+              <a:t>evening </a:t>
+            </a:r>
+            <a:r>
+              <a:rPr lang="nl-BE" i="1" smtClean="0"/>
+              <a:t>dinner! </a:t>
+            </a:r>
+            <a:r>
+              <a:rPr lang="nl-BE" i="1" dirty="0" smtClean="0"/>
+              <a:t>So they can work longer!”   </a:t>
             </a:r>
           </a:p>
         </p:txBody>
@@ -15468,19 +15460,7 @@
             </a:r>
             <a:r>
               <a:rPr lang="nl-BE" dirty="0" smtClean="0"/>
-              <a:t> Nail down the scope of the user </a:t>
-            </a:r>
-            <a:r>
-              <a:rPr lang="nl-BE" dirty="0" smtClean="0"/>
-              <a:t>stories </a:t>
-            </a:r>
-            <a:r>
-              <a:rPr lang="nl-BE" dirty="0" smtClean="0"/>
-              <a:t>with real world examples, which we all agree on</a:t>
-            </a:r>
-            <a:r>
-              <a:rPr lang="nl-BE" dirty="0" smtClean="0"/>
-              <a:t>.</a:t>
+              <a:t> Nail down the scope of the user stories with real world examples, which we all agree on.</a:t>
             </a:r>
           </a:p>
           <a:p>
@@ -15496,22 +15476,14 @@
             <a:pPr lvl="1"/>
             <a:r>
               <a:rPr lang="en-US" dirty="0" smtClean="0"/>
-              <a:t>Enough realistic examples to start </a:t>
-            </a:r>
+              <a:t>Enough realistic examples to start working</a:t>
+            </a:r>
+          </a:p>
+          <a:p>
+            <a:pPr lvl="1"/>
             <a:r>
               <a:rPr lang="en-US" dirty="0" smtClean="0"/>
-              <a:t>working</a:t>
-            </a:r>
-          </a:p>
-          <a:p>
-            <a:pPr lvl="1"/>
-            <a:r>
-              <a:rPr lang="en-US" dirty="0" smtClean="0"/>
-              <a:t>Shared understanding of the </a:t>
-            </a:r>
-            <a:r>
-              <a:rPr lang="en-US" dirty="0" smtClean="0"/>
-              <a:t>domain</a:t>
+              <a:t>Shared understanding of the domain</a:t>
             </a:r>
           </a:p>
           <a:p>
@@ -15556,11 +15528,7 @@
             <a:pPr lvl="1"/>
             <a:r>
               <a:rPr lang="nl-BE" dirty="0" smtClean="0"/>
-              <a:t>Describe what, not </a:t>
-            </a:r>
-            <a:r>
-              <a:rPr lang="nl-BE" dirty="0" smtClean="0"/>
-              <a:t>how</a:t>
+              <a:t>Describe what, not how</a:t>
             </a:r>
           </a:p>
           <a:p>
@@ -15569,7 +15537,6 @@
               <a:rPr lang="nl-BE" dirty="0" smtClean="0"/>
               <a:t>Communicate intent, explain why</a:t>
             </a:r>
-            <a:endParaRPr lang="nl-BE" dirty="0" smtClean="0"/>
           </a:p>
           <a:p>
             <a:pPr>
